--- a/Img/AnovaModeling.pptx
+++ b/Img/AnovaModeling.pptx
@@ -8,6 +8,10 @@
     <p:sldId id="256" r:id="rId2"/>
     <p:sldId id="258" r:id="rId3"/>
     <p:sldId id="257" r:id="rId4"/>
+    <p:sldId id="259" r:id="rId5"/>
+    <p:sldId id="260" r:id="rId6"/>
+    <p:sldId id="261" r:id="rId7"/>
+    <p:sldId id="262" r:id="rId8"/>
   </p:sldIdLst>
   <p:sldSz cx="12192000" cy="6858000"/>
   <p:notesSz cx="6858000" cy="9144000"/>
@@ -483,7 +487,7 @@
           <a:p>
             <a:fld id="{E3020441-CB21-445C-817D-199401EC5197}" type="datetimeFigureOut">
               <a:rPr kumimoji="1" lang="ja-JP" altLang="en-US" smtClean="0"/>
-              <a:t>2024/5/30</a:t>
+              <a:t>2024/6/6</a:t>
             </a:fld>
             <a:endParaRPr kumimoji="1" lang="ja-JP" altLang="en-US"/>
           </a:p>
@@ -713,7 +717,7 @@
           <a:p>
             <a:fld id="{E3020441-CB21-445C-817D-199401EC5197}" type="datetimeFigureOut">
               <a:rPr kumimoji="1" lang="ja-JP" altLang="en-US" smtClean="0"/>
-              <a:t>2024/5/30</a:t>
+              <a:t>2024/6/6</a:t>
             </a:fld>
             <a:endParaRPr kumimoji="1" lang="ja-JP" altLang="en-US"/>
           </a:p>
@@ -953,7 +957,7 @@
           <a:p>
             <a:fld id="{E3020441-CB21-445C-817D-199401EC5197}" type="datetimeFigureOut">
               <a:rPr kumimoji="1" lang="ja-JP" altLang="en-US" smtClean="0"/>
-              <a:t>2024/5/30</a:t>
+              <a:t>2024/6/6</a:t>
             </a:fld>
             <a:endParaRPr kumimoji="1" lang="ja-JP" altLang="en-US"/>
           </a:p>
@@ -1183,7 +1187,7 @@
           <a:p>
             <a:fld id="{E3020441-CB21-445C-817D-199401EC5197}" type="datetimeFigureOut">
               <a:rPr kumimoji="1" lang="ja-JP" altLang="en-US" smtClean="0"/>
-              <a:t>2024/5/30</a:t>
+              <a:t>2024/6/6</a:t>
             </a:fld>
             <a:endParaRPr kumimoji="1" lang="ja-JP" altLang="en-US"/>
           </a:p>
@@ -1458,7 +1462,7 @@
           <a:p>
             <a:fld id="{E3020441-CB21-445C-817D-199401EC5197}" type="datetimeFigureOut">
               <a:rPr kumimoji="1" lang="ja-JP" altLang="en-US" smtClean="0"/>
-              <a:t>2024/5/30</a:t>
+              <a:t>2024/6/6</a:t>
             </a:fld>
             <a:endParaRPr kumimoji="1" lang="ja-JP" altLang="en-US"/>
           </a:p>
@@ -1787,7 +1791,7 @@
           <a:p>
             <a:fld id="{E3020441-CB21-445C-817D-199401EC5197}" type="datetimeFigureOut">
               <a:rPr kumimoji="1" lang="ja-JP" altLang="en-US" smtClean="0"/>
-              <a:t>2024/5/30</a:t>
+              <a:t>2024/6/6</a:t>
             </a:fld>
             <a:endParaRPr kumimoji="1" lang="ja-JP" altLang="en-US"/>
           </a:p>
@@ -2263,7 +2267,7 @@
           <a:p>
             <a:fld id="{E3020441-CB21-445C-817D-199401EC5197}" type="datetimeFigureOut">
               <a:rPr kumimoji="1" lang="ja-JP" altLang="en-US" smtClean="0"/>
-              <a:t>2024/5/30</a:t>
+              <a:t>2024/6/6</a:t>
             </a:fld>
             <a:endParaRPr kumimoji="1" lang="ja-JP" altLang="en-US"/>
           </a:p>
@@ -2404,7 +2408,7 @@
           <a:p>
             <a:fld id="{E3020441-CB21-445C-817D-199401EC5197}" type="datetimeFigureOut">
               <a:rPr kumimoji="1" lang="ja-JP" altLang="en-US" smtClean="0"/>
-              <a:t>2024/5/30</a:t>
+              <a:t>2024/6/6</a:t>
             </a:fld>
             <a:endParaRPr kumimoji="1" lang="ja-JP" altLang="en-US"/>
           </a:p>
@@ -2517,7 +2521,7 @@
           <a:p>
             <a:fld id="{E3020441-CB21-445C-817D-199401EC5197}" type="datetimeFigureOut">
               <a:rPr kumimoji="1" lang="ja-JP" altLang="en-US" smtClean="0"/>
-              <a:t>2024/5/30</a:t>
+              <a:t>2024/6/6</a:t>
             </a:fld>
             <a:endParaRPr kumimoji="1" lang="ja-JP" altLang="en-US"/>
           </a:p>
@@ -2860,7 +2864,7 @@
           <a:p>
             <a:fld id="{E3020441-CB21-445C-817D-199401EC5197}" type="datetimeFigureOut">
               <a:rPr kumimoji="1" lang="ja-JP" altLang="en-US" smtClean="0"/>
-              <a:t>2024/5/30</a:t>
+              <a:t>2024/6/6</a:t>
             </a:fld>
             <a:endParaRPr kumimoji="1" lang="ja-JP" altLang="en-US"/>
           </a:p>
@@ -3148,7 +3152,7 @@
           <a:p>
             <a:fld id="{E3020441-CB21-445C-817D-199401EC5197}" type="datetimeFigureOut">
               <a:rPr kumimoji="1" lang="ja-JP" altLang="en-US" smtClean="0"/>
-              <a:t>2024/5/30</a:t>
+              <a:t>2024/6/6</a:t>
             </a:fld>
             <a:endParaRPr kumimoji="1" lang="ja-JP" altLang="en-US"/>
           </a:p>
@@ -3421,7 +3425,7 @@
           <a:p>
             <a:fld id="{E3020441-CB21-445C-817D-199401EC5197}" type="datetimeFigureOut">
               <a:rPr kumimoji="1" lang="ja-JP" altLang="en-US" smtClean="0"/>
-              <a:t>2024/5/30</a:t>
+              <a:t>2024/6/6</a:t>
             </a:fld>
             <a:endParaRPr kumimoji="1" lang="ja-JP" altLang="en-US"/>
           </a:p>
@@ -4262,6 +4266,10 @@
               <a:rPr kumimoji="1" lang="ja-JP" altLang="en-US" dirty="0"/>
               <a:t>水準：</a:t>
             </a:r>
+            <a:r>
+              <a:rPr kumimoji="1" lang="en-US" altLang="ja-JP" dirty="0"/>
+              <a:t/>
+            </a:r>
             <a:br>
               <a:rPr kumimoji="1" lang="en-US" altLang="ja-JP" dirty="0"/>
             </a:br>
@@ -4276,6 +4284,10 @@
             <a:r>
               <a:rPr kumimoji="1" lang="ja-JP" altLang="en-US" dirty="0"/>
               <a:t>石川</a:t>
+            </a:r>
+            <a:r>
+              <a:rPr kumimoji="1" lang="en-US" altLang="ja-JP" dirty="0"/>
+              <a:t/>
             </a:r>
             <a:br>
               <a:rPr kumimoji="1" lang="en-US" altLang="ja-JP" dirty="0"/>
@@ -4473,6 +4485,10 @@
               <a:rPr kumimoji="1" lang="ja-JP" altLang="en-US" dirty="0"/>
               <a:t>：</a:t>
             </a:r>
+            <a:r>
+              <a:rPr kumimoji="1" lang="en-US" altLang="ja-JP" dirty="0"/>
+              <a:t/>
+            </a:r>
             <a:br>
               <a:rPr kumimoji="1" lang="en-US" altLang="ja-JP" dirty="0"/>
             </a:br>
@@ -4601,6 +4617,10 @@
             <a:r>
               <a:rPr kumimoji="1" lang="ja-JP" altLang="en-US" dirty="0"/>
               <a:t>：</a:t>
+            </a:r>
+            <a:r>
+              <a:rPr kumimoji="1" lang="en-US" altLang="ja-JP" dirty="0"/>
+              <a:t/>
             </a:r>
             <a:br>
               <a:rPr kumimoji="1" lang="en-US" altLang="ja-JP" dirty="0"/>
@@ -4689,6 +4709,1993 @@
     <p:extLst>
       <p:ext uri="{BB962C8B-B14F-4D97-AF65-F5344CB8AC3E}">
         <p14:creationId xmlns:p14="http://schemas.microsoft.com/office/powerpoint/2010/main" val="1241106311"/>
+      </p:ext>
+    </p:extLst>
+  </p:cSld>
+  <p:clrMapOvr>
+    <a:masterClrMapping/>
+  </p:clrMapOvr>
+</p:sld>
+</file>
+
+<file path=ppt/slides/slide4.xml><?xml version="1.0" encoding="utf-8"?>
+<p:sld xmlns:a="http://schemas.openxmlformats.org/drawingml/2006/main" xmlns:r="http://schemas.openxmlformats.org/officeDocument/2006/relationships" xmlns:p="http://schemas.openxmlformats.org/presentationml/2006/main">
+  <p:cSld>
+    <p:spTree>
+      <p:nvGrpSpPr>
+        <p:cNvPr id="1" name=""/>
+        <p:cNvGrpSpPr/>
+        <p:nvPr/>
+      </p:nvGrpSpPr>
+      <p:grpSpPr>
+        <a:xfrm>
+          <a:off x="0" y="0"/>
+          <a:ext cx="0" cy="0"/>
+          <a:chOff x="0" y="0"/>
+          <a:chExt cx="0" cy="0"/>
+        </a:xfrm>
+      </p:grpSpPr>
+      <p:sp>
+        <p:nvSpPr>
+          <p:cNvPr id="4" name="正方形/長方形 3">
+            <a:extLst>
+              <a:ext uri="{FF2B5EF4-FFF2-40B4-BE49-F238E27FC236}">
+                <a16:creationId xmlns:a16="http://schemas.microsoft.com/office/drawing/2014/main" id="{D1E12261-89B1-F2A3-34A0-BBE7B31A48CA}"/>
+              </a:ext>
+            </a:extLst>
+          </p:cNvPr>
+          <p:cNvSpPr/>
+          <p:nvPr/>
+        </p:nvSpPr>
+        <p:spPr>
+          <a:xfrm>
+            <a:off x="6934200" y="2916936"/>
+            <a:ext cx="2476500" cy="1024128"/>
+          </a:xfrm>
+          <a:prstGeom prst="rect">
+            <a:avLst/>
+          </a:prstGeom>
+        </p:spPr>
+        <p:style>
+          <a:lnRef idx="2">
+            <a:schemeClr val="accent3">
+              <a:shade val="15000"/>
+            </a:schemeClr>
+          </a:lnRef>
+          <a:fillRef idx="1">
+            <a:schemeClr val="accent3"/>
+          </a:fillRef>
+          <a:effectRef idx="0">
+            <a:schemeClr val="accent3"/>
+          </a:effectRef>
+          <a:fontRef idx="minor">
+            <a:schemeClr val="lt1"/>
+          </a:fontRef>
+        </p:style>
+        <p:txBody>
+          <a:bodyPr rtlCol="0" anchor="ctr"/>
+          <a:lstStyle/>
+          <a:p>
+            <a:pPr algn="ctr"/>
+            <a:r>
+              <a:rPr kumimoji="1" lang="ja-JP" altLang="en-US" dirty="0"/>
+              <a:t>目的変数：</a:t>
+            </a:r>
+            <a:endParaRPr kumimoji="1" lang="en-US" altLang="ja-JP" dirty="0"/>
+          </a:p>
+          <a:p>
+            <a:pPr algn="ctr"/>
+            <a:r>
+              <a:rPr kumimoji="1" lang="ja-JP" altLang="en-US" dirty="0" smtClean="0"/>
+              <a:t>収穫量</a:t>
+            </a:r>
+            <a:endParaRPr kumimoji="1" lang="en-US" altLang="ja-JP" dirty="0" smtClean="0"/>
+          </a:p>
+          <a:p>
+            <a:pPr algn="ctr"/>
+            <a:r>
+              <a:rPr lang="ja-JP" altLang="en-US" dirty="0" smtClean="0"/>
+              <a:t>（連続変数）</a:t>
+            </a:r>
+            <a:endParaRPr kumimoji="1" lang="ja-JP" altLang="en-US" dirty="0"/>
+          </a:p>
+        </p:txBody>
+      </p:sp>
+      <p:sp>
+        <p:nvSpPr>
+          <p:cNvPr id="5" name="正方形/長方形 4">
+            <a:extLst>
+              <a:ext uri="{FF2B5EF4-FFF2-40B4-BE49-F238E27FC236}">
+                <a16:creationId xmlns:a16="http://schemas.microsoft.com/office/drawing/2014/main" id="{AC2650BC-2D2B-5AF3-86DA-8F1504AF3245}"/>
+              </a:ext>
+            </a:extLst>
+          </p:cNvPr>
+          <p:cNvSpPr/>
+          <p:nvPr/>
+        </p:nvSpPr>
+        <p:spPr>
+          <a:xfrm>
+            <a:off x="2514600" y="1695449"/>
+            <a:ext cx="2371725" cy="1485900"/>
+          </a:xfrm>
+          <a:prstGeom prst="rect">
+            <a:avLst/>
+          </a:prstGeom>
+        </p:spPr>
+        <p:style>
+          <a:lnRef idx="2">
+            <a:schemeClr val="accent3">
+              <a:shade val="15000"/>
+            </a:schemeClr>
+          </a:lnRef>
+          <a:fillRef idx="1">
+            <a:schemeClr val="accent3"/>
+          </a:fillRef>
+          <a:effectRef idx="0">
+            <a:schemeClr val="accent3"/>
+          </a:effectRef>
+          <a:fontRef idx="minor">
+            <a:schemeClr val="lt1"/>
+          </a:fontRef>
+        </p:style>
+        <p:txBody>
+          <a:bodyPr rtlCol="0" anchor="ctr"/>
+          <a:lstStyle/>
+          <a:p>
+            <a:pPr algn="ctr"/>
+            <a:r>
+              <a:rPr kumimoji="1" lang="ja-JP" altLang="en-US" dirty="0"/>
+              <a:t>説明変数</a:t>
+            </a:r>
+            <a:r>
+              <a:rPr kumimoji="1" lang="en-US" altLang="ja-JP" dirty="0"/>
+              <a:t>1</a:t>
+            </a:r>
+            <a:r>
+              <a:rPr kumimoji="1" lang="ja-JP" altLang="en-US" dirty="0"/>
+              <a:t>：</a:t>
+            </a:r>
+            <a:r>
+              <a:rPr kumimoji="1" lang="en-US" altLang="ja-JP" dirty="0"/>
+              <a:t/>
+            </a:r>
+            <a:br>
+              <a:rPr kumimoji="1" lang="en-US" altLang="ja-JP" dirty="0"/>
+            </a:br>
+            <a:r>
+              <a:rPr kumimoji="1" lang="ja-JP" altLang="en-US" dirty="0" smtClean="0"/>
+              <a:t>小麦品種</a:t>
+            </a:r>
+            <a:endParaRPr kumimoji="1" lang="en-US" altLang="ja-JP" dirty="0" smtClean="0"/>
+          </a:p>
+          <a:p>
+            <a:pPr algn="ctr"/>
+            <a:endParaRPr kumimoji="1" lang="en-US" altLang="ja-JP" sz="500" dirty="0"/>
+          </a:p>
+          <a:p>
+            <a:pPr algn="ctr"/>
+            <a:r>
+              <a:rPr kumimoji="1" lang="ja-JP" altLang="en-US" dirty="0"/>
+              <a:t>水準：</a:t>
+            </a:r>
+            <a:r>
+              <a:rPr kumimoji="1" lang="en-US" altLang="ja-JP" dirty="0" smtClean="0"/>
+              <a:t>A</a:t>
+            </a:r>
+            <a:r>
+              <a:rPr lang="en-US" altLang="ja-JP" dirty="0" smtClean="0"/>
+              <a:t>,B</a:t>
+            </a:r>
+            <a:endParaRPr lang="en-US" altLang="ja-JP" dirty="0"/>
+          </a:p>
+        </p:txBody>
+      </p:sp>
+      <p:cxnSp>
+        <p:nvCxnSpPr>
+          <p:cNvPr id="6" name="直線矢印コネクタ 5">
+            <a:extLst>
+              <a:ext uri="{FF2B5EF4-FFF2-40B4-BE49-F238E27FC236}">
+                <a16:creationId xmlns:a16="http://schemas.microsoft.com/office/drawing/2014/main" id="{78716ED2-DF3B-D92E-7BD8-3AA09D91A477}"/>
+              </a:ext>
+            </a:extLst>
+          </p:cNvPr>
+          <p:cNvCxnSpPr>
+            <a:cxnSpLocks/>
+            <a:stCxn id="5" idx="3"/>
+            <a:endCxn id="4" idx="1"/>
+          </p:cNvCxnSpPr>
+          <p:nvPr/>
+        </p:nvCxnSpPr>
+        <p:spPr>
+          <a:xfrm>
+            <a:off x="4886325" y="2438399"/>
+            <a:ext cx="2047875" cy="990601"/>
+          </a:xfrm>
+          <a:prstGeom prst="straightConnector1">
+            <a:avLst/>
+          </a:prstGeom>
+          <a:ln>
+            <a:tailEnd type="triangle"/>
+          </a:ln>
+        </p:spPr>
+        <p:style>
+          <a:lnRef idx="2">
+            <a:schemeClr val="accent3">
+              <a:shade val="15000"/>
+            </a:schemeClr>
+          </a:lnRef>
+          <a:fillRef idx="1">
+            <a:schemeClr val="accent3"/>
+          </a:fillRef>
+          <a:effectRef idx="0">
+            <a:schemeClr val="accent3"/>
+          </a:effectRef>
+          <a:fontRef idx="minor">
+            <a:schemeClr val="lt1"/>
+          </a:fontRef>
+        </p:style>
+      </p:cxnSp>
+      <p:sp>
+        <p:nvSpPr>
+          <p:cNvPr id="9" name="正方形/長方形 8">
+            <a:extLst>
+              <a:ext uri="{FF2B5EF4-FFF2-40B4-BE49-F238E27FC236}">
+                <a16:creationId xmlns:a16="http://schemas.microsoft.com/office/drawing/2014/main" id="{CBC8A939-E168-8640-4151-6E3418F38040}"/>
+              </a:ext>
+            </a:extLst>
+          </p:cNvPr>
+          <p:cNvSpPr/>
+          <p:nvPr/>
+        </p:nvSpPr>
+        <p:spPr>
+          <a:xfrm>
+            <a:off x="2514600" y="3724276"/>
+            <a:ext cx="2371725" cy="1485900"/>
+          </a:xfrm>
+          <a:prstGeom prst="rect">
+            <a:avLst/>
+          </a:prstGeom>
+        </p:spPr>
+        <p:style>
+          <a:lnRef idx="2">
+            <a:schemeClr val="accent3">
+              <a:shade val="50000"/>
+            </a:schemeClr>
+          </a:lnRef>
+          <a:fillRef idx="1">
+            <a:schemeClr val="accent3"/>
+          </a:fillRef>
+          <a:effectRef idx="0">
+            <a:schemeClr val="accent3"/>
+          </a:effectRef>
+          <a:fontRef idx="minor">
+            <a:schemeClr val="lt1"/>
+          </a:fontRef>
+        </p:style>
+        <p:txBody>
+          <a:bodyPr rtlCol="0" anchor="ctr"/>
+          <a:lstStyle/>
+          <a:p>
+            <a:pPr algn="ctr"/>
+            <a:r>
+              <a:rPr kumimoji="1" lang="ja-JP" altLang="en-US" dirty="0"/>
+              <a:t>説明変数</a:t>
+            </a:r>
+            <a:r>
+              <a:rPr kumimoji="1" lang="en-US" altLang="ja-JP" dirty="0"/>
+              <a:t>2</a:t>
+            </a:r>
+            <a:r>
+              <a:rPr kumimoji="1" lang="ja-JP" altLang="en-US" dirty="0"/>
+              <a:t>：</a:t>
+            </a:r>
+            <a:r>
+              <a:rPr kumimoji="1" lang="en-US" altLang="ja-JP" dirty="0"/>
+              <a:t/>
+            </a:r>
+            <a:br>
+              <a:rPr kumimoji="1" lang="en-US" altLang="ja-JP" dirty="0"/>
+            </a:br>
+            <a:r>
+              <a:rPr kumimoji="1" lang="ja-JP" altLang="en-US" dirty="0" smtClean="0"/>
+              <a:t>肥料</a:t>
+            </a:r>
+            <a:endParaRPr kumimoji="1" lang="en-US" altLang="ja-JP" dirty="0"/>
+          </a:p>
+          <a:p>
+            <a:pPr algn="ctr"/>
+            <a:endParaRPr kumimoji="1" lang="en-US" altLang="ja-JP" sz="900" dirty="0"/>
+          </a:p>
+          <a:p>
+            <a:pPr algn="ctr"/>
+            <a:r>
+              <a:rPr kumimoji="1" lang="ja-JP" altLang="en-US" dirty="0"/>
+              <a:t>水準</a:t>
+            </a:r>
+            <a:r>
+              <a:rPr kumimoji="1" lang="ja-JP" altLang="en-US" dirty="0" smtClean="0"/>
+              <a:t>：</a:t>
+            </a:r>
+            <a:r>
+              <a:rPr kumimoji="1" lang="en-US" altLang="ja-JP" dirty="0" smtClean="0"/>
+              <a:t>X,</a:t>
+            </a:r>
+            <a:r>
+              <a:rPr kumimoji="1" lang="ja-JP" altLang="en-US" dirty="0" smtClean="0"/>
+              <a:t> </a:t>
+            </a:r>
+            <a:r>
+              <a:rPr kumimoji="1" lang="en-US" altLang="ja-JP" dirty="0" smtClean="0"/>
+              <a:t>Y</a:t>
+            </a:r>
+            <a:endParaRPr lang="en-US" altLang="ja-JP" dirty="0"/>
+          </a:p>
+        </p:txBody>
+      </p:sp>
+      <p:cxnSp>
+        <p:nvCxnSpPr>
+          <p:cNvPr id="10" name="直線矢印コネクタ 9">
+            <a:extLst>
+              <a:ext uri="{FF2B5EF4-FFF2-40B4-BE49-F238E27FC236}">
+                <a16:creationId xmlns:a16="http://schemas.microsoft.com/office/drawing/2014/main" id="{3692A9EC-9D53-BBF8-6010-1B3560DD9FC6}"/>
+              </a:ext>
+            </a:extLst>
+          </p:cNvPr>
+          <p:cNvCxnSpPr>
+            <a:cxnSpLocks/>
+            <a:stCxn id="9" idx="3"/>
+            <a:endCxn id="4" idx="1"/>
+          </p:cNvCxnSpPr>
+          <p:nvPr/>
+        </p:nvCxnSpPr>
+        <p:spPr>
+          <a:xfrm flipV="1">
+            <a:off x="4886325" y="3429000"/>
+            <a:ext cx="2047875" cy="1038226"/>
+          </a:xfrm>
+          <a:prstGeom prst="straightConnector1">
+            <a:avLst/>
+          </a:prstGeom>
+          <a:ln>
+            <a:tailEnd type="triangle"/>
+          </a:ln>
+        </p:spPr>
+        <p:style>
+          <a:lnRef idx="2">
+            <a:schemeClr val="accent3">
+              <a:shade val="15000"/>
+            </a:schemeClr>
+          </a:lnRef>
+          <a:fillRef idx="1">
+            <a:schemeClr val="accent3"/>
+          </a:fillRef>
+          <a:effectRef idx="0">
+            <a:schemeClr val="accent3"/>
+          </a:effectRef>
+          <a:fontRef idx="minor">
+            <a:schemeClr val="lt1"/>
+          </a:fontRef>
+        </p:style>
+      </p:cxnSp>
+    </p:spTree>
+    <p:extLst>
+      <p:ext uri="{BB962C8B-B14F-4D97-AF65-F5344CB8AC3E}">
+        <p14:creationId xmlns:p14="http://schemas.microsoft.com/office/powerpoint/2010/main" val="2192949783"/>
+      </p:ext>
+    </p:extLst>
+  </p:cSld>
+  <p:clrMapOvr>
+    <a:masterClrMapping/>
+  </p:clrMapOvr>
+</p:sld>
+</file>
+
+<file path=ppt/slides/slide5.xml><?xml version="1.0" encoding="utf-8"?>
+<p:sld xmlns:a="http://schemas.openxmlformats.org/drawingml/2006/main" xmlns:r="http://schemas.openxmlformats.org/officeDocument/2006/relationships" xmlns:p="http://schemas.openxmlformats.org/presentationml/2006/main">
+  <p:cSld>
+    <p:spTree>
+      <p:nvGrpSpPr>
+        <p:cNvPr id="1" name=""/>
+        <p:cNvGrpSpPr/>
+        <p:nvPr/>
+      </p:nvGrpSpPr>
+      <p:grpSpPr>
+        <a:xfrm>
+          <a:off x="0" y="0"/>
+          <a:ext cx="0" cy="0"/>
+          <a:chOff x="0" y="0"/>
+          <a:chExt cx="0" cy="0"/>
+        </a:xfrm>
+      </p:grpSpPr>
+      <p:sp>
+        <p:nvSpPr>
+          <p:cNvPr id="4" name="正方形/長方形 3">
+            <a:extLst>
+              <a:ext uri="{FF2B5EF4-FFF2-40B4-BE49-F238E27FC236}">
+                <a16:creationId xmlns:a16="http://schemas.microsoft.com/office/drawing/2014/main" id="{D1E12261-89B1-F2A3-34A0-BBE7B31A48CA}"/>
+              </a:ext>
+            </a:extLst>
+          </p:cNvPr>
+          <p:cNvSpPr/>
+          <p:nvPr/>
+        </p:nvSpPr>
+        <p:spPr>
+          <a:xfrm>
+            <a:off x="6934200" y="2916936"/>
+            <a:ext cx="2476500" cy="1024128"/>
+          </a:xfrm>
+          <a:prstGeom prst="rect">
+            <a:avLst/>
+          </a:prstGeom>
+        </p:spPr>
+        <p:style>
+          <a:lnRef idx="2">
+            <a:schemeClr val="accent3">
+              <a:shade val="15000"/>
+            </a:schemeClr>
+          </a:lnRef>
+          <a:fillRef idx="1">
+            <a:schemeClr val="accent3"/>
+          </a:fillRef>
+          <a:effectRef idx="0">
+            <a:schemeClr val="accent3"/>
+          </a:effectRef>
+          <a:fontRef idx="minor">
+            <a:schemeClr val="lt1"/>
+          </a:fontRef>
+        </p:style>
+        <p:txBody>
+          <a:bodyPr rtlCol="0" anchor="ctr"/>
+          <a:lstStyle/>
+          <a:p>
+            <a:pPr algn="ctr"/>
+            <a:r>
+              <a:rPr kumimoji="1" lang="ja-JP" altLang="en-US" dirty="0"/>
+              <a:t>目的変数：</a:t>
+            </a:r>
+            <a:endParaRPr kumimoji="1" lang="en-US" altLang="ja-JP" dirty="0"/>
+          </a:p>
+          <a:p>
+            <a:pPr algn="ctr"/>
+            <a:r>
+              <a:rPr kumimoji="1" lang="ja-JP" altLang="en-US" dirty="0" smtClean="0"/>
+              <a:t>収穫量</a:t>
+            </a:r>
+            <a:endParaRPr kumimoji="1" lang="en-US" altLang="ja-JP" dirty="0" smtClean="0"/>
+          </a:p>
+          <a:p>
+            <a:pPr algn="ctr"/>
+            <a:r>
+              <a:rPr lang="ja-JP" altLang="en-US" dirty="0" smtClean="0"/>
+              <a:t>（連続変数）</a:t>
+            </a:r>
+            <a:endParaRPr kumimoji="1" lang="ja-JP" altLang="en-US" dirty="0"/>
+          </a:p>
+        </p:txBody>
+      </p:sp>
+      <p:sp>
+        <p:nvSpPr>
+          <p:cNvPr id="5" name="正方形/長方形 4">
+            <a:extLst>
+              <a:ext uri="{FF2B5EF4-FFF2-40B4-BE49-F238E27FC236}">
+                <a16:creationId xmlns:a16="http://schemas.microsoft.com/office/drawing/2014/main" id="{AC2650BC-2D2B-5AF3-86DA-8F1504AF3245}"/>
+              </a:ext>
+            </a:extLst>
+          </p:cNvPr>
+          <p:cNvSpPr/>
+          <p:nvPr/>
+        </p:nvSpPr>
+        <p:spPr>
+          <a:xfrm>
+            <a:off x="2514600" y="1695449"/>
+            <a:ext cx="2371725" cy="1485900"/>
+          </a:xfrm>
+          <a:prstGeom prst="rect">
+            <a:avLst/>
+          </a:prstGeom>
+        </p:spPr>
+        <p:style>
+          <a:lnRef idx="2">
+            <a:schemeClr val="accent3">
+              <a:shade val="15000"/>
+            </a:schemeClr>
+          </a:lnRef>
+          <a:fillRef idx="1">
+            <a:schemeClr val="accent3"/>
+          </a:fillRef>
+          <a:effectRef idx="0">
+            <a:schemeClr val="accent3"/>
+          </a:effectRef>
+          <a:fontRef idx="minor">
+            <a:schemeClr val="lt1"/>
+          </a:fontRef>
+        </p:style>
+        <p:txBody>
+          <a:bodyPr rtlCol="0" anchor="ctr"/>
+          <a:lstStyle/>
+          <a:p>
+            <a:pPr algn="ctr"/>
+            <a:r>
+              <a:rPr kumimoji="1" lang="ja-JP" altLang="en-US" dirty="0"/>
+              <a:t>説明変数</a:t>
+            </a:r>
+            <a:r>
+              <a:rPr kumimoji="1" lang="en-US" altLang="ja-JP" dirty="0"/>
+              <a:t>1</a:t>
+            </a:r>
+            <a:r>
+              <a:rPr kumimoji="1" lang="ja-JP" altLang="en-US" dirty="0"/>
+              <a:t>：</a:t>
+            </a:r>
+            <a:r>
+              <a:rPr kumimoji="1" lang="en-US" altLang="ja-JP" dirty="0"/>
+              <a:t/>
+            </a:r>
+            <a:br>
+              <a:rPr kumimoji="1" lang="en-US" altLang="ja-JP" dirty="0"/>
+            </a:br>
+            <a:r>
+              <a:rPr kumimoji="1" lang="ja-JP" altLang="en-US" dirty="0" smtClean="0"/>
+              <a:t>小麦品種</a:t>
+            </a:r>
+            <a:endParaRPr kumimoji="1" lang="en-US" altLang="ja-JP" dirty="0" smtClean="0"/>
+          </a:p>
+          <a:p>
+            <a:pPr algn="ctr"/>
+            <a:endParaRPr kumimoji="1" lang="en-US" altLang="ja-JP" sz="500" dirty="0"/>
+          </a:p>
+          <a:p>
+            <a:pPr algn="ctr"/>
+            <a:r>
+              <a:rPr kumimoji="1" lang="ja-JP" altLang="en-US" dirty="0"/>
+              <a:t>水準：</a:t>
+            </a:r>
+            <a:r>
+              <a:rPr kumimoji="1" lang="en-US" altLang="ja-JP" dirty="0" smtClean="0"/>
+              <a:t>A</a:t>
+            </a:r>
+            <a:r>
+              <a:rPr lang="en-US" altLang="ja-JP" dirty="0" smtClean="0"/>
+              <a:t>,B</a:t>
+            </a:r>
+            <a:endParaRPr lang="en-US" altLang="ja-JP" dirty="0"/>
+          </a:p>
+        </p:txBody>
+      </p:sp>
+      <p:cxnSp>
+        <p:nvCxnSpPr>
+          <p:cNvPr id="6" name="直線矢印コネクタ 5">
+            <a:extLst>
+              <a:ext uri="{FF2B5EF4-FFF2-40B4-BE49-F238E27FC236}">
+                <a16:creationId xmlns:a16="http://schemas.microsoft.com/office/drawing/2014/main" id="{78716ED2-DF3B-D92E-7BD8-3AA09D91A477}"/>
+              </a:ext>
+            </a:extLst>
+          </p:cNvPr>
+          <p:cNvCxnSpPr>
+            <a:cxnSpLocks/>
+            <a:stCxn id="5" idx="3"/>
+            <a:endCxn id="4" idx="1"/>
+          </p:cNvCxnSpPr>
+          <p:nvPr/>
+        </p:nvCxnSpPr>
+        <p:spPr>
+          <a:xfrm>
+            <a:off x="4886325" y="2438399"/>
+            <a:ext cx="2047875" cy="990601"/>
+          </a:xfrm>
+          <a:prstGeom prst="straightConnector1">
+            <a:avLst/>
+          </a:prstGeom>
+          <a:ln>
+            <a:tailEnd type="triangle"/>
+          </a:ln>
+        </p:spPr>
+        <p:style>
+          <a:lnRef idx="2">
+            <a:schemeClr val="accent3">
+              <a:shade val="15000"/>
+            </a:schemeClr>
+          </a:lnRef>
+          <a:fillRef idx="1">
+            <a:schemeClr val="accent3"/>
+          </a:fillRef>
+          <a:effectRef idx="0">
+            <a:schemeClr val="accent3"/>
+          </a:effectRef>
+          <a:fontRef idx="minor">
+            <a:schemeClr val="lt1"/>
+          </a:fontRef>
+        </p:style>
+      </p:cxnSp>
+      <p:sp>
+        <p:nvSpPr>
+          <p:cNvPr id="9" name="正方形/長方形 8">
+            <a:extLst>
+              <a:ext uri="{FF2B5EF4-FFF2-40B4-BE49-F238E27FC236}">
+                <a16:creationId xmlns:a16="http://schemas.microsoft.com/office/drawing/2014/main" id="{CBC8A939-E168-8640-4151-6E3418F38040}"/>
+              </a:ext>
+            </a:extLst>
+          </p:cNvPr>
+          <p:cNvSpPr/>
+          <p:nvPr/>
+        </p:nvSpPr>
+        <p:spPr>
+          <a:xfrm>
+            <a:off x="2514600" y="3724276"/>
+            <a:ext cx="2371725" cy="1485900"/>
+          </a:xfrm>
+          <a:prstGeom prst="rect">
+            <a:avLst/>
+          </a:prstGeom>
+        </p:spPr>
+        <p:style>
+          <a:lnRef idx="2">
+            <a:schemeClr val="accent3">
+              <a:shade val="50000"/>
+            </a:schemeClr>
+          </a:lnRef>
+          <a:fillRef idx="1">
+            <a:schemeClr val="accent3"/>
+          </a:fillRef>
+          <a:effectRef idx="0">
+            <a:schemeClr val="accent3"/>
+          </a:effectRef>
+          <a:fontRef idx="minor">
+            <a:schemeClr val="lt1"/>
+          </a:fontRef>
+        </p:style>
+        <p:txBody>
+          <a:bodyPr rtlCol="0" anchor="ctr"/>
+          <a:lstStyle/>
+          <a:p>
+            <a:pPr algn="ctr"/>
+            <a:r>
+              <a:rPr kumimoji="1" lang="ja-JP" altLang="en-US" dirty="0"/>
+              <a:t>説明変数</a:t>
+            </a:r>
+            <a:r>
+              <a:rPr kumimoji="1" lang="en-US" altLang="ja-JP" dirty="0"/>
+              <a:t>2</a:t>
+            </a:r>
+            <a:r>
+              <a:rPr kumimoji="1" lang="ja-JP" altLang="en-US" dirty="0"/>
+              <a:t>：</a:t>
+            </a:r>
+            <a:r>
+              <a:rPr kumimoji="1" lang="en-US" altLang="ja-JP" dirty="0"/>
+              <a:t/>
+            </a:r>
+            <a:br>
+              <a:rPr kumimoji="1" lang="en-US" altLang="ja-JP" dirty="0"/>
+            </a:br>
+            <a:r>
+              <a:rPr kumimoji="1" lang="ja-JP" altLang="en-US" dirty="0" smtClean="0"/>
+              <a:t>肥料</a:t>
+            </a:r>
+            <a:endParaRPr kumimoji="1" lang="en-US" altLang="ja-JP" dirty="0"/>
+          </a:p>
+          <a:p>
+            <a:pPr algn="ctr"/>
+            <a:endParaRPr kumimoji="1" lang="en-US" altLang="ja-JP" sz="900" dirty="0"/>
+          </a:p>
+          <a:p>
+            <a:pPr algn="ctr"/>
+            <a:r>
+              <a:rPr kumimoji="1" lang="ja-JP" altLang="en-US" dirty="0"/>
+              <a:t>水準</a:t>
+            </a:r>
+            <a:r>
+              <a:rPr kumimoji="1" lang="ja-JP" altLang="en-US" dirty="0" smtClean="0"/>
+              <a:t>：</a:t>
+            </a:r>
+            <a:r>
+              <a:rPr kumimoji="1" lang="en-US" altLang="ja-JP" dirty="0" smtClean="0"/>
+              <a:t>X,</a:t>
+            </a:r>
+            <a:r>
+              <a:rPr kumimoji="1" lang="ja-JP" altLang="en-US" dirty="0" smtClean="0"/>
+              <a:t> </a:t>
+            </a:r>
+            <a:r>
+              <a:rPr kumimoji="1" lang="en-US" altLang="ja-JP" dirty="0" smtClean="0"/>
+              <a:t>Y</a:t>
+            </a:r>
+            <a:endParaRPr lang="en-US" altLang="ja-JP" dirty="0"/>
+          </a:p>
+        </p:txBody>
+      </p:sp>
+      <p:cxnSp>
+        <p:nvCxnSpPr>
+          <p:cNvPr id="10" name="直線矢印コネクタ 9">
+            <a:extLst>
+              <a:ext uri="{FF2B5EF4-FFF2-40B4-BE49-F238E27FC236}">
+                <a16:creationId xmlns:a16="http://schemas.microsoft.com/office/drawing/2014/main" id="{3692A9EC-9D53-BBF8-6010-1B3560DD9FC6}"/>
+              </a:ext>
+            </a:extLst>
+          </p:cNvPr>
+          <p:cNvCxnSpPr>
+            <a:cxnSpLocks/>
+            <a:stCxn id="9" idx="3"/>
+            <a:endCxn id="4" idx="1"/>
+          </p:cNvCxnSpPr>
+          <p:nvPr/>
+        </p:nvCxnSpPr>
+        <p:spPr>
+          <a:xfrm flipV="1">
+            <a:off x="4886325" y="3429000"/>
+            <a:ext cx="2047875" cy="1038226"/>
+          </a:xfrm>
+          <a:prstGeom prst="straightConnector1">
+            <a:avLst/>
+          </a:prstGeom>
+          <a:ln>
+            <a:tailEnd type="triangle"/>
+          </a:ln>
+        </p:spPr>
+        <p:style>
+          <a:lnRef idx="2">
+            <a:schemeClr val="accent3">
+              <a:shade val="15000"/>
+            </a:schemeClr>
+          </a:lnRef>
+          <a:fillRef idx="1">
+            <a:schemeClr val="accent3"/>
+          </a:fillRef>
+          <a:effectRef idx="0">
+            <a:schemeClr val="accent3"/>
+          </a:effectRef>
+          <a:fontRef idx="minor">
+            <a:schemeClr val="lt1"/>
+          </a:fontRef>
+        </p:style>
+      </p:cxnSp>
+      <p:sp>
+        <p:nvSpPr>
+          <p:cNvPr id="2" name="楕円 1"/>
+          <p:cNvSpPr/>
+          <p:nvPr/>
+        </p:nvSpPr>
+        <p:spPr>
+          <a:xfrm flipH="1" flipV="1">
+            <a:off x="5475544" y="3303844"/>
+            <a:ext cx="272794" cy="272794"/>
+          </a:xfrm>
+          <a:prstGeom prst="ellipse">
+            <a:avLst/>
+          </a:prstGeom>
+          <a:solidFill>
+            <a:schemeClr val="bg1"/>
+          </a:solidFill>
+          <a:ln>
+            <a:solidFill>
+              <a:srgbClr val="FF0000"/>
+            </a:solidFill>
+          </a:ln>
+        </p:spPr>
+        <p:style>
+          <a:lnRef idx="2">
+            <a:schemeClr val="accent1">
+              <a:shade val="50000"/>
+            </a:schemeClr>
+          </a:lnRef>
+          <a:fillRef idx="1">
+            <a:schemeClr val="accent1"/>
+          </a:fillRef>
+          <a:effectRef idx="0">
+            <a:schemeClr val="accent1"/>
+          </a:effectRef>
+          <a:fontRef idx="minor">
+            <a:schemeClr val="lt1"/>
+          </a:fontRef>
+        </p:style>
+        <p:txBody>
+          <a:bodyPr rtlCol="0" anchor="ctr"/>
+          <a:lstStyle/>
+          <a:p>
+            <a:pPr algn="ctr"/>
+            <a:endParaRPr kumimoji="1" lang="ja-JP" altLang="en-US"/>
+          </a:p>
+        </p:txBody>
+      </p:sp>
+      <p:cxnSp>
+        <p:nvCxnSpPr>
+          <p:cNvPr id="7" name="直線コネクタ 6"/>
+          <p:cNvCxnSpPr>
+            <a:stCxn id="5" idx="3"/>
+            <a:endCxn id="2" idx="5"/>
+          </p:cNvCxnSpPr>
+          <p:nvPr/>
+        </p:nvCxnSpPr>
+        <p:spPr>
+          <a:xfrm>
+            <a:off x="4886325" y="2438399"/>
+            <a:ext cx="629169" cy="905395"/>
+          </a:xfrm>
+          <a:prstGeom prst="line">
+            <a:avLst/>
+          </a:prstGeom>
+          <a:ln>
+            <a:solidFill>
+              <a:srgbClr val="FF0000"/>
+            </a:solidFill>
+          </a:ln>
+        </p:spPr>
+        <p:style>
+          <a:lnRef idx="2">
+            <a:schemeClr val="accent1"/>
+          </a:lnRef>
+          <a:fillRef idx="0">
+            <a:schemeClr val="accent1"/>
+          </a:fillRef>
+          <a:effectRef idx="1">
+            <a:schemeClr val="accent1"/>
+          </a:effectRef>
+          <a:fontRef idx="minor">
+            <a:schemeClr val="tx1"/>
+          </a:fontRef>
+        </p:style>
+      </p:cxnSp>
+      <p:cxnSp>
+        <p:nvCxnSpPr>
+          <p:cNvPr id="11" name="直線コネクタ 10"/>
+          <p:cNvCxnSpPr>
+            <a:stCxn id="9" idx="3"/>
+            <a:endCxn id="2" idx="7"/>
+          </p:cNvCxnSpPr>
+          <p:nvPr/>
+        </p:nvCxnSpPr>
+        <p:spPr>
+          <a:xfrm flipV="1">
+            <a:off x="4886325" y="3536688"/>
+            <a:ext cx="629169" cy="930538"/>
+          </a:xfrm>
+          <a:prstGeom prst="line">
+            <a:avLst/>
+          </a:prstGeom>
+          <a:ln>
+            <a:solidFill>
+              <a:srgbClr val="FF0000"/>
+            </a:solidFill>
+          </a:ln>
+        </p:spPr>
+        <p:style>
+          <a:lnRef idx="2">
+            <a:schemeClr val="accent1"/>
+          </a:lnRef>
+          <a:fillRef idx="0">
+            <a:schemeClr val="accent1"/>
+          </a:fillRef>
+          <a:effectRef idx="1">
+            <a:schemeClr val="accent1"/>
+          </a:effectRef>
+          <a:fontRef idx="minor">
+            <a:schemeClr val="tx1"/>
+          </a:fontRef>
+        </p:style>
+      </p:cxnSp>
+      <p:cxnSp>
+        <p:nvCxnSpPr>
+          <p:cNvPr id="13" name="直線コネクタ 12"/>
+          <p:cNvCxnSpPr>
+            <a:stCxn id="2" idx="2"/>
+            <a:endCxn id="4" idx="1"/>
+          </p:cNvCxnSpPr>
+          <p:nvPr/>
+        </p:nvCxnSpPr>
+        <p:spPr>
+          <a:xfrm flipV="1">
+            <a:off x="5748338" y="3429000"/>
+            <a:ext cx="1185862" cy="11241"/>
+          </a:xfrm>
+          <a:prstGeom prst="line">
+            <a:avLst/>
+          </a:prstGeom>
+          <a:ln>
+            <a:solidFill>
+              <a:srgbClr val="FF0000"/>
+            </a:solidFill>
+            <a:tailEnd type="triangle"/>
+          </a:ln>
+        </p:spPr>
+        <p:style>
+          <a:lnRef idx="2">
+            <a:schemeClr val="accent1"/>
+          </a:lnRef>
+          <a:fillRef idx="0">
+            <a:schemeClr val="accent1"/>
+          </a:fillRef>
+          <a:effectRef idx="1">
+            <a:schemeClr val="accent1"/>
+          </a:effectRef>
+          <a:fontRef idx="minor">
+            <a:schemeClr val="tx1"/>
+          </a:fontRef>
+        </p:style>
+      </p:cxnSp>
+      <p:cxnSp>
+        <p:nvCxnSpPr>
+          <p:cNvPr id="15" name="直線コネクタ 14"/>
+          <p:cNvCxnSpPr>
+            <a:stCxn id="2" idx="5"/>
+            <a:endCxn id="2" idx="1"/>
+          </p:cNvCxnSpPr>
+          <p:nvPr/>
+        </p:nvCxnSpPr>
+        <p:spPr>
+          <a:xfrm>
+            <a:off x="5515494" y="3343794"/>
+            <a:ext cx="192894" cy="192894"/>
+          </a:xfrm>
+          <a:prstGeom prst="line">
+            <a:avLst/>
+          </a:prstGeom>
+          <a:ln>
+            <a:solidFill>
+              <a:srgbClr val="FF0000"/>
+            </a:solidFill>
+          </a:ln>
+        </p:spPr>
+        <p:style>
+          <a:lnRef idx="2">
+            <a:schemeClr val="accent1"/>
+          </a:lnRef>
+          <a:fillRef idx="0">
+            <a:schemeClr val="accent1"/>
+          </a:fillRef>
+          <a:effectRef idx="1">
+            <a:schemeClr val="accent1"/>
+          </a:effectRef>
+          <a:fontRef idx="minor">
+            <a:schemeClr val="tx1"/>
+          </a:fontRef>
+        </p:style>
+      </p:cxnSp>
+      <p:cxnSp>
+        <p:nvCxnSpPr>
+          <p:cNvPr id="17" name="直線コネクタ 16"/>
+          <p:cNvCxnSpPr>
+            <a:stCxn id="2" idx="3"/>
+            <a:endCxn id="2" idx="7"/>
+          </p:cNvCxnSpPr>
+          <p:nvPr/>
+        </p:nvCxnSpPr>
+        <p:spPr>
+          <a:xfrm flipH="1">
+            <a:off x="5515494" y="3343794"/>
+            <a:ext cx="192894" cy="192894"/>
+          </a:xfrm>
+          <a:prstGeom prst="line">
+            <a:avLst/>
+          </a:prstGeom>
+          <a:ln>
+            <a:solidFill>
+              <a:srgbClr val="FF0000"/>
+            </a:solidFill>
+          </a:ln>
+        </p:spPr>
+        <p:style>
+          <a:lnRef idx="2">
+            <a:schemeClr val="accent1"/>
+          </a:lnRef>
+          <a:fillRef idx="0">
+            <a:schemeClr val="accent1"/>
+          </a:fillRef>
+          <a:effectRef idx="1">
+            <a:schemeClr val="accent1"/>
+          </a:effectRef>
+          <a:fontRef idx="minor">
+            <a:schemeClr val="tx1"/>
+          </a:fontRef>
+        </p:style>
+      </p:cxnSp>
+    </p:spTree>
+    <p:extLst>
+      <p:ext uri="{BB962C8B-B14F-4D97-AF65-F5344CB8AC3E}">
+        <p14:creationId xmlns:p14="http://schemas.microsoft.com/office/powerpoint/2010/main" val="3356814384"/>
+      </p:ext>
+    </p:extLst>
+  </p:cSld>
+  <p:clrMapOvr>
+    <a:masterClrMapping/>
+  </p:clrMapOvr>
+</p:sld>
+</file>
+
+<file path=ppt/slides/slide6.xml><?xml version="1.0" encoding="utf-8"?>
+<p:sld xmlns:a="http://schemas.openxmlformats.org/drawingml/2006/main" xmlns:r="http://schemas.openxmlformats.org/officeDocument/2006/relationships" xmlns:p="http://schemas.openxmlformats.org/presentationml/2006/main">
+  <p:cSld>
+    <p:spTree>
+      <p:nvGrpSpPr>
+        <p:cNvPr id="1" name=""/>
+        <p:cNvGrpSpPr/>
+        <p:nvPr/>
+      </p:nvGrpSpPr>
+      <p:grpSpPr>
+        <a:xfrm>
+          <a:off x="0" y="0"/>
+          <a:ext cx="0" cy="0"/>
+          <a:chOff x="0" y="0"/>
+          <a:chExt cx="0" cy="0"/>
+        </a:xfrm>
+      </p:grpSpPr>
+      <p:sp>
+        <p:nvSpPr>
+          <p:cNvPr id="4" name="正方形/長方形 3">
+            <a:extLst>
+              <a:ext uri="{FF2B5EF4-FFF2-40B4-BE49-F238E27FC236}">
+                <a16:creationId xmlns:a16="http://schemas.microsoft.com/office/drawing/2014/main" id="{D1E12261-89B1-F2A3-34A0-BBE7B31A48CA}"/>
+              </a:ext>
+            </a:extLst>
+          </p:cNvPr>
+          <p:cNvSpPr/>
+          <p:nvPr/>
+        </p:nvSpPr>
+        <p:spPr>
+          <a:xfrm>
+            <a:off x="6810375" y="1376173"/>
+            <a:ext cx="2476500" cy="1024128"/>
+          </a:xfrm>
+          <a:prstGeom prst="rect">
+            <a:avLst/>
+          </a:prstGeom>
+        </p:spPr>
+        <p:style>
+          <a:lnRef idx="2">
+            <a:schemeClr val="accent3">
+              <a:shade val="15000"/>
+            </a:schemeClr>
+          </a:lnRef>
+          <a:fillRef idx="1">
+            <a:schemeClr val="accent3"/>
+          </a:fillRef>
+          <a:effectRef idx="0">
+            <a:schemeClr val="accent3"/>
+          </a:effectRef>
+          <a:fontRef idx="minor">
+            <a:schemeClr val="lt1"/>
+          </a:fontRef>
+        </p:style>
+        <p:txBody>
+          <a:bodyPr rtlCol="0" anchor="ctr"/>
+          <a:lstStyle/>
+          <a:p>
+            <a:pPr algn="ctr"/>
+            <a:r>
+              <a:rPr kumimoji="1" lang="ja-JP" altLang="en-US" dirty="0"/>
+              <a:t>目的変数：</a:t>
+            </a:r>
+            <a:endParaRPr kumimoji="1" lang="en-US" altLang="ja-JP" dirty="0"/>
+          </a:p>
+          <a:p>
+            <a:pPr algn="ctr"/>
+            <a:r>
+              <a:rPr kumimoji="1" lang="ja-JP" altLang="en-US" dirty="0" smtClean="0"/>
+              <a:t>収穫量</a:t>
+            </a:r>
+            <a:endParaRPr kumimoji="1" lang="en-US" altLang="ja-JP" dirty="0" smtClean="0"/>
+          </a:p>
+          <a:p>
+            <a:pPr algn="ctr"/>
+            <a:r>
+              <a:rPr lang="ja-JP" altLang="en-US" dirty="0" smtClean="0"/>
+              <a:t>（連続変数）</a:t>
+            </a:r>
+            <a:endParaRPr kumimoji="1" lang="ja-JP" altLang="en-US" dirty="0"/>
+          </a:p>
+        </p:txBody>
+      </p:sp>
+      <p:sp>
+        <p:nvSpPr>
+          <p:cNvPr id="5" name="正方形/長方形 4">
+            <a:extLst>
+              <a:ext uri="{FF2B5EF4-FFF2-40B4-BE49-F238E27FC236}">
+                <a16:creationId xmlns:a16="http://schemas.microsoft.com/office/drawing/2014/main" id="{CBC8A939-E168-8640-4151-6E3418F38040}"/>
+              </a:ext>
+            </a:extLst>
+          </p:cNvPr>
+          <p:cNvSpPr/>
+          <p:nvPr/>
+        </p:nvSpPr>
+        <p:spPr>
+          <a:xfrm>
+            <a:off x="2914650" y="1145287"/>
+            <a:ext cx="2371725" cy="1485900"/>
+          </a:xfrm>
+          <a:prstGeom prst="rect">
+            <a:avLst/>
+          </a:prstGeom>
+        </p:spPr>
+        <p:style>
+          <a:lnRef idx="2">
+            <a:schemeClr val="accent3">
+              <a:shade val="50000"/>
+            </a:schemeClr>
+          </a:lnRef>
+          <a:fillRef idx="1">
+            <a:schemeClr val="accent3"/>
+          </a:fillRef>
+          <a:effectRef idx="0">
+            <a:schemeClr val="accent3"/>
+          </a:effectRef>
+          <a:fontRef idx="minor">
+            <a:schemeClr val="lt1"/>
+          </a:fontRef>
+        </p:style>
+        <p:txBody>
+          <a:bodyPr rtlCol="0" anchor="ctr"/>
+          <a:lstStyle/>
+          <a:p>
+            <a:pPr algn="ctr"/>
+            <a:r>
+              <a:rPr kumimoji="1" lang="ja-JP" altLang="en-US" dirty="0"/>
+              <a:t>説明変数</a:t>
+            </a:r>
+            <a:r>
+              <a:rPr kumimoji="1" lang="en-US" altLang="ja-JP" dirty="0"/>
+              <a:t>2</a:t>
+            </a:r>
+            <a:r>
+              <a:rPr kumimoji="1" lang="ja-JP" altLang="en-US" dirty="0"/>
+              <a:t>：</a:t>
+            </a:r>
+            <a:r>
+              <a:rPr kumimoji="1" lang="en-US" altLang="ja-JP" dirty="0"/>
+              <a:t/>
+            </a:r>
+            <a:br>
+              <a:rPr kumimoji="1" lang="en-US" altLang="ja-JP" dirty="0"/>
+            </a:br>
+            <a:r>
+              <a:rPr kumimoji="1" lang="ja-JP" altLang="en-US" dirty="0" smtClean="0"/>
+              <a:t>肥料</a:t>
+            </a:r>
+            <a:endParaRPr kumimoji="1" lang="en-US" altLang="ja-JP" dirty="0"/>
+          </a:p>
+          <a:p>
+            <a:pPr algn="ctr"/>
+            <a:endParaRPr kumimoji="1" lang="en-US" altLang="ja-JP" sz="900" dirty="0"/>
+          </a:p>
+          <a:p>
+            <a:pPr algn="ctr"/>
+            <a:r>
+              <a:rPr kumimoji="1" lang="ja-JP" altLang="en-US" dirty="0"/>
+              <a:t>水準</a:t>
+            </a:r>
+            <a:r>
+              <a:rPr kumimoji="1" lang="ja-JP" altLang="en-US" dirty="0" smtClean="0"/>
+              <a:t>：</a:t>
+            </a:r>
+            <a:r>
+              <a:rPr kumimoji="1" lang="en-US" altLang="ja-JP" dirty="0" smtClean="0"/>
+              <a:t>X,</a:t>
+            </a:r>
+            <a:r>
+              <a:rPr kumimoji="1" lang="ja-JP" altLang="en-US" dirty="0" smtClean="0"/>
+              <a:t> </a:t>
+            </a:r>
+            <a:r>
+              <a:rPr kumimoji="1" lang="en-US" altLang="ja-JP" dirty="0" smtClean="0"/>
+              <a:t>Y</a:t>
+            </a:r>
+            <a:endParaRPr lang="en-US" altLang="ja-JP" dirty="0"/>
+          </a:p>
+        </p:txBody>
+      </p:sp>
+      <p:sp>
+        <p:nvSpPr>
+          <p:cNvPr id="6" name="正方形/長方形 5">
+            <a:extLst>
+              <a:ext uri="{FF2B5EF4-FFF2-40B4-BE49-F238E27FC236}">
+                <a16:creationId xmlns:a16="http://schemas.microsoft.com/office/drawing/2014/main" id="{D1E12261-89B1-F2A3-34A0-BBE7B31A48CA}"/>
+              </a:ext>
+            </a:extLst>
+          </p:cNvPr>
+          <p:cNvSpPr/>
+          <p:nvPr/>
+        </p:nvSpPr>
+        <p:spPr>
+          <a:xfrm>
+            <a:off x="6810375" y="3659886"/>
+            <a:ext cx="2476500" cy="1024128"/>
+          </a:xfrm>
+          <a:prstGeom prst="rect">
+            <a:avLst/>
+          </a:prstGeom>
+        </p:spPr>
+        <p:style>
+          <a:lnRef idx="2">
+            <a:schemeClr val="accent3">
+              <a:shade val="15000"/>
+            </a:schemeClr>
+          </a:lnRef>
+          <a:fillRef idx="1">
+            <a:schemeClr val="accent3"/>
+          </a:fillRef>
+          <a:effectRef idx="0">
+            <a:schemeClr val="accent3"/>
+          </a:effectRef>
+          <a:fontRef idx="minor">
+            <a:schemeClr val="lt1"/>
+          </a:fontRef>
+        </p:style>
+        <p:txBody>
+          <a:bodyPr rtlCol="0" anchor="ctr"/>
+          <a:lstStyle/>
+          <a:p>
+            <a:pPr algn="ctr"/>
+            <a:r>
+              <a:rPr kumimoji="1" lang="ja-JP" altLang="en-US" dirty="0"/>
+              <a:t>目的変数：</a:t>
+            </a:r>
+            <a:endParaRPr kumimoji="1" lang="en-US" altLang="ja-JP" dirty="0"/>
+          </a:p>
+          <a:p>
+            <a:pPr algn="ctr"/>
+            <a:r>
+              <a:rPr kumimoji="1" lang="ja-JP" altLang="en-US" dirty="0" smtClean="0"/>
+              <a:t>収穫量</a:t>
+            </a:r>
+            <a:endParaRPr kumimoji="1" lang="en-US" altLang="ja-JP" dirty="0" smtClean="0"/>
+          </a:p>
+          <a:p>
+            <a:pPr algn="ctr"/>
+            <a:r>
+              <a:rPr lang="ja-JP" altLang="en-US" dirty="0" smtClean="0"/>
+              <a:t>（連続変数）</a:t>
+            </a:r>
+            <a:endParaRPr kumimoji="1" lang="ja-JP" altLang="en-US" dirty="0"/>
+          </a:p>
+        </p:txBody>
+      </p:sp>
+      <p:sp>
+        <p:nvSpPr>
+          <p:cNvPr id="7" name="正方形/長方形 6">
+            <a:extLst>
+              <a:ext uri="{FF2B5EF4-FFF2-40B4-BE49-F238E27FC236}">
+                <a16:creationId xmlns:a16="http://schemas.microsoft.com/office/drawing/2014/main" id="{CBC8A939-E168-8640-4151-6E3418F38040}"/>
+              </a:ext>
+            </a:extLst>
+          </p:cNvPr>
+          <p:cNvSpPr/>
+          <p:nvPr/>
+        </p:nvSpPr>
+        <p:spPr>
+          <a:xfrm>
+            <a:off x="2914650" y="3429000"/>
+            <a:ext cx="2371725" cy="1485900"/>
+          </a:xfrm>
+          <a:prstGeom prst="rect">
+            <a:avLst/>
+          </a:prstGeom>
+        </p:spPr>
+        <p:style>
+          <a:lnRef idx="2">
+            <a:schemeClr val="accent3">
+              <a:shade val="50000"/>
+            </a:schemeClr>
+          </a:lnRef>
+          <a:fillRef idx="1">
+            <a:schemeClr val="accent3"/>
+          </a:fillRef>
+          <a:effectRef idx="0">
+            <a:schemeClr val="accent3"/>
+          </a:effectRef>
+          <a:fontRef idx="minor">
+            <a:schemeClr val="lt1"/>
+          </a:fontRef>
+        </p:style>
+        <p:txBody>
+          <a:bodyPr rtlCol="0" anchor="ctr"/>
+          <a:lstStyle/>
+          <a:p>
+            <a:pPr algn="ctr"/>
+            <a:r>
+              <a:rPr kumimoji="1" lang="ja-JP" altLang="en-US" dirty="0"/>
+              <a:t>説明変数</a:t>
+            </a:r>
+            <a:r>
+              <a:rPr kumimoji="1" lang="en-US" altLang="ja-JP" dirty="0"/>
+              <a:t>2</a:t>
+            </a:r>
+            <a:r>
+              <a:rPr kumimoji="1" lang="ja-JP" altLang="en-US" dirty="0"/>
+              <a:t>：</a:t>
+            </a:r>
+            <a:r>
+              <a:rPr kumimoji="1" lang="en-US" altLang="ja-JP" dirty="0"/>
+              <a:t/>
+            </a:r>
+            <a:br>
+              <a:rPr kumimoji="1" lang="en-US" altLang="ja-JP" dirty="0"/>
+            </a:br>
+            <a:r>
+              <a:rPr kumimoji="1" lang="ja-JP" altLang="en-US" dirty="0" smtClean="0"/>
+              <a:t>肥料</a:t>
+            </a:r>
+            <a:endParaRPr kumimoji="1" lang="en-US" altLang="ja-JP" dirty="0"/>
+          </a:p>
+          <a:p>
+            <a:pPr algn="ctr"/>
+            <a:endParaRPr kumimoji="1" lang="en-US" altLang="ja-JP" sz="900" dirty="0"/>
+          </a:p>
+          <a:p>
+            <a:pPr algn="ctr"/>
+            <a:r>
+              <a:rPr kumimoji="1" lang="ja-JP" altLang="en-US" dirty="0"/>
+              <a:t>水準</a:t>
+            </a:r>
+            <a:r>
+              <a:rPr kumimoji="1" lang="ja-JP" altLang="en-US" dirty="0" smtClean="0"/>
+              <a:t>：</a:t>
+            </a:r>
+            <a:r>
+              <a:rPr kumimoji="1" lang="en-US" altLang="ja-JP" dirty="0" smtClean="0"/>
+              <a:t>X,</a:t>
+            </a:r>
+            <a:r>
+              <a:rPr kumimoji="1" lang="ja-JP" altLang="en-US" dirty="0" smtClean="0"/>
+              <a:t> </a:t>
+            </a:r>
+            <a:r>
+              <a:rPr kumimoji="1" lang="en-US" altLang="ja-JP" dirty="0" smtClean="0"/>
+              <a:t>Y</a:t>
+            </a:r>
+            <a:endParaRPr lang="en-US" altLang="ja-JP" dirty="0"/>
+          </a:p>
+        </p:txBody>
+      </p:sp>
+      <p:sp>
+        <p:nvSpPr>
+          <p:cNvPr id="8" name="テキスト ボックス 7"/>
+          <p:cNvSpPr txBox="1"/>
+          <p:nvPr/>
+        </p:nvSpPr>
+        <p:spPr>
+          <a:xfrm>
+            <a:off x="2362200" y="3048000"/>
+            <a:ext cx="2457450" cy="381000"/>
+          </a:xfrm>
+          <a:prstGeom prst="rect">
+            <a:avLst/>
+          </a:prstGeom>
+          <a:noFill/>
+        </p:spPr>
+        <p:txBody>
+          <a:bodyPr wrap="square" rtlCol="0">
+            <a:spAutoFit/>
+          </a:bodyPr>
+          <a:lstStyle/>
+          <a:p>
+            <a:r>
+              <a:rPr kumimoji="1" lang="ja-JP" altLang="en-US" dirty="0" smtClean="0"/>
+              <a:t>品種：</a:t>
+            </a:r>
+            <a:r>
+              <a:rPr kumimoji="1" lang="en-US" altLang="ja-JP" dirty="0" smtClean="0"/>
+              <a:t>B</a:t>
+            </a:r>
+            <a:endParaRPr kumimoji="1" lang="ja-JP" altLang="en-US" dirty="0"/>
+          </a:p>
+        </p:txBody>
+      </p:sp>
+      <p:sp>
+        <p:nvSpPr>
+          <p:cNvPr id="9" name="テキスト ボックス 8"/>
+          <p:cNvSpPr txBox="1"/>
+          <p:nvPr/>
+        </p:nvSpPr>
+        <p:spPr>
+          <a:xfrm>
+            <a:off x="2362200" y="764287"/>
+            <a:ext cx="2457450" cy="381000"/>
+          </a:xfrm>
+          <a:prstGeom prst="rect">
+            <a:avLst/>
+          </a:prstGeom>
+          <a:noFill/>
+        </p:spPr>
+        <p:txBody>
+          <a:bodyPr wrap="square" rtlCol="0">
+            <a:spAutoFit/>
+          </a:bodyPr>
+          <a:lstStyle/>
+          <a:p>
+            <a:r>
+              <a:rPr kumimoji="1" lang="ja-JP" altLang="en-US" dirty="0" smtClean="0"/>
+              <a:t>品種：</a:t>
+            </a:r>
+            <a:r>
+              <a:rPr kumimoji="1" lang="en-US" altLang="ja-JP" dirty="0" smtClean="0"/>
+              <a:t>A</a:t>
+            </a:r>
+            <a:endParaRPr kumimoji="1" lang="ja-JP" altLang="en-US" dirty="0"/>
+          </a:p>
+        </p:txBody>
+      </p:sp>
+      <p:cxnSp>
+        <p:nvCxnSpPr>
+          <p:cNvPr id="10" name="直線矢印コネクタ 9">
+            <a:extLst>
+              <a:ext uri="{FF2B5EF4-FFF2-40B4-BE49-F238E27FC236}">
+                <a16:creationId xmlns:a16="http://schemas.microsoft.com/office/drawing/2014/main" id="{78716ED2-DF3B-D92E-7BD8-3AA09D91A477}"/>
+              </a:ext>
+            </a:extLst>
+          </p:cNvPr>
+          <p:cNvCxnSpPr>
+            <a:cxnSpLocks/>
+            <a:stCxn id="5" idx="3"/>
+            <a:endCxn id="4" idx="1"/>
+          </p:cNvCxnSpPr>
+          <p:nvPr/>
+        </p:nvCxnSpPr>
+        <p:spPr>
+          <a:xfrm>
+            <a:off x="5286375" y="1888237"/>
+            <a:ext cx="1524000" cy="0"/>
+          </a:xfrm>
+          <a:prstGeom prst="straightConnector1">
+            <a:avLst/>
+          </a:prstGeom>
+          <a:ln>
+            <a:tailEnd type="triangle"/>
+          </a:ln>
+        </p:spPr>
+        <p:style>
+          <a:lnRef idx="2">
+            <a:schemeClr val="accent3">
+              <a:shade val="15000"/>
+            </a:schemeClr>
+          </a:lnRef>
+          <a:fillRef idx="1">
+            <a:schemeClr val="accent3"/>
+          </a:fillRef>
+          <a:effectRef idx="0">
+            <a:schemeClr val="accent3"/>
+          </a:effectRef>
+          <a:fontRef idx="minor">
+            <a:schemeClr val="lt1"/>
+          </a:fontRef>
+        </p:style>
+      </p:cxnSp>
+      <p:cxnSp>
+        <p:nvCxnSpPr>
+          <p:cNvPr id="13" name="直線矢印コネクタ 12">
+            <a:extLst>
+              <a:ext uri="{FF2B5EF4-FFF2-40B4-BE49-F238E27FC236}">
+                <a16:creationId xmlns:a16="http://schemas.microsoft.com/office/drawing/2014/main" id="{78716ED2-DF3B-D92E-7BD8-3AA09D91A477}"/>
+              </a:ext>
+            </a:extLst>
+          </p:cNvPr>
+          <p:cNvCxnSpPr>
+            <a:cxnSpLocks/>
+            <a:stCxn id="7" idx="3"/>
+            <a:endCxn id="6" idx="1"/>
+          </p:cNvCxnSpPr>
+          <p:nvPr/>
+        </p:nvCxnSpPr>
+        <p:spPr>
+          <a:xfrm>
+            <a:off x="5286375" y="4171950"/>
+            <a:ext cx="1524000" cy="0"/>
+          </a:xfrm>
+          <a:prstGeom prst="straightConnector1">
+            <a:avLst/>
+          </a:prstGeom>
+          <a:ln>
+            <a:tailEnd type="triangle"/>
+          </a:ln>
+        </p:spPr>
+        <p:style>
+          <a:lnRef idx="2">
+            <a:schemeClr val="accent3">
+              <a:shade val="15000"/>
+            </a:schemeClr>
+          </a:lnRef>
+          <a:fillRef idx="1">
+            <a:schemeClr val="accent3"/>
+          </a:fillRef>
+          <a:effectRef idx="0">
+            <a:schemeClr val="accent3"/>
+          </a:effectRef>
+          <a:fontRef idx="minor">
+            <a:schemeClr val="lt1"/>
+          </a:fontRef>
+        </p:style>
+      </p:cxnSp>
+    </p:spTree>
+    <p:extLst>
+      <p:ext uri="{BB962C8B-B14F-4D97-AF65-F5344CB8AC3E}">
+        <p14:creationId xmlns:p14="http://schemas.microsoft.com/office/powerpoint/2010/main" val="769999472"/>
+      </p:ext>
+    </p:extLst>
+  </p:cSld>
+  <p:clrMapOvr>
+    <a:masterClrMapping/>
+  </p:clrMapOvr>
+</p:sld>
+</file>
+
+<file path=ppt/slides/slide7.xml><?xml version="1.0" encoding="utf-8"?>
+<p:sld xmlns:a="http://schemas.openxmlformats.org/drawingml/2006/main" xmlns:r="http://schemas.openxmlformats.org/officeDocument/2006/relationships" xmlns:p="http://schemas.openxmlformats.org/presentationml/2006/main">
+  <p:cSld>
+    <p:spTree>
+      <p:nvGrpSpPr>
+        <p:cNvPr id="1" name=""/>
+        <p:cNvGrpSpPr/>
+        <p:nvPr/>
+      </p:nvGrpSpPr>
+      <p:grpSpPr>
+        <a:xfrm>
+          <a:off x="0" y="0"/>
+          <a:ext cx="0" cy="0"/>
+          <a:chOff x="0" y="0"/>
+          <a:chExt cx="0" cy="0"/>
+        </a:xfrm>
+      </p:grpSpPr>
+      <p:sp>
+        <p:nvSpPr>
+          <p:cNvPr id="4" name="正方形/長方形 3">
+            <a:extLst>
+              <a:ext uri="{FF2B5EF4-FFF2-40B4-BE49-F238E27FC236}">
+                <a16:creationId xmlns:a16="http://schemas.microsoft.com/office/drawing/2014/main" id="{D1E12261-89B1-F2A3-34A0-BBE7B31A48CA}"/>
+              </a:ext>
+            </a:extLst>
+          </p:cNvPr>
+          <p:cNvSpPr/>
+          <p:nvPr/>
+        </p:nvSpPr>
+        <p:spPr>
+          <a:xfrm>
+            <a:off x="6810375" y="1376173"/>
+            <a:ext cx="2476500" cy="1024128"/>
+          </a:xfrm>
+          <a:prstGeom prst="rect">
+            <a:avLst/>
+          </a:prstGeom>
+        </p:spPr>
+        <p:style>
+          <a:lnRef idx="2">
+            <a:schemeClr val="accent3">
+              <a:shade val="15000"/>
+            </a:schemeClr>
+          </a:lnRef>
+          <a:fillRef idx="1">
+            <a:schemeClr val="accent3"/>
+          </a:fillRef>
+          <a:effectRef idx="0">
+            <a:schemeClr val="accent3"/>
+          </a:effectRef>
+          <a:fontRef idx="minor">
+            <a:schemeClr val="lt1"/>
+          </a:fontRef>
+        </p:style>
+        <p:txBody>
+          <a:bodyPr rtlCol="0" anchor="ctr"/>
+          <a:lstStyle/>
+          <a:p>
+            <a:pPr algn="ctr"/>
+            <a:r>
+              <a:rPr kumimoji="1" lang="ja-JP" altLang="en-US" dirty="0"/>
+              <a:t>目的変数：</a:t>
+            </a:r>
+            <a:endParaRPr kumimoji="1" lang="en-US" altLang="ja-JP" dirty="0"/>
+          </a:p>
+          <a:p>
+            <a:pPr algn="ctr"/>
+            <a:r>
+              <a:rPr kumimoji="1" lang="ja-JP" altLang="en-US" dirty="0" smtClean="0"/>
+              <a:t>収穫量</a:t>
+            </a:r>
+            <a:endParaRPr kumimoji="1" lang="en-US" altLang="ja-JP" dirty="0" smtClean="0"/>
+          </a:p>
+          <a:p>
+            <a:pPr algn="ctr"/>
+            <a:r>
+              <a:rPr lang="ja-JP" altLang="en-US" dirty="0" smtClean="0"/>
+              <a:t>（連続変数）</a:t>
+            </a:r>
+            <a:endParaRPr kumimoji="1" lang="ja-JP" altLang="en-US" dirty="0"/>
+          </a:p>
+        </p:txBody>
+      </p:sp>
+      <p:sp>
+        <p:nvSpPr>
+          <p:cNvPr id="5" name="正方形/長方形 4">
+            <a:extLst>
+              <a:ext uri="{FF2B5EF4-FFF2-40B4-BE49-F238E27FC236}">
+                <a16:creationId xmlns:a16="http://schemas.microsoft.com/office/drawing/2014/main" id="{CBC8A939-E168-8640-4151-6E3418F38040}"/>
+              </a:ext>
+            </a:extLst>
+          </p:cNvPr>
+          <p:cNvSpPr/>
+          <p:nvPr/>
+        </p:nvSpPr>
+        <p:spPr>
+          <a:xfrm>
+            <a:off x="2914650" y="1145287"/>
+            <a:ext cx="2371725" cy="1485900"/>
+          </a:xfrm>
+          <a:prstGeom prst="rect">
+            <a:avLst/>
+          </a:prstGeom>
+        </p:spPr>
+        <p:style>
+          <a:lnRef idx="2">
+            <a:schemeClr val="accent3">
+              <a:shade val="50000"/>
+            </a:schemeClr>
+          </a:lnRef>
+          <a:fillRef idx="1">
+            <a:schemeClr val="accent3"/>
+          </a:fillRef>
+          <a:effectRef idx="0">
+            <a:schemeClr val="accent3"/>
+          </a:effectRef>
+          <a:fontRef idx="minor">
+            <a:schemeClr val="lt1"/>
+          </a:fontRef>
+        </p:style>
+        <p:txBody>
+          <a:bodyPr rtlCol="0" anchor="ctr"/>
+          <a:lstStyle/>
+          <a:p>
+            <a:pPr algn="ctr"/>
+            <a:r>
+              <a:rPr lang="ja-JP" altLang="en-US" dirty="0"/>
+              <a:t>説明変数</a:t>
+            </a:r>
+            <a:r>
+              <a:rPr lang="en-US" altLang="ja-JP" dirty="0"/>
+              <a:t>1</a:t>
+            </a:r>
+            <a:r>
+              <a:rPr lang="ja-JP" altLang="en-US" dirty="0"/>
+              <a:t>：</a:t>
+            </a:r>
+            <a:r>
+              <a:rPr lang="en-US" altLang="ja-JP" dirty="0"/>
+              <a:t/>
+            </a:r>
+            <a:br>
+              <a:rPr lang="en-US" altLang="ja-JP" dirty="0"/>
+            </a:br>
+            <a:r>
+              <a:rPr lang="ja-JP" altLang="en-US" dirty="0"/>
+              <a:t>小麦品種</a:t>
+            </a:r>
+            <a:endParaRPr lang="en-US" altLang="ja-JP" dirty="0"/>
+          </a:p>
+          <a:p>
+            <a:pPr algn="ctr"/>
+            <a:endParaRPr lang="en-US" altLang="ja-JP" sz="500" dirty="0"/>
+          </a:p>
+          <a:p>
+            <a:pPr algn="ctr"/>
+            <a:r>
+              <a:rPr lang="ja-JP" altLang="en-US" dirty="0"/>
+              <a:t>水準：</a:t>
+            </a:r>
+            <a:r>
+              <a:rPr lang="en-US" altLang="ja-JP" dirty="0"/>
+              <a:t>A,B</a:t>
+            </a:r>
+            <a:endParaRPr lang="en-US" altLang="ja-JP" dirty="0"/>
+          </a:p>
+        </p:txBody>
+      </p:sp>
+      <p:sp>
+        <p:nvSpPr>
+          <p:cNvPr id="6" name="正方形/長方形 5">
+            <a:extLst>
+              <a:ext uri="{FF2B5EF4-FFF2-40B4-BE49-F238E27FC236}">
+                <a16:creationId xmlns:a16="http://schemas.microsoft.com/office/drawing/2014/main" id="{D1E12261-89B1-F2A3-34A0-BBE7B31A48CA}"/>
+              </a:ext>
+            </a:extLst>
+          </p:cNvPr>
+          <p:cNvSpPr/>
+          <p:nvPr/>
+        </p:nvSpPr>
+        <p:spPr>
+          <a:xfrm>
+            <a:off x="6810375" y="3659886"/>
+            <a:ext cx="2476500" cy="1024128"/>
+          </a:xfrm>
+          <a:prstGeom prst="rect">
+            <a:avLst/>
+          </a:prstGeom>
+        </p:spPr>
+        <p:style>
+          <a:lnRef idx="2">
+            <a:schemeClr val="accent3">
+              <a:shade val="15000"/>
+            </a:schemeClr>
+          </a:lnRef>
+          <a:fillRef idx="1">
+            <a:schemeClr val="accent3"/>
+          </a:fillRef>
+          <a:effectRef idx="0">
+            <a:schemeClr val="accent3"/>
+          </a:effectRef>
+          <a:fontRef idx="minor">
+            <a:schemeClr val="lt1"/>
+          </a:fontRef>
+        </p:style>
+        <p:txBody>
+          <a:bodyPr rtlCol="0" anchor="ctr"/>
+          <a:lstStyle/>
+          <a:p>
+            <a:pPr algn="ctr"/>
+            <a:r>
+              <a:rPr kumimoji="1" lang="ja-JP" altLang="en-US" dirty="0"/>
+              <a:t>目的変数：</a:t>
+            </a:r>
+            <a:endParaRPr kumimoji="1" lang="en-US" altLang="ja-JP" dirty="0"/>
+          </a:p>
+          <a:p>
+            <a:pPr algn="ctr"/>
+            <a:r>
+              <a:rPr kumimoji="1" lang="ja-JP" altLang="en-US" dirty="0" smtClean="0"/>
+              <a:t>収穫量</a:t>
+            </a:r>
+            <a:endParaRPr kumimoji="1" lang="en-US" altLang="ja-JP" dirty="0" smtClean="0"/>
+          </a:p>
+          <a:p>
+            <a:pPr algn="ctr"/>
+            <a:r>
+              <a:rPr lang="ja-JP" altLang="en-US" dirty="0" smtClean="0"/>
+              <a:t>（連続変数）</a:t>
+            </a:r>
+            <a:endParaRPr kumimoji="1" lang="ja-JP" altLang="en-US" dirty="0"/>
+          </a:p>
+        </p:txBody>
+      </p:sp>
+      <p:sp>
+        <p:nvSpPr>
+          <p:cNvPr id="7" name="正方形/長方形 6">
+            <a:extLst>
+              <a:ext uri="{FF2B5EF4-FFF2-40B4-BE49-F238E27FC236}">
+                <a16:creationId xmlns:a16="http://schemas.microsoft.com/office/drawing/2014/main" id="{CBC8A939-E168-8640-4151-6E3418F38040}"/>
+              </a:ext>
+            </a:extLst>
+          </p:cNvPr>
+          <p:cNvSpPr/>
+          <p:nvPr/>
+        </p:nvSpPr>
+        <p:spPr>
+          <a:xfrm>
+            <a:off x="2914650" y="3429000"/>
+            <a:ext cx="2371725" cy="1485900"/>
+          </a:xfrm>
+          <a:prstGeom prst="rect">
+            <a:avLst/>
+          </a:prstGeom>
+        </p:spPr>
+        <p:style>
+          <a:lnRef idx="2">
+            <a:schemeClr val="accent3">
+              <a:shade val="50000"/>
+            </a:schemeClr>
+          </a:lnRef>
+          <a:fillRef idx="1">
+            <a:schemeClr val="accent3"/>
+          </a:fillRef>
+          <a:effectRef idx="0">
+            <a:schemeClr val="accent3"/>
+          </a:effectRef>
+          <a:fontRef idx="minor">
+            <a:schemeClr val="lt1"/>
+          </a:fontRef>
+        </p:style>
+        <p:txBody>
+          <a:bodyPr rtlCol="0" anchor="ctr"/>
+          <a:lstStyle/>
+          <a:p>
+            <a:pPr algn="ctr"/>
+            <a:r>
+              <a:rPr lang="ja-JP" altLang="en-US" dirty="0"/>
+              <a:t>説明変数</a:t>
+            </a:r>
+            <a:r>
+              <a:rPr lang="en-US" altLang="ja-JP" dirty="0"/>
+              <a:t>1</a:t>
+            </a:r>
+            <a:r>
+              <a:rPr lang="ja-JP" altLang="en-US" dirty="0"/>
+              <a:t>：</a:t>
+            </a:r>
+            <a:r>
+              <a:rPr lang="en-US" altLang="ja-JP" dirty="0"/>
+              <a:t/>
+            </a:r>
+            <a:br>
+              <a:rPr lang="en-US" altLang="ja-JP" dirty="0"/>
+            </a:br>
+            <a:r>
+              <a:rPr lang="ja-JP" altLang="en-US" dirty="0"/>
+              <a:t>小麦品種</a:t>
+            </a:r>
+            <a:endParaRPr lang="en-US" altLang="ja-JP" dirty="0"/>
+          </a:p>
+          <a:p>
+            <a:pPr algn="ctr"/>
+            <a:endParaRPr lang="en-US" altLang="ja-JP" sz="500" dirty="0"/>
+          </a:p>
+          <a:p>
+            <a:pPr algn="ctr"/>
+            <a:r>
+              <a:rPr lang="ja-JP" altLang="en-US" dirty="0"/>
+              <a:t>水準：</a:t>
+            </a:r>
+            <a:r>
+              <a:rPr lang="en-US" altLang="ja-JP" dirty="0"/>
+              <a:t>A,B</a:t>
+            </a:r>
+            <a:endParaRPr lang="en-US" altLang="ja-JP" dirty="0"/>
+          </a:p>
+        </p:txBody>
+      </p:sp>
+      <p:sp>
+        <p:nvSpPr>
+          <p:cNvPr id="8" name="テキスト ボックス 7"/>
+          <p:cNvSpPr txBox="1"/>
+          <p:nvPr/>
+        </p:nvSpPr>
+        <p:spPr>
+          <a:xfrm>
+            <a:off x="2362200" y="3048000"/>
+            <a:ext cx="2457450" cy="381000"/>
+          </a:xfrm>
+          <a:prstGeom prst="rect">
+            <a:avLst/>
+          </a:prstGeom>
+          <a:noFill/>
+        </p:spPr>
+        <p:txBody>
+          <a:bodyPr wrap="square" rtlCol="0">
+            <a:spAutoFit/>
+          </a:bodyPr>
+          <a:lstStyle/>
+          <a:p>
+            <a:r>
+              <a:rPr kumimoji="1" lang="ja-JP" altLang="en-US" dirty="0" smtClean="0"/>
+              <a:t>肥料：</a:t>
+            </a:r>
+            <a:r>
+              <a:rPr kumimoji="1" lang="en-US" altLang="ja-JP" dirty="0" smtClean="0"/>
+              <a:t>Y</a:t>
+            </a:r>
+            <a:endParaRPr kumimoji="1" lang="ja-JP" altLang="en-US" dirty="0"/>
+          </a:p>
+        </p:txBody>
+      </p:sp>
+      <p:sp>
+        <p:nvSpPr>
+          <p:cNvPr id="9" name="テキスト ボックス 8"/>
+          <p:cNvSpPr txBox="1"/>
+          <p:nvPr/>
+        </p:nvSpPr>
+        <p:spPr>
+          <a:xfrm>
+            <a:off x="2362200" y="764287"/>
+            <a:ext cx="2457450" cy="381000"/>
+          </a:xfrm>
+          <a:prstGeom prst="rect">
+            <a:avLst/>
+          </a:prstGeom>
+          <a:noFill/>
+        </p:spPr>
+        <p:txBody>
+          <a:bodyPr wrap="square" rtlCol="0">
+            <a:spAutoFit/>
+          </a:bodyPr>
+          <a:lstStyle/>
+          <a:p>
+            <a:r>
+              <a:rPr kumimoji="1" lang="ja-JP" altLang="en-US" dirty="0" smtClean="0"/>
+              <a:t>肥料：</a:t>
+            </a:r>
+            <a:r>
+              <a:rPr kumimoji="1" lang="en-US" altLang="ja-JP" dirty="0" smtClean="0"/>
+              <a:t>X</a:t>
+            </a:r>
+            <a:endParaRPr kumimoji="1" lang="ja-JP" altLang="en-US" dirty="0"/>
+          </a:p>
+        </p:txBody>
+      </p:sp>
+      <p:cxnSp>
+        <p:nvCxnSpPr>
+          <p:cNvPr id="10" name="直線矢印コネクタ 9">
+            <a:extLst>
+              <a:ext uri="{FF2B5EF4-FFF2-40B4-BE49-F238E27FC236}">
+                <a16:creationId xmlns:a16="http://schemas.microsoft.com/office/drawing/2014/main" id="{78716ED2-DF3B-D92E-7BD8-3AA09D91A477}"/>
+              </a:ext>
+            </a:extLst>
+          </p:cNvPr>
+          <p:cNvCxnSpPr>
+            <a:cxnSpLocks/>
+            <a:stCxn id="5" idx="3"/>
+            <a:endCxn id="4" idx="1"/>
+          </p:cNvCxnSpPr>
+          <p:nvPr/>
+        </p:nvCxnSpPr>
+        <p:spPr>
+          <a:xfrm>
+            <a:off x="5286375" y="1888237"/>
+            <a:ext cx="1524000" cy="0"/>
+          </a:xfrm>
+          <a:prstGeom prst="straightConnector1">
+            <a:avLst/>
+          </a:prstGeom>
+          <a:ln>
+            <a:tailEnd type="triangle"/>
+          </a:ln>
+        </p:spPr>
+        <p:style>
+          <a:lnRef idx="2">
+            <a:schemeClr val="accent3">
+              <a:shade val="15000"/>
+            </a:schemeClr>
+          </a:lnRef>
+          <a:fillRef idx="1">
+            <a:schemeClr val="accent3"/>
+          </a:fillRef>
+          <a:effectRef idx="0">
+            <a:schemeClr val="accent3"/>
+          </a:effectRef>
+          <a:fontRef idx="minor">
+            <a:schemeClr val="lt1"/>
+          </a:fontRef>
+        </p:style>
+      </p:cxnSp>
+      <p:cxnSp>
+        <p:nvCxnSpPr>
+          <p:cNvPr id="13" name="直線矢印コネクタ 12">
+            <a:extLst>
+              <a:ext uri="{FF2B5EF4-FFF2-40B4-BE49-F238E27FC236}">
+                <a16:creationId xmlns:a16="http://schemas.microsoft.com/office/drawing/2014/main" id="{78716ED2-DF3B-D92E-7BD8-3AA09D91A477}"/>
+              </a:ext>
+            </a:extLst>
+          </p:cNvPr>
+          <p:cNvCxnSpPr>
+            <a:cxnSpLocks/>
+            <a:stCxn id="7" idx="3"/>
+            <a:endCxn id="6" idx="1"/>
+          </p:cNvCxnSpPr>
+          <p:nvPr/>
+        </p:nvCxnSpPr>
+        <p:spPr>
+          <a:xfrm>
+            <a:off x="5286375" y="4171950"/>
+            <a:ext cx="1524000" cy="0"/>
+          </a:xfrm>
+          <a:prstGeom prst="straightConnector1">
+            <a:avLst/>
+          </a:prstGeom>
+          <a:ln>
+            <a:tailEnd type="triangle"/>
+          </a:ln>
+        </p:spPr>
+        <p:style>
+          <a:lnRef idx="2">
+            <a:schemeClr val="accent3">
+              <a:shade val="15000"/>
+            </a:schemeClr>
+          </a:lnRef>
+          <a:fillRef idx="1">
+            <a:schemeClr val="accent3"/>
+          </a:fillRef>
+          <a:effectRef idx="0">
+            <a:schemeClr val="accent3"/>
+          </a:effectRef>
+          <a:fontRef idx="minor">
+            <a:schemeClr val="lt1"/>
+          </a:fontRef>
+        </p:style>
+      </p:cxnSp>
+    </p:spTree>
+    <p:extLst>
+      <p:ext uri="{BB962C8B-B14F-4D97-AF65-F5344CB8AC3E}">
+        <p14:creationId xmlns:p14="http://schemas.microsoft.com/office/powerpoint/2010/main" val="1855490424"/>
       </p:ext>
     </p:extLst>
   </p:cSld>

--- a/Img/AnovaModeling.pptx
+++ b/Img/AnovaModeling.pptx
@@ -12,6 +12,7 @@
     <p:sldId id="260" r:id="rId6"/>
     <p:sldId id="261" r:id="rId7"/>
     <p:sldId id="262" r:id="rId8"/>
+    <p:sldId id="263" r:id="rId9"/>
   </p:sldIdLst>
   <p:sldSz cx="12192000" cy="6858000"/>
   <p:notesSz cx="6858000" cy="9144000"/>
@@ -487,7 +488,7 @@
           <a:p>
             <a:fld id="{E3020441-CB21-445C-817D-199401EC5197}" type="datetimeFigureOut">
               <a:rPr kumimoji="1" lang="ja-JP" altLang="en-US" smtClean="0"/>
-              <a:t>2024/6/6</a:t>
+              <a:t>2024/7/3</a:t>
             </a:fld>
             <a:endParaRPr kumimoji="1" lang="ja-JP" altLang="en-US"/>
           </a:p>
@@ -717,7 +718,7 @@
           <a:p>
             <a:fld id="{E3020441-CB21-445C-817D-199401EC5197}" type="datetimeFigureOut">
               <a:rPr kumimoji="1" lang="ja-JP" altLang="en-US" smtClean="0"/>
-              <a:t>2024/6/6</a:t>
+              <a:t>2024/7/3</a:t>
             </a:fld>
             <a:endParaRPr kumimoji="1" lang="ja-JP" altLang="en-US"/>
           </a:p>
@@ -957,7 +958,7 @@
           <a:p>
             <a:fld id="{E3020441-CB21-445C-817D-199401EC5197}" type="datetimeFigureOut">
               <a:rPr kumimoji="1" lang="ja-JP" altLang="en-US" smtClean="0"/>
-              <a:t>2024/6/6</a:t>
+              <a:t>2024/7/3</a:t>
             </a:fld>
             <a:endParaRPr kumimoji="1" lang="ja-JP" altLang="en-US"/>
           </a:p>
@@ -1187,7 +1188,7 @@
           <a:p>
             <a:fld id="{E3020441-CB21-445C-817D-199401EC5197}" type="datetimeFigureOut">
               <a:rPr kumimoji="1" lang="ja-JP" altLang="en-US" smtClean="0"/>
-              <a:t>2024/6/6</a:t>
+              <a:t>2024/7/3</a:t>
             </a:fld>
             <a:endParaRPr kumimoji="1" lang="ja-JP" altLang="en-US"/>
           </a:p>
@@ -1462,7 +1463,7 @@
           <a:p>
             <a:fld id="{E3020441-CB21-445C-817D-199401EC5197}" type="datetimeFigureOut">
               <a:rPr kumimoji="1" lang="ja-JP" altLang="en-US" smtClean="0"/>
-              <a:t>2024/6/6</a:t>
+              <a:t>2024/7/3</a:t>
             </a:fld>
             <a:endParaRPr kumimoji="1" lang="ja-JP" altLang="en-US"/>
           </a:p>
@@ -1791,7 +1792,7 @@
           <a:p>
             <a:fld id="{E3020441-CB21-445C-817D-199401EC5197}" type="datetimeFigureOut">
               <a:rPr kumimoji="1" lang="ja-JP" altLang="en-US" smtClean="0"/>
-              <a:t>2024/6/6</a:t>
+              <a:t>2024/7/3</a:t>
             </a:fld>
             <a:endParaRPr kumimoji="1" lang="ja-JP" altLang="en-US"/>
           </a:p>
@@ -2267,7 +2268,7 @@
           <a:p>
             <a:fld id="{E3020441-CB21-445C-817D-199401EC5197}" type="datetimeFigureOut">
               <a:rPr kumimoji="1" lang="ja-JP" altLang="en-US" smtClean="0"/>
-              <a:t>2024/6/6</a:t>
+              <a:t>2024/7/3</a:t>
             </a:fld>
             <a:endParaRPr kumimoji="1" lang="ja-JP" altLang="en-US"/>
           </a:p>
@@ -2408,7 +2409,7 @@
           <a:p>
             <a:fld id="{E3020441-CB21-445C-817D-199401EC5197}" type="datetimeFigureOut">
               <a:rPr kumimoji="1" lang="ja-JP" altLang="en-US" smtClean="0"/>
-              <a:t>2024/6/6</a:t>
+              <a:t>2024/7/3</a:t>
             </a:fld>
             <a:endParaRPr kumimoji="1" lang="ja-JP" altLang="en-US"/>
           </a:p>
@@ -2521,7 +2522,7 @@
           <a:p>
             <a:fld id="{E3020441-CB21-445C-817D-199401EC5197}" type="datetimeFigureOut">
               <a:rPr kumimoji="1" lang="ja-JP" altLang="en-US" smtClean="0"/>
-              <a:t>2024/6/6</a:t>
+              <a:t>2024/7/3</a:t>
             </a:fld>
             <a:endParaRPr kumimoji="1" lang="ja-JP" altLang="en-US"/>
           </a:p>
@@ -2864,7 +2865,7 @@
           <a:p>
             <a:fld id="{E3020441-CB21-445C-817D-199401EC5197}" type="datetimeFigureOut">
               <a:rPr kumimoji="1" lang="ja-JP" altLang="en-US" smtClean="0"/>
-              <a:t>2024/6/6</a:t>
+              <a:t>2024/7/3</a:t>
             </a:fld>
             <a:endParaRPr kumimoji="1" lang="ja-JP" altLang="en-US"/>
           </a:p>
@@ -3152,7 +3153,7 @@
           <a:p>
             <a:fld id="{E3020441-CB21-445C-817D-199401EC5197}" type="datetimeFigureOut">
               <a:rPr kumimoji="1" lang="ja-JP" altLang="en-US" smtClean="0"/>
-              <a:t>2024/6/6</a:t>
+              <a:t>2024/7/3</a:t>
             </a:fld>
             <a:endParaRPr kumimoji="1" lang="ja-JP" altLang="en-US"/>
           </a:p>
@@ -3425,7 +3426,7 @@
           <a:p>
             <a:fld id="{E3020441-CB21-445C-817D-199401EC5197}" type="datetimeFigureOut">
               <a:rPr kumimoji="1" lang="ja-JP" altLang="en-US" smtClean="0"/>
-              <a:t>2024/6/6</a:t>
+              <a:t>2024/7/3</a:t>
             </a:fld>
             <a:endParaRPr kumimoji="1" lang="ja-JP" altLang="en-US"/>
           </a:p>
@@ -6379,7 +6380,6 @@
               <a:rPr lang="en-US" altLang="ja-JP" dirty="0"/>
               <a:t>A,B</a:t>
             </a:r>
-            <a:endParaRPr lang="en-US" altLang="ja-JP" dirty="0"/>
           </a:p>
         </p:txBody>
       </p:sp>
@@ -6530,7 +6530,6 @@
               <a:rPr lang="en-US" altLang="ja-JP" dirty="0"/>
               <a:t>A,B</a:t>
             </a:r>
-            <a:endParaRPr lang="en-US" altLang="ja-JP" dirty="0"/>
           </a:p>
         </p:txBody>
       </p:sp>
@@ -6696,6 +6695,701 @@
     <p:extLst>
       <p:ext uri="{BB962C8B-B14F-4D97-AF65-F5344CB8AC3E}">
         <p14:creationId xmlns:p14="http://schemas.microsoft.com/office/powerpoint/2010/main" val="1855490424"/>
+      </p:ext>
+    </p:extLst>
+  </p:cSld>
+  <p:clrMapOvr>
+    <a:masterClrMapping/>
+  </p:clrMapOvr>
+</p:sld>
+</file>
+
+<file path=ppt/slides/slide8.xml><?xml version="1.0" encoding="utf-8"?>
+<p:sld xmlns:a="http://schemas.openxmlformats.org/drawingml/2006/main" xmlns:r="http://schemas.openxmlformats.org/officeDocument/2006/relationships" xmlns:p="http://schemas.openxmlformats.org/presentationml/2006/main">
+  <p:cSld>
+    <p:spTree>
+      <p:nvGrpSpPr>
+        <p:cNvPr id="1" name=""/>
+        <p:cNvGrpSpPr/>
+        <p:nvPr/>
+      </p:nvGrpSpPr>
+      <p:grpSpPr>
+        <a:xfrm>
+          <a:off x="0" y="0"/>
+          <a:ext cx="0" cy="0"/>
+          <a:chOff x="0" y="0"/>
+          <a:chExt cx="0" cy="0"/>
+        </a:xfrm>
+      </p:grpSpPr>
+      <p:sp>
+        <p:nvSpPr>
+          <p:cNvPr id="19" name="楕円 18"/>
+          <p:cNvSpPr/>
+          <p:nvPr/>
+        </p:nvSpPr>
+        <p:spPr>
+          <a:xfrm flipH="1" flipV="1">
+            <a:off x="5475544" y="3303844"/>
+            <a:ext cx="272794" cy="272794"/>
+          </a:xfrm>
+          <a:prstGeom prst="ellipse">
+            <a:avLst/>
+          </a:prstGeom>
+          <a:ln/>
+        </p:spPr>
+        <p:style>
+          <a:lnRef idx="2">
+            <a:schemeClr val="dk1"/>
+          </a:lnRef>
+          <a:fillRef idx="1">
+            <a:schemeClr val="lt1"/>
+          </a:fillRef>
+          <a:effectRef idx="0">
+            <a:schemeClr val="dk1"/>
+          </a:effectRef>
+          <a:fontRef idx="minor">
+            <a:schemeClr val="dk1"/>
+          </a:fontRef>
+        </p:style>
+        <p:txBody>
+          <a:bodyPr rtlCol="0" anchor="ctr"/>
+          <a:lstStyle/>
+          <a:p>
+            <a:pPr algn="ctr"/>
+            <a:endParaRPr kumimoji="1" lang="ja-JP" altLang="en-US"/>
+          </a:p>
+        </p:txBody>
+      </p:sp>
+      <p:sp>
+        <p:nvSpPr>
+          <p:cNvPr id="4" name="正方形/長方形 3">
+            <a:extLst>
+              <a:ext uri="{FF2B5EF4-FFF2-40B4-BE49-F238E27FC236}">
+                <a16:creationId xmlns:a16="http://schemas.microsoft.com/office/drawing/2014/main" id="{D1E12261-89B1-F2A3-34A0-BBE7B31A48CA}"/>
+              </a:ext>
+            </a:extLst>
+          </p:cNvPr>
+          <p:cNvSpPr/>
+          <p:nvPr/>
+        </p:nvSpPr>
+        <p:spPr>
+          <a:xfrm>
+            <a:off x="6934200" y="2990850"/>
+            <a:ext cx="2476500" cy="876300"/>
+          </a:xfrm>
+          <a:prstGeom prst="rect">
+            <a:avLst/>
+          </a:prstGeom>
+        </p:spPr>
+        <p:style>
+          <a:lnRef idx="2">
+            <a:schemeClr val="accent3">
+              <a:shade val="15000"/>
+            </a:schemeClr>
+          </a:lnRef>
+          <a:fillRef idx="1">
+            <a:schemeClr val="accent3"/>
+          </a:fillRef>
+          <a:effectRef idx="0">
+            <a:schemeClr val="accent3"/>
+          </a:effectRef>
+          <a:fontRef idx="minor">
+            <a:schemeClr val="lt1"/>
+          </a:fontRef>
+        </p:style>
+        <p:txBody>
+          <a:bodyPr rtlCol="0" anchor="ctr"/>
+          <a:lstStyle/>
+          <a:p>
+            <a:pPr algn="ctr"/>
+            <a:r>
+              <a:rPr kumimoji="1" lang="ja-JP" altLang="en-US" dirty="0"/>
+              <a:t>目的変数：</a:t>
+            </a:r>
+            <a:endParaRPr kumimoji="1" lang="en-US" altLang="ja-JP" dirty="0"/>
+          </a:p>
+          <a:p>
+            <a:pPr algn="ctr"/>
+            <a:r>
+              <a:rPr kumimoji="1" lang="ja-JP" altLang="en-US" dirty="0"/>
+              <a:t>厚揚げ購入頻度</a:t>
+            </a:r>
+          </a:p>
+        </p:txBody>
+      </p:sp>
+      <p:sp>
+        <p:nvSpPr>
+          <p:cNvPr id="5" name="正方形/長方形 4">
+            <a:extLst>
+              <a:ext uri="{FF2B5EF4-FFF2-40B4-BE49-F238E27FC236}">
+                <a16:creationId xmlns:a16="http://schemas.microsoft.com/office/drawing/2014/main" id="{AC2650BC-2D2B-5AF3-86DA-8F1504AF3245}"/>
+              </a:ext>
+            </a:extLst>
+          </p:cNvPr>
+          <p:cNvSpPr/>
+          <p:nvPr/>
+        </p:nvSpPr>
+        <p:spPr>
+          <a:xfrm>
+            <a:off x="2514600" y="1695449"/>
+            <a:ext cx="2371725" cy="1485900"/>
+          </a:xfrm>
+          <a:prstGeom prst="rect">
+            <a:avLst/>
+          </a:prstGeom>
+        </p:spPr>
+        <p:style>
+          <a:lnRef idx="2">
+            <a:schemeClr val="accent3">
+              <a:shade val="15000"/>
+            </a:schemeClr>
+          </a:lnRef>
+          <a:fillRef idx="1">
+            <a:schemeClr val="accent3"/>
+          </a:fillRef>
+          <a:effectRef idx="0">
+            <a:schemeClr val="accent3"/>
+          </a:effectRef>
+          <a:fontRef idx="minor">
+            <a:schemeClr val="lt1"/>
+          </a:fontRef>
+        </p:style>
+        <p:txBody>
+          <a:bodyPr rtlCol="0" anchor="ctr"/>
+          <a:lstStyle/>
+          <a:p>
+            <a:pPr algn="ctr"/>
+            <a:r>
+              <a:rPr kumimoji="1" lang="ja-JP" altLang="en-US" dirty="0"/>
+              <a:t>説明変数</a:t>
+            </a:r>
+            <a:r>
+              <a:rPr kumimoji="1" lang="en-US" altLang="ja-JP" dirty="0"/>
+              <a:t>1</a:t>
+            </a:r>
+            <a:r>
+              <a:rPr kumimoji="1" lang="ja-JP" altLang="en-US" dirty="0"/>
+              <a:t>：</a:t>
+            </a:r>
+            <a:r>
+              <a:rPr kumimoji="1" lang="en-US" altLang="ja-JP" dirty="0"/>
+              <a:t/>
+            </a:r>
+            <a:br>
+              <a:rPr kumimoji="1" lang="en-US" altLang="ja-JP" dirty="0"/>
+            </a:br>
+            <a:r>
+              <a:rPr kumimoji="1" lang="ja-JP" altLang="en-US" dirty="0"/>
+              <a:t>パンの種類</a:t>
+            </a:r>
+            <a:endParaRPr kumimoji="1" lang="en-US" altLang="ja-JP" dirty="0"/>
+          </a:p>
+          <a:p>
+            <a:pPr algn="ctr"/>
+            <a:endParaRPr kumimoji="1" lang="en-US" altLang="ja-JP" dirty="0"/>
+          </a:p>
+          <a:p>
+            <a:pPr algn="ctr"/>
+            <a:r>
+              <a:rPr kumimoji="1" lang="ja-JP" altLang="en-US" dirty="0"/>
+              <a:t>水準：</a:t>
+            </a:r>
+            <a:r>
+              <a:rPr kumimoji="1" lang="en-US" altLang="ja-JP" dirty="0"/>
+              <a:t>A</a:t>
+            </a:r>
+            <a:r>
+              <a:rPr lang="en-US" altLang="ja-JP" dirty="0"/>
+              <a:t>,B,C</a:t>
+            </a:r>
+          </a:p>
+        </p:txBody>
+      </p:sp>
+      <p:cxnSp>
+        <p:nvCxnSpPr>
+          <p:cNvPr id="6" name="直線矢印コネクタ 5">
+            <a:extLst>
+              <a:ext uri="{FF2B5EF4-FFF2-40B4-BE49-F238E27FC236}">
+                <a16:creationId xmlns:a16="http://schemas.microsoft.com/office/drawing/2014/main" id="{78716ED2-DF3B-D92E-7BD8-3AA09D91A477}"/>
+              </a:ext>
+            </a:extLst>
+          </p:cNvPr>
+          <p:cNvCxnSpPr>
+            <a:cxnSpLocks/>
+            <a:stCxn id="5" idx="3"/>
+            <a:endCxn id="4" idx="1"/>
+          </p:cNvCxnSpPr>
+          <p:nvPr/>
+        </p:nvCxnSpPr>
+        <p:spPr>
+          <a:xfrm>
+            <a:off x="4886325" y="2438399"/>
+            <a:ext cx="2047875" cy="990601"/>
+          </a:xfrm>
+          <a:prstGeom prst="straightConnector1">
+            <a:avLst/>
+          </a:prstGeom>
+          <a:ln>
+            <a:tailEnd type="triangle"/>
+          </a:ln>
+        </p:spPr>
+        <p:style>
+          <a:lnRef idx="2">
+            <a:schemeClr val="dk1"/>
+          </a:lnRef>
+          <a:fillRef idx="1">
+            <a:schemeClr val="lt1"/>
+          </a:fillRef>
+          <a:effectRef idx="0">
+            <a:schemeClr val="dk1"/>
+          </a:effectRef>
+          <a:fontRef idx="minor">
+            <a:schemeClr val="dk1"/>
+          </a:fontRef>
+        </p:style>
+      </p:cxnSp>
+      <p:sp>
+        <p:nvSpPr>
+          <p:cNvPr id="7" name="正方形/長方形 6">
+            <a:extLst>
+              <a:ext uri="{FF2B5EF4-FFF2-40B4-BE49-F238E27FC236}">
+                <a16:creationId xmlns:a16="http://schemas.microsoft.com/office/drawing/2014/main" id="{CBC8A939-E168-8640-4151-6E3418F38040}"/>
+              </a:ext>
+            </a:extLst>
+          </p:cNvPr>
+          <p:cNvSpPr/>
+          <p:nvPr/>
+        </p:nvSpPr>
+        <p:spPr>
+          <a:xfrm>
+            <a:off x="2514600" y="3724276"/>
+            <a:ext cx="2371725" cy="1485900"/>
+          </a:xfrm>
+          <a:prstGeom prst="rect">
+            <a:avLst/>
+          </a:prstGeom>
+        </p:spPr>
+        <p:style>
+          <a:lnRef idx="2">
+            <a:schemeClr val="accent3">
+              <a:shade val="50000"/>
+            </a:schemeClr>
+          </a:lnRef>
+          <a:fillRef idx="1">
+            <a:schemeClr val="accent3"/>
+          </a:fillRef>
+          <a:effectRef idx="0">
+            <a:schemeClr val="accent3"/>
+          </a:effectRef>
+          <a:fontRef idx="minor">
+            <a:schemeClr val="lt1"/>
+          </a:fontRef>
+        </p:style>
+        <p:txBody>
+          <a:bodyPr rtlCol="0" anchor="ctr"/>
+          <a:lstStyle/>
+          <a:p>
+            <a:pPr algn="ctr"/>
+            <a:r>
+              <a:rPr kumimoji="1" lang="ja-JP" altLang="en-US" dirty="0"/>
+              <a:t>説明変数</a:t>
+            </a:r>
+            <a:r>
+              <a:rPr kumimoji="1" lang="en-US" altLang="ja-JP" dirty="0"/>
+              <a:t>2</a:t>
+            </a:r>
+            <a:r>
+              <a:rPr kumimoji="1" lang="ja-JP" altLang="en-US" dirty="0"/>
+              <a:t>：</a:t>
+            </a:r>
+            <a:r>
+              <a:rPr kumimoji="1" lang="en-US" altLang="ja-JP" dirty="0"/>
+              <a:t/>
+            </a:r>
+            <a:br>
+              <a:rPr kumimoji="1" lang="en-US" altLang="ja-JP" dirty="0"/>
+            </a:br>
+            <a:r>
+              <a:rPr kumimoji="1" lang="ja-JP" altLang="en-US" dirty="0" smtClean="0"/>
+              <a:t>苺ジャム</a:t>
+            </a:r>
+            <a:endParaRPr kumimoji="1" lang="en-US" altLang="ja-JP" dirty="0"/>
+          </a:p>
+          <a:p>
+            <a:pPr algn="ctr"/>
+            <a:endParaRPr kumimoji="1" lang="en-US" altLang="ja-JP" dirty="0"/>
+          </a:p>
+          <a:p>
+            <a:pPr algn="ctr"/>
+            <a:r>
+              <a:rPr kumimoji="1" lang="ja-JP" altLang="en-US" dirty="0"/>
+              <a:t>水準</a:t>
+            </a:r>
+            <a:r>
+              <a:rPr kumimoji="1" lang="ja-JP" altLang="en-US" dirty="0" smtClean="0"/>
+              <a:t>：</a:t>
+            </a:r>
+            <a:r>
+              <a:rPr kumimoji="1" lang="en-US" altLang="ja-JP" dirty="0" smtClean="0"/>
+              <a:t>X, Y</a:t>
+            </a:r>
+            <a:endParaRPr lang="en-US" altLang="ja-JP" dirty="0"/>
+          </a:p>
+        </p:txBody>
+      </p:sp>
+      <p:cxnSp>
+        <p:nvCxnSpPr>
+          <p:cNvPr id="8" name="直線矢印コネクタ 7">
+            <a:extLst>
+              <a:ext uri="{FF2B5EF4-FFF2-40B4-BE49-F238E27FC236}">
+                <a16:creationId xmlns:a16="http://schemas.microsoft.com/office/drawing/2014/main" id="{3692A9EC-9D53-BBF8-6010-1B3560DD9FC6}"/>
+              </a:ext>
+            </a:extLst>
+          </p:cNvPr>
+          <p:cNvCxnSpPr>
+            <a:cxnSpLocks/>
+            <a:stCxn id="7" idx="3"/>
+            <a:endCxn id="4" idx="1"/>
+          </p:cNvCxnSpPr>
+          <p:nvPr/>
+        </p:nvCxnSpPr>
+        <p:spPr>
+          <a:xfrm flipV="1">
+            <a:off x="4886325" y="3429000"/>
+            <a:ext cx="2047875" cy="1038226"/>
+          </a:xfrm>
+          <a:prstGeom prst="straightConnector1">
+            <a:avLst/>
+          </a:prstGeom>
+          <a:ln>
+            <a:tailEnd type="triangle"/>
+          </a:ln>
+        </p:spPr>
+        <p:style>
+          <a:lnRef idx="2">
+            <a:schemeClr val="dk1"/>
+          </a:lnRef>
+          <a:fillRef idx="1">
+            <a:schemeClr val="lt1"/>
+          </a:fillRef>
+          <a:effectRef idx="0">
+            <a:schemeClr val="dk1"/>
+          </a:effectRef>
+          <a:fontRef idx="minor">
+            <a:schemeClr val="dk1"/>
+          </a:fontRef>
+        </p:style>
+      </p:cxnSp>
+      <p:sp>
+        <p:nvSpPr>
+          <p:cNvPr id="9" name="正方形/長方形 8">
+            <a:extLst>
+              <a:ext uri="{FF2B5EF4-FFF2-40B4-BE49-F238E27FC236}">
+                <a16:creationId xmlns:a16="http://schemas.microsoft.com/office/drawing/2014/main" id="{CBC8A939-E168-8640-4151-6E3418F38040}"/>
+              </a:ext>
+            </a:extLst>
+          </p:cNvPr>
+          <p:cNvSpPr/>
+          <p:nvPr/>
+        </p:nvSpPr>
+        <p:spPr>
+          <a:xfrm>
+            <a:off x="6986587" y="4937380"/>
+            <a:ext cx="2371725" cy="1485900"/>
+          </a:xfrm>
+          <a:prstGeom prst="rect">
+            <a:avLst/>
+          </a:prstGeom>
+          <a:ln>
+            <a:solidFill>
+              <a:srgbClr val="FF0000"/>
+            </a:solidFill>
+          </a:ln>
+        </p:spPr>
+        <p:style>
+          <a:lnRef idx="2">
+            <a:schemeClr val="accent4">
+              <a:shade val="15000"/>
+            </a:schemeClr>
+          </a:lnRef>
+          <a:fillRef idx="1">
+            <a:schemeClr val="accent4"/>
+          </a:fillRef>
+          <a:effectRef idx="0">
+            <a:schemeClr val="accent4"/>
+          </a:effectRef>
+          <a:fontRef idx="minor">
+            <a:schemeClr val="lt1"/>
+          </a:fontRef>
+        </p:style>
+        <p:txBody>
+          <a:bodyPr rtlCol="0" anchor="ctr"/>
+          <a:lstStyle/>
+          <a:p>
+            <a:pPr algn="ctr"/>
+            <a:r>
+              <a:rPr lang="ja-JP" altLang="en-US" dirty="0" smtClean="0"/>
+              <a:t>説明変数</a:t>
+            </a:r>
+            <a:r>
+              <a:rPr lang="en-US" altLang="ja-JP" dirty="0" smtClean="0"/>
+              <a:t>3</a:t>
+            </a:r>
+            <a:r>
+              <a:rPr kumimoji="1" lang="ja-JP" altLang="en-US" dirty="0" smtClean="0"/>
+              <a:t>：</a:t>
+            </a:r>
+            <a:r>
+              <a:rPr kumimoji="1" lang="en-US" altLang="ja-JP" dirty="0"/>
+              <a:t/>
+            </a:r>
+            <a:br>
+              <a:rPr kumimoji="1" lang="en-US" altLang="ja-JP" dirty="0"/>
+            </a:br>
+            <a:r>
+              <a:rPr kumimoji="1" lang="ja-JP" altLang="en-US" dirty="0"/>
+              <a:t>被験者</a:t>
+            </a:r>
+            <a:r>
+              <a:rPr kumimoji="1" lang="en-US" altLang="ja-JP" dirty="0"/>
+              <a:t>No.</a:t>
+            </a:r>
+          </a:p>
+          <a:p>
+            <a:pPr algn="ctr"/>
+            <a:endParaRPr kumimoji="1" lang="en-US" altLang="ja-JP" dirty="0"/>
+          </a:p>
+          <a:p>
+            <a:pPr algn="ctr"/>
+            <a:r>
+              <a:rPr kumimoji="1" lang="ja-JP" altLang="en-US" dirty="0"/>
+              <a:t>水準：</a:t>
+            </a:r>
+            <a:r>
+              <a:rPr kumimoji="1" lang="en-US" altLang="ja-JP" dirty="0"/>
+              <a:t>1,2,</a:t>
+            </a:r>
+            <a:r>
+              <a:rPr kumimoji="1" lang="ja-JP" altLang="en-US" dirty="0"/>
+              <a:t>・・・</a:t>
+            </a:r>
+            <a:r>
+              <a:rPr kumimoji="1" lang="en-US" altLang="ja-JP" dirty="0" smtClean="0"/>
+              <a:t>20</a:t>
+            </a:r>
+            <a:endParaRPr lang="en-US" altLang="ja-JP" dirty="0"/>
+          </a:p>
+        </p:txBody>
+      </p:sp>
+      <p:cxnSp>
+        <p:nvCxnSpPr>
+          <p:cNvPr id="10" name="直線矢印コネクタ 9">
+            <a:extLst>
+              <a:ext uri="{FF2B5EF4-FFF2-40B4-BE49-F238E27FC236}">
+                <a16:creationId xmlns:a16="http://schemas.microsoft.com/office/drawing/2014/main" id="{3692A9EC-9D53-BBF8-6010-1B3560DD9FC6}"/>
+              </a:ext>
+            </a:extLst>
+          </p:cNvPr>
+          <p:cNvCxnSpPr>
+            <a:cxnSpLocks/>
+            <a:stCxn id="9" idx="0"/>
+            <a:endCxn id="4" idx="2"/>
+          </p:cNvCxnSpPr>
+          <p:nvPr/>
+        </p:nvCxnSpPr>
+        <p:spPr>
+          <a:xfrm flipV="1">
+            <a:off x="8172450" y="3867150"/>
+            <a:ext cx="0" cy="1070230"/>
+          </a:xfrm>
+          <a:prstGeom prst="straightConnector1">
+            <a:avLst/>
+          </a:prstGeom>
+          <a:ln>
+            <a:solidFill>
+              <a:srgbClr val="FF0000"/>
+            </a:solidFill>
+            <a:tailEnd type="triangle"/>
+          </a:ln>
+        </p:spPr>
+        <p:style>
+          <a:lnRef idx="2">
+            <a:schemeClr val="accent3">
+              <a:shade val="15000"/>
+            </a:schemeClr>
+          </a:lnRef>
+          <a:fillRef idx="1">
+            <a:schemeClr val="accent3"/>
+          </a:fillRef>
+          <a:effectRef idx="0">
+            <a:schemeClr val="accent3"/>
+          </a:effectRef>
+          <a:fontRef idx="minor">
+            <a:schemeClr val="lt1"/>
+          </a:fontRef>
+        </p:style>
+      </p:cxnSp>
+      <p:cxnSp>
+        <p:nvCxnSpPr>
+          <p:cNvPr id="14" name="直線コネクタ 13"/>
+          <p:cNvCxnSpPr/>
+          <p:nvPr/>
+        </p:nvCxnSpPr>
+        <p:spPr>
+          <a:xfrm>
+            <a:off x="4886325" y="2438399"/>
+            <a:ext cx="629169" cy="905395"/>
+          </a:xfrm>
+          <a:prstGeom prst="line">
+            <a:avLst/>
+          </a:prstGeom>
+          <a:ln/>
+        </p:spPr>
+        <p:style>
+          <a:lnRef idx="2">
+            <a:schemeClr val="dk1"/>
+          </a:lnRef>
+          <a:fillRef idx="1">
+            <a:schemeClr val="lt1"/>
+          </a:fillRef>
+          <a:effectRef idx="0">
+            <a:schemeClr val="dk1"/>
+          </a:effectRef>
+          <a:fontRef idx="minor">
+            <a:schemeClr val="dk1"/>
+          </a:fontRef>
+        </p:style>
+      </p:cxnSp>
+      <p:cxnSp>
+        <p:nvCxnSpPr>
+          <p:cNvPr id="15" name="直線コネクタ 14"/>
+          <p:cNvCxnSpPr/>
+          <p:nvPr/>
+        </p:nvCxnSpPr>
+        <p:spPr>
+          <a:xfrm flipV="1">
+            <a:off x="4886325" y="3536688"/>
+            <a:ext cx="629169" cy="930538"/>
+          </a:xfrm>
+          <a:prstGeom prst="line">
+            <a:avLst/>
+          </a:prstGeom>
+          <a:ln/>
+        </p:spPr>
+        <p:style>
+          <a:lnRef idx="2">
+            <a:schemeClr val="dk1"/>
+          </a:lnRef>
+          <a:fillRef idx="1">
+            <a:schemeClr val="lt1"/>
+          </a:fillRef>
+          <a:effectRef idx="0">
+            <a:schemeClr val="dk1"/>
+          </a:effectRef>
+          <a:fontRef idx="minor">
+            <a:schemeClr val="dk1"/>
+          </a:fontRef>
+        </p:style>
+      </p:cxnSp>
+      <p:cxnSp>
+        <p:nvCxnSpPr>
+          <p:cNvPr id="16" name="直線コネクタ 15"/>
+          <p:cNvCxnSpPr/>
+          <p:nvPr/>
+        </p:nvCxnSpPr>
+        <p:spPr>
+          <a:xfrm flipV="1">
+            <a:off x="5748338" y="3429000"/>
+            <a:ext cx="1185862" cy="11241"/>
+          </a:xfrm>
+          <a:prstGeom prst="line">
+            <a:avLst/>
+          </a:prstGeom>
+          <a:ln>
+            <a:tailEnd type="triangle"/>
+          </a:ln>
+        </p:spPr>
+        <p:style>
+          <a:lnRef idx="2">
+            <a:schemeClr val="dk1"/>
+          </a:lnRef>
+          <a:fillRef idx="1">
+            <a:schemeClr val="lt1"/>
+          </a:fillRef>
+          <a:effectRef idx="0">
+            <a:schemeClr val="dk1"/>
+          </a:effectRef>
+          <a:fontRef idx="minor">
+            <a:schemeClr val="dk1"/>
+          </a:fontRef>
+        </p:style>
+      </p:cxnSp>
+      <p:cxnSp>
+        <p:nvCxnSpPr>
+          <p:cNvPr id="17" name="直線コネクタ 16"/>
+          <p:cNvCxnSpPr/>
+          <p:nvPr/>
+        </p:nvCxnSpPr>
+        <p:spPr>
+          <a:xfrm>
+            <a:off x="5515494" y="3343794"/>
+            <a:ext cx="192894" cy="192894"/>
+          </a:xfrm>
+          <a:prstGeom prst="line">
+            <a:avLst/>
+          </a:prstGeom>
+          <a:ln/>
+        </p:spPr>
+        <p:style>
+          <a:lnRef idx="2">
+            <a:schemeClr val="dk1"/>
+          </a:lnRef>
+          <a:fillRef idx="1">
+            <a:schemeClr val="lt1"/>
+          </a:fillRef>
+          <a:effectRef idx="0">
+            <a:schemeClr val="dk1"/>
+          </a:effectRef>
+          <a:fontRef idx="minor">
+            <a:schemeClr val="dk1"/>
+          </a:fontRef>
+        </p:style>
+      </p:cxnSp>
+      <p:cxnSp>
+        <p:nvCxnSpPr>
+          <p:cNvPr id="18" name="直線コネクタ 17"/>
+          <p:cNvCxnSpPr/>
+          <p:nvPr/>
+        </p:nvCxnSpPr>
+        <p:spPr>
+          <a:xfrm flipH="1">
+            <a:off x="5515494" y="3343794"/>
+            <a:ext cx="192894" cy="192894"/>
+          </a:xfrm>
+          <a:prstGeom prst="line">
+            <a:avLst/>
+          </a:prstGeom>
+          <a:ln/>
+        </p:spPr>
+        <p:style>
+          <a:lnRef idx="2">
+            <a:schemeClr val="dk1"/>
+          </a:lnRef>
+          <a:fillRef idx="1">
+            <a:schemeClr val="lt1"/>
+          </a:fillRef>
+          <a:effectRef idx="0">
+            <a:schemeClr val="dk1"/>
+          </a:effectRef>
+          <a:fontRef idx="minor">
+            <a:schemeClr val="dk1"/>
+          </a:fontRef>
+        </p:style>
+      </p:cxnSp>
+    </p:spTree>
+    <p:extLst>
+      <p:ext uri="{BB962C8B-B14F-4D97-AF65-F5344CB8AC3E}">
+        <p14:creationId xmlns:p14="http://schemas.microsoft.com/office/powerpoint/2010/main" val="3751360649"/>
       </p:ext>
     </p:extLst>
   </p:cSld>

--- a/Img/AnovaModeling.pptx
+++ b/Img/AnovaModeling.pptx
@@ -5,14 +5,16 @@
     <p:sldMasterId id="2147483648" r:id="rId1"/>
   </p:sldMasterIdLst>
   <p:sldIdLst>
-    <p:sldId id="256" r:id="rId2"/>
-    <p:sldId id="258" r:id="rId3"/>
-    <p:sldId id="257" r:id="rId4"/>
-    <p:sldId id="259" r:id="rId5"/>
-    <p:sldId id="260" r:id="rId6"/>
-    <p:sldId id="261" r:id="rId7"/>
-    <p:sldId id="262" r:id="rId8"/>
-    <p:sldId id="263" r:id="rId9"/>
+    <p:sldId id="264" r:id="rId2"/>
+    <p:sldId id="265" r:id="rId3"/>
+    <p:sldId id="256" r:id="rId4"/>
+    <p:sldId id="258" r:id="rId5"/>
+    <p:sldId id="257" r:id="rId6"/>
+    <p:sldId id="259" r:id="rId7"/>
+    <p:sldId id="260" r:id="rId8"/>
+    <p:sldId id="261" r:id="rId9"/>
+    <p:sldId id="262" r:id="rId10"/>
+    <p:sldId id="263" r:id="rId11"/>
   </p:sldIdLst>
   <p:sldSz cx="12192000" cy="6858000"/>
   <p:notesSz cx="6858000" cy="9144000"/>
@@ -488,7 +490,7 @@
           <a:p>
             <a:fld id="{E3020441-CB21-445C-817D-199401EC5197}" type="datetimeFigureOut">
               <a:rPr kumimoji="1" lang="ja-JP" altLang="en-US" smtClean="0"/>
-              <a:t>2024/7/3</a:t>
+              <a:t>2024/9/30</a:t>
             </a:fld>
             <a:endParaRPr kumimoji="1" lang="ja-JP" altLang="en-US"/>
           </a:p>
@@ -718,7 +720,7 @@
           <a:p>
             <a:fld id="{E3020441-CB21-445C-817D-199401EC5197}" type="datetimeFigureOut">
               <a:rPr kumimoji="1" lang="ja-JP" altLang="en-US" smtClean="0"/>
-              <a:t>2024/7/3</a:t>
+              <a:t>2024/9/30</a:t>
             </a:fld>
             <a:endParaRPr kumimoji="1" lang="ja-JP" altLang="en-US"/>
           </a:p>
@@ -958,7 +960,7 @@
           <a:p>
             <a:fld id="{E3020441-CB21-445C-817D-199401EC5197}" type="datetimeFigureOut">
               <a:rPr kumimoji="1" lang="ja-JP" altLang="en-US" smtClean="0"/>
-              <a:t>2024/7/3</a:t>
+              <a:t>2024/9/30</a:t>
             </a:fld>
             <a:endParaRPr kumimoji="1" lang="ja-JP" altLang="en-US"/>
           </a:p>
@@ -1188,7 +1190,7 @@
           <a:p>
             <a:fld id="{E3020441-CB21-445C-817D-199401EC5197}" type="datetimeFigureOut">
               <a:rPr kumimoji="1" lang="ja-JP" altLang="en-US" smtClean="0"/>
-              <a:t>2024/7/3</a:t>
+              <a:t>2024/9/30</a:t>
             </a:fld>
             <a:endParaRPr kumimoji="1" lang="ja-JP" altLang="en-US"/>
           </a:p>
@@ -1463,7 +1465,7 @@
           <a:p>
             <a:fld id="{E3020441-CB21-445C-817D-199401EC5197}" type="datetimeFigureOut">
               <a:rPr kumimoji="1" lang="ja-JP" altLang="en-US" smtClean="0"/>
-              <a:t>2024/7/3</a:t>
+              <a:t>2024/9/30</a:t>
             </a:fld>
             <a:endParaRPr kumimoji="1" lang="ja-JP" altLang="en-US"/>
           </a:p>
@@ -1792,7 +1794,7 @@
           <a:p>
             <a:fld id="{E3020441-CB21-445C-817D-199401EC5197}" type="datetimeFigureOut">
               <a:rPr kumimoji="1" lang="ja-JP" altLang="en-US" smtClean="0"/>
-              <a:t>2024/7/3</a:t>
+              <a:t>2024/9/30</a:t>
             </a:fld>
             <a:endParaRPr kumimoji="1" lang="ja-JP" altLang="en-US"/>
           </a:p>
@@ -2268,7 +2270,7 @@
           <a:p>
             <a:fld id="{E3020441-CB21-445C-817D-199401EC5197}" type="datetimeFigureOut">
               <a:rPr kumimoji="1" lang="ja-JP" altLang="en-US" smtClean="0"/>
-              <a:t>2024/7/3</a:t>
+              <a:t>2024/9/30</a:t>
             </a:fld>
             <a:endParaRPr kumimoji="1" lang="ja-JP" altLang="en-US"/>
           </a:p>
@@ -2409,7 +2411,7 @@
           <a:p>
             <a:fld id="{E3020441-CB21-445C-817D-199401EC5197}" type="datetimeFigureOut">
               <a:rPr kumimoji="1" lang="ja-JP" altLang="en-US" smtClean="0"/>
-              <a:t>2024/7/3</a:t>
+              <a:t>2024/9/30</a:t>
             </a:fld>
             <a:endParaRPr kumimoji="1" lang="ja-JP" altLang="en-US"/>
           </a:p>
@@ -2522,7 +2524,7 @@
           <a:p>
             <a:fld id="{E3020441-CB21-445C-817D-199401EC5197}" type="datetimeFigureOut">
               <a:rPr kumimoji="1" lang="ja-JP" altLang="en-US" smtClean="0"/>
-              <a:t>2024/7/3</a:t>
+              <a:t>2024/9/30</a:t>
             </a:fld>
             <a:endParaRPr kumimoji="1" lang="ja-JP" altLang="en-US"/>
           </a:p>
@@ -2865,7 +2867,7 @@
           <a:p>
             <a:fld id="{E3020441-CB21-445C-817D-199401EC5197}" type="datetimeFigureOut">
               <a:rPr kumimoji="1" lang="ja-JP" altLang="en-US" smtClean="0"/>
-              <a:t>2024/7/3</a:t>
+              <a:t>2024/9/30</a:t>
             </a:fld>
             <a:endParaRPr kumimoji="1" lang="ja-JP" altLang="en-US"/>
           </a:p>
@@ -3153,7 +3155,7 @@
           <a:p>
             <a:fld id="{E3020441-CB21-445C-817D-199401EC5197}" type="datetimeFigureOut">
               <a:rPr kumimoji="1" lang="ja-JP" altLang="en-US" smtClean="0"/>
-              <a:t>2024/7/3</a:t>
+              <a:t>2024/9/30</a:t>
             </a:fld>
             <a:endParaRPr kumimoji="1" lang="ja-JP" altLang="en-US"/>
           </a:p>
@@ -3426,7 +3428,7 @@
           <a:p>
             <a:fld id="{E3020441-CB21-445C-817D-199401EC5197}" type="datetimeFigureOut">
               <a:rPr kumimoji="1" lang="ja-JP" altLang="en-US" smtClean="0"/>
-              <a:t>2024/7/3</a:t>
+              <a:t>2024/9/30</a:t>
             </a:fld>
             <a:endParaRPr kumimoji="1" lang="ja-JP" altLang="en-US"/>
           </a:p>
@@ -3843,6 +3845,932 @@
           <a:chExt cx="0" cy="0"/>
         </a:xfrm>
       </p:grpSpPr>
+      <p:pic>
+        <p:nvPicPr>
+          <p:cNvPr id="4" name="図 3"/>
+          <p:cNvPicPr>
+            <a:picLocks noChangeAspect="1"/>
+          </p:cNvPicPr>
+          <p:nvPr/>
+        </p:nvPicPr>
+        <p:blipFill>
+          <a:blip r:embed="rId2"/>
+          <a:stretch>
+            <a:fillRect/>
+          </a:stretch>
+        </p:blipFill>
+        <p:spPr>
+          <a:xfrm>
+            <a:off x="1737704" y="3047947"/>
+            <a:ext cx="8716591" cy="762106"/>
+          </a:xfrm>
+          <a:prstGeom prst="rect">
+            <a:avLst/>
+          </a:prstGeom>
+        </p:spPr>
+      </p:pic>
+      <p:sp>
+        <p:nvSpPr>
+          <p:cNvPr id="5" name="楕円 4"/>
+          <p:cNvSpPr/>
+          <p:nvPr/>
+        </p:nvSpPr>
+        <p:spPr>
+          <a:xfrm>
+            <a:off x="8330184" y="3195828"/>
+            <a:ext cx="393192" cy="374904"/>
+          </a:xfrm>
+          <a:prstGeom prst="ellipse">
+            <a:avLst/>
+          </a:prstGeom>
+          <a:noFill/>
+          <a:ln w="57150">
+            <a:solidFill>
+              <a:srgbClr val="FF6600"/>
+            </a:solidFill>
+          </a:ln>
+        </p:spPr>
+        <p:style>
+          <a:lnRef idx="2">
+            <a:schemeClr val="accent1">
+              <a:shade val="50000"/>
+            </a:schemeClr>
+          </a:lnRef>
+          <a:fillRef idx="1">
+            <a:schemeClr val="accent1"/>
+          </a:fillRef>
+          <a:effectRef idx="0">
+            <a:schemeClr val="accent1"/>
+          </a:effectRef>
+          <a:fontRef idx="minor">
+            <a:schemeClr val="lt1"/>
+          </a:fontRef>
+        </p:style>
+        <p:txBody>
+          <a:bodyPr rtlCol="0" anchor="ctr"/>
+          <a:lstStyle/>
+          <a:p>
+            <a:pPr algn="ctr"/>
+            <a:endParaRPr kumimoji="1" lang="ja-JP" altLang="en-US"/>
+          </a:p>
+        </p:txBody>
+      </p:sp>
+    </p:spTree>
+    <p:extLst>
+      <p:ext uri="{BB962C8B-B14F-4D97-AF65-F5344CB8AC3E}">
+        <p14:creationId xmlns:p14="http://schemas.microsoft.com/office/powerpoint/2010/main" val="1531462404"/>
+      </p:ext>
+    </p:extLst>
+  </p:cSld>
+  <p:clrMapOvr>
+    <a:masterClrMapping/>
+  </p:clrMapOvr>
+</p:sld>
+</file>
+
+<file path=ppt/slides/slide10.xml><?xml version="1.0" encoding="utf-8"?>
+<p:sld xmlns:a="http://schemas.openxmlformats.org/drawingml/2006/main" xmlns:r="http://schemas.openxmlformats.org/officeDocument/2006/relationships" xmlns:p="http://schemas.openxmlformats.org/presentationml/2006/main">
+  <p:cSld>
+    <p:spTree>
+      <p:nvGrpSpPr>
+        <p:cNvPr id="1" name=""/>
+        <p:cNvGrpSpPr/>
+        <p:nvPr/>
+      </p:nvGrpSpPr>
+      <p:grpSpPr>
+        <a:xfrm>
+          <a:off x="0" y="0"/>
+          <a:ext cx="0" cy="0"/>
+          <a:chOff x="0" y="0"/>
+          <a:chExt cx="0" cy="0"/>
+        </a:xfrm>
+      </p:grpSpPr>
+      <p:sp>
+        <p:nvSpPr>
+          <p:cNvPr id="19" name="楕円 18"/>
+          <p:cNvSpPr/>
+          <p:nvPr/>
+        </p:nvSpPr>
+        <p:spPr>
+          <a:xfrm flipH="1" flipV="1">
+            <a:off x="5475544" y="3303844"/>
+            <a:ext cx="272794" cy="272794"/>
+          </a:xfrm>
+          <a:prstGeom prst="ellipse">
+            <a:avLst/>
+          </a:prstGeom>
+          <a:ln/>
+        </p:spPr>
+        <p:style>
+          <a:lnRef idx="2">
+            <a:schemeClr val="dk1"/>
+          </a:lnRef>
+          <a:fillRef idx="1">
+            <a:schemeClr val="lt1"/>
+          </a:fillRef>
+          <a:effectRef idx="0">
+            <a:schemeClr val="dk1"/>
+          </a:effectRef>
+          <a:fontRef idx="minor">
+            <a:schemeClr val="dk1"/>
+          </a:fontRef>
+        </p:style>
+        <p:txBody>
+          <a:bodyPr rtlCol="0" anchor="ctr"/>
+          <a:lstStyle/>
+          <a:p>
+            <a:pPr algn="ctr"/>
+            <a:endParaRPr kumimoji="1" lang="ja-JP" altLang="en-US"/>
+          </a:p>
+        </p:txBody>
+      </p:sp>
+      <p:sp>
+        <p:nvSpPr>
+          <p:cNvPr id="4" name="正方形/長方形 3">
+            <a:extLst>
+              <a:ext uri="{FF2B5EF4-FFF2-40B4-BE49-F238E27FC236}">
+                <a16:creationId xmlns:a16="http://schemas.microsoft.com/office/drawing/2014/main" id="{D1E12261-89B1-F2A3-34A0-BBE7B31A48CA}"/>
+              </a:ext>
+            </a:extLst>
+          </p:cNvPr>
+          <p:cNvSpPr/>
+          <p:nvPr/>
+        </p:nvSpPr>
+        <p:spPr>
+          <a:xfrm>
+            <a:off x="6934200" y="2990850"/>
+            <a:ext cx="2476500" cy="876300"/>
+          </a:xfrm>
+          <a:prstGeom prst="rect">
+            <a:avLst/>
+          </a:prstGeom>
+        </p:spPr>
+        <p:style>
+          <a:lnRef idx="2">
+            <a:schemeClr val="accent3">
+              <a:shade val="15000"/>
+            </a:schemeClr>
+          </a:lnRef>
+          <a:fillRef idx="1">
+            <a:schemeClr val="accent3"/>
+          </a:fillRef>
+          <a:effectRef idx="0">
+            <a:schemeClr val="accent3"/>
+          </a:effectRef>
+          <a:fontRef idx="minor">
+            <a:schemeClr val="lt1"/>
+          </a:fontRef>
+        </p:style>
+        <p:txBody>
+          <a:bodyPr rtlCol="0" anchor="ctr"/>
+          <a:lstStyle/>
+          <a:p>
+            <a:pPr algn="ctr"/>
+            <a:r>
+              <a:rPr kumimoji="1" lang="ja-JP" altLang="en-US" dirty="0"/>
+              <a:t>目的変数：</a:t>
+            </a:r>
+            <a:endParaRPr kumimoji="1" lang="en-US" altLang="ja-JP" dirty="0"/>
+          </a:p>
+          <a:p>
+            <a:pPr algn="ctr"/>
+            <a:r>
+              <a:rPr kumimoji="1" lang="ja-JP" altLang="en-US" dirty="0"/>
+              <a:t>厚揚げ購入頻度</a:t>
+            </a:r>
+          </a:p>
+        </p:txBody>
+      </p:sp>
+      <p:sp>
+        <p:nvSpPr>
+          <p:cNvPr id="5" name="正方形/長方形 4">
+            <a:extLst>
+              <a:ext uri="{FF2B5EF4-FFF2-40B4-BE49-F238E27FC236}">
+                <a16:creationId xmlns:a16="http://schemas.microsoft.com/office/drawing/2014/main" id="{AC2650BC-2D2B-5AF3-86DA-8F1504AF3245}"/>
+              </a:ext>
+            </a:extLst>
+          </p:cNvPr>
+          <p:cNvSpPr/>
+          <p:nvPr/>
+        </p:nvSpPr>
+        <p:spPr>
+          <a:xfrm>
+            <a:off x="2514600" y="1695449"/>
+            <a:ext cx="2371725" cy="1485900"/>
+          </a:xfrm>
+          <a:prstGeom prst="rect">
+            <a:avLst/>
+          </a:prstGeom>
+        </p:spPr>
+        <p:style>
+          <a:lnRef idx="2">
+            <a:schemeClr val="accent3">
+              <a:shade val="15000"/>
+            </a:schemeClr>
+          </a:lnRef>
+          <a:fillRef idx="1">
+            <a:schemeClr val="accent3"/>
+          </a:fillRef>
+          <a:effectRef idx="0">
+            <a:schemeClr val="accent3"/>
+          </a:effectRef>
+          <a:fontRef idx="minor">
+            <a:schemeClr val="lt1"/>
+          </a:fontRef>
+        </p:style>
+        <p:txBody>
+          <a:bodyPr rtlCol="0" anchor="ctr"/>
+          <a:lstStyle/>
+          <a:p>
+            <a:pPr algn="ctr"/>
+            <a:r>
+              <a:rPr kumimoji="1" lang="ja-JP" altLang="en-US" dirty="0"/>
+              <a:t>説明変数</a:t>
+            </a:r>
+            <a:r>
+              <a:rPr kumimoji="1" lang="en-US" altLang="ja-JP" dirty="0"/>
+              <a:t>1</a:t>
+            </a:r>
+            <a:r>
+              <a:rPr kumimoji="1" lang="ja-JP" altLang="en-US" dirty="0"/>
+              <a:t>：</a:t>
+            </a:r>
+            <a:r>
+              <a:rPr kumimoji="1" lang="en-US" altLang="ja-JP" dirty="0"/>
+              <a:t/>
+            </a:r>
+            <a:br>
+              <a:rPr kumimoji="1" lang="en-US" altLang="ja-JP" dirty="0"/>
+            </a:br>
+            <a:r>
+              <a:rPr kumimoji="1" lang="ja-JP" altLang="en-US" dirty="0"/>
+              <a:t>パンの種類</a:t>
+            </a:r>
+            <a:endParaRPr kumimoji="1" lang="en-US" altLang="ja-JP" dirty="0"/>
+          </a:p>
+          <a:p>
+            <a:pPr algn="ctr"/>
+            <a:endParaRPr kumimoji="1" lang="en-US" altLang="ja-JP" dirty="0"/>
+          </a:p>
+          <a:p>
+            <a:pPr algn="ctr"/>
+            <a:r>
+              <a:rPr kumimoji="1" lang="ja-JP" altLang="en-US" dirty="0"/>
+              <a:t>水準：</a:t>
+            </a:r>
+            <a:r>
+              <a:rPr kumimoji="1" lang="en-US" altLang="ja-JP" dirty="0"/>
+              <a:t>A</a:t>
+            </a:r>
+            <a:r>
+              <a:rPr lang="en-US" altLang="ja-JP" dirty="0"/>
+              <a:t>,B,C</a:t>
+            </a:r>
+          </a:p>
+        </p:txBody>
+      </p:sp>
+      <p:cxnSp>
+        <p:nvCxnSpPr>
+          <p:cNvPr id="6" name="直線矢印コネクタ 5">
+            <a:extLst>
+              <a:ext uri="{FF2B5EF4-FFF2-40B4-BE49-F238E27FC236}">
+                <a16:creationId xmlns:a16="http://schemas.microsoft.com/office/drawing/2014/main" id="{78716ED2-DF3B-D92E-7BD8-3AA09D91A477}"/>
+              </a:ext>
+            </a:extLst>
+          </p:cNvPr>
+          <p:cNvCxnSpPr>
+            <a:cxnSpLocks/>
+            <a:stCxn id="5" idx="3"/>
+            <a:endCxn id="4" idx="1"/>
+          </p:cNvCxnSpPr>
+          <p:nvPr/>
+        </p:nvCxnSpPr>
+        <p:spPr>
+          <a:xfrm>
+            <a:off x="4886325" y="2438399"/>
+            <a:ext cx="2047875" cy="990601"/>
+          </a:xfrm>
+          <a:prstGeom prst="straightConnector1">
+            <a:avLst/>
+          </a:prstGeom>
+          <a:ln>
+            <a:tailEnd type="triangle"/>
+          </a:ln>
+        </p:spPr>
+        <p:style>
+          <a:lnRef idx="2">
+            <a:schemeClr val="dk1"/>
+          </a:lnRef>
+          <a:fillRef idx="1">
+            <a:schemeClr val="lt1"/>
+          </a:fillRef>
+          <a:effectRef idx="0">
+            <a:schemeClr val="dk1"/>
+          </a:effectRef>
+          <a:fontRef idx="minor">
+            <a:schemeClr val="dk1"/>
+          </a:fontRef>
+        </p:style>
+      </p:cxnSp>
+      <p:sp>
+        <p:nvSpPr>
+          <p:cNvPr id="7" name="正方形/長方形 6">
+            <a:extLst>
+              <a:ext uri="{FF2B5EF4-FFF2-40B4-BE49-F238E27FC236}">
+                <a16:creationId xmlns:a16="http://schemas.microsoft.com/office/drawing/2014/main" id="{CBC8A939-E168-8640-4151-6E3418F38040}"/>
+              </a:ext>
+            </a:extLst>
+          </p:cNvPr>
+          <p:cNvSpPr/>
+          <p:nvPr/>
+        </p:nvSpPr>
+        <p:spPr>
+          <a:xfrm>
+            <a:off x="2514600" y="3724276"/>
+            <a:ext cx="2371725" cy="1485900"/>
+          </a:xfrm>
+          <a:prstGeom prst="rect">
+            <a:avLst/>
+          </a:prstGeom>
+        </p:spPr>
+        <p:style>
+          <a:lnRef idx="2">
+            <a:schemeClr val="accent3">
+              <a:shade val="50000"/>
+            </a:schemeClr>
+          </a:lnRef>
+          <a:fillRef idx="1">
+            <a:schemeClr val="accent3"/>
+          </a:fillRef>
+          <a:effectRef idx="0">
+            <a:schemeClr val="accent3"/>
+          </a:effectRef>
+          <a:fontRef idx="minor">
+            <a:schemeClr val="lt1"/>
+          </a:fontRef>
+        </p:style>
+        <p:txBody>
+          <a:bodyPr rtlCol="0" anchor="ctr"/>
+          <a:lstStyle/>
+          <a:p>
+            <a:pPr algn="ctr"/>
+            <a:r>
+              <a:rPr kumimoji="1" lang="ja-JP" altLang="en-US" dirty="0"/>
+              <a:t>説明変数</a:t>
+            </a:r>
+            <a:r>
+              <a:rPr kumimoji="1" lang="en-US" altLang="ja-JP" dirty="0"/>
+              <a:t>2</a:t>
+            </a:r>
+            <a:r>
+              <a:rPr kumimoji="1" lang="ja-JP" altLang="en-US" dirty="0"/>
+              <a:t>：</a:t>
+            </a:r>
+            <a:r>
+              <a:rPr kumimoji="1" lang="en-US" altLang="ja-JP" dirty="0"/>
+              <a:t/>
+            </a:r>
+            <a:br>
+              <a:rPr kumimoji="1" lang="en-US" altLang="ja-JP" dirty="0"/>
+            </a:br>
+            <a:r>
+              <a:rPr kumimoji="1" lang="ja-JP" altLang="en-US" dirty="0" smtClean="0"/>
+              <a:t>苺ジャム</a:t>
+            </a:r>
+            <a:endParaRPr kumimoji="1" lang="en-US" altLang="ja-JP" dirty="0"/>
+          </a:p>
+          <a:p>
+            <a:pPr algn="ctr"/>
+            <a:endParaRPr kumimoji="1" lang="en-US" altLang="ja-JP" dirty="0"/>
+          </a:p>
+          <a:p>
+            <a:pPr algn="ctr"/>
+            <a:r>
+              <a:rPr kumimoji="1" lang="ja-JP" altLang="en-US" dirty="0"/>
+              <a:t>水準</a:t>
+            </a:r>
+            <a:r>
+              <a:rPr kumimoji="1" lang="ja-JP" altLang="en-US" dirty="0" smtClean="0"/>
+              <a:t>：</a:t>
+            </a:r>
+            <a:r>
+              <a:rPr kumimoji="1" lang="en-US" altLang="ja-JP" dirty="0" smtClean="0"/>
+              <a:t>X, Y</a:t>
+            </a:r>
+            <a:endParaRPr lang="en-US" altLang="ja-JP" dirty="0"/>
+          </a:p>
+        </p:txBody>
+      </p:sp>
+      <p:cxnSp>
+        <p:nvCxnSpPr>
+          <p:cNvPr id="8" name="直線矢印コネクタ 7">
+            <a:extLst>
+              <a:ext uri="{FF2B5EF4-FFF2-40B4-BE49-F238E27FC236}">
+                <a16:creationId xmlns:a16="http://schemas.microsoft.com/office/drawing/2014/main" id="{3692A9EC-9D53-BBF8-6010-1B3560DD9FC6}"/>
+              </a:ext>
+            </a:extLst>
+          </p:cNvPr>
+          <p:cNvCxnSpPr>
+            <a:cxnSpLocks/>
+            <a:stCxn id="7" idx="3"/>
+            <a:endCxn id="4" idx="1"/>
+          </p:cNvCxnSpPr>
+          <p:nvPr/>
+        </p:nvCxnSpPr>
+        <p:spPr>
+          <a:xfrm flipV="1">
+            <a:off x="4886325" y="3429000"/>
+            <a:ext cx="2047875" cy="1038226"/>
+          </a:xfrm>
+          <a:prstGeom prst="straightConnector1">
+            <a:avLst/>
+          </a:prstGeom>
+          <a:ln>
+            <a:tailEnd type="triangle"/>
+          </a:ln>
+        </p:spPr>
+        <p:style>
+          <a:lnRef idx="2">
+            <a:schemeClr val="dk1"/>
+          </a:lnRef>
+          <a:fillRef idx="1">
+            <a:schemeClr val="lt1"/>
+          </a:fillRef>
+          <a:effectRef idx="0">
+            <a:schemeClr val="dk1"/>
+          </a:effectRef>
+          <a:fontRef idx="minor">
+            <a:schemeClr val="dk1"/>
+          </a:fontRef>
+        </p:style>
+      </p:cxnSp>
+      <p:sp>
+        <p:nvSpPr>
+          <p:cNvPr id="9" name="正方形/長方形 8">
+            <a:extLst>
+              <a:ext uri="{FF2B5EF4-FFF2-40B4-BE49-F238E27FC236}">
+                <a16:creationId xmlns:a16="http://schemas.microsoft.com/office/drawing/2014/main" id="{CBC8A939-E168-8640-4151-6E3418F38040}"/>
+              </a:ext>
+            </a:extLst>
+          </p:cNvPr>
+          <p:cNvSpPr/>
+          <p:nvPr/>
+        </p:nvSpPr>
+        <p:spPr>
+          <a:xfrm>
+            <a:off x="6986587" y="4937380"/>
+            <a:ext cx="2371725" cy="1485900"/>
+          </a:xfrm>
+          <a:prstGeom prst="rect">
+            <a:avLst/>
+          </a:prstGeom>
+          <a:ln>
+            <a:solidFill>
+              <a:srgbClr val="FF0000"/>
+            </a:solidFill>
+          </a:ln>
+        </p:spPr>
+        <p:style>
+          <a:lnRef idx="2">
+            <a:schemeClr val="accent4">
+              <a:shade val="15000"/>
+            </a:schemeClr>
+          </a:lnRef>
+          <a:fillRef idx="1">
+            <a:schemeClr val="accent4"/>
+          </a:fillRef>
+          <a:effectRef idx="0">
+            <a:schemeClr val="accent4"/>
+          </a:effectRef>
+          <a:fontRef idx="minor">
+            <a:schemeClr val="lt1"/>
+          </a:fontRef>
+        </p:style>
+        <p:txBody>
+          <a:bodyPr rtlCol="0" anchor="ctr"/>
+          <a:lstStyle/>
+          <a:p>
+            <a:pPr algn="ctr"/>
+            <a:r>
+              <a:rPr lang="ja-JP" altLang="en-US" dirty="0" smtClean="0"/>
+              <a:t>説明変数</a:t>
+            </a:r>
+            <a:r>
+              <a:rPr lang="en-US" altLang="ja-JP" dirty="0" smtClean="0"/>
+              <a:t>3</a:t>
+            </a:r>
+            <a:r>
+              <a:rPr kumimoji="1" lang="ja-JP" altLang="en-US" dirty="0" smtClean="0"/>
+              <a:t>：</a:t>
+            </a:r>
+            <a:r>
+              <a:rPr kumimoji="1" lang="en-US" altLang="ja-JP" dirty="0"/>
+              <a:t/>
+            </a:r>
+            <a:br>
+              <a:rPr kumimoji="1" lang="en-US" altLang="ja-JP" dirty="0"/>
+            </a:br>
+            <a:r>
+              <a:rPr kumimoji="1" lang="ja-JP" altLang="en-US" dirty="0"/>
+              <a:t>被験者</a:t>
+            </a:r>
+            <a:r>
+              <a:rPr kumimoji="1" lang="en-US" altLang="ja-JP" dirty="0"/>
+              <a:t>No.</a:t>
+            </a:r>
+          </a:p>
+          <a:p>
+            <a:pPr algn="ctr"/>
+            <a:endParaRPr kumimoji="1" lang="en-US" altLang="ja-JP" dirty="0"/>
+          </a:p>
+          <a:p>
+            <a:pPr algn="ctr"/>
+            <a:r>
+              <a:rPr kumimoji="1" lang="ja-JP" altLang="en-US" dirty="0"/>
+              <a:t>水準：</a:t>
+            </a:r>
+            <a:r>
+              <a:rPr kumimoji="1" lang="en-US" altLang="ja-JP" dirty="0"/>
+              <a:t>1,2,</a:t>
+            </a:r>
+            <a:r>
+              <a:rPr kumimoji="1" lang="ja-JP" altLang="en-US" dirty="0"/>
+              <a:t>・・・</a:t>
+            </a:r>
+            <a:r>
+              <a:rPr kumimoji="1" lang="en-US" altLang="ja-JP" dirty="0" smtClean="0"/>
+              <a:t>20</a:t>
+            </a:r>
+            <a:endParaRPr lang="en-US" altLang="ja-JP" dirty="0"/>
+          </a:p>
+        </p:txBody>
+      </p:sp>
+      <p:cxnSp>
+        <p:nvCxnSpPr>
+          <p:cNvPr id="10" name="直線矢印コネクタ 9">
+            <a:extLst>
+              <a:ext uri="{FF2B5EF4-FFF2-40B4-BE49-F238E27FC236}">
+                <a16:creationId xmlns:a16="http://schemas.microsoft.com/office/drawing/2014/main" id="{3692A9EC-9D53-BBF8-6010-1B3560DD9FC6}"/>
+              </a:ext>
+            </a:extLst>
+          </p:cNvPr>
+          <p:cNvCxnSpPr>
+            <a:cxnSpLocks/>
+            <a:stCxn id="9" idx="0"/>
+            <a:endCxn id="4" idx="2"/>
+          </p:cNvCxnSpPr>
+          <p:nvPr/>
+        </p:nvCxnSpPr>
+        <p:spPr>
+          <a:xfrm flipV="1">
+            <a:off x="8172450" y="3867150"/>
+            <a:ext cx="0" cy="1070230"/>
+          </a:xfrm>
+          <a:prstGeom prst="straightConnector1">
+            <a:avLst/>
+          </a:prstGeom>
+          <a:ln>
+            <a:solidFill>
+              <a:srgbClr val="FF0000"/>
+            </a:solidFill>
+            <a:tailEnd type="triangle"/>
+          </a:ln>
+        </p:spPr>
+        <p:style>
+          <a:lnRef idx="2">
+            <a:schemeClr val="accent3">
+              <a:shade val="15000"/>
+            </a:schemeClr>
+          </a:lnRef>
+          <a:fillRef idx="1">
+            <a:schemeClr val="accent3"/>
+          </a:fillRef>
+          <a:effectRef idx="0">
+            <a:schemeClr val="accent3"/>
+          </a:effectRef>
+          <a:fontRef idx="minor">
+            <a:schemeClr val="lt1"/>
+          </a:fontRef>
+        </p:style>
+      </p:cxnSp>
+      <p:cxnSp>
+        <p:nvCxnSpPr>
+          <p:cNvPr id="14" name="直線コネクタ 13"/>
+          <p:cNvCxnSpPr/>
+          <p:nvPr/>
+        </p:nvCxnSpPr>
+        <p:spPr>
+          <a:xfrm>
+            <a:off x="4886325" y="2438399"/>
+            <a:ext cx="629169" cy="905395"/>
+          </a:xfrm>
+          <a:prstGeom prst="line">
+            <a:avLst/>
+          </a:prstGeom>
+          <a:ln/>
+        </p:spPr>
+        <p:style>
+          <a:lnRef idx="2">
+            <a:schemeClr val="dk1"/>
+          </a:lnRef>
+          <a:fillRef idx="1">
+            <a:schemeClr val="lt1"/>
+          </a:fillRef>
+          <a:effectRef idx="0">
+            <a:schemeClr val="dk1"/>
+          </a:effectRef>
+          <a:fontRef idx="minor">
+            <a:schemeClr val="dk1"/>
+          </a:fontRef>
+        </p:style>
+      </p:cxnSp>
+      <p:cxnSp>
+        <p:nvCxnSpPr>
+          <p:cNvPr id="15" name="直線コネクタ 14"/>
+          <p:cNvCxnSpPr/>
+          <p:nvPr/>
+        </p:nvCxnSpPr>
+        <p:spPr>
+          <a:xfrm flipV="1">
+            <a:off x="4886325" y="3536688"/>
+            <a:ext cx="629169" cy="930538"/>
+          </a:xfrm>
+          <a:prstGeom prst="line">
+            <a:avLst/>
+          </a:prstGeom>
+          <a:ln/>
+        </p:spPr>
+        <p:style>
+          <a:lnRef idx="2">
+            <a:schemeClr val="dk1"/>
+          </a:lnRef>
+          <a:fillRef idx="1">
+            <a:schemeClr val="lt1"/>
+          </a:fillRef>
+          <a:effectRef idx="0">
+            <a:schemeClr val="dk1"/>
+          </a:effectRef>
+          <a:fontRef idx="minor">
+            <a:schemeClr val="dk1"/>
+          </a:fontRef>
+        </p:style>
+      </p:cxnSp>
+      <p:cxnSp>
+        <p:nvCxnSpPr>
+          <p:cNvPr id="16" name="直線コネクタ 15"/>
+          <p:cNvCxnSpPr/>
+          <p:nvPr/>
+        </p:nvCxnSpPr>
+        <p:spPr>
+          <a:xfrm flipV="1">
+            <a:off x="5748338" y="3429000"/>
+            <a:ext cx="1185862" cy="11241"/>
+          </a:xfrm>
+          <a:prstGeom prst="line">
+            <a:avLst/>
+          </a:prstGeom>
+          <a:ln>
+            <a:tailEnd type="triangle"/>
+          </a:ln>
+        </p:spPr>
+        <p:style>
+          <a:lnRef idx="2">
+            <a:schemeClr val="dk1"/>
+          </a:lnRef>
+          <a:fillRef idx="1">
+            <a:schemeClr val="lt1"/>
+          </a:fillRef>
+          <a:effectRef idx="0">
+            <a:schemeClr val="dk1"/>
+          </a:effectRef>
+          <a:fontRef idx="minor">
+            <a:schemeClr val="dk1"/>
+          </a:fontRef>
+        </p:style>
+      </p:cxnSp>
+      <p:cxnSp>
+        <p:nvCxnSpPr>
+          <p:cNvPr id="17" name="直線コネクタ 16"/>
+          <p:cNvCxnSpPr/>
+          <p:nvPr/>
+        </p:nvCxnSpPr>
+        <p:spPr>
+          <a:xfrm>
+            <a:off x="5515494" y="3343794"/>
+            <a:ext cx="192894" cy="192894"/>
+          </a:xfrm>
+          <a:prstGeom prst="line">
+            <a:avLst/>
+          </a:prstGeom>
+          <a:ln/>
+        </p:spPr>
+        <p:style>
+          <a:lnRef idx="2">
+            <a:schemeClr val="dk1"/>
+          </a:lnRef>
+          <a:fillRef idx="1">
+            <a:schemeClr val="lt1"/>
+          </a:fillRef>
+          <a:effectRef idx="0">
+            <a:schemeClr val="dk1"/>
+          </a:effectRef>
+          <a:fontRef idx="minor">
+            <a:schemeClr val="dk1"/>
+          </a:fontRef>
+        </p:style>
+      </p:cxnSp>
+      <p:cxnSp>
+        <p:nvCxnSpPr>
+          <p:cNvPr id="18" name="直線コネクタ 17"/>
+          <p:cNvCxnSpPr/>
+          <p:nvPr/>
+        </p:nvCxnSpPr>
+        <p:spPr>
+          <a:xfrm flipH="1">
+            <a:off x="5515494" y="3343794"/>
+            <a:ext cx="192894" cy="192894"/>
+          </a:xfrm>
+          <a:prstGeom prst="line">
+            <a:avLst/>
+          </a:prstGeom>
+          <a:ln/>
+        </p:spPr>
+        <p:style>
+          <a:lnRef idx="2">
+            <a:schemeClr val="dk1"/>
+          </a:lnRef>
+          <a:fillRef idx="1">
+            <a:schemeClr val="lt1"/>
+          </a:fillRef>
+          <a:effectRef idx="0">
+            <a:schemeClr val="dk1"/>
+          </a:effectRef>
+          <a:fontRef idx="minor">
+            <a:schemeClr val="dk1"/>
+          </a:fontRef>
+        </p:style>
+      </p:cxnSp>
+    </p:spTree>
+    <p:extLst>
+      <p:ext uri="{BB962C8B-B14F-4D97-AF65-F5344CB8AC3E}">
+        <p14:creationId xmlns:p14="http://schemas.microsoft.com/office/powerpoint/2010/main" val="3751360649"/>
+      </p:ext>
+    </p:extLst>
+  </p:cSld>
+  <p:clrMapOvr>
+    <a:masterClrMapping/>
+  </p:clrMapOvr>
+</p:sld>
+</file>
+
+<file path=ppt/slides/slide2.xml><?xml version="1.0" encoding="utf-8"?>
+<p:sld xmlns:a="http://schemas.openxmlformats.org/drawingml/2006/main" xmlns:r="http://schemas.openxmlformats.org/officeDocument/2006/relationships" xmlns:p="http://schemas.openxmlformats.org/presentationml/2006/main">
+  <p:cSld>
+    <p:spTree>
+      <p:nvGrpSpPr>
+        <p:cNvPr id="1" name=""/>
+        <p:cNvGrpSpPr/>
+        <p:nvPr/>
+      </p:nvGrpSpPr>
+      <p:grpSpPr>
+        <a:xfrm>
+          <a:off x="0" y="0"/>
+          <a:ext cx="0" cy="0"/>
+          <a:chOff x="0" y="0"/>
+          <a:chExt cx="0" cy="0"/>
+        </a:xfrm>
+      </p:grpSpPr>
+      <p:grpSp>
+        <p:nvGrpSpPr>
+          <p:cNvPr id="8" name="グループ化 7"/>
+          <p:cNvGrpSpPr/>
+          <p:nvPr/>
+        </p:nvGrpSpPr>
+        <p:grpSpPr>
+          <a:xfrm>
+            <a:off x="2242521" y="-5853190"/>
+            <a:ext cx="8678486" cy="13635377"/>
+            <a:chOff x="2242521" y="-5853190"/>
+            <a:chExt cx="8678486" cy="13635377"/>
+          </a:xfrm>
+        </p:grpSpPr>
+        <p:grpSp>
+          <p:nvGrpSpPr>
+            <p:cNvPr id="7" name="グループ化 6"/>
+            <p:cNvGrpSpPr/>
+            <p:nvPr/>
+          </p:nvGrpSpPr>
+          <p:grpSpPr>
+            <a:xfrm>
+              <a:off x="2242521" y="-5853190"/>
+              <a:ext cx="8678486" cy="12337360"/>
+              <a:chOff x="2040221" y="-3748165"/>
+              <a:chExt cx="8678486" cy="12337360"/>
+            </a:xfrm>
+          </p:grpSpPr>
+          <p:pic>
+            <p:nvPicPr>
+              <p:cNvPr id="5" name="図 4"/>
+              <p:cNvPicPr>
+                <a:picLocks noChangeAspect="1"/>
+              </p:cNvPicPr>
+              <p:nvPr/>
+            </p:nvPicPr>
+            <p:blipFill>
+              <a:blip r:embed="rId2"/>
+              <a:stretch>
+                <a:fillRect/>
+              </a:stretch>
+            </p:blipFill>
+            <p:spPr>
+              <a:xfrm>
+                <a:off x="2040221" y="1377764"/>
+                <a:ext cx="8659433" cy="7211431"/>
+              </a:xfrm>
+              <a:prstGeom prst="rect">
+                <a:avLst/>
+              </a:prstGeom>
+            </p:spPr>
+          </p:pic>
+          <p:pic>
+            <p:nvPicPr>
+              <p:cNvPr id="4" name="図 3"/>
+              <p:cNvPicPr>
+                <a:picLocks noChangeAspect="1"/>
+              </p:cNvPicPr>
+              <p:nvPr/>
+            </p:nvPicPr>
+            <p:blipFill rotWithShape="1">
+              <a:blip r:embed="rId3"/>
+              <a:srcRect b="3748"/>
+              <a:stretch/>
+            </p:blipFill>
+            <p:spPr>
+              <a:xfrm>
+                <a:off x="2040221" y="-3748165"/>
+                <a:ext cx="8678486" cy="6317629"/>
+              </a:xfrm>
+              <a:prstGeom prst="rect">
+                <a:avLst/>
+              </a:prstGeom>
+            </p:spPr>
+          </p:pic>
+        </p:grpSp>
+        <p:pic>
+          <p:nvPicPr>
+            <p:cNvPr id="6" name="図 5"/>
+            <p:cNvPicPr>
+              <a:picLocks noChangeAspect="1"/>
+            </p:cNvPicPr>
+            <p:nvPr/>
+          </p:nvPicPr>
+          <p:blipFill>
+            <a:blip r:embed="rId4"/>
+            <a:stretch>
+              <a:fillRect/>
+            </a:stretch>
+          </p:blipFill>
+          <p:spPr>
+            <a:xfrm>
+              <a:off x="2385417" y="4028813"/>
+              <a:ext cx="8526065" cy="3753374"/>
+            </a:xfrm>
+            <a:prstGeom prst="rect">
+              <a:avLst/>
+            </a:prstGeom>
+          </p:spPr>
+        </p:pic>
+      </p:grpSp>
+    </p:spTree>
+    <p:extLst>
+      <p:ext uri="{BB962C8B-B14F-4D97-AF65-F5344CB8AC3E}">
+        <p14:creationId xmlns:p14="http://schemas.microsoft.com/office/powerpoint/2010/main" val="2397468947"/>
+      </p:ext>
+    </p:extLst>
+  </p:cSld>
+  <p:clrMapOvr>
+    <a:masterClrMapping/>
+  </p:clrMapOvr>
+</p:sld>
+</file>
+
+<file path=ppt/slides/slide3.xml><?xml version="1.0" encoding="utf-8"?>
+<p:sld xmlns:a="http://schemas.openxmlformats.org/drawingml/2006/main" xmlns:r="http://schemas.openxmlformats.org/officeDocument/2006/relationships" xmlns:p="http://schemas.openxmlformats.org/presentationml/2006/main">
+  <p:cSld>
+    <p:spTree>
+      <p:nvGrpSpPr>
+        <p:cNvPr id="1" name=""/>
+        <p:cNvGrpSpPr/>
+        <p:nvPr/>
+      </p:nvGrpSpPr>
+      <p:grpSpPr>
+        <a:xfrm>
+          <a:off x="0" y="0"/>
+          <a:ext cx="0" cy="0"/>
+          <a:chOff x="0" y="0"/>
+          <a:chExt cx="0" cy="0"/>
+        </a:xfrm>
+      </p:grpSpPr>
       <p:sp>
         <p:nvSpPr>
           <p:cNvPr id="4" name="正方形/長方形 3">
@@ -4135,7 +5063,7 @@
 </p:sld>
 </file>
 
-<file path=ppt/slides/slide2.xml><?xml version="1.0" encoding="utf-8"?>
+<file path=ppt/slides/slide4.xml><?xml version="1.0" encoding="utf-8"?>
 <p:sld xmlns:a="http://schemas.openxmlformats.org/drawingml/2006/main" xmlns:r="http://schemas.openxmlformats.org/officeDocument/2006/relationships" xmlns:p="http://schemas.openxmlformats.org/presentationml/2006/main">
   <p:cSld>
     <p:spTree>
@@ -4358,7 +5286,7 @@
 </p:sld>
 </file>
 
-<file path=ppt/slides/slide3.xml><?xml version="1.0" encoding="utf-8"?>
+<file path=ppt/slides/slide5.xml><?xml version="1.0" encoding="utf-8"?>
 <p:sld xmlns:a="http://schemas.openxmlformats.org/drawingml/2006/main" xmlns:r="http://schemas.openxmlformats.org/officeDocument/2006/relationships" xmlns:p="http://schemas.openxmlformats.org/presentationml/2006/main">
   <p:cSld>
     <p:spTree>
@@ -4719,7 +5647,7 @@
 </p:sld>
 </file>
 
-<file path=ppt/slides/slide4.xml><?xml version="1.0" encoding="utf-8"?>
+<file path=ppt/slides/slide6.xml><?xml version="1.0" encoding="utf-8"?>
 <p:sld xmlns:a="http://schemas.openxmlformats.org/drawingml/2006/main" xmlns:r="http://schemas.openxmlformats.org/officeDocument/2006/relationships" xmlns:p="http://schemas.openxmlformats.org/presentationml/2006/main">
   <p:cSld>
     <p:spTree>
@@ -5091,7 +6019,7 @@
 </p:sld>
 </file>
 
-<file path=ppt/slides/slide5.xml><?xml version="1.0" encoding="utf-8"?>
+<file path=ppt/slides/slide7.xml><?xml version="1.0" encoding="utf-8"?>
 <p:sld xmlns:a="http://schemas.openxmlformats.org/drawingml/2006/main" xmlns:r="http://schemas.openxmlformats.org/officeDocument/2006/relationships" xmlns:p="http://schemas.openxmlformats.org/presentationml/2006/main">
   <p:cSld>
     <p:spTree>
@@ -5702,7 +6630,7 @@
 </p:sld>
 </file>
 
-<file path=ppt/slides/slide6.xml><?xml version="1.0" encoding="utf-8"?>
+<file path=ppt/slides/slide8.xml><?xml version="1.0" encoding="utf-8"?>
 <p:sld xmlns:a="http://schemas.openxmlformats.org/drawingml/2006/main" xmlns:r="http://schemas.openxmlformats.org/officeDocument/2006/relationships" xmlns:p="http://schemas.openxmlformats.org/presentationml/2006/main">
   <p:cSld>
     <p:spTree>
@@ -6216,7 +7144,7 @@
 </p:sld>
 </file>
 
-<file path=ppt/slides/slide7.xml><?xml version="1.0" encoding="utf-8"?>
+<file path=ppt/slides/slide9.xml><?xml version="1.0" encoding="utf-8"?>
 <p:sld xmlns:a="http://schemas.openxmlformats.org/drawingml/2006/main" xmlns:r="http://schemas.openxmlformats.org/officeDocument/2006/relationships" xmlns:p="http://schemas.openxmlformats.org/presentationml/2006/main">
   <p:cSld>
     <p:spTree>
@@ -6695,701 +7623,6 @@
     <p:extLst>
       <p:ext uri="{BB962C8B-B14F-4D97-AF65-F5344CB8AC3E}">
         <p14:creationId xmlns:p14="http://schemas.microsoft.com/office/powerpoint/2010/main" val="1855490424"/>
-      </p:ext>
-    </p:extLst>
-  </p:cSld>
-  <p:clrMapOvr>
-    <a:masterClrMapping/>
-  </p:clrMapOvr>
-</p:sld>
-</file>
-
-<file path=ppt/slides/slide8.xml><?xml version="1.0" encoding="utf-8"?>
-<p:sld xmlns:a="http://schemas.openxmlformats.org/drawingml/2006/main" xmlns:r="http://schemas.openxmlformats.org/officeDocument/2006/relationships" xmlns:p="http://schemas.openxmlformats.org/presentationml/2006/main">
-  <p:cSld>
-    <p:spTree>
-      <p:nvGrpSpPr>
-        <p:cNvPr id="1" name=""/>
-        <p:cNvGrpSpPr/>
-        <p:nvPr/>
-      </p:nvGrpSpPr>
-      <p:grpSpPr>
-        <a:xfrm>
-          <a:off x="0" y="0"/>
-          <a:ext cx="0" cy="0"/>
-          <a:chOff x="0" y="0"/>
-          <a:chExt cx="0" cy="0"/>
-        </a:xfrm>
-      </p:grpSpPr>
-      <p:sp>
-        <p:nvSpPr>
-          <p:cNvPr id="19" name="楕円 18"/>
-          <p:cNvSpPr/>
-          <p:nvPr/>
-        </p:nvSpPr>
-        <p:spPr>
-          <a:xfrm flipH="1" flipV="1">
-            <a:off x="5475544" y="3303844"/>
-            <a:ext cx="272794" cy="272794"/>
-          </a:xfrm>
-          <a:prstGeom prst="ellipse">
-            <a:avLst/>
-          </a:prstGeom>
-          <a:ln/>
-        </p:spPr>
-        <p:style>
-          <a:lnRef idx="2">
-            <a:schemeClr val="dk1"/>
-          </a:lnRef>
-          <a:fillRef idx="1">
-            <a:schemeClr val="lt1"/>
-          </a:fillRef>
-          <a:effectRef idx="0">
-            <a:schemeClr val="dk1"/>
-          </a:effectRef>
-          <a:fontRef idx="minor">
-            <a:schemeClr val="dk1"/>
-          </a:fontRef>
-        </p:style>
-        <p:txBody>
-          <a:bodyPr rtlCol="0" anchor="ctr"/>
-          <a:lstStyle/>
-          <a:p>
-            <a:pPr algn="ctr"/>
-            <a:endParaRPr kumimoji="1" lang="ja-JP" altLang="en-US"/>
-          </a:p>
-        </p:txBody>
-      </p:sp>
-      <p:sp>
-        <p:nvSpPr>
-          <p:cNvPr id="4" name="正方形/長方形 3">
-            <a:extLst>
-              <a:ext uri="{FF2B5EF4-FFF2-40B4-BE49-F238E27FC236}">
-                <a16:creationId xmlns:a16="http://schemas.microsoft.com/office/drawing/2014/main" id="{D1E12261-89B1-F2A3-34A0-BBE7B31A48CA}"/>
-              </a:ext>
-            </a:extLst>
-          </p:cNvPr>
-          <p:cNvSpPr/>
-          <p:nvPr/>
-        </p:nvSpPr>
-        <p:spPr>
-          <a:xfrm>
-            <a:off x="6934200" y="2990850"/>
-            <a:ext cx="2476500" cy="876300"/>
-          </a:xfrm>
-          <a:prstGeom prst="rect">
-            <a:avLst/>
-          </a:prstGeom>
-        </p:spPr>
-        <p:style>
-          <a:lnRef idx="2">
-            <a:schemeClr val="accent3">
-              <a:shade val="15000"/>
-            </a:schemeClr>
-          </a:lnRef>
-          <a:fillRef idx="1">
-            <a:schemeClr val="accent3"/>
-          </a:fillRef>
-          <a:effectRef idx="0">
-            <a:schemeClr val="accent3"/>
-          </a:effectRef>
-          <a:fontRef idx="minor">
-            <a:schemeClr val="lt1"/>
-          </a:fontRef>
-        </p:style>
-        <p:txBody>
-          <a:bodyPr rtlCol="0" anchor="ctr"/>
-          <a:lstStyle/>
-          <a:p>
-            <a:pPr algn="ctr"/>
-            <a:r>
-              <a:rPr kumimoji="1" lang="ja-JP" altLang="en-US" dirty="0"/>
-              <a:t>目的変数：</a:t>
-            </a:r>
-            <a:endParaRPr kumimoji="1" lang="en-US" altLang="ja-JP" dirty="0"/>
-          </a:p>
-          <a:p>
-            <a:pPr algn="ctr"/>
-            <a:r>
-              <a:rPr kumimoji="1" lang="ja-JP" altLang="en-US" dirty="0"/>
-              <a:t>厚揚げ購入頻度</a:t>
-            </a:r>
-          </a:p>
-        </p:txBody>
-      </p:sp>
-      <p:sp>
-        <p:nvSpPr>
-          <p:cNvPr id="5" name="正方形/長方形 4">
-            <a:extLst>
-              <a:ext uri="{FF2B5EF4-FFF2-40B4-BE49-F238E27FC236}">
-                <a16:creationId xmlns:a16="http://schemas.microsoft.com/office/drawing/2014/main" id="{AC2650BC-2D2B-5AF3-86DA-8F1504AF3245}"/>
-              </a:ext>
-            </a:extLst>
-          </p:cNvPr>
-          <p:cNvSpPr/>
-          <p:nvPr/>
-        </p:nvSpPr>
-        <p:spPr>
-          <a:xfrm>
-            <a:off x="2514600" y="1695449"/>
-            <a:ext cx="2371725" cy="1485900"/>
-          </a:xfrm>
-          <a:prstGeom prst="rect">
-            <a:avLst/>
-          </a:prstGeom>
-        </p:spPr>
-        <p:style>
-          <a:lnRef idx="2">
-            <a:schemeClr val="accent3">
-              <a:shade val="15000"/>
-            </a:schemeClr>
-          </a:lnRef>
-          <a:fillRef idx="1">
-            <a:schemeClr val="accent3"/>
-          </a:fillRef>
-          <a:effectRef idx="0">
-            <a:schemeClr val="accent3"/>
-          </a:effectRef>
-          <a:fontRef idx="minor">
-            <a:schemeClr val="lt1"/>
-          </a:fontRef>
-        </p:style>
-        <p:txBody>
-          <a:bodyPr rtlCol="0" anchor="ctr"/>
-          <a:lstStyle/>
-          <a:p>
-            <a:pPr algn="ctr"/>
-            <a:r>
-              <a:rPr kumimoji="1" lang="ja-JP" altLang="en-US" dirty="0"/>
-              <a:t>説明変数</a:t>
-            </a:r>
-            <a:r>
-              <a:rPr kumimoji="1" lang="en-US" altLang="ja-JP" dirty="0"/>
-              <a:t>1</a:t>
-            </a:r>
-            <a:r>
-              <a:rPr kumimoji="1" lang="ja-JP" altLang="en-US" dirty="0"/>
-              <a:t>：</a:t>
-            </a:r>
-            <a:r>
-              <a:rPr kumimoji="1" lang="en-US" altLang="ja-JP" dirty="0"/>
-              <a:t/>
-            </a:r>
-            <a:br>
-              <a:rPr kumimoji="1" lang="en-US" altLang="ja-JP" dirty="0"/>
-            </a:br>
-            <a:r>
-              <a:rPr kumimoji="1" lang="ja-JP" altLang="en-US" dirty="0"/>
-              <a:t>パンの種類</a:t>
-            </a:r>
-            <a:endParaRPr kumimoji="1" lang="en-US" altLang="ja-JP" dirty="0"/>
-          </a:p>
-          <a:p>
-            <a:pPr algn="ctr"/>
-            <a:endParaRPr kumimoji="1" lang="en-US" altLang="ja-JP" dirty="0"/>
-          </a:p>
-          <a:p>
-            <a:pPr algn="ctr"/>
-            <a:r>
-              <a:rPr kumimoji="1" lang="ja-JP" altLang="en-US" dirty="0"/>
-              <a:t>水準：</a:t>
-            </a:r>
-            <a:r>
-              <a:rPr kumimoji="1" lang="en-US" altLang="ja-JP" dirty="0"/>
-              <a:t>A</a:t>
-            </a:r>
-            <a:r>
-              <a:rPr lang="en-US" altLang="ja-JP" dirty="0"/>
-              <a:t>,B,C</a:t>
-            </a:r>
-          </a:p>
-        </p:txBody>
-      </p:sp>
-      <p:cxnSp>
-        <p:nvCxnSpPr>
-          <p:cNvPr id="6" name="直線矢印コネクタ 5">
-            <a:extLst>
-              <a:ext uri="{FF2B5EF4-FFF2-40B4-BE49-F238E27FC236}">
-                <a16:creationId xmlns:a16="http://schemas.microsoft.com/office/drawing/2014/main" id="{78716ED2-DF3B-D92E-7BD8-3AA09D91A477}"/>
-              </a:ext>
-            </a:extLst>
-          </p:cNvPr>
-          <p:cNvCxnSpPr>
-            <a:cxnSpLocks/>
-            <a:stCxn id="5" idx="3"/>
-            <a:endCxn id="4" idx="1"/>
-          </p:cNvCxnSpPr>
-          <p:nvPr/>
-        </p:nvCxnSpPr>
-        <p:spPr>
-          <a:xfrm>
-            <a:off x="4886325" y="2438399"/>
-            <a:ext cx="2047875" cy="990601"/>
-          </a:xfrm>
-          <a:prstGeom prst="straightConnector1">
-            <a:avLst/>
-          </a:prstGeom>
-          <a:ln>
-            <a:tailEnd type="triangle"/>
-          </a:ln>
-        </p:spPr>
-        <p:style>
-          <a:lnRef idx="2">
-            <a:schemeClr val="dk1"/>
-          </a:lnRef>
-          <a:fillRef idx="1">
-            <a:schemeClr val="lt1"/>
-          </a:fillRef>
-          <a:effectRef idx="0">
-            <a:schemeClr val="dk1"/>
-          </a:effectRef>
-          <a:fontRef idx="minor">
-            <a:schemeClr val="dk1"/>
-          </a:fontRef>
-        </p:style>
-      </p:cxnSp>
-      <p:sp>
-        <p:nvSpPr>
-          <p:cNvPr id="7" name="正方形/長方形 6">
-            <a:extLst>
-              <a:ext uri="{FF2B5EF4-FFF2-40B4-BE49-F238E27FC236}">
-                <a16:creationId xmlns:a16="http://schemas.microsoft.com/office/drawing/2014/main" id="{CBC8A939-E168-8640-4151-6E3418F38040}"/>
-              </a:ext>
-            </a:extLst>
-          </p:cNvPr>
-          <p:cNvSpPr/>
-          <p:nvPr/>
-        </p:nvSpPr>
-        <p:spPr>
-          <a:xfrm>
-            <a:off x="2514600" y="3724276"/>
-            <a:ext cx="2371725" cy="1485900"/>
-          </a:xfrm>
-          <a:prstGeom prst="rect">
-            <a:avLst/>
-          </a:prstGeom>
-        </p:spPr>
-        <p:style>
-          <a:lnRef idx="2">
-            <a:schemeClr val="accent3">
-              <a:shade val="50000"/>
-            </a:schemeClr>
-          </a:lnRef>
-          <a:fillRef idx="1">
-            <a:schemeClr val="accent3"/>
-          </a:fillRef>
-          <a:effectRef idx="0">
-            <a:schemeClr val="accent3"/>
-          </a:effectRef>
-          <a:fontRef idx="minor">
-            <a:schemeClr val="lt1"/>
-          </a:fontRef>
-        </p:style>
-        <p:txBody>
-          <a:bodyPr rtlCol="0" anchor="ctr"/>
-          <a:lstStyle/>
-          <a:p>
-            <a:pPr algn="ctr"/>
-            <a:r>
-              <a:rPr kumimoji="1" lang="ja-JP" altLang="en-US" dirty="0"/>
-              <a:t>説明変数</a:t>
-            </a:r>
-            <a:r>
-              <a:rPr kumimoji="1" lang="en-US" altLang="ja-JP" dirty="0"/>
-              <a:t>2</a:t>
-            </a:r>
-            <a:r>
-              <a:rPr kumimoji="1" lang="ja-JP" altLang="en-US" dirty="0"/>
-              <a:t>：</a:t>
-            </a:r>
-            <a:r>
-              <a:rPr kumimoji="1" lang="en-US" altLang="ja-JP" dirty="0"/>
-              <a:t/>
-            </a:r>
-            <a:br>
-              <a:rPr kumimoji="1" lang="en-US" altLang="ja-JP" dirty="0"/>
-            </a:br>
-            <a:r>
-              <a:rPr kumimoji="1" lang="ja-JP" altLang="en-US" dirty="0" smtClean="0"/>
-              <a:t>苺ジャム</a:t>
-            </a:r>
-            <a:endParaRPr kumimoji="1" lang="en-US" altLang="ja-JP" dirty="0"/>
-          </a:p>
-          <a:p>
-            <a:pPr algn="ctr"/>
-            <a:endParaRPr kumimoji="1" lang="en-US" altLang="ja-JP" dirty="0"/>
-          </a:p>
-          <a:p>
-            <a:pPr algn="ctr"/>
-            <a:r>
-              <a:rPr kumimoji="1" lang="ja-JP" altLang="en-US" dirty="0"/>
-              <a:t>水準</a:t>
-            </a:r>
-            <a:r>
-              <a:rPr kumimoji="1" lang="ja-JP" altLang="en-US" dirty="0" smtClean="0"/>
-              <a:t>：</a:t>
-            </a:r>
-            <a:r>
-              <a:rPr kumimoji="1" lang="en-US" altLang="ja-JP" dirty="0" smtClean="0"/>
-              <a:t>X, Y</a:t>
-            </a:r>
-            <a:endParaRPr lang="en-US" altLang="ja-JP" dirty="0"/>
-          </a:p>
-        </p:txBody>
-      </p:sp>
-      <p:cxnSp>
-        <p:nvCxnSpPr>
-          <p:cNvPr id="8" name="直線矢印コネクタ 7">
-            <a:extLst>
-              <a:ext uri="{FF2B5EF4-FFF2-40B4-BE49-F238E27FC236}">
-                <a16:creationId xmlns:a16="http://schemas.microsoft.com/office/drawing/2014/main" id="{3692A9EC-9D53-BBF8-6010-1B3560DD9FC6}"/>
-              </a:ext>
-            </a:extLst>
-          </p:cNvPr>
-          <p:cNvCxnSpPr>
-            <a:cxnSpLocks/>
-            <a:stCxn id="7" idx="3"/>
-            <a:endCxn id="4" idx="1"/>
-          </p:cNvCxnSpPr>
-          <p:nvPr/>
-        </p:nvCxnSpPr>
-        <p:spPr>
-          <a:xfrm flipV="1">
-            <a:off x="4886325" y="3429000"/>
-            <a:ext cx="2047875" cy="1038226"/>
-          </a:xfrm>
-          <a:prstGeom prst="straightConnector1">
-            <a:avLst/>
-          </a:prstGeom>
-          <a:ln>
-            <a:tailEnd type="triangle"/>
-          </a:ln>
-        </p:spPr>
-        <p:style>
-          <a:lnRef idx="2">
-            <a:schemeClr val="dk1"/>
-          </a:lnRef>
-          <a:fillRef idx="1">
-            <a:schemeClr val="lt1"/>
-          </a:fillRef>
-          <a:effectRef idx="0">
-            <a:schemeClr val="dk1"/>
-          </a:effectRef>
-          <a:fontRef idx="minor">
-            <a:schemeClr val="dk1"/>
-          </a:fontRef>
-        </p:style>
-      </p:cxnSp>
-      <p:sp>
-        <p:nvSpPr>
-          <p:cNvPr id="9" name="正方形/長方形 8">
-            <a:extLst>
-              <a:ext uri="{FF2B5EF4-FFF2-40B4-BE49-F238E27FC236}">
-                <a16:creationId xmlns:a16="http://schemas.microsoft.com/office/drawing/2014/main" id="{CBC8A939-E168-8640-4151-6E3418F38040}"/>
-              </a:ext>
-            </a:extLst>
-          </p:cNvPr>
-          <p:cNvSpPr/>
-          <p:nvPr/>
-        </p:nvSpPr>
-        <p:spPr>
-          <a:xfrm>
-            <a:off x="6986587" y="4937380"/>
-            <a:ext cx="2371725" cy="1485900"/>
-          </a:xfrm>
-          <a:prstGeom prst="rect">
-            <a:avLst/>
-          </a:prstGeom>
-          <a:ln>
-            <a:solidFill>
-              <a:srgbClr val="FF0000"/>
-            </a:solidFill>
-          </a:ln>
-        </p:spPr>
-        <p:style>
-          <a:lnRef idx="2">
-            <a:schemeClr val="accent4">
-              <a:shade val="15000"/>
-            </a:schemeClr>
-          </a:lnRef>
-          <a:fillRef idx="1">
-            <a:schemeClr val="accent4"/>
-          </a:fillRef>
-          <a:effectRef idx="0">
-            <a:schemeClr val="accent4"/>
-          </a:effectRef>
-          <a:fontRef idx="minor">
-            <a:schemeClr val="lt1"/>
-          </a:fontRef>
-        </p:style>
-        <p:txBody>
-          <a:bodyPr rtlCol="0" anchor="ctr"/>
-          <a:lstStyle/>
-          <a:p>
-            <a:pPr algn="ctr"/>
-            <a:r>
-              <a:rPr lang="ja-JP" altLang="en-US" dirty="0" smtClean="0"/>
-              <a:t>説明変数</a:t>
-            </a:r>
-            <a:r>
-              <a:rPr lang="en-US" altLang="ja-JP" dirty="0" smtClean="0"/>
-              <a:t>3</a:t>
-            </a:r>
-            <a:r>
-              <a:rPr kumimoji="1" lang="ja-JP" altLang="en-US" dirty="0" smtClean="0"/>
-              <a:t>：</a:t>
-            </a:r>
-            <a:r>
-              <a:rPr kumimoji="1" lang="en-US" altLang="ja-JP" dirty="0"/>
-              <a:t/>
-            </a:r>
-            <a:br>
-              <a:rPr kumimoji="1" lang="en-US" altLang="ja-JP" dirty="0"/>
-            </a:br>
-            <a:r>
-              <a:rPr kumimoji="1" lang="ja-JP" altLang="en-US" dirty="0"/>
-              <a:t>被験者</a:t>
-            </a:r>
-            <a:r>
-              <a:rPr kumimoji="1" lang="en-US" altLang="ja-JP" dirty="0"/>
-              <a:t>No.</a:t>
-            </a:r>
-          </a:p>
-          <a:p>
-            <a:pPr algn="ctr"/>
-            <a:endParaRPr kumimoji="1" lang="en-US" altLang="ja-JP" dirty="0"/>
-          </a:p>
-          <a:p>
-            <a:pPr algn="ctr"/>
-            <a:r>
-              <a:rPr kumimoji="1" lang="ja-JP" altLang="en-US" dirty="0"/>
-              <a:t>水準：</a:t>
-            </a:r>
-            <a:r>
-              <a:rPr kumimoji="1" lang="en-US" altLang="ja-JP" dirty="0"/>
-              <a:t>1,2,</a:t>
-            </a:r>
-            <a:r>
-              <a:rPr kumimoji="1" lang="ja-JP" altLang="en-US" dirty="0"/>
-              <a:t>・・・</a:t>
-            </a:r>
-            <a:r>
-              <a:rPr kumimoji="1" lang="en-US" altLang="ja-JP" dirty="0" smtClean="0"/>
-              <a:t>20</a:t>
-            </a:r>
-            <a:endParaRPr lang="en-US" altLang="ja-JP" dirty="0"/>
-          </a:p>
-        </p:txBody>
-      </p:sp>
-      <p:cxnSp>
-        <p:nvCxnSpPr>
-          <p:cNvPr id="10" name="直線矢印コネクタ 9">
-            <a:extLst>
-              <a:ext uri="{FF2B5EF4-FFF2-40B4-BE49-F238E27FC236}">
-                <a16:creationId xmlns:a16="http://schemas.microsoft.com/office/drawing/2014/main" id="{3692A9EC-9D53-BBF8-6010-1B3560DD9FC6}"/>
-              </a:ext>
-            </a:extLst>
-          </p:cNvPr>
-          <p:cNvCxnSpPr>
-            <a:cxnSpLocks/>
-            <a:stCxn id="9" idx="0"/>
-            <a:endCxn id="4" idx="2"/>
-          </p:cNvCxnSpPr>
-          <p:nvPr/>
-        </p:nvCxnSpPr>
-        <p:spPr>
-          <a:xfrm flipV="1">
-            <a:off x="8172450" y="3867150"/>
-            <a:ext cx="0" cy="1070230"/>
-          </a:xfrm>
-          <a:prstGeom prst="straightConnector1">
-            <a:avLst/>
-          </a:prstGeom>
-          <a:ln>
-            <a:solidFill>
-              <a:srgbClr val="FF0000"/>
-            </a:solidFill>
-            <a:tailEnd type="triangle"/>
-          </a:ln>
-        </p:spPr>
-        <p:style>
-          <a:lnRef idx="2">
-            <a:schemeClr val="accent3">
-              <a:shade val="15000"/>
-            </a:schemeClr>
-          </a:lnRef>
-          <a:fillRef idx="1">
-            <a:schemeClr val="accent3"/>
-          </a:fillRef>
-          <a:effectRef idx="0">
-            <a:schemeClr val="accent3"/>
-          </a:effectRef>
-          <a:fontRef idx="minor">
-            <a:schemeClr val="lt1"/>
-          </a:fontRef>
-        </p:style>
-      </p:cxnSp>
-      <p:cxnSp>
-        <p:nvCxnSpPr>
-          <p:cNvPr id="14" name="直線コネクタ 13"/>
-          <p:cNvCxnSpPr/>
-          <p:nvPr/>
-        </p:nvCxnSpPr>
-        <p:spPr>
-          <a:xfrm>
-            <a:off x="4886325" y="2438399"/>
-            <a:ext cx="629169" cy="905395"/>
-          </a:xfrm>
-          <a:prstGeom prst="line">
-            <a:avLst/>
-          </a:prstGeom>
-          <a:ln/>
-        </p:spPr>
-        <p:style>
-          <a:lnRef idx="2">
-            <a:schemeClr val="dk1"/>
-          </a:lnRef>
-          <a:fillRef idx="1">
-            <a:schemeClr val="lt1"/>
-          </a:fillRef>
-          <a:effectRef idx="0">
-            <a:schemeClr val="dk1"/>
-          </a:effectRef>
-          <a:fontRef idx="minor">
-            <a:schemeClr val="dk1"/>
-          </a:fontRef>
-        </p:style>
-      </p:cxnSp>
-      <p:cxnSp>
-        <p:nvCxnSpPr>
-          <p:cNvPr id="15" name="直線コネクタ 14"/>
-          <p:cNvCxnSpPr/>
-          <p:nvPr/>
-        </p:nvCxnSpPr>
-        <p:spPr>
-          <a:xfrm flipV="1">
-            <a:off x="4886325" y="3536688"/>
-            <a:ext cx="629169" cy="930538"/>
-          </a:xfrm>
-          <a:prstGeom prst="line">
-            <a:avLst/>
-          </a:prstGeom>
-          <a:ln/>
-        </p:spPr>
-        <p:style>
-          <a:lnRef idx="2">
-            <a:schemeClr val="dk1"/>
-          </a:lnRef>
-          <a:fillRef idx="1">
-            <a:schemeClr val="lt1"/>
-          </a:fillRef>
-          <a:effectRef idx="0">
-            <a:schemeClr val="dk1"/>
-          </a:effectRef>
-          <a:fontRef idx="minor">
-            <a:schemeClr val="dk1"/>
-          </a:fontRef>
-        </p:style>
-      </p:cxnSp>
-      <p:cxnSp>
-        <p:nvCxnSpPr>
-          <p:cNvPr id="16" name="直線コネクタ 15"/>
-          <p:cNvCxnSpPr/>
-          <p:nvPr/>
-        </p:nvCxnSpPr>
-        <p:spPr>
-          <a:xfrm flipV="1">
-            <a:off x="5748338" y="3429000"/>
-            <a:ext cx="1185862" cy="11241"/>
-          </a:xfrm>
-          <a:prstGeom prst="line">
-            <a:avLst/>
-          </a:prstGeom>
-          <a:ln>
-            <a:tailEnd type="triangle"/>
-          </a:ln>
-        </p:spPr>
-        <p:style>
-          <a:lnRef idx="2">
-            <a:schemeClr val="dk1"/>
-          </a:lnRef>
-          <a:fillRef idx="1">
-            <a:schemeClr val="lt1"/>
-          </a:fillRef>
-          <a:effectRef idx="0">
-            <a:schemeClr val="dk1"/>
-          </a:effectRef>
-          <a:fontRef idx="minor">
-            <a:schemeClr val="dk1"/>
-          </a:fontRef>
-        </p:style>
-      </p:cxnSp>
-      <p:cxnSp>
-        <p:nvCxnSpPr>
-          <p:cNvPr id="17" name="直線コネクタ 16"/>
-          <p:cNvCxnSpPr/>
-          <p:nvPr/>
-        </p:nvCxnSpPr>
-        <p:spPr>
-          <a:xfrm>
-            <a:off x="5515494" y="3343794"/>
-            <a:ext cx="192894" cy="192894"/>
-          </a:xfrm>
-          <a:prstGeom prst="line">
-            <a:avLst/>
-          </a:prstGeom>
-          <a:ln/>
-        </p:spPr>
-        <p:style>
-          <a:lnRef idx="2">
-            <a:schemeClr val="dk1"/>
-          </a:lnRef>
-          <a:fillRef idx="1">
-            <a:schemeClr val="lt1"/>
-          </a:fillRef>
-          <a:effectRef idx="0">
-            <a:schemeClr val="dk1"/>
-          </a:effectRef>
-          <a:fontRef idx="minor">
-            <a:schemeClr val="dk1"/>
-          </a:fontRef>
-        </p:style>
-      </p:cxnSp>
-      <p:cxnSp>
-        <p:nvCxnSpPr>
-          <p:cNvPr id="18" name="直線コネクタ 17"/>
-          <p:cNvCxnSpPr/>
-          <p:nvPr/>
-        </p:nvCxnSpPr>
-        <p:spPr>
-          <a:xfrm flipH="1">
-            <a:off x="5515494" y="3343794"/>
-            <a:ext cx="192894" cy="192894"/>
-          </a:xfrm>
-          <a:prstGeom prst="line">
-            <a:avLst/>
-          </a:prstGeom>
-          <a:ln/>
-        </p:spPr>
-        <p:style>
-          <a:lnRef idx="2">
-            <a:schemeClr val="dk1"/>
-          </a:lnRef>
-          <a:fillRef idx="1">
-            <a:schemeClr val="lt1"/>
-          </a:fillRef>
-          <a:effectRef idx="0">
-            <a:schemeClr val="dk1"/>
-          </a:effectRef>
-          <a:fontRef idx="minor">
-            <a:schemeClr val="dk1"/>
-          </a:fontRef>
-        </p:style>
-      </p:cxnSp>
-    </p:spTree>
-    <p:extLst>
-      <p:ext uri="{BB962C8B-B14F-4D97-AF65-F5344CB8AC3E}">
-        <p14:creationId xmlns:p14="http://schemas.microsoft.com/office/powerpoint/2010/main" val="3751360649"/>
       </p:ext>
     </p:extLst>
   </p:cSld>

--- a/Img/AnovaModeling.pptx
+++ b/Img/AnovaModeling.pptx
@@ -15,6 +15,8 @@
     <p:sldId id="261" r:id="rId9"/>
     <p:sldId id="262" r:id="rId10"/>
     <p:sldId id="263" r:id="rId11"/>
+    <p:sldId id="266" r:id="rId12"/>
+    <p:sldId id="267" r:id="rId13"/>
   </p:sldIdLst>
   <p:sldSz cx="12192000" cy="6858000"/>
   <p:notesSz cx="6858000" cy="9144000"/>
@@ -490,7 +492,7 @@
           <a:p>
             <a:fld id="{E3020441-CB21-445C-817D-199401EC5197}" type="datetimeFigureOut">
               <a:rPr kumimoji="1" lang="ja-JP" altLang="en-US" smtClean="0"/>
-              <a:t>2024/9/30</a:t>
+              <a:t>2024/10/1</a:t>
             </a:fld>
             <a:endParaRPr kumimoji="1" lang="ja-JP" altLang="en-US"/>
           </a:p>
@@ -720,7 +722,7 @@
           <a:p>
             <a:fld id="{E3020441-CB21-445C-817D-199401EC5197}" type="datetimeFigureOut">
               <a:rPr kumimoji="1" lang="ja-JP" altLang="en-US" smtClean="0"/>
-              <a:t>2024/9/30</a:t>
+              <a:t>2024/10/1</a:t>
             </a:fld>
             <a:endParaRPr kumimoji="1" lang="ja-JP" altLang="en-US"/>
           </a:p>
@@ -960,7 +962,7 @@
           <a:p>
             <a:fld id="{E3020441-CB21-445C-817D-199401EC5197}" type="datetimeFigureOut">
               <a:rPr kumimoji="1" lang="ja-JP" altLang="en-US" smtClean="0"/>
-              <a:t>2024/9/30</a:t>
+              <a:t>2024/10/1</a:t>
             </a:fld>
             <a:endParaRPr kumimoji="1" lang="ja-JP" altLang="en-US"/>
           </a:p>
@@ -1190,7 +1192,7 @@
           <a:p>
             <a:fld id="{E3020441-CB21-445C-817D-199401EC5197}" type="datetimeFigureOut">
               <a:rPr kumimoji="1" lang="ja-JP" altLang="en-US" smtClean="0"/>
-              <a:t>2024/9/30</a:t>
+              <a:t>2024/10/1</a:t>
             </a:fld>
             <a:endParaRPr kumimoji="1" lang="ja-JP" altLang="en-US"/>
           </a:p>
@@ -1465,7 +1467,7 @@
           <a:p>
             <a:fld id="{E3020441-CB21-445C-817D-199401EC5197}" type="datetimeFigureOut">
               <a:rPr kumimoji="1" lang="ja-JP" altLang="en-US" smtClean="0"/>
-              <a:t>2024/9/30</a:t>
+              <a:t>2024/10/1</a:t>
             </a:fld>
             <a:endParaRPr kumimoji="1" lang="ja-JP" altLang="en-US"/>
           </a:p>
@@ -1794,7 +1796,7 @@
           <a:p>
             <a:fld id="{E3020441-CB21-445C-817D-199401EC5197}" type="datetimeFigureOut">
               <a:rPr kumimoji="1" lang="ja-JP" altLang="en-US" smtClean="0"/>
-              <a:t>2024/9/30</a:t>
+              <a:t>2024/10/1</a:t>
             </a:fld>
             <a:endParaRPr kumimoji="1" lang="ja-JP" altLang="en-US"/>
           </a:p>
@@ -2270,7 +2272,7 @@
           <a:p>
             <a:fld id="{E3020441-CB21-445C-817D-199401EC5197}" type="datetimeFigureOut">
               <a:rPr kumimoji="1" lang="ja-JP" altLang="en-US" smtClean="0"/>
-              <a:t>2024/9/30</a:t>
+              <a:t>2024/10/1</a:t>
             </a:fld>
             <a:endParaRPr kumimoji="1" lang="ja-JP" altLang="en-US"/>
           </a:p>
@@ -2411,7 +2413,7 @@
           <a:p>
             <a:fld id="{E3020441-CB21-445C-817D-199401EC5197}" type="datetimeFigureOut">
               <a:rPr kumimoji="1" lang="ja-JP" altLang="en-US" smtClean="0"/>
-              <a:t>2024/9/30</a:t>
+              <a:t>2024/10/1</a:t>
             </a:fld>
             <a:endParaRPr kumimoji="1" lang="ja-JP" altLang="en-US"/>
           </a:p>
@@ -2524,7 +2526,7 @@
           <a:p>
             <a:fld id="{E3020441-CB21-445C-817D-199401EC5197}" type="datetimeFigureOut">
               <a:rPr kumimoji="1" lang="ja-JP" altLang="en-US" smtClean="0"/>
-              <a:t>2024/9/30</a:t>
+              <a:t>2024/10/1</a:t>
             </a:fld>
             <a:endParaRPr kumimoji="1" lang="ja-JP" altLang="en-US"/>
           </a:p>
@@ -2867,7 +2869,7 @@
           <a:p>
             <a:fld id="{E3020441-CB21-445C-817D-199401EC5197}" type="datetimeFigureOut">
               <a:rPr kumimoji="1" lang="ja-JP" altLang="en-US" smtClean="0"/>
-              <a:t>2024/9/30</a:t>
+              <a:t>2024/10/1</a:t>
             </a:fld>
             <a:endParaRPr kumimoji="1" lang="ja-JP" altLang="en-US"/>
           </a:p>
@@ -3155,7 +3157,7 @@
           <a:p>
             <a:fld id="{E3020441-CB21-445C-817D-199401EC5197}" type="datetimeFigureOut">
               <a:rPr kumimoji="1" lang="ja-JP" altLang="en-US" smtClean="0"/>
-              <a:t>2024/9/30</a:t>
+              <a:t>2024/10/1</a:t>
             </a:fld>
             <a:endParaRPr kumimoji="1" lang="ja-JP" altLang="en-US"/>
           </a:p>
@@ -3428,7 +3430,7 @@
           <a:p>
             <a:fld id="{E3020441-CB21-445C-817D-199401EC5197}" type="datetimeFigureOut">
               <a:rPr kumimoji="1" lang="ja-JP" altLang="en-US" smtClean="0"/>
-              <a:t>2024/9/30</a:t>
+              <a:t>2024/10/1</a:t>
             </a:fld>
             <a:endParaRPr kumimoji="1" lang="ja-JP" altLang="en-US"/>
           </a:p>
@@ -4614,6 +4616,156 @@
     <p:extLst>
       <p:ext uri="{BB962C8B-B14F-4D97-AF65-F5344CB8AC3E}">
         <p14:creationId xmlns:p14="http://schemas.microsoft.com/office/powerpoint/2010/main" val="3751360649"/>
+      </p:ext>
+    </p:extLst>
+  </p:cSld>
+  <p:clrMapOvr>
+    <a:masterClrMapping/>
+  </p:clrMapOvr>
+</p:sld>
+</file>
+
+<file path=ppt/slides/slide11.xml><?xml version="1.0" encoding="utf-8"?>
+<p:sld xmlns:a="http://schemas.openxmlformats.org/drawingml/2006/main" xmlns:r="http://schemas.openxmlformats.org/officeDocument/2006/relationships" xmlns:p="http://schemas.openxmlformats.org/presentationml/2006/main">
+  <p:cSld>
+    <p:spTree>
+      <p:nvGrpSpPr>
+        <p:cNvPr id="1" name=""/>
+        <p:cNvGrpSpPr/>
+        <p:nvPr/>
+      </p:nvGrpSpPr>
+      <p:grpSpPr>
+        <a:xfrm>
+          <a:off x="0" y="0"/>
+          <a:ext cx="0" cy="0"/>
+          <a:chOff x="0" y="0"/>
+          <a:chExt cx="0" cy="0"/>
+        </a:xfrm>
+      </p:grpSpPr>
+      <p:sp>
+        <p:nvSpPr>
+          <p:cNvPr id="2" name="タイトル 1"/>
+          <p:cNvSpPr>
+            <a:spLocks noGrp="1"/>
+          </p:cNvSpPr>
+          <p:nvPr>
+            <p:ph type="title"/>
+          </p:nvPr>
+        </p:nvSpPr>
+        <p:spPr/>
+        <p:txBody>
+          <a:bodyPr/>
+          <a:lstStyle/>
+          <a:p>
+            <a:endParaRPr kumimoji="1" lang="ja-JP" altLang="en-US"/>
+          </a:p>
+        </p:txBody>
+      </p:sp>
+      <p:pic>
+        <p:nvPicPr>
+          <p:cNvPr id="4" name="コンテンツ プレースホルダー 3"/>
+          <p:cNvPicPr>
+            <a:picLocks noGrp="1" noChangeAspect="1"/>
+          </p:cNvPicPr>
+          <p:nvPr>
+            <p:ph idx="1"/>
+          </p:nvPr>
+        </p:nvPicPr>
+        <p:blipFill>
+          <a:blip r:embed="rId2"/>
+          <a:stretch>
+            <a:fillRect/>
+          </a:stretch>
+        </p:blipFill>
+        <p:spPr>
+          <a:xfrm>
+            <a:off x="3651292" y="2129660"/>
+            <a:ext cx="4889416" cy="3743268"/>
+          </a:xfrm>
+          <a:prstGeom prst="rect">
+            <a:avLst/>
+          </a:prstGeom>
+        </p:spPr>
+      </p:pic>
+    </p:spTree>
+    <p:extLst>
+      <p:ext uri="{BB962C8B-B14F-4D97-AF65-F5344CB8AC3E}">
+        <p14:creationId xmlns:p14="http://schemas.microsoft.com/office/powerpoint/2010/main" val="3106651656"/>
+      </p:ext>
+    </p:extLst>
+  </p:cSld>
+  <p:clrMapOvr>
+    <a:masterClrMapping/>
+  </p:clrMapOvr>
+</p:sld>
+</file>
+
+<file path=ppt/slides/slide12.xml><?xml version="1.0" encoding="utf-8"?>
+<p:sld xmlns:a="http://schemas.openxmlformats.org/drawingml/2006/main" xmlns:r="http://schemas.openxmlformats.org/officeDocument/2006/relationships" xmlns:p="http://schemas.openxmlformats.org/presentationml/2006/main">
+  <p:cSld>
+    <p:spTree>
+      <p:nvGrpSpPr>
+        <p:cNvPr id="1" name=""/>
+        <p:cNvGrpSpPr/>
+        <p:nvPr/>
+      </p:nvGrpSpPr>
+      <p:grpSpPr>
+        <a:xfrm>
+          <a:off x="0" y="0"/>
+          <a:ext cx="0" cy="0"/>
+          <a:chOff x="0" y="0"/>
+          <a:chExt cx="0" cy="0"/>
+        </a:xfrm>
+      </p:grpSpPr>
+      <p:sp>
+        <p:nvSpPr>
+          <p:cNvPr id="2" name="タイトル 1"/>
+          <p:cNvSpPr>
+            <a:spLocks noGrp="1"/>
+          </p:cNvSpPr>
+          <p:nvPr>
+            <p:ph type="title"/>
+          </p:nvPr>
+        </p:nvSpPr>
+        <p:spPr/>
+        <p:txBody>
+          <a:bodyPr/>
+          <a:lstStyle/>
+          <a:p>
+            <a:endParaRPr kumimoji="1" lang="ja-JP" altLang="en-US"/>
+          </a:p>
+        </p:txBody>
+      </p:sp>
+      <p:pic>
+        <p:nvPicPr>
+          <p:cNvPr id="4" name="コンテンツ プレースホルダー 3"/>
+          <p:cNvPicPr>
+            <a:picLocks noGrp="1" noChangeAspect="1"/>
+          </p:cNvPicPr>
+          <p:nvPr>
+            <p:ph idx="1"/>
+          </p:nvPr>
+        </p:nvPicPr>
+        <p:blipFill>
+          <a:blip r:embed="rId2"/>
+          <a:stretch>
+            <a:fillRect/>
+          </a:stretch>
+        </p:blipFill>
+        <p:spPr>
+          <a:xfrm>
+            <a:off x="3651292" y="2129660"/>
+            <a:ext cx="4889416" cy="3743268"/>
+          </a:xfrm>
+          <a:prstGeom prst="rect">
+            <a:avLst/>
+          </a:prstGeom>
+        </p:spPr>
+      </p:pic>
+    </p:spTree>
+    <p:extLst>
+      <p:ext uri="{BB962C8B-B14F-4D97-AF65-F5344CB8AC3E}">
+        <p14:creationId xmlns:p14="http://schemas.microsoft.com/office/powerpoint/2010/main" val="323124508"/>
       </p:ext>
     </p:extLst>
   </p:cSld>

--- a/Img/AnovaModeling.pptx
+++ b/Img/AnovaModeling.pptx
@@ -17,6 +17,10 @@
     <p:sldId id="263" r:id="rId11"/>
     <p:sldId id="266" r:id="rId12"/>
     <p:sldId id="267" r:id="rId13"/>
+    <p:sldId id="268" r:id="rId14"/>
+    <p:sldId id="269" r:id="rId15"/>
+    <p:sldId id="270" r:id="rId16"/>
+    <p:sldId id="271" r:id="rId17"/>
   </p:sldIdLst>
   <p:sldSz cx="12192000" cy="6858000"/>
   <p:notesSz cx="6858000" cy="9144000"/>
@@ -4097,10 +4101,6 @@
               <a:rPr kumimoji="1" lang="ja-JP" altLang="en-US" dirty="0"/>
               <a:t>：</a:t>
             </a:r>
-            <a:r>
-              <a:rPr kumimoji="1" lang="en-US" altLang="ja-JP" dirty="0"/>
-              <a:t/>
-            </a:r>
             <a:br>
               <a:rPr kumimoji="1" lang="en-US" altLang="ja-JP" dirty="0"/>
             </a:br>
@@ -4228,15 +4228,11 @@
               <a:rPr kumimoji="1" lang="ja-JP" altLang="en-US" dirty="0"/>
               <a:t>：</a:t>
             </a:r>
-            <a:r>
-              <a:rPr kumimoji="1" lang="en-US" altLang="ja-JP" dirty="0"/>
-              <a:t/>
-            </a:r>
             <a:br>
               <a:rPr kumimoji="1" lang="en-US" altLang="ja-JP" dirty="0"/>
             </a:br>
             <a:r>
-              <a:rPr kumimoji="1" lang="ja-JP" altLang="en-US" dirty="0" smtClean="0"/>
+              <a:rPr kumimoji="1" lang="ja-JP" altLang="en-US" dirty="0"/>
               <a:t>苺ジャム</a:t>
             </a:r>
             <a:endParaRPr kumimoji="1" lang="en-US" altLang="ja-JP" dirty="0"/>
@@ -4249,14 +4245,10 @@
             <a:pPr algn="ctr"/>
             <a:r>
               <a:rPr kumimoji="1" lang="ja-JP" altLang="en-US" dirty="0"/>
-              <a:t>水準</a:t>
-            </a:r>
-            <a:r>
-              <a:rPr kumimoji="1" lang="ja-JP" altLang="en-US" dirty="0" smtClean="0"/>
-              <a:t>：</a:t>
-            </a:r>
-            <a:r>
-              <a:rPr kumimoji="1" lang="en-US" altLang="ja-JP" dirty="0" smtClean="0"/>
+              <a:t>水準：</a:t>
+            </a:r>
+            <a:r>
+              <a:rPr kumimoji="1" lang="en-US" altLang="ja-JP" dirty="0"/>
               <a:t>X, Y</a:t>
             </a:r>
             <a:endParaRPr lang="en-US" altLang="ja-JP" dirty="0"/>
@@ -4354,20 +4346,16 @@
           <a:p>
             <a:pPr algn="ctr"/>
             <a:r>
-              <a:rPr lang="ja-JP" altLang="en-US" dirty="0" smtClean="0"/>
+              <a:rPr lang="ja-JP" altLang="en-US" dirty="0"/>
               <a:t>説明変数</a:t>
             </a:r>
             <a:r>
-              <a:rPr lang="en-US" altLang="ja-JP" dirty="0" smtClean="0"/>
+              <a:rPr lang="en-US" altLang="ja-JP" dirty="0"/>
               <a:t>3</a:t>
             </a:r>
             <a:r>
-              <a:rPr kumimoji="1" lang="ja-JP" altLang="en-US" dirty="0" smtClean="0"/>
+              <a:rPr kumimoji="1" lang="ja-JP" altLang="en-US" dirty="0"/>
               <a:t>：</a:t>
-            </a:r>
-            <a:r>
-              <a:rPr kumimoji="1" lang="en-US" altLang="ja-JP" dirty="0"/>
-              <a:t/>
             </a:r>
             <a:br>
               <a:rPr kumimoji="1" lang="en-US" altLang="ja-JP" dirty="0"/>
@@ -4400,7 +4388,7 @@
               <a:t>・・・</a:t>
             </a:r>
             <a:r>
-              <a:rPr kumimoji="1" lang="en-US" altLang="ja-JP" dirty="0" smtClean="0"/>
+              <a:rPr kumimoji="1" lang="en-US" altLang="ja-JP" dirty="0"/>
               <a:t>20</a:t>
             </a:r>
             <a:endParaRPr lang="en-US" altLang="ja-JP" dirty="0"/>
@@ -4657,13 +4645,27 @@
           <a:bodyPr/>
           <a:lstStyle/>
           <a:p>
-            <a:endParaRPr kumimoji="1" lang="ja-JP" altLang="en-US"/>
+            <a:r>
+              <a:rPr kumimoji="1" lang="ja-JP" altLang="en-US" dirty="0"/>
+              <a:t>相関</a:t>
+            </a:r>
+            <a:r>
+              <a:rPr kumimoji="1" lang="en-US" altLang="ja-JP" dirty="0"/>
+              <a:t>0.0513</a:t>
+            </a:r>
+            <a:endParaRPr kumimoji="1" lang="ja-JP" altLang="en-US" dirty="0"/>
           </a:p>
         </p:txBody>
       </p:sp>
       <p:pic>
         <p:nvPicPr>
-          <p:cNvPr id="4" name="コンテンツ プレースホルダー 3"/>
+          <p:cNvPr id="6" name="コンテンツ プレースホルダー 5">
+            <a:extLst>
+              <a:ext uri="{FF2B5EF4-FFF2-40B4-BE49-F238E27FC236}">
+                <a16:creationId xmlns:a16="http://schemas.microsoft.com/office/drawing/2014/main" id="{3B878235-70F5-F862-88EC-863175E059CD}"/>
+              </a:ext>
+            </a:extLst>
+          </p:cNvPr>
           <p:cNvPicPr>
             <a:picLocks noGrp="1" noChangeAspect="1"/>
           </p:cNvPicPr>
@@ -4719,7 +4721,13 @@
       </p:grpSpPr>
       <p:sp>
         <p:nvSpPr>
-          <p:cNvPr id="2" name="タイトル 1"/>
+          <p:cNvPr id="2" name="タイトル 1">
+            <a:extLst>
+              <a:ext uri="{FF2B5EF4-FFF2-40B4-BE49-F238E27FC236}">
+                <a16:creationId xmlns:a16="http://schemas.microsoft.com/office/drawing/2014/main" id="{E90A3F46-1EED-5E3A-163E-0B3B7CB9F129}"/>
+              </a:ext>
+            </a:extLst>
+          </p:cNvPr>
           <p:cNvSpPr>
             <a:spLocks noGrp="1"/>
           </p:cNvSpPr>
@@ -4732,13 +4740,30 @@
           <a:bodyPr/>
           <a:lstStyle/>
           <a:p>
-            <a:endParaRPr kumimoji="1" lang="ja-JP" altLang="en-US"/>
+            <a:r>
+              <a:rPr kumimoji="1" lang="ja-JP" altLang="en-US" dirty="0"/>
+              <a:t>相関</a:t>
+            </a:r>
+            <a:r>
+              <a:rPr kumimoji="1" lang="en-US" altLang="ja-JP" dirty="0"/>
+              <a:t>0.200</a:t>
+            </a:r>
+            <a:br>
+              <a:rPr kumimoji="1" lang="en-US" altLang="ja-JP" dirty="0"/>
+            </a:br>
+            <a:endParaRPr kumimoji="1" lang="ja-JP" altLang="en-US" dirty="0"/>
           </a:p>
         </p:txBody>
       </p:sp>
       <p:pic>
         <p:nvPicPr>
-          <p:cNvPr id="4" name="コンテンツ プレースホルダー 3"/>
+          <p:cNvPr id="4" name="コンテンツ プレースホルダー 3">
+            <a:extLst>
+              <a:ext uri="{FF2B5EF4-FFF2-40B4-BE49-F238E27FC236}">
+                <a16:creationId xmlns:a16="http://schemas.microsoft.com/office/drawing/2014/main" id="{3904CA60-7C01-0FD0-E53C-5A529A43F63D}"/>
+              </a:ext>
+            </a:extLst>
+          </p:cNvPr>
           <p:cNvPicPr>
             <a:picLocks noGrp="1" noChangeAspect="1"/>
           </p:cNvPicPr>
@@ -4765,7 +4790,404 @@
     </p:spTree>
     <p:extLst>
       <p:ext uri="{BB962C8B-B14F-4D97-AF65-F5344CB8AC3E}">
-        <p14:creationId xmlns:p14="http://schemas.microsoft.com/office/powerpoint/2010/main" val="323124508"/>
+        <p14:creationId xmlns:p14="http://schemas.microsoft.com/office/powerpoint/2010/main" val="1624990458"/>
+      </p:ext>
+    </p:extLst>
+  </p:cSld>
+  <p:clrMapOvr>
+    <a:masterClrMapping/>
+  </p:clrMapOvr>
+</p:sld>
+</file>
+
+<file path=ppt/slides/slide13.xml><?xml version="1.0" encoding="utf-8"?>
+<p:sld xmlns:a="http://schemas.openxmlformats.org/drawingml/2006/main" xmlns:r="http://schemas.openxmlformats.org/officeDocument/2006/relationships" xmlns:p="http://schemas.openxmlformats.org/presentationml/2006/main">
+  <p:cSld>
+    <p:spTree>
+      <p:nvGrpSpPr>
+        <p:cNvPr id="1" name=""/>
+        <p:cNvGrpSpPr/>
+        <p:nvPr/>
+      </p:nvGrpSpPr>
+      <p:grpSpPr>
+        <a:xfrm>
+          <a:off x="0" y="0"/>
+          <a:ext cx="0" cy="0"/>
+          <a:chOff x="0" y="0"/>
+          <a:chExt cx="0" cy="0"/>
+        </a:xfrm>
+      </p:grpSpPr>
+      <p:sp>
+        <p:nvSpPr>
+          <p:cNvPr id="2" name="タイトル 1">
+            <a:extLst>
+              <a:ext uri="{FF2B5EF4-FFF2-40B4-BE49-F238E27FC236}">
+                <a16:creationId xmlns:a16="http://schemas.microsoft.com/office/drawing/2014/main" id="{424D4A5E-223E-8982-C14E-80509BE1BD07}"/>
+              </a:ext>
+            </a:extLst>
+          </p:cNvPr>
+          <p:cNvSpPr>
+            <a:spLocks noGrp="1"/>
+          </p:cNvSpPr>
+          <p:nvPr>
+            <p:ph type="title"/>
+          </p:nvPr>
+        </p:nvSpPr>
+        <p:spPr/>
+        <p:txBody>
+          <a:bodyPr/>
+          <a:lstStyle/>
+          <a:p>
+            <a:r>
+              <a:rPr kumimoji="1" lang="ja-JP" altLang="en-US" dirty="0"/>
+              <a:t>相関</a:t>
+            </a:r>
+            <a:r>
+              <a:rPr kumimoji="1" lang="en-US" altLang="ja-JP" dirty="0"/>
+              <a:t>0.441</a:t>
+            </a:r>
+            <a:endParaRPr kumimoji="1" lang="ja-JP" altLang="en-US" dirty="0"/>
+          </a:p>
+        </p:txBody>
+      </p:sp>
+      <p:pic>
+        <p:nvPicPr>
+          <p:cNvPr id="5" name="コンテンツ プレースホルダー 4">
+            <a:extLst>
+              <a:ext uri="{FF2B5EF4-FFF2-40B4-BE49-F238E27FC236}">
+                <a16:creationId xmlns:a16="http://schemas.microsoft.com/office/drawing/2014/main" id="{F75D3519-7909-7EAE-2E9B-73460C4447BC}"/>
+              </a:ext>
+            </a:extLst>
+          </p:cNvPr>
+          <p:cNvPicPr>
+            <a:picLocks noGrp="1" noChangeAspect="1"/>
+          </p:cNvPicPr>
+          <p:nvPr>
+            <p:ph idx="1"/>
+          </p:nvPr>
+        </p:nvPicPr>
+        <p:blipFill>
+          <a:blip r:embed="rId2"/>
+          <a:stretch>
+            <a:fillRect/>
+          </a:stretch>
+        </p:blipFill>
+        <p:spPr>
+          <a:xfrm>
+            <a:off x="3651292" y="2129660"/>
+            <a:ext cx="4889416" cy="3743268"/>
+          </a:xfrm>
+          <a:prstGeom prst="rect">
+            <a:avLst/>
+          </a:prstGeom>
+        </p:spPr>
+      </p:pic>
+    </p:spTree>
+    <p:extLst>
+      <p:ext uri="{BB962C8B-B14F-4D97-AF65-F5344CB8AC3E}">
+        <p14:creationId xmlns:p14="http://schemas.microsoft.com/office/powerpoint/2010/main" val="678897031"/>
+      </p:ext>
+    </p:extLst>
+  </p:cSld>
+  <p:clrMapOvr>
+    <a:masterClrMapping/>
+  </p:clrMapOvr>
+</p:sld>
+</file>
+
+<file path=ppt/slides/slide14.xml><?xml version="1.0" encoding="utf-8"?>
+<p:sld xmlns:a="http://schemas.openxmlformats.org/drawingml/2006/main" xmlns:r="http://schemas.openxmlformats.org/officeDocument/2006/relationships" xmlns:p="http://schemas.openxmlformats.org/presentationml/2006/main">
+  <p:cSld>
+    <p:spTree>
+      <p:nvGrpSpPr>
+        <p:cNvPr id="1" name=""/>
+        <p:cNvGrpSpPr/>
+        <p:nvPr/>
+      </p:nvGrpSpPr>
+      <p:grpSpPr>
+        <a:xfrm>
+          <a:off x="0" y="0"/>
+          <a:ext cx="0" cy="0"/>
+          <a:chOff x="0" y="0"/>
+          <a:chExt cx="0" cy="0"/>
+        </a:xfrm>
+      </p:grpSpPr>
+      <p:sp>
+        <p:nvSpPr>
+          <p:cNvPr id="2" name="タイトル 1">
+            <a:extLst>
+              <a:ext uri="{FF2B5EF4-FFF2-40B4-BE49-F238E27FC236}">
+                <a16:creationId xmlns:a16="http://schemas.microsoft.com/office/drawing/2014/main" id="{078590EC-3551-7798-D26C-ACB846F74B4F}"/>
+              </a:ext>
+            </a:extLst>
+          </p:cNvPr>
+          <p:cNvSpPr>
+            <a:spLocks noGrp="1"/>
+          </p:cNvSpPr>
+          <p:nvPr>
+            <p:ph type="title"/>
+          </p:nvPr>
+        </p:nvSpPr>
+        <p:spPr/>
+        <p:txBody>
+          <a:bodyPr/>
+          <a:lstStyle/>
+          <a:p>
+            <a:r>
+              <a:rPr kumimoji="1" lang="ja-JP" altLang="en-US" dirty="0"/>
+              <a:t>相関</a:t>
+            </a:r>
+            <a:r>
+              <a:rPr kumimoji="1" lang="en-US" altLang="ja-JP" dirty="0"/>
+              <a:t>0.542</a:t>
+            </a:r>
+            <a:endParaRPr kumimoji="1" lang="ja-JP" altLang="en-US" dirty="0"/>
+          </a:p>
+        </p:txBody>
+      </p:sp>
+      <p:pic>
+        <p:nvPicPr>
+          <p:cNvPr id="4" name="コンテンツ プレースホルダー 3">
+            <a:extLst>
+              <a:ext uri="{FF2B5EF4-FFF2-40B4-BE49-F238E27FC236}">
+                <a16:creationId xmlns:a16="http://schemas.microsoft.com/office/drawing/2014/main" id="{8F9D458B-836E-CC07-37D7-241DBA03244B}"/>
+              </a:ext>
+            </a:extLst>
+          </p:cNvPr>
+          <p:cNvPicPr>
+            <a:picLocks noGrp="1" noChangeAspect="1"/>
+          </p:cNvPicPr>
+          <p:nvPr>
+            <p:ph idx="1"/>
+          </p:nvPr>
+        </p:nvPicPr>
+        <p:blipFill>
+          <a:blip r:embed="rId2"/>
+          <a:stretch>
+            <a:fillRect/>
+          </a:stretch>
+        </p:blipFill>
+        <p:spPr>
+          <a:xfrm>
+            <a:off x="3651292" y="2129660"/>
+            <a:ext cx="4889416" cy="3743268"/>
+          </a:xfrm>
+          <a:prstGeom prst="rect">
+            <a:avLst/>
+          </a:prstGeom>
+        </p:spPr>
+      </p:pic>
+    </p:spTree>
+    <p:extLst>
+      <p:ext uri="{BB962C8B-B14F-4D97-AF65-F5344CB8AC3E}">
+        <p14:creationId xmlns:p14="http://schemas.microsoft.com/office/powerpoint/2010/main" val="3981072813"/>
+      </p:ext>
+    </p:extLst>
+  </p:cSld>
+  <p:clrMapOvr>
+    <a:masterClrMapping/>
+  </p:clrMapOvr>
+</p:sld>
+</file>
+
+<file path=ppt/slides/slide15.xml><?xml version="1.0" encoding="utf-8"?>
+<p:sld xmlns:a="http://schemas.openxmlformats.org/drawingml/2006/main" xmlns:r="http://schemas.openxmlformats.org/officeDocument/2006/relationships" xmlns:p="http://schemas.openxmlformats.org/presentationml/2006/main">
+  <p:cSld>
+    <p:spTree>
+      <p:nvGrpSpPr>
+        <p:cNvPr id="1" name=""/>
+        <p:cNvGrpSpPr/>
+        <p:nvPr/>
+      </p:nvGrpSpPr>
+      <p:grpSpPr>
+        <a:xfrm>
+          <a:off x="0" y="0"/>
+          <a:ext cx="0" cy="0"/>
+          <a:chOff x="0" y="0"/>
+          <a:chExt cx="0" cy="0"/>
+        </a:xfrm>
+      </p:grpSpPr>
+      <p:sp>
+        <p:nvSpPr>
+          <p:cNvPr id="2" name="タイトル 1">
+            <a:extLst>
+              <a:ext uri="{FF2B5EF4-FFF2-40B4-BE49-F238E27FC236}">
+                <a16:creationId xmlns:a16="http://schemas.microsoft.com/office/drawing/2014/main" id="{408B8A56-D7B0-32F3-915D-088686A1CFE1}"/>
+              </a:ext>
+            </a:extLst>
+          </p:cNvPr>
+          <p:cNvSpPr>
+            <a:spLocks noGrp="1"/>
+          </p:cNvSpPr>
+          <p:nvPr>
+            <p:ph type="title"/>
+          </p:nvPr>
+        </p:nvSpPr>
+        <p:spPr/>
+        <p:txBody>
+          <a:bodyPr/>
+          <a:lstStyle/>
+          <a:p>
+            <a:r>
+              <a:rPr kumimoji="1" lang="ja-JP" altLang="en-US" dirty="0"/>
+              <a:t>相関</a:t>
+            </a:r>
+            <a:r>
+              <a:rPr kumimoji="1" lang="en-US" altLang="ja-JP" dirty="0"/>
+              <a:t>0.712</a:t>
+            </a:r>
+            <a:br>
+              <a:rPr kumimoji="1" lang="en-US" altLang="ja-JP" dirty="0"/>
+            </a:br>
+            <a:endParaRPr kumimoji="1" lang="ja-JP" altLang="en-US" dirty="0"/>
+          </a:p>
+        </p:txBody>
+      </p:sp>
+      <p:pic>
+        <p:nvPicPr>
+          <p:cNvPr id="5" name="コンテンツ プレースホルダー 4">
+            <a:extLst>
+              <a:ext uri="{FF2B5EF4-FFF2-40B4-BE49-F238E27FC236}">
+                <a16:creationId xmlns:a16="http://schemas.microsoft.com/office/drawing/2014/main" id="{424F2261-F694-769C-97BE-344F1E103D80}"/>
+              </a:ext>
+            </a:extLst>
+          </p:cNvPr>
+          <p:cNvPicPr>
+            <a:picLocks noGrp="1" noChangeAspect="1"/>
+          </p:cNvPicPr>
+          <p:nvPr>
+            <p:ph idx="1"/>
+          </p:nvPr>
+        </p:nvPicPr>
+        <p:blipFill>
+          <a:blip r:embed="rId2"/>
+          <a:stretch>
+            <a:fillRect/>
+          </a:stretch>
+        </p:blipFill>
+        <p:spPr>
+          <a:xfrm>
+            <a:off x="3651292" y="2129660"/>
+            <a:ext cx="4889416" cy="3743268"/>
+          </a:xfrm>
+          <a:prstGeom prst="rect">
+            <a:avLst/>
+          </a:prstGeom>
+        </p:spPr>
+      </p:pic>
+    </p:spTree>
+    <p:extLst>
+      <p:ext uri="{BB962C8B-B14F-4D97-AF65-F5344CB8AC3E}">
+        <p14:creationId xmlns:p14="http://schemas.microsoft.com/office/powerpoint/2010/main" val="1599585600"/>
+      </p:ext>
+    </p:extLst>
+  </p:cSld>
+  <p:clrMapOvr>
+    <a:masterClrMapping/>
+  </p:clrMapOvr>
+</p:sld>
+</file>
+
+<file path=ppt/slides/slide16.xml><?xml version="1.0" encoding="utf-8"?>
+<p:sld xmlns:a="http://schemas.openxmlformats.org/drawingml/2006/main" xmlns:r="http://schemas.openxmlformats.org/officeDocument/2006/relationships" xmlns:p="http://schemas.openxmlformats.org/presentationml/2006/main">
+  <p:cSld>
+    <p:spTree>
+      <p:nvGrpSpPr>
+        <p:cNvPr id="1" name=""/>
+        <p:cNvGrpSpPr/>
+        <p:nvPr/>
+      </p:nvGrpSpPr>
+      <p:grpSpPr>
+        <a:xfrm>
+          <a:off x="0" y="0"/>
+          <a:ext cx="0" cy="0"/>
+          <a:chOff x="0" y="0"/>
+          <a:chExt cx="0" cy="0"/>
+        </a:xfrm>
+      </p:grpSpPr>
+      <p:sp>
+        <p:nvSpPr>
+          <p:cNvPr id="2" name="タイトル 1">
+            <a:extLst>
+              <a:ext uri="{FF2B5EF4-FFF2-40B4-BE49-F238E27FC236}">
+                <a16:creationId xmlns:a16="http://schemas.microsoft.com/office/drawing/2014/main" id="{B5825973-7C3A-7DEF-97B0-8EB6A8D4B61D}"/>
+              </a:ext>
+            </a:extLst>
+          </p:cNvPr>
+          <p:cNvSpPr>
+            <a:spLocks noGrp="1"/>
+          </p:cNvSpPr>
+          <p:nvPr>
+            <p:ph type="title"/>
+          </p:nvPr>
+        </p:nvSpPr>
+        <p:spPr/>
+        <p:txBody>
+          <a:bodyPr/>
+          <a:lstStyle/>
+          <a:p>
+            <a:r>
+              <a:rPr lang="ja-JP" altLang="en-US" sz="1800" b="0" i="0" u="none" strike="noStrike" dirty="0">
+                <a:solidFill>
+                  <a:srgbClr val="000000"/>
+                </a:solidFill>
+                <a:effectLst/>
+                <a:latin typeface="游ゴシック" panose="020B0400000000000000" pitchFamily="50" charset="-128"/>
+                <a:ea typeface="游ゴシック" panose="020B0400000000000000" pitchFamily="50" charset="-128"/>
+              </a:rPr>
+              <a:t>相関</a:t>
+            </a:r>
+            <a:r>
+              <a:rPr lang="en-US" altLang="ja-JP" sz="1800" b="0" i="0" u="none" strike="noStrike" dirty="0">
+                <a:solidFill>
+                  <a:srgbClr val="000000"/>
+                </a:solidFill>
+                <a:effectLst/>
+                <a:latin typeface="游ゴシック" panose="020B0400000000000000" pitchFamily="50" charset="-128"/>
+                <a:ea typeface="游ゴシック" panose="020B0400000000000000" pitchFamily="50" charset="-128"/>
+              </a:rPr>
+              <a:t>0.905</a:t>
+            </a:r>
+            <a:endParaRPr kumimoji="1" lang="ja-JP" altLang="en-US" dirty="0"/>
+          </a:p>
+        </p:txBody>
+      </p:sp>
+      <p:pic>
+        <p:nvPicPr>
+          <p:cNvPr id="4" name="コンテンツ プレースホルダー 3">
+            <a:extLst>
+              <a:ext uri="{FF2B5EF4-FFF2-40B4-BE49-F238E27FC236}">
+                <a16:creationId xmlns:a16="http://schemas.microsoft.com/office/drawing/2014/main" id="{341D7BD3-E56B-8269-F527-303B94AF8C6B}"/>
+              </a:ext>
+            </a:extLst>
+          </p:cNvPr>
+          <p:cNvPicPr>
+            <a:picLocks noGrp="1" noChangeAspect="1"/>
+          </p:cNvPicPr>
+          <p:nvPr>
+            <p:ph idx="1"/>
+          </p:nvPr>
+        </p:nvPicPr>
+        <p:blipFill>
+          <a:blip r:embed="rId2"/>
+          <a:stretch>
+            <a:fillRect/>
+          </a:stretch>
+        </p:blipFill>
+        <p:spPr>
+          <a:xfrm>
+            <a:off x="3651292" y="2129660"/>
+            <a:ext cx="4889416" cy="3743268"/>
+          </a:xfrm>
+          <a:prstGeom prst="rect">
+            <a:avLst/>
+          </a:prstGeom>
+        </p:spPr>
+      </p:pic>
+    </p:spTree>
+    <p:extLst>
+      <p:ext uri="{BB962C8B-B14F-4D97-AF65-F5344CB8AC3E}">
+        <p14:creationId xmlns:p14="http://schemas.microsoft.com/office/powerpoint/2010/main" val="3867585930"/>
       </p:ext>
     </p:extLst>
   </p:cSld>
@@ -5347,10 +5769,6 @@
               <a:rPr kumimoji="1" lang="ja-JP" altLang="en-US" dirty="0"/>
               <a:t>水準：</a:t>
             </a:r>
-            <a:r>
-              <a:rPr kumimoji="1" lang="en-US" altLang="ja-JP" dirty="0"/>
-              <a:t/>
-            </a:r>
             <a:br>
               <a:rPr kumimoji="1" lang="en-US" altLang="ja-JP" dirty="0"/>
             </a:br>
@@ -5365,10 +5783,6 @@
             <a:r>
               <a:rPr kumimoji="1" lang="ja-JP" altLang="en-US" dirty="0"/>
               <a:t>石川</a:t>
-            </a:r>
-            <a:r>
-              <a:rPr kumimoji="1" lang="en-US" altLang="ja-JP" dirty="0"/>
-              <a:t/>
             </a:r>
             <a:br>
               <a:rPr kumimoji="1" lang="en-US" altLang="ja-JP" dirty="0"/>
@@ -5566,10 +5980,6 @@
               <a:rPr kumimoji="1" lang="ja-JP" altLang="en-US" dirty="0"/>
               <a:t>：</a:t>
             </a:r>
-            <a:r>
-              <a:rPr kumimoji="1" lang="en-US" altLang="ja-JP" dirty="0"/>
-              <a:t/>
-            </a:r>
             <a:br>
               <a:rPr kumimoji="1" lang="en-US" altLang="ja-JP" dirty="0"/>
             </a:br>
@@ -5698,10 +6108,6 @@
             <a:r>
               <a:rPr kumimoji="1" lang="ja-JP" altLang="en-US" dirty="0"/>
               <a:t>：</a:t>
-            </a:r>
-            <a:r>
-              <a:rPr kumimoji="1" lang="en-US" altLang="ja-JP" dirty="0"/>
-              <a:t/>
             </a:r>
             <a:br>
               <a:rPr kumimoji="1" lang="en-US" altLang="ja-JP" dirty="0"/>
@@ -5867,15 +6273,15 @@
           <a:p>
             <a:pPr algn="ctr"/>
             <a:r>
-              <a:rPr kumimoji="1" lang="ja-JP" altLang="en-US" dirty="0" smtClean="0"/>
+              <a:rPr kumimoji="1" lang="ja-JP" altLang="en-US" dirty="0"/>
               <a:t>収穫量</a:t>
             </a:r>
-            <a:endParaRPr kumimoji="1" lang="en-US" altLang="ja-JP" dirty="0" smtClean="0"/>
+            <a:endParaRPr kumimoji="1" lang="en-US" altLang="ja-JP" dirty="0"/>
           </a:p>
           <a:p>
             <a:pPr algn="ctr"/>
             <a:r>
-              <a:rPr lang="ja-JP" altLang="en-US" dirty="0" smtClean="0"/>
+              <a:rPr lang="ja-JP" altLang="en-US" dirty="0"/>
               <a:t>（連続変数）</a:t>
             </a:r>
             <a:endParaRPr kumimoji="1" lang="ja-JP" altLang="en-US" dirty="0"/>
@@ -5936,18 +6342,14 @@
               <a:rPr kumimoji="1" lang="ja-JP" altLang="en-US" dirty="0"/>
               <a:t>：</a:t>
             </a:r>
-            <a:r>
-              <a:rPr kumimoji="1" lang="en-US" altLang="ja-JP" dirty="0"/>
-              <a:t/>
-            </a:r>
             <a:br>
               <a:rPr kumimoji="1" lang="en-US" altLang="ja-JP" dirty="0"/>
             </a:br>
             <a:r>
-              <a:rPr kumimoji="1" lang="ja-JP" altLang="en-US" dirty="0" smtClean="0"/>
+              <a:rPr kumimoji="1" lang="ja-JP" altLang="en-US" dirty="0"/>
               <a:t>小麦品種</a:t>
             </a:r>
-            <a:endParaRPr kumimoji="1" lang="en-US" altLang="ja-JP" dirty="0" smtClean="0"/>
+            <a:endParaRPr kumimoji="1" lang="en-US" altLang="ja-JP" dirty="0"/>
           </a:p>
           <a:p>
             <a:pPr algn="ctr"/>
@@ -5960,14 +6362,13 @@
               <a:t>水準：</a:t>
             </a:r>
             <a:r>
-              <a:rPr kumimoji="1" lang="en-US" altLang="ja-JP" dirty="0" smtClean="0"/>
+              <a:rPr kumimoji="1" lang="en-US" altLang="ja-JP" dirty="0"/>
               <a:t>A</a:t>
             </a:r>
             <a:r>
-              <a:rPr lang="en-US" altLang="ja-JP" dirty="0" smtClean="0"/>
+              <a:rPr lang="en-US" altLang="ja-JP" dirty="0"/>
               <a:t>,B</a:t>
             </a:r>
-            <a:endParaRPr lang="en-US" altLang="ja-JP" dirty="0"/>
           </a:p>
         </p:txBody>
       </p:sp>
@@ -6070,15 +6471,11 @@
               <a:rPr kumimoji="1" lang="ja-JP" altLang="en-US" dirty="0"/>
               <a:t>：</a:t>
             </a:r>
-            <a:r>
-              <a:rPr kumimoji="1" lang="en-US" altLang="ja-JP" dirty="0"/>
-              <a:t/>
-            </a:r>
             <a:br>
               <a:rPr kumimoji="1" lang="en-US" altLang="ja-JP" dirty="0"/>
             </a:br>
             <a:r>
-              <a:rPr kumimoji="1" lang="ja-JP" altLang="en-US" dirty="0" smtClean="0"/>
+              <a:rPr kumimoji="1" lang="ja-JP" altLang="en-US" dirty="0"/>
               <a:t>肥料</a:t>
             </a:r>
             <a:endParaRPr kumimoji="1" lang="en-US" altLang="ja-JP" dirty="0"/>
@@ -6091,22 +6488,18 @@
             <a:pPr algn="ctr"/>
             <a:r>
               <a:rPr kumimoji="1" lang="ja-JP" altLang="en-US" dirty="0"/>
-              <a:t>水準</a:t>
-            </a:r>
-            <a:r>
-              <a:rPr kumimoji="1" lang="ja-JP" altLang="en-US" dirty="0" smtClean="0"/>
-              <a:t>：</a:t>
-            </a:r>
-            <a:r>
-              <a:rPr kumimoji="1" lang="en-US" altLang="ja-JP" dirty="0" smtClean="0"/>
+              <a:t>水準：</a:t>
+            </a:r>
+            <a:r>
+              <a:rPr kumimoji="1" lang="en-US" altLang="ja-JP" dirty="0"/>
               <a:t>X,</a:t>
             </a:r>
             <a:r>
-              <a:rPr kumimoji="1" lang="ja-JP" altLang="en-US" dirty="0" smtClean="0"/>
+              <a:rPr kumimoji="1" lang="ja-JP" altLang="en-US" dirty="0"/>
               <a:t> </a:t>
             </a:r>
             <a:r>
-              <a:rPr kumimoji="1" lang="en-US" altLang="ja-JP" dirty="0" smtClean="0"/>
+              <a:rPr kumimoji="1" lang="en-US" altLang="ja-JP" dirty="0"/>
               <a:t>Y</a:t>
             </a:r>
             <a:endParaRPr lang="en-US" altLang="ja-JP" dirty="0"/>
@@ -6239,15 +6632,15 @@
           <a:p>
             <a:pPr algn="ctr"/>
             <a:r>
-              <a:rPr kumimoji="1" lang="ja-JP" altLang="en-US" dirty="0" smtClean="0"/>
+              <a:rPr kumimoji="1" lang="ja-JP" altLang="en-US" dirty="0"/>
               <a:t>収穫量</a:t>
             </a:r>
-            <a:endParaRPr kumimoji="1" lang="en-US" altLang="ja-JP" dirty="0" smtClean="0"/>
+            <a:endParaRPr kumimoji="1" lang="en-US" altLang="ja-JP" dirty="0"/>
           </a:p>
           <a:p>
             <a:pPr algn="ctr"/>
             <a:r>
-              <a:rPr lang="ja-JP" altLang="en-US" dirty="0" smtClean="0"/>
+              <a:rPr lang="ja-JP" altLang="en-US" dirty="0"/>
               <a:t>（連続変数）</a:t>
             </a:r>
             <a:endParaRPr kumimoji="1" lang="ja-JP" altLang="en-US" dirty="0"/>
@@ -6308,18 +6701,14 @@
               <a:rPr kumimoji="1" lang="ja-JP" altLang="en-US" dirty="0"/>
               <a:t>：</a:t>
             </a:r>
-            <a:r>
-              <a:rPr kumimoji="1" lang="en-US" altLang="ja-JP" dirty="0"/>
-              <a:t/>
-            </a:r>
             <a:br>
               <a:rPr kumimoji="1" lang="en-US" altLang="ja-JP" dirty="0"/>
             </a:br>
             <a:r>
-              <a:rPr kumimoji="1" lang="ja-JP" altLang="en-US" dirty="0" smtClean="0"/>
+              <a:rPr kumimoji="1" lang="ja-JP" altLang="en-US" dirty="0"/>
               <a:t>小麦品種</a:t>
             </a:r>
-            <a:endParaRPr kumimoji="1" lang="en-US" altLang="ja-JP" dirty="0" smtClean="0"/>
+            <a:endParaRPr kumimoji="1" lang="en-US" altLang="ja-JP" dirty="0"/>
           </a:p>
           <a:p>
             <a:pPr algn="ctr"/>
@@ -6332,14 +6721,13 @@
               <a:t>水準：</a:t>
             </a:r>
             <a:r>
-              <a:rPr kumimoji="1" lang="en-US" altLang="ja-JP" dirty="0" smtClean="0"/>
+              <a:rPr kumimoji="1" lang="en-US" altLang="ja-JP" dirty="0"/>
               <a:t>A</a:t>
             </a:r>
             <a:r>
-              <a:rPr lang="en-US" altLang="ja-JP" dirty="0" smtClean="0"/>
+              <a:rPr lang="en-US" altLang="ja-JP" dirty="0"/>
               <a:t>,B</a:t>
             </a:r>
-            <a:endParaRPr lang="en-US" altLang="ja-JP" dirty="0"/>
           </a:p>
         </p:txBody>
       </p:sp>
@@ -6442,15 +6830,11 @@
               <a:rPr kumimoji="1" lang="ja-JP" altLang="en-US" dirty="0"/>
               <a:t>：</a:t>
             </a:r>
-            <a:r>
-              <a:rPr kumimoji="1" lang="en-US" altLang="ja-JP" dirty="0"/>
-              <a:t/>
-            </a:r>
             <a:br>
               <a:rPr kumimoji="1" lang="en-US" altLang="ja-JP" dirty="0"/>
             </a:br>
             <a:r>
-              <a:rPr kumimoji="1" lang="ja-JP" altLang="en-US" dirty="0" smtClean="0"/>
+              <a:rPr kumimoji="1" lang="ja-JP" altLang="en-US" dirty="0"/>
               <a:t>肥料</a:t>
             </a:r>
             <a:endParaRPr kumimoji="1" lang="en-US" altLang="ja-JP" dirty="0"/>
@@ -6463,22 +6847,18 @@
             <a:pPr algn="ctr"/>
             <a:r>
               <a:rPr kumimoji="1" lang="ja-JP" altLang="en-US" dirty="0"/>
-              <a:t>水準</a:t>
-            </a:r>
-            <a:r>
-              <a:rPr kumimoji="1" lang="ja-JP" altLang="en-US" dirty="0" smtClean="0"/>
-              <a:t>：</a:t>
-            </a:r>
-            <a:r>
-              <a:rPr kumimoji="1" lang="en-US" altLang="ja-JP" dirty="0" smtClean="0"/>
+              <a:t>水準：</a:t>
+            </a:r>
+            <a:r>
+              <a:rPr kumimoji="1" lang="en-US" altLang="ja-JP" dirty="0"/>
               <a:t>X,</a:t>
             </a:r>
             <a:r>
-              <a:rPr kumimoji="1" lang="ja-JP" altLang="en-US" dirty="0" smtClean="0"/>
+              <a:rPr kumimoji="1" lang="ja-JP" altLang="en-US" dirty="0"/>
               <a:t> </a:t>
             </a:r>
             <a:r>
-              <a:rPr kumimoji="1" lang="en-US" altLang="ja-JP" dirty="0" smtClean="0"/>
+              <a:rPr kumimoji="1" lang="en-US" altLang="ja-JP" dirty="0"/>
               <a:t>Y</a:t>
             </a:r>
             <a:endParaRPr lang="en-US" altLang="ja-JP" dirty="0"/>
@@ -6850,15 +7230,15 @@
           <a:p>
             <a:pPr algn="ctr"/>
             <a:r>
-              <a:rPr kumimoji="1" lang="ja-JP" altLang="en-US" dirty="0" smtClean="0"/>
+              <a:rPr kumimoji="1" lang="ja-JP" altLang="en-US" dirty="0"/>
               <a:t>収穫量</a:t>
             </a:r>
-            <a:endParaRPr kumimoji="1" lang="en-US" altLang="ja-JP" dirty="0" smtClean="0"/>
+            <a:endParaRPr kumimoji="1" lang="en-US" altLang="ja-JP" dirty="0"/>
           </a:p>
           <a:p>
             <a:pPr algn="ctr"/>
             <a:r>
-              <a:rPr lang="ja-JP" altLang="en-US" dirty="0" smtClean="0"/>
+              <a:rPr lang="ja-JP" altLang="en-US" dirty="0"/>
               <a:t>（連続変数）</a:t>
             </a:r>
             <a:endParaRPr kumimoji="1" lang="ja-JP" altLang="en-US" dirty="0"/>
@@ -6919,15 +7299,11 @@
               <a:rPr kumimoji="1" lang="ja-JP" altLang="en-US" dirty="0"/>
               <a:t>：</a:t>
             </a:r>
-            <a:r>
-              <a:rPr kumimoji="1" lang="en-US" altLang="ja-JP" dirty="0"/>
-              <a:t/>
-            </a:r>
             <a:br>
               <a:rPr kumimoji="1" lang="en-US" altLang="ja-JP" dirty="0"/>
             </a:br>
             <a:r>
-              <a:rPr kumimoji="1" lang="ja-JP" altLang="en-US" dirty="0" smtClean="0"/>
+              <a:rPr kumimoji="1" lang="ja-JP" altLang="en-US" dirty="0"/>
               <a:t>肥料</a:t>
             </a:r>
             <a:endParaRPr kumimoji="1" lang="en-US" altLang="ja-JP" dirty="0"/>
@@ -6940,22 +7316,18 @@
             <a:pPr algn="ctr"/>
             <a:r>
               <a:rPr kumimoji="1" lang="ja-JP" altLang="en-US" dirty="0"/>
-              <a:t>水準</a:t>
-            </a:r>
-            <a:r>
-              <a:rPr kumimoji="1" lang="ja-JP" altLang="en-US" dirty="0" smtClean="0"/>
-              <a:t>：</a:t>
-            </a:r>
-            <a:r>
-              <a:rPr kumimoji="1" lang="en-US" altLang="ja-JP" dirty="0" smtClean="0"/>
+              <a:t>水準：</a:t>
+            </a:r>
+            <a:r>
+              <a:rPr kumimoji="1" lang="en-US" altLang="ja-JP" dirty="0"/>
               <a:t>X,</a:t>
             </a:r>
             <a:r>
-              <a:rPr kumimoji="1" lang="ja-JP" altLang="en-US" dirty="0" smtClean="0"/>
+              <a:rPr kumimoji="1" lang="ja-JP" altLang="en-US" dirty="0"/>
               <a:t> </a:t>
             </a:r>
             <a:r>
-              <a:rPr kumimoji="1" lang="en-US" altLang="ja-JP" dirty="0" smtClean="0"/>
+              <a:rPr kumimoji="1" lang="en-US" altLang="ja-JP" dirty="0"/>
               <a:t>Y</a:t>
             </a:r>
             <a:endParaRPr lang="en-US" altLang="ja-JP" dirty="0"/>
@@ -7013,15 +7385,15 @@
           <a:p>
             <a:pPr algn="ctr"/>
             <a:r>
-              <a:rPr kumimoji="1" lang="ja-JP" altLang="en-US" dirty="0" smtClean="0"/>
+              <a:rPr kumimoji="1" lang="ja-JP" altLang="en-US" dirty="0"/>
               <a:t>収穫量</a:t>
             </a:r>
-            <a:endParaRPr kumimoji="1" lang="en-US" altLang="ja-JP" dirty="0" smtClean="0"/>
+            <a:endParaRPr kumimoji="1" lang="en-US" altLang="ja-JP" dirty="0"/>
           </a:p>
           <a:p>
             <a:pPr algn="ctr"/>
             <a:r>
-              <a:rPr lang="ja-JP" altLang="en-US" dirty="0" smtClean="0"/>
+              <a:rPr lang="ja-JP" altLang="en-US" dirty="0"/>
               <a:t>（連続変数）</a:t>
             </a:r>
             <a:endParaRPr kumimoji="1" lang="ja-JP" altLang="en-US" dirty="0"/>
@@ -7082,15 +7454,11 @@
               <a:rPr kumimoji="1" lang="ja-JP" altLang="en-US" dirty="0"/>
               <a:t>：</a:t>
             </a:r>
-            <a:r>
-              <a:rPr kumimoji="1" lang="en-US" altLang="ja-JP" dirty="0"/>
-              <a:t/>
-            </a:r>
             <a:br>
               <a:rPr kumimoji="1" lang="en-US" altLang="ja-JP" dirty="0"/>
             </a:br>
             <a:r>
-              <a:rPr kumimoji="1" lang="ja-JP" altLang="en-US" dirty="0" smtClean="0"/>
+              <a:rPr kumimoji="1" lang="ja-JP" altLang="en-US" dirty="0"/>
               <a:t>肥料</a:t>
             </a:r>
             <a:endParaRPr kumimoji="1" lang="en-US" altLang="ja-JP" dirty="0"/>
@@ -7103,22 +7471,18 @@
             <a:pPr algn="ctr"/>
             <a:r>
               <a:rPr kumimoji="1" lang="ja-JP" altLang="en-US" dirty="0"/>
-              <a:t>水準</a:t>
-            </a:r>
-            <a:r>
-              <a:rPr kumimoji="1" lang="ja-JP" altLang="en-US" dirty="0" smtClean="0"/>
-              <a:t>：</a:t>
-            </a:r>
-            <a:r>
-              <a:rPr kumimoji="1" lang="en-US" altLang="ja-JP" dirty="0" smtClean="0"/>
+              <a:t>水準：</a:t>
+            </a:r>
+            <a:r>
+              <a:rPr kumimoji="1" lang="en-US" altLang="ja-JP" dirty="0"/>
               <a:t>X,</a:t>
             </a:r>
             <a:r>
-              <a:rPr kumimoji="1" lang="ja-JP" altLang="en-US" dirty="0" smtClean="0"/>
+              <a:rPr kumimoji="1" lang="ja-JP" altLang="en-US" dirty="0"/>
               <a:t> </a:t>
             </a:r>
             <a:r>
-              <a:rPr kumimoji="1" lang="en-US" altLang="ja-JP" dirty="0" smtClean="0"/>
+              <a:rPr kumimoji="1" lang="en-US" altLang="ja-JP" dirty="0"/>
               <a:t>Y</a:t>
             </a:r>
             <a:endParaRPr lang="en-US" altLang="ja-JP" dirty="0"/>
@@ -7148,11 +7512,11 @@
           <a:lstStyle/>
           <a:p>
             <a:r>
-              <a:rPr kumimoji="1" lang="ja-JP" altLang="en-US" dirty="0" smtClean="0"/>
+              <a:rPr kumimoji="1" lang="ja-JP" altLang="en-US" dirty="0"/>
               <a:t>品種：</a:t>
             </a:r>
             <a:r>
-              <a:rPr kumimoji="1" lang="en-US" altLang="ja-JP" dirty="0" smtClean="0"/>
+              <a:rPr kumimoji="1" lang="en-US" altLang="ja-JP" dirty="0"/>
               <a:t>B</a:t>
             </a:r>
             <a:endParaRPr kumimoji="1" lang="ja-JP" altLang="en-US" dirty="0"/>
@@ -7182,11 +7546,11 @@
           <a:lstStyle/>
           <a:p>
             <a:r>
-              <a:rPr kumimoji="1" lang="ja-JP" altLang="en-US" dirty="0" smtClean="0"/>
+              <a:rPr kumimoji="1" lang="ja-JP" altLang="en-US" dirty="0"/>
               <a:t>品種：</a:t>
             </a:r>
             <a:r>
-              <a:rPr kumimoji="1" lang="en-US" altLang="ja-JP" dirty="0" smtClean="0"/>
+              <a:rPr kumimoji="1" lang="en-US" altLang="ja-JP" dirty="0"/>
               <a:t>A</a:t>
             </a:r>
             <a:endParaRPr kumimoji="1" lang="ja-JP" altLang="en-US" dirty="0"/>
@@ -7364,15 +7728,15 @@
           <a:p>
             <a:pPr algn="ctr"/>
             <a:r>
-              <a:rPr kumimoji="1" lang="ja-JP" altLang="en-US" dirty="0" smtClean="0"/>
+              <a:rPr kumimoji="1" lang="ja-JP" altLang="en-US" dirty="0"/>
               <a:t>収穫量</a:t>
             </a:r>
-            <a:endParaRPr kumimoji="1" lang="en-US" altLang="ja-JP" dirty="0" smtClean="0"/>
+            <a:endParaRPr kumimoji="1" lang="en-US" altLang="ja-JP" dirty="0"/>
           </a:p>
           <a:p>
             <a:pPr algn="ctr"/>
             <a:r>
-              <a:rPr lang="ja-JP" altLang="en-US" dirty="0" smtClean="0"/>
+              <a:rPr lang="ja-JP" altLang="en-US" dirty="0"/>
               <a:t>（連続変数）</a:t>
             </a:r>
             <a:endParaRPr kumimoji="1" lang="ja-JP" altLang="en-US" dirty="0"/>
@@ -7433,10 +7797,6 @@
               <a:rPr lang="ja-JP" altLang="en-US" dirty="0"/>
               <a:t>：</a:t>
             </a:r>
-            <a:r>
-              <a:rPr lang="en-US" altLang="ja-JP" dirty="0"/>
-              <a:t/>
-            </a:r>
             <a:br>
               <a:rPr lang="en-US" altLang="ja-JP" dirty="0"/>
             </a:br>
@@ -7514,15 +7874,15 @@
           <a:p>
             <a:pPr algn="ctr"/>
             <a:r>
-              <a:rPr kumimoji="1" lang="ja-JP" altLang="en-US" dirty="0" smtClean="0"/>
+              <a:rPr kumimoji="1" lang="ja-JP" altLang="en-US" dirty="0"/>
               <a:t>収穫量</a:t>
             </a:r>
-            <a:endParaRPr kumimoji="1" lang="en-US" altLang="ja-JP" dirty="0" smtClean="0"/>
+            <a:endParaRPr kumimoji="1" lang="en-US" altLang="ja-JP" dirty="0"/>
           </a:p>
           <a:p>
             <a:pPr algn="ctr"/>
             <a:r>
-              <a:rPr lang="ja-JP" altLang="en-US" dirty="0" smtClean="0"/>
+              <a:rPr lang="ja-JP" altLang="en-US" dirty="0"/>
               <a:t>（連続変数）</a:t>
             </a:r>
             <a:endParaRPr kumimoji="1" lang="ja-JP" altLang="en-US" dirty="0"/>
@@ -7583,10 +7943,6 @@
               <a:rPr lang="ja-JP" altLang="en-US" dirty="0"/>
               <a:t>：</a:t>
             </a:r>
-            <a:r>
-              <a:rPr lang="en-US" altLang="ja-JP" dirty="0"/>
-              <a:t/>
-            </a:r>
             <a:br>
               <a:rPr lang="en-US" altLang="ja-JP" dirty="0"/>
             </a:br>
@@ -7636,11 +7992,11 @@
           <a:lstStyle/>
           <a:p>
             <a:r>
-              <a:rPr kumimoji="1" lang="ja-JP" altLang="en-US" dirty="0" smtClean="0"/>
+              <a:rPr kumimoji="1" lang="ja-JP" altLang="en-US" dirty="0"/>
               <a:t>肥料：</a:t>
             </a:r>
             <a:r>
-              <a:rPr kumimoji="1" lang="en-US" altLang="ja-JP" dirty="0" smtClean="0"/>
+              <a:rPr kumimoji="1" lang="en-US" altLang="ja-JP" dirty="0"/>
               <a:t>Y</a:t>
             </a:r>
             <a:endParaRPr kumimoji="1" lang="ja-JP" altLang="en-US" dirty="0"/>
@@ -7670,11 +8026,11 @@
           <a:lstStyle/>
           <a:p>
             <a:r>
-              <a:rPr kumimoji="1" lang="ja-JP" altLang="en-US" dirty="0" smtClean="0"/>
+              <a:rPr kumimoji="1" lang="ja-JP" altLang="en-US" dirty="0"/>
               <a:t>肥料：</a:t>
             </a:r>
             <a:r>
-              <a:rPr kumimoji="1" lang="en-US" altLang="ja-JP" dirty="0" smtClean="0"/>
+              <a:rPr kumimoji="1" lang="en-US" altLang="ja-JP" dirty="0"/>
               <a:t>X</a:t>
             </a:r>
             <a:endParaRPr kumimoji="1" lang="ja-JP" altLang="en-US" dirty="0"/>

--- a/Img/AnovaModeling.pptx
+++ b/Img/AnovaModeling.pptx
@@ -21,6 +21,8 @@
     <p:sldId id="269" r:id="rId15"/>
     <p:sldId id="270" r:id="rId16"/>
     <p:sldId id="271" r:id="rId17"/>
+    <p:sldId id="272" r:id="rId18"/>
+    <p:sldId id="273" r:id="rId19"/>
   </p:sldIdLst>
   <p:sldSz cx="12192000" cy="6858000"/>
   <p:notesSz cx="6858000" cy="9144000"/>
@@ -496,7 +498,7 @@
           <a:p>
             <a:fld id="{E3020441-CB21-445C-817D-199401EC5197}" type="datetimeFigureOut">
               <a:rPr kumimoji="1" lang="ja-JP" altLang="en-US" smtClean="0"/>
-              <a:t>2024/10/1</a:t>
+              <a:t>2024/10/5</a:t>
             </a:fld>
             <a:endParaRPr kumimoji="1" lang="ja-JP" altLang="en-US"/>
           </a:p>
@@ -726,7 +728,7 @@
           <a:p>
             <a:fld id="{E3020441-CB21-445C-817D-199401EC5197}" type="datetimeFigureOut">
               <a:rPr kumimoji="1" lang="ja-JP" altLang="en-US" smtClean="0"/>
-              <a:t>2024/10/1</a:t>
+              <a:t>2024/10/5</a:t>
             </a:fld>
             <a:endParaRPr kumimoji="1" lang="ja-JP" altLang="en-US"/>
           </a:p>
@@ -966,7 +968,7 @@
           <a:p>
             <a:fld id="{E3020441-CB21-445C-817D-199401EC5197}" type="datetimeFigureOut">
               <a:rPr kumimoji="1" lang="ja-JP" altLang="en-US" smtClean="0"/>
-              <a:t>2024/10/1</a:t>
+              <a:t>2024/10/5</a:t>
             </a:fld>
             <a:endParaRPr kumimoji="1" lang="ja-JP" altLang="en-US"/>
           </a:p>
@@ -1196,7 +1198,7 @@
           <a:p>
             <a:fld id="{E3020441-CB21-445C-817D-199401EC5197}" type="datetimeFigureOut">
               <a:rPr kumimoji="1" lang="ja-JP" altLang="en-US" smtClean="0"/>
-              <a:t>2024/10/1</a:t>
+              <a:t>2024/10/5</a:t>
             </a:fld>
             <a:endParaRPr kumimoji="1" lang="ja-JP" altLang="en-US"/>
           </a:p>
@@ -1471,7 +1473,7 @@
           <a:p>
             <a:fld id="{E3020441-CB21-445C-817D-199401EC5197}" type="datetimeFigureOut">
               <a:rPr kumimoji="1" lang="ja-JP" altLang="en-US" smtClean="0"/>
-              <a:t>2024/10/1</a:t>
+              <a:t>2024/10/5</a:t>
             </a:fld>
             <a:endParaRPr kumimoji="1" lang="ja-JP" altLang="en-US"/>
           </a:p>
@@ -1800,7 +1802,7 @@
           <a:p>
             <a:fld id="{E3020441-CB21-445C-817D-199401EC5197}" type="datetimeFigureOut">
               <a:rPr kumimoji="1" lang="ja-JP" altLang="en-US" smtClean="0"/>
-              <a:t>2024/10/1</a:t>
+              <a:t>2024/10/5</a:t>
             </a:fld>
             <a:endParaRPr kumimoji="1" lang="ja-JP" altLang="en-US"/>
           </a:p>
@@ -2276,7 +2278,7 @@
           <a:p>
             <a:fld id="{E3020441-CB21-445C-817D-199401EC5197}" type="datetimeFigureOut">
               <a:rPr kumimoji="1" lang="ja-JP" altLang="en-US" smtClean="0"/>
-              <a:t>2024/10/1</a:t>
+              <a:t>2024/10/5</a:t>
             </a:fld>
             <a:endParaRPr kumimoji="1" lang="ja-JP" altLang="en-US"/>
           </a:p>
@@ -2417,7 +2419,7 @@
           <a:p>
             <a:fld id="{E3020441-CB21-445C-817D-199401EC5197}" type="datetimeFigureOut">
               <a:rPr kumimoji="1" lang="ja-JP" altLang="en-US" smtClean="0"/>
-              <a:t>2024/10/1</a:t>
+              <a:t>2024/10/5</a:t>
             </a:fld>
             <a:endParaRPr kumimoji="1" lang="ja-JP" altLang="en-US"/>
           </a:p>
@@ -2530,7 +2532,7 @@
           <a:p>
             <a:fld id="{E3020441-CB21-445C-817D-199401EC5197}" type="datetimeFigureOut">
               <a:rPr kumimoji="1" lang="ja-JP" altLang="en-US" smtClean="0"/>
-              <a:t>2024/10/1</a:t>
+              <a:t>2024/10/5</a:t>
             </a:fld>
             <a:endParaRPr kumimoji="1" lang="ja-JP" altLang="en-US"/>
           </a:p>
@@ -2873,7 +2875,7 @@
           <a:p>
             <a:fld id="{E3020441-CB21-445C-817D-199401EC5197}" type="datetimeFigureOut">
               <a:rPr kumimoji="1" lang="ja-JP" altLang="en-US" smtClean="0"/>
-              <a:t>2024/10/1</a:t>
+              <a:t>2024/10/5</a:t>
             </a:fld>
             <a:endParaRPr kumimoji="1" lang="ja-JP" altLang="en-US"/>
           </a:p>
@@ -3161,7 +3163,7 @@
           <a:p>
             <a:fld id="{E3020441-CB21-445C-817D-199401EC5197}" type="datetimeFigureOut">
               <a:rPr kumimoji="1" lang="ja-JP" altLang="en-US" smtClean="0"/>
-              <a:t>2024/10/1</a:t>
+              <a:t>2024/10/5</a:t>
             </a:fld>
             <a:endParaRPr kumimoji="1" lang="ja-JP" altLang="en-US"/>
           </a:p>
@@ -3434,7 +3436,7 @@
           <a:p>
             <a:fld id="{E3020441-CB21-445C-817D-199401EC5197}" type="datetimeFigureOut">
               <a:rPr kumimoji="1" lang="ja-JP" altLang="en-US" smtClean="0"/>
-              <a:t>2024/10/1</a:t>
+              <a:t>2024/10/5</a:t>
             </a:fld>
             <a:endParaRPr kumimoji="1" lang="ja-JP" altLang="en-US"/>
           </a:p>
@@ -4101,6 +4103,10 @@
               <a:rPr kumimoji="1" lang="ja-JP" altLang="en-US" dirty="0"/>
               <a:t>：</a:t>
             </a:r>
+            <a:r>
+              <a:rPr kumimoji="1" lang="en-US" altLang="ja-JP" dirty="0"/>
+              <a:t/>
+            </a:r>
             <a:br>
               <a:rPr kumimoji="1" lang="en-US" altLang="ja-JP" dirty="0"/>
             </a:br>
@@ -4228,6 +4234,10 @@
               <a:rPr kumimoji="1" lang="ja-JP" altLang="en-US" dirty="0"/>
               <a:t>：</a:t>
             </a:r>
+            <a:r>
+              <a:rPr kumimoji="1" lang="en-US" altLang="ja-JP" dirty="0"/>
+              <a:t/>
+            </a:r>
             <a:br>
               <a:rPr kumimoji="1" lang="en-US" altLang="ja-JP" dirty="0"/>
             </a:br>
@@ -4356,6 +4366,10 @@
             <a:r>
               <a:rPr kumimoji="1" lang="ja-JP" altLang="en-US" dirty="0"/>
               <a:t>：</a:t>
+            </a:r>
+            <a:r>
+              <a:rPr kumimoji="1" lang="en-US" altLang="ja-JP" dirty="0"/>
+              <a:t/>
             </a:r>
             <a:br>
               <a:rPr kumimoji="1" lang="en-US" altLang="ja-JP" dirty="0"/>
@@ -5188,6 +5202,428 @@
     <p:extLst>
       <p:ext uri="{BB962C8B-B14F-4D97-AF65-F5344CB8AC3E}">
         <p14:creationId xmlns:p14="http://schemas.microsoft.com/office/powerpoint/2010/main" val="3867585930"/>
+      </p:ext>
+    </p:extLst>
+  </p:cSld>
+  <p:clrMapOvr>
+    <a:masterClrMapping/>
+  </p:clrMapOvr>
+</p:sld>
+</file>
+
+<file path=ppt/slides/slide17.xml><?xml version="1.0" encoding="utf-8"?>
+<p:sld xmlns:a="http://schemas.openxmlformats.org/drawingml/2006/main" xmlns:r="http://schemas.openxmlformats.org/officeDocument/2006/relationships" xmlns:p="http://schemas.openxmlformats.org/presentationml/2006/main">
+  <p:cSld>
+    <p:spTree>
+      <p:nvGrpSpPr>
+        <p:cNvPr id="1" name=""/>
+        <p:cNvGrpSpPr/>
+        <p:nvPr/>
+      </p:nvGrpSpPr>
+      <p:grpSpPr>
+        <a:xfrm>
+          <a:off x="0" y="0"/>
+          <a:ext cx="0" cy="0"/>
+          <a:chOff x="0" y="0"/>
+          <a:chExt cx="0" cy="0"/>
+        </a:xfrm>
+      </p:grpSpPr>
+      <p:sp>
+        <p:nvSpPr>
+          <p:cNvPr id="2" name="タイトル 1"/>
+          <p:cNvSpPr>
+            <a:spLocks noGrp="1"/>
+          </p:cNvSpPr>
+          <p:nvPr>
+            <p:ph type="title"/>
+          </p:nvPr>
+        </p:nvSpPr>
+        <p:spPr/>
+        <p:txBody>
+          <a:bodyPr/>
+          <a:lstStyle/>
+          <a:p>
+            <a:endParaRPr kumimoji="1" lang="ja-JP" altLang="en-US" dirty="0"/>
+          </a:p>
+        </p:txBody>
+      </p:sp>
+      <p:pic>
+        <p:nvPicPr>
+          <p:cNvPr id="4" name="コンテンツ プレースホルダー 3"/>
+          <p:cNvPicPr>
+            <a:picLocks noGrp="1" noChangeAspect="1"/>
+          </p:cNvPicPr>
+          <p:nvPr>
+            <p:ph idx="1"/>
+          </p:nvPr>
+        </p:nvPicPr>
+        <p:blipFill>
+          <a:blip r:embed="rId2"/>
+          <a:stretch>
+            <a:fillRect/>
+          </a:stretch>
+        </p:blipFill>
+        <p:spPr>
+          <a:xfrm>
+            <a:off x="6476803" y="103508"/>
+            <a:ext cx="4541914" cy="2828789"/>
+          </a:xfrm>
+          <a:prstGeom prst="rect">
+            <a:avLst/>
+          </a:prstGeom>
+        </p:spPr>
+      </p:pic>
+      <p:pic>
+        <p:nvPicPr>
+          <p:cNvPr id="6" name="図 5"/>
+          <p:cNvPicPr>
+            <a:picLocks noChangeAspect="1"/>
+          </p:cNvPicPr>
+          <p:nvPr/>
+        </p:nvPicPr>
+        <p:blipFill>
+          <a:blip r:embed="rId3"/>
+          <a:stretch>
+            <a:fillRect/>
+          </a:stretch>
+        </p:blipFill>
+        <p:spPr>
+          <a:xfrm>
+            <a:off x="6476803" y="3428999"/>
+            <a:ext cx="4541914" cy="2828789"/>
+          </a:xfrm>
+          <a:prstGeom prst="rect">
+            <a:avLst/>
+          </a:prstGeom>
+        </p:spPr>
+      </p:pic>
+      <p:pic>
+        <p:nvPicPr>
+          <p:cNvPr id="7" name="図 6"/>
+          <p:cNvPicPr>
+            <a:picLocks noChangeAspect="1"/>
+          </p:cNvPicPr>
+          <p:nvPr/>
+        </p:nvPicPr>
+        <p:blipFill>
+          <a:blip r:embed="rId4"/>
+          <a:stretch>
+            <a:fillRect/>
+          </a:stretch>
+        </p:blipFill>
+        <p:spPr>
+          <a:xfrm>
+            <a:off x="838200" y="3429000"/>
+            <a:ext cx="4541914" cy="2828789"/>
+          </a:xfrm>
+          <a:prstGeom prst="rect">
+            <a:avLst/>
+          </a:prstGeom>
+        </p:spPr>
+      </p:pic>
+      <p:pic>
+        <p:nvPicPr>
+          <p:cNvPr id="9" name="図 8"/>
+          <p:cNvPicPr>
+            <a:picLocks noChangeAspect="1"/>
+          </p:cNvPicPr>
+          <p:nvPr/>
+        </p:nvPicPr>
+        <p:blipFill>
+          <a:blip r:embed="rId5"/>
+          <a:stretch>
+            <a:fillRect/>
+          </a:stretch>
+        </p:blipFill>
+        <p:spPr>
+          <a:xfrm>
+            <a:off x="838200" y="103508"/>
+            <a:ext cx="4541914" cy="2828789"/>
+          </a:xfrm>
+          <a:prstGeom prst="rect">
+            <a:avLst/>
+          </a:prstGeom>
+        </p:spPr>
+      </p:pic>
+      <p:cxnSp>
+        <p:nvCxnSpPr>
+          <p:cNvPr id="11" name="直線矢印コネクタ 10"/>
+          <p:cNvCxnSpPr>
+            <a:stCxn id="9" idx="3"/>
+            <a:endCxn id="4" idx="1"/>
+          </p:cNvCxnSpPr>
+          <p:nvPr/>
+        </p:nvCxnSpPr>
+        <p:spPr>
+          <a:xfrm>
+            <a:off x="5380114" y="1517903"/>
+            <a:ext cx="1096689" cy="0"/>
+          </a:xfrm>
+          <a:prstGeom prst="straightConnector1">
+            <a:avLst/>
+          </a:prstGeom>
+          <a:ln>
+            <a:tailEnd type="triangle"/>
+          </a:ln>
+        </p:spPr>
+        <p:style>
+          <a:lnRef idx="2">
+            <a:schemeClr val="accent1"/>
+          </a:lnRef>
+          <a:fillRef idx="0">
+            <a:schemeClr val="accent1"/>
+          </a:fillRef>
+          <a:effectRef idx="1">
+            <a:schemeClr val="accent1"/>
+          </a:effectRef>
+          <a:fontRef idx="minor">
+            <a:schemeClr val="tx1"/>
+          </a:fontRef>
+        </p:style>
+      </p:cxnSp>
+      <p:cxnSp>
+        <p:nvCxnSpPr>
+          <p:cNvPr id="13" name="直線矢印コネクタ 12"/>
+          <p:cNvCxnSpPr/>
+          <p:nvPr/>
+        </p:nvCxnSpPr>
+        <p:spPr>
+          <a:xfrm flipH="1">
+            <a:off x="5380114" y="2932297"/>
+            <a:ext cx="1096689" cy="496702"/>
+          </a:xfrm>
+          <a:prstGeom prst="straightConnector1">
+            <a:avLst/>
+          </a:prstGeom>
+          <a:ln>
+            <a:tailEnd type="triangle"/>
+          </a:ln>
+        </p:spPr>
+        <p:style>
+          <a:lnRef idx="2">
+            <a:schemeClr val="accent1"/>
+          </a:lnRef>
+          <a:fillRef idx="0">
+            <a:schemeClr val="accent1"/>
+          </a:fillRef>
+          <a:effectRef idx="1">
+            <a:schemeClr val="accent1"/>
+          </a:effectRef>
+          <a:fontRef idx="minor">
+            <a:schemeClr val="tx1"/>
+          </a:fontRef>
+        </p:style>
+      </p:cxnSp>
+      <p:cxnSp>
+        <p:nvCxnSpPr>
+          <p:cNvPr id="15" name="直線矢印コネクタ 14"/>
+          <p:cNvCxnSpPr>
+            <a:stCxn id="4" idx="2"/>
+            <a:endCxn id="6" idx="0"/>
+          </p:cNvCxnSpPr>
+          <p:nvPr/>
+        </p:nvCxnSpPr>
+        <p:spPr>
+          <a:xfrm>
+            <a:off x="8747760" y="2932297"/>
+            <a:ext cx="0" cy="496702"/>
+          </a:xfrm>
+          <a:prstGeom prst="straightConnector1">
+            <a:avLst/>
+          </a:prstGeom>
+          <a:ln>
+            <a:tailEnd type="triangle"/>
+          </a:ln>
+        </p:spPr>
+        <p:style>
+          <a:lnRef idx="2">
+            <a:schemeClr val="accent1"/>
+          </a:lnRef>
+          <a:fillRef idx="0">
+            <a:schemeClr val="accent1"/>
+          </a:fillRef>
+          <a:effectRef idx="1">
+            <a:schemeClr val="accent1"/>
+          </a:effectRef>
+          <a:fontRef idx="minor">
+            <a:schemeClr val="tx1"/>
+          </a:fontRef>
+        </p:style>
+      </p:cxnSp>
+      <p:sp>
+        <p:nvSpPr>
+          <p:cNvPr id="21" name="テキスト ボックス 20"/>
+          <p:cNvSpPr txBox="1"/>
+          <p:nvPr/>
+        </p:nvSpPr>
+        <p:spPr>
+          <a:xfrm>
+            <a:off x="838200" y="176575"/>
+            <a:ext cx="1719072" cy="369332"/>
+          </a:xfrm>
+          <a:prstGeom prst="rect">
+            <a:avLst/>
+          </a:prstGeom>
+          <a:noFill/>
+        </p:spPr>
+        <p:txBody>
+          <a:bodyPr wrap="square" rtlCol="0">
+            <a:spAutoFit/>
+          </a:bodyPr>
+          <a:lstStyle/>
+          <a:p>
+            <a:r>
+              <a:rPr lang="ja-JP" altLang="en-US" dirty="0" smtClean="0"/>
+              <a:t>相関：</a:t>
+            </a:r>
+            <a:r>
+              <a:rPr lang="en-US" altLang="ja-JP" dirty="0" smtClean="0"/>
+              <a:t>0.023</a:t>
+            </a:r>
+            <a:endParaRPr kumimoji="1" lang="ja-JP" altLang="en-US" dirty="0"/>
+          </a:p>
+        </p:txBody>
+      </p:sp>
+      <p:sp>
+        <p:nvSpPr>
+          <p:cNvPr id="22" name="テキスト ボックス 21"/>
+          <p:cNvSpPr txBox="1"/>
+          <p:nvPr/>
+        </p:nvSpPr>
+        <p:spPr>
+          <a:xfrm>
+            <a:off x="838200" y="3641797"/>
+            <a:ext cx="1719072" cy="369332"/>
+          </a:xfrm>
+          <a:prstGeom prst="rect">
+            <a:avLst/>
+          </a:prstGeom>
+          <a:noFill/>
+        </p:spPr>
+        <p:txBody>
+          <a:bodyPr wrap="square" rtlCol="0">
+            <a:spAutoFit/>
+          </a:bodyPr>
+          <a:lstStyle/>
+          <a:p>
+            <a:r>
+              <a:rPr lang="ja-JP" altLang="en-US" dirty="0" smtClean="0"/>
+              <a:t>相関：</a:t>
+            </a:r>
+            <a:r>
+              <a:rPr lang="en-US" altLang="ja-JP" dirty="0" smtClean="0"/>
+              <a:t>0.464</a:t>
+            </a:r>
+            <a:endParaRPr kumimoji="1" lang="ja-JP" altLang="en-US" dirty="0"/>
+          </a:p>
+        </p:txBody>
+      </p:sp>
+      <p:sp>
+        <p:nvSpPr>
+          <p:cNvPr id="23" name="テキスト ボックス 22"/>
+          <p:cNvSpPr txBox="1"/>
+          <p:nvPr/>
+        </p:nvSpPr>
+        <p:spPr>
+          <a:xfrm>
+            <a:off x="6476803" y="3641797"/>
+            <a:ext cx="1719072" cy="369332"/>
+          </a:xfrm>
+          <a:prstGeom prst="rect">
+            <a:avLst/>
+          </a:prstGeom>
+          <a:noFill/>
+        </p:spPr>
+        <p:txBody>
+          <a:bodyPr wrap="square" rtlCol="0">
+            <a:spAutoFit/>
+          </a:bodyPr>
+          <a:lstStyle/>
+          <a:p>
+            <a:r>
+              <a:rPr lang="ja-JP" altLang="en-US" dirty="0" smtClean="0"/>
+              <a:t>相関：</a:t>
+            </a:r>
+            <a:r>
+              <a:rPr lang="en-US" altLang="ja-JP" dirty="0" smtClean="0"/>
+              <a:t>-0.416</a:t>
+            </a:r>
+            <a:endParaRPr kumimoji="1" lang="ja-JP" altLang="en-US" dirty="0"/>
+          </a:p>
+        </p:txBody>
+      </p:sp>
+    </p:spTree>
+    <p:extLst>
+      <p:ext uri="{BB962C8B-B14F-4D97-AF65-F5344CB8AC3E}">
+        <p14:creationId xmlns:p14="http://schemas.microsoft.com/office/powerpoint/2010/main" val="3519960979"/>
+      </p:ext>
+    </p:extLst>
+  </p:cSld>
+  <p:clrMapOvr>
+    <a:masterClrMapping/>
+  </p:clrMapOvr>
+</p:sld>
+</file>
+
+<file path=ppt/slides/slide18.xml><?xml version="1.0" encoding="utf-8"?>
+<p:sld xmlns:a="http://schemas.openxmlformats.org/drawingml/2006/main" xmlns:r="http://schemas.openxmlformats.org/officeDocument/2006/relationships" xmlns:p="http://schemas.openxmlformats.org/presentationml/2006/main">
+  <p:cSld>
+    <p:spTree>
+      <p:nvGrpSpPr>
+        <p:cNvPr id="1" name=""/>
+        <p:cNvGrpSpPr/>
+        <p:nvPr/>
+      </p:nvGrpSpPr>
+      <p:grpSpPr>
+        <a:xfrm>
+          <a:off x="0" y="0"/>
+          <a:ext cx="0" cy="0"/>
+          <a:chOff x="0" y="0"/>
+          <a:chExt cx="0" cy="0"/>
+        </a:xfrm>
+      </p:grpSpPr>
+      <p:sp>
+        <p:nvSpPr>
+          <p:cNvPr id="2" name="タイトル 1"/>
+          <p:cNvSpPr>
+            <a:spLocks noGrp="1"/>
+          </p:cNvSpPr>
+          <p:nvPr>
+            <p:ph type="title"/>
+          </p:nvPr>
+        </p:nvSpPr>
+        <p:spPr/>
+        <p:txBody>
+          <a:bodyPr/>
+          <a:lstStyle/>
+          <a:p>
+            <a:endParaRPr kumimoji="1" lang="ja-JP" altLang="en-US"/>
+          </a:p>
+        </p:txBody>
+      </p:sp>
+      <p:sp>
+        <p:nvSpPr>
+          <p:cNvPr id="3" name="コンテンツ プレースホルダー 2"/>
+          <p:cNvSpPr>
+            <a:spLocks noGrp="1"/>
+          </p:cNvSpPr>
+          <p:nvPr>
+            <p:ph idx="1"/>
+          </p:nvPr>
+        </p:nvSpPr>
+        <p:spPr/>
+        <p:txBody>
+          <a:bodyPr/>
+          <a:lstStyle/>
+          <a:p>
+            <a:endParaRPr kumimoji="1" lang="ja-JP" altLang="en-US"/>
+          </a:p>
+        </p:txBody>
+      </p:sp>
+    </p:spTree>
+    <p:extLst>
+      <p:ext uri="{BB962C8B-B14F-4D97-AF65-F5344CB8AC3E}">
+        <p14:creationId xmlns:p14="http://schemas.microsoft.com/office/powerpoint/2010/main" val="4080195313"/>
       </p:ext>
     </p:extLst>
   </p:cSld>
@@ -5769,6 +6205,10 @@
               <a:rPr kumimoji="1" lang="ja-JP" altLang="en-US" dirty="0"/>
               <a:t>水準：</a:t>
             </a:r>
+            <a:r>
+              <a:rPr kumimoji="1" lang="en-US" altLang="ja-JP" dirty="0"/>
+              <a:t/>
+            </a:r>
             <a:br>
               <a:rPr kumimoji="1" lang="en-US" altLang="ja-JP" dirty="0"/>
             </a:br>
@@ -5783,6 +6223,10 @@
             <a:r>
               <a:rPr kumimoji="1" lang="ja-JP" altLang="en-US" dirty="0"/>
               <a:t>石川</a:t>
+            </a:r>
+            <a:r>
+              <a:rPr kumimoji="1" lang="en-US" altLang="ja-JP" dirty="0"/>
+              <a:t/>
             </a:r>
             <a:br>
               <a:rPr kumimoji="1" lang="en-US" altLang="ja-JP" dirty="0"/>
@@ -5980,6 +6424,10 @@
               <a:rPr kumimoji="1" lang="ja-JP" altLang="en-US" dirty="0"/>
               <a:t>：</a:t>
             </a:r>
+            <a:r>
+              <a:rPr kumimoji="1" lang="en-US" altLang="ja-JP" dirty="0"/>
+              <a:t/>
+            </a:r>
             <a:br>
               <a:rPr kumimoji="1" lang="en-US" altLang="ja-JP" dirty="0"/>
             </a:br>
@@ -6108,6 +6556,10 @@
             <a:r>
               <a:rPr kumimoji="1" lang="ja-JP" altLang="en-US" dirty="0"/>
               <a:t>：</a:t>
+            </a:r>
+            <a:r>
+              <a:rPr kumimoji="1" lang="en-US" altLang="ja-JP" dirty="0"/>
+              <a:t/>
             </a:r>
             <a:br>
               <a:rPr kumimoji="1" lang="en-US" altLang="ja-JP" dirty="0"/>
@@ -6342,6 +6794,10 @@
               <a:rPr kumimoji="1" lang="ja-JP" altLang="en-US" dirty="0"/>
               <a:t>：</a:t>
             </a:r>
+            <a:r>
+              <a:rPr kumimoji="1" lang="en-US" altLang="ja-JP" dirty="0"/>
+              <a:t/>
+            </a:r>
             <a:br>
               <a:rPr kumimoji="1" lang="en-US" altLang="ja-JP" dirty="0"/>
             </a:br>
@@ -6470,6 +6926,10 @@
             <a:r>
               <a:rPr kumimoji="1" lang="ja-JP" altLang="en-US" dirty="0"/>
               <a:t>：</a:t>
+            </a:r>
+            <a:r>
+              <a:rPr kumimoji="1" lang="en-US" altLang="ja-JP" dirty="0"/>
+              <a:t/>
             </a:r>
             <a:br>
               <a:rPr kumimoji="1" lang="en-US" altLang="ja-JP" dirty="0"/>
@@ -6701,6 +7161,10 @@
               <a:rPr kumimoji="1" lang="ja-JP" altLang="en-US" dirty="0"/>
               <a:t>：</a:t>
             </a:r>
+            <a:r>
+              <a:rPr kumimoji="1" lang="en-US" altLang="ja-JP" dirty="0"/>
+              <a:t/>
+            </a:r>
             <a:br>
               <a:rPr kumimoji="1" lang="en-US" altLang="ja-JP" dirty="0"/>
             </a:br>
@@ -6829,6 +7293,10 @@
             <a:r>
               <a:rPr kumimoji="1" lang="ja-JP" altLang="en-US" dirty="0"/>
               <a:t>：</a:t>
+            </a:r>
+            <a:r>
+              <a:rPr kumimoji="1" lang="en-US" altLang="ja-JP" dirty="0"/>
+              <a:t/>
             </a:r>
             <a:br>
               <a:rPr kumimoji="1" lang="en-US" altLang="ja-JP" dirty="0"/>
@@ -7299,6 +7767,10 @@
               <a:rPr kumimoji="1" lang="ja-JP" altLang="en-US" dirty="0"/>
               <a:t>：</a:t>
             </a:r>
+            <a:r>
+              <a:rPr kumimoji="1" lang="en-US" altLang="ja-JP" dirty="0"/>
+              <a:t/>
+            </a:r>
             <a:br>
               <a:rPr kumimoji="1" lang="en-US" altLang="ja-JP" dirty="0"/>
             </a:br>
@@ -7453,6 +7925,10 @@
             <a:r>
               <a:rPr kumimoji="1" lang="ja-JP" altLang="en-US" dirty="0"/>
               <a:t>：</a:t>
+            </a:r>
+            <a:r>
+              <a:rPr kumimoji="1" lang="en-US" altLang="ja-JP" dirty="0"/>
+              <a:t/>
             </a:r>
             <a:br>
               <a:rPr kumimoji="1" lang="en-US" altLang="ja-JP" dirty="0"/>
@@ -7797,6 +8273,10 @@
               <a:rPr lang="ja-JP" altLang="en-US" dirty="0"/>
               <a:t>：</a:t>
             </a:r>
+            <a:r>
+              <a:rPr lang="en-US" altLang="ja-JP" dirty="0"/>
+              <a:t/>
+            </a:r>
             <a:br>
               <a:rPr lang="en-US" altLang="ja-JP" dirty="0"/>
             </a:br>
@@ -7942,6 +8422,10 @@
             <a:r>
               <a:rPr lang="ja-JP" altLang="en-US" dirty="0"/>
               <a:t>：</a:t>
+            </a:r>
+            <a:r>
+              <a:rPr lang="en-US" altLang="ja-JP" dirty="0"/>
+              <a:t/>
             </a:r>
             <a:br>
               <a:rPr lang="en-US" altLang="ja-JP" dirty="0"/>

--- a/Img/AnovaModeling.pptx
+++ b/Img/AnovaModeling.pptx
@@ -498,7 +498,7 @@
           <a:p>
             <a:fld id="{E3020441-CB21-445C-817D-199401EC5197}" type="datetimeFigureOut">
               <a:rPr kumimoji="1" lang="ja-JP" altLang="en-US" smtClean="0"/>
-              <a:t>2024/10/5</a:t>
+              <a:t>2024/10/7</a:t>
             </a:fld>
             <a:endParaRPr kumimoji="1" lang="ja-JP" altLang="en-US"/>
           </a:p>
@@ -728,7 +728,7 @@
           <a:p>
             <a:fld id="{E3020441-CB21-445C-817D-199401EC5197}" type="datetimeFigureOut">
               <a:rPr kumimoji="1" lang="ja-JP" altLang="en-US" smtClean="0"/>
-              <a:t>2024/10/5</a:t>
+              <a:t>2024/10/7</a:t>
             </a:fld>
             <a:endParaRPr kumimoji="1" lang="ja-JP" altLang="en-US"/>
           </a:p>
@@ -968,7 +968,7 @@
           <a:p>
             <a:fld id="{E3020441-CB21-445C-817D-199401EC5197}" type="datetimeFigureOut">
               <a:rPr kumimoji="1" lang="ja-JP" altLang="en-US" smtClean="0"/>
-              <a:t>2024/10/5</a:t>
+              <a:t>2024/10/7</a:t>
             </a:fld>
             <a:endParaRPr kumimoji="1" lang="ja-JP" altLang="en-US"/>
           </a:p>
@@ -1198,7 +1198,7 @@
           <a:p>
             <a:fld id="{E3020441-CB21-445C-817D-199401EC5197}" type="datetimeFigureOut">
               <a:rPr kumimoji="1" lang="ja-JP" altLang="en-US" smtClean="0"/>
-              <a:t>2024/10/5</a:t>
+              <a:t>2024/10/7</a:t>
             </a:fld>
             <a:endParaRPr kumimoji="1" lang="ja-JP" altLang="en-US"/>
           </a:p>
@@ -1473,7 +1473,7 @@
           <a:p>
             <a:fld id="{E3020441-CB21-445C-817D-199401EC5197}" type="datetimeFigureOut">
               <a:rPr kumimoji="1" lang="ja-JP" altLang="en-US" smtClean="0"/>
-              <a:t>2024/10/5</a:t>
+              <a:t>2024/10/7</a:t>
             </a:fld>
             <a:endParaRPr kumimoji="1" lang="ja-JP" altLang="en-US"/>
           </a:p>
@@ -1802,7 +1802,7 @@
           <a:p>
             <a:fld id="{E3020441-CB21-445C-817D-199401EC5197}" type="datetimeFigureOut">
               <a:rPr kumimoji="1" lang="ja-JP" altLang="en-US" smtClean="0"/>
-              <a:t>2024/10/5</a:t>
+              <a:t>2024/10/7</a:t>
             </a:fld>
             <a:endParaRPr kumimoji="1" lang="ja-JP" altLang="en-US"/>
           </a:p>
@@ -2278,7 +2278,7 @@
           <a:p>
             <a:fld id="{E3020441-CB21-445C-817D-199401EC5197}" type="datetimeFigureOut">
               <a:rPr kumimoji="1" lang="ja-JP" altLang="en-US" smtClean="0"/>
-              <a:t>2024/10/5</a:t>
+              <a:t>2024/10/7</a:t>
             </a:fld>
             <a:endParaRPr kumimoji="1" lang="ja-JP" altLang="en-US"/>
           </a:p>
@@ -2419,7 +2419,7 @@
           <a:p>
             <a:fld id="{E3020441-CB21-445C-817D-199401EC5197}" type="datetimeFigureOut">
               <a:rPr kumimoji="1" lang="ja-JP" altLang="en-US" smtClean="0"/>
-              <a:t>2024/10/5</a:t>
+              <a:t>2024/10/7</a:t>
             </a:fld>
             <a:endParaRPr kumimoji="1" lang="ja-JP" altLang="en-US"/>
           </a:p>
@@ -2532,7 +2532,7 @@
           <a:p>
             <a:fld id="{E3020441-CB21-445C-817D-199401EC5197}" type="datetimeFigureOut">
               <a:rPr kumimoji="1" lang="ja-JP" altLang="en-US" smtClean="0"/>
-              <a:t>2024/10/5</a:t>
+              <a:t>2024/10/7</a:t>
             </a:fld>
             <a:endParaRPr kumimoji="1" lang="ja-JP" altLang="en-US"/>
           </a:p>
@@ -2875,7 +2875,7 @@
           <a:p>
             <a:fld id="{E3020441-CB21-445C-817D-199401EC5197}" type="datetimeFigureOut">
               <a:rPr kumimoji="1" lang="ja-JP" altLang="en-US" smtClean="0"/>
-              <a:t>2024/10/5</a:t>
+              <a:t>2024/10/7</a:t>
             </a:fld>
             <a:endParaRPr kumimoji="1" lang="ja-JP" altLang="en-US"/>
           </a:p>
@@ -3163,7 +3163,7 @@
           <a:p>
             <a:fld id="{E3020441-CB21-445C-817D-199401EC5197}" type="datetimeFigureOut">
               <a:rPr kumimoji="1" lang="ja-JP" altLang="en-US" smtClean="0"/>
-              <a:t>2024/10/5</a:t>
+              <a:t>2024/10/7</a:t>
             </a:fld>
             <a:endParaRPr kumimoji="1" lang="ja-JP" altLang="en-US"/>
           </a:p>
@@ -3436,7 +3436,7 @@
           <a:p>
             <a:fld id="{E3020441-CB21-445C-817D-199401EC5197}" type="datetimeFigureOut">
               <a:rPr kumimoji="1" lang="ja-JP" altLang="en-US" smtClean="0"/>
-              <a:t>2024/10/5</a:t>
+              <a:t>2024/10/7</a:t>
             </a:fld>
             <a:endParaRPr kumimoji="1" lang="ja-JP" altLang="en-US"/>
           </a:p>
@@ -5658,7 +5658,7 @@
         </p:nvGrpSpPr>
         <p:grpSpPr>
           <a:xfrm>
-            <a:off x="2242521" y="-5853190"/>
+            <a:off x="2087073" y="-686830"/>
             <a:ext cx="8678486" cy="13635377"/>
             <a:chOff x="2242521" y="-5853190"/>
             <a:chExt cx="8678486" cy="13635377"/>

--- a/Img/AnovaModeling.pptx
+++ b/Img/AnovaModeling.pptx
@@ -498,7 +498,7 @@
           <a:p>
             <a:fld id="{E3020441-CB21-445C-817D-199401EC5197}" type="datetimeFigureOut">
               <a:rPr kumimoji="1" lang="ja-JP" altLang="en-US" smtClean="0"/>
-              <a:t>2024/10/7</a:t>
+              <a:t>2024/10/13</a:t>
             </a:fld>
             <a:endParaRPr kumimoji="1" lang="ja-JP" altLang="en-US"/>
           </a:p>
@@ -728,7 +728,7 @@
           <a:p>
             <a:fld id="{E3020441-CB21-445C-817D-199401EC5197}" type="datetimeFigureOut">
               <a:rPr kumimoji="1" lang="ja-JP" altLang="en-US" smtClean="0"/>
-              <a:t>2024/10/7</a:t>
+              <a:t>2024/10/13</a:t>
             </a:fld>
             <a:endParaRPr kumimoji="1" lang="ja-JP" altLang="en-US"/>
           </a:p>
@@ -968,7 +968,7 @@
           <a:p>
             <a:fld id="{E3020441-CB21-445C-817D-199401EC5197}" type="datetimeFigureOut">
               <a:rPr kumimoji="1" lang="ja-JP" altLang="en-US" smtClean="0"/>
-              <a:t>2024/10/7</a:t>
+              <a:t>2024/10/13</a:t>
             </a:fld>
             <a:endParaRPr kumimoji="1" lang="ja-JP" altLang="en-US"/>
           </a:p>
@@ -1198,7 +1198,7 @@
           <a:p>
             <a:fld id="{E3020441-CB21-445C-817D-199401EC5197}" type="datetimeFigureOut">
               <a:rPr kumimoji="1" lang="ja-JP" altLang="en-US" smtClean="0"/>
-              <a:t>2024/10/7</a:t>
+              <a:t>2024/10/13</a:t>
             </a:fld>
             <a:endParaRPr kumimoji="1" lang="ja-JP" altLang="en-US"/>
           </a:p>
@@ -1473,7 +1473,7 @@
           <a:p>
             <a:fld id="{E3020441-CB21-445C-817D-199401EC5197}" type="datetimeFigureOut">
               <a:rPr kumimoji="1" lang="ja-JP" altLang="en-US" smtClean="0"/>
-              <a:t>2024/10/7</a:t>
+              <a:t>2024/10/13</a:t>
             </a:fld>
             <a:endParaRPr kumimoji="1" lang="ja-JP" altLang="en-US"/>
           </a:p>
@@ -1802,7 +1802,7 @@
           <a:p>
             <a:fld id="{E3020441-CB21-445C-817D-199401EC5197}" type="datetimeFigureOut">
               <a:rPr kumimoji="1" lang="ja-JP" altLang="en-US" smtClean="0"/>
-              <a:t>2024/10/7</a:t>
+              <a:t>2024/10/13</a:t>
             </a:fld>
             <a:endParaRPr kumimoji="1" lang="ja-JP" altLang="en-US"/>
           </a:p>
@@ -2278,7 +2278,7 @@
           <a:p>
             <a:fld id="{E3020441-CB21-445C-817D-199401EC5197}" type="datetimeFigureOut">
               <a:rPr kumimoji="1" lang="ja-JP" altLang="en-US" smtClean="0"/>
-              <a:t>2024/10/7</a:t>
+              <a:t>2024/10/13</a:t>
             </a:fld>
             <a:endParaRPr kumimoji="1" lang="ja-JP" altLang="en-US"/>
           </a:p>
@@ -2419,7 +2419,7 @@
           <a:p>
             <a:fld id="{E3020441-CB21-445C-817D-199401EC5197}" type="datetimeFigureOut">
               <a:rPr kumimoji="1" lang="ja-JP" altLang="en-US" smtClean="0"/>
-              <a:t>2024/10/7</a:t>
+              <a:t>2024/10/13</a:t>
             </a:fld>
             <a:endParaRPr kumimoji="1" lang="ja-JP" altLang="en-US"/>
           </a:p>
@@ -2532,7 +2532,7 @@
           <a:p>
             <a:fld id="{E3020441-CB21-445C-817D-199401EC5197}" type="datetimeFigureOut">
               <a:rPr kumimoji="1" lang="ja-JP" altLang="en-US" smtClean="0"/>
-              <a:t>2024/10/7</a:t>
+              <a:t>2024/10/13</a:t>
             </a:fld>
             <a:endParaRPr kumimoji="1" lang="ja-JP" altLang="en-US"/>
           </a:p>
@@ -2875,7 +2875,7 @@
           <a:p>
             <a:fld id="{E3020441-CB21-445C-817D-199401EC5197}" type="datetimeFigureOut">
               <a:rPr kumimoji="1" lang="ja-JP" altLang="en-US" smtClean="0"/>
-              <a:t>2024/10/7</a:t>
+              <a:t>2024/10/13</a:t>
             </a:fld>
             <a:endParaRPr kumimoji="1" lang="ja-JP" altLang="en-US"/>
           </a:p>
@@ -3163,7 +3163,7 @@
           <a:p>
             <a:fld id="{E3020441-CB21-445C-817D-199401EC5197}" type="datetimeFigureOut">
               <a:rPr kumimoji="1" lang="ja-JP" altLang="en-US" smtClean="0"/>
-              <a:t>2024/10/7</a:t>
+              <a:t>2024/10/13</a:t>
             </a:fld>
             <a:endParaRPr kumimoji="1" lang="ja-JP" altLang="en-US"/>
           </a:p>
@@ -3436,7 +3436,7 @@
           <a:p>
             <a:fld id="{E3020441-CB21-445C-817D-199401EC5197}" type="datetimeFigureOut">
               <a:rPr kumimoji="1" lang="ja-JP" altLang="en-US" smtClean="0"/>
-              <a:t>2024/10/7</a:t>
+              <a:t>2024/10/13</a:t>
             </a:fld>
             <a:endParaRPr kumimoji="1" lang="ja-JP" altLang="en-US"/>
           </a:p>
@@ -5582,41 +5582,215 @@
           <a:chExt cx="0" cy="0"/>
         </a:xfrm>
       </p:grpSpPr>
-      <p:sp>
-        <p:nvSpPr>
-          <p:cNvPr id="2" name="タイトル 1"/>
-          <p:cNvSpPr>
-            <a:spLocks noGrp="1"/>
-          </p:cNvSpPr>
-          <p:nvPr>
-            <p:ph type="title"/>
-          </p:nvPr>
-        </p:nvSpPr>
-        <p:spPr/>
-        <p:txBody>
-          <a:bodyPr/>
-          <a:lstStyle/>
-          <a:p>
-            <a:endParaRPr kumimoji="1" lang="ja-JP" altLang="en-US"/>
-          </a:p>
-        </p:txBody>
-      </p:sp>
-      <p:sp>
-        <p:nvSpPr>
-          <p:cNvPr id="3" name="コンテンツ プレースホルダー 2"/>
-          <p:cNvSpPr>
-            <a:spLocks noGrp="1"/>
-          </p:cNvSpPr>
+      <p:pic>
+        <p:nvPicPr>
+          <p:cNvPr id="4" name="コンテンツ プレースホルダー 3"/>
+          <p:cNvPicPr>
+            <a:picLocks noGrp="1" noChangeAspect="1"/>
+          </p:cNvPicPr>
           <p:nvPr>
             <p:ph idx="1"/>
           </p:nvPr>
-        </p:nvSpPr>
-        <p:spPr/>
-        <p:txBody>
-          <a:bodyPr/>
-          <a:lstStyle/>
-          <a:p>
-            <a:endParaRPr kumimoji="1" lang="ja-JP" altLang="en-US"/>
+        </p:nvPicPr>
+        <p:blipFill>
+          <a:blip r:embed="rId2"/>
+          <a:stretch>
+            <a:fillRect/>
+          </a:stretch>
+        </p:blipFill>
+        <p:spPr>
+          <a:xfrm>
+            <a:off x="597580" y="0"/>
+            <a:ext cx="11243900" cy="6733474"/>
+          </a:xfrm>
+          <a:prstGeom prst="rect">
+            <a:avLst/>
+          </a:prstGeom>
+        </p:spPr>
+      </p:pic>
+      <p:cxnSp>
+        <p:nvCxnSpPr>
+          <p:cNvPr id="6" name="直線矢印コネクタ 5"/>
+          <p:cNvCxnSpPr/>
+          <p:nvPr/>
+        </p:nvCxnSpPr>
+        <p:spPr>
+          <a:xfrm flipH="1" flipV="1">
+            <a:off x="5376672" y="4480561"/>
+            <a:ext cx="1755648" cy="749807"/>
+          </a:xfrm>
+          <a:prstGeom prst="straightConnector1">
+            <a:avLst/>
+          </a:prstGeom>
+          <a:ln>
+            <a:tailEnd type="triangle"/>
+          </a:ln>
+        </p:spPr>
+        <p:style>
+          <a:lnRef idx="2">
+            <a:schemeClr val="accent1"/>
+          </a:lnRef>
+          <a:fillRef idx="0">
+            <a:schemeClr val="accent1"/>
+          </a:fillRef>
+          <a:effectRef idx="1">
+            <a:schemeClr val="accent1"/>
+          </a:effectRef>
+          <a:fontRef idx="minor">
+            <a:schemeClr val="tx1"/>
+          </a:fontRef>
+        </p:style>
+      </p:cxnSp>
+      <p:cxnSp>
+        <p:nvCxnSpPr>
+          <p:cNvPr id="7" name="直線矢印コネクタ 6"/>
+          <p:cNvCxnSpPr/>
+          <p:nvPr/>
+        </p:nvCxnSpPr>
+        <p:spPr>
+          <a:xfrm flipH="1">
+            <a:off x="1298448" y="5843016"/>
+            <a:ext cx="5495544" cy="347472"/>
+          </a:xfrm>
+          <a:prstGeom prst="straightConnector1">
+            <a:avLst/>
+          </a:prstGeom>
+          <a:ln>
+            <a:tailEnd type="triangle"/>
+          </a:ln>
+        </p:spPr>
+        <p:style>
+          <a:lnRef idx="2">
+            <a:schemeClr val="accent1"/>
+          </a:lnRef>
+          <a:fillRef idx="0">
+            <a:schemeClr val="accent1"/>
+          </a:fillRef>
+          <a:effectRef idx="1">
+            <a:schemeClr val="accent1"/>
+          </a:effectRef>
+          <a:fontRef idx="minor">
+            <a:schemeClr val="tx1"/>
+          </a:fontRef>
+        </p:style>
+      </p:cxnSp>
+      <p:cxnSp>
+        <p:nvCxnSpPr>
+          <p:cNvPr id="11" name="直線矢印コネクタ 10"/>
+          <p:cNvCxnSpPr/>
+          <p:nvPr/>
+        </p:nvCxnSpPr>
+        <p:spPr>
+          <a:xfrm flipV="1">
+            <a:off x="7790688" y="2852930"/>
+            <a:ext cx="1289304" cy="2377438"/>
+          </a:xfrm>
+          <a:prstGeom prst="straightConnector1">
+            <a:avLst/>
+          </a:prstGeom>
+          <a:ln>
+            <a:tailEnd type="triangle"/>
+          </a:ln>
+        </p:spPr>
+        <p:style>
+          <a:lnRef idx="2">
+            <a:schemeClr val="accent1"/>
+          </a:lnRef>
+          <a:fillRef idx="0">
+            <a:schemeClr val="accent1"/>
+          </a:fillRef>
+          <a:effectRef idx="1">
+            <a:schemeClr val="accent1"/>
+          </a:effectRef>
+          <a:fontRef idx="minor">
+            <a:schemeClr val="tx1"/>
+          </a:fontRef>
+        </p:style>
+      </p:cxnSp>
+      <p:sp>
+        <p:nvSpPr>
+          <p:cNvPr id="16" name="テキスト ボックス 15"/>
+          <p:cNvSpPr txBox="1"/>
+          <p:nvPr/>
+        </p:nvSpPr>
+        <p:spPr>
+          <a:xfrm>
+            <a:off x="6922008" y="5365962"/>
+            <a:ext cx="3739896" cy="1200329"/>
+          </a:xfrm>
+          <a:prstGeom prst="rect">
+            <a:avLst/>
+          </a:prstGeom>
+          <a:noFill/>
+        </p:spPr>
+        <p:txBody>
+          <a:bodyPr wrap="square" rtlCol="0">
+            <a:spAutoFit/>
+          </a:bodyPr>
+          <a:lstStyle/>
+          <a:p>
+            <a:r>
+              <a:rPr kumimoji="1" lang="ja-JP" altLang="en-US" dirty="0" smtClean="0"/>
+              <a:t>これらの正規分布は</a:t>
+            </a:r>
+            <a:r>
+              <a:rPr kumimoji="1" lang="en-US" altLang="ja-JP" dirty="0" smtClean="0"/>
+              <a:t/>
+            </a:r>
+            <a:br>
+              <a:rPr kumimoji="1" lang="en-US" altLang="ja-JP" dirty="0" smtClean="0"/>
+            </a:br>
+            <a:r>
+              <a:rPr kumimoji="1" lang="ja-JP" altLang="en-US" dirty="0" smtClean="0"/>
+              <a:t>平均値</a:t>
+            </a:r>
+            <a:r>
+              <a:rPr kumimoji="1" lang="en-US" altLang="ja-JP" dirty="0" smtClean="0"/>
+              <a:t>=</a:t>
+            </a:r>
+            <a:r>
+              <a:rPr kumimoji="1" lang="ja-JP" altLang="en-US" dirty="0" smtClean="0"/>
+              <a:t>予測値，</a:t>
+            </a:r>
+            <a:r>
+              <a:rPr kumimoji="1" lang="en-US" altLang="ja-JP" dirty="0" smtClean="0"/>
+              <a:t/>
+            </a:r>
+            <a:br>
+              <a:rPr kumimoji="1" lang="en-US" altLang="ja-JP" dirty="0" smtClean="0"/>
+            </a:br>
+            <a:r>
+              <a:rPr kumimoji="1" lang="ja-JP" altLang="en-US" dirty="0" smtClean="0"/>
+              <a:t>標準偏差</a:t>
+            </a:r>
+            <a:r>
+              <a:rPr lang="en-US" altLang="ja-JP" dirty="0"/>
+              <a:t>(</a:t>
+            </a:r>
+            <a:r>
+              <a:rPr kumimoji="1" lang="en-US" altLang="ja-JP" dirty="0" smtClean="0"/>
+              <a:t>σ</a:t>
+            </a:r>
+            <a:r>
+              <a:rPr lang="en-US" altLang="ja-JP" dirty="0"/>
+              <a:t>)</a:t>
+            </a:r>
+            <a:r>
+              <a:rPr kumimoji="1" lang="en-US" altLang="ja-JP" dirty="0" smtClean="0"/>
+              <a:t>=</a:t>
+            </a:r>
+            <a:r>
+              <a:rPr kumimoji="1" lang="ja-JP" altLang="en-US" dirty="0" smtClean="0"/>
+              <a:t>残差の平均平方</a:t>
+            </a:r>
+            <a:endParaRPr kumimoji="1" lang="en-US" altLang="ja-JP" dirty="0" smtClean="0"/>
+          </a:p>
+          <a:p>
+            <a:r>
+              <a:rPr kumimoji="1" lang="ja-JP" altLang="en-US" dirty="0" smtClean="0"/>
+              <a:t>になっている</a:t>
+            </a:r>
+            <a:endParaRPr kumimoji="1" lang="ja-JP" altLang="en-US" dirty="0"/>
           </a:p>
         </p:txBody>
       </p:sp>

--- a/Img/AnovaModeling.pptx
+++ b/Img/AnovaModeling.pptx
@@ -2,36 +2,37 @@
 <file path=ppt/presentation.xml><?xml version="1.0" encoding="utf-8"?>
 <p:presentation xmlns:a="http://schemas.openxmlformats.org/drawingml/2006/main" xmlns:r="http://schemas.openxmlformats.org/officeDocument/2006/relationships" xmlns:p="http://schemas.openxmlformats.org/presentationml/2006/main" saveSubsetFonts="1">
   <p:sldMasterIdLst>
-    <p:sldMasterId id="2147483648" r:id="rId1"/>
+    <p:sldMasterId id="2147483660" r:id="rId1"/>
   </p:sldMasterIdLst>
   <p:sldIdLst>
-    <p:sldId id="264" r:id="rId2"/>
-    <p:sldId id="265" r:id="rId3"/>
-    <p:sldId id="256" r:id="rId4"/>
-    <p:sldId id="258" r:id="rId5"/>
-    <p:sldId id="257" r:id="rId6"/>
-    <p:sldId id="259" r:id="rId7"/>
-    <p:sldId id="260" r:id="rId8"/>
-    <p:sldId id="261" r:id="rId9"/>
-    <p:sldId id="262" r:id="rId10"/>
-    <p:sldId id="263" r:id="rId11"/>
-    <p:sldId id="266" r:id="rId12"/>
-    <p:sldId id="267" r:id="rId13"/>
-    <p:sldId id="268" r:id="rId14"/>
-    <p:sldId id="269" r:id="rId15"/>
-    <p:sldId id="270" r:id="rId16"/>
-    <p:sldId id="271" r:id="rId17"/>
-    <p:sldId id="272" r:id="rId18"/>
-    <p:sldId id="273" r:id="rId19"/>
+    <p:sldId id="274" r:id="rId2"/>
+    <p:sldId id="264" r:id="rId3"/>
+    <p:sldId id="265" r:id="rId4"/>
+    <p:sldId id="256" r:id="rId5"/>
+    <p:sldId id="258" r:id="rId6"/>
+    <p:sldId id="257" r:id="rId7"/>
+    <p:sldId id="259" r:id="rId8"/>
+    <p:sldId id="260" r:id="rId9"/>
+    <p:sldId id="261" r:id="rId10"/>
+    <p:sldId id="262" r:id="rId11"/>
+    <p:sldId id="263" r:id="rId12"/>
+    <p:sldId id="266" r:id="rId13"/>
+    <p:sldId id="267" r:id="rId14"/>
+    <p:sldId id="268" r:id="rId15"/>
+    <p:sldId id="269" r:id="rId16"/>
+    <p:sldId id="270" r:id="rId17"/>
+    <p:sldId id="271" r:id="rId18"/>
+    <p:sldId id="272" r:id="rId19"/>
+    <p:sldId id="273" r:id="rId20"/>
   </p:sldIdLst>
   <p:sldSz cx="12192000" cy="6858000"/>
   <p:notesSz cx="6858000" cy="9144000"/>
   <p:defaultTextStyle>
     <a:defPPr>
-      <a:defRPr lang="ja-JP"/>
+      <a:defRPr lang="en-US"/>
     </a:defPPr>
     <a:lvl1pPr marL="0" algn="l" defTabSz="914400" rtl="0" eaLnBrk="1" latinLnBrk="0" hangingPunct="1">
-      <a:defRPr kumimoji="1" sz="1800" kern="1200">
+      <a:defRPr sz="1800" kern="1200">
         <a:solidFill>
           <a:schemeClr val="tx1"/>
         </a:solidFill>
@@ -41,7 +42,7 @@
       </a:defRPr>
     </a:lvl1pPr>
     <a:lvl2pPr marL="457200" algn="l" defTabSz="914400" rtl="0" eaLnBrk="1" latinLnBrk="0" hangingPunct="1">
-      <a:defRPr kumimoji="1" sz="1800" kern="1200">
+      <a:defRPr sz="1800" kern="1200">
         <a:solidFill>
           <a:schemeClr val="tx1"/>
         </a:solidFill>
@@ -51,7 +52,7 @@
       </a:defRPr>
     </a:lvl2pPr>
     <a:lvl3pPr marL="914400" algn="l" defTabSz="914400" rtl="0" eaLnBrk="1" latinLnBrk="0" hangingPunct="1">
-      <a:defRPr kumimoji="1" sz="1800" kern="1200">
+      <a:defRPr sz="1800" kern="1200">
         <a:solidFill>
           <a:schemeClr val="tx1"/>
         </a:solidFill>
@@ -61,7 +62,7 @@
       </a:defRPr>
     </a:lvl3pPr>
     <a:lvl4pPr marL="1371600" algn="l" defTabSz="914400" rtl="0" eaLnBrk="1" latinLnBrk="0" hangingPunct="1">
-      <a:defRPr kumimoji="1" sz="1800" kern="1200">
+      <a:defRPr sz="1800" kern="1200">
         <a:solidFill>
           <a:schemeClr val="tx1"/>
         </a:solidFill>
@@ -71,7 +72,7 @@
       </a:defRPr>
     </a:lvl4pPr>
     <a:lvl5pPr marL="1828800" algn="l" defTabSz="914400" rtl="0" eaLnBrk="1" latinLnBrk="0" hangingPunct="1">
-      <a:defRPr kumimoji="1" sz="1800" kern="1200">
+      <a:defRPr sz="1800" kern="1200">
         <a:solidFill>
           <a:schemeClr val="tx1"/>
         </a:solidFill>
@@ -81,7 +82,7 @@
       </a:defRPr>
     </a:lvl5pPr>
     <a:lvl6pPr marL="2286000" algn="l" defTabSz="914400" rtl="0" eaLnBrk="1" latinLnBrk="0" hangingPunct="1">
-      <a:defRPr kumimoji="1" sz="1800" kern="1200">
+      <a:defRPr sz="1800" kern="1200">
         <a:solidFill>
           <a:schemeClr val="tx1"/>
         </a:solidFill>
@@ -91,7 +92,7 @@
       </a:defRPr>
     </a:lvl6pPr>
     <a:lvl7pPr marL="2743200" algn="l" defTabSz="914400" rtl="0" eaLnBrk="1" latinLnBrk="0" hangingPunct="1">
-      <a:defRPr kumimoji="1" sz="1800" kern="1200">
+      <a:defRPr sz="1800" kern="1200">
         <a:solidFill>
           <a:schemeClr val="tx1"/>
         </a:solidFill>
@@ -101,7 +102,7 @@
       </a:defRPr>
     </a:lvl7pPr>
     <a:lvl8pPr marL="3200400" algn="l" defTabSz="914400" rtl="0" eaLnBrk="1" latinLnBrk="0" hangingPunct="1">
-      <a:defRPr kumimoji="1" sz="1800" kern="1200">
+      <a:defRPr sz="1800" kern="1200">
         <a:solidFill>
           <a:schemeClr val="tx1"/>
         </a:solidFill>
@@ -111,7 +112,7 @@
       </a:defRPr>
     </a:lvl8pPr>
     <a:lvl9pPr marL="3657600" algn="l" defTabSz="914400" rtl="0" eaLnBrk="1" latinLnBrk="0" hangingPunct="1">
-      <a:defRPr kumimoji="1" sz="1800" kern="1200">
+      <a:defRPr sz="1800" kern="1200">
         <a:solidFill>
           <a:schemeClr val="tx1"/>
         </a:solidFill>
@@ -129,7 +130,7 @@
             <a:srgbClr val="A4A3A4"/>
           </p15:clr>
         </p15:guide>
-        <p15:guide id="2" pos="3840" userDrawn="1">
+        <p15:guide id="2" pos="3863" userDrawn="1">
           <p15:clr>
             <a:srgbClr val="A4A3A4"/>
           </p15:clr>
@@ -370,13 +371,7 @@
       </p:grpSpPr>
       <p:sp>
         <p:nvSpPr>
-          <p:cNvPr id="2" name="タイトル 1">
-            <a:extLst>
-              <a:ext uri="{FF2B5EF4-FFF2-40B4-BE49-F238E27FC236}">
-                <a16:creationId xmlns:a16="http://schemas.microsoft.com/office/drawing/2014/main" id="{ECFF7242-12B1-03B5-6317-E4F7780C4FDA}"/>
-              </a:ext>
-            </a:extLst>
-          </p:cNvPr>
+          <p:cNvPr id="2" name="Title 1"/>
           <p:cNvSpPr>
             <a:spLocks noGrp="1"/>
           </p:cNvSpPr>
@@ -386,12 +381,14 @@
         </p:nvSpPr>
         <p:spPr>
           <a:xfrm>
-            <a:off x="1524000" y="1122363"/>
+            <a:off x="1524000" y="1124530"/>
             <a:ext cx="9144000" cy="2387600"/>
           </a:xfrm>
         </p:spPr>
         <p:txBody>
-          <a:bodyPr anchor="b"/>
+          <a:bodyPr anchor="b">
+            <a:normAutofit/>
+          </a:bodyPr>
           <a:lstStyle>
             <a:lvl1pPr algn="ctr">
               <a:defRPr sz="6000"/>
@@ -399,21 +396,16 @@
           </a:lstStyle>
           <a:p>
             <a:r>
-              <a:rPr kumimoji="1" lang="ja-JP" altLang="en-US"/>
+              <a:rPr lang="ja-JP" altLang="en-US" smtClean="0"/>
               <a:t>マスター タイトルの書式設定</a:t>
             </a:r>
-          </a:p>
-        </p:txBody>
-      </p:sp>
-      <p:sp>
-        <p:nvSpPr>
-          <p:cNvPr id="3" name="字幕 2">
-            <a:extLst>
-              <a:ext uri="{FF2B5EF4-FFF2-40B4-BE49-F238E27FC236}">
-                <a16:creationId xmlns:a16="http://schemas.microsoft.com/office/drawing/2014/main" id="{1B882B9A-3D87-47D6-D476-1930AAC5F710}"/>
-              </a:ext>
-            </a:extLst>
-          </p:cNvPr>
+            <a:endParaRPr lang="en-US" dirty="0"/>
+          </a:p>
+        </p:txBody>
+      </p:sp>
+      <p:sp>
+        <p:nvSpPr>
+          <p:cNvPr id="3" name="Subtitle 2"/>
           <p:cNvSpPr>
             <a:spLocks noGrp="1"/>
           </p:cNvSpPr>
@@ -428,62 +420,66 @@
           </a:xfrm>
         </p:spPr>
         <p:txBody>
-          <a:bodyPr/>
+          <a:bodyPr>
+            <a:normAutofit/>
+          </a:bodyPr>
           <a:lstStyle>
             <a:lvl1pPr marL="0" indent="0" algn="ctr">
               <a:buNone/>
-              <a:defRPr sz="2400"/>
+              <a:defRPr sz="2400">
+                <a:solidFill>
+                  <a:schemeClr val="tx1">
+                    <a:lumMod val="75000"/>
+                    <a:lumOff val="25000"/>
+                  </a:schemeClr>
+                </a:solidFill>
+              </a:defRPr>
             </a:lvl1pPr>
             <a:lvl2pPr marL="457200" indent="0" algn="ctr">
               <a:buNone/>
-              <a:defRPr sz="2000"/>
+              <a:defRPr sz="2800"/>
             </a:lvl2pPr>
             <a:lvl3pPr marL="914400" indent="0" algn="ctr">
               <a:buNone/>
-              <a:defRPr sz="1800"/>
+              <a:defRPr sz="2400"/>
             </a:lvl3pPr>
             <a:lvl4pPr marL="1371600" indent="0" algn="ctr">
               <a:buNone/>
-              <a:defRPr sz="1600"/>
+              <a:defRPr sz="2000"/>
             </a:lvl4pPr>
             <a:lvl5pPr marL="1828800" indent="0" algn="ctr">
               <a:buNone/>
-              <a:defRPr sz="1600"/>
+              <a:defRPr sz="2000"/>
             </a:lvl5pPr>
             <a:lvl6pPr marL="2286000" indent="0" algn="ctr">
               <a:buNone/>
-              <a:defRPr sz="1600"/>
+              <a:defRPr sz="2000"/>
             </a:lvl6pPr>
             <a:lvl7pPr marL="2743200" indent="0" algn="ctr">
               <a:buNone/>
-              <a:defRPr sz="1600"/>
+              <a:defRPr sz="2000"/>
             </a:lvl7pPr>
             <a:lvl8pPr marL="3200400" indent="0" algn="ctr">
               <a:buNone/>
-              <a:defRPr sz="1600"/>
+              <a:defRPr sz="2000"/>
             </a:lvl8pPr>
             <a:lvl9pPr marL="3657600" indent="0" algn="ctr">
               <a:buNone/>
-              <a:defRPr sz="1600"/>
+              <a:defRPr sz="2000"/>
             </a:lvl9pPr>
           </a:lstStyle>
           <a:p>
             <a:r>
-              <a:rPr kumimoji="1" lang="ja-JP" altLang="en-US"/>
+              <a:rPr lang="ja-JP" altLang="en-US" smtClean="0"/>
               <a:t>マスター サブタイトルの書式設定</a:t>
             </a:r>
-          </a:p>
-        </p:txBody>
-      </p:sp>
-      <p:sp>
-        <p:nvSpPr>
-          <p:cNvPr id="4" name="日付プレースホルダー 3">
-            <a:extLst>
-              <a:ext uri="{FF2B5EF4-FFF2-40B4-BE49-F238E27FC236}">
-                <a16:creationId xmlns:a16="http://schemas.microsoft.com/office/drawing/2014/main" id="{670A2EF1-880C-7E62-0591-9D23BDDB0840}"/>
-              </a:ext>
-            </a:extLst>
-          </p:cNvPr>
+            <a:endParaRPr lang="en-US" dirty="0"/>
+          </a:p>
+        </p:txBody>
+      </p:sp>
+      <p:sp>
+        <p:nvSpPr>
+          <p:cNvPr id="4" name="Date Placeholder 3"/>
           <p:cNvSpPr>
             <a:spLocks noGrp="1"/>
           </p:cNvSpPr>
@@ -498,7 +494,7 @@
           <a:p>
             <a:fld id="{E3020441-CB21-445C-817D-199401EC5197}" type="datetimeFigureOut">
               <a:rPr kumimoji="1" lang="ja-JP" altLang="en-US" smtClean="0"/>
-              <a:t>2024/10/13</a:t>
+              <a:t>2024/10/28</a:t>
             </a:fld>
             <a:endParaRPr kumimoji="1" lang="ja-JP" altLang="en-US"/>
           </a:p>
@@ -506,13 +502,7 @@
       </p:sp>
       <p:sp>
         <p:nvSpPr>
-          <p:cNvPr id="5" name="フッター プレースホルダー 4">
-            <a:extLst>
-              <a:ext uri="{FF2B5EF4-FFF2-40B4-BE49-F238E27FC236}">
-                <a16:creationId xmlns:a16="http://schemas.microsoft.com/office/drawing/2014/main" id="{D7D7D669-9C13-2676-84BC-2FEB14F77E63}"/>
-              </a:ext>
-            </a:extLst>
-          </p:cNvPr>
+          <p:cNvPr id="5" name="Footer Placeholder 4"/>
           <p:cNvSpPr>
             <a:spLocks noGrp="1"/>
           </p:cNvSpPr>
@@ -531,13 +521,7 @@
       </p:sp>
       <p:sp>
         <p:nvSpPr>
-          <p:cNvPr id="6" name="スライド番号プレースホルダー 5">
-            <a:extLst>
-              <a:ext uri="{FF2B5EF4-FFF2-40B4-BE49-F238E27FC236}">
-                <a16:creationId xmlns:a16="http://schemas.microsoft.com/office/drawing/2014/main" id="{7AB7C7B0-90D0-1CB3-60E2-C44121501072}"/>
-              </a:ext>
-            </a:extLst>
-          </p:cNvPr>
+          <p:cNvPr id="6" name="Slide Number Placeholder 5"/>
           <p:cNvSpPr>
             <a:spLocks noGrp="1"/>
           </p:cNvSpPr>
@@ -561,7 +545,7 @@
     </p:spTree>
     <p:extLst>
       <p:ext uri="{BB962C8B-B14F-4D97-AF65-F5344CB8AC3E}">
-        <p14:creationId xmlns:p14="http://schemas.microsoft.com/office/powerpoint/2010/main" val="2096218641"/>
+        <p14:creationId xmlns:p14="http://schemas.microsoft.com/office/powerpoint/2010/main" val="1193452672"/>
       </p:ext>
     </p:extLst>
   </p:cSld>
@@ -573,7 +557,7 @@
 
 <file path=ppt/slideLayouts/slideLayout10.xml><?xml version="1.0" encoding="utf-8"?>
 <p:sldLayout xmlns:a="http://schemas.openxmlformats.org/drawingml/2006/main" xmlns:r="http://schemas.openxmlformats.org/officeDocument/2006/relationships" xmlns:p="http://schemas.openxmlformats.org/presentationml/2006/main" type="vertTx" preserve="1">
-  <p:cSld name="タイトルと縦書きテキスト">
+  <p:cSld name="タイトルと&#10;縦書きテキスト">
     <p:spTree>
       <p:nvGrpSpPr>
         <p:cNvPr id="1" name=""/>
@@ -590,13 +574,7 @@
       </p:grpSpPr>
       <p:sp>
         <p:nvSpPr>
-          <p:cNvPr id="2" name="タイトル 1">
-            <a:extLst>
-              <a:ext uri="{FF2B5EF4-FFF2-40B4-BE49-F238E27FC236}">
-                <a16:creationId xmlns:a16="http://schemas.microsoft.com/office/drawing/2014/main" id="{F08D5B4C-697D-5C90-867B-1D22D909C9AC}"/>
-              </a:ext>
-            </a:extLst>
-          </p:cNvPr>
+          <p:cNvPr id="2" name="Title 1"/>
           <p:cNvSpPr>
             <a:spLocks noGrp="1"/>
           </p:cNvSpPr>
@@ -610,21 +588,16 @@
           <a:lstStyle/>
           <a:p>
             <a:r>
-              <a:rPr kumimoji="1" lang="ja-JP" altLang="en-US"/>
+              <a:rPr lang="ja-JP" altLang="en-US" smtClean="0"/>
               <a:t>マスター タイトルの書式設定</a:t>
             </a:r>
-          </a:p>
-        </p:txBody>
-      </p:sp>
-      <p:sp>
-        <p:nvSpPr>
-          <p:cNvPr id="3" name="縦書きテキスト プレースホルダー 2">
-            <a:extLst>
-              <a:ext uri="{FF2B5EF4-FFF2-40B4-BE49-F238E27FC236}">
-                <a16:creationId xmlns:a16="http://schemas.microsoft.com/office/drawing/2014/main" id="{A54FE033-CE25-23F5-4BE8-EF54B58EEB15}"/>
-              </a:ext>
-            </a:extLst>
-          </p:cNvPr>
+            <a:endParaRPr lang="en-US"/>
+          </a:p>
+        </p:txBody>
+      </p:sp>
+      <p:sp>
+        <p:nvSpPr>
+          <p:cNvPr id="3" name="Vertical Text Placeholder 2"/>
           <p:cNvSpPr>
             <a:spLocks noGrp="1"/>
           </p:cNvSpPr>
@@ -639,81 +612,76 @@
           <a:p>
             <a:pPr lvl="0"/>
             <a:r>
-              <a:rPr kumimoji="1" lang="ja-JP" altLang="en-US"/>
+              <a:rPr lang="ja-JP" altLang="en-US" smtClean="0"/>
               <a:t>マスター テキストの書式設定</a:t>
             </a:r>
           </a:p>
           <a:p>
             <a:pPr lvl="1"/>
             <a:r>
-              <a:rPr kumimoji="1" lang="ja-JP" altLang="en-US"/>
+              <a:rPr lang="ja-JP" altLang="en-US" smtClean="0"/>
               <a:t>第 </a:t>
             </a:r>
             <a:r>
-              <a:rPr kumimoji="1" lang="en-US" altLang="ja-JP"/>
+              <a:rPr lang="en-US" altLang="ja-JP" smtClean="0"/>
               <a:t>2 </a:t>
             </a:r>
             <a:r>
-              <a:rPr kumimoji="1" lang="ja-JP" altLang="en-US"/>
+              <a:rPr lang="ja-JP" altLang="en-US" smtClean="0"/>
               <a:t>レベル</a:t>
             </a:r>
           </a:p>
           <a:p>
             <a:pPr lvl="2"/>
             <a:r>
-              <a:rPr kumimoji="1" lang="ja-JP" altLang="en-US"/>
+              <a:rPr lang="ja-JP" altLang="en-US" smtClean="0"/>
               <a:t>第 </a:t>
             </a:r>
             <a:r>
-              <a:rPr kumimoji="1" lang="en-US" altLang="ja-JP"/>
+              <a:rPr lang="en-US" altLang="ja-JP" smtClean="0"/>
               <a:t>3 </a:t>
             </a:r>
             <a:r>
-              <a:rPr kumimoji="1" lang="ja-JP" altLang="en-US"/>
+              <a:rPr lang="ja-JP" altLang="en-US" smtClean="0"/>
               <a:t>レベル</a:t>
             </a:r>
           </a:p>
           <a:p>
             <a:pPr lvl="3"/>
             <a:r>
-              <a:rPr kumimoji="1" lang="ja-JP" altLang="en-US"/>
+              <a:rPr lang="ja-JP" altLang="en-US" smtClean="0"/>
               <a:t>第 </a:t>
             </a:r>
             <a:r>
-              <a:rPr kumimoji="1" lang="en-US" altLang="ja-JP"/>
+              <a:rPr lang="en-US" altLang="ja-JP" smtClean="0"/>
               <a:t>4 </a:t>
             </a:r>
             <a:r>
-              <a:rPr kumimoji="1" lang="ja-JP" altLang="en-US"/>
+              <a:rPr lang="ja-JP" altLang="en-US" smtClean="0"/>
               <a:t>レベル</a:t>
             </a:r>
           </a:p>
           <a:p>
             <a:pPr lvl="4"/>
             <a:r>
-              <a:rPr kumimoji="1" lang="ja-JP" altLang="en-US"/>
+              <a:rPr lang="ja-JP" altLang="en-US" smtClean="0"/>
               <a:t>第 </a:t>
             </a:r>
             <a:r>
-              <a:rPr kumimoji="1" lang="en-US" altLang="ja-JP"/>
+              <a:rPr lang="en-US" altLang="ja-JP" smtClean="0"/>
               <a:t>5 </a:t>
             </a:r>
             <a:r>
-              <a:rPr kumimoji="1" lang="ja-JP" altLang="en-US"/>
+              <a:rPr lang="ja-JP" altLang="en-US" smtClean="0"/>
               <a:t>レベル</a:t>
             </a:r>
-          </a:p>
-        </p:txBody>
-      </p:sp>
-      <p:sp>
-        <p:nvSpPr>
-          <p:cNvPr id="4" name="日付プレースホルダー 3">
-            <a:extLst>
-              <a:ext uri="{FF2B5EF4-FFF2-40B4-BE49-F238E27FC236}">
-                <a16:creationId xmlns:a16="http://schemas.microsoft.com/office/drawing/2014/main" id="{249CBB48-06F8-80AB-8667-EC960645856A}"/>
-              </a:ext>
-            </a:extLst>
-          </p:cNvPr>
+            <a:endParaRPr lang="en-US" dirty="0"/>
+          </a:p>
+        </p:txBody>
+      </p:sp>
+      <p:sp>
+        <p:nvSpPr>
+          <p:cNvPr id="4" name="Date Placeholder 3"/>
           <p:cNvSpPr>
             <a:spLocks noGrp="1"/>
           </p:cNvSpPr>
@@ -728,7 +696,7 @@
           <a:p>
             <a:fld id="{E3020441-CB21-445C-817D-199401EC5197}" type="datetimeFigureOut">
               <a:rPr kumimoji="1" lang="ja-JP" altLang="en-US" smtClean="0"/>
-              <a:t>2024/10/13</a:t>
+              <a:t>2024/10/28</a:t>
             </a:fld>
             <a:endParaRPr kumimoji="1" lang="ja-JP" altLang="en-US"/>
           </a:p>
@@ -736,13 +704,7 @@
       </p:sp>
       <p:sp>
         <p:nvSpPr>
-          <p:cNvPr id="5" name="フッター プレースホルダー 4">
-            <a:extLst>
-              <a:ext uri="{FF2B5EF4-FFF2-40B4-BE49-F238E27FC236}">
-                <a16:creationId xmlns:a16="http://schemas.microsoft.com/office/drawing/2014/main" id="{F30685C0-DE3B-6917-78C8-324C6F8868F4}"/>
-              </a:ext>
-            </a:extLst>
-          </p:cNvPr>
+          <p:cNvPr id="5" name="Footer Placeholder 4"/>
           <p:cNvSpPr>
             <a:spLocks noGrp="1"/>
           </p:cNvSpPr>
@@ -761,13 +723,7 @@
       </p:sp>
       <p:sp>
         <p:nvSpPr>
-          <p:cNvPr id="6" name="スライド番号プレースホルダー 5">
-            <a:extLst>
-              <a:ext uri="{FF2B5EF4-FFF2-40B4-BE49-F238E27FC236}">
-                <a16:creationId xmlns:a16="http://schemas.microsoft.com/office/drawing/2014/main" id="{C62F74A7-5D13-6439-0074-08A009198631}"/>
-              </a:ext>
-            </a:extLst>
-          </p:cNvPr>
+          <p:cNvPr id="6" name="Slide Number Placeholder 5"/>
           <p:cNvSpPr>
             <a:spLocks noGrp="1"/>
           </p:cNvSpPr>
@@ -791,7 +747,7 @@
     </p:spTree>
     <p:extLst>
       <p:ext uri="{BB962C8B-B14F-4D97-AF65-F5344CB8AC3E}">
-        <p14:creationId xmlns:p14="http://schemas.microsoft.com/office/powerpoint/2010/main" val="1078767661"/>
+        <p14:creationId xmlns:p14="http://schemas.microsoft.com/office/powerpoint/2010/main" val="2129016807"/>
       </p:ext>
     </p:extLst>
   </p:cSld>
@@ -820,13 +776,7 @@
       </p:grpSpPr>
       <p:sp>
         <p:nvSpPr>
-          <p:cNvPr id="2" name="縦書きタイトル 1">
-            <a:extLst>
-              <a:ext uri="{FF2B5EF4-FFF2-40B4-BE49-F238E27FC236}">
-                <a16:creationId xmlns:a16="http://schemas.microsoft.com/office/drawing/2014/main" id="{36AA19EE-0B49-4B9F-CC35-210C9696301A}"/>
-              </a:ext>
-            </a:extLst>
-          </p:cNvPr>
+          <p:cNvPr id="2" name="Vertical Title 1"/>
           <p:cNvSpPr>
             <a:spLocks noGrp="1"/>
           </p:cNvSpPr>
@@ -836,7 +786,7 @@
         </p:nvSpPr>
         <p:spPr>
           <a:xfrm>
-            <a:off x="8724900" y="365125"/>
+            <a:off x="8724900" y="360362"/>
             <a:ext cx="2628900" cy="5811838"/>
           </a:xfrm>
         </p:spPr>
@@ -845,21 +795,16 @@
           <a:lstStyle/>
           <a:p>
             <a:r>
-              <a:rPr kumimoji="1" lang="ja-JP" altLang="en-US"/>
+              <a:rPr lang="ja-JP" altLang="en-US" smtClean="0"/>
               <a:t>マスター タイトルの書式設定</a:t>
             </a:r>
-          </a:p>
-        </p:txBody>
-      </p:sp>
-      <p:sp>
-        <p:nvSpPr>
-          <p:cNvPr id="3" name="縦書きテキスト プレースホルダー 2">
-            <a:extLst>
-              <a:ext uri="{FF2B5EF4-FFF2-40B4-BE49-F238E27FC236}">
-                <a16:creationId xmlns:a16="http://schemas.microsoft.com/office/drawing/2014/main" id="{8C6B4027-8C3A-2F60-8D99-D8F1985B5B6C}"/>
-              </a:ext>
-            </a:extLst>
-          </p:cNvPr>
+            <a:endParaRPr lang="en-US"/>
+          </a:p>
+        </p:txBody>
+      </p:sp>
+      <p:sp>
+        <p:nvSpPr>
+          <p:cNvPr id="3" name="Vertical Text Placeholder 2"/>
           <p:cNvSpPr>
             <a:spLocks noGrp="1"/>
           </p:cNvSpPr>
@@ -869,8 +814,8 @@
         </p:nvSpPr>
         <p:spPr>
           <a:xfrm>
-            <a:off x="838200" y="365125"/>
-            <a:ext cx="7734300" cy="5811838"/>
+            <a:off x="838200" y="360362"/>
+            <a:ext cx="7734300" cy="5811837"/>
           </a:xfrm>
         </p:spPr>
         <p:txBody>
@@ -879,81 +824,76 @@
           <a:p>
             <a:pPr lvl="0"/>
             <a:r>
-              <a:rPr kumimoji="1" lang="ja-JP" altLang="en-US"/>
+              <a:rPr lang="ja-JP" altLang="en-US" smtClean="0"/>
               <a:t>マスター テキストの書式設定</a:t>
             </a:r>
           </a:p>
           <a:p>
             <a:pPr lvl="1"/>
             <a:r>
-              <a:rPr kumimoji="1" lang="ja-JP" altLang="en-US"/>
+              <a:rPr lang="ja-JP" altLang="en-US" smtClean="0"/>
               <a:t>第 </a:t>
             </a:r>
             <a:r>
-              <a:rPr kumimoji="1" lang="en-US" altLang="ja-JP"/>
+              <a:rPr lang="en-US" altLang="ja-JP" smtClean="0"/>
               <a:t>2 </a:t>
             </a:r>
             <a:r>
-              <a:rPr kumimoji="1" lang="ja-JP" altLang="en-US"/>
+              <a:rPr lang="ja-JP" altLang="en-US" smtClean="0"/>
               <a:t>レベル</a:t>
             </a:r>
           </a:p>
           <a:p>
             <a:pPr lvl="2"/>
             <a:r>
-              <a:rPr kumimoji="1" lang="ja-JP" altLang="en-US"/>
+              <a:rPr lang="ja-JP" altLang="en-US" smtClean="0"/>
               <a:t>第 </a:t>
             </a:r>
             <a:r>
-              <a:rPr kumimoji="1" lang="en-US" altLang="ja-JP"/>
+              <a:rPr lang="en-US" altLang="ja-JP" smtClean="0"/>
               <a:t>3 </a:t>
             </a:r>
             <a:r>
-              <a:rPr kumimoji="1" lang="ja-JP" altLang="en-US"/>
+              <a:rPr lang="ja-JP" altLang="en-US" smtClean="0"/>
               <a:t>レベル</a:t>
             </a:r>
           </a:p>
           <a:p>
             <a:pPr lvl="3"/>
             <a:r>
-              <a:rPr kumimoji="1" lang="ja-JP" altLang="en-US"/>
+              <a:rPr lang="ja-JP" altLang="en-US" smtClean="0"/>
               <a:t>第 </a:t>
             </a:r>
             <a:r>
-              <a:rPr kumimoji="1" lang="en-US" altLang="ja-JP"/>
+              <a:rPr lang="en-US" altLang="ja-JP" smtClean="0"/>
               <a:t>4 </a:t>
             </a:r>
             <a:r>
-              <a:rPr kumimoji="1" lang="ja-JP" altLang="en-US"/>
+              <a:rPr lang="ja-JP" altLang="en-US" smtClean="0"/>
               <a:t>レベル</a:t>
             </a:r>
           </a:p>
           <a:p>
             <a:pPr lvl="4"/>
             <a:r>
-              <a:rPr kumimoji="1" lang="ja-JP" altLang="en-US"/>
+              <a:rPr lang="ja-JP" altLang="en-US" smtClean="0"/>
               <a:t>第 </a:t>
             </a:r>
             <a:r>
-              <a:rPr kumimoji="1" lang="en-US" altLang="ja-JP"/>
+              <a:rPr lang="en-US" altLang="ja-JP" smtClean="0"/>
               <a:t>5 </a:t>
             </a:r>
             <a:r>
-              <a:rPr kumimoji="1" lang="ja-JP" altLang="en-US"/>
+              <a:rPr lang="ja-JP" altLang="en-US" smtClean="0"/>
               <a:t>レベル</a:t>
             </a:r>
-          </a:p>
-        </p:txBody>
-      </p:sp>
-      <p:sp>
-        <p:nvSpPr>
-          <p:cNvPr id="4" name="日付プレースホルダー 3">
-            <a:extLst>
-              <a:ext uri="{FF2B5EF4-FFF2-40B4-BE49-F238E27FC236}">
-                <a16:creationId xmlns:a16="http://schemas.microsoft.com/office/drawing/2014/main" id="{E9B5FFA8-03A0-2656-26FA-CDB5846416C6}"/>
-              </a:ext>
-            </a:extLst>
-          </p:cNvPr>
+            <a:endParaRPr lang="en-US"/>
+          </a:p>
+        </p:txBody>
+      </p:sp>
+      <p:sp>
+        <p:nvSpPr>
+          <p:cNvPr id="4" name="Date Placeholder 3"/>
           <p:cNvSpPr>
             <a:spLocks noGrp="1"/>
           </p:cNvSpPr>
@@ -968,7 +908,7 @@
           <a:p>
             <a:fld id="{E3020441-CB21-445C-817D-199401EC5197}" type="datetimeFigureOut">
               <a:rPr kumimoji="1" lang="ja-JP" altLang="en-US" smtClean="0"/>
-              <a:t>2024/10/13</a:t>
+              <a:t>2024/10/28</a:t>
             </a:fld>
             <a:endParaRPr kumimoji="1" lang="ja-JP" altLang="en-US"/>
           </a:p>
@@ -976,13 +916,7 @@
       </p:sp>
       <p:sp>
         <p:nvSpPr>
-          <p:cNvPr id="5" name="フッター プレースホルダー 4">
-            <a:extLst>
-              <a:ext uri="{FF2B5EF4-FFF2-40B4-BE49-F238E27FC236}">
-                <a16:creationId xmlns:a16="http://schemas.microsoft.com/office/drawing/2014/main" id="{EEC007AE-CE21-B581-0BC5-C4D335B023FB}"/>
-              </a:ext>
-            </a:extLst>
-          </p:cNvPr>
+          <p:cNvPr id="5" name="Footer Placeholder 4"/>
           <p:cNvSpPr>
             <a:spLocks noGrp="1"/>
           </p:cNvSpPr>
@@ -1001,13 +935,7 @@
       </p:sp>
       <p:sp>
         <p:nvSpPr>
-          <p:cNvPr id="6" name="スライド番号プレースホルダー 5">
-            <a:extLst>
-              <a:ext uri="{FF2B5EF4-FFF2-40B4-BE49-F238E27FC236}">
-                <a16:creationId xmlns:a16="http://schemas.microsoft.com/office/drawing/2014/main" id="{38A7D6A8-30FF-0AD5-EE47-618B5B264392}"/>
-              </a:ext>
-            </a:extLst>
-          </p:cNvPr>
+          <p:cNvPr id="6" name="Slide Number Placeholder 5"/>
           <p:cNvSpPr>
             <a:spLocks noGrp="1"/>
           </p:cNvSpPr>
@@ -1031,7 +959,7 @@
     </p:spTree>
     <p:extLst>
       <p:ext uri="{BB962C8B-B14F-4D97-AF65-F5344CB8AC3E}">
-        <p14:creationId xmlns:p14="http://schemas.microsoft.com/office/powerpoint/2010/main" val="1238254546"/>
+        <p14:creationId xmlns:p14="http://schemas.microsoft.com/office/powerpoint/2010/main" val="3389684188"/>
       </p:ext>
     </p:extLst>
   </p:cSld>
@@ -1060,13 +988,7 @@
       </p:grpSpPr>
       <p:sp>
         <p:nvSpPr>
-          <p:cNvPr id="2" name="タイトル 1">
-            <a:extLst>
-              <a:ext uri="{FF2B5EF4-FFF2-40B4-BE49-F238E27FC236}">
-                <a16:creationId xmlns:a16="http://schemas.microsoft.com/office/drawing/2014/main" id="{0F48150D-6E86-C118-BF6F-5CF3E485836B}"/>
-              </a:ext>
-            </a:extLst>
-          </p:cNvPr>
+          <p:cNvPr id="2" name="Title 1"/>
           <p:cNvSpPr>
             <a:spLocks noGrp="1"/>
           </p:cNvSpPr>
@@ -1080,21 +1002,16 @@
           <a:lstStyle/>
           <a:p>
             <a:r>
-              <a:rPr kumimoji="1" lang="ja-JP" altLang="en-US"/>
+              <a:rPr lang="ja-JP" altLang="en-US" smtClean="0"/>
               <a:t>マスター タイトルの書式設定</a:t>
             </a:r>
-          </a:p>
-        </p:txBody>
-      </p:sp>
-      <p:sp>
-        <p:nvSpPr>
-          <p:cNvPr id="3" name="コンテンツ プレースホルダー 2">
-            <a:extLst>
-              <a:ext uri="{FF2B5EF4-FFF2-40B4-BE49-F238E27FC236}">
-                <a16:creationId xmlns:a16="http://schemas.microsoft.com/office/drawing/2014/main" id="{421C080E-7464-84BC-5C6B-8884C69813C0}"/>
-              </a:ext>
-            </a:extLst>
-          </p:cNvPr>
+            <a:endParaRPr lang="en-US" dirty="0"/>
+          </a:p>
+        </p:txBody>
+      </p:sp>
+      <p:sp>
+        <p:nvSpPr>
+          <p:cNvPr id="3" name="Content Placeholder 2"/>
           <p:cNvSpPr>
             <a:spLocks noGrp="1"/>
           </p:cNvSpPr>
@@ -1109,81 +1026,76 @@
           <a:p>
             <a:pPr lvl="0"/>
             <a:r>
-              <a:rPr kumimoji="1" lang="ja-JP" altLang="en-US"/>
+              <a:rPr lang="ja-JP" altLang="en-US" smtClean="0"/>
               <a:t>マスター テキストの書式設定</a:t>
             </a:r>
           </a:p>
           <a:p>
             <a:pPr lvl="1"/>
             <a:r>
-              <a:rPr kumimoji="1" lang="ja-JP" altLang="en-US"/>
+              <a:rPr lang="ja-JP" altLang="en-US" smtClean="0"/>
               <a:t>第 </a:t>
             </a:r>
             <a:r>
-              <a:rPr kumimoji="1" lang="en-US" altLang="ja-JP"/>
+              <a:rPr lang="en-US" altLang="ja-JP" smtClean="0"/>
               <a:t>2 </a:t>
             </a:r>
             <a:r>
-              <a:rPr kumimoji="1" lang="ja-JP" altLang="en-US"/>
+              <a:rPr lang="ja-JP" altLang="en-US" smtClean="0"/>
               <a:t>レベル</a:t>
             </a:r>
           </a:p>
           <a:p>
             <a:pPr lvl="2"/>
             <a:r>
-              <a:rPr kumimoji="1" lang="ja-JP" altLang="en-US"/>
+              <a:rPr lang="ja-JP" altLang="en-US" smtClean="0"/>
               <a:t>第 </a:t>
             </a:r>
             <a:r>
-              <a:rPr kumimoji="1" lang="en-US" altLang="ja-JP"/>
+              <a:rPr lang="en-US" altLang="ja-JP" smtClean="0"/>
               <a:t>3 </a:t>
             </a:r>
             <a:r>
-              <a:rPr kumimoji="1" lang="ja-JP" altLang="en-US"/>
+              <a:rPr lang="ja-JP" altLang="en-US" smtClean="0"/>
               <a:t>レベル</a:t>
             </a:r>
           </a:p>
           <a:p>
             <a:pPr lvl="3"/>
             <a:r>
-              <a:rPr kumimoji="1" lang="ja-JP" altLang="en-US"/>
+              <a:rPr lang="ja-JP" altLang="en-US" smtClean="0"/>
               <a:t>第 </a:t>
             </a:r>
             <a:r>
-              <a:rPr kumimoji="1" lang="en-US" altLang="ja-JP"/>
+              <a:rPr lang="en-US" altLang="ja-JP" smtClean="0"/>
               <a:t>4 </a:t>
             </a:r>
             <a:r>
-              <a:rPr kumimoji="1" lang="ja-JP" altLang="en-US"/>
+              <a:rPr lang="ja-JP" altLang="en-US" smtClean="0"/>
               <a:t>レベル</a:t>
             </a:r>
           </a:p>
           <a:p>
             <a:pPr lvl="4"/>
             <a:r>
-              <a:rPr kumimoji="1" lang="ja-JP" altLang="en-US"/>
+              <a:rPr lang="ja-JP" altLang="en-US" smtClean="0"/>
               <a:t>第 </a:t>
             </a:r>
             <a:r>
-              <a:rPr kumimoji="1" lang="en-US" altLang="ja-JP"/>
+              <a:rPr lang="en-US" altLang="ja-JP" smtClean="0"/>
               <a:t>5 </a:t>
             </a:r>
             <a:r>
-              <a:rPr kumimoji="1" lang="ja-JP" altLang="en-US"/>
+              <a:rPr lang="ja-JP" altLang="en-US" smtClean="0"/>
               <a:t>レベル</a:t>
             </a:r>
-          </a:p>
-        </p:txBody>
-      </p:sp>
-      <p:sp>
-        <p:nvSpPr>
-          <p:cNvPr id="4" name="日付プレースホルダー 3">
-            <a:extLst>
-              <a:ext uri="{FF2B5EF4-FFF2-40B4-BE49-F238E27FC236}">
-                <a16:creationId xmlns:a16="http://schemas.microsoft.com/office/drawing/2014/main" id="{9D29279A-9870-BC7A-341F-F7B39128DF51}"/>
-              </a:ext>
-            </a:extLst>
-          </p:cNvPr>
+            <a:endParaRPr lang="en-US" dirty="0"/>
+          </a:p>
+        </p:txBody>
+      </p:sp>
+      <p:sp>
+        <p:nvSpPr>
+          <p:cNvPr id="4" name="Date Placeholder 3"/>
           <p:cNvSpPr>
             <a:spLocks noGrp="1"/>
           </p:cNvSpPr>
@@ -1198,7 +1110,7 @@
           <a:p>
             <a:fld id="{E3020441-CB21-445C-817D-199401EC5197}" type="datetimeFigureOut">
               <a:rPr kumimoji="1" lang="ja-JP" altLang="en-US" smtClean="0"/>
-              <a:t>2024/10/13</a:t>
+              <a:t>2024/10/28</a:t>
             </a:fld>
             <a:endParaRPr kumimoji="1" lang="ja-JP" altLang="en-US"/>
           </a:p>
@@ -1206,13 +1118,7 @@
       </p:sp>
       <p:sp>
         <p:nvSpPr>
-          <p:cNvPr id="5" name="フッター プレースホルダー 4">
-            <a:extLst>
-              <a:ext uri="{FF2B5EF4-FFF2-40B4-BE49-F238E27FC236}">
-                <a16:creationId xmlns:a16="http://schemas.microsoft.com/office/drawing/2014/main" id="{40E53D4F-A7C8-9EC7-686B-2B74430E5FFE}"/>
-              </a:ext>
-            </a:extLst>
-          </p:cNvPr>
+          <p:cNvPr id="5" name="Footer Placeholder 4"/>
           <p:cNvSpPr>
             <a:spLocks noGrp="1"/>
           </p:cNvSpPr>
@@ -1231,13 +1137,7 @@
       </p:sp>
       <p:sp>
         <p:nvSpPr>
-          <p:cNvPr id="6" name="スライド番号プレースホルダー 5">
-            <a:extLst>
-              <a:ext uri="{FF2B5EF4-FFF2-40B4-BE49-F238E27FC236}">
-                <a16:creationId xmlns:a16="http://schemas.microsoft.com/office/drawing/2014/main" id="{025C4F08-D98C-7188-2294-777BA928955C}"/>
-              </a:ext>
-            </a:extLst>
-          </p:cNvPr>
+          <p:cNvPr id="6" name="Slide Number Placeholder 5"/>
           <p:cNvSpPr>
             <a:spLocks noGrp="1"/>
           </p:cNvSpPr>
@@ -1261,7 +1161,7 @@
     </p:spTree>
     <p:extLst>
       <p:ext uri="{BB962C8B-B14F-4D97-AF65-F5344CB8AC3E}">
-        <p14:creationId xmlns:p14="http://schemas.microsoft.com/office/powerpoint/2010/main" val="309797402"/>
+        <p14:creationId xmlns:p14="http://schemas.microsoft.com/office/powerpoint/2010/main" val="881431160"/>
       </p:ext>
     </p:extLst>
   </p:cSld>
@@ -1290,13 +1190,7 @@
       </p:grpSpPr>
       <p:sp>
         <p:nvSpPr>
-          <p:cNvPr id="2" name="タイトル 1">
-            <a:extLst>
-              <a:ext uri="{FF2B5EF4-FFF2-40B4-BE49-F238E27FC236}">
-                <a16:creationId xmlns:a16="http://schemas.microsoft.com/office/drawing/2014/main" id="{D92A6C9B-FB01-E8FC-B5D8-65437B0CE918}"/>
-              </a:ext>
-            </a:extLst>
-          </p:cNvPr>
+          <p:cNvPr id="2" name="Title 1"/>
           <p:cNvSpPr>
             <a:spLocks noGrp="1"/>
           </p:cNvSpPr>
@@ -1306,34 +1200,31 @@
         </p:nvSpPr>
         <p:spPr>
           <a:xfrm>
-            <a:off x="831850" y="1709738"/>
-            <a:ext cx="10515600" cy="2852737"/>
-          </a:xfrm>
-        </p:spPr>
-        <p:txBody>
-          <a:bodyPr anchor="b"/>
+            <a:off x="831850" y="1712423"/>
+            <a:ext cx="10515600" cy="2851208"/>
+          </a:xfrm>
+        </p:spPr>
+        <p:txBody>
+          <a:bodyPr anchor="b">
+            <a:normAutofit/>
+          </a:bodyPr>
           <a:lstStyle>
             <a:lvl1pPr>
-              <a:defRPr sz="6000"/>
+              <a:defRPr sz="6000" b="0"/>
             </a:lvl1pPr>
           </a:lstStyle>
           <a:p>
             <a:r>
-              <a:rPr kumimoji="1" lang="ja-JP" altLang="en-US"/>
+              <a:rPr lang="ja-JP" altLang="en-US" smtClean="0"/>
               <a:t>マスター タイトルの書式設定</a:t>
             </a:r>
-          </a:p>
-        </p:txBody>
-      </p:sp>
-      <p:sp>
-        <p:nvSpPr>
-          <p:cNvPr id="3" name="テキスト プレースホルダー 2">
-            <a:extLst>
-              <a:ext uri="{FF2B5EF4-FFF2-40B4-BE49-F238E27FC236}">
-                <a16:creationId xmlns:a16="http://schemas.microsoft.com/office/drawing/2014/main" id="{EECE5ABF-D03A-2C13-5397-5EAA49AB65CB}"/>
-              </a:ext>
-            </a:extLst>
-          </p:cNvPr>
+            <a:endParaRPr lang="en-US" dirty="0"/>
+          </a:p>
+        </p:txBody>
+      </p:sp>
+      <p:sp>
+        <p:nvSpPr>
+          <p:cNvPr id="3" name="Text Placeholder 2"/>
           <p:cNvSpPr>
             <a:spLocks noGrp="1"/>
           </p:cNvSpPr>
@@ -1343,99 +1234,102 @@
         </p:nvSpPr>
         <p:spPr>
           <a:xfrm>
-            <a:off x="831850" y="4589463"/>
+            <a:off x="831850" y="4552633"/>
             <a:ext cx="10515600" cy="1500187"/>
           </a:xfrm>
         </p:spPr>
         <p:txBody>
-          <a:bodyPr/>
+          <a:bodyPr anchor="t">
+            <a:normAutofit/>
+          </a:bodyPr>
           <a:lstStyle>
             <a:lvl1pPr marL="0" indent="0">
               <a:buNone/>
               <a:defRPr sz="2400">
                 <a:solidFill>
                   <a:schemeClr val="tx1">
-                    <a:tint val="82000"/>
+                    <a:lumMod val="75000"/>
+                    <a:lumOff val="25000"/>
                   </a:schemeClr>
                 </a:solidFill>
               </a:defRPr>
             </a:lvl1pPr>
             <a:lvl2pPr marL="457200" indent="0">
               <a:buNone/>
-              <a:defRPr sz="2000">
+              <a:defRPr sz="1800">
                 <a:solidFill>
                   <a:schemeClr val="tx1">
-                    <a:tint val="82000"/>
+                    <a:tint val="75000"/>
                   </a:schemeClr>
                 </a:solidFill>
               </a:defRPr>
             </a:lvl2pPr>
             <a:lvl3pPr marL="914400" indent="0">
               <a:buNone/>
-              <a:defRPr sz="1800">
+              <a:defRPr sz="1600">
                 <a:solidFill>
                   <a:schemeClr val="tx1">
-                    <a:tint val="82000"/>
+                    <a:tint val="75000"/>
                   </a:schemeClr>
                 </a:solidFill>
               </a:defRPr>
             </a:lvl3pPr>
             <a:lvl4pPr marL="1371600" indent="0">
               <a:buNone/>
-              <a:defRPr sz="1600">
+              <a:defRPr sz="1400">
                 <a:solidFill>
                   <a:schemeClr val="tx1">
-                    <a:tint val="82000"/>
+                    <a:tint val="75000"/>
                   </a:schemeClr>
                 </a:solidFill>
               </a:defRPr>
             </a:lvl4pPr>
             <a:lvl5pPr marL="1828800" indent="0">
               <a:buNone/>
-              <a:defRPr sz="1600">
+              <a:defRPr sz="1400">
                 <a:solidFill>
                   <a:schemeClr val="tx1">
-                    <a:tint val="82000"/>
+                    <a:tint val="75000"/>
                   </a:schemeClr>
                 </a:solidFill>
               </a:defRPr>
             </a:lvl5pPr>
             <a:lvl6pPr marL="2286000" indent="0">
               <a:buNone/>
-              <a:defRPr sz="1600">
+              <a:defRPr sz="1400">
                 <a:solidFill>
                   <a:schemeClr val="tx1">
-                    <a:tint val="82000"/>
+                    <a:tint val="75000"/>
                   </a:schemeClr>
                 </a:solidFill>
               </a:defRPr>
             </a:lvl6pPr>
             <a:lvl7pPr marL="2743200" indent="0">
               <a:buNone/>
-              <a:defRPr sz="1600">
+              <a:defRPr sz="1400">
                 <a:solidFill>
                   <a:schemeClr val="tx1">
-                    <a:tint val="82000"/>
+                    <a:tint val="75000"/>
                   </a:schemeClr>
                 </a:solidFill>
               </a:defRPr>
             </a:lvl7pPr>
             <a:lvl8pPr marL="3200400" indent="0">
               <a:buNone/>
-              <a:defRPr sz="1600">
+              <a:defRPr sz="1400">
                 <a:solidFill>
                   <a:schemeClr val="tx1">
-                    <a:tint val="82000"/>
+                    <a:tint val="75000"/>
                   </a:schemeClr>
                 </a:solidFill>
               </a:defRPr>
             </a:lvl8pPr>
             <a:lvl9pPr marL="3657600" indent="0">
               <a:buNone/>
-              <a:defRPr sz="1600">
+              <a:defRPr sz="1400">
                 <a:solidFill>
                   <a:schemeClr val="tx1">
-                    <a:tint val="82000"/>
+                    <a:tint val="75000"/>
                   </a:schemeClr>
                 </a:solidFill>
               </a:defRPr>
@@ -1444,7 +1338,7 @@
           <a:p>
             <a:pPr lvl="0"/>
             <a:r>
-              <a:rPr kumimoji="1" lang="ja-JP" altLang="en-US"/>
+              <a:rPr lang="ja-JP" altLang="en-US" smtClean="0"/>
               <a:t>マスター テキストの書式設定</a:t>
             </a:r>
           </a:p>
@@ -1452,13 +1346,7 @@
       </p:sp>
       <p:sp>
         <p:nvSpPr>
-          <p:cNvPr id="4" name="日付プレースホルダー 3">
-            <a:extLst>
-              <a:ext uri="{FF2B5EF4-FFF2-40B4-BE49-F238E27FC236}">
-                <a16:creationId xmlns:a16="http://schemas.microsoft.com/office/drawing/2014/main" id="{88668C05-14D7-679C-EF02-B5BB4CE79A83}"/>
-              </a:ext>
-            </a:extLst>
-          </p:cNvPr>
+          <p:cNvPr id="4" name="Date Placeholder 3"/>
           <p:cNvSpPr>
             <a:spLocks noGrp="1"/>
           </p:cNvSpPr>
@@ -1473,7 +1361,7 @@
           <a:p>
             <a:fld id="{E3020441-CB21-445C-817D-199401EC5197}" type="datetimeFigureOut">
               <a:rPr kumimoji="1" lang="ja-JP" altLang="en-US" smtClean="0"/>
-              <a:t>2024/10/13</a:t>
+              <a:t>2024/10/28</a:t>
             </a:fld>
             <a:endParaRPr kumimoji="1" lang="ja-JP" altLang="en-US"/>
           </a:p>
@@ -1481,13 +1369,7 @@
       </p:sp>
       <p:sp>
         <p:nvSpPr>
-          <p:cNvPr id="5" name="フッター プレースホルダー 4">
-            <a:extLst>
-              <a:ext uri="{FF2B5EF4-FFF2-40B4-BE49-F238E27FC236}">
-                <a16:creationId xmlns:a16="http://schemas.microsoft.com/office/drawing/2014/main" id="{1DBFD1D9-67D7-C854-736F-A3C6D13C971B}"/>
-              </a:ext>
-            </a:extLst>
-          </p:cNvPr>
+          <p:cNvPr id="5" name="Footer Placeholder 4"/>
           <p:cNvSpPr>
             <a:spLocks noGrp="1"/>
           </p:cNvSpPr>
@@ -1506,13 +1388,7 @@
       </p:sp>
       <p:sp>
         <p:nvSpPr>
-          <p:cNvPr id="6" name="スライド番号プレースホルダー 5">
-            <a:extLst>
-              <a:ext uri="{FF2B5EF4-FFF2-40B4-BE49-F238E27FC236}">
-                <a16:creationId xmlns:a16="http://schemas.microsoft.com/office/drawing/2014/main" id="{EF73EC75-5BE2-0AA4-ED5B-0FFA3C178968}"/>
-              </a:ext>
-            </a:extLst>
-          </p:cNvPr>
+          <p:cNvPr id="6" name="Slide Number Placeholder 5"/>
           <p:cNvSpPr>
             <a:spLocks noGrp="1"/>
           </p:cNvSpPr>
@@ -1536,7 +1412,7 @@
     </p:spTree>
     <p:extLst>
       <p:ext uri="{BB962C8B-B14F-4D97-AF65-F5344CB8AC3E}">
-        <p14:creationId xmlns:p14="http://schemas.microsoft.com/office/powerpoint/2010/main" val="102954036"/>
+        <p14:creationId xmlns:p14="http://schemas.microsoft.com/office/powerpoint/2010/main" val="926607767"/>
       </p:ext>
     </p:extLst>
   </p:cSld>
@@ -1565,13 +1441,7 @@
       </p:grpSpPr>
       <p:sp>
         <p:nvSpPr>
-          <p:cNvPr id="2" name="タイトル 1">
-            <a:extLst>
-              <a:ext uri="{FF2B5EF4-FFF2-40B4-BE49-F238E27FC236}">
-                <a16:creationId xmlns:a16="http://schemas.microsoft.com/office/drawing/2014/main" id="{752B83B4-C7AD-9CC3-7CDA-D150AF9B3DB9}"/>
-              </a:ext>
-            </a:extLst>
-          </p:cNvPr>
+          <p:cNvPr id="2" name="Title 1"/>
           <p:cNvSpPr>
             <a:spLocks noGrp="1"/>
           </p:cNvSpPr>
@@ -1585,21 +1455,16 @@
           <a:lstStyle/>
           <a:p>
             <a:r>
-              <a:rPr kumimoji="1" lang="ja-JP" altLang="en-US"/>
+              <a:rPr lang="ja-JP" altLang="en-US" smtClean="0"/>
               <a:t>マスター タイトルの書式設定</a:t>
             </a:r>
-          </a:p>
-        </p:txBody>
-      </p:sp>
-      <p:sp>
-        <p:nvSpPr>
-          <p:cNvPr id="3" name="コンテンツ プレースホルダー 2">
-            <a:extLst>
-              <a:ext uri="{FF2B5EF4-FFF2-40B4-BE49-F238E27FC236}">
-                <a16:creationId xmlns:a16="http://schemas.microsoft.com/office/drawing/2014/main" id="{A214FDB2-A67F-FB7A-748A-19826374F85D}"/>
-              </a:ext>
-            </a:extLst>
-          </p:cNvPr>
+            <a:endParaRPr lang="en-US" dirty="0"/>
+          </a:p>
+        </p:txBody>
+      </p:sp>
+      <p:sp>
+        <p:nvSpPr>
+          <p:cNvPr id="3" name="Content Placeholder 2"/>
           <p:cNvSpPr>
             <a:spLocks noGrp="1"/>
           </p:cNvSpPr>
@@ -1609,8 +1474,8 @@
         </p:nvSpPr>
         <p:spPr>
           <a:xfrm>
-            <a:off x="838200" y="1825625"/>
-            <a:ext cx="5181600" cy="4351338"/>
+            <a:off x="845127" y="1828800"/>
+            <a:ext cx="5181600" cy="4351337"/>
           </a:xfrm>
         </p:spPr>
         <p:txBody>
@@ -1619,81 +1484,76 @@
           <a:p>
             <a:pPr lvl="0"/>
             <a:r>
-              <a:rPr kumimoji="1" lang="ja-JP" altLang="en-US"/>
+              <a:rPr lang="ja-JP" altLang="en-US" smtClean="0"/>
               <a:t>マスター テキストの書式設定</a:t>
             </a:r>
           </a:p>
           <a:p>
             <a:pPr lvl="1"/>
             <a:r>
-              <a:rPr kumimoji="1" lang="ja-JP" altLang="en-US"/>
+              <a:rPr lang="ja-JP" altLang="en-US" smtClean="0"/>
               <a:t>第 </a:t>
             </a:r>
             <a:r>
-              <a:rPr kumimoji="1" lang="en-US" altLang="ja-JP"/>
+              <a:rPr lang="en-US" altLang="ja-JP" smtClean="0"/>
               <a:t>2 </a:t>
             </a:r>
             <a:r>
-              <a:rPr kumimoji="1" lang="ja-JP" altLang="en-US"/>
+              <a:rPr lang="ja-JP" altLang="en-US" smtClean="0"/>
               <a:t>レベル</a:t>
             </a:r>
           </a:p>
           <a:p>
             <a:pPr lvl="2"/>
             <a:r>
-              <a:rPr kumimoji="1" lang="ja-JP" altLang="en-US"/>
+              <a:rPr lang="ja-JP" altLang="en-US" smtClean="0"/>
               <a:t>第 </a:t>
             </a:r>
             <a:r>
-              <a:rPr kumimoji="1" lang="en-US" altLang="ja-JP"/>
+              <a:rPr lang="en-US" altLang="ja-JP" smtClean="0"/>
               <a:t>3 </a:t>
             </a:r>
             <a:r>
-              <a:rPr kumimoji="1" lang="ja-JP" altLang="en-US"/>
+              <a:rPr lang="ja-JP" altLang="en-US" smtClean="0"/>
               <a:t>レベル</a:t>
             </a:r>
           </a:p>
           <a:p>
             <a:pPr lvl="3"/>
             <a:r>
-              <a:rPr kumimoji="1" lang="ja-JP" altLang="en-US"/>
+              <a:rPr lang="ja-JP" altLang="en-US" smtClean="0"/>
               <a:t>第 </a:t>
             </a:r>
             <a:r>
-              <a:rPr kumimoji="1" lang="en-US" altLang="ja-JP"/>
+              <a:rPr lang="en-US" altLang="ja-JP" smtClean="0"/>
               <a:t>4 </a:t>
             </a:r>
             <a:r>
-              <a:rPr kumimoji="1" lang="ja-JP" altLang="en-US"/>
+              <a:rPr lang="ja-JP" altLang="en-US" smtClean="0"/>
               <a:t>レベル</a:t>
             </a:r>
           </a:p>
           <a:p>
             <a:pPr lvl="4"/>
             <a:r>
-              <a:rPr kumimoji="1" lang="ja-JP" altLang="en-US"/>
+              <a:rPr lang="ja-JP" altLang="en-US" smtClean="0"/>
               <a:t>第 </a:t>
             </a:r>
             <a:r>
-              <a:rPr kumimoji="1" lang="en-US" altLang="ja-JP"/>
+              <a:rPr lang="en-US" altLang="ja-JP" smtClean="0"/>
               <a:t>5 </a:t>
             </a:r>
             <a:r>
-              <a:rPr kumimoji="1" lang="ja-JP" altLang="en-US"/>
+              <a:rPr lang="ja-JP" altLang="en-US" smtClean="0"/>
               <a:t>レベル</a:t>
             </a:r>
-          </a:p>
-        </p:txBody>
-      </p:sp>
-      <p:sp>
-        <p:nvSpPr>
-          <p:cNvPr id="4" name="コンテンツ プレースホルダー 3">
-            <a:extLst>
-              <a:ext uri="{FF2B5EF4-FFF2-40B4-BE49-F238E27FC236}">
-                <a16:creationId xmlns:a16="http://schemas.microsoft.com/office/drawing/2014/main" id="{0C32DA2F-1C43-6AEA-E0EE-6197EAECE4BE}"/>
-              </a:ext>
-            </a:extLst>
-          </p:cNvPr>
+            <a:endParaRPr lang="en-US" dirty="0"/>
+          </a:p>
+        </p:txBody>
+      </p:sp>
+      <p:sp>
+        <p:nvSpPr>
+          <p:cNvPr id="4" name="Content Placeholder 3"/>
           <p:cNvSpPr>
             <a:spLocks noGrp="1"/>
           </p:cNvSpPr>
@@ -1703,8 +1563,8 @@
         </p:nvSpPr>
         <p:spPr>
           <a:xfrm>
-            <a:off x="6172200" y="1825625"/>
-            <a:ext cx="5181600" cy="4351338"/>
+            <a:off x="6172200" y="1828800"/>
+            <a:ext cx="5181600" cy="4351337"/>
           </a:xfrm>
         </p:spPr>
         <p:txBody>
@@ -1713,81 +1573,76 @@
           <a:p>
             <a:pPr lvl="0"/>
             <a:r>
-              <a:rPr kumimoji="1" lang="ja-JP" altLang="en-US"/>
+              <a:rPr lang="ja-JP" altLang="en-US" smtClean="0"/>
               <a:t>マスター テキストの書式設定</a:t>
             </a:r>
           </a:p>
           <a:p>
             <a:pPr lvl="1"/>
             <a:r>
-              <a:rPr kumimoji="1" lang="ja-JP" altLang="en-US"/>
+              <a:rPr lang="ja-JP" altLang="en-US" smtClean="0"/>
               <a:t>第 </a:t>
             </a:r>
             <a:r>
-              <a:rPr kumimoji="1" lang="en-US" altLang="ja-JP"/>
+              <a:rPr lang="en-US" altLang="ja-JP" smtClean="0"/>
               <a:t>2 </a:t>
             </a:r>
             <a:r>
-              <a:rPr kumimoji="1" lang="ja-JP" altLang="en-US"/>
+              <a:rPr lang="ja-JP" altLang="en-US" smtClean="0"/>
               <a:t>レベル</a:t>
             </a:r>
           </a:p>
           <a:p>
             <a:pPr lvl="2"/>
             <a:r>
-              <a:rPr kumimoji="1" lang="ja-JP" altLang="en-US"/>
+              <a:rPr lang="ja-JP" altLang="en-US" smtClean="0"/>
               <a:t>第 </a:t>
             </a:r>
             <a:r>
-              <a:rPr kumimoji="1" lang="en-US" altLang="ja-JP"/>
+              <a:rPr lang="en-US" altLang="ja-JP" smtClean="0"/>
               <a:t>3 </a:t>
             </a:r>
             <a:r>
-              <a:rPr kumimoji="1" lang="ja-JP" altLang="en-US"/>
+              <a:rPr lang="ja-JP" altLang="en-US" smtClean="0"/>
               <a:t>レベル</a:t>
             </a:r>
           </a:p>
           <a:p>
             <a:pPr lvl="3"/>
             <a:r>
-              <a:rPr kumimoji="1" lang="ja-JP" altLang="en-US"/>
+              <a:rPr lang="ja-JP" altLang="en-US" smtClean="0"/>
               <a:t>第 </a:t>
             </a:r>
             <a:r>
-              <a:rPr kumimoji="1" lang="en-US" altLang="ja-JP"/>
+              <a:rPr lang="en-US" altLang="ja-JP" smtClean="0"/>
               <a:t>4 </a:t>
             </a:r>
             <a:r>
-              <a:rPr kumimoji="1" lang="ja-JP" altLang="en-US"/>
+              <a:rPr lang="ja-JP" altLang="en-US" smtClean="0"/>
               <a:t>レベル</a:t>
             </a:r>
           </a:p>
           <a:p>
             <a:pPr lvl="4"/>
             <a:r>
-              <a:rPr kumimoji="1" lang="ja-JP" altLang="en-US"/>
+              <a:rPr lang="ja-JP" altLang="en-US" smtClean="0"/>
               <a:t>第 </a:t>
             </a:r>
             <a:r>
-              <a:rPr kumimoji="1" lang="en-US" altLang="ja-JP"/>
+              <a:rPr lang="en-US" altLang="ja-JP" smtClean="0"/>
               <a:t>5 </a:t>
             </a:r>
             <a:r>
-              <a:rPr kumimoji="1" lang="ja-JP" altLang="en-US"/>
+              <a:rPr lang="ja-JP" altLang="en-US" smtClean="0"/>
               <a:t>レベル</a:t>
             </a:r>
-          </a:p>
-        </p:txBody>
-      </p:sp>
-      <p:sp>
-        <p:nvSpPr>
-          <p:cNvPr id="5" name="日付プレースホルダー 4">
-            <a:extLst>
-              <a:ext uri="{FF2B5EF4-FFF2-40B4-BE49-F238E27FC236}">
-                <a16:creationId xmlns:a16="http://schemas.microsoft.com/office/drawing/2014/main" id="{CD03CF3A-F29F-9709-8156-9E11D4721AF8}"/>
-              </a:ext>
-            </a:extLst>
-          </p:cNvPr>
+            <a:endParaRPr lang="en-US" dirty="0"/>
+          </a:p>
+        </p:txBody>
+      </p:sp>
+      <p:sp>
+        <p:nvSpPr>
+          <p:cNvPr id="5" name="Date Placeholder 4"/>
           <p:cNvSpPr>
             <a:spLocks noGrp="1"/>
           </p:cNvSpPr>
@@ -1802,7 +1657,7 @@
           <a:p>
             <a:fld id="{E3020441-CB21-445C-817D-199401EC5197}" type="datetimeFigureOut">
               <a:rPr kumimoji="1" lang="ja-JP" altLang="en-US" smtClean="0"/>
-              <a:t>2024/10/13</a:t>
+              <a:t>2024/10/28</a:t>
             </a:fld>
             <a:endParaRPr kumimoji="1" lang="ja-JP" altLang="en-US"/>
           </a:p>
@@ -1810,13 +1665,7 @@
       </p:sp>
       <p:sp>
         <p:nvSpPr>
-          <p:cNvPr id="6" name="フッター プレースホルダー 5">
-            <a:extLst>
-              <a:ext uri="{FF2B5EF4-FFF2-40B4-BE49-F238E27FC236}">
-                <a16:creationId xmlns:a16="http://schemas.microsoft.com/office/drawing/2014/main" id="{DF7DBC3A-F843-9057-69A7-FD2CC89F04CF}"/>
-              </a:ext>
-            </a:extLst>
-          </p:cNvPr>
+          <p:cNvPr id="6" name="Footer Placeholder 5"/>
           <p:cNvSpPr>
             <a:spLocks noGrp="1"/>
           </p:cNvSpPr>
@@ -1835,13 +1684,7 @@
       </p:sp>
       <p:sp>
         <p:nvSpPr>
-          <p:cNvPr id="7" name="スライド番号プレースホルダー 6">
-            <a:extLst>
-              <a:ext uri="{FF2B5EF4-FFF2-40B4-BE49-F238E27FC236}">
-                <a16:creationId xmlns:a16="http://schemas.microsoft.com/office/drawing/2014/main" id="{4603A7E2-4CED-7583-2CB4-E3BE8803A9CD}"/>
-              </a:ext>
-            </a:extLst>
-          </p:cNvPr>
+          <p:cNvPr id="7" name="Slide Number Placeholder 6"/>
           <p:cNvSpPr>
             <a:spLocks noGrp="1"/>
           </p:cNvSpPr>
@@ -1865,7 +1708,7 @@
     </p:spTree>
     <p:extLst>
       <p:ext uri="{BB962C8B-B14F-4D97-AF65-F5344CB8AC3E}">
-        <p14:creationId xmlns:p14="http://schemas.microsoft.com/office/powerpoint/2010/main" val="1569854808"/>
+        <p14:creationId xmlns:p14="http://schemas.microsoft.com/office/powerpoint/2010/main" val="1157556277"/>
       </p:ext>
     </p:extLst>
   </p:cSld>
@@ -1876,7 +1719,7 @@
 </file>
 
 <file path=ppt/slideLayouts/slideLayout5.xml><?xml version="1.0" encoding="utf-8"?>
-<p:sldLayout xmlns:a="http://schemas.openxmlformats.org/drawingml/2006/main" xmlns:r="http://schemas.openxmlformats.org/officeDocument/2006/relationships" xmlns:p="http://schemas.openxmlformats.org/presentationml/2006/main" type="twoTxTwoObj" preserve="1">
+<p:sldLayout xmlns:a="http://schemas.openxmlformats.org/drawingml/2006/main" xmlns:r="http://schemas.openxmlformats.org/officeDocument/2006/relationships" xmlns:p="http://schemas.openxmlformats.org/presentationml/2006/main" preserve="1">
   <p:cSld name="比較">
     <p:spTree>
       <p:nvGrpSpPr>
@@ -1894,46 +1737,7 @@
       </p:grpSpPr>
       <p:sp>
         <p:nvSpPr>
-          <p:cNvPr id="2" name="タイトル 1">
-            <a:extLst>
-              <a:ext uri="{FF2B5EF4-FFF2-40B4-BE49-F238E27FC236}">
-                <a16:creationId xmlns:a16="http://schemas.microsoft.com/office/drawing/2014/main" id="{C144C5C0-4B66-45AE-5BE7-F4FD661631D5}"/>
-              </a:ext>
-            </a:extLst>
-          </p:cNvPr>
-          <p:cNvSpPr>
-            <a:spLocks noGrp="1"/>
-          </p:cNvSpPr>
-          <p:nvPr>
-            <p:ph type="title"/>
-          </p:nvPr>
-        </p:nvSpPr>
-        <p:spPr>
-          <a:xfrm>
-            <a:off x="839788" y="365125"/>
-            <a:ext cx="10515600" cy="1325563"/>
-          </a:xfrm>
-        </p:spPr>
-        <p:txBody>
-          <a:bodyPr/>
-          <a:lstStyle/>
-          <a:p>
-            <a:r>
-              <a:rPr kumimoji="1" lang="ja-JP" altLang="en-US"/>
-              <a:t>マスター タイトルの書式設定</a:t>
-            </a:r>
-          </a:p>
-        </p:txBody>
-      </p:sp>
-      <p:sp>
-        <p:nvSpPr>
-          <p:cNvPr id="3" name="テキスト プレースホルダー 2">
-            <a:extLst>
-              <a:ext uri="{FF2B5EF4-FFF2-40B4-BE49-F238E27FC236}">
-                <a16:creationId xmlns:a16="http://schemas.microsoft.com/office/drawing/2014/main" id="{84DF41E1-4013-A0E8-1DDD-557A8F83A181}"/>
-              </a:ext>
-            </a:extLst>
-          </p:cNvPr>
+          <p:cNvPr id="3" name="Text Placeholder 2"/>
           <p:cNvSpPr>
             <a:spLocks noGrp="1"/>
           </p:cNvSpPr>
@@ -1943,14 +1747,19 @@
         </p:nvSpPr>
         <p:spPr>
           <a:xfrm>
-            <a:off x="839788" y="1681163"/>
-            <a:ext cx="5157787" cy="823912"/>
-          </a:xfrm>
-        </p:spPr>
-        <p:txBody>
-          <a:bodyPr anchor="b"/>
+            <a:off x="845127" y="1681850"/>
+            <a:ext cx="5156200" cy="825699"/>
+          </a:xfrm>
+        </p:spPr>
+        <p:txBody>
+          <a:bodyPr anchor="b">
+            <a:normAutofit/>
+          </a:bodyPr>
           <a:lstStyle>
             <a:lvl1pPr marL="0" indent="0">
+              <a:spcBef>
+                <a:spcPts val="0"/>
+              </a:spcBef>
               <a:buNone/>
               <a:defRPr sz="2400" b="1"/>
             </a:lvl1pPr>
@@ -1990,7 +1799,7 @@
           <a:p>
             <a:pPr lvl="0"/>
             <a:r>
-              <a:rPr kumimoji="1" lang="ja-JP" altLang="en-US"/>
+              <a:rPr lang="ja-JP" altLang="en-US" smtClean="0"/>
               <a:t>マスター テキストの書式設定</a:t>
             </a:r>
           </a:p>
@@ -1998,13 +1807,7 @@
       </p:sp>
       <p:sp>
         <p:nvSpPr>
-          <p:cNvPr id="4" name="コンテンツ プレースホルダー 3">
-            <a:extLst>
-              <a:ext uri="{FF2B5EF4-FFF2-40B4-BE49-F238E27FC236}">
-                <a16:creationId xmlns:a16="http://schemas.microsoft.com/office/drawing/2014/main" id="{5239082D-E080-44D7-CA7F-89F2F0EEF736}"/>
-              </a:ext>
-            </a:extLst>
-          </p:cNvPr>
+          <p:cNvPr id="4" name="Content Placeholder 3"/>
           <p:cNvSpPr>
             <a:spLocks noGrp="1"/>
           </p:cNvSpPr>
@@ -2014,8 +1817,8 @@
         </p:nvSpPr>
         <p:spPr>
           <a:xfrm>
-            <a:off x="839788" y="2505075"/>
-            <a:ext cx="5157787" cy="3684588"/>
+            <a:off x="845127" y="2507550"/>
+            <a:ext cx="5156200" cy="3680525"/>
           </a:xfrm>
         </p:spPr>
         <p:txBody>
@@ -2024,81 +1827,76 @@
           <a:p>
             <a:pPr lvl="0"/>
             <a:r>
-              <a:rPr kumimoji="1" lang="ja-JP" altLang="en-US"/>
+              <a:rPr lang="ja-JP" altLang="en-US" smtClean="0"/>
               <a:t>マスター テキストの書式設定</a:t>
             </a:r>
           </a:p>
           <a:p>
             <a:pPr lvl="1"/>
             <a:r>
-              <a:rPr kumimoji="1" lang="ja-JP" altLang="en-US"/>
+              <a:rPr lang="ja-JP" altLang="en-US" smtClean="0"/>
               <a:t>第 </a:t>
             </a:r>
             <a:r>
-              <a:rPr kumimoji="1" lang="en-US" altLang="ja-JP"/>
+              <a:rPr lang="en-US" altLang="ja-JP" smtClean="0"/>
               <a:t>2 </a:t>
             </a:r>
             <a:r>
-              <a:rPr kumimoji="1" lang="ja-JP" altLang="en-US"/>
+              <a:rPr lang="ja-JP" altLang="en-US" smtClean="0"/>
               <a:t>レベル</a:t>
             </a:r>
           </a:p>
           <a:p>
             <a:pPr lvl="2"/>
             <a:r>
-              <a:rPr kumimoji="1" lang="ja-JP" altLang="en-US"/>
+              <a:rPr lang="ja-JP" altLang="en-US" smtClean="0"/>
               <a:t>第 </a:t>
             </a:r>
             <a:r>
-              <a:rPr kumimoji="1" lang="en-US" altLang="ja-JP"/>
+              <a:rPr lang="en-US" altLang="ja-JP" smtClean="0"/>
               <a:t>3 </a:t>
             </a:r>
             <a:r>
-              <a:rPr kumimoji="1" lang="ja-JP" altLang="en-US"/>
+              <a:rPr lang="ja-JP" altLang="en-US" smtClean="0"/>
               <a:t>レベル</a:t>
             </a:r>
           </a:p>
           <a:p>
             <a:pPr lvl="3"/>
             <a:r>
-              <a:rPr kumimoji="1" lang="ja-JP" altLang="en-US"/>
+              <a:rPr lang="ja-JP" altLang="en-US" smtClean="0"/>
               <a:t>第 </a:t>
             </a:r>
             <a:r>
-              <a:rPr kumimoji="1" lang="en-US" altLang="ja-JP"/>
+              <a:rPr lang="en-US" altLang="ja-JP" smtClean="0"/>
               <a:t>4 </a:t>
             </a:r>
             <a:r>
-              <a:rPr kumimoji="1" lang="ja-JP" altLang="en-US"/>
+              <a:rPr lang="ja-JP" altLang="en-US" smtClean="0"/>
               <a:t>レベル</a:t>
             </a:r>
           </a:p>
           <a:p>
             <a:pPr lvl="4"/>
             <a:r>
-              <a:rPr kumimoji="1" lang="ja-JP" altLang="en-US"/>
+              <a:rPr lang="ja-JP" altLang="en-US" smtClean="0"/>
               <a:t>第 </a:t>
             </a:r>
             <a:r>
-              <a:rPr kumimoji="1" lang="en-US" altLang="ja-JP"/>
+              <a:rPr lang="en-US" altLang="ja-JP" smtClean="0"/>
               <a:t>5 </a:t>
             </a:r>
             <a:r>
-              <a:rPr kumimoji="1" lang="ja-JP" altLang="en-US"/>
+              <a:rPr lang="ja-JP" altLang="en-US" smtClean="0"/>
               <a:t>レベル</a:t>
             </a:r>
-          </a:p>
-        </p:txBody>
-      </p:sp>
-      <p:sp>
-        <p:nvSpPr>
-          <p:cNvPr id="5" name="テキスト プレースホルダー 4">
-            <a:extLst>
-              <a:ext uri="{FF2B5EF4-FFF2-40B4-BE49-F238E27FC236}">
-                <a16:creationId xmlns:a16="http://schemas.microsoft.com/office/drawing/2014/main" id="{58F02CAC-569D-2A5D-16E5-EB4CD9256A5A}"/>
-              </a:ext>
-            </a:extLst>
-          </p:cNvPr>
+            <a:endParaRPr lang="en-US" dirty="0"/>
+          </a:p>
+        </p:txBody>
+      </p:sp>
+      <p:sp>
+        <p:nvSpPr>
+          <p:cNvPr id="5" name="Text Placeholder 4"/>
           <p:cNvSpPr>
             <a:spLocks noGrp="1"/>
           </p:cNvSpPr>
@@ -2108,14 +1906,17 @@
         </p:nvSpPr>
         <p:spPr>
           <a:xfrm>
-            <a:off x="6172200" y="1681163"/>
-            <a:ext cx="5183188" cy="823912"/>
+            <a:off x="6172200" y="1681851"/>
+            <a:ext cx="5181601" cy="825698"/>
           </a:xfrm>
         </p:spPr>
         <p:txBody>
           <a:bodyPr anchor="b"/>
           <a:lstStyle>
             <a:lvl1pPr marL="0" indent="0">
+              <a:spcBef>
+                <a:spcPts val="0"/>
+              </a:spcBef>
               <a:buNone/>
               <a:defRPr sz="2400" b="1"/>
             </a:lvl1pPr>
@@ -2155,7 +1956,7 @@
           <a:p>
             <a:pPr lvl="0"/>
             <a:r>
-              <a:rPr kumimoji="1" lang="ja-JP" altLang="en-US"/>
+              <a:rPr lang="ja-JP" altLang="en-US" smtClean="0"/>
               <a:t>マスター テキストの書式設定</a:t>
             </a:r>
           </a:p>
@@ -2163,13 +1964,7 @@
       </p:sp>
       <p:sp>
         <p:nvSpPr>
-          <p:cNvPr id="6" name="コンテンツ プレースホルダー 5">
-            <a:extLst>
-              <a:ext uri="{FF2B5EF4-FFF2-40B4-BE49-F238E27FC236}">
-                <a16:creationId xmlns:a16="http://schemas.microsoft.com/office/drawing/2014/main" id="{36ACEB1D-07B8-62A8-BA18-362F0211D202}"/>
-              </a:ext>
-            </a:extLst>
-          </p:cNvPr>
+          <p:cNvPr id="6" name="Content Placeholder 5"/>
           <p:cNvSpPr>
             <a:spLocks noGrp="1"/>
           </p:cNvSpPr>
@@ -2179,8 +1974,8 @@
         </p:nvSpPr>
         <p:spPr>
           <a:xfrm>
-            <a:off x="6172200" y="2505075"/>
-            <a:ext cx="5183188" cy="3684588"/>
+            <a:off x="6172200" y="2507550"/>
+            <a:ext cx="5181601" cy="3680525"/>
           </a:xfrm>
         </p:spPr>
         <p:txBody>
@@ -2189,81 +1984,76 @@
           <a:p>
             <a:pPr lvl="0"/>
             <a:r>
-              <a:rPr kumimoji="1" lang="ja-JP" altLang="en-US"/>
+              <a:rPr lang="ja-JP" altLang="en-US" smtClean="0"/>
               <a:t>マスター テキストの書式設定</a:t>
             </a:r>
           </a:p>
           <a:p>
             <a:pPr lvl="1"/>
             <a:r>
-              <a:rPr kumimoji="1" lang="ja-JP" altLang="en-US"/>
+              <a:rPr lang="ja-JP" altLang="en-US" smtClean="0"/>
               <a:t>第 </a:t>
             </a:r>
             <a:r>
-              <a:rPr kumimoji="1" lang="en-US" altLang="ja-JP"/>
+              <a:rPr lang="en-US" altLang="ja-JP" smtClean="0"/>
               <a:t>2 </a:t>
             </a:r>
             <a:r>
-              <a:rPr kumimoji="1" lang="ja-JP" altLang="en-US"/>
+              <a:rPr lang="ja-JP" altLang="en-US" smtClean="0"/>
               <a:t>レベル</a:t>
             </a:r>
           </a:p>
           <a:p>
             <a:pPr lvl="2"/>
             <a:r>
-              <a:rPr kumimoji="1" lang="ja-JP" altLang="en-US"/>
+              <a:rPr lang="ja-JP" altLang="en-US" smtClean="0"/>
               <a:t>第 </a:t>
             </a:r>
             <a:r>
-              <a:rPr kumimoji="1" lang="en-US" altLang="ja-JP"/>
+              <a:rPr lang="en-US" altLang="ja-JP" smtClean="0"/>
               <a:t>3 </a:t>
             </a:r>
             <a:r>
-              <a:rPr kumimoji="1" lang="ja-JP" altLang="en-US"/>
+              <a:rPr lang="ja-JP" altLang="en-US" smtClean="0"/>
               <a:t>レベル</a:t>
             </a:r>
           </a:p>
           <a:p>
             <a:pPr lvl="3"/>
             <a:r>
-              <a:rPr kumimoji="1" lang="ja-JP" altLang="en-US"/>
+              <a:rPr lang="ja-JP" altLang="en-US" smtClean="0"/>
               <a:t>第 </a:t>
             </a:r>
             <a:r>
-              <a:rPr kumimoji="1" lang="en-US" altLang="ja-JP"/>
+              <a:rPr lang="en-US" altLang="ja-JP" smtClean="0"/>
               <a:t>4 </a:t>
             </a:r>
             <a:r>
-              <a:rPr kumimoji="1" lang="ja-JP" altLang="en-US"/>
+              <a:rPr lang="ja-JP" altLang="en-US" smtClean="0"/>
               <a:t>レベル</a:t>
             </a:r>
           </a:p>
           <a:p>
             <a:pPr lvl="4"/>
             <a:r>
-              <a:rPr kumimoji="1" lang="ja-JP" altLang="en-US"/>
+              <a:rPr lang="ja-JP" altLang="en-US" smtClean="0"/>
               <a:t>第 </a:t>
             </a:r>
             <a:r>
-              <a:rPr kumimoji="1" lang="en-US" altLang="ja-JP"/>
+              <a:rPr lang="en-US" altLang="ja-JP" smtClean="0"/>
               <a:t>5 </a:t>
             </a:r>
             <a:r>
-              <a:rPr kumimoji="1" lang="ja-JP" altLang="en-US"/>
+              <a:rPr lang="ja-JP" altLang="en-US" smtClean="0"/>
               <a:t>レベル</a:t>
             </a:r>
-          </a:p>
-        </p:txBody>
-      </p:sp>
-      <p:sp>
-        <p:nvSpPr>
-          <p:cNvPr id="7" name="日付プレースホルダー 6">
-            <a:extLst>
-              <a:ext uri="{FF2B5EF4-FFF2-40B4-BE49-F238E27FC236}">
-                <a16:creationId xmlns:a16="http://schemas.microsoft.com/office/drawing/2014/main" id="{98CF64F2-DAD3-6C61-CF35-1D838FC94839}"/>
-              </a:ext>
-            </a:extLst>
-          </p:cNvPr>
+            <a:endParaRPr lang="en-US"/>
+          </a:p>
+        </p:txBody>
+      </p:sp>
+      <p:sp>
+        <p:nvSpPr>
+          <p:cNvPr id="7" name="Date Placeholder 6"/>
           <p:cNvSpPr>
             <a:spLocks noGrp="1"/>
           </p:cNvSpPr>
@@ -2278,7 +2068,7 @@
           <a:p>
             <a:fld id="{E3020441-CB21-445C-817D-199401EC5197}" type="datetimeFigureOut">
               <a:rPr kumimoji="1" lang="ja-JP" altLang="en-US" smtClean="0"/>
-              <a:t>2024/10/13</a:t>
+              <a:t>2024/10/28</a:t>
             </a:fld>
             <a:endParaRPr kumimoji="1" lang="ja-JP" altLang="en-US"/>
           </a:p>
@@ -2286,13 +2076,7 @@
       </p:sp>
       <p:sp>
         <p:nvSpPr>
-          <p:cNvPr id="8" name="フッター プレースホルダー 7">
-            <a:extLst>
-              <a:ext uri="{FF2B5EF4-FFF2-40B4-BE49-F238E27FC236}">
-                <a16:creationId xmlns:a16="http://schemas.microsoft.com/office/drawing/2014/main" id="{EA4E566A-F12B-A8BC-B08F-E9CB460BD383}"/>
-              </a:ext>
-            </a:extLst>
-          </p:cNvPr>
+          <p:cNvPr id="8" name="Footer Placeholder 7"/>
           <p:cNvSpPr>
             <a:spLocks noGrp="1"/>
           </p:cNvSpPr>
@@ -2311,13 +2095,7 @@
       </p:sp>
       <p:sp>
         <p:nvSpPr>
-          <p:cNvPr id="9" name="スライド番号プレースホルダー 8">
-            <a:extLst>
-              <a:ext uri="{FF2B5EF4-FFF2-40B4-BE49-F238E27FC236}">
-                <a16:creationId xmlns:a16="http://schemas.microsoft.com/office/drawing/2014/main" id="{0C5E9CA7-DD04-4632-42A6-5E8B3251D714}"/>
-              </a:ext>
-            </a:extLst>
-          </p:cNvPr>
+          <p:cNvPr id="9" name="Slide Number Placeholder 8"/>
           <p:cNvSpPr>
             <a:spLocks noGrp="1"/>
           </p:cNvSpPr>
@@ -2338,10 +2116,33 @@
           </a:p>
         </p:txBody>
       </p:sp>
+      <p:sp>
+        <p:nvSpPr>
+          <p:cNvPr id="10" name="Title 9"/>
+          <p:cNvSpPr>
+            <a:spLocks noGrp="1"/>
+          </p:cNvSpPr>
+          <p:nvPr>
+            <p:ph type="title"/>
+          </p:nvPr>
+        </p:nvSpPr>
+        <p:spPr/>
+        <p:txBody>
+          <a:bodyPr/>
+          <a:lstStyle/>
+          <a:p>
+            <a:r>
+              <a:rPr lang="ja-JP" altLang="en-US" smtClean="0"/>
+              <a:t>マスター タイトルの書式設定</a:t>
+            </a:r>
+            <a:endParaRPr lang="en-US" dirty="0"/>
+          </a:p>
+        </p:txBody>
+      </p:sp>
     </p:spTree>
     <p:extLst>
       <p:ext uri="{BB962C8B-B14F-4D97-AF65-F5344CB8AC3E}">
-        <p14:creationId xmlns:p14="http://schemas.microsoft.com/office/powerpoint/2010/main" val="3080130060"/>
+        <p14:creationId xmlns:p14="http://schemas.microsoft.com/office/powerpoint/2010/main" val="4139574960"/>
       </p:ext>
     </p:extLst>
   </p:cSld>
@@ -2352,7 +2153,7 @@
 </file>
 
 <file path=ppt/slideLayouts/slideLayout6.xml><?xml version="1.0" encoding="utf-8"?>
-<p:sldLayout xmlns:a="http://schemas.openxmlformats.org/drawingml/2006/main" xmlns:r="http://schemas.openxmlformats.org/officeDocument/2006/relationships" xmlns:p="http://schemas.openxmlformats.org/presentationml/2006/main" type="titleOnly" preserve="1">
+<p:sldLayout xmlns:a="http://schemas.openxmlformats.org/drawingml/2006/main" xmlns:r="http://schemas.openxmlformats.org/officeDocument/2006/relationships" xmlns:p="http://schemas.openxmlformats.org/presentationml/2006/main" preserve="1">
   <p:cSld name="タイトルのみ">
     <p:spTree>
       <p:nvGrpSpPr>
@@ -2370,13 +2171,72 @@
       </p:grpSpPr>
       <p:sp>
         <p:nvSpPr>
-          <p:cNvPr id="2" name="タイトル 1">
-            <a:extLst>
-              <a:ext uri="{FF2B5EF4-FFF2-40B4-BE49-F238E27FC236}">
-                <a16:creationId xmlns:a16="http://schemas.microsoft.com/office/drawing/2014/main" id="{E006C097-5B89-6513-C061-C1B12B018B0A}"/>
-              </a:ext>
-            </a:extLst>
-          </p:cNvPr>
+          <p:cNvPr id="3" name="Date Placeholder 2"/>
+          <p:cNvSpPr>
+            <a:spLocks noGrp="1"/>
+          </p:cNvSpPr>
+          <p:nvPr>
+            <p:ph type="dt" sz="half" idx="10"/>
+          </p:nvPr>
+        </p:nvSpPr>
+        <p:spPr/>
+        <p:txBody>
+          <a:bodyPr/>
+          <a:lstStyle/>
+          <a:p>
+            <a:fld id="{E3020441-CB21-445C-817D-199401EC5197}" type="datetimeFigureOut">
+              <a:rPr kumimoji="1" lang="ja-JP" altLang="en-US" smtClean="0"/>
+              <a:t>2024/10/28</a:t>
+            </a:fld>
+            <a:endParaRPr kumimoji="1" lang="ja-JP" altLang="en-US"/>
+          </a:p>
+        </p:txBody>
+      </p:sp>
+      <p:sp>
+        <p:nvSpPr>
+          <p:cNvPr id="4" name="Footer Placeholder 3"/>
+          <p:cNvSpPr>
+            <a:spLocks noGrp="1"/>
+          </p:cNvSpPr>
+          <p:nvPr>
+            <p:ph type="ftr" sz="quarter" idx="11"/>
+          </p:nvPr>
+        </p:nvSpPr>
+        <p:spPr/>
+        <p:txBody>
+          <a:bodyPr/>
+          <a:lstStyle/>
+          <a:p>
+            <a:endParaRPr kumimoji="1" lang="ja-JP" altLang="en-US"/>
+          </a:p>
+        </p:txBody>
+      </p:sp>
+      <p:sp>
+        <p:nvSpPr>
+          <p:cNvPr id="5" name="Slide Number Placeholder 4"/>
+          <p:cNvSpPr>
+            <a:spLocks noGrp="1"/>
+          </p:cNvSpPr>
+          <p:nvPr>
+            <p:ph type="sldNum" sz="quarter" idx="12"/>
+          </p:nvPr>
+        </p:nvSpPr>
+        <p:spPr/>
+        <p:txBody>
+          <a:bodyPr/>
+          <a:lstStyle/>
+          <a:p>
+            <a:fld id="{370C4932-9EDE-437C-A354-4A9F0C652723}" type="slidenum">
+              <a:rPr kumimoji="1" lang="ja-JP" altLang="en-US" smtClean="0"/>
+              <a:t>‹#›</a:t>
+            </a:fld>
+            <a:endParaRPr kumimoji="1" lang="ja-JP" altLang="en-US"/>
+          </a:p>
+        </p:txBody>
+      </p:sp>
+      <p:sp>
+        <p:nvSpPr>
+          <p:cNvPr id="6" name="Title 5"/>
           <p:cNvSpPr>
             <a:spLocks noGrp="1"/>
           </p:cNvSpPr>
@@ -2390,99 +2250,17 @@
           <a:lstStyle/>
           <a:p>
             <a:r>
-              <a:rPr kumimoji="1" lang="ja-JP" altLang="en-US"/>
+              <a:rPr lang="ja-JP" altLang="en-US" smtClean="0"/>
               <a:t>マスター タイトルの書式設定</a:t>
             </a:r>
-          </a:p>
-        </p:txBody>
-      </p:sp>
-      <p:sp>
-        <p:nvSpPr>
-          <p:cNvPr id="3" name="日付プレースホルダー 2">
-            <a:extLst>
-              <a:ext uri="{FF2B5EF4-FFF2-40B4-BE49-F238E27FC236}">
-                <a16:creationId xmlns:a16="http://schemas.microsoft.com/office/drawing/2014/main" id="{38B23E9E-36B6-DBA6-AECC-672157279F7F}"/>
-              </a:ext>
-            </a:extLst>
-          </p:cNvPr>
-          <p:cNvSpPr>
-            <a:spLocks noGrp="1"/>
-          </p:cNvSpPr>
-          <p:nvPr>
-            <p:ph type="dt" sz="half" idx="10"/>
-          </p:nvPr>
-        </p:nvSpPr>
-        <p:spPr/>
-        <p:txBody>
-          <a:bodyPr/>
-          <a:lstStyle/>
-          <a:p>
-            <a:fld id="{E3020441-CB21-445C-817D-199401EC5197}" type="datetimeFigureOut">
-              <a:rPr kumimoji="1" lang="ja-JP" altLang="en-US" smtClean="0"/>
-              <a:t>2024/10/13</a:t>
-            </a:fld>
-            <a:endParaRPr kumimoji="1" lang="ja-JP" altLang="en-US"/>
-          </a:p>
-        </p:txBody>
-      </p:sp>
-      <p:sp>
-        <p:nvSpPr>
-          <p:cNvPr id="4" name="フッター プレースホルダー 3">
-            <a:extLst>
-              <a:ext uri="{FF2B5EF4-FFF2-40B4-BE49-F238E27FC236}">
-                <a16:creationId xmlns:a16="http://schemas.microsoft.com/office/drawing/2014/main" id="{5B983D54-96A2-0E07-7E56-D14754388CB5}"/>
-              </a:ext>
-            </a:extLst>
-          </p:cNvPr>
-          <p:cNvSpPr>
-            <a:spLocks noGrp="1"/>
-          </p:cNvSpPr>
-          <p:nvPr>
-            <p:ph type="ftr" sz="quarter" idx="11"/>
-          </p:nvPr>
-        </p:nvSpPr>
-        <p:spPr/>
-        <p:txBody>
-          <a:bodyPr/>
-          <a:lstStyle/>
-          <a:p>
-            <a:endParaRPr kumimoji="1" lang="ja-JP" altLang="en-US"/>
-          </a:p>
-        </p:txBody>
-      </p:sp>
-      <p:sp>
-        <p:nvSpPr>
-          <p:cNvPr id="5" name="スライド番号プレースホルダー 4">
-            <a:extLst>
-              <a:ext uri="{FF2B5EF4-FFF2-40B4-BE49-F238E27FC236}">
-                <a16:creationId xmlns:a16="http://schemas.microsoft.com/office/drawing/2014/main" id="{2823DC1A-C49E-6ADF-2F07-72D4DCED89DE}"/>
-              </a:ext>
-            </a:extLst>
-          </p:cNvPr>
-          <p:cNvSpPr>
-            <a:spLocks noGrp="1"/>
-          </p:cNvSpPr>
-          <p:nvPr>
-            <p:ph type="sldNum" sz="quarter" idx="12"/>
-          </p:nvPr>
-        </p:nvSpPr>
-        <p:spPr/>
-        <p:txBody>
-          <a:bodyPr/>
-          <a:lstStyle/>
-          <a:p>
-            <a:fld id="{370C4932-9EDE-437C-A354-4A9F0C652723}" type="slidenum">
-              <a:rPr kumimoji="1" lang="ja-JP" altLang="en-US" smtClean="0"/>
-              <a:t>‹#›</a:t>
-            </a:fld>
-            <a:endParaRPr kumimoji="1" lang="ja-JP" altLang="en-US"/>
+            <a:endParaRPr lang="en-US"/>
           </a:p>
         </p:txBody>
       </p:sp>
     </p:spTree>
     <p:extLst>
       <p:ext uri="{BB962C8B-B14F-4D97-AF65-F5344CB8AC3E}">
-        <p14:creationId xmlns:p14="http://schemas.microsoft.com/office/powerpoint/2010/main" val="1923920453"/>
+        <p14:creationId xmlns:p14="http://schemas.microsoft.com/office/powerpoint/2010/main" val="4007072337"/>
       </p:ext>
     </p:extLst>
   </p:cSld>
@@ -2511,13 +2289,7 @@
       </p:grpSpPr>
       <p:sp>
         <p:nvSpPr>
-          <p:cNvPr id="2" name="日付プレースホルダー 1">
-            <a:extLst>
-              <a:ext uri="{FF2B5EF4-FFF2-40B4-BE49-F238E27FC236}">
-                <a16:creationId xmlns:a16="http://schemas.microsoft.com/office/drawing/2014/main" id="{506C0C60-B95E-3BE9-8A34-AE9D26FAA138}"/>
-              </a:ext>
-            </a:extLst>
-          </p:cNvPr>
+          <p:cNvPr id="2" name="Date Placeholder 1"/>
           <p:cNvSpPr>
             <a:spLocks noGrp="1"/>
           </p:cNvSpPr>
@@ -2532,7 +2304,7 @@
           <a:p>
             <a:fld id="{E3020441-CB21-445C-817D-199401EC5197}" type="datetimeFigureOut">
               <a:rPr kumimoji="1" lang="ja-JP" altLang="en-US" smtClean="0"/>
-              <a:t>2024/10/13</a:t>
+              <a:t>2024/10/28</a:t>
             </a:fld>
             <a:endParaRPr kumimoji="1" lang="ja-JP" altLang="en-US"/>
           </a:p>
@@ -2540,13 +2312,7 @@
       </p:sp>
       <p:sp>
         <p:nvSpPr>
-          <p:cNvPr id="3" name="フッター プレースホルダー 2">
-            <a:extLst>
-              <a:ext uri="{FF2B5EF4-FFF2-40B4-BE49-F238E27FC236}">
-                <a16:creationId xmlns:a16="http://schemas.microsoft.com/office/drawing/2014/main" id="{D333E4E0-6EF3-02B4-41F4-62D1673783B0}"/>
-              </a:ext>
-            </a:extLst>
-          </p:cNvPr>
+          <p:cNvPr id="3" name="Footer Placeholder 2"/>
           <p:cNvSpPr>
             <a:spLocks noGrp="1"/>
           </p:cNvSpPr>
@@ -2565,13 +2331,7 @@
       </p:sp>
       <p:sp>
         <p:nvSpPr>
-          <p:cNvPr id="4" name="スライド番号プレースホルダー 3">
-            <a:extLst>
-              <a:ext uri="{FF2B5EF4-FFF2-40B4-BE49-F238E27FC236}">
-                <a16:creationId xmlns:a16="http://schemas.microsoft.com/office/drawing/2014/main" id="{9AD074A1-20C9-5C5C-637E-C8176A27BF6B}"/>
-              </a:ext>
-            </a:extLst>
-          </p:cNvPr>
+          <p:cNvPr id="4" name="Slide Number Placeholder 3"/>
           <p:cNvSpPr>
             <a:spLocks noGrp="1"/>
           </p:cNvSpPr>
@@ -2595,7 +2355,7 @@
     </p:spTree>
     <p:extLst>
       <p:ext uri="{BB962C8B-B14F-4D97-AF65-F5344CB8AC3E}">
-        <p14:creationId xmlns:p14="http://schemas.microsoft.com/office/powerpoint/2010/main" val="453420543"/>
+        <p14:creationId xmlns:p14="http://schemas.microsoft.com/office/powerpoint/2010/main" val="1986708015"/>
       </p:ext>
     </p:extLst>
   </p:cSld>
@@ -2607,7 +2367,7 @@
 
 <file path=ppt/slideLayouts/slideLayout8.xml><?xml version="1.0" encoding="utf-8"?>
 <p:sldLayout xmlns:a="http://schemas.openxmlformats.org/drawingml/2006/main" xmlns:r="http://schemas.openxmlformats.org/officeDocument/2006/relationships" xmlns:p="http://schemas.openxmlformats.org/presentationml/2006/main" type="objTx" preserve="1">
-  <p:cSld name="タイトル付きのコンテンツ">
+  <p:cSld name="タイトル付きの&#10;コンテンツ">
     <p:spTree>
       <p:nvGrpSpPr>
         <p:cNvPr id="1" name=""/>
@@ -2624,13 +2384,7 @@
       </p:grpSpPr>
       <p:sp>
         <p:nvSpPr>
-          <p:cNvPr id="2" name="タイトル 1">
-            <a:extLst>
-              <a:ext uri="{FF2B5EF4-FFF2-40B4-BE49-F238E27FC236}">
-                <a16:creationId xmlns:a16="http://schemas.microsoft.com/office/drawing/2014/main" id="{BCB59AC3-C23A-B70B-BD72-BAA266D58942}"/>
-              </a:ext>
-            </a:extLst>
-          </p:cNvPr>
+          <p:cNvPr id="2" name="Title 1"/>
           <p:cNvSpPr>
             <a:spLocks noGrp="1"/>
           </p:cNvSpPr>
@@ -2640,34 +2394,31 @@
         </p:nvSpPr>
         <p:spPr>
           <a:xfrm>
-            <a:off x="839788" y="457200"/>
-            <a:ext cx="3932237" cy="1600200"/>
-          </a:xfrm>
-        </p:spPr>
-        <p:txBody>
-          <a:bodyPr anchor="b"/>
+            <a:off x="841248" y="457200"/>
+            <a:ext cx="3931920" cy="1600197"/>
+          </a:xfrm>
+        </p:spPr>
+        <p:txBody>
+          <a:bodyPr anchor="b">
+            <a:normAutofit/>
+          </a:bodyPr>
           <a:lstStyle>
             <a:lvl1pPr>
-              <a:defRPr sz="3200"/>
+              <a:defRPr sz="3200" b="0"/>
             </a:lvl1pPr>
           </a:lstStyle>
           <a:p>
             <a:r>
-              <a:rPr kumimoji="1" lang="ja-JP" altLang="en-US"/>
+              <a:rPr lang="ja-JP" altLang="en-US" smtClean="0"/>
               <a:t>マスター タイトルの書式設定</a:t>
             </a:r>
-          </a:p>
-        </p:txBody>
-      </p:sp>
-      <p:sp>
-        <p:nvSpPr>
-          <p:cNvPr id="3" name="コンテンツ プレースホルダー 2">
-            <a:extLst>
-              <a:ext uri="{FF2B5EF4-FFF2-40B4-BE49-F238E27FC236}">
-                <a16:creationId xmlns:a16="http://schemas.microsoft.com/office/drawing/2014/main" id="{ED0A625F-D065-BEBC-48DD-A1CA7932336D}"/>
-              </a:ext>
-            </a:extLst>
-          </p:cNvPr>
+            <a:endParaRPr lang="en-US" dirty="0"/>
+          </a:p>
+        </p:txBody>
+      </p:sp>
+      <p:sp>
+        <p:nvSpPr>
+          <p:cNvPr id="3" name="Content Placeholder 2"/>
           <p:cNvSpPr>
             <a:spLocks noGrp="1"/>
           </p:cNvSpPr>
@@ -2677,8 +2428,8 @@
         </p:nvSpPr>
         <p:spPr>
           <a:xfrm>
-            <a:off x="5183188" y="987425"/>
-            <a:ext cx="6172200" cy="4873625"/>
+            <a:off x="5181600" y="990600"/>
+            <a:ext cx="6172200" cy="4876800"/>
           </a:xfrm>
         </p:spPr>
         <p:txBody>
@@ -2715,81 +2466,76 @@
           <a:p>
             <a:pPr lvl="0"/>
             <a:r>
-              <a:rPr kumimoji="1" lang="ja-JP" altLang="en-US"/>
+              <a:rPr lang="ja-JP" altLang="en-US" smtClean="0"/>
               <a:t>マスター テキストの書式設定</a:t>
             </a:r>
           </a:p>
           <a:p>
             <a:pPr lvl="1"/>
             <a:r>
-              <a:rPr kumimoji="1" lang="ja-JP" altLang="en-US"/>
+              <a:rPr lang="ja-JP" altLang="en-US" smtClean="0"/>
               <a:t>第 </a:t>
             </a:r>
             <a:r>
-              <a:rPr kumimoji="1" lang="en-US" altLang="ja-JP"/>
+              <a:rPr lang="en-US" altLang="ja-JP" smtClean="0"/>
               <a:t>2 </a:t>
             </a:r>
             <a:r>
-              <a:rPr kumimoji="1" lang="ja-JP" altLang="en-US"/>
+              <a:rPr lang="ja-JP" altLang="en-US" smtClean="0"/>
               <a:t>レベル</a:t>
             </a:r>
           </a:p>
           <a:p>
             <a:pPr lvl="2"/>
             <a:r>
-              <a:rPr kumimoji="1" lang="ja-JP" altLang="en-US"/>
+              <a:rPr lang="ja-JP" altLang="en-US" smtClean="0"/>
               <a:t>第 </a:t>
             </a:r>
             <a:r>
-              <a:rPr kumimoji="1" lang="en-US" altLang="ja-JP"/>
+              <a:rPr lang="en-US" altLang="ja-JP" smtClean="0"/>
               <a:t>3 </a:t>
             </a:r>
             <a:r>
-              <a:rPr kumimoji="1" lang="ja-JP" altLang="en-US"/>
+              <a:rPr lang="ja-JP" altLang="en-US" smtClean="0"/>
               <a:t>レベル</a:t>
             </a:r>
           </a:p>
           <a:p>
             <a:pPr lvl="3"/>
             <a:r>
-              <a:rPr kumimoji="1" lang="ja-JP" altLang="en-US"/>
+              <a:rPr lang="ja-JP" altLang="en-US" smtClean="0"/>
               <a:t>第 </a:t>
             </a:r>
             <a:r>
-              <a:rPr kumimoji="1" lang="en-US" altLang="ja-JP"/>
+              <a:rPr lang="en-US" altLang="ja-JP" smtClean="0"/>
               <a:t>4 </a:t>
             </a:r>
             <a:r>
-              <a:rPr kumimoji="1" lang="ja-JP" altLang="en-US"/>
+              <a:rPr lang="ja-JP" altLang="en-US" smtClean="0"/>
               <a:t>レベル</a:t>
             </a:r>
           </a:p>
           <a:p>
             <a:pPr lvl="4"/>
             <a:r>
-              <a:rPr kumimoji="1" lang="ja-JP" altLang="en-US"/>
+              <a:rPr lang="ja-JP" altLang="en-US" smtClean="0"/>
               <a:t>第 </a:t>
             </a:r>
             <a:r>
-              <a:rPr kumimoji="1" lang="en-US" altLang="ja-JP"/>
+              <a:rPr lang="en-US" altLang="ja-JP" smtClean="0"/>
               <a:t>5 </a:t>
             </a:r>
             <a:r>
-              <a:rPr kumimoji="1" lang="ja-JP" altLang="en-US"/>
+              <a:rPr lang="ja-JP" altLang="en-US" smtClean="0"/>
               <a:t>レベル</a:t>
             </a:r>
-          </a:p>
-        </p:txBody>
-      </p:sp>
-      <p:sp>
-        <p:nvSpPr>
-          <p:cNvPr id="4" name="テキスト プレースホルダー 3">
-            <a:extLst>
-              <a:ext uri="{FF2B5EF4-FFF2-40B4-BE49-F238E27FC236}">
-                <a16:creationId xmlns:a16="http://schemas.microsoft.com/office/drawing/2014/main" id="{2882B794-00F1-44E6-27E7-29B9AF963D04}"/>
-              </a:ext>
-            </a:extLst>
-          </p:cNvPr>
+            <a:endParaRPr lang="en-US" dirty="0"/>
+          </a:p>
+        </p:txBody>
+      </p:sp>
+      <p:sp>
+        <p:nvSpPr>
+          <p:cNvPr id="4" name="Text Placeholder 3"/>
           <p:cNvSpPr>
             <a:spLocks noGrp="1"/>
           </p:cNvSpPr>
@@ -2799,54 +2545,59 @@
         </p:nvSpPr>
         <p:spPr>
           <a:xfrm>
-            <a:off x="839788" y="2057400"/>
-            <a:ext cx="3932237" cy="3811588"/>
-          </a:xfrm>
-        </p:spPr>
-        <p:txBody>
-          <a:bodyPr/>
+            <a:off x="841248" y="2057399"/>
+            <a:ext cx="3931920" cy="3810001"/>
+          </a:xfrm>
+        </p:spPr>
+        <p:txBody>
+          <a:bodyPr>
+            <a:normAutofit/>
+          </a:bodyPr>
           <a:lstStyle>
             <a:lvl1pPr marL="0" indent="0">
+              <a:lnSpc>
+                <a:spcPct val="90000"/>
+              </a:lnSpc>
               <a:buNone/>
               <a:defRPr sz="1600"/>
             </a:lvl1pPr>
             <a:lvl2pPr marL="457200" indent="0">
               <a:buNone/>
-              <a:defRPr sz="1400"/>
+              <a:defRPr sz="1200"/>
             </a:lvl2pPr>
             <a:lvl3pPr marL="914400" indent="0">
               <a:buNone/>
-              <a:defRPr sz="1200"/>
+              <a:defRPr sz="1000"/>
             </a:lvl3pPr>
             <a:lvl4pPr marL="1371600" indent="0">
               <a:buNone/>
-              <a:defRPr sz="1000"/>
+              <a:defRPr sz="900"/>
             </a:lvl4pPr>
             <a:lvl5pPr marL="1828800" indent="0">
               <a:buNone/>
-              <a:defRPr sz="1000"/>
+              <a:defRPr sz="900"/>
             </a:lvl5pPr>
             <a:lvl6pPr marL="2286000" indent="0">
               <a:buNone/>
-              <a:defRPr sz="1000"/>
+              <a:defRPr sz="900"/>
             </a:lvl6pPr>
             <a:lvl7pPr marL="2743200" indent="0">
               <a:buNone/>
-              <a:defRPr sz="1000"/>
+              <a:defRPr sz="900"/>
             </a:lvl7pPr>
             <a:lvl8pPr marL="3200400" indent="0">
               <a:buNone/>
-              <a:defRPr sz="1000"/>
+              <a:defRPr sz="900"/>
             </a:lvl8pPr>
             <a:lvl9pPr marL="3657600" indent="0">
               <a:buNone/>
-              <a:defRPr sz="1000"/>
+              <a:defRPr sz="900"/>
             </a:lvl9pPr>
           </a:lstStyle>
           <a:p>
             <a:pPr lvl="0"/>
             <a:r>
-              <a:rPr kumimoji="1" lang="ja-JP" altLang="en-US"/>
+              <a:rPr lang="ja-JP" altLang="en-US" smtClean="0"/>
               <a:t>マスター テキストの書式設定</a:t>
             </a:r>
           </a:p>
@@ -2854,13 +2605,7 @@
       </p:sp>
       <p:sp>
         <p:nvSpPr>
-          <p:cNvPr id="5" name="日付プレースホルダー 4">
-            <a:extLst>
-              <a:ext uri="{FF2B5EF4-FFF2-40B4-BE49-F238E27FC236}">
-                <a16:creationId xmlns:a16="http://schemas.microsoft.com/office/drawing/2014/main" id="{CB96B1FA-33A8-F405-E199-652494EA1FD8}"/>
-              </a:ext>
-            </a:extLst>
-          </p:cNvPr>
+          <p:cNvPr id="5" name="Date Placeholder 4"/>
           <p:cNvSpPr>
             <a:spLocks noGrp="1"/>
           </p:cNvSpPr>
@@ -2875,7 +2620,7 @@
           <a:p>
             <a:fld id="{E3020441-CB21-445C-817D-199401EC5197}" type="datetimeFigureOut">
               <a:rPr kumimoji="1" lang="ja-JP" altLang="en-US" smtClean="0"/>
-              <a:t>2024/10/13</a:t>
+              <a:t>2024/10/28</a:t>
             </a:fld>
             <a:endParaRPr kumimoji="1" lang="ja-JP" altLang="en-US"/>
           </a:p>
@@ -2883,13 +2628,7 @@
       </p:sp>
       <p:sp>
         <p:nvSpPr>
-          <p:cNvPr id="6" name="フッター プレースホルダー 5">
-            <a:extLst>
-              <a:ext uri="{FF2B5EF4-FFF2-40B4-BE49-F238E27FC236}">
-                <a16:creationId xmlns:a16="http://schemas.microsoft.com/office/drawing/2014/main" id="{46642E6C-EDAA-A8F4-14CC-97A4CE6A9BA7}"/>
-              </a:ext>
-            </a:extLst>
-          </p:cNvPr>
+          <p:cNvPr id="6" name="Footer Placeholder 5"/>
           <p:cNvSpPr>
             <a:spLocks noGrp="1"/>
           </p:cNvSpPr>
@@ -2908,13 +2647,7 @@
       </p:sp>
       <p:sp>
         <p:nvSpPr>
-          <p:cNvPr id="7" name="スライド番号プレースホルダー 6">
-            <a:extLst>
-              <a:ext uri="{FF2B5EF4-FFF2-40B4-BE49-F238E27FC236}">
-                <a16:creationId xmlns:a16="http://schemas.microsoft.com/office/drawing/2014/main" id="{D53825F3-557C-EA1D-288E-6EC147EAD3A0}"/>
-              </a:ext>
-            </a:extLst>
-          </p:cNvPr>
+          <p:cNvPr id="7" name="Slide Number Placeholder 6"/>
           <p:cNvSpPr>
             <a:spLocks noGrp="1"/>
           </p:cNvSpPr>
@@ -2938,7 +2671,7 @@
     </p:spTree>
     <p:extLst>
       <p:ext uri="{BB962C8B-B14F-4D97-AF65-F5344CB8AC3E}">
-        <p14:creationId xmlns:p14="http://schemas.microsoft.com/office/powerpoint/2010/main" val="4125576603"/>
+        <p14:creationId xmlns:p14="http://schemas.microsoft.com/office/powerpoint/2010/main" val="2758825793"/>
       </p:ext>
     </p:extLst>
   </p:cSld>
@@ -2967,13 +2700,7 @@
       </p:grpSpPr>
       <p:sp>
         <p:nvSpPr>
-          <p:cNvPr id="2" name="タイトル 1">
-            <a:extLst>
-              <a:ext uri="{FF2B5EF4-FFF2-40B4-BE49-F238E27FC236}">
-                <a16:creationId xmlns:a16="http://schemas.microsoft.com/office/drawing/2014/main" id="{CA05259A-EAC0-AA68-1F62-AE882BF4FEC1}"/>
-              </a:ext>
-            </a:extLst>
-          </p:cNvPr>
+          <p:cNvPr id="2" name="Title 1"/>
           <p:cNvSpPr>
             <a:spLocks noGrp="1"/>
           </p:cNvSpPr>
@@ -2983,34 +2710,31 @@
         </p:nvSpPr>
         <p:spPr>
           <a:xfrm>
-            <a:off x="839788" y="457200"/>
-            <a:ext cx="3932237" cy="1600200"/>
-          </a:xfrm>
-        </p:spPr>
-        <p:txBody>
-          <a:bodyPr anchor="b"/>
+            <a:off x="841248" y="457200"/>
+            <a:ext cx="3931920" cy="1600200"/>
+          </a:xfrm>
+        </p:spPr>
+        <p:txBody>
+          <a:bodyPr anchor="b">
+            <a:normAutofit/>
+          </a:bodyPr>
           <a:lstStyle>
             <a:lvl1pPr>
-              <a:defRPr sz="3200"/>
+              <a:defRPr sz="3200" b="0"/>
             </a:lvl1pPr>
           </a:lstStyle>
           <a:p>
             <a:r>
-              <a:rPr kumimoji="1" lang="ja-JP" altLang="en-US"/>
+              <a:rPr lang="ja-JP" altLang="en-US" smtClean="0"/>
               <a:t>マスター タイトルの書式設定</a:t>
             </a:r>
-          </a:p>
-        </p:txBody>
-      </p:sp>
-      <p:sp>
-        <p:nvSpPr>
-          <p:cNvPr id="3" name="図プレースホルダー 2">
-            <a:extLst>
-              <a:ext uri="{FF2B5EF4-FFF2-40B4-BE49-F238E27FC236}">
-                <a16:creationId xmlns:a16="http://schemas.microsoft.com/office/drawing/2014/main" id="{9CC03B23-14DE-6E95-4FE9-26B71099FDAB}"/>
-              </a:ext>
-            </a:extLst>
-          </p:cNvPr>
+            <a:endParaRPr lang="en-US" dirty="0"/>
+          </a:p>
+        </p:txBody>
+      </p:sp>
+      <p:sp>
+        <p:nvSpPr>
+          <p:cNvPr id="3" name="Picture Placeholder 2"/>
           <p:cNvSpPr>
             <a:spLocks noGrp="1"/>
           </p:cNvSpPr>
@@ -3020,8 +2744,8 @@
         </p:nvSpPr>
         <p:spPr>
           <a:xfrm>
-            <a:off x="5183188" y="987425"/>
-            <a:ext cx="6172200" cy="4873625"/>
+            <a:off x="5181600" y="990600"/>
+            <a:ext cx="6172200" cy="4876800"/>
           </a:xfrm>
         </p:spPr>
         <p:txBody>
@@ -3065,19 +2789,17 @@
             </a:lvl9pPr>
           </a:lstStyle>
           <a:p>
-            <a:endParaRPr kumimoji="1" lang="ja-JP" altLang="en-US"/>
-          </a:p>
-        </p:txBody>
-      </p:sp>
-      <p:sp>
-        <p:nvSpPr>
-          <p:cNvPr id="4" name="テキスト プレースホルダー 3">
-            <a:extLst>
-              <a:ext uri="{FF2B5EF4-FFF2-40B4-BE49-F238E27FC236}">
-                <a16:creationId xmlns:a16="http://schemas.microsoft.com/office/drawing/2014/main" id="{3EA25573-AB08-00D7-1749-9C4248480BD7}"/>
-              </a:ext>
-            </a:extLst>
-          </p:cNvPr>
+            <a:r>
+              <a:rPr lang="ja-JP" altLang="en-US" smtClean="0"/>
+              <a:t>図を追加</a:t>
+            </a:r>
+            <a:endParaRPr lang="en-US" dirty="0"/>
+          </a:p>
+        </p:txBody>
+      </p:sp>
+      <p:sp>
+        <p:nvSpPr>
+          <p:cNvPr id="4" name="Text Placeholder 3"/>
           <p:cNvSpPr>
             <a:spLocks noGrp="1"/>
           </p:cNvSpPr>
@@ -3087,54 +2809,59 @@
         </p:nvSpPr>
         <p:spPr>
           <a:xfrm>
-            <a:off x="839788" y="2057400"/>
-            <a:ext cx="3932237" cy="3811588"/>
-          </a:xfrm>
-        </p:spPr>
-        <p:txBody>
-          <a:bodyPr/>
+            <a:off x="841248" y="2057400"/>
+            <a:ext cx="3931920" cy="3810000"/>
+          </a:xfrm>
+        </p:spPr>
+        <p:txBody>
+          <a:bodyPr>
+            <a:normAutofit/>
+          </a:bodyPr>
           <a:lstStyle>
             <a:lvl1pPr marL="0" indent="0">
+              <a:lnSpc>
+                <a:spcPct val="90000"/>
+              </a:lnSpc>
               <a:buNone/>
               <a:defRPr sz="1600"/>
             </a:lvl1pPr>
             <a:lvl2pPr marL="457200" indent="0">
               <a:buNone/>
-              <a:defRPr sz="1400"/>
+              <a:defRPr sz="1200"/>
             </a:lvl2pPr>
             <a:lvl3pPr marL="914400" indent="0">
               <a:buNone/>
-              <a:defRPr sz="1200"/>
+              <a:defRPr sz="1000"/>
             </a:lvl3pPr>
             <a:lvl4pPr marL="1371600" indent="0">
               <a:buNone/>
-              <a:defRPr sz="1000"/>
+              <a:defRPr sz="900"/>
             </a:lvl4pPr>
             <a:lvl5pPr marL="1828800" indent="0">
               <a:buNone/>
-              <a:defRPr sz="1000"/>
+              <a:defRPr sz="900"/>
             </a:lvl5pPr>
             <a:lvl6pPr marL="2286000" indent="0">
               <a:buNone/>
-              <a:defRPr sz="1000"/>
+              <a:defRPr sz="900"/>
             </a:lvl6pPr>
             <a:lvl7pPr marL="2743200" indent="0">
               <a:buNone/>
-              <a:defRPr sz="1000"/>
+              <a:defRPr sz="900"/>
             </a:lvl7pPr>
             <a:lvl8pPr marL="3200400" indent="0">
               <a:buNone/>
-              <a:defRPr sz="1000"/>
+              <a:defRPr sz="900"/>
             </a:lvl8pPr>
             <a:lvl9pPr marL="3657600" indent="0">
               <a:buNone/>
-              <a:defRPr sz="1000"/>
+              <a:defRPr sz="900"/>
             </a:lvl9pPr>
           </a:lstStyle>
           <a:p>
             <a:pPr lvl="0"/>
             <a:r>
-              <a:rPr kumimoji="1" lang="ja-JP" altLang="en-US"/>
+              <a:rPr lang="ja-JP" altLang="en-US" smtClean="0"/>
               <a:t>マスター テキストの書式設定</a:t>
             </a:r>
           </a:p>
@@ -3142,13 +2869,7 @@
       </p:sp>
       <p:sp>
         <p:nvSpPr>
-          <p:cNvPr id="5" name="日付プレースホルダー 4">
-            <a:extLst>
-              <a:ext uri="{FF2B5EF4-FFF2-40B4-BE49-F238E27FC236}">
-                <a16:creationId xmlns:a16="http://schemas.microsoft.com/office/drawing/2014/main" id="{98944490-8CEB-1E62-6441-274DFAEFF2F4}"/>
-              </a:ext>
-            </a:extLst>
-          </p:cNvPr>
+          <p:cNvPr id="5" name="Date Placeholder 4"/>
           <p:cNvSpPr>
             <a:spLocks noGrp="1"/>
           </p:cNvSpPr>
@@ -3163,7 +2884,7 @@
           <a:p>
             <a:fld id="{E3020441-CB21-445C-817D-199401EC5197}" type="datetimeFigureOut">
               <a:rPr kumimoji="1" lang="ja-JP" altLang="en-US" smtClean="0"/>
-              <a:t>2024/10/13</a:t>
+              <a:t>2024/10/28</a:t>
             </a:fld>
             <a:endParaRPr kumimoji="1" lang="ja-JP" altLang="en-US"/>
           </a:p>
@@ -3171,13 +2892,7 @@
       </p:sp>
       <p:sp>
         <p:nvSpPr>
-          <p:cNvPr id="6" name="フッター プレースホルダー 5">
-            <a:extLst>
-              <a:ext uri="{FF2B5EF4-FFF2-40B4-BE49-F238E27FC236}">
-                <a16:creationId xmlns:a16="http://schemas.microsoft.com/office/drawing/2014/main" id="{F7163A49-F898-D9AF-2A82-8268F44F01C1}"/>
-              </a:ext>
-            </a:extLst>
-          </p:cNvPr>
+          <p:cNvPr id="6" name="Footer Placeholder 5"/>
           <p:cNvSpPr>
             <a:spLocks noGrp="1"/>
           </p:cNvSpPr>
@@ -3196,13 +2911,7 @@
       </p:sp>
       <p:sp>
         <p:nvSpPr>
-          <p:cNvPr id="7" name="スライド番号プレースホルダー 6">
-            <a:extLst>
-              <a:ext uri="{FF2B5EF4-FFF2-40B4-BE49-F238E27FC236}">
-                <a16:creationId xmlns:a16="http://schemas.microsoft.com/office/drawing/2014/main" id="{B6D11A31-4E85-1BCB-FC7F-5713FD68A361}"/>
-              </a:ext>
-            </a:extLst>
-          </p:cNvPr>
+          <p:cNvPr id="7" name="Slide Number Placeholder 6"/>
           <p:cNvSpPr>
             <a:spLocks noGrp="1"/>
           </p:cNvSpPr>
@@ -3226,7 +2935,7 @@
     </p:spTree>
     <p:extLst>
       <p:ext uri="{BB962C8B-B14F-4D97-AF65-F5344CB8AC3E}">
-        <p14:creationId xmlns:p14="http://schemas.microsoft.com/office/powerpoint/2010/main" val="3621777764"/>
+        <p14:creationId xmlns:p14="http://schemas.microsoft.com/office/powerpoint/2010/main" val="1692108122"/>
       </p:ext>
     </p:extLst>
   </p:cSld>
@@ -3237,7 +2946,7 @@
 </file>
 
 <file path=ppt/slideMasters/slideMaster1.xml><?xml version="1.0" encoding="utf-8"?>
-<p:sldMaster xmlns:a="http://schemas.openxmlformats.org/drawingml/2006/main" xmlns:r="http://schemas.openxmlformats.org/officeDocument/2006/relationships" xmlns:p="http://schemas.openxmlformats.org/presentationml/2006/main">
+<p:sldMaster xmlns:a="http://schemas.openxmlformats.org/drawingml/2006/main" xmlns:r="http://schemas.openxmlformats.org/officeDocument/2006/relationships" xmlns:p="http://schemas.openxmlformats.org/presentationml/2006/main" preserve="1">
   <p:cSld>
     <p:bg>
       <p:bgRef idx="1001">
@@ -3260,13 +2969,7 @@
       </p:grpSpPr>
       <p:sp>
         <p:nvSpPr>
-          <p:cNvPr id="2" name="タイトル プレースホルダー 1">
-            <a:extLst>
-              <a:ext uri="{FF2B5EF4-FFF2-40B4-BE49-F238E27FC236}">
-                <a16:creationId xmlns:a16="http://schemas.microsoft.com/office/drawing/2014/main" id="{A4F81BC5-911A-F251-3200-C5E490FD6A3A}"/>
-              </a:ext>
-            </a:extLst>
-          </p:cNvPr>
+          <p:cNvPr id="2" name="Title Placeholder 1"/>
           <p:cNvSpPr>
             <a:spLocks noGrp="1"/>
           </p:cNvSpPr>
@@ -3276,8 +2979,8 @@
         </p:nvSpPr>
         <p:spPr>
           <a:xfrm>
-            <a:off x="838200" y="365125"/>
-            <a:ext cx="10515600" cy="1325563"/>
+            <a:off x="845127" y="365760"/>
+            <a:ext cx="10515600" cy="1325562"/>
           </a:xfrm>
           <a:prstGeom prst="rect">
             <a:avLst/>
@@ -3290,21 +2993,16 @@
           <a:lstStyle/>
           <a:p>
             <a:r>
-              <a:rPr kumimoji="1" lang="ja-JP" altLang="en-US"/>
+              <a:rPr lang="ja-JP" altLang="en-US" smtClean="0"/>
               <a:t>マスター タイトルの書式設定</a:t>
             </a:r>
-          </a:p>
-        </p:txBody>
-      </p:sp>
-      <p:sp>
-        <p:nvSpPr>
-          <p:cNvPr id="3" name="テキスト プレースホルダー 2">
-            <a:extLst>
-              <a:ext uri="{FF2B5EF4-FFF2-40B4-BE49-F238E27FC236}">
-                <a16:creationId xmlns:a16="http://schemas.microsoft.com/office/drawing/2014/main" id="{6A4C5D6B-7634-D3A2-FAF5-E9BB37493421}"/>
-              </a:ext>
-            </a:extLst>
-          </p:cNvPr>
+            <a:endParaRPr lang="en-US" dirty="0"/>
+          </a:p>
+        </p:txBody>
+      </p:sp>
+      <p:sp>
+        <p:nvSpPr>
+          <p:cNvPr id="3" name="Text Placeholder 2"/>
           <p:cNvSpPr>
             <a:spLocks noGrp="1"/>
           </p:cNvSpPr>
@@ -3314,8 +3012,8 @@
         </p:nvSpPr>
         <p:spPr>
           <a:xfrm>
-            <a:off x="838200" y="1825625"/>
-            <a:ext cx="10515600" cy="4351338"/>
+            <a:off x="845127" y="1828800"/>
+            <a:ext cx="10515600" cy="4351337"/>
           </a:xfrm>
           <a:prstGeom prst="rect">
             <a:avLst/>
@@ -3329,81 +3027,76 @@
           <a:p>
             <a:pPr lvl="0"/>
             <a:r>
-              <a:rPr kumimoji="1" lang="ja-JP" altLang="en-US"/>
+              <a:rPr lang="ja-JP" altLang="en-US" smtClean="0"/>
               <a:t>マスター テキストの書式設定</a:t>
             </a:r>
           </a:p>
           <a:p>
             <a:pPr lvl="1"/>
             <a:r>
-              <a:rPr kumimoji="1" lang="ja-JP" altLang="en-US"/>
+              <a:rPr lang="ja-JP" altLang="en-US" smtClean="0"/>
               <a:t>第 </a:t>
             </a:r>
             <a:r>
-              <a:rPr kumimoji="1" lang="en-US" altLang="ja-JP"/>
+              <a:rPr lang="en-US" altLang="ja-JP" smtClean="0"/>
               <a:t>2 </a:t>
             </a:r>
             <a:r>
-              <a:rPr kumimoji="1" lang="ja-JP" altLang="en-US"/>
+              <a:rPr lang="ja-JP" altLang="en-US" smtClean="0"/>
               <a:t>レベル</a:t>
             </a:r>
           </a:p>
           <a:p>
             <a:pPr lvl="2"/>
             <a:r>
-              <a:rPr kumimoji="1" lang="ja-JP" altLang="en-US"/>
+              <a:rPr lang="ja-JP" altLang="en-US" smtClean="0"/>
               <a:t>第 </a:t>
             </a:r>
             <a:r>
-              <a:rPr kumimoji="1" lang="en-US" altLang="ja-JP"/>
+              <a:rPr lang="en-US" altLang="ja-JP" smtClean="0"/>
               <a:t>3 </a:t>
             </a:r>
             <a:r>
-              <a:rPr kumimoji="1" lang="ja-JP" altLang="en-US"/>
+              <a:rPr lang="ja-JP" altLang="en-US" smtClean="0"/>
               <a:t>レベル</a:t>
             </a:r>
           </a:p>
           <a:p>
             <a:pPr lvl="3"/>
             <a:r>
-              <a:rPr kumimoji="1" lang="ja-JP" altLang="en-US"/>
+              <a:rPr lang="ja-JP" altLang="en-US" smtClean="0"/>
               <a:t>第 </a:t>
             </a:r>
             <a:r>
-              <a:rPr kumimoji="1" lang="en-US" altLang="ja-JP"/>
+              <a:rPr lang="en-US" altLang="ja-JP" smtClean="0"/>
               <a:t>4 </a:t>
             </a:r>
             <a:r>
-              <a:rPr kumimoji="1" lang="ja-JP" altLang="en-US"/>
+              <a:rPr lang="ja-JP" altLang="en-US" smtClean="0"/>
               <a:t>レベル</a:t>
             </a:r>
           </a:p>
           <a:p>
             <a:pPr lvl="4"/>
             <a:r>
-              <a:rPr kumimoji="1" lang="ja-JP" altLang="en-US"/>
+              <a:rPr lang="ja-JP" altLang="en-US" smtClean="0"/>
               <a:t>第 </a:t>
             </a:r>
             <a:r>
-              <a:rPr kumimoji="1" lang="en-US" altLang="ja-JP"/>
+              <a:rPr lang="en-US" altLang="ja-JP" smtClean="0"/>
               <a:t>5 </a:t>
             </a:r>
             <a:r>
-              <a:rPr kumimoji="1" lang="ja-JP" altLang="en-US"/>
+              <a:rPr lang="ja-JP" altLang="en-US" smtClean="0"/>
               <a:t>レベル</a:t>
             </a:r>
-          </a:p>
-        </p:txBody>
-      </p:sp>
-      <p:sp>
-        <p:nvSpPr>
-          <p:cNvPr id="4" name="日付プレースホルダー 3">
-            <a:extLst>
-              <a:ext uri="{FF2B5EF4-FFF2-40B4-BE49-F238E27FC236}">
-                <a16:creationId xmlns:a16="http://schemas.microsoft.com/office/drawing/2014/main" id="{788DCD3B-2DA8-5AFB-8F35-B564A5A51386}"/>
-              </a:ext>
-            </a:extLst>
-          </p:cNvPr>
+            <a:endParaRPr lang="en-US" dirty="0"/>
+          </a:p>
+        </p:txBody>
+      </p:sp>
+      <p:sp>
+        <p:nvSpPr>
+          <p:cNvPr id="4" name="Date Placeholder 3"/>
           <p:cNvSpPr>
             <a:spLocks noGrp="1"/>
           </p:cNvSpPr>
@@ -3424,10 +3117,11 @@
           <a:bodyPr vert="horz" lIns="91440" tIns="45720" rIns="91440" bIns="45720" rtlCol="0" anchor="ctr"/>
           <a:lstStyle>
             <a:lvl1pPr algn="l">
-              <a:defRPr sz="1200">
+              <a:defRPr sz="1100">
                 <a:solidFill>
                   <a:schemeClr val="tx1">
-                    <a:tint val="82000"/>
+                    <a:lumMod val="65000"/>
+                    <a:lumOff val="35000"/>
                   </a:schemeClr>
                 </a:solidFill>
               </a:defRPr>
@@ -3436,7 +3130,7 @@
           <a:p>
             <a:fld id="{E3020441-CB21-445C-817D-199401EC5197}" type="datetimeFigureOut">
               <a:rPr kumimoji="1" lang="ja-JP" altLang="en-US" smtClean="0"/>
-              <a:t>2024/10/13</a:t>
+              <a:t>2024/10/28</a:t>
             </a:fld>
             <a:endParaRPr kumimoji="1" lang="ja-JP" altLang="en-US"/>
           </a:p>
@@ -3444,13 +3138,7 @@
       </p:sp>
       <p:sp>
         <p:nvSpPr>
-          <p:cNvPr id="5" name="フッター プレースホルダー 4">
-            <a:extLst>
-              <a:ext uri="{FF2B5EF4-FFF2-40B4-BE49-F238E27FC236}">
-                <a16:creationId xmlns:a16="http://schemas.microsoft.com/office/drawing/2014/main" id="{F233B2CA-8212-BC7A-C75D-5A3996CABD79}"/>
-              </a:ext>
-            </a:extLst>
-          </p:cNvPr>
+          <p:cNvPr id="5" name="Footer Placeholder 4"/>
           <p:cNvSpPr>
             <a:spLocks noGrp="1"/>
           </p:cNvSpPr>
@@ -3471,10 +3159,11 @@
           <a:bodyPr vert="horz" lIns="91440" tIns="45720" rIns="91440" bIns="45720" rtlCol="0" anchor="ctr"/>
           <a:lstStyle>
             <a:lvl1pPr algn="ctr">
-              <a:defRPr sz="1200">
+              <a:defRPr sz="1100">
                 <a:solidFill>
                   <a:schemeClr val="tx1">
-                    <a:tint val="82000"/>
+                    <a:lumMod val="65000"/>
+                    <a:lumOff val="35000"/>
                   </a:schemeClr>
                 </a:solidFill>
               </a:defRPr>
@@ -3487,13 +3176,7 @@
       </p:sp>
       <p:sp>
         <p:nvSpPr>
-          <p:cNvPr id="6" name="スライド番号プレースホルダー 5">
-            <a:extLst>
-              <a:ext uri="{FF2B5EF4-FFF2-40B4-BE49-F238E27FC236}">
-                <a16:creationId xmlns:a16="http://schemas.microsoft.com/office/drawing/2014/main" id="{68AC44C6-31FF-CED4-6736-747F344A2ED4}"/>
-              </a:ext>
-            </a:extLst>
-          </p:cNvPr>
+          <p:cNvPr id="6" name="Slide Number Placeholder 5"/>
           <p:cNvSpPr>
             <a:spLocks noGrp="1"/>
           </p:cNvSpPr>
@@ -3503,7 +3186,7 @@
         </p:nvSpPr>
         <p:spPr>
           <a:xfrm>
-            <a:off x="8610600" y="6356350"/>
+            <a:off x="8617527" y="6356350"/>
             <a:ext cx="2743200" cy="365125"/>
           </a:xfrm>
           <a:prstGeom prst="rect">
@@ -3514,10 +3197,10 @@
           <a:bodyPr vert="horz" lIns="91440" tIns="45720" rIns="91440" bIns="45720" rtlCol="0" anchor="ctr"/>
           <a:lstStyle>
             <a:lvl1pPr algn="r">
-              <a:defRPr sz="1200">
+              <a:defRPr sz="1100">
                 <a:solidFill>
                   <a:schemeClr val="tx1">
-                    <a:tint val="82000"/>
+                    <a:tint val="75000"/>
                   </a:schemeClr>
                 </a:solidFill>
               </a:defRPr>
@@ -3535,23 +3218,23 @@
     </p:spTree>
     <p:extLst>
       <p:ext uri="{BB962C8B-B14F-4D97-AF65-F5344CB8AC3E}">
-        <p14:creationId xmlns:p14="http://schemas.microsoft.com/office/powerpoint/2010/main" val="355401800"/>
+        <p14:creationId xmlns:p14="http://schemas.microsoft.com/office/powerpoint/2010/main" val="1807406587"/>
       </p:ext>
     </p:extLst>
   </p:cSld>
   <p:clrMap bg1="lt1" tx1="dk1" bg2="lt2" tx2="dk2" accent1="accent1" accent2="accent2" accent3="accent3" accent4="accent4" accent5="accent5" accent6="accent6" hlink="hlink" folHlink="folHlink"/>
   <p:sldLayoutIdLst>
-    <p:sldLayoutId id="2147483649" r:id="rId1"/>
-    <p:sldLayoutId id="2147483650" r:id="rId2"/>
-    <p:sldLayoutId id="2147483651" r:id="rId3"/>
-    <p:sldLayoutId id="2147483652" r:id="rId4"/>
-    <p:sldLayoutId id="2147483653" r:id="rId5"/>
-    <p:sldLayoutId id="2147483654" r:id="rId6"/>
-    <p:sldLayoutId id="2147483655" r:id="rId7"/>
-    <p:sldLayoutId id="2147483656" r:id="rId8"/>
-    <p:sldLayoutId id="2147483657" r:id="rId9"/>
-    <p:sldLayoutId id="2147483658" r:id="rId10"/>
-    <p:sldLayoutId id="2147483659" r:id="rId11"/>
+    <p:sldLayoutId id="2147483661" r:id="rId1"/>
+    <p:sldLayoutId id="2147483662" r:id="rId2"/>
+    <p:sldLayoutId id="2147483663" r:id="rId3"/>
+    <p:sldLayoutId id="2147483664" r:id="rId4"/>
+    <p:sldLayoutId id="2147483665" r:id="rId5"/>
+    <p:sldLayoutId id="2147483666" r:id="rId6"/>
+    <p:sldLayoutId id="2147483667" r:id="rId7"/>
+    <p:sldLayoutId id="2147483668" r:id="rId8"/>
+    <p:sldLayoutId id="2147483669" r:id="rId9"/>
+    <p:sldLayoutId id="2147483670" r:id="rId10"/>
+    <p:sldLayoutId id="2147483671" r:id="rId11"/>
   </p:sldLayoutIdLst>
   <p:txStyles>
     <p:titleStyle>
@@ -3581,8 +3264,8 @@
         <a:spcBef>
           <a:spcPts val="1000"/>
         </a:spcBef>
-        <a:buFont typeface="Arial" panose="020B0604020202020204" pitchFamily="34" charset="0"/>
-        <a:buChar char="•"/>
+        <a:buFont typeface="Wingdings 2" pitchFamily="18" charset="2"/>
+        <a:buChar char=""/>
         <a:defRPr kumimoji="1" sz="2800" kern="1200">
           <a:solidFill>
             <a:schemeClr val="tx1"/>
@@ -3599,8 +3282,8 @@
         <a:spcBef>
           <a:spcPts val="500"/>
         </a:spcBef>
-        <a:buFont typeface="Arial" panose="020B0604020202020204" pitchFamily="34" charset="0"/>
-        <a:buChar char="•"/>
+        <a:buFont typeface="Wingdings 2" pitchFamily="18" charset="2"/>
+        <a:buChar char=""/>
         <a:defRPr kumimoji="1" sz="2400" kern="1200">
           <a:solidFill>
             <a:schemeClr val="tx1"/>
@@ -3617,8 +3300,8 @@
         <a:spcBef>
           <a:spcPts val="500"/>
         </a:spcBef>
-        <a:buFont typeface="Arial" panose="020B0604020202020204" pitchFamily="34" charset="0"/>
-        <a:buChar char="•"/>
+        <a:buFont typeface="Wingdings 2" pitchFamily="18" charset="2"/>
+        <a:buChar char=""/>
         <a:defRPr kumimoji="1" sz="2000" kern="1200">
           <a:solidFill>
             <a:schemeClr val="tx1"/>
@@ -3635,8 +3318,8 @@
         <a:spcBef>
           <a:spcPts val="500"/>
         </a:spcBef>
-        <a:buFont typeface="Arial" panose="020B0604020202020204" pitchFamily="34" charset="0"/>
-        <a:buChar char="•"/>
+        <a:buFont typeface="Wingdings 2" pitchFamily="18" charset="2"/>
+        <a:buChar char=""/>
         <a:defRPr kumimoji="1" sz="1800" kern="1200">
           <a:solidFill>
             <a:schemeClr val="tx1"/>
@@ -3653,8 +3336,8 @@
         <a:spcBef>
           <a:spcPts val="500"/>
         </a:spcBef>
-        <a:buFont typeface="Arial" panose="020B0604020202020204" pitchFamily="34" charset="0"/>
-        <a:buChar char="•"/>
+        <a:buFont typeface="Wingdings 2" pitchFamily="18" charset="2"/>
+        <a:buChar char=""/>
         <a:defRPr kumimoji="1" sz="1800" kern="1200">
           <a:solidFill>
             <a:schemeClr val="tx1"/>
@@ -3665,14 +3348,11 @@
         </a:defRPr>
       </a:lvl5pPr>
       <a:lvl6pPr marL="2514600" indent="-228600" algn="l" defTabSz="914400" rtl="0" eaLnBrk="1" latinLnBrk="0" hangingPunct="1">
-        <a:lnSpc>
-          <a:spcPct val="90000"/>
-        </a:lnSpc>
         <a:spcBef>
-          <a:spcPts val="500"/>
+          <a:spcPct val="20000"/>
         </a:spcBef>
-        <a:buFont typeface="Arial" panose="020B0604020202020204" pitchFamily="34" charset="0"/>
-        <a:buChar char="•"/>
+        <a:buFont typeface="Wingdings 2" pitchFamily="18" charset="2"/>
+        <a:buChar char=""/>
         <a:defRPr kumimoji="1" sz="1800" kern="1200">
           <a:solidFill>
             <a:schemeClr val="tx1"/>
@@ -3683,14 +3363,11 @@
         </a:defRPr>
       </a:lvl6pPr>
       <a:lvl7pPr marL="2971800" indent="-228600" algn="l" defTabSz="914400" rtl="0" eaLnBrk="1" latinLnBrk="0" hangingPunct="1">
-        <a:lnSpc>
-          <a:spcPct val="90000"/>
-        </a:lnSpc>
         <a:spcBef>
-          <a:spcPts val="500"/>
+          <a:spcPct val="20000"/>
         </a:spcBef>
-        <a:buFont typeface="Arial" panose="020B0604020202020204" pitchFamily="34" charset="0"/>
-        <a:buChar char="•"/>
+        <a:buFont typeface="Wingdings 2" pitchFamily="18" charset="2"/>
+        <a:buChar char=""/>
         <a:defRPr kumimoji="1" sz="1800" kern="1200">
           <a:solidFill>
             <a:schemeClr val="tx1"/>
@@ -3701,14 +3378,11 @@
         </a:defRPr>
       </a:lvl7pPr>
       <a:lvl8pPr marL="3429000" indent="-228600" algn="l" defTabSz="914400" rtl="0" eaLnBrk="1" latinLnBrk="0" hangingPunct="1">
-        <a:lnSpc>
-          <a:spcPct val="90000"/>
-        </a:lnSpc>
         <a:spcBef>
-          <a:spcPts val="500"/>
+          <a:spcPct val="20000"/>
         </a:spcBef>
-        <a:buFont typeface="Arial" panose="020B0604020202020204" pitchFamily="34" charset="0"/>
-        <a:buChar char="•"/>
+        <a:buFont typeface="Wingdings 2" pitchFamily="18" charset="2"/>
+        <a:buChar char=""/>
         <a:defRPr kumimoji="1" sz="1800" kern="1200">
           <a:solidFill>
             <a:schemeClr val="tx1"/>
@@ -3719,14 +3393,11 @@
         </a:defRPr>
       </a:lvl8pPr>
       <a:lvl9pPr marL="3886200" indent="-228600" algn="l" defTabSz="914400" rtl="0" eaLnBrk="1" latinLnBrk="0" hangingPunct="1">
-        <a:lnSpc>
-          <a:spcPct val="90000"/>
-        </a:lnSpc>
         <a:spcBef>
-          <a:spcPts val="500"/>
+          <a:spcPct val="20000"/>
         </a:spcBef>
-        <a:buFont typeface="Arial" panose="020B0604020202020204" pitchFamily="34" charset="0"/>
-        <a:buChar char="•"/>
+        <a:buFont typeface="Wingdings 2" pitchFamily="18" charset="2"/>
+        <a:buChar char=""/>
         <a:defRPr kumimoji="1" sz="1800" kern="1200">
           <a:solidFill>
             <a:schemeClr val="tx1"/>
@@ -3739,7 +3410,7 @@
     </p:bodyStyle>
     <p:otherStyle>
       <a:defPPr>
-        <a:defRPr lang="ja-JP"/>
+        <a:defRPr lang="en-US"/>
       </a:defPPr>
       <a:lvl1pPr marL="0" algn="l" defTabSz="914400" rtl="0" eaLnBrk="1" latinLnBrk="0" hangingPunct="1">
         <a:defRPr kumimoji="1" sz="1800" kern="1200">
@@ -3853,49 +3524,33 @@
           <a:chExt cx="0" cy="0"/>
         </a:xfrm>
       </p:grpSpPr>
-      <p:pic>
-        <p:nvPicPr>
-          <p:cNvPr id="4" name="図 3"/>
-          <p:cNvPicPr>
-            <a:picLocks noChangeAspect="1"/>
-          </p:cNvPicPr>
-          <p:nvPr/>
-        </p:nvPicPr>
-        <p:blipFill>
-          <a:blip r:embed="rId2"/>
-          <a:stretch>
-            <a:fillRect/>
-          </a:stretch>
-        </p:blipFill>
-        <p:spPr>
-          <a:xfrm>
-            <a:off x="1737704" y="3047947"/>
-            <a:ext cx="8716591" cy="762106"/>
+      <p:sp>
+        <p:nvSpPr>
+          <p:cNvPr id="69" name="正方形/長方形 68"/>
+          <p:cNvSpPr/>
+          <p:nvPr/>
+        </p:nvSpPr>
+        <p:spPr>
+          <a:xfrm>
+            <a:off x="3578225" y="2370223"/>
+            <a:ext cx="442914" cy="440626"/>
           </a:xfrm>
           <a:prstGeom prst="rect">
             <a:avLst/>
           </a:prstGeom>
-        </p:spPr>
-      </p:pic>
-      <p:sp>
-        <p:nvSpPr>
-          <p:cNvPr id="5" name="楕円 4"/>
-          <p:cNvSpPr/>
-          <p:nvPr/>
-        </p:nvSpPr>
-        <p:spPr>
-          <a:xfrm>
-            <a:off x="8330184" y="3195828"/>
-            <a:ext cx="393192" cy="374904"/>
-          </a:xfrm>
-          <a:prstGeom prst="ellipse">
-            <a:avLst/>
-          </a:prstGeom>
-          <a:noFill/>
-          <a:ln w="57150">
+          <a:pattFill prst="ltDnDiag">
+            <a:fgClr>
+              <a:schemeClr val="accent2"/>
+            </a:fgClr>
+            <a:bgClr>
+              <a:schemeClr val="bg1"/>
+            </a:bgClr>
+          </a:pattFill>
+          <a:ln w="9525">
             <a:solidFill>
-              <a:srgbClr val="FF6600"/>
+              <a:schemeClr val="accent2"/>
             </a:solidFill>
+            <a:prstDash val="dash"/>
           </a:ln>
         </p:spPr>
         <p:style>
@@ -3923,10 +3578,1303 @@
           </a:p>
         </p:txBody>
       </p:sp>
+      <p:sp>
+        <p:nvSpPr>
+          <p:cNvPr id="68" name="正方形/長方形 67"/>
+          <p:cNvSpPr/>
+          <p:nvPr/>
+        </p:nvSpPr>
+        <p:spPr>
+          <a:xfrm>
+            <a:off x="2663531" y="534786"/>
+            <a:ext cx="486209" cy="440626"/>
+          </a:xfrm>
+          <a:prstGeom prst="rect">
+            <a:avLst/>
+          </a:prstGeom>
+          <a:pattFill prst="ltDnDiag">
+            <a:fgClr>
+              <a:schemeClr val="accent2"/>
+            </a:fgClr>
+            <a:bgClr>
+              <a:schemeClr val="bg1"/>
+            </a:bgClr>
+          </a:pattFill>
+          <a:ln w="9525">
+            <a:solidFill>
+              <a:schemeClr val="accent2"/>
+            </a:solidFill>
+            <a:prstDash val="dash"/>
+          </a:ln>
+        </p:spPr>
+        <p:style>
+          <a:lnRef idx="2">
+            <a:schemeClr val="accent1">
+              <a:shade val="50000"/>
+            </a:schemeClr>
+          </a:lnRef>
+          <a:fillRef idx="1">
+            <a:schemeClr val="accent1"/>
+          </a:fillRef>
+          <a:effectRef idx="0">
+            <a:schemeClr val="accent1"/>
+          </a:effectRef>
+          <a:fontRef idx="minor">
+            <a:schemeClr val="lt1"/>
+          </a:fontRef>
+        </p:style>
+        <p:txBody>
+          <a:bodyPr rtlCol="0" anchor="ctr"/>
+          <a:lstStyle/>
+          <a:p>
+            <a:pPr algn="ctr"/>
+            <a:endParaRPr kumimoji="1" lang="ja-JP" altLang="en-US"/>
+          </a:p>
+        </p:txBody>
+      </p:sp>
+      <p:sp>
+        <p:nvSpPr>
+          <p:cNvPr id="4" name="楕円 3"/>
+          <p:cNvSpPr/>
+          <p:nvPr/>
+        </p:nvSpPr>
+        <p:spPr>
+          <a:xfrm>
+            <a:off x="498763" y="3429000"/>
+            <a:ext cx="4849091" cy="2909454"/>
+          </a:xfrm>
+          <a:prstGeom prst="ellipse">
+            <a:avLst/>
+          </a:prstGeom>
+          <a:solidFill>
+            <a:srgbClr val="FFCC99"/>
+          </a:solidFill>
+        </p:spPr>
+        <p:style>
+          <a:lnRef idx="2">
+            <a:schemeClr val="accent1">
+              <a:shade val="50000"/>
+            </a:schemeClr>
+          </a:lnRef>
+          <a:fillRef idx="1">
+            <a:schemeClr val="accent1"/>
+          </a:fillRef>
+          <a:effectRef idx="0">
+            <a:schemeClr val="accent1"/>
+          </a:effectRef>
+          <a:fontRef idx="minor">
+            <a:schemeClr val="lt1"/>
+          </a:fontRef>
+        </p:style>
+        <p:txBody>
+          <a:bodyPr rtlCol="0" anchor="ctr"/>
+          <a:lstStyle/>
+          <a:p>
+            <a:pPr algn="ctr"/>
+            <a:r>
+              <a:rPr kumimoji="1" lang="ja-JP" altLang="en-US" dirty="0" smtClean="0">
+                <a:solidFill>
+                  <a:schemeClr val="tx1"/>
+                </a:solidFill>
+              </a:rPr>
+              <a:t>母集団</a:t>
+            </a:r>
+            <a:endParaRPr kumimoji="1" lang="ja-JP" altLang="en-US" dirty="0">
+              <a:solidFill>
+                <a:schemeClr val="tx1"/>
+              </a:solidFill>
+            </a:endParaRPr>
+          </a:p>
+        </p:txBody>
+      </p:sp>
+      <p:sp>
+        <p:nvSpPr>
+          <p:cNvPr id="5" name="楕円 4"/>
+          <p:cNvSpPr/>
+          <p:nvPr/>
+        </p:nvSpPr>
+        <p:spPr>
+          <a:xfrm>
+            <a:off x="7721601" y="4444999"/>
+            <a:ext cx="2780144" cy="1556328"/>
+          </a:xfrm>
+          <a:prstGeom prst="ellipse">
+            <a:avLst/>
+          </a:prstGeom>
+          <a:solidFill>
+            <a:srgbClr val="FF9999"/>
+          </a:solidFill>
+        </p:spPr>
+        <p:style>
+          <a:lnRef idx="2">
+            <a:schemeClr val="accent1">
+              <a:shade val="50000"/>
+            </a:schemeClr>
+          </a:lnRef>
+          <a:fillRef idx="1">
+            <a:schemeClr val="accent1"/>
+          </a:fillRef>
+          <a:effectRef idx="0">
+            <a:schemeClr val="accent1"/>
+          </a:effectRef>
+          <a:fontRef idx="minor">
+            <a:schemeClr val="lt1"/>
+          </a:fontRef>
+        </p:style>
+        <p:txBody>
+          <a:bodyPr rtlCol="0" anchor="ctr"/>
+          <a:lstStyle/>
+          <a:p>
+            <a:pPr algn="ctr"/>
+            <a:r>
+              <a:rPr kumimoji="1" lang="ja-JP" altLang="en-US" dirty="0" smtClean="0">
+                <a:solidFill>
+                  <a:schemeClr val="tx1"/>
+                </a:solidFill>
+              </a:rPr>
+              <a:t>サンプル集団</a:t>
+            </a:r>
+            <a:endParaRPr kumimoji="1" lang="en-US" altLang="ja-JP" dirty="0" smtClean="0">
+              <a:solidFill>
+                <a:schemeClr val="tx1"/>
+              </a:solidFill>
+            </a:endParaRPr>
+          </a:p>
+          <a:p>
+            <a:pPr algn="ctr"/>
+            <a:r>
+              <a:rPr kumimoji="1" lang="ja-JP" altLang="en-US" dirty="0" smtClean="0">
+                <a:solidFill>
+                  <a:schemeClr val="tx1"/>
+                </a:solidFill>
+              </a:rPr>
+              <a:t>（サンプル数＝</a:t>
+            </a:r>
+            <a:r>
+              <a:rPr kumimoji="1" lang="en-US" altLang="ja-JP" dirty="0" smtClean="0">
+                <a:solidFill>
+                  <a:schemeClr val="tx1"/>
+                </a:solidFill>
+              </a:rPr>
+              <a:t>N</a:t>
+            </a:r>
+            <a:r>
+              <a:rPr kumimoji="1" lang="ja-JP" altLang="en-US" dirty="0" smtClean="0">
+                <a:solidFill>
+                  <a:schemeClr val="tx1"/>
+                </a:solidFill>
+              </a:rPr>
+              <a:t>）</a:t>
+            </a:r>
+            <a:endParaRPr kumimoji="1" lang="ja-JP" altLang="en-US" dirty="0">
+              <a:solidFill>
+                <a:schemeClr val="tx1"/>
+              </a:solidFill>
+            </a:endParaRPr>
+          </a:p>
+        </p:txBody>
+      </p:sp>
+      <p:sp>
+        <p:nvSpPr>
+          <p:cNvPr id="6" name="楕円 5"/>
+          <p:cNvSpPr/>
+          <p:nvPr/>
+        </p:nvSpPr>
+        <p:spPr>
+          <a:xfrm flipH="1" flipV="1">
+            <a:off x="3629891" y="4370758"/>
+            <a:ext cx="249378" cy="148482"/>
+          </a:xfrm>
+          <a:prstGeom prst="ellipse">
+            <a:avLst/>
+          </a:prstGeom>
+          <a:solidFill>
+            <a:srgbClr val="FF9999"/>
+          </a:solidFill>
+        </p:spPr>
+        <p:style>
+          <a:lnRef idx="2">
+            <a:schemeClr val="accent1">
+              <a:shade val="50000"/>
+            </a:schemeClr>
+          </a:lnRef>
+          <a:fillRef idx="1">
+            <a:schemeClr val="accent1"/>
+          </a:fillRef>
+          <a:effectRef idx="0">
+            <a:schemeClr val="accent1"/>
+          </a:effectRef>
+          <a:fontRef idx="minor">
+            <a:schemeClr val="lt1"/>
+          </a:fontRef>
+        </p:style>
+        <p:txBody>
+          <a:bodyPr rtlCol="0" anchor="ctr"/>
+          <a:lstStyle/>
+          <a:p>
+            <a:pPr algn="ctr"/>
+            <a:endParaRPr kumimoji="1" lang="ja-JP" altLang="en-US" dirty="0">
+              <a:solidFill>
+                <a:schemeClr val="tx1"/>
+              </a:solidFill>
+            </a:endParaRPr>
+          </a:p>
+        </p:txBody>
+      </p:sp>
+      <p:cxnSp>
+        <p:nvCxnSpPr>
+          <p:cNvPr id="8" name="直線コネクタ 7"/>
+          <p:cNvCxnSpPr>
+            <a:stCxn id="6" idx="4"/>
+            <a:endCxn id="5" idx="0"/>
+          </p:cNvCxnSpPr>
+          <p:nvPr/>
+        </p:nvCxnSpPr>
+        <p:spPr>
+          <a:xfrm>
+            <a:off x="3754580" y="4370758"/>
+            <a:ext cx="5357093" cy="74241"/>
+          </a:xfrm>
+          <a:prstGeom prst="line">
+            <a:avLst/>
+          </a:prstGeom>
+          <a:ln>
+            <a:prstDash val="dash"/>
+          </a:ln>
+        </p:spPr>
+        <p:style>
+          <a:lnRef idx="1">
+            <a:schemeClr val="accent1"/>
+          </a:lnRef>
+          <a:fillRef idx="0">
+            <a:schemeClr val="accent1"/>
+          </a:fillRef>
+          <a:effectRef idx="0">
+            <a:schemeClr val="accent1"/>
+          </a:effectRef>
+          <a:fontRef idx="minor">
+            <a:schemeClr val="tx1"/>
+          </a:fontRef>
+        </p:style>
+      </p:cxnSp>
+      <p:cxnSp>
+        <p:nvCxnSpPr>
+          <p:cNvPr id="10" name="直線コネクタ 9"/>
+          <p:cNvCxnSpPr>
+            <a:stCxn id="6" idx="7"/>
+          </p:cNvCxnSpPr>
+          <p:nvPr/>
+        </p:nvCxnSpPr>
+        <p:spPr>
+          <a:xfrm>
+            <a:off x="3666412" y="4497495"/>
+            <a:ext cx="4812570" cy="1416086"/>
+          </a:xfrm>
+          <a:prstGeom prst="line">
+            <a:avLst/>
+          </a:prstGeom>
+          <a:ln>
+            <a:prstDash val="dash"/>
+          </a:ln>
+        </p:spPr>
+        <p:style>
+          <a:lnRef idx="1">
+            <a:schemeClr val="accent1"/>
+          </a:lnRef>
+          <a:fillRef idx="0">
+            <a:schemeClr val="accent1"/>
+          </a:fillRef>
+          <a:effectRef idx="0">
+            <a:schemeClr val="accent1"/>
+          </a:effectRef>
+          <a:fontRef idx="minor">
+            <a:schemeClr val="tx1"/>
+          </a:fontRef>
+        </p:style>
+      </p:cxnSp>
+      <p:pic>
+        <p:nvPicPr>
+          <p:cNvPr id="11" name="図 10"/>
+          <p:cNvPicPr>
+            <a:picLocks noChangeAspect="1"/>
+          </p:cNvPicPr>
+          <p:nvPr/>
+        </p:nvPicPr>
+        <p:blipFill rotWithShape="1">
+          <a:blip r:embed="rId2" cstate="hqprint">
+            <a:clrChange>
+              <a:clrFrom>
+                <a:srgbClr val="FFFFFF"/>
+              </a:clrFrom>
+              <a:clrTo>
+                <a:srgbClr val="FFFFFF">
+                  <a:alpha val="0"/>
+                </a:srgbClr>
+              </a:clrTo>
+            </a:clrChange>
+            <a:extLst>
+              <a:ext uri="{28A0092B-C50C-407E-A947-70E740481C1C}">
+                <a14:useLocalDpi xmlns:a14="http://schemas.microsoft.com/office/drawing/2010/main" val="0"/>
+              </a:ext>
+            </a:extLst>
+          </a:blip>
+          <a:srcRect l="7990" t="8071" b="8546"/>
+          <a:stretch/>
+        </p:blipFill>
+        <p:spPr>
+          <a:xfrm>
+            <a:off x="7753350" y="2747963"/>
+            <a:ext cx="2748395" cy="1438276"/>
+          </a:xfrm>
+          <a:prstGeom prst="rect">
+            <a:avLst/>
+          </a:prstGeom>
+        </p:spPr>
+      </p:pic>
+      <p:cxnSp>
+        <p:nvCxnSpPr>
+          <p:cNvPr id="14" name="直線矢印コネクタ 13"/>
+          <p:cNvCxnSpPr>
+            <a:stCxn id="11" idx="2"/>
+          </p:cNvCxnSpPr>
+          <p:nvPr/>
+        </p:nvCxnSpPr>
+        <p:spPr>
+          <a:xfrm flipH="1" flipV="1">
+            <a:off x="9111673" y="2549236"/>
+            <a:ext cx="15875" cy="1637003"/>
+          </a:xfrm>
+          <a:prstGeom prst="straightConnector1">
+            <a:avLst/>
+          </a:prstGeom>
+          <a:ln>
+            <a:tailEnd type="triangle"/>
+          </a:ln>
+        </p:spPr>
+        <p:style>
+          <a:lnRef idx="1">
+            <a:schemeClr val="accent1"/>
+          </a:lnRef>
+          <a:fillRef idx="0">
+            <a:schemeClr val="accent1"/>
+          </a:fillRef>
+          <a:effectRef idx="0">
+            <a:schemeClr val="accent1"/>
+          </a:effectRef>
+          <a:fontRef idx="minor">
+            <a:schemeClr val="tx1"/>
+          </a:fontRef>
+        </p:style>
+      </p:cxnSp>
+      <p:sp>
+        <p:nvSpPr>
+          <p:cNvPr id="15" name="テキスト ボックス 14"/>
+          <p:cNvSpPr txBox="1"/>
+          <p:nvPr/>
+        </p:nvSpPr>
+        <p:spPr>
+          <a:xfrm>
+            <a:off x="8462529" y="2152073"/>
+            <a:ext cx="1330036" cy="369332"/>
+          </a:xfrm>
+          <a:prstGeom prst="rect">
+            <a:avLst/>
+          </a:prstGeom>
+          <a:noFill/>
+        </p:spPr>
+        <p:txBody>
+          <a:bodyPr wrap="square" rtlCol="0">
+            <a:spAutoFit/>
+          </a:bodyPr>
+          <a:lstStyle/>
+          <a:p>
+            <a:r>
+              <a:rPr kumimoji="1" lang="ja-JP" altLang="en-US" dirty="0" smtClean="0"/>
+              <a:t>標本平均</a:t>
+            </a:r>
+            <a:endParaRPr kumimoji="1" lang="ja-JP" altLang="en-US" dirty="0"/>
+          </a:p>
+        </p:txBody>
+      </p:sp>
+      <p:cxnSp>
+        <p:nvCxnSpPr>
+          <p:cNvPr id="17" name="直線矢印コネクタ 16"/>
+          <p:cNvCxnSpPr/>
+          <p:nvPr/>
+        </p:nvCxnSpPr>
+        <p:spPr>
+          <a:xfrm>
+            <a:off x="9127547" y="3773432"/>
+            <a:ext cx="478272" cy="0"/>
+          </a:xfrm>
+          <a:prstGeom prst="straightConnector1">
+            <a:avLst/>
+          </a:prstGeom>
+          <a:ln>
+            <a:headEnd type="triangle" w="med" len="med"/>
+            <a:tailEnd type="triangle" w="med" len="med"/>
+          </a:ln>
+        </p:spPr>
+        <p:style>
+          <a:lnRef idx="1">
+            <a:schemeClr val="accent1"/>
+          </a:lnRef>
+          <a:fillRef idx="0">
+            <a:schemeClr val="accent1"/>
+          </a:fillRef>
+          <a:effectRef idx="0">
+            <a:schemeClr val="accent1"/>
+          </a:effectRef>
+          <a:fontRef idx="minor">
+            <a:schemeClr val="tx1"/>
+          </a:fontRef>
+        </p:style>
+      </p:cxnSp>
+      <p:sp>
+        <p:nvSpPr>
+          <p:cNvPr id="19" name="テキスト ボックス 18"/>
+          <p:cNvSpPr txBox="1"/>
+          <p:nvPr/>
+        </p:nvSpPr>
+        <p:spPr>
+          <a:xfrm>
+            <a:off x="9605820" y="3325371"/>
+            <a:ext cx="2368930" cy="646331"/>
+          </a:xfrm>
+          <a:prstGeom prst="rect">
+            <a:avLst/>
+          </a:prstGeom>
+          <a:noFill/>
+        </p:spPr>
+        <p:txBody>
+          <a:bodyPr wrap="square" rtlCol="0">
+            <a:spAutoFit/>
+          </a:bodyPr>
+          <a:lstStyle/>
+          <a:p>
+            <a:r>
+              <a:rPr kumimoji="1" lang="ja-JP" altLang="en-US" dirty="0" smtClean="0"/>
+              <a:t>標本標準偏差</a:t>
+            </a:r>
+            <a:endParaRPr kumimoji="1" lang="en-US" altLang="ja-JP" dirty="0" smtClean="0"/>
+          </a:p>
+          <a:p>
+            <a:r>
+              <a:rPr kumimoji="1" lang="ja-JP" altLang="en-US" dirty="0" smtClean="0"/>
+              <a:t>（</a:t>
+            </a:r>
+            <a:r>
+              <a:rPr kumimoji="1" lang="en-US" altLang="ja-JP" dirty="0" smtClean="0"/>
+              <a:t>=</a:t>
+            </a:r>
+            <a:r>
+              <a:rPr kumimoji="1" lang="ja-JP" altLang="en-US" dirty="0" smtClean="0"/>
+              <a:t>標本分散の平方根）</a:t>
+            </a:r>
+            <a:endParaRPr kumimoji="1" lang="ja-JP" altLang="en-US" dirty="0"/>
+          </a:p>
+        </p:txBody>
+      </p:sp>
+      <p:cxnSp>
+        <p:nvCxnSpPr>
+          <p:cNvPr id="20" name="直線矢印コネクタ 19"/>
+          <p:cNvCxnSpPr/>
+          <p:nvPr/>
+        </p:nvCxnSpPr>
+        <p:spPr>
+          <a:xfrm flipH="1" flipV="1">
+            <a:off x="2909019" y="515071"/>
+            <a:ext cx="1" cy="2787248"/>
+          </a:xfrm>
+          <a:prstGeom prst="straightConnector1">
+            <a:avLst/>
+          </a:prstGeom>
+          <a:ln w="38100">
+            <a:tailEnd type="triangle"/>
+          </a:ln>
+        </p:spPr>
+        <p:style>
+          <a:lnRef idx="1">
+            <a:schemeClr val="accent1"/>
+          </a:lnRef>
+          <a:fillRef idx="0">
+            <a:schemeClr val="accent1"/>
+          </a:fillRef>
+          <a:effectRef idx="0">
+            <a:schemeClr val="accent1"/>
+          </a:effectRef>
+          <a:fontRef idx="minor">
+            <a:schemeClr val="tx1"/>
+          </a:fontRef>
+        </p:style>
+      </p:cxnSp>
+      <p:cxnSp>
+        <p:nvCxnSpPr>
+          <p:cNvPr id="23" name="直線矢印コネクタ 22"/>
+          <p:cNvCxnSpPr/>
+          <p:nvPr/>
+        </p:nvCxnSpPr>
+        <p:spPr>
+          <a:xfrm>
+            <a:off x="2913784" y="2573282"/>
+            <a:ext cx="891454" cy="0"/>
+          </a:xfrm>
+          <a:prstGeom prst="straightConnector1">
+            <a:avLst/>
+          </a:prstGeom>
+          <a:ln>
+            <a:headEnd type="triangle" w="med" len="med"/>
+            <a:tailEnd type="triangle" w="med" len="med"/>
+          </a:ln>
+        </p:spPr>
+        <p:style>
+          <a:lnRef idx="1">
+            <a:schemeClr val="accent1"/>
+          </a:lnRef>
+          <a:fillRef idx="0">
+            <a:schemeClr val="accent1"/>
+          </a:fillRef>
+          <a:effectRef idx="0">
+            <a:schemeClr val="accent1"/>
+          </a:effectRef>
+          <a:fontRef idx="minor">
+            <a:schemeClr val="tx1"/>
+          </a:fontRef>
+        </p:style>
+      </p:cxnSp>
+      <p:sp>
+        <p:nvSpPr>
+          <p:cNvPr id="28" name="テキスト ボックス 27"/>
+          <p:cNvSpPr txBox="1"/>
+          <p:nvPr/>
+        </p:nvSpPr>
+        <p:spPr>
+          <a:xfrm>
+            <a:off x="3663868" y="1570997"/>
+            <a:ext cx="2403257" cy="646331"/>
+          </a:xfrm>
+          <a:prstGeom prst="rect">
+            <a:avLst/>
+          </a:prstGeom>
+          <a:noFill/>
+        </p:spPr>
+        <p:txBody>
+          <a:bodyPr wrap="square" rtlCol="0">
+            <a:spAutoFit/>
+          </a:bodyPr>
+          <a:lstStyle/>
+          <a:p>
+            <a:r>
+              <a:rPr kumimoji="1" lang="ja-JP" altLang="en-US" dirty="0" smtClean="0"/>
+              <a:t>標準偏差の点推定値（</a:t>
+            </a:r>
+            <a:r>
+              <a:rPr kumimoji="1" lang="en-US" altLang="ja-JP" dirty="0" smtClean="0"/>
+              <a:t>=</a:t>
+            </a:r>
+            <a:r>
+              <a:rPr kumimoji="1" lang="ja-JP" altLang="en-US" dirty="0" smtClean="0"/>
+              <a:t>不偏分散の平方根）</a:t>
+            </a:r>
+            <a:endParaRPr kumimoji="1" lang="ja-JP" altLang="en-US" dirty="0"/>
+          </a:p>
+        </p:txBody>
+      </p:sp>
+      <p:sp>
+        <p:nvSpPr>
+          <p:cNvPr id="30" name="テキスト ボックス 29"/>
+          <p:cNvSpPr txBox="1"/>
+          <p:nvPr/>
+        </p:nvSpPr>
+        <p:spPr>
+          <a:xfrm>
+            <a:off x="1961069" y="119601"/>
+            <a:ext cx="1924478" cy="369332"/>
+          </a:xfrm>
+          <a:prstGeom prst="rect">
+            <a:avLst/>
+          </a:prstGeom>
+          <a:noFill/>
+        </p:spPr>
+        <p:txBody>
+          <a:bodyPr wrap="square" rtlCol="0">
+            <a:spAutoFit/>
+          </a:bodyPr>
+          <a:lstStyle/>
+          <a:p>
+            <a:r>
+              <a:rPr kumimoji="1" lang="ja-JP" altLang="en-US" dirty="0" smtClean="0"/>
+              <a:t>平均の点推定値</a:t>
+            </a:r>
+            <a:endParaRPr kumimoji="1" lang="ja-JP" altLang="en-US" dirty="0"/>
+          </a:p>
+        </p:txBody>
+      </p:sp>
+      <p:cxnSp>
+        <p:nvCxnSpPr>
+          <p:cNvPr id="32" name="曲線コネクタ 31"/>
+          <p:cNvCxnSpPr/>
+          <p:nvPr/>
+        </p:nvCxnSpPr>
+        <p:spPr>
+          <a:xfrm rot="10800000" flipV="1">
+            <a:off x="3278909" y="1770860"/>
+            <a:ext cx="387503" cy="755098"/>
+          </a:xfrm>
+          <a:prstGeom prst="curvedConnector2">
+            <a:avLst/>
+          </a:prstGeom>
+          <a:ln>
+            <a:prstDash val="dash"/>
+            <a:tailEnd type="triangle"/>
+          </a:ln>
+        </p:spPr>
+        <p:style>
+          <a:lnRef idx="1">
+            <a:schemeClr val="accent1"/>
+          </a:lnRef>
+          <a:fillRef idx="0">
+            <a:schemeClr val="accent1"/>
+          </a:fillRef>
+          <a:effectRef idx="0">
+            <a:schemeClr val="accent1"/>
+          </a:effectRef>
+          <a:fontRef idx="minor">
+            <a:schemeClr val="tx1"/>
+          </a:fontRef>
+        </p:style>
+      </p:cxnSp>
+      <p:cxnSp>
+        <p:nvCxnSpPr>
+          <p:cNvPr id="38" name="直線コネクタ 37"/>
+          <p:cNvCxnSpPr/>
+          <p:nvPr/>
+        </p:nvCxnSpPr>
+        <p:spPr>
+          <a:xfrm>
+            <a:off x="2663532" y="534786"/>
+            <a:ext cx="0" cy="441527"/>
+          </a:xfrm>
+          <a:prstGeom prst="line">
+            <a:avLst/>
+          </a:prstGeom>
+          <a:ln>
+            <a:solidFill>
+              <a:schemeClr val="accent2"/>
+            </a:solidFill>
+            <a:prstDash val="dash"/>
+          </a:ln>
+        </p:spPr>
+        <p:style>
+          <a:lnRef idx="1">
+            <a:schemeClr val="accent1"/>
+          </a:lnRef>
+          <a:fillRef idx="0">
+            <a:schemeClr val="accent1"/>
+          </a:fillRef>
+          <a:effectRef idx="0">
+            <a:schemeClr val="accent1"/>
+          </a:effectRef>
+          <a:fontRef idx="minor">
+            <a:schemeClr val="tx1"/>
+          </a:fontRef>
+        </p:style>
+      </p:cxnSp>
+      <p:cxnSp>
+        <p:nvCxnSpPr>
+          <p:cNvPr id="42" name="直線コネクタ 41"/>
+          <p:cNvCxnSpPr/>
+          <p:nvPr/>
+        </p:nvCxnSpPr>
+        <p:spPr>
+          <a:xfrm>
+            <a:off x="3149741" y="534786"/>
+            <a:ext cx="0" cy="441527"/>
+          </a:xfrm>
+          <a:prstGeom prst="line">
+            <a:avLst/>
+          </a:prstGeom>
+          <a:ln>
+            <a:solidFill>
+              <a:schemeClr val="accent2"/>
+            </a:solidFill>
+            <a:prstDash val="dash"/>
+          </a:ln>
+        </p:spPr>
+        <p:style>
+          <a:lnRef idx="1">
+            <a:schemeClr val="accent1"/>
+          </a:lnRef>
+          <a:fillRef idx="0">
+            <a:schemeClr val="accent1"/>
+          </a:fillRef>
+          <a:effectRef idx="0">
+            <a:schemeClr val="accent1"/>
+          </a:effectRef>
+          <a:fontRef idx="minor">
+            <a:schemeClr val="tx1"/>
+          </a:fontRef>
+        </p:style>
+      </p:cxnSp>
+      <p:cxnSp>
+        <p:nvCxnSpPr>
+          <p:cNvPr id="44" name="曲線コネクタ 43"/>
+          <p:cNvCxnSpPr/>
+          <p:nvPr/>
+        </p:nvCxnSpPr>
+        <p:spPr>
+          <a:xfrm rot="10800000">
+            <a:off x="2990426" y="1185139"/>
+            <a:ext cx="169214" cy="226486"/>
+          </a:xfrm>
+          <a:prstGeom prst="curvedConnector2">
+            <a:avLst/>
+          </a:prstGeom>
+          <a:ln>
+            <a:solidFill>
+              <a:schemeClr val="accent2"/>
+            </a:solidFill>
+            <a:prstDash val="dash"/>
+            <a:tailEnd type="triangle"/>
+          </a:ln>
+        </p:spPr>
+        <p:style>
+          <a:lnRef idx="1">
+            <a:schemeClr val="accent1"/>
+          </a:lnRef>
+          <a:fillRef idx="0">
+            <a:schemeClr val="accent1"/>
+          </a:fillRef>
+          <a:effectRef idx="0">
+            <a:schemeClr val="accent1"/>
+          </a:effectRef>
+          <a:fontRef idx="minor">
+            <a:schemeClr val="tx1"/>
+          </a:fontRef>
+        </p:style>
+      </p:cxnSp>
+      <p:cxnSp>
+        <p:nvCxnSpPr>
+          <p:cNvPr id="52" name="直線コネクタ 51"/>
+          <p:cNvCxnSpPr/>
+          <p:nvPr/>
+        </p:nvCxnSpPr>
+        <p:spPr>
+          <a:xfrm>
+            <a:off x="4021138" y="2511372"/>
+            <a:ext cx="0" cy="355653"/>
+          </a:xfrm>
+          <a:prstGeom prst="line">
+            <a:avLst/>
+          </a:prstGeom>
+          <a:ln>
+            <a:solidFill>
+              <a:schemeClr val="accent2"/>
+            </a:solidFill>
+            <a:prstDash val="sysDash"/>
+          </a:ln>
+        </p:spPr>
+        <p:style>
+          <a:lnRef idx="1">
+            <a:schemeClr val="accent1"/>
+          </a:lnRef>
+          <a:fillRef idx="0">
+            <a:schemeClr val="accent1"/>
+          </a:fillRef>
+          <a:effectRef idx="0">
+            <a:schemeClr val="accent1"/>
+          </a:effectRef>
+          <a:fontRef idx="minor">
+            <a:schemeClr val="tx1"/>
+          </a:fontRef>
+        </p:style>
+      </p:cxnSp>
+      <p:cxnSp>
+        <p:nvCxnSpPr>
+          <p:cNvPr id="53" name="直線コネクタ 52"/>
+          <p:cNvCxnSpPr/>
+          <p:nvPr/>
+        </p:nvCxnSpPr>
+        <p:spPr>
+          <a:xfrm>
+            <a:off x="3582988" y="2363724"/>
+            <a:ext cx="0" cy="503301"/>
+          </a:xfrm>
+          <a:prstGeom prst="line">
+            <a:avLst/>
+          </a:prstGeom>
+          <a:ln>
+            <a:solidFill>
+              <a:schemeClr val="accent2"/>
+            </a:solidFill>
+            <a:prstDash val="dash"/>
+          </a:ln>
+        </p:spPr>
+        <p:style>
+          <a:lnRef idx="1">
+            <a:schemeClr val="accent1"/>
+          </a:lnRef>
+          <a:fillRef idx="0">
+            <a:schemeClr val="accent1"/>
+          </a:fillRef>
+          <a:effectRef idx="0">
+            <a:schemeClr val="accent1"/>
+          </a:effectRef>
+          <a:fontRef idx="minor">
+            <a:schemeClr val="tx1"/>
+          </a:fontRef>
+        </p:style>
+      </p:cxnSp>
+      <p:cxnSp>
+        <p:nvCxnSpPr>
+          <p:cNvPr id="58" name="直線矢印コネクタ 57"/>
+          <p:cNvCxnSpPr/>
+          <p:nvPr/>
+        </p:nvCxnSpPr>
+        <p:spPr>
+          <a:xfrm>
+            <a:off x="2913784" y="2374201"/>
+            <a:ext cx="669204" cy="0"/>
+          </a:xfrm>
+          <a:prstGeom prst="straightConnector1">
+            <a:avLst/>
+          </a:prstGeom>
+          <a:ln>
+            <a:solidFill>
+              <a:schemeClr val="accent2"/>
+            </a:solidFill>
+            <a:prstDash val="dash"/>
+            <a:headEnd type="triangle" w="med" len="med"/>
+            <a:tailEnd type="triangle" w="med" len="med"/>
+          </a:ln>
+        </p:spPr>
+        <p:style>
+          <a:lnRef idx="1">
+            <a:schemeClr val="accent1"/>
+          </a:lnRef>
+          <a:fillRef idx="0">
+            <a:schemeClr val="accent1"/>
+          </a:fillRef>
+          <a:effectRef idx="0">
+            <a:schemeClr val="accent1"/>
+          </a:effectRef>
+          <a:fontRef idx="minor">
+            <a:schemeClr val="tx1"/>
+          </a:fontRef>
+        </p:style>
+      </p:cxnSp>
+      <p:cxnSp>
+        <p:nvCxnSpPr>
+          <p:cNvPr id="60" name="直線矢印コネクタ 59"/>
+          <p:cNvCxnSpPr/>
+          <p:nvPr/>
+        </p:nvCxnSpPr>
+        <p:spPr>
+          <a:xfrm>
+            <a:off x="2906635" y="2814764"/>
+            <a:ext cx="1107354" cy="0"/>
+          </a:xfrm>
+          <a:prstGeom prst="straightConnector1">
+            <a:avLst/>
+          </a:prstGeom>
+          <a:ln>
+            <a:solidFill>
+              <a:schemeClr val="accent2"/>
+            </a:solidFill>
+            <a:prstDash val="dash"/>
+            <a:headEnd type="triangle" w="med" len="med"/>
+            <a:tailEnd type="triangle" w="med" len="med"/>
+          </a:ln>
+        </p:spPr>
+        <p:style>
+          <a:lnRef idx="1">
+            <a:schemeClr val="accent1"/>
+          </a:lnRef>
+          <a:fillRef idx="0">
+            <a:schemeClr val="accent1"/>
+          </a:fillRef>
+          <a:effectRef idx="0">
+            <a:schemeClr val="accent1"/>
+          </a:effectRef>
+          <a:fontRef idx="minor">
+            <a:schemeClr val="tx1"/>
+          </a:fontRef>
+        </p:style>
+      </p:cxnSp>
+      <p:sp>
+        <p:nvSpPr>
+          <p:cNvPr id="65" name="右中かっこ 64"/>
+          <p:cNvSpPr/>
+          <p:nvPr/>
+        </p:nvSpPr>
+        <p:spPr>
+          <a:xfrm rot="5400000">
+            <a:off x="3737424" y="2739549"/>
+            <a:ext cx="129278" cy="438150"/>
+          </a:xfrm>
+          <a:prstGeom prst="rightBrace">
+            <a:avLst>
+              <a:gd name="adj1" fmla="val 56224"/>
+              <a:gd name="adj2" fmla="val 50000"/>
+            </a:avLst>
+          </a:prstGeom>
+          <a:ln>
+            <a:solidFill>
+              <a:schemeClr val="accent2"/>
+            </a:solidFill>
+          </a:ln>
+        </p:spPr>
+        <p:style>
+          <a:lnRef idx="1">
+            <a:schemeClr val="accent1"/>
+          </a:lnRef>
+          <a:fillRef idx="0">
+            <a:schemeClr val="accent1"/>
+          </a:fillRef>
+          <a:effectRef idx="0">
+            <a:schemeClr val="accent1"/>
+          </a:effectRef>
+          <a:fontRef idx="minor">
+            <a:schemeClr val="tx1"/>
+          </a:fontRef>
+        </p:style>
+        <p:txBody>
+          <a:bodyPr rtlCol="0" anchor="ctr"/>
+          <a:lstStyle/>
+          <a:p>
+            <a:pPr algn="ctr"/>
+            <a:endParaRPr kumimoji="1" lang="ja-JP" altLang="en-US"/>
+          </a:p>
+        </p:txBody>
+      </p:sp>
+      <p:sp>
+        <p:nvSpPr>
+          <p:cNvPr id="67" name="テキスト ボックス 66"/>
+          <p:cNvSpPr txBox="1"/>
+          <p:nvPr/>
+        </p:nvSpPr>
+        <p:spPr>
+          <a:xfrm>
+            <a:off x="3503593" y="2975947"/>
+            <a:ext cx="2306657" cy="369332"/>
+          </a:xfrm>
+          <a:prstGeom prst="rect">
+            <a:avLst/>
+          </a:prstGeom>
+          <a:noFill/>
+        </p:spPr>
+        <p:txBody>
+          <a:bodyPr wrap="square" rtlCol="0">
+            <a:spAutoFit/>
+          </a:bodyPr>
+          <a:lstStyle/>
+          <a:p>
+            <a:r>
+              <a:rPr kumimoji="1" lang="ja-JP" altLang="en-US" dirty="0" smtClean="0"/>
+              <a:t>標準偏差の信頼区間</a:t>
+            </a:r>
+            <a:endParaRPr kumimoji="1" lang="ja-JP" altLang="en-US" dirty="0"/>
+          </a:p>
+        </p:txBody>
+      </p:sp>
+      <p:sp>
+        <p:nvSpPr>
+          <p:cNvPr id="73" name="右中かっこ 72"/>
+          <p:cNvSpPr/>
+          <p:nvPr/>
+        </p:nvSpPr>
+        <p:spPr>
+          <a:xfrm rot="5400000">
+            <a:off x="2823110" y="847861"/>
+            <a:ext cx="161920" cy="491341"/>
+          </a:xfrm>
+          <a:prstGeom prst="rightBrace">
+            <a:avLst>
+              <a:gd name="adj1" fmla="val 56224"/>
+              <a:gd name="adj2" fmla="val 31907"/>
+            </a:avLst>
+          </a:prstGeom>
+          <a:ln>
+            <a:solidFill>
+              <a:schemeClr val="accent2"/>
+            </a:solidFill>
+          </a:ln>
+        </p:spPr>
+        <p:style>
+          <a:lnRef idx="1">
+            <a:schemeClr val="accent1"/>
+          </a:lnRef>
+          <a:fillRef idx="0">
+            <a:schemeClr val="accent1"/>
+          </a:fillRef>
+          <a:effectRef idx="0">
+            <a:schemeClr val="accent1"/>
+          </a:effectRef>
+          <a:fontRef idx="minor">
+            <a:schemeClr val="tx1"/>
+          </a:fontRef>
+        </p:style>
+        <p:txBody>
+          <a:bodyPr rtlCol="0" anchor="ctr"/>
+          <a:lstStyle/>
+          <a:p>
+            <a:pPr algn="ctr"/>
+            <a:endParaRPr kumimoji="1" lang="ja-JP" altLang="en-US"/>
+          </a:p>
+        </p:txBody>
+      </p:sp>
+      <p:sp>
+        <p:nvSpPr>
+          <p:cNvPr id="83" name="テキスト ボックス 82"/>
+          <p:cNvSpPr txBox="1"/>
+          <p:nvPr/>
+        </p:nvSpPr>
+        <p:spPr>
+          <a:xfrm>
+            <a:off x="3159640" y="1226959"/>
+            <a:ext cx="1924478" cy="369332"/>
+          </a:xfrm>
+          <a:prstGeom prst="rect">
+            <a:avLst/>
+          </a:prstGeom>
+          <a:noFill/>
+        </p:spPr>
+        <p:txBody>
+          <a:bodyPr wrap="square" rtlCol="0">
+            <a:spAutoFit/>
+          </a:bodyPr>
+          <a:lstStyle/>
+          <a:p>
+            <a:r>
+              <a:rPr kumimoji="1" lang="ja-JP" altLang="en-US" dirty="0" smtClean="0"/>
+              <a:t>平均の信頼区間</a:t>
+            </a:r>
+            <a:endParaRPr kumimoji="1" lang="ja-JP" altLang="en-US" dirty="0"/>
+          </a:p>
+        </p:txBody>
+      </p:sp>
+      <p:pic>
+        <p:nvPicPr>
+          <p:cNvPr id="12" name="図 11"/>
+          <p:cNvPicPr>
+            <a:picLocks noChangeAspect="1"/>
+          </p:cNvPicPr>
+          <p:nvPr/>
+        </p:nvPicPr>
+        <p:blipFill rotWithShape="1">
+          <a:blip r:embed="rId3">
+            <a:clrChange>
+              <a:clrFrom>
+                <a:srgbClr val="FFFFFF"/>
+              </a:clrFrom>
+              <a:clrTo>
+                <a:srgbClr val="FFFFFF">
+                  <a:alpha val="0"/>
+                </a:srgbClr>
+              </a:clrTo>
+            </a:clrChange>
+            <a:duotone>
+              <a:prstClr val="black"/>
+              <a:schemeClr val="accent3">
+                <a:tint val="45000"/>
+                <a:satMod val="400000"/>
+              </a:schemeClr>
+            </a:duotone>
+            <a:extLst>
+              <a:ext uri="{28A0092B-C50C-407E-A947-70E740481C1C}">
+                <a14:useLocalDpi xmlns:a14="http://schemas.microsoft.com/office/drawing/2010/main" val="0"/>
+              </a:ext>
+            </a:extLst>
+          </a:blip>
+          <a:srcRect l="7990" t="8071" b="8546"/>
+          <a:stretch/>
+        </p:blipFill>
+        <p:spPr>
+          <a:xfrm>
+            <a:off x="509731" y="765858"/>
+            <a:ext cx="4849091" cy="2537601"/>
+          </a:xfrm>
+          <a:prstGeom prst="rect">
+            <a:avLst/>
+          </a:prstGeom>
+        </p:spPr>
+      </p:pic>
+      <p:cxnSp>
+        <p:nvCxnSpPr>
+          <p:cNvPr id="85" name="直線矢印コネクタ 84"/>
+          <p:cNvCxnSpPr>
+            <a:stCxn id="15" idx="1"/>
+          </p:cNvCxnSpPr>
+          <p:nvPr/>
+        </p:nvCxnSpPr>
+        <p:spPr>
+          <a:xfrm flipH="1" flipV="1">
+            <a:off x="6433126" y="1811776"/>
+            <a:ext cx="2029403" cy="524963"/>
+          </a:xfrm>
+          <a:prstGeom prst="straightConnector1">
+            <a:avLst/>
+          </a:prstGeom>
+          <a:ln>
+            <a:tailEnd type="triangle"/>
+          </a:ln>
+        </p:spPr>
+        <p:style>
+          <a:lnRef idx="1">
+            <a:schemeClr val="accent2"/>
+          </a:lnRef>
+          <a:fillRef idx="0">
+            <a:schemeClr val="accent2"/>
+          </a:fillRef>
+          <a:effectRef idx="0">
+            <a:schemeClr val="accent2"/>
+          </a:effectRef>
+          <a:fontRef idx="minor">
+            <a:schemeClr val="tx1"/>
+          </a:fontRef>
+        </p:style>
+      </p:cxnSp>
+      <p:sp>
+        <p:nvSpPr>
+          <p:cNvPr id="86" name="右中かっこ 85"/>
+          <p:cNvSpPr/>
+          <p:nvPr/>
+        </p:nvSpPr>
+        <p:spPr>
+          <a:xfrm>
+            <a:off x="5863050" y="194553"/>
+            <a:ext cx="438739" cy="3234447"/>
+          </a:xfrm>
+          <a:prstGeom prst="rightBrace">
+            <a:avLst>
+              <a:gd name="adj1" fmla="val 85934"/>
+              <a:gd name="adj2" fmla="val 50000"/>
+            </a:avLst>
+          </a:prstGeom>
+        </p:spPr>
+        <p:style>
+          <a:lnRef idx="1">
+            <a:schemeClr val="accent1"/>
+          </a:lnRef>
+          <a:fillRef idx="0">
+            <a:schemeClr val="accent1"/>
+          </a:fillRef>
+          <a:effectRef idx="0">
+            <a:schemeClr val="accent1"/>
+          </a:effectRef>
+          <a:fontRef idx="minor">
+            <a:schemeClr val="tx1"/>
+          </a:fontRef>
+        </p:style>
+        <p:txBody>
+          <a:bodyPr rtlCol="0" anchor="ctr"/>
+          <a:lstStyle/>
+          <a:p>
+            <a:pPr algn="ctr"/>
+            <a:endParaRPr kumimoji="1" lang="ja-JP" altLang="en-US"/>
+          </a:p>
+        </p:txBody>
+      </p:sp>
+      <p:cxnSp>
+        <p:nvCxnSpPr>
+          <p:cNvPr id="89" name="直線矢印コネクタ 88"/>
+          <p:cNvCxnSpPr/>
+          <p:nvPr/>
+        </p:nvCxnSpPr>
+        <p:spPr>
+          <a:xfrm flipH="1" flipV="1">
+            <a:off x="6410747" y="2034660"/>
+            <a:ext cx="3195072" cy="1368323"/>
+          </a:xfrm>
+          <a:prstGeom prst="straightConnector1">
+            <a:avLst/>
+          </a:prstGeom>
+          <a:ln>
+            <a:tailEnd type="triangle"/>
+          </a:ln>
+        </p:spPr>
+        <p:style>
+          <a:lnRef idx="1">
+            <a:schemeClr val="accent2"/>
+          </a:lnRef>
+          <a:fillRef idx="0">
+            <a:schemeClr val="accent2"/>
+          </a:fillRef>
+          <a:effectRef idx="0">
+            <a:schemeClr val="accent2"/>
+          </a:effectRef>
+          <a:fontRef idx="minor">
+            <a:schemeClr val="tx1"/>
+          </a:fontRef>
+        </p:style>
+      </p:cxnSp>
+      <p:cxnSp>
+        <p:nvCxnSpPr>
+          <p:cNvPr id="92" name="直線矢印コネクタ 91"/>
+          <p:cNvCxnSpPr/>
+          <p:nvPr/>
+        </p:nvCxnSpPr>
+        <p:spPr>
+          <a:xfrm flipH="1" flipV="1">
+            <a:off x="6433126" y="2196228"/>
+            <a:ext cx="1929002" cy="3032739"/>
+          </a:xfrm>
+          <a:prstGeom prst="straightConnector1">
+            <a:avLst/>
+          </a:prstGeom>
+          <a:ln>
+            <a:tailEnd type="triangle"/>
+          </a:ln>
+        </p:spPr>
+        <p:style>
+          <a:lnRef idx="1">
+            <a:schemeClr val="accent2"/>
+          </a:lnRef>
+          <a:fillRef idx="0">
+            <a:schemeClr val="accent2"/>
+          </a:fillRef>
+          <a:effectRef idx="0">
+            <a:schemeClr val="accent2"/>
+          </a:effectRef>
+          <a:fontRef idx="minor">
+            <a:schemeClr val="tx1"/>
+          </a:fontRef>
+        </p:style>
+      </p:cxnSp>
+      <p:sp>
+        <p:nvSpPr>
+          <p:cNvPr id="96" name="テキスト ボックス 95"/>
+          <p:cNvSpPr txBox="1"/>
+          <p:nvPr/>
+        </p:nvSpPr>
+        <p:spPr>
+          <a:xfrm>
+            <a:off x="6469606" y="1889135"/>
+            <a:ext cx="1495637" cy="646331"/>
+          </a:xfrm>
+          <a:prstGeom prst="rect">
+            <a:avLst/>
+          </a:prstGeom>
+          <a:noFill/>
+        </p:spPr>
+        <p:txBody>
+          <a:bodyPr wrap="square" rtlCol="0">
+            <a:spAutoFit/>
+          </a:bodyPr>
+          <a:lstStyle/>
+          <a:p>
+            <a:r>
+              <a:rPr kumimoji="1" lang="ja-JP" altLang="en-US" dirty="0" smtClean="0"/>
+              <a:t>これらの値を用いて推定</a:t>
+            </a:r>
+            <a:endParaRPr kumimoji="1" lang="ja-JP" altLang="en-US" dirty="0"/>
+          </a:p>
+        </p:txBody>
+      </p:sp>
     </p:spTree>
     <p:extLst>
       <p:ext uri="{BB962C8B-B14F-4D97-AF65-F5344CB8AC3E}">
-        <p14:creationId xmlns:p14="http://schemas.microsoft.com/office/powerpoint/2010/main" val="1531462404"/>
+        <p14:creationId xmlns:p14="http://schemas.microsoft.com/office/powerpoint/2010/main" val="3236283078"/>
       </p:ext>
     </p:extLst>
   </p:cSld>
@@ -3937,6 +4885,494 @@
 </file>
 
 <file path=ppt/slides/slide10.xml><?xml version="1.0" encoding="utf-8"?>
+<p:sld xmlns:a="http://schemas.openxmlformats.org/drawingml/2006/main" xmlns:r="http://schemas.openxmlformats.org/officeDocument/2006/relationships" xmlns:p="http://schemas.openxmlformats.org/presentationml/2006/main">
+  <p:cSld>
+    <p:spTree>
+      <p:nvGrpSpPr>
+        <p:cNvPr id="1" name=""/>
+        <p:cNvGrpSpPr/>
+        <p:nvPr/>
+      </p:nvGrpSpPr>
+      <p:grpSpPr>
+        <a:xfrm>
+          <a:off x="0" y="0"/>
+          <a:ext cx="0" cy="0"/>
+          <a:chOff x="0" y="0"/>
+          <a:chExt cx="0" cy="0"/>
+        </a:xfrm>
+      </p:grpSpPr>
+      <p:sp>
+        <p:nvSpPr>
+          <p:cNvPr id="4" name="正方形/長方形 3">
+            <a:extLst>
+              <a:ext uri="{FF2B5EF4-FFF2-40B4-BE49-F238E27FC236}">
+                <a16:creationId xmlns:a16="http://schemas.microsoft.com/office/drawing/2014/main" id="{D1E12261-89B1-F2A3-34A0-BBE7B31A48CA}"/>
+              </a:ext>
+            </a:extLst>
+          </p:cNvPr>
+          <p:cNvSpPr/>
+          <p:nvPr/>
+        </p:nvSpPr>
+        <p:spPr>
+          <a:xfrm>
+            <a:off x="6810375" y="1376173"/>
+            <a:ext cx="2476500" cy="1024128"/>
+          </a:xfrm>
+          <a:prstGeom prst="rect">
+            <a:avLst/>
+          </a:prstGeom>
+        </p:spPr>
+        <p:style>
+          <a:lnRef idx="2">
+            <a:schemeClr val="accent3">
+              <a:shade val="15000"/>
+            </a:schemeClr>
+          </a:lnRef>
+          <a:fillRef idx="1">
+            <a:schemeClr val="accent3"/>
+          </a:fillRef>
+          <a:effectRef idx="0">
+            <a:schemeClr val="accent3"/>
+          </a:effectRef>
+          <a:fontRef idx="minor">
+            <a:schemeClr val="lt1"/>
+          </a:fontRef>
+        </p:style>
+        <p:txBody>
+          <a:bodyPr rtlCol="0" anchor="ctr"/>
+          <a:lstStyle/>
+          <a:p>
+            <a:pPr algn="ctr"/>
+            <a:r>
+              <a:rPr kumimoji="1" lang="ja-JP" altLang="en-US" dirty="0"/>
+              <a:t>目的変数：</a:t>
+            </a:r>
+            <a:endParaRPr kumimoji="1" lang="en-US" altLang="ja-JP" dirty="0"/>
+          </a:p>
+          <a:p>
+            <a:pPr algn="ctr"/>
+            <a:r>
+              <a:rPr kumimoji="1" lang="ja-JP" altLang="en-US" dirty="0"/>
+              <a:t>収穫量</a:t>
+            </a:r>
+            <a:endParaRPr kumimoji="1" lang="en-US" altLang="ja-JP" dirty="0"/>
+          </a:p>
+          <a:p>
+            <a:pPr algn="ctr"/>
+            <a:r>
+              <a:rPr lang="ja-JP" altLang="en-US" dirty="0"/>
+              <a:t>（連続変数）</a:t>
+            </a:r>
+            <a:endParaRPr kumimoji="1" lang="ja-JP" altLang="en-US" dirty="0"/>
+          </a:p>
+        </p:txBody>
+      </p:sp>
+      <p:sp>
+        <p:nvSpPr>
+          <p:cNvPr id="5" name="正方形/長方形 4">
+            <a:extLst>
+              <a:ext uri="{FF2B5EF4-FFF2-40B4-BE49-F238E27FC236}">
+                <a16:creationId xmlns:a16="http://schemas.microsoft.com/office/drawing/2014/main" id="{CBC8A939-E168-8640-4151-6E3418F38040}"/>
+              </a:ext>
+            </a:extLst>
+          </p:cNvPr>
+          <p:cNvSpPr/>
+          <p:nvPr/>
+        </p:nvSpPr>
+        <p:spPr>
+          <a:xfrm>
+            <a:off x="2914650" y="1145287"/>
+            <a:ext cx="2371725" cy="1485900"/>
+          </a:xfrm>
+          <a:prstGeom prst="rect">
+            <a:avLst/>
+          </a:prstGeom>
+        </p:spPr>
+        <p:style>
+          <a:lnRef idx="2">
+            <a:schemeClr val="accent3">
+              <a:shade val="50000"/>
+            </a:schemeClr>
+          </a:lnRef>
+          <a:fillRef idx="1">
+            <a:schemeClr val="accent3"/>
+          </a:fillRef>
+          <a:effectRef idx="0">
+            <a:schemeClr val="accent3"/>
+          </a:effectRef>
+          <a:fontRef idx="minor">
+            <a:schemeClr val="lt1"/>
+          </a:fontRef>
+        </p:style>
+        <p:txBody>
+          <a:bodyPr rtlCol="0" anchor="ctr"/>
+          <a:lstStyle/>
+          <a:p>
+            <a:pPr algn="ctr"/>
+            <a:r>
+              <a:rPr lang="ja-JP" altLang="en-US" dirty="0"/>
+              <a:t>説明変数</a:t>
+            </a:r>
+            <a:r>
+              <a:rPr lang="en-US" altLang="ja-JP" dirty="0"/>
+              <a:t>1</a:t>
+            </a:r>
+            <a:r>
+              <a:rPr lang="ja-JP" altLang="en-US" dirty="0"/>
+              <a:t>：</a:t>
+            </a:r>
+            <a:r>
+              <a:rPr lang="en-US" altLang="ja-JP" dirty="0"/>
+              <a:t/>
+            </a:r>
+            <a:br>
+              <a:rPr lang="en-US" altLang="ja-JP" dirty="0"/>
+            </a:br>
+            <a:r>
+              <a:rPr lang="ja-JP" altLang="en-US" dirty="0"/>
+              <a:t>小麦品種</a:t>
+            </a:r>
+            <a:endParaRPr lang="en-US" altLang="ja-JP" dirty="0"/>
+          </a:p>
+          <a:p>
+            <a:pPr algn="ctr"/>
+            <a:endParaRPr lang="en-US" altLang="ja-JP" sz="500" dirty="0"/>
+          </a:p>
+          <a:p>
+            <a:pPr algn="ctr"/>
+            <a:r>
+              <a:rPr lang="ja-JP" altLang="en-US" dirty="0"/>
+              <a:t>水準：</a:t>
+            </a:r>
+            <a:r>
+              <a:rPr lang="en-US" altLang="ja-JP" dirty="0"/>
+              <a:t>A,B</a:t>
+            </a:r>
+          </a:p>
+        </p:txBody>
+      </p:sp>
+      <p:sp>
+        <p:nvSpPr>
+          <p:cNvPr id="6" name="正方形/長方形 5">
+            <a:extLst>
+              <a:ext uri="{FF2B5EF4-FFF2-40B4-BE49-F238E27FC236}">
+                <a16:creationId xmlns:a16="http://schemas.microsoft.com/office/drawing/2014/main" id="{D1E12261-89B1-F2A3-34A0-BBE7B31A48CA}"/>
+              </a:ext>
+            </a:extLst>
+          </p:cNvPr>
+          <p:cNvSpPr/>
+          <p:nvPr/>
+        </p:nvSpPr>
+        <p:spPr>
+          <a:xfrm>
+            <a:off x="6810375" y="3659886"/>
+            <a:ext cx="2476500" cy="1024128"/>
+          </a:xfrm>
+          <a:prstGeom prst="rect">
+            <a:avLst/>
+          </a:prstGeom>
+        </p:spPr>
+        <p:style>
+          <a:lnRef idx="2">
+            <a:schemeClr val="accent3">
+              <a:shade val="15000"/>
+            </a:schemeClr>
+          </a:lnRef>
+          <a:fillRef idx="1">
+            <a:schemeClr val="accent3"/>
+          </a:fillRef>
+          <a:effectRef idx="0">
+            <a:schemeClr val="accent3"/>
+          </a:effectRef>
+          <a:fontRef idx="minor">
+            <a:schemeClr val="lt1"/>
+          </a:fontRef>
+        </p:style>
+        <p:txBody>
+          <a:bodyPr rtlCol="0" anchor="ctr"/>
+          <a:lstStyle/>
+          <a:p>
+            <a:pPr algn="ctr"/>
+            <a:r>
+              <a:rPr kumimoji="1" lang="ja-JP" altLang="en-US" dirty="0"/>
+              <a:t>目的変数：</a:t>
+            </a:r>
+            <a:endParaRPr kumimoji="1" lang="en-US" altLang="ja-JP" dirty="0"/>
+          </a:p>
+          <a:p>
+            <a:pPr algn="ctr"/>
+            <a:r>
+              <a:rPr kumimoji="1" lang="ja-JP" altLang="en-US" dirty="0"/>
+              <a:t>収穫量</a:t>
+            </a:r>
+            <a:endParaRPr kumimoji="1" lang="en-US" altLang="ja-JP" dirty="0"/>
+          </a:p>
+          <a:p>
+            <a:pPr algn="ctr"/>
+            <a:r>
+              <a:rPr lang="ja-JP" altLang="en-US" dirty="0"/>
+              <a:t>（連続変数）</a:t>
+            </a:r>
+            <a:endParaRPr kumimoji="1" lang="ja-JP" altLang="en-US" dirty="0"/>
+          </a:p>
+        </p:txBody>
+      </p:sp>
+      <p:sp>
+        <p:nvSpPr>
+          <p:cNvPr id="7" name="正方形/長方形 6">
+            <a:extLst>
+              <a:ext uri="{FF2B5EF4-FFF2-40B4-BE49-F238E27FC236}">
+                <a16:creationId xmlns:a16="http://schemas.microsoft.com/office/drawing/2014/main" id="{CBC8A939-E168-8640-4151-6E3418F38040}"/>
+              </a:ext>
+            </a:extLst>
+          </p:cNvPr>
+          <p:cNvSpPr/>
+          <p:nvPr/>
+        </p:nvSpPr>
+        <p:spPr>
+          <a:xfrm>
+            <a:off x="2914650" y="3429000"/>
+            <a:ext cx="2371725" cy="1485900"/>
+          </a:xfrm>
+          <a:prstGeom prst="rect">
+            <a:avLst/>
+          </a:prstGeom>
+        </p:spPr>
+        <p:style>
+          <a:lnRef idx="2">
+            <a:schemeClr val="accent3">
+              <a:shade val="50000"/>
+            </a:schemeClr>
+          </a:lnRef>
+          <a:fillRef idx="1">
+            <a:schemeClr val="accent3"/>
+          </a:fillRef>
+          <a:effectRef idx="0">
+            <a:schemeClr val="accent3"/>
+          </a:effectRef>
+          <a:fontRef idx="minor">
+            <a:schemeClr val="lt1"/>
+          </a:fontRef>
+        </p:style>
+        <p:txBody>
+          <a:bodyPr rtlCol="0" anchor="ctr"/>
+          <a:lstStyle/>
+          <a:p>
+            <a:pPr algn="ctr"/>
+            <a:r>
+              <a:rPr lang="ja-JP" altLang="en-US" dirty="0"/>
+              <a:t>説明変数</a:t>
+            </a:r>
+            <a:r>
+              <a:rPr lang="en-US" altLang="ja-JP" dirty="0"/>
+              <a:t>1</a:t>
+            </a:r>
+            <a:r>
+              <a:rPr lang="ja-JP" altLang="en-US" dirty="0"/>
+              <a:t>：</a:t>
+            </a:r>
+            <a:r>
+              <a:rPr lang="en-US" altLang="ja-JP" dirty="0"/>
+              <a:t/>
+            </a:r>
+            <a:br>
+              <a:rPr lang="en-US" altLang="ja-JP" dirty="0"/>
+            </a:br>
+            <a:r>
+              <a:rPr lang="ja-JP" altLang="en-US" dirty="0"/>
+              <a:t>小麦品種</a:t>
+            </a:r>
+            <a:endParaRPr lang="en-US" altLang="ja-JP" dirty="0"/>
+          </a:p>
+          <a:p>
+            <a:pPr algn="ctr"/>
+            <a:endParaRPr lang="en-US" altLang="ja-JP" sz="500" dirty="0"/>
+          </a:p>
+          <a:p>
+            <a:pPr algn="ctr"/>
+            <a:r>
+              <a:rPr lang="ja-JP" altLang="en-US" dirty="0"/>
+              <a:t>水準：</a:t>
+            </a:r>
+            <a:r>
+              <a:rPr lang="en-US" altLang="ja-JP" dirty="0"/>
+              <a:t>A,B</a:t>
+            </a:r>
+          </a:p>
+        </p:txBody>
+      </p:sp>
+      <p:sp>
+        <p:nvSpPr>
+          <p:cNvPr id="8" name="テキスト ボックス 7"/>
+          <p:cNvSpPr txBox="1"/>
+          <p:nvPr/>
+        </p:nvSpPr>
+        <p:spPr>
+          <a:xfrm>
+            <a:off x="2362200" y="3048000"/>
+            <a:ext cx="2457450" cy="381000"/>
+          </a:xfrm>
+          <a:prstGeom prst="rect">
+            <a:avLst/>
+          </a:prstGeom>
+          <a:noFill/>
+        </p:spPr>
+        <p:txBody>
+          <a:bodyPr wrap="square" rtlCol="0">
+            <a:spAutoFit/>
+          </a:bodyPr>
+          <a:lstStyle/>
+          <a:p>
+            <a:r>
+              <a:rPr kumimoji="1" lang="ja-JP" altLang="en-US" dirty="0"/>
+              <a:t>肥料：</a:t>
+            </a:r>
+            <a:r>
+              <a:rPr kumimoji="1" lang="en-US" altLang="ja-JP" dirty="0"/>
+              <a:t>Y</a:t>
+            </a:r>
+            <a:endParaRPr kumimoji="1" lang="ja-JP" altLang="en-US" dirty="0"/>
+          </a:p>
+        </p:txBody>
+      </p:sp>
+      <p:sp>
+        <p:nvSpPr>
+          <p:cNvPr id="9" name="テキスト ボックス 8"/>
+          <p:cNvSpPr txBox="1"/>
+          <p:nvPr/>
+        </p:nvSpPr>
+        <p:spPr>
+          <a:xfrm>
+            <a:off x="2362200" y="764287"/>
+            <a:ext cx="2457450" cy="381000"/>
+          </a:xfrm>
+          <a:prstGeom prst="rect">
+            <a:avLst/>
+          </a:prstGeom>
+          <a:noFill/>
+        </p:spPr>
+        <p:txBody>
+          <a:bodyPr wrap="square" rtlCol="0">
+            <a:spAutoFit/>
+          </a:bodyPr>
+          <a:lstStyle/>
+          <a:p>
+            <a:r>
+              <a:rPr kumimoji="1" lang="ja-JP" altLang="en-US" dirty="0"/>
+              <a:t>肥料：</a:t>
+            </a:r>
+            <a:r>
+              <a:rPr kumimoji="1" lang="en-US" altLang="ja-JP" dirty="0"/>
+              <a:t>X</a:t>
+            </a:r>
+            <a:endParaRPr kumimoji="1" lang="ja-JP" altLang="en-US" dirty="0"/>
+          </a:p>
+        </p:txBody>
+      </p:sp>
+      <p:cxnSp>
+        <p:nvCxnSpPr>
+          <p:cNvPr id="10" name="直線矢印コネクタ 9">
+            <a:extLst>
+              <a:ext uri="{FF2B5EF4-FFF2-40B4-BE49-F238E27FC236}">
+                <a16:creationId xmlns:a16="http://schemas.microsoft.com/office/drawing/2014/main" id="{78716ED2-DF3B-D92E-7BD8-3AA09D91A477}"/>
+              </a:ext>
+            </a:extLst>
+          </p:cNvPr>
+          <p:cNvCxnSpPr>
+            <a:cxnSpLocks/>
+            <a:stCxn id="5" idx="3"/>
+            <a:endCxn id="4" idx="1"/>
+          </p:cNvCxnSpPr>
+          <p:nvPr/>
+        </p:nvCxnSpPr>
+        <p:spPr>
+          <a:xfrm>
+            <a:off x="5286375" y="1888237"/>
+            <a:ext cx="1524000" cy="0"/>
+          </a:xfrm>
+          <a:prstGeom prst="straightConnector1">
+            <a:avLst/>
+          </a:prstGeom>
+          <a:ln>
+            <a:tailEnd type="triangle"/>
+          </a:ln>
+        </p:spPr>
+        <p:style>
+          <a:lnRef idx="2">
+            <a:schemeClr val="accent3">
+              <a:shade val="15000"/>
+            </a:schemeClr>
+          </a:lnRef>
+          <a:fillRef idx="1">
+            <a:schemeClr val="accent3"/>
+          </a:fillRef>
+          <a:effectRef idx="0">
+            <a:schemeClr val="accent3"/>
+          </a:effectRef>
+          <a:fontRef idx="minor">
+            <a:schemeClr val="lt1"/>
+          </a:fontRef>
+        </p:style>
+      </p:cxnSp>
+      <p:cxnSp>
+        <p:nvCxnSpPr>
+          <p:cNvPr id="13" name="直線矢印コネクタ 12">
+            <a:extLst>
+              <a:ext uri="{FF2B5EF4-FFF2-40B4-BE49-F238E27FC236}">
+                <a16:creationId xmlns:a16="http://schemas.microsoft.com/office/drawing/2014/main" id="{78716ED2-DF3B-D92E-7BD8-3AA09D91A477}"/>
+              </a:ext>
+            </a:extLst>
+          </p:cNvPr>
+          <p:cNvCxnSpPr>
+            <a:cxnSpLocks/>
+            <a:stCxn id="7" idx="3"/>
+            <a:endCxn id="6" idx="1"/>
+          </p:cNvCxnSpPr>
+          <p:nvPr/>
+        </p:nvCxnSpPr>
+        <p:spPr>
+          <a:xfrm>
+            <a:off x="5286375" y="4171950"/>
+            <a:ext cx="1524000" cy="0"/>
+          </a:xfrm>
+          <a:prstGeom prst="straightConnector1">
+            <a:avLst/>
+          </a:prstGeom>
+          <a:ln>
+            <a:tailEnd type="triangle"/>
+          </a:ln>
+        </p:spPr>
+        <p:style>
+          <a:lnRef idx="2">
+            <a:schemeClr val="accent3">
+              <a:shade val="15000"/>
+            </a:schemeClr>
+          </a:lnRef>
+          <a:fillRef idx="1">
+            <a:schemeClr val="accent3"/>
+          </a:fillRef>
+          <a:effectRef idx="0">
+            <a:schemeClr val="accent3"/>
+          </a:effectRef>
+          <a:fontRef idx="minor">
+            <a:schemeClr val="lt1"/>
+          </a:fontRef>
+        </p:style>
+      </p:cxnSp>
+    </p:spTree>
+    <p:extLst>
+      <p:ext uri="{BB962C8B-B14F-4D97-AF65-F5344CB8AC3E}">
+        <p14:creationId xmlns:p14="http://schemas.microsoft.com/office/powerpoint/2010/main" val="1855490424"/>
+      </p:ext>
+    </p:extLst>
+  </p:cSld>
+  <p:clrMapOvr>
+    <a:masterClrMapping/>
+  </p:clrMapOvr>
+</p:sld>
+</file>
+
+<file path=ppt/slides/slide11.xml><?xml version="1.0" encoding="utf-8"?>
 <p:sld xmlns:a="http://schemas.openxmlformats.org/drawingml/2006/main" xmlns:r="http://schemas.openxmlformats.org/officeDocument/2006/relationships" xmlns:p="http://schemas.openxmlformats.org/presentationml/2006/main">
   <p:cSld>
     <p:spTree>
@@ -4627,7 +6063,7 @@
 </p:sld>
 </file>
 
-<file path=ppt/slides/slide11.xml><?xml version="1.0" encoding="utf-8"?>
+<file path=ppt/slides/slide12.xml><?xml version="1.0" encoding="utf-8"?>
 <p:sld xmlns:a="http://schemas.openxmlformats.org/drawingml/2006/main" xmlns:r="http://schemas.openxmlformats.org/officeDocument/2006/relationships" xmlns:p="http://schemas.openxmlformats.org/presentationml/2006/main">
   <p:cSld>
     <p:spTree>
@@ -4695,7 +6131,7 @@
         </p:blipFill>
         <p:spPr>
           <a:xfrm>
-            <a:off x="3651292" y="2129660"/>
+            <a:off x="3657642" y="2132835"/>
             <a:ext cx="4889416" cy="3743268"/>
           </a:xfrm>
           <a:prstGeom prst="rect">
@@ -4707,104 +6143,6 @@
     <p:extLst>
       <p:ext uri="{BB962C8B-B14F-4D97-AF65-F5344CB8AC3E}">
         <p14:creationId xmlns:p14="http://schemas.microsoft.com/office/powerpoint/2010/main" val="3106651656"/>
-      </p:ext>
-    </p:extLst>
-  </p:cSld>
-  <p:clrMapOvr>
-    <a:masterClrMapping/>
-  </p:clrMapOvr>
-</p:sld>
-</file>
-
-<file path=ppt/slides/slide12.xml><?xml version="1.0" encoding="utf-8"?>
-<p:sld xmlns:a="http://schemas.openxmlformats.org/drawingml/2006/main" xmlns:r="http://schemas.openxmlformats.org/officeDocument/2006/relationships" xmlns:p="http://schemas.openxmlformats.org/presentationml/2006/main">
-  <p:cSld>
-    <p:spTree>
-      <p:nvGrpSpPr>
-        <p:cNvPr id="1" name=""/>
-        <p:cNvGrpSpPr/>
-        <p:nvPr/>
-      </p:nvGrpSpPr>
-      <p:grpSpPr>
-        <a:xfrm>
-          <a:off x="0" y="0"/>
-          <a:ext cx="0" cy="0"/>
-          <a:chOff x="0" y="0"/>
-          <a:chExt cx="0" cy="0"/>
-        </a:xfrm>
-      </p:grpSpPr>
-      <p:sp>
-        <p:nvSpPr>
-          <p:cNvPr id="2" name="タイトル 1">
-            <a:extLst>
-              <a:ext uri="{FF2B5EF4-FFF2-40B4-BE49-F238E27FC236}">
-                <a16:creationId xmlns:a16="http://schemas.microsoft.com/office/drawing/2014/main" id="{E90A3F46-1EED-5E3A-163E-0B3B7CB9F129}"/>
-              </a:ext>
-            </a:extLst>
-          </p:cNvPr>
-          <p:cNvSpPr>
-            <a:spLocks noGrp="1"/>
-          </p:cNvSpPr>
-          <p:nvPr>
-            <p:ph type="title"/>
-          </p:nvPr>
-        </p:nvSpPr>
-        <p:spPr/>
-        <p:txBody>
-          <a:bodyPr/>
-          <a:lstStyle/>
-          <a:p>
-            <a:r>
-              <a:rPr kumimoji="1" lang="ja-JP" altLang="en-US" dirty="0"/>
-              <a:t>相関</a:t>
-            </a:r>
-            <a:r>
-              <a:rPr kumimoji="1" lang="en-US" altLang="ja-JP" dirty="0"/>
-              <a:t>0.200</a:t>
-            </a:r>
-            <a:br>
-              <a:rPr kumimoji="1" lang="en-US" altLang="ja-JP" dirty="0"/>
-            </a:br>
-            <a:endParaRPr kumimoji="1" lang="ja-JP" altLang="en-US" dirty="0"/>
-          </a:p>
-        </p:txBody>
-      </p:sp>
-      <p:pic>
-        <p:nvPicPr>
-          <p:cNvPr id="4" name="コンテンツ プレースホルダー 3">
-            <a:extLst>
-              <a:ext uri="{FF2B5EF4-FFF2-40B4-BE49-F238E27FC236}">
-                <a16:creationId xmlns:a16="http://schemas.microsoft.com/office/drawing/2014/main" id="{3904CA60-7C01-0FD0-E53C-5A529A43F63D}"/>
-              </a:ext>
-            </a:extLst>
-          </p:cNvPr>
-          <p:cNvPicPr>
-            <a:picLocks noGrp="1" noChangeAspect="1"/>
-          </p:cNvPicPr>
-          <p:nvPr>
-            <p:ph idx="1"/>
-          </p:nvPr>
-        </p:nvPicPr>
-        <p:blipFill>
-          <a:blip r:embed="rId2"/>
-          <a:stretch>
-            <a:fillRect/>
-          </a:stretch>
-        </p:blipFill>
-        <p:spPr>
-          <a:xfrm>
-            <a:off x="3651292" y="2129660"/>
-            <a:ext cx="4889416" cy="3743268"/>
-          </a:xfrm>
-          <a:prstGeom prst="rect">
-            <a:avLst/>
-          </a:prstGeom>
-        </p:spPr>
-      </p:pic>
-    </p:spTree>
-    <p:extLst>
-      <p:ext uri="{BB962C8B-B14F-4D97-AF65-F5344CB8AC3E}">
-        <p14:creationId xmlns:p14="http://schemas.microsoft.com/office/powerpoint/2010/main" val="1624990458"/>
       </p:ext>
     </p:extLst>
   </p:cSld>
@@ -4836,7 +6174,7 @@
           <p:cNvPr id="2" name="タイトル 1">
             <a:extLst>
               <a:ext uri="{FF2B5EF4-FFF2-40B4-BE49-F238E27FC236}">
-                <a16:creationId xmlns:a16="http://schemas.microsoft.com/office/drawing/2014/main" id="{424D4A5E-223E-8982-C14E-80509BE1BD07}"/>
+                <a16:creationId xmlns:a16="http://schemas.microsoft.com/office/drawing/2014/main" id="{E90A3F46-1EED-5E3A-163E-0B3B7CB9F129}"/>
               </a:ext>
             </a:extLst>
           </p:cNvPr>
@@ -4858,18 +6196,21 @@
             </a:r>
             <a:r>
               <a:rPr kumimoji="1" lang="en-US" altLang="ja-JP" dirty="0"/>
-              <a:t>0.441</a:t>
-            </a:r>
+              <a:t>0.200</a:t>
+            </a:r>
+            <a:br>
+              <a:rPr kumimoji="1" lang="en-US" altLang="ja-JP" dirty="0"/>
+            </a:br>
             <a:endParaRPr kumimoji="1" lang="ja-JP" altLang="en-US" dirty="0"/>
           </a:p>
         </p:txBody>
       </p:sp>
       <p:pic>
         <p:nvPicPr>
-          <p:cNvPr id="5" name="コンテンツ プレースホルダー 4">
+          <p:cNvPr id="4" name="コンテンツ プレースホルダー 3">
             <a:extLst>
               <a:ext uri="{FF2B5EF4-FFF2-40B4-BE49-F238E27FC236}">
-                <a16:creationId xmlns:a16="http://schemas.microsoft.com/office/drawing/2014/main" id="{F75D3519-7909-7EAE-2E9B-73460C4447BC}"/>
+                <a16:creationId xmlns:a16="http://schemas.microsoft.com/office/drawing/2014/main" id="{3904CA60-7C01-0FD0-E53C-5A529A43F63D}"/>
               </a:ext>
             </a:extLst>
           </p:cNvPr>
@@ -4888,7 +6229,7 @@
         </p:blipFill>
         <p:spPr>
           <a:xfrm>
-            <a:off x="3651292" y="2129660"/>
+            <a:off x="3657642" y="2132835"/>
             <a:ext cx="4889416" cy="3743268"/>
           </a:xfrm>
           <a:prstGeom prst="rect">
@@ -4899,7 +6240,7 @@
     </p:spTree>
     <p:extLst>
       <p:ext uri="{BB962C8B-B14F-4D97-AF65-F5344CB8AC3E}">
-        <p14:creationId xmlns:p14="http://schemas.microsoft.com/office/powerpoint/2010/main" val="678897031"/>
+        <p14:creationId xmlns:p14="http://schemas.microsoft.com/office/powerpoint/2010/main" val="1624990458"/>
       </p:ext>
     </p:extLst>
   </p:cSld>
@@ -4931,7 +6272,7 @@
           <p:cNvPr id="2" name="タイトル 1">
             <a:extLst>
               <a:ext uri="{FF2B5EF4-FFF2-40B4-BE49-F238E27FC236}">
-                <a16:creationId xmlns:a16="http://schemas.microsoft.com/office/drawing/2014/main" id="{078590EC-3551-7798-D26C-ACB846F74B4F}"/>
+                <a16:creationId xmlns:a16="http://schemas.microsoft.com/office/drawing/2014/main" id="{424D4A5E-223E-8982-C14E-80509BE1BD07}"/>
               </a:ext>
             </a:extLst>
           </p:cNvPr>
@@ -4953,7 +6294,7 @@
             </a:r>
             <a:r>
               <a:rPr kumimoji="1" lang="en-US" altLang="ja-JP" dirty="0"/>
-              <a:t>0.542</a:t>
+              <a:t>0.441</a:t>
             </a:r>
             <a:endParaRPr kumimoji="1" lang="ja-JP" altLang="en-US" dirty="0"/>
           </a:p>
@@ -4961,10 +6302,10 @@
       </p:sp>
       <p:pic>
         <p:nvPicPr>
-          <p:cNvPr id="4" name="コンテンツ プレースホルダー 3">
+          <p:cNvPr id="5" name="コンテンツ プレースホルダー 4">
             <a:extLst>
               <a:ext uri="{FF2B5EF4-FFF2-40B4-BE49-F238E27FC236}">
-                <a16:creationId xmlns:a16="http://schemas.microsoft.com/office/drawing/2014/main" id="{8F9D458B-836E-CC07-37D7-241DBA03244B}"/>
+                <a16:creationId xmlns:a16="http://schemas.microsoft.com/office/drawing/2014/main" id="{F75D3519-7909-7EAE-2E9B-73460C4447BC}"/>
               </a:ext>
             </a:extLst>
           </p:cNvPr>
@@ -4983,7 +6324,7 @@
         </p:blipFill>
         <p:spPr>
           <a:xfrm>
-            <a:off x="3651292" y="2129660"/>
+            <a:off x="3657642" y="2132835"/>
             <a:ext cx="4889416" cy="3743268"/>
           </a:xfrm>
           <a:prstGeom prst="rect">
@@ -4994,7 +6335,7 @@
     </p:spTree>
     <p:extLst>
       <p:ext uri="{BB962C8B-B14F-4D97-AF65-F5344CB8AC3E}">
-        <p14:creationId xmlns:p14="http://schemas.microsoft.com/office/powerpoint/2010/main" val="3981072813"/>
+        <p14:creationId xmlns:p14="http://schemas.microsoft.com/office/powerpoint/2010/main" val="678897031"/>
       </p:ext>
     </p:extLst>
   </p:cSld>
@@ -5026,7 +6367,7 @@
           <p:cNvPr id="2" name="タイトル 1">
             <a:extLst>
               <a:ext uri="{FF2B5EF4-FFF2-40B4-BE49-F238E27FC236}">
-                <a16:creationId xmlns:a16="http://schemas.microsoft.com/office/drawing/2014/main" id="{408B8A56-D7B0-32F3-915D-088686A1CFE1}"/>
+                <a16:creationId xmlns:a16="http://schemas.microsoft.com/office/drawing/2014/main" id="{078590EC-3551-7798-D26C-ACB846F74B4F}"/>
               </a:ext>
             </a:extLst>
           </p:cNvPr>
@@ -5048,21 +6389,18 @@
             </a:r>
             <a:r>
               <a:rPr kumimoji="1" lang="en-US" altLang="ja-JP" dirty="0"/>
-              <a:t>0.712</a:t>
-            </a:r>
-            <a:br>
-              <a:rPr kumimoji="1" lang="en-US" altLang="ja-JP" dirty="0"/>
-            </a:br>
+              <a:t>0.542</a:t>
+            </a:r>
             <a:endParaRPr kumimoji="1" lang="ja-JP" altLang="en-US" dirty="0"/>
           </a:p>
         </p:txBody>
       </p:sp>
       <p:pic>
         <p:nvPicPr>
-          <p:cNvPr id="5" name="コンテンツ プレースホルダー 4">
+          <p:cNvPr id="4" name="コンテンツ プレースホルダー 3">
             <a:extLst>
               <a:ext uri="{FF2B5EF4-FFF2-40B4-BE49-F238E27FC236}">
-                <a16:creationId xmlns:a16="http://schemas.microsoft.com/office/drawing/2014/main" id="{424F2261-F694-769C-97BE-344F1E103D80}"/>
+                <a16:creationId xmlns:a16="http://schemas.microsoft.com/office/drawing/2014/main" id="{8F9D458B-836E-CC07-37D7-241DBA03244B}"/>
               </a:ext>
             </a:extLst>
           </p:cNvPr>
@@ -5081,7 +6419,7 @@
         </p:blipFill>
         <p:spPr>
           <a:xfrm>
-            <a:off x="3651292" y="2129660"/>
+            <a:off x="3657642" y="2132835"/>
             <a:ext cx="4889416" cy="3743268"/>
           </a:xfrm>
           <a:prstGeom prst="rect">
@@ -5092,7 +6430,7 @@
     </p:spTree>
     <p:extLst>
       <p:ext uri="{BB962C8B-B14F-4D97-AF65-F5344CB8AC3E}">
-        <p14:creationId xmlns:p14="http://schemas.microsoft.com/office/powerpoint/2010/main" val="1599585600"/>
+        <p14:creationId xmlns:p14="http://schemas.microsoft.com/office/powerpoint/2010/main" val="3981072813"/>
       </p:ext>
     </p:extLst>
   </p:cSld>
@@ -5124,7 +6462,7 @@
           <p:cNvPr id="2" name="タイトル 1">
             <a:extLst>
               <a:ext uri="{FF2B5EF4-FFF2-40B4-BE49-F238E27FC236}">
-                <a16:creationId xmlns:a16="http://schemas.microsoft.com/office/drawing/2014/main" id="{B5825973-7C3A-7DEF-97B0-8EB6A8D4B61D}"/>
+                <a16:creationId xmlns:a16="http://schemas.microsoft.com/office/drawing/2014/main" id="{408B8A56-D7B0-32F3-915D-088686A1CFE1}"/>
               </a:ext>
             </a:extLst>
           </p:cNvPr>
@@ -5141,37 +6479,26 @@
           <a:lstStyle/>
           <a:p>
             <a:r>
-              <a:rPr lang="ja-JP" altLang="en-US" sz="1800" b="0" i="0" u="none" strike="noStrike" dirty="0">
-                <a:solidFill>
-                  <a:srgbClr val="000000"/>
-                </a:solidFill>
-                <a:effectLst/>
-                <a:latin typeface="游ゴシック" panose="020B0400000000000000" pitchFamily="50" charset="-128"/>
-                <a:ea typeface="游ゴシック" panose="020B0400000000000000" pitchFamily="50" charset="-128"/>
-              </a:rPr>
+              <a:rPr kumimoji="1" lang="ja-JP" altLang="en-US" dirty="0"/>
               <a:t>相関</a:t>
             </a:r>
             <a:r>
-              <a:rPr lang="en-US" altLang="ja-JP" sz="1800" b="0" i="0" u="none" strike="noStrike" dirty="0">
-                <a:solidFill>
-                  <a:srgbClr val="000000"/>
-                </a:solidFill>
-                <a:effectLst/>
-                <a:latin typeface="游ゴシック" panose="020B0400000000000000" pitchFamily="50" charset="-128"/>
-                <a:ea typeface="游ゴシック" panose="020B0400000000000000" pitchFamily="50" charset="-128"/>
-              </a:rPr>
-              <a:t>0.905</a:t>
-            </a:r>
+              <a:rPr kumimoji="1" lang="en-US" altLang="ja-JP" dirty="0"/>
+              <a:t>0.712</a:t>
+            </a:r>
+            <a:br>
+              <a:rPr kumimoji="1" lang="en-US" altLang="ja-JP" dirty="0"/>
+            </a:br>
             <a:endParaRPr kumimoji="1" lang="ja-JP" altLang="en-US" dirty="0"/>
           </a:p>
         </p:txBody>
       </p:sp>
       <p:pic>
         <p:nvPicPr>
-          <p:cNvPr id="4" name="コンテンツ プレースホルダー 3">
+          <p:cNvPr id="5" name="コンテンツ プレースホルダー 4">
             <a:extLst>
               <a:ext uri="{FF2B5EF4-FFF2-40B4-BE49-F238E27FC236}">
-                <a16:creationId xmlns:a16="http://schemas.microsoft.com/office/drawing/2014/main" id="{341D7BD3-E56B-8269-F527-303B94AF8C6B}"/>
+                <a16:creationId xmlns:a16="http://schemas.microsoft.com/office/drawing/2014/main" id="{424F2261-F694-769C-97BE-344F1E103D80}"/>
               </a:ext>
             </a:extLst>
           </p:cNvPr>
@@ -5190,7 +6517,7 @@
         </p:blipFill>
         <p:spPr>
           <a:xfrm>
-            <a:off x="3651292" y="2129660"/>
+            <a:off x="3657642" y="2132835"/>
             <a:ext cx="4889416" cy="3743268"/>
           </a:xfrm>
           <a:prstGeom prst="rect">
@@ -5201,7 +6528,7 @@
     </p:spTree>
     <p:extLst>
       <p:ext uri="{BB962C8B-B14F-4D97-AF65-F5344CB8AC3E}">
-        <p14:creationId xmlns:p14="http://schemas.microsoft.com/office/powerpoint/2010/main" val="3867585930"/>
+        <p14:creationId xmlns:p14="http://schemas.microsoft.com/office/powerpoint/2010/main" val="1599585600"/>
       </p:ext>
     </p:extLst>
   </p:cSld>
@@ -5230,6 +6557,115 @@
       </p:grpSpPr>
       <p:sp>
         <p:nvSpPr>
+          <p:cNvPr id="2" name="タイトル 1">
+            <a:extLst>
+              <a:ext uri="{FF2B5EF4-FFF2-40B4-BE49-F238E27FC236}">
+                <a16:creationId xmlns:a16="http://schemas.microsoft.com/office/drawing/2014/main" id="{B5825973-7C3A-7DEF-97B0-8EB6A8D4B61D}"/>
+              </a:ext>
+            </a:extLst>
+          </p:cNvPr>
+          <p:cNvSpPr>
+            <a:spLocks noGrp="1"/>
+          </p:cNvSpPr>
+          <p:nvPr>
+            <p:ph type="title"/>
+          </p:nvPr>
+        </p:nvSpPr>
+        <p:spPr/>
+        <p:txBody>
+          <a:bodyPr/>
+          <a:lstStyle/>
+          <a:p>
+            <a:r>
+              <a:rPr lang="ja-JP" altLang="en-US" sz="1800" b="0" i="0" u="none" strike="noStrike" dirty="0">
+                <a:solidFill>
+                  <a:srgbClr val="000000"/>
+                </a:solidFill>
+                <a:effectLst/>
+                <a:latin typeface="游ゴシック" panose="020B0400000000000000" pitchFamily="50" charset="-128"/>
+                <a:ea typeface="游ゴシック" panose="020B0400000000000000" pitchFamily="50" charset="-128"/>
+              </a:rPr>
+              <a:t>相関</a:t>
+            </a:r>
+            <a:r>
+              <a:rPr lang="en-US" altLang="ja-JP" sz="1800" b="0" i="0" u="none" strike="noStrike" dirty="0">
+                <a:solidFill>
+                  <a:srgbClr val="000000"/>
+                </a:solidFill>
+                <a:effectLst/>
+                <a:latin typeface="游ゴシック" panose="020B0400000000000000" pitchFamily="50" charset="-128"/>
+                <a:ea typeface="游ゴシック" panose="020B0400000000000000" pitchFamily="50" charset="-128"/>
+              </a:rPr>
+              <a:t>0.905</a:t>
+            </a:r>
+            <a:endParaRPr kumimoji="1" lang="ja-JP" altLang="en-US" dirty="0"/>
+          </a:p>
+        </p:txBody>
+      </p:sp>
+      <p:pic>
+        <p:nvPicPr>
+          <p:cNvPr id="4" name="コンテンツ プレースホルダー 3">
+            <a:extLst>
+              <a:ext uri="{FF2B5EF4-FFF2-40B4-BE49-F238E27FC236}">
+                <a16:creationId xmlns:a16="http://schemas.microsoft.com/office/drawing/2014/main" id="{341D7BD3-E56B-8269-F527-303B94AF8C6B}"/>
+              </a:ext>
+            </a:extLst>
+          </p:cNvPr>
+          <p:cNvPicPr>
+            <a:picLocks noGrp="1" noChangeAspect="1"/>
+          </p:cNvPicPr>
+          <p:nvPr>
+            <p:ph idx="1"/>
+          </p:nvPr>
+        </p:nvPicPr>
+        <p:blipFill>
+          <a:blip r:embed="rId2"/>
+          <a:stretch>
+            <a:fillRect/>
+          </a:stretch>
+        </p:blipFill>
+        <p:spPr>
+          <a:xfrm>
+            <a:off x="3657642" y="2132835"/>
+            <a:ext cx="4889416" cy="3743268"/>
+          </a:xfrm>
+          <a:prstGeom prst="rect">
+            <a:avLst/>
+          </a:prstGeom>
+        </p:spPr>
+      </p:pic>
+    </p:spTree>
+    <p:extLst>
+      <p:ext uri="{BB962C8B-B14F-4D97-AF65-F5344CB8AC3E}">
+        <p14:creationId xmlns:p14="http://schemas.microsoft.com/office/powerpoint/2010/main" val="3867585930"/>
+      </p:ext>
+    </p:extLst>
+  </p:cSld>
+  <p:clrMapOvr>
+    <a:masterClrMapping/>
+  </p:clrMapOvr>
+</p:sld>
+</file>
+
+<file path=ppt/slides/slide18.xml><?xml version="1.0" encoding="utf-8"?>
+<p:sld xmlns:a="http://schemas.openxmlformats.org/drawingml/2006/main" xmlns:r="http://schemas.openxmlformats.org/officeDocument/2006/relationships" xmlns:p="http://schemas.openxmlformats.org/presentationml/2006/main">
+  <p:cSld>
+    <p:spTree>
+      <p:nvGrpSpPr>
+        <p:cNvPr id="1" name=""/>
+        <p:cNvGrpSpPr/>
+        <p:nvPr/>
+      </p:nvGrpSpPr>
+      <p:grpSpPr>
+        <a:xfrm>
+          <a:off x="0" y="0"/>
+          <a:ext cx="0" cy="0"/>
+          <a:chOff x="0" y="0"/>
+          <a:chExt cx="0" cy="0"/>
+        </a:xfrm>
+      </p:grpSpPr>
+      <p:sp>
+        <p:nvSpPr>
           <p:cNvPr id="2" name="タイトル 1"/>
           <p:cNvSpPr>
             <a:spLocks noGrp="1"/>
@@ -5565,7 +7001,7 @@
 </p:sld>
 </file>
 
-<file path=ppt/slides/slide18.xml><?xml version="1.0" encoding="utf-8"?>
+<file path=ppt/slides/slide19.xml><?xml version="1.0" encoding="utf-8"?>
 <p:sld xmlns:a="http://schemas.openxmlformats.org/drawingml/2006/main" xmlns:r="http://schemas.openxmlformats.org/officeDocument/2006/relationships" xmlns:p="http://schemas.openxmlformats.org/presentationml/2006/main">
   <p:cSld>
     <p:spTree>
@@ -5808,6 +7244,106 @@
 </file>
 
 <file path=ppt/slides/slide2.xml><?xml version="1.0" encoding="utf-8"?>
+<p:sld xmlns:a="http://schemas.openxmlformats.org/drawingml/2006/main" xmlns:r="http://schemas.openxmlformats.org/officeDocument/2006/relationships" xmlns:p="http://schemas.openxmlformats.org/presentationml/2006/main">
+  <p:cSld>
+    <p:spTree>
+      <p:nvGrpSpPr>
+        <p:cNvPr id="1" name=""/>
+        <p:cNvGrpSpPr/>
+        <p:nvPr/>
+      </p:nvGrpSpPr>
+      <p:grpSpPr>
+        <a:xfrm>
+          <a:off x="0" y="0"/>
+          <a:ext cx="0" cy="0"/>
+          <a:chOff x="0" y="0"/>
+          <a:chExt cx="0" cy="0"/>
+        </a:xfrm>
+      </p:grpSpPr>
+      <p:pic>
+        <p:nvPicPr>
+          <p:cNvPr id="4" name="図 3"/>
+          <p:cNvPicPr>
+            <a:picLocks noChangeAspect="1"/>
+          </p:cNvPicPr>
+          <p:nvPr/>
+        </p:nvPicPr>
+        <p:blipFill>
+          <a:blip r:embed="rId2"/>
+          <a:stretch>
+            <a:fillRect/>
+          </a:stretch>
+        </p:blipFill>
+        <p:spPr>
+          <a:xfrm>
+            <a:off x="1737704" y="3047947"/>
+            <a:ext cx="8716591" cy="762106"/>
+          </a:xfrm>
+          <a:prstGeom prst="rect">
+            <a:avLst/>
+          </a:prstGeom>
+        </p:spPr>
+      </p:pic>
+      <p:sp>
+        <p:nvSpPr>
+          <p:cNvPr id="5" name="楕円 4"/>
+          <p:cNvSpPr/>
+          <p:nvPr/>
+        </p:nvSpPr>
+        <p:spPr>
+          <a:xfrm>
+            <a:off x="8330184" y="3195828"/>
+            <a:ext cx="393192" cy="374904"/>
+          </a:xfrm>
+          <a:prstGeom prst="ellipse">
+            <a:avLst/>
+          </a:prstGeom>
+          <a:noFill/>
+          <a:ln w="57150">
+            <a:solidFill>
+              <a:srgbClr val="FF6600"/>
+            </a:solidFill>
+          </a:ln>
+        </p:spPr>
+        <p:style>
+          <a:lnRef idx="2">
+            <a:schemeClr val="accent1">
+              <a:shade val="50000"/>
+            </a:schemeClr>
+          </a:lnRef>
+          <a:fillRef idx="1">
+            <a:schemeClr val="accent1"/>
+          </a:fillRef>
+          <a:effectRef idx="0">
+            <a:schemeClr val="accent1"/>
+          </a:effectRef>
+          <a:fontRef idx="minor">
+            <a:schemeClr val="lt1"/>
+          </a:fontRef>
+        </p:style>
+        <p:txBody>
+          <a:bodyPr rtlCol="0" anchor="ctr"/>
+          <a:lstStyle/>
+          <a:p>
+            <a:pPr algn="ctr"/>
+            <a:endParaRPr kumimoji="1" lang="ja-JP" altLang="en-US"/>
+          </a:p>
+        </p:txBody>
+      </p:sp>
+    </p:spTree>
+    <p:extLst>
+      <p:ext uri="{BB962C8B-B14F-4D97-AF65-F5344CB8AC3E}">
+        <p14:creationId xmlns:p14="http://schemas.microsoft.com/office/powerpoint/2010/main" val="1531462404"/>
+      </p:ext>
+    </p:extLst>
+  </p:cSld>
+  <p:clrMapOvr>
+    <a:masterClrMapping/>
+  </p:clrMapOvr>
+</p:sld>
+</file>
+
+<file path=ppt/slides/slide3.xml><?xml version="1.0" encoding="utf-8"?>
 <p:sld xmlns:a="http://schemas.openxmlformats.org/drawingml/2006/main" xmlns:r="http://schemas.openxmlformats.org/officeDocument/2006/relationships" xmlns:p="http://schemas.openxmlformats.org/presentationml/2006/main">
   <p:cSld>
     <p:spTree>
@@ -5938,7 +7474,7 @@
 </p:sld>
 </file>
 
-<file path=ppt/slides/slide3.xml><?xml version="1.0" encoding="utf-8"?>
+<file path=ppt/slides/slide4.xml><?xml version="1.0" encoding="utf-8"?>
 <p:sld xmlns:a="http://schemas.openxmlformats.org/drawingml/2006/main" xmlns:r="http://schemas.openxmlformats.org/officeDocument/2006/relationships" xmlns:p="http://schemas.openxmlformats.org/presentationml/2006/main">
   <p:cSld>
     <p:spTree>
@@ -6247,7 +7783,7 @@
 </p:sld>
 </file>
 
-<file path=ppt/slides/slide4.xml><?xml version="1.0" encoding="utf-8"?>
+<file path=ppt/slides/slide5.xml><?xml version="1.0" encoding="utf-8"?>
 <p:sld xmlns:a="http://schemas.openxmlformats.org/drawingml/2006/main" xmlns:r="http://schemas.openxmlformats.org/officeDocument/2006/relationships" xmlns:p="http://schemas.openxmlformats.org/presentationml/2006/main">
   <p:cSld>
     <p:spTree>
@@ -6470,7 +8006,7 @@
 </p:sld>
 </file>
 
-<file path=ppt/slides/slide5.xml><?xml version="1.0" encoding="utf-8"?>
+<file path=ppt/slides/slide6.xml><?xml version="1.0" encoding="utf-8"?>
 <p:sld xmlns:a="http://schemas.openxmlformats.org/drawingml/2006/main" xmlns:r="http://schemas.openxmlformats.org/officeDocument/2006/relationships" xmlns:p="http://schemas.openxmlformats.org/presentationml/2006/main">
   <p:cSld>
     <p:spTree>
@@ -6831,7 +8367,7 @@
 </p:sld>
 </file>
 
-<file path=ppt/slides/slide6.xml><?xml version="1.0" encoding="utf-8"?>
+<file path=ppt/slides/slide7.xml><?xml version="1.0" encoding="utf-8"?>
 <p:sld xmlns:a="http://schemas.openxmlformats.org/drawingml/2006/main" xmlns:r="http://schemas.openxmlformats.org/officeDocument/2006/relationships" xmlns:p="http://schemas.openxmlformats.org/presentationml/2006/main">
   <p:cSld>
     <p:spTree>
@@ -7198,7 +8734,7 @@
 </p:sld>
 </file>
 
-<file path=ppt/slides/slide7.xml><?xml version="1.0" encoding="utf-8"?>
+<file path=ppt/slides/slide8.xml><?xml version="1.0" encoding="utf-8"?>
 <p:sld xmlns:a="http://schemas.openxmlformats.org/drawingml/2006/main" xmlns:r="http://schemas.openxmlformats.org/officeDocument/2006/relationships" xmlns:p="http://schemas.openxmlformats.org/presentationml/2006/main">
   <p:cSld>
     <p:spTree>
@@ -7804,7 +9340,7 @@
 </p:sld>
 </file>
 
-<file path=ppt/slides/slide8.xml><?xml version="1.0" encoding="utf-8"?>
+<file path=ppt/slides/slide9.xml><?xml version="1.0" encoding="utf-8"?>
 <p:sld xmlns:a="http://schemas.openxmlformats.org/drawingml/2006/main" xmlns:r="http://schemas.openxmlformats.org/officeDocument/2006/relationships" xmlns:p="http://schemas.openxmlformats.org/presentationml/2006/main">
   <p:cSld>
     <p:spTree>
@@ -8310,498 +9846,10 @@
 </p:sld>
 </file>
 
-<file path=ppt/slides/slide9.xml><?xml version="1.0" encoding="utf-8"?>
-<p:sld xmlns:a="http://schemas.openxmlformats.org/drawingml/2006/main" xmlns:r="http://schemas.openxmlformats.org/officeDocument/2006/relationships" xmlns:p="http://schemas.openxmlformats.org/presentationml/2006/main">
-  <p:cSld>
-    <p:spTree>
-      <p:nvGrpSpPr>
-        <p:cNvPr id="1" name=""/>
-        <p:cNvGrpSpPr/>
-        <p:nvPr/>
-      </p:nvGrpSpPr>
-      <p:grpSpPr>
-        <a:xfrm>
-          <a:off x="0" y="0"/>
-          <a:ext cx="0" cy="0"/>
-          <a:chOff x="0" y="0"/>
-          <a:chExt cx="0" cy="0"/>
-        </a:xfrm>
-      </p:grpSpPr>
-      <p:sp>
-        <p:nvSpPr>
-          <p:cNvPr id="4" name="正方形/長方形 3">
-            <a:extLst>
-              <a:ext uri="{FF2B5EF4-FFF2-40B4-BE49-F238E27FC236}">
-                <a16:creationId xmlns:a16="http://schemas.microsoft.com/office/drawing/2014/main" id="{D1E12261-89B1-F2A3-34A0-BBE7B31A48CA}"/>
-              </a:ext>
-            </a:extLst>
-          </p:cNvPr>
-          <p:cNvSpPr/>
-          <p:nvPr/>
-        </p:nvSpPr>
-        <p:spPr>
-          <a:xfrm>
-            <a:off x="6810375" y="1376173"/>
-            <a:ext cx="2476500" cy="1024128"/>
-          </a:xfrm>
-          <a:prstGeom prst="rect">
-            <a:avLst/>
-          </a:prstGeom>
-        </p:spPr>
-        <p:style>
-          <a:lnRef idx="2">
-            <a:schemeClr val="accent3">
-              <a:shade val="15000"/>
-            </a:schemeClr>
-          </a:lnRef>
-          <a:fillRef idx="1">
-            <a:schemeClr val="accent3"/>
-          </a:fillRef>
-          <a:effectRef idx="0">
-            <a:schemeClr val="accent3"/>
-          </a:effectRef>
-          <a:fontRef idx="minor">
-            <a:schemeClr val="lt1"/>
-          </a:fontRef>
-        </p:style>
-        <p:txBody>
-          <a:bodyPr rtlCol="0" anchor="ctr"/>
-          <a:lstStyle/>
-          <a:p>
-            <a:pPr algn="ctr"/>
-            <a:r>
-              <a:rPr kumimoji="1" lang="ja-JP" altLang="en-US" dirty="0"/>
-              <a:t>目的変数：</a:t>
-            </a:r>
-            <a:endParaRPr kumimoji="1" lang="en-US" altLang="ja-JP" dirty="0"/>
-          </a:p>
-          <a:p>
-            <a:pPr algn="ctr"/>
-            <a:r>
-              <a:rPr kumimoji="1" lang="ja-JP" altLang="en-US" dirty="0"/>
-              <a:t>収穫量</a:t>
-            </a:r>
-            <a:endParaRPr kumimoji="1" lang="en-US" altLang="ja-JP" dirty="0"/>
-          </a:p>
-          <a:p>
-            <a:pPr algn="ctr"/>
-            <a:r>
-              <a:rPr lang="ja-JP" altLang="en-US" dirty="0"/>
-              <a:t>（連続変数）</a:t>
-            </a:r>
-            <a:endParaRPr kumimoji="1" lang="ja-JP" altLang="en-US" dirty="0"/>
-          </a:p>
-        </p:txBody>
-      </p:sp>
-      <p:sp>
-        <p:nvSpPr>
-          <p:cNvPr id="5" name="正方形/長方形 4">
-            <a:extLst>
-              <a:ext uri="{FF2B5EF4-FFF2-40B4-BE49-F238E27FC236}">
-                <a16:creationId xmlns:a16="http://schemas.microsoft.com/office/drawing/2014/main" id="{CBC8A939-E168-8640-4151-6E3418F38040}"/>
-              </a:ext>
-            </a:extLst>
-          </p:cNvPr>
-          <p:cNvSpPr/>
-          <p:nvPr/>
-        </p:nvSpPr>
-        <p:spPr>
-          <a:xfrm>
-            <a:off x="2914650" y="1145287"/>
-            <a:ext cx="2371725" cy="1485900"/>
-          </a:xfrm>
-          <a:prstGeom prst="rect">
-            <a:avLst/>
-          </a:prstGeom>
-        </p:spPr>
-        <p:style>
-          <a:lnRef idx="2">
-            <a:schemeClr val="accent3">
-              <a:shade val="50000"/>
-            </a:schemeClr>
-          </a:lnRef>
-          <a:fillRef idx="1">
-            <a:schemeClr val="accent3"/>
-          </a:fillRef>
-          <a:effectRef idx="0">
-            <a:schemeClr val="accent3"/>
-          </a:effectRef>
-          <a:fontRef idx="minor">
-            <a:schemeClr val="lt1"/>
-          </a:fontRef>
-        </p:style>
-        <p:txBody>
-          <a:bodyPr rtlCol="0" anchor="ctr"/>
-          <a:lstStyle/>
-          <a:p>
-            <a:pPr algn="ctr"/>
-            <a:r>
-              <a:rPr lang="ja-JP" altLang="en-US" dirty="0"/>
-              <a:t>説明変数</a:t>
-            </a:r>
-            <a:r>
-              <a:rPr lang="en-US" altLang="ja-JP" dirty="0"/>
-              <a:t>1</a:t>
-            </a:r>
-            <a:r>
-              <a:rPr lang="ja-JP" altLang="en-US" dirty="0"/>
-              <a:t>：</a:t>
-            </a:r>
-            <a:r>
-              <a:rPr lang="en-US" altLang="ja-JP" dirty="0"/>
-              <a:t/>
-            </a:r>
-            <a:br>
-              <a:rPr lang="en-US" altLang="ja-JP" dirty="0"/>
-            </a:br>
-            <a:r>
-              <a:rPr lang="ja-JP" altLang="en-US" dirty="0"/>
-              <a:t>小麦品種</a:t>
-            </a:r>
-            <a:endParaRPr lang="en-US" altLang="ja-JP" dirty="0"/>
-          </a:p>
-          <a:p>
-            <a:pPr algn="ctr"/>
-            <a:endParaRPr lang="en-US" altLang="ja-JP" sz="500" dirty="0"/>
-          </a:p>
-          <a:p>
-            <a:pPr algn="ctr"/>
-            <a:r>
-              <a:rPr lang="ja-JP" altLang="en-US" dirty="0"/>
-              <a:t>水準：</a:t>
-            </a:r>
-            <a:r>
-              <a:rPr lang="en-US" altLang="ja-JP" dirty="0"/>
-              <a:t>A,B</a:t>
-            </a:r>
-          </a:p>
-        </p:txBody>
-      </p:sp>
-      <p:sp>
-        <p:nvSpPr>
-          <p:cNvPr id="6" name="正方形/長方形 5">
-            <a:extLst>
-              <a:ext uri="{FF2B5EF4-FFF2-40B4-BE49-F238E27FC236}">
-                <a16:creationId xmlns:a16="http://schemas.microsoft.com/office/drawing/2014/main" id="{D1E12261-89B1-F2A3-34A0-BBE7B31A48CA}"/>
-              </a:ext>
-            </a:extLst>
-          </p:cNvPr>
-          <p:cNvSpPr/>
-          <p:nvPr/>
-        </p:nvSpPr>
-        <p:spPr>
-          <a:xfrm>
-            <a:off x="6810375" y="3659886"/>
-            <a:ext cx="2476500" cy="1024128"/>
-          </a:xfrm>
-          <a:prstGeom prst="rect">
-            <a:avLst/>
-          </a:prstGeom>
-        </p:spPr>
-        <p:style>
-          <a:lnRef idx="2">
-            <a:schemeClr val="accent3">
-              <a:shade val="15000"/>
-            </a:schemeClr>
-          </a:lnRef>
-          <a:fillRef idx="1">
-            <a:schemeClr val="accent3"/>
-          </a:fillRef>
-          <a:effectRef idx="0">
-            <a:schemeClr val="accent3"/>
-          </a:effectRef>
-          <a:fontRef idx="minor">
-            <a:schemeClr val="lt1"/>
-          </a:fontRef>
-        </p:style>
-        <p:txBody>
-          <a:bodyPr rtlCol="0" anchor="ctr"/>
-          <a:lstStyle/>
-          <a:p>
-            <a:pPr algn="ctr"/>
-            <a:r>
-              <a:rPr kumimoji="1" lang="ja-JP" altLang="en-US" dirty="0"/>
-              <a:t>目的変数：</a:t>
-            </a:r>
-            <a:endParaRPr kumimoji="1" lang="en-US" altLang="ja-JP" dirty="0"/>
-          </a:p>
-          <a:p>
-            <a:pPr algn="ctr"/>
-            <a:r>
-              <a:rPr kumimoji="1" lang="ja-JP" altLang="en-US" dirty="0"/>
-              <a:t>収穫量</a:t>
-            </a:r>
-            <a:endParaRPr kumimoji="1" lang="en-US" altLang="ja-JP" dirty="0"/>
-          </a:p>
-          <a:p>
-            <a:pPr algn="ctr"/>
-            <a:r>
-              <a:rPr lang="ja-JP" altLang="en-US" dirty="0"/>
-              <a:t>（連続変数）</a:t>
-            </a:r>
-            <a:endParaRPr kumimoji="1" lang="ja-JP" altLang="en-US" dirty="0"/>
-          </a:p>
-        </p:txBody>
-      </p:sp>
-      <p:sp>
-        <p:nvSpPr>
-          <p:cNvPr id="7" name="正方形/長方形 6">
-            <a:extLst>
-              <a:ext uri="{FF2B5EF4-FFF2-40B4-BE49-F238E27FC236}">
-                <a16:creationId xmlns:a16="http://schemas.microsoft.com/office/drawing/2014/main" id="{CBC8A939-E168-8640-4151-6E3418F38040}"/>
-              </a:ext>
-            </a:extLst>
-          </p:cNvPr>
-          <p:cNvSpPr/>
-          <p:nvPr/>
-        </p:nvSpPr>
-        <p:spPr>
-          <a:xfrm>
-            <a:off x="2914650" y="3429000"/>
-            <a:ext cx="2371725" cy="1485900"/>
-          </a:xfrm>
-          <a:prstGeom prst="rect">
-            <a:avLst/>
-          </a:prstGeom>
-        </p:spPr>
-        <p:style>
-          <a:lnRef idx="2">
-            <a:schemeClr val="accent3">
-              <a:shade val="50000"/>
-            </a:schemeClr>
-          </a:lnRef>
-          <a:fillRef idx="1">
-            <a:schemeClr val="accent3"/>
-          </a:fillRef>
-          <a:effectRef idx="0">
-            <a:schemeClr val="accent3"/>
-          </a:effectRef>
-          <a:fontRef idx="minor">
-            <a:schemeClr val="lt1"/>
-          </a:fontRef>
-        </p:style>
-        <p:txBody>
-          <a:bodyPr rtlCol="0" anchor="ctr"/>
-          <a:lstStyle/>
-          <a:p>
-            <a:pPr algn="ctr"/>
-            <a:r>
-              <a:rPr lang="ja-JP" altLang="en-US" dirty="0"/>
-              <a:t>説明変数</a:t>
-            </a:r>
-            <a:r>
-              <a:rPr lang="en-US" altLang="ja-JP" dirty="0"/>
-              <a:t>1</a:t>
-            </a:r>
-            <a:r>
-              <a:rPr lang="ja-JP" altLang="en-US" dirty="0"/>
-              <a:t>：</a:t>
-            </a:r>
-            <a:r>
-              <a:rPr lang="en-US" altLang="ja-JP" dirty="0"/>
-              <a:t/>
-            </a:r>
-            <a:br>
-              <a:rPr lang="en-US" altLang="ja-JP" dirty="0"/>
-            </a:br>
-            <a:r>
-              <a:rPr lang="ja-JP" altLang="en-US" dirty="0"/>
-              <a:t>小麦品種</a:t>
-            </a:r>
-            <a:endParaRPr lang="en-US" altLang="ja-JP" dirty="0"/>
-          </a:p>
-          <a:p>
-            <a:pPr algn="ctr"/>
-            <a:endParaRPr lang="en-US" altLang="ja-JP" sz="500" dirty="0"/>
-          </a:p>
-          <a:p>
-            <a:pPr algn="ctr"/>
-            <a:r>
-              <a:rPr lang="ja-JP" altLang="en-US" dirty="0"/>
-              <a:t>水準：</a:t>
-            </a:r>
-            <a:r>
-              <a:rPr lang="en-US" altLang="ja-JP" dirty="0"/>
-              <a:t>A,B</a:t>
-            </a:r>
-          </a:p>
-        </p:txBody>
-      </p:sp>
-      <p:sp>
-        <p:nvSpPr>
-          <p:cNvPr id="8" name="テキスト ボックス 7"/>
-          <p:cNvSpPr txBox="1"/>
-          <p:nvPr/>
-        </p:nvSpPr>
-        <p:spPr>
-          <a:xfrm>
-            <a:off x="2362200" y="3048000"/>
-            <a:ext cx="2457450" cy="381000"/>
-          </a:xfrm>
-          <a:prstGeom prst="rect">
-            <a:avLst/>
-          </a:prstGeom>
-          <a:noFill/>
-        </p:spPr>
-        <p:txBody>
-          <a:bodyPr wrap="square" rtlCol="0">
-            <a:spAutoFit/>
-          </a:bodyPr>
-          <a:lstStyle/>
-          <a:p>
-            <a:r>
-              <a:rPr kumimoji="1" lang="ja-JP" altLang="en-US" dirty="0"/>
-              <a:t>肥料：</a:t>
-            </a:r>
-            <a:r>
-              <a:rPr kumimoji="1" lang="en-US" altLang="ja-JP" dirty="0"/>
-              <a:t>Y</a:t>
-            </a:r>
-            <a:endParaRPr kumimoji="1" lang="ja-JP" altLang="en-US" dirty="0"/>
-          </a:p>
-        </p:txBody>
-      </p:sp>
-      <p:sp>
-        <p:nvSpPr>
-          <p:cNvPr id="9" name="テキスト ボックス 8"/>
-          <p:cNvSpPr txBox="1"/>
-          <p:nvPr/>
-        </p:nvSpPr>
-        <p:spPr>
-          <a:xfrm>
-            <a:off x="2362200" y="764287"/>
-            <a:ext cx="2457450" cy="381000"/>
-          </a:xfrm>
-          <a:prstGeom prst="rect">
-            <a:avLst/>
-          </a:prstGeom>
-          <a:noFill/>
-        </p:spPr>
-        <p:txBody>
-          <a:bodyPr wrap="square" rtlCol="0">
-            <a:spAutoFit/>
-          </a:bodyPr>
-          <a:lstStyle/>
-          <a:p>
-            <a:r>
-              <a:rPr kumimoji="1" lang="ja-JP" altLang="en-US" dirty="0"/>
-              <a:t>肥料：</a:t>
-            </a:r>
-            <a:r>
-              <a:rPr kumimoji="1" lang="en-US" altLang="ja-JP" dirty="0"/>
-              <a:t>X</a:t>
-            </a:r>
-            <a:endParaRPr kumimoji="1" lang="ja-JP" altLang="en-US" dirty="0"/>
-          </a:p>
-        </p:txBody>
-      </p:sp>
-      <p:cxnSp>
-        <p:nvCxnSpPr>
-          <p:cNvPr id="10" name="直線矢印コネクタ 9">
-            <a:extLst>
-              <a:ext uri="{FF2B5EF4-FFF2-40B4-BE49-F238E27FC236}">
-                <a16:creationId xmlns:a16="http://schemas.microsoft.com/office/drawing/2014/main" id="{78716ED2-DF3B-D92E-7BD8-3AA09D91A477}"/>
-              </a:ext>
-            </a:extLst>
-          </p:cNvPr>
-          <p:cNvCxnSpPr>
-            <a:cxnSpLocks/>
-            <a:stCxn id="5" idx="3"/>
-            <a:endCxn id="4" idx="1"/>
-          </p:cNvCxnSpPr>
-          <p:nvPr/>
-        </p:nvCxnSpPr>
-        <p:spPr>
-          <a:xfrm>
-            <a:off x="5286375" y="1888237"/>
-            <a:ext cx="1524000" cy="0"/>
-          </a:xfrm>
-          <a:prstGeom prst="straightConnector1">
-            <a:avLst/>
-          </a:prstGeom>
-          <a:ln>
-            <a:tailEnd type="triangle"/>
-          </a:ln>
-        </p:spPr>
-        <p:style>
-          <a:lnRef idx="2">
-            <a:schemeClr val="accent3">
-              <a:shade val="15000"/>
-            </a:schemeClr>
-          </a:lnRef>
-          <a:fillRef idx="1">
-            <a:schemeClr val="accent3"/>
-          </a:fillRef>
-          <a:effectRef idx="0">
-            <a:schemeClr val="accent3"/>
-          </a:effectRef>
-          <a:fontRef idx="minor">
-            <a:schemeClr val="lt1"/>
-          </a:fontRef>
-        </p:style>
-      </p:cxnSp>
-      <p:cxnSp>
-        <p:nvCxnSpPr>
-          <p:cNvPr id="13" name="直線矢印コネクタ 12">
-            <a:extLst>
-              <a:ext uri="{FF2B5EF4-FFF2-40B4-BE49-F238E27FC236}">
-                <a16:creationId xmlns:a16="http://schemas.microsoft.com/office/drawing/2014/main" id="{78716ED2-DF3B-D92E-7BD8-3AA09D91A477}"/>
-              </a:ext>
-            </a:extLst>
-          </p:cNvPr>
-          <p:cNvCxnSpPr>
-            <a:cxnSpLocks/>
-            <a:stCxn id="7" idx="3"/>
-            <a:endCxn id="6" idx="1"/>
-          </p:cNvCxnSpPr>
-          <p:nvPr/>
-        </p:nvCxnSpPr>
-        <p:spPr>
-          <a:xfrm>
-            <a:off x="5286375" y="4171950"/>
-            <a:ext cx="1524000" cy="0"/>
-          </a:xfrm>
-          <a:prstGeom prst="straightConnector1">
-            <a:avLst/>
-          </a:prstGeom>
-          <a:ln>
-            <a:tailEnd type="triangle"/>
-          </a:ln>
-        </p:spPr>
-        <p:style>
-          <a:lnRef idx="2">
-            <a:schemeClr val="accent3">
-              <a:shade val="15000"/>
-            </a:schemeClr>
-          </a:lnRef>
-          <a:fillRef idx="1">
-            <a:schemeClr val="accent3"/>
-          </a:fillRef>
-          <a:effectRef idx="0">
-            <a:schemeClr val="accent3"/>
-          </a:effectRef>
-          <a:fontRef idx="minor">
-            <a:schemeClr val="lt1"/>
-          </a:fontRef>
-        </p:style>
-      </p:cxnSp>
-    </p:spTree>
-    <p:extLst>
-      <p:ext uri="{BB962C8B-B14F-4D97-AF65-F5344CB8AC3E}">
-        <p14:creationId xmlns:p14="http://schemas.microsoft.com/office/powerpoint/2010/main" val="1855490424"/>
-      </p:ext>
-    </p:extLst>
-  </p:cSld>
-  <p:clrMapOvr>
-    <a:masterClrMapping/>
-  </p:clrMapOvr>
-</p:sld>
-</file>
-
 <file path=ppt/theme/theme1.xml><?xml version="1.0" encoding="utf-8"?>
-<a:theme xmlns:a="http://schemas.openxmlformats.org/drawingml/2006/main" name="Office テーマ">
+<a:theme xmlns:a="http://schemas.openxmlformats.org/drawingml/2006/main" name="HDOfficeLightV0">
   <a:themeElements>
-    <a:clrScheme name="Office">
+    <a:clrScheme name="Office 2007-2010">
       <a:dk1>
         <a:sysClr val="windowText" lastClr="000000"/>
       </a:dk1>
@@ -8809,44 +9857,44 @@
         <a:sysClr val="window" lastClr="FFFFFF"/>
       </a:lt1>
       <a:dk2>
-        <a:srgbClr val="0E2841"/>
+        <a:srgbClr val="1F497D"/>
       </a:dk2>
       <a:lt2>
-        <a:srgbClr val="E8E8E8"/>
+        <a:srgbClr val="EEECE1"/>
       </a:lt2>
       <a:accent1>
-        <a:srgbClr val="156082"/>
+        <a:srgbClr val="4F81BD"/>
       </a:accent1>
       <a:accent2>
-        <a:srgbClr val="E97132"/>
+        <a:srgbClr val="C0504D"/>
       </a:accent2>
       <a:accent3>
-        <a:srgbClr val="196B24"/>
+        <a:srgbClr val="9BBB59"/>
       </a:accent3>
       <a:accent4>
-        <a:srgbClr val="0F9ED5"/>
+        <a:srgbClr val="8064A2"/>
       </a:accent4>
       <a:accent5>
-        <a:srgbClr val="A02B93"/>
+        <a:srgbClr val="4BACC6"/>
       </a:accent5>
       <a:accent6>
-        <a:srgbClr val="4EA72E"/>
+        <a:srgbClr val="F79646"/>
       </a:accent6>
       <a:hlink>
-        <a:srgbClr val="467886"/>
+        <a:srgbClr val="0000FF"/>
       </a:hlink>
       <a:folHlink>
-        <a:srgbClr val="96607D"/>
+        <a:srgbClr val="800080"/>
       </a:folHlink>
     </a:clrScheme>
     <a:fontScheme name="Office">
       <a:majorFont>
-        <a:latin typeface="游ゴシック Light" panose="02110004020202020204"/>
+        <a:latin typeface="Calibri Light"/>
         <a:ea typeface=""/>
         <a:cs typeface=""/>
-        <a:font script="Jpan" typeface="游ゴシック Light"/>
+        <a:font script="Jpan" typeface="ＭＳ Ｐゴシック"/>
         <a:font script="Hang" typeface="맑은 고딕"/>
-        <a:font script="Hans" typeface="等线 Light"/>
+        <a:font script="Hans" typeface="宋体"/>
         <a:font script="Hant" typeface="新細明體"/>
         <a:font script="Arab" typeface="Times New Roman"/>
         <a:font script="Hebr" typeface="Times New Roman"/>
@@ -8874,31 +9922,14 @@
         <a:font script="Viet" typeface="Times New Roman"/>
         <a:font script="Uigh" typeface="Microsoft Uighur"/>
         <a:font script="Geor" typeface="Sylfaen"/>
-        <a:font script="Armn" typeface="Arial"/>
-        <a:font script="Bugi" typeface="Leelawadee UI"/>
-        <a:font script="Bopo" typeface="Microsoft JhengHei"/>
-        <a:font script="Java" typeface="Javanese Text"/>
-        <a:font script="Lisu" typeface="Segoe UI"/>
-        <a:font script="Mymr" typeface="Myanmar Text"/>
-        <a:font script="Nkoo" typeface="Ebrima"/>
-        <a:font script="Olck" typeface="Nirmala UI"/>
-        <a:font script="Osma" typeface="Ebrima"/>
-        <a:font script="Phag" typeface="Phagspa"/>
-        <a:font script="Syrn" typeface="Estrangelo Edessa"/>
-        <a:font script="Syrj" typeface="Estrangelo Edessa"/>
-        <a:font script="Syre" typeface="Estrangelo Edessa"/>
-        <a:font script="Sora" typeface="Nirmala UI"/>
-        <a:font script="Tale" typeface="Microsoft Tai Le"/>
-        <a:font script="Talu" typeface="Microsoft New Tai Lue"/>
-        <a:font script="Tfng" typeface="Ebrima"/>
       </a:majorFont>
       <a:minorFont>
-        <a:latin typeface="游ゴシック" panose="02110004020202020204"/>
+        <a:latin typeface="Calibri"/>
         <a:ea typeface=""/>
         <a:cs typeface=""/>
-        <a:font script="Jpan" typeface="游ゴシック"/>
+        <a:font script="Jpan" typeface="ＭＳ Ｐゴシック"/>
         <a:font script="Hang" typeface="맑은 고딕"/>
-        <a:font script="Hans" typeface="等线"/>
+        <a:font script="Hans" typeface="宋体"/>
         <a:font script="Hant" typeface="新細明體"/>
         <a:font script="Arab" typeface="Arial"/>
         <a:font script="Hebr" typeface="Arial"/>
@@ -8926,23 +9957,6 @@
         <a:font script="Viet" typeface="Arial"/>
         <a:font script="Uigh" typeface="Microsoft Uighur"/>
         <a:font script="Geor" typeface="Sylfaen"/>
-        <a:font script="Armn" typeface="Arial"/>
-        <a:font script="Bugi" typeface="Leelawadee UI"/>
-        <a:font script="Bopo" typeface="Microsoft JhengHei"/>
-        <a:font script="Java" typeface="Javanese Text"/>
-        <a:font script="Lisu" typeface="Segoe UI"/>
-        <a:font script="Mymr" typeface="Myanmar Text"/>
-        <a:font script="Nkoo" typeface="Ebrima"/>
-        <a:font script="Olck" typeface="Nirmala UI"/>
-        <a:font script="Osma" typeface="Ebrima"/>
-        <a:font script="Phag" typeface="Phagspa"/>
-        <a:font script="Syrn" typeface="Estrangelo Edessa"/>
-        <a:font script="Syrj" typeface="Estrangelo Edessa"/>
-        <a:font script="Syre" typeface="Estrangelo Edessa"/>
-        <a:font script="Sora" typeface="Nirmala UI"/>
-        <a:font script="Tale" typeface="Microsoft Tai Le"/>
-        <a:font script="Talu" typeface="Microsoft New Tai Lue"/>
-        <a:font script="Tfng" typeface="Ebrima"/>
       </a:minorFont>
     </a:fontScheme>
     <a:fmtScheme name="Office">
@@ -8954,23 +9968,23 @@
           <a:gsLst>
             <a:gs pos="0">
               <a:schemeClr val="phClr">
+                <a:tint val="67000"/>
+                <a:satMod val="105000"/>
                 <a:lumMod val="110000"/>
-                <a:satMod val="105000"/>
-                <a:tint val="67000"/>
               </a:schemeClr>
             </a:gs>
             <a:gs pos="50000">
               <a:schemeClr val="phClr">
+                <a:tint val="73000"/>
+                <a:satMod val="103000"/>
                 <a:lumMod val="105000"/>
-                <a:satMod val="103000"/>
-                <a:tint val="73000"/>
               </a:schemeClr>
             </a:gs>
             <a:gs pos="100000">
               <a:schemeClr val="phClr">
+                <a:tint val="81000"/>
+                <a:satMod val="109000"/>
                 <a:lumMod val="105000"/>
-                <a:satMod val="109000"/>
-                <a:tint val="81000"/>
               </a:schemeClr>
             </a:gs>
           </a:gsLst>
@@ -8980,23 +9994,23 @@
           <a:gsLst>
             <a:gs pos="0">
               <a:schemeClr val="phClr">
+                <a:tint val="94000"/>
                 <a:satMod val="103000"/>
                 <a:lumMod val="102000"/>
-                <a:tint val="94000"/>
               </a:schemeClr>
             </a:gs>
             <a:gs pos="50000">
               <a:schemeClr val="phClr">
+                <a:shade val="100000"/>
                 <a:satMod val="110000"/>
                 <a:lumMod val="100000"/>
-                <a:shade val="100000"/>
               </a:schemeClr>
             </a:gs>
             <a:gs pos="100000">
               <a:schemeClr val="phClr">
+                <a:shade val="78000"/>
+                <a:satMod val="120000"/>
                 <a:lumMod val="99000"/>
-                <a:satMod val="120000"/>
-                <a:shade val="78000"/>
               </a:schemeClr>
             </a:gs>
           </a:gsLst>
@@ -9004,26 +10018,23 @@
         </a:gradFill>
       </a:fillStyleLst>
       <a:lnStyleLst>
+        <a:ln w="6350" cap="flat" cmpd="sng" algn="ctr">
+          <a:solidFill>
+            <a:schemeClr val="phClr"/>
+          </a:solidFill>
+          <a:prstDash val="solid"/>
+        </a:ln>
         <a:ln w="12700" cap="flat" cmpd="sng" algn="ctr">
           <a:solidFill>
             <a:schemeClr val="phClr"/>
           </a:solidFill>
           <a:prstDash val="solid"/>
-          <a:miter lim="800000"/>
         </a:ln>
         <a:ln w="19050" cap="flat" cmpd="sng" algn="ctr">
           <a:solidFill>
             <a:schemeClr val="phClr"/>
           </a:solidFill>
           <a:prstDash val="solid"/>
-          <a:miter lim="800000"/>
-        </a:ln>
-        <a:ln w="25400" cap="flat" cmpd="sng" algn="ctr">
-          <a:solidFill>
-            <a:schemeClr val="phClr"/>
-          </a:solidFill>
-          <a:prstDash val="solid"/>
-          <a:miter lim="800000"/>
         </a:ln>
       </a:lnStyleLst>
       <a:effectStyleLst>
@@ -9058,16 +10069,16 @@
             <a:gs pos="0">
               <a:schemeClr val="phClr">
                 <a:tint val="93000"/>
+                <a:shade val="98000"/>
                 <a:satMod val="150000"/>
-                <a:shade val="98000"/>
                 <a:lumMod val="102000"/>
               </a:schemeClr>
             </a:gs>
             <a:gs pos="50000">
               <a:schemeClr val="phClr">
                 <a:tint val="98000"/>
+                <a:shade val="90000"/>
                 <a:satMod val="130000"/>
-                <a:shade val="90000"/>
                 <a:lumMod val="103000"/>
               </a:schemeClr>
             </a:gs>
@@ -9083,32 +10094,7 @@
       </a:bgFillStyleLst>
     </a:fmtScheme>
   </a:themeElements>
-  <a:objectDefaults>
-    <a:lnDef>
-      <a:spPr/>
-      <a:bodyPr/>
-      <a:lstStyle/>
-      <a:style>
-        <a:lnRef idx="2">
-          <a:schemeClr val="accent1"/>
-        </a:lnRef>
-        <a:fillRef idx="0">
-          <a:schemeClr val="accent1"/>
-        </a:fillRef>
-        <a:effectRef idx="1">
-          <a:schemeClr val="accent1"/>
-        </a:effectRef>
-        <a:fontRef idx="minor">
-          <a:schemeClr val="tx1"/>
-        </a:fontRef>
-      </a:style>
-    </a:lnDef>
-  </a:objectDefaults>
+  <a:objectDefaults/>
   <a:extraClrSchemeLst/>
-  <a:extLst>
-    <a:ext uri="{05A4C25C-085E-4340-85A3-A5531E510DB2}">
-      <thm15:themeFamily xmlns:thm15="http://schemas.microsoft.com/office/thememl/2012/main" name="Office Theme" id="{2E142A2C-CD16-42D6-873A-C26D2A0506FA}" vid="{1BDDFF52-6CD6-40A5-AB3C-68EB2F1E4D0A}"/>
-    </a:ext>
-  </a:extLst>
 </a:theme>
 </file>
--- a/Img/AnovaModeling.pptx
+++ b/Img/AnovaModeling.pptx
@@ -8,22 +8,24 @@
     <p:sldId id="274" r:id="rId2"/>
     <p:sldId id="264" r:id="rId3"/>
     <p:sldId id="265" r:id="rId4"/>
-    <p:sldId id="256" r:id="rId5"/>
-    <p:sldId id="258" r:id="rId6"/>
-    <p:sldId id="257" r:id="rId7"/>
-    <p:sldId id="259" r:id="rId8"/>
-    <p:sldId id="260" r:id="rId9"/>
-    <p:sldId id="261" r:id="rId10"/>
-    <p:sldId id="262" r:id="rId11"/>
-    <p:sldId id="263" r:id="rId12"/>
-    <p:sldId id="266" r:id="rId13"/>
-    <p:sldId id="267" r:id="rId14"/>
-    <p:sldId id="268" r:id="rId15"/>
-    <p:sldId id="269" r:id="rId16"/>
-    <p:sldId id="270" r:id="rId17"/>
-    <p:sldId id="271" r:id="rId18"/>
-    <p:sldId id="272" r:id="rId19"/>
-    <p:sldId id="273" r:id="rId20"/>
+    <p:sldId id="275" r:id="rId5"/>
+    <p:sldId id="276" r:id="rId6"/>
+    <p:sldId id="256" r:id="rId7"/>
+    <p:sldId id="258" r:id="rId8"/>
+    <p:sldId id="257" r:id="rId9"/>
+    <p:sldId id="259" r:id="rId10"/>
+    <p:sldId id="260" r:id="rId11"/>
+    <p:sldId id="261" r:id="rId12"/>
+    <p:sldId id="262" r:id="rId13"/>
+    <p:sldId id="263" r:id="rId14"/>
+    <p:sldId id="266" r:id="rId15"/>
+    <p:sldId id="267" r:id="rId16"/>
+    <p:sldId id="268" r:id="rId17"/>
+    <p:sldId id="269" r:id="rId18"/>
+    <p:sldId id="270" r:id="rId19"/>
+    <p:sldId id="271" r:id="rId20"/>
+    <p:sldId id="272" r:id="rId21"/>
+    <p:sldId id="273" r:id="rId22"/>
   </p:sldIdLst>
   <p:sldSz cx="12192000" cy="6858000"/>
   <p:notesSz cx="6858000" cy="9144000"/>
@@ -125,7 +127,7 @@
   <p:extLst>
     <p:ext uri="{EFAFB233-063F-42B5-8137-9DF3F51BA10A}">
       <p15:sldGuideLst xmlns:p15="http://schemas.microsoft.com/office/powerpoint/2012/main">
-        <p15:guide id="1" orient="horz" pos="2160" userDrawn="1">
+        <p15:guide id="1" orient="horz" pos="2137" userDrawn="1">
           <p15:clr>
             <a:srgbClr val="A4A3A4"/>
           </p15:clr>
@@ -396,7 +398,7 @@
           </a:lstStyle>
           <a:p>
             <a:r>
-              <a:rPr lang="ja-JP" altLang="en-US" smtClean="0"/>
+              <a:rPr lang="ja-JP" altLang="en-US"/>
               <a:t>マスター タイトルの書式設定</a:t>
             </a:r>
             <a:endParaRPr lang="en-US" dirty="0"/>
@@ -470,7 +472,7 @@
           </a:lstStyle>
           <a:p>
             <a:r>
-              <a:rPr lang="ja-JP" altLang="en-US" smtClean="0"/>
+              <a:rPr lang="ja-JP" altLang="en-US"/>
               <a:t>マスター サブタイトルの書式設定</a:t>
             </a:r>
             <a:endParaRPr lang="en-US" dirty="0"/>
@@ -494,7 +496,7 @@
           <a:p>
             <a:fld id="{E3020441-CB21-445C-817D-199401EC5197}" type="datetimeFigureOut">
               <a:rPr kumimoji="1" lang="ja-JP" altLang="en-US" smtClean="0"/>
-              <a:t>2024/10/28</a:t>
+              <a:t>2024/12/9</a:t>
             </a:fld>
             <a:endParaRPr kumimoji="1" lang="ja-JP" altLang="en-US"/>
           </a:p>
@@ -588,7 +590,7 @@
           <a:lstStyle/>
           <a:p>
             <a:r>
-              <a:rPr lang="ja-JP" altLang="en-US" smtClean="0"/>
+              <a:rPr lang="ja-JP" altLang="en-US"/>
               <a:t>マスター タイトルの書式設定</a:t>
             </a:r>
             <a:endParaRPr lang="en-US"/>
@@ -612,67 +614,67 @@
           <a:p>
             <a:pPr lvl="0"/>
             <a:r>
-              <a:rPr lang="ja-JP" altLang="en-US" smtClean="0"/>
+              <a:rPr lang="ja-JP" altLang="en-US"/>
               <a:t>マスター テキストの書式設定</a:t>
             </a:r>
           </a:p>
           <a:p>
             <a:pPr lvl="1"/>
             <a:r>
-              <a:rPr lang="ja-JP" altLang="en-US" smtClean="0"/>
+              <a:rPr lang="ja-JP" altLang="en-US"/>
               <a:t>第 </a:t>
             </a:r>
             <a:r>
-              <a:rPr lang="en-US" altLang="ja-JP" smtClean="0"/>
+              <a:rPr lang="en-US" altLang="ja-JP"/>
               <a:t>2 </a:t>
             </a:r>
             <a:r>
-              <a:rPr lang="ja-JP" altLang="en-US" smtClean="0"/>
+              <a:rPr lang="ja-JP" altLang="en-US"/>
               <a:t>レベル</a:t>
             </a:r>
           </a:p>
           <a:p>
             <a:pPr lvl="2"/>
             <a:r>
-              <a:rPr lang="ja-JP" altLang="en-US" smtClean="0"/>
+              <a:rPr lang="ja-JP" altLang="en-US"/>
               <a:t>第 </a:t>
             </a:r>
             <a:r>
-              <a:rPr lang="en-US" altLang="ja-JP" smtClean="0"/>
+              <a:rPr lang="en-US" altLang="ja-JP"/>
               <a:t>3 </a:t>
             </a:r>
             <a:r>
-              <a:rPr lang="ja-JP" altLang="en-US" smtClean="0"/>
+              <a:rPr lang="ja-JP" altLang="en-US"/>
               <a:t>レベル</a:t>
             </a:r>
           </a:p>
           <a:p>
             <a:pPr lvl="3"/>
             <a:r>
-              <a:rPr lang="ja-JP" altLang="en-US" smtClean="0"/>
+              <a:rPr lang="ja-JP" altLang="en-US"/>
               <a:t>第 </a:t>
             </a:r>
             <a:r>
-              <a:rPr lang="en-US" altLang="ja-JP" smtClean="0"/>
+              <a:rPr lang="en-US" altLang="ja-JP"/>
               <a:t>4 </a:t>
             </a:r>
             <a:r>
-              <a:rPr lang="ja-JP" altLang="en-US" smtClean="0"/>
+              <a:rPr lang="ja-JP" altLang="en-US"/>
               <a:t>レベル</a:t>
             </a:r>
           </a:p>
           <a:p>
             <a:pPr lvl="4"/>
             <a:r>
-              <a:rPr lang="ja-JP" altLang="en-US" smtClean="0"/>
+              <a:rPr lang="ja-JP" altLang="en-US"/>
               <a:t>第 </a:t>
             </a:r>
             <a:r>
-              <a:rPr lang="en-US" altLang="ja-JP" smtClean="0"/>
+              <a:rPr lang="en-US" altLang="ja-JP"/>
               <a:t>5 </a:t>
             </a:r>
             <a:r>
-              <a:rPr lang="ja-JP" altLang="en-US" smtClean="0"/>
+              <a:rPr lang="ja-JP" altLang="en-US"/>
               <a:t>レベル</a:t>
             </a:r>
             <a:endParaRPr lang="en-US" dirty="0"/>
@@ -696,7 +698,7 @@
           <a:p>
             <a:fld id="{E3020441-CB21-445C-817D-199401EC5197}" type="datetimeFigureOut">
               <a:rPr kumimoji="1" lang="ja-JP" altLang="en-US" smtClean="0"/>
-              <a:t>2024/10/28</a:t>
+              <a:t>2024/12/9</a:t>
             </a:fld>
             <a:endParaRPr kumimoji="1" lang="ja-JP" altLang="en-US"/>
           </a:p>
@@ -795,7 +797,7 @@
           <a:lstStyle/>
           <a:p>
             <a:r>
-              <a:rPr lang="ja-JP" altLang="en-US" smtClean="0"/>
+              <a:rPr lang="ja-JP" altLang="en-US"/>
               <a:t>マスター タイトルの書式設定</a:t>
             </a:r>
             <a:endParaRPr lang="en-US"/>
@@ -824,67 +826,67 @@
           <a:p>
             <a:pPr lvl="0"/>
             <a:r>
-              <a:rPr lang="ja-JP" altLang="en-US" smtClean="0"/>
+              <a:rPr lang="ja-JP" altLang="en-US"/>
               <a:t>マスター テキストの書式設定</a:t>
             </a:r>
           </a:p>
           <a:p>
             <a:pPr lvl="1"/>
             <a:r>
-              <a:rPr lang="ja-JP" altLang="en-US" smtClean="0"/>
+              <a:rPr lang="ja-JP" altLang="en-US"/>
               <a:t>第 </a:t>
             </a:r>
             <a:r>
-              <a:rPr lang="en-US" altLang="ja-JP" smtClean="0"/>
+              <a:rPr lang="en-US" altLang="ja-JP"/>
               <a:t>2 </a:t>
             </a:r>
             <a:r>
-              <a:rPr lang="ja-JP" altLang="en-US" smtClean="0"/>
+              <a:rPr lang="ja-JP" altLang="en-US"/>
               <a:t>レベル</a:t>
             </a:r>
           </a:p>
           <a:p>
             <a:pPr lvl="2"/>
             <a:r>
-              <a:rPr lang="ja-JP" altLang="en-US" smtClean="0"/>
+              <a:rPr lang="ja-JP" altLang="en-US"/>
               <a:t>第 </a:t>
             </a:r>
             <a:r>
-              <a:rPr lang="en-US" altLang="ja-JP" smtClean="0"/>
+              <a:rPr lang="en-US" altLang="ja-JP"/>
               <a:t>3 </a:t>
             </a:r>
             <a:r>
-              <a:rPr lang="ja-JP" altLang="en-US" smtClean="0"/>
+              <a:rPr lang="ja-JP" altLang="en-US"/>
               <a:t>レベル</a:t>
             </a:r>
           </a:p>
           <a:p>
             <a:pPr lvl="3"/>
             <a:r>
-              <a:rPr lang="ja-JP" altLang="en-US" smtClean="0"/>
+              <a:rPr lang="ja-JP" altLang="en-US"/>
               <a:t>第 </a:t>
             </a:r>
             <a:r>
-              <a:rPr lang="en-US" altLang="ja-JP" smtClean="0"/>
+              <a:rPr lang="en-US" altLang="ja-JP"/>
               <a:t>4 </a:t>
             </a:r>
             <a:r>
-              <a:rPr lang="ja-JP" altLang="en-US" smtClean="0"/>
+              <a:rPr lang="ja-JP" altLang="en-US"/>
               <a:t>レベル</a:t>
             </a:r>
           </a:p>
           <a:p>
             <a:pPr lvl="4"/>
             <a:r>
-              <a:rPr lang="ja-JP" altLang="en-US" smtClean="0"/>
+              <a:rPr lang="ja-JP" altLang="en-US"/>
               <a:t>第 </a:t>
             </a:r>
             <a:r>
-              <a:rPr lang="en-US" altLang="ja-JP" smtClean="0"/>
+              <a:rPr lang="en-US" altLang="ja-JP"/>
               <a:t>5 </a:t>
             </a:r>
             <a:r>
-              <a:rPr lang="ja-JP" altLang="en-US" smtClean="0"/>
+              <a:rPr lang="ja-JP" altLang="en-US"/>
               <a:t>レベル</a:t>
             </a:r>
             <a:endParaRPr lang="en-US"/>
@@ -908,7 +910,7 @@
           <a:p>
             <a:fld id="{E3020441-CB21-445C-817D-199401EC5197}" type="datetimeFigureOut">
               <a:rPr kumimoji="1" lang="ja-JP" altLang="en-US" smtClean="0"/>
-              <a:t>2024/10/28</a:t>
+              <a:t>2024/12/9</a:t>
             </a:fld>
             <a:endParaRPr kumimoji="1" lang="ja-JP" altLang="en-US"/>
           </a:p>
@@ -1002,7 +1004,7 @@
           <a:lstStyle/>
           <a:p>
             <a:r>
-              <a:rPr lang="ja-JP" altLang="en-US" smtClean="0"/>
+              <a:rPr lang="ja-JP" altLang="en-US"/>
               <a:t>マスター タイトルの書式設定</a:t>
             </a:r>
             <a:endParaRPr lang="en-US" dirty="0"/>
@@ -1026,67 +1028,67 @@
           <a:p>
             <a:pPr lvl="0"/>
             <a:r>
-              <a:rPr lang="ja-JP" altLang="en-US" smtClean="0"/>
+              <a:rPr lang="ja-JP" altLang="en-US"/>
               <a:t>マスター テキストの書式設定</a:t>
             </a:r>
           </a:p>
           <a:p>
             <a:pPr lvl="1"/>
             <a:r>
-              <a:rPr lang="ja-JP" altLang="en-US" smtClean="0"/>
+              <a:rPr lang="ja-JP" altLang="en-US"/>
               <a:t>第 </a:t>
             </a:r>
             <a:r>
-              <a:rPr lang="en-US" altLang="ja-JP" smtClean="0"/>
+              <a:rPr lang="en-US" altLang="ja-JP"/>
               <a:t>2 </a:t>
             </a:r>
             <a:r>
-              <a:rPr lang="ja-JP" altLang="en-US" smtClean="0"/>
+              <a:rPr lang="ja-JP" altLang="en-US"/>
               <a:t>レベル</a:t>
             </a:r>
           </a:p>
           <a:p>
             <a:pPr lvl="2"/>
             <a:r>
-              <a:rPr lang="ja-JP" altLang="en-US" smtClean="0"/>
+              <a:rPr lang="ja-JP" altLang="en-US"/>
               <a:t>第 </a:t>
             </a:r>
             <a:r>
-              <a:rPr lang="en-US" altLang="ja-JP" smtClean="0"/>
+              <a:rPr lang="en-US" altLang="ja-JP"/>
               <a:t>3 </a:t>
             </a:r>
             <a:r>
-              <a:rPr lang="ja-JP" altLang="en-US" smtClean="0"/>
+              <a:rPr lang="ja-JP" altLang="en-US"/>
               <a:t>レベル</a:t>
             </a:r>
           </a:p>
           <a:p>
             <a:pPr lvl="3"/>
             <a:r>
-              <a:rPr lang="ja-JP" altLang="en-US" smtClean="0"/>
+              <a:rPr lang="ja-JP" altLang="en-US"/>
               <a:t>第 </a:t>
             </a:r>
             <a:r>
-              <a:rPr lang="en-US" altLang="ja-JP" smtClean="0"/>
+              <a:rPr lang="en-US" altLang="ja-JP"/>
               <a:t>4 </a:t>
             </a:r>
             <a:r>
-              <a:rPr lang="ja-JP" altLang="en-US" smtClean="0"/>
+              <a:rPr lang="ja-JP" altLang="en-US"/>
               <a:t>レベル</a:t>
             </a:r>
           </a:p>
           <a:p>
             <a:pPr lvl="4"/>
             <a:r>
-              <a:rPr lang="ja-JP" altLang="en-US" smtClean="0"/>
+              <a:rPr lang="ja-JP" altLang="en-US"/>
               <a:t>第 </a:t>
             </a:r>
             <a:r>
-              <a:rPr lang="en-US" altLang="ja-JP" smtClean="0"/>
+              <a:rPr lang="en-US" altLang="ja-JP"/>
               <a:t>5 </a:t>
             </a:r>
             <a:r>
-              <a:rPr lang="ja-JP" altLang="en-US" smtClean="0"/>
+              <a:rPr lang="ja-JP" altLang="en-US"/>
               <a:t>レベル</a:t>
             </a:r>
             <a:endParaRPr lang="en-US" dirty="0"/>
@@ -1110,7 +1112,7 @@
           <a:p>
             <a:fld id="{E3020441-CB21-445C-817D-199401EC5197}" type="datetimeFigureOut">
               <a:rPr kumimoji="1" lang="ja-JP" altLang="en-US" smtClean="0"/>
-              <a:t>2024/10/28</a:t>
+              <a:t>2024/12/9</a:t>
             </a:fld>
             <a:endParaRPr kumimoji="1" lang="ja-JP" altLang="en-US"/>
           </a:p>
@@ -1215,7 +1217,7 @@
           </a:lstStyle>
           <a:p>
             <a:r>
-              <a:rPr lang="ja-JP" altLang="en-US" smtClean="0"/>
+              <a:rPr lang="ja-JP" altLang="en-US"/>
               <a:t>マスター タイトルの書式設定</a:t>
             </a:r>
             <a:endParaRPr lang="en-US" dirty="0"/>
@@ -1338,7 +1340,7 @@
           <a:p>
             <a:pPr lvl="0"/>
             <a:r>
-              <a:rPr lang="ja-JP" altLang="en-US" smtClean="0"/>
+              <a:rPr lang="ja-JP" altLang="en-US"/>
               <a:t>マスター テキストの書式設定</a:t>
             </a:r>
           </a:p>
@@ -1361,7 +1363,7 @@
           <a:p>
             <a:fld id="{E3020441-CB21-445C-817D-199401EC5197}" type="datetimeFigureOut">
               <a:rPr kumimoji="1" lang="ja-JP" altLang="en-US" smtClean="0"/>
-              <a:t>2024/10/28</a:t>
+              <a:t>2024/12/9</a:t>
             </a:fld>
             <a:endParaRPr kumimoji="1" lang="ja-JP" altLang="en-US"/>
           </a:p>
@@ -1455,7 +1457,7 @@
           <a:lstStyle/>
           <a:p>
             <a:r>
-              <a:rPr lang="ja-JP" altLang="en-US" smtClean="0"/>
+              <a:rPr lang="ja-JP" altLang="en-US"/>
               <a:t>マスター タイトルの書式設定</a:t>
             </a:r>
             <a:endParaRPr lang="en-US" dirty="0"/>
@@ -1484,67 +1486,67 @@
           <a:p>
             <a:pPr lvl="0"/>
             <a:r>
-              <a:rPr lang="ja-JP" altLang="en-US" smtClean="0"/>
+              <a:rPr lang="ja-JP" altLang="en-US"/>
               <a:t>マスター テキストの書式設定</a:t>
             </a:r>
           </a:p>
           <a:p>
             <a:pPr lvl="1"/>
             <a:r>
-              <a:rPr lang="ja-JP" altLang="en-US" smtClean="0"/>
+              <a:rPr lang="ja-JP" altLang="en-US"/>
               <a:t>第 </a:t>
             </a:r>
             <a:r>
-              <a:rPr lang="en-US" altLang="ja-JP" smtClean="0"/>
+              <a:rPr lang="en-US" altLang="ja-JP"/>
               <a:t>2 </a:t>
             </a:r>
             <a:r>
-              <a:rPr lang="ja-JP" altLang="en-US" smtClean="0"/>
+              <a:rPr lang="ja-JP" altLang="en-US"/>
               <a:t>レベル</a:t>
             </a:r>
           </a:p>
           <a:p>
             <a:pPr lvl="2"/>
             <a:r>
-              <a:rPr lang="ja-JP" altLang="en-US" smtClean="0"/>
+              <a:rPr lang="ja-JP" altLang="en-US"/>
               <a:t>第 </a:t>
             </a:r>
             <a:r>
-              <a:rPr lang="en-US" altLang="ja-JP" smtClean="0"/>
+              <a:rPr lang="en-US" altLang="ja-JP"/>
               <a:t>3 </a:t>
             </a:r>
             <a:r>
-              <a:rPr lang="ja-JP" altLang="en-US" smtClean="0"/>
+              <a:rPr lang="ja-JP" altLang="en-US"/>
               <a:t>レベル</a:t>
             </a:r>
           </a:p>
           <a:p>
             <a:pPr lvl="3"/>
             <a:r>
-              <a:rPr lang="ja-JP" altLang="en-US" smtClean="0"/>
+              <a:rPr lang="ja-JP" altLang="en-US"/>
               <a:t>第 </a:t>
             </a:r>
             <a:r>
-              <a:rPr lang="en-US" altLang="ja-JP" smtClean="0"/>
+              <a:rPr lang="en-US" altLang="ja-JP"/>
               <a:t>4 </a:t>
             </a:r>
             <a:r>
-              <a:rPr lang="ja-JP" altLang="en-US" smtClean="0"/>
+              <a:rPr lang="ja-JP" altLang="en-US"/>
               <a:t>レベル</a:t>
             </a:r>
           </a:p>
           <a:p>
             <a:pPr lvl="4"/>
             <a:r>
-              <a:rPr lang="ja-JP" altLang="en-US" smtClean="0"/>
+              <a:rPr lang="ja-JP" altLang="en-US"/>
               <a:t>第 </a:t>
             </a:r>
             <a:r>
-              <a:rPr lang="en-US" altLang="ja-JP" smtClean="0"/>
+              <a:rPr lang="en-US" altLang="ja-JP"/>
               <a:t>5 </a:t>
             </a:r>
             <a:r>
-              <a:rPr lang="ja-JP" altLang="en-US" smtClean="0"/>
+              <a:rPr lang="ja-JP" altLang="en-US"/>
               <a:t>レベル</a:t>
             </a:r>
             <a:endParaRPr lang="en-US" dirty="0"/>
@@ -1573,67 +1575,67 @@
           <a:p>
             <a:pPr lvl="0"/>
             <a:r>
-              <a:rPr lang="ja-JP" altLang="en-US" smtClean="0"/>
+              <a:rPr lang="ja-JP" altLang="en-US"/>
               <a:t>マスター テキストの書式設定</a:t>
             </a:r>
           </a:p>
           <a:p>
             <a:pPr lvl="1"/>
             <a:r>
-              <a:rPr lang="ja-JP" altLang="en-US" smtClean="0"/>
+              <a:rPr lang="ja-JP" altLang="en-US"/>
               <a:t>第 </a:t>
             </a:r>
             <a:r>
-              <a:rPr lang="en-US" altLang="ja-JP" smtClean="0"/>
+              <a:rPr lang="en-US" altLang="ja-JP"/>
               <a:t>2 </a:t>
             </a:r>
             <a:r>
-              <a:rPr lang="ja-JP" altLang="en-US" smtClean="0"/>
+              <a:rPr lang="ja-JP" altLang="en-US"/>
               <a:t>レベル</a:t>
             </a:r>
           </a:p>
           <a:p>
             <a:pPr lvl="2"/>
             <a:r>
-              <a:rPr lang="ja-JP" altLang="en-US" smtClean="0"/>
+              <a:rPr lang="ja-JP" altLang="en-US"/>
               <a:t>第 </a:t>
             </a:r>
             <a:r>
-              <a:rPr lang="en-US" altLang="ja-JP" smtClean="0"/>
+              <a:rPr lang="en-US" altLang="ja-JP"/>
               <a:t>3 </a:t>
             </a:r>
             <a:r>
-              <a:rPr lang="ja-JP" altLang="en-US" smtClean="0"/>
+              <a:rPr lang="ja-JP" altLang="en-US"/>
               <a:t>レベル</a:t>
             </a:r>
           </a:p>
           <a:p>
             <a:pPr lvl="3"/>
             <a:r>
-              <a:rPr lang="ja-JP" altLang="en-US" smtClean="0"/>
+              <a:rPr lang="ja-JP" altLang="en-US"/>
               <a:t>第 </a:t>
             </a:r>
             <a:r>
-              <a:rPr lang="en-US" altLang="ja-JP" smtClean="0"/>
+              <a:rPr lang="en-US" altLang="ja-JP"/>
               <a:t>4 </a:t>
             </a:r>
             <a:r>
-              <a:rPr lang="ja-JP" altLang="en-US" smtClean="0"/>
+              <a:rPr lang="ja-JP" altLang="en-US"/>
               <a:t>レベル</a:t>
             </a:r>
           </a:p>
           <a:p>
             <a:pPr lvl="4"/>
             <a:r>
-              <a:rPr lang="ja-JP" altLang="en-US" smtClean="0"/>
+              <a:rPr lang="ja-JP" altLang="en-US"/>
               <a:t>第 </a:t>
             </a:r>
             <a:r>
-              <a:rPr lang="en-US" altLang="ja-JP" smtClean="0"/>
+              <a:rPr lang="en-US" altLang="ja-JP"/>
               <a:t>5 </a:t>
             </a:r>
             <a:r>
-              <a:rPr lang="ja-JP" altLang="en-US" smtClean="0"/>
+              <a:rPr lang="ja-JP" altLang="en-US"/>
               <a:t>レベル</a:t>
             </a:r>
             <a:endParaRPr lang="en-US" dirty="0"/>
@@ -1657,7 +1659,7 @@
           <a:p>
             <a:fld id="{E3020441-CB21-445C-817D-199401EC5197}" type="datetimeFigureOut">
               <a:rPr kumimoji="1" lang="ja-JP" altLang="en-US" smtClean="0"/>
-              <a:t>2024/10/28</a:t>
+              <a:t>2024/12/9</a:t>
             </a:fld>
             <a:endParaRPr kumimoji="1" lang="ja-JP" altLang="en-US"/>
           </a:p>
@@ -1799,7 +1801,7 @@
           <a:p>
             <a:pPr lvl="0"/>
             <a:r>
-              <a:rPr lang="ja-JP" altLang="en-US" smtClean="0"/>
+              <a:rPr lang="ja-JP" altLang="en-US"/>
               <a:t>マスター テキストの書式設定</a:t>
             </a:r>
           </a:p>
@@ -1827,67 +1829,67 @@
           <a:p>
             <a:pPr lvl="0"/>
             <a:r>
-              <a:rPr lang="ja-JP" altLang="en-US" smtClean="0"/>
+              <a:rPr lang="ja-JP" altLang="en-US"/>
               <a:t>マスター テキストの書式設定</a:t>
             </a:r>
           </a:p>
           <a:p>
             <a:pPr lvl="1"/>
             <a:r>
-              <a:rPr lang="ja-JP" altLang="en-US" smtClean="0"/>
+              <a:rPr lang="ja-JP" altLang="en-US"/>
               <a:t>第 </a:t>
             </a:r>
             <a:r>
-              <a:rPr lang="en-US" altLang="ja-JP" smtClean="0"/>
+              <a:rPr lang="en-US" altLang="ja-JP"/>
               <a:t>2 </a:t>
             </a:r>
             <a:r>
-              <a:rPr lang="ja-JP" altLang="en-US" smtClean="0"/>
+              <a:rPr lang="ja-JP" altLang="en-US"/>
               <a:t>レベル</a:t>
             </a:r>
           </a:p>
           <a:p>
             <a:pPr lvl="2"/>
             <a:r>
-              <a:rPr lang="ja-JP" altLang="en-US" smtClean="0"/>
+              <a:rPr lang="ja-JP" altLang="en-US"/>
               <a:t>第 </a:t>
             </a:r>
             <a:r>
-              <a:rPr lang="en-US" altLang="ja-JP" smtClean="0"/>
+              <a:rPr lang="en-US" altLang="ja-JP"/>
               <a:t>3 </a:t>
             </a:r>
             <a:r>
-              <a:rPr lang="ja-JP" altLang="en-US" smtClean="0"/>
+              <a:rPr lang="ja-JP" altLang="en-US"/>
               <a:t>レベル</a:t>
             </a:r>
           </a:p>
           <a:p>
             <a:pPr lvl="3"/>
             <a:r>
-              <a:rPr lang="ja-JP" altLang="en-US" smtClean="0"/>
+              <a:rPr lang="ja-JP" altLang="en-US"/>
               <a:t>第 </a:t>
             </a:r>
             <a:r>
-              <a:rPr lang="en-US" altLang="ja-JP" smtClean="0"/>
+              <a:rPr lang="en-US" altLang="ja-JP"/>
               <a:t>4 </a:t>
             </a:r>
             <a:r>
-              <a:rPr lang="ja-JP" altLang="en-US" smtClean="0"/>
+              <a:rPr lang="ja-JP" altLang="en-US"/>
               <a:t>レベル</a:t>
             </a:r>
           </a:p>
           <a:p>
             <a:pPr lvl="4"/>
             <a:r>
-              <a:rPr lang="ja-JP" altLang="en-US" smtClean="0"/>
+              <a:rPr lang="ja-JP" altLang="en-US"/>
               <a:t>第 </a:t>
             </a:r>
             <a:r>
-              <a:rPr lang="en-US" altLang="ja-JP" smtClean="0"/>
+              <a:rPr lang="en-US" altLang="ja-JP"/>
               <a:t>5 </a:t>
             </a:r>
             <a:r>
-              <a:rPr lang="ja-JP" altLang="en-US" smtClean="0"/>
+              <a:rPr lang="ja-JP" altLang="en-US"/>
               <a:t>レベル</a:t>
             </a:r>
             <a:endParaRPr lang="en-US" dirty="0"/>
@@ -1956,7 +1958,7 @@
           <a:p>
             <a:pPr lvl="0"/>
             <a:r>
-              <a:rPr lang="ja-JP" altLang="en-US" smtClean="0"/>
+              <a:rPr lang="ja-JP" altLang="en-US"/>
               <a:t>マスター テキストの書式設定</a:t>
             </a:r>
           </a:p>
@@ -1984,67 +1986,67 @@
           <a:p>
             <a:pPr lvl="0"/>
             <a:r>
-              <a:rPr lang="ja-JP" altLang="en-US" smtClean="0"/>
+              <a:rPr lang="ja-JP" altLang="en-US"/>
               <a:t>マスター テキストの書式設定</a:t>
             </a:r>
           </a:p>
           <a:p>
             <a:pPr lvl="1"/>
             <a:r>
-              <a:rPr lang="ja-JP" altLang="en-US" smtClean="0"/>
+              <a:rPr lang="ja-JP" altLang="en-US"/>
               <a:t>第 </a:t>
             </a:r>
             <a:r>
-              <a:rPr lang="en-US" altLang="ja-JP" smtClean="0"/>
+              <a:rPr lang="en-US" altLang="ja-JP"/>
               <a:t>2 </a:t>
             </a:r>
             <a:r>
-              <a:rPr lang="ja-JP" altLang="en-US" smtClean="0"/>
+              <a:rPr lang="ja-JP" altLang="en-US"/>
               <a:t>レベル</a:t>
             </a:r>
           </a:p>
           <a:p>
             <a:pPr lvl="2"/>
             <a:r>
-              <a:rPr lang="ja-JP" altLang="en-US" smtClean="0"/>
+              <a:rPr lang="ja-JP" altLang="en-US"/>
               <a:t>第 </a:t>
             </a:r>
             <a:r>
-              <a:rPr lang="en-US" altLang="ja-JP" smtClean="0"/>
+              <a:rPr lang="en-US" altLang="ja-JP"/>
               <a:t>3 </a:t>
             </a:r>
             <a:r>
-              <a:rPr lang="ja-JP" altLang="en-US" smtClean="0"/>
+              <a:rPr lang="ja-JP" altLang="en-US"/>
               <a:t>レベル</a:t>
             </a:r>
           </a:p>
           <a:p>
             <a:pPr lvl="3"/>
             <a:r>
-              <a:rPr lang="ja-JP" altLang="en-US" smtClean="0"/>
+              <a:rPr lang="ja-JP" altLang="en-US"/>
               <a:t>第 </a:t>
             </a:r>
             <a:r>
-              <a:rPr lang="en-US" altLang="ja-JP" smtClean="0"/>
+              <a:rPr lang="en-US" altLang="ja-JP"/>
               <a:t>4 </a:t>
             </a:r>
             <a:r>
-              <a:rPr lang="ja-JP" altLang="en-US" smtClean="0"/>
+              <a:rPr lang="ja-JP" altLang="en-US"/>
               <a:t>レベル</a:t>
             </a:r>
           </a:p>
           <a:p>
             <a:pPr lvl="4"/>
             <a:r>
-              <a:rPr lang="ja-JP" altLang="en-US" smtClean="0"/>
+              <a:rPr lang="ja-JP" altLang="en-US"/>
               <a:t>第 </a:t>
             </a:r>
             <a:r>
-              <a:rPr lang="en-US" altLang="ja-JP" smtClean="0"/>
+              <a:rPr lang="en-US" altLang="ja-JP"/>
               <a:t>5 </a:t>
             </a:r>
             <a:r>
-              <a:rPr lang="ja-JP" altLang="en-US" smtClean="0"/>
+              <a:rPr lang="ja-JP" altLang="en-US"/>
               <a:t>レベル</a:t>
             </a:r>
             <a:endParaRPr lang="en-US"/>
@@ -2068,7 +2070,7 @@
           <a:p>
             <a:fld id="{E3020441-CB21-445C-817D-199401EC5197}" type="datetimeFigureOut">
               <a:rPr kumimoji="1" lang="ja-JP" altLang="en-US" smtClean="0"/>
-              <a:t>2024/10/28</a:t>
+              <a:t>2024/12/9</a:t>
             </a:fld>
             <a:endParaRPr kumimoji="1" lang="ja-JP" altLang="en-US"/>
           </a:p>
@@ -2132,7 +2134,7 @@
           <a:lstStyle/>
           <a:p>
             <a:r>
-              <a:rPr lang="ja-JP" altLang="en-US" smtClean="0"/>
+              <a:rPr lang="ja-JP" altLang="en-US"/>
               <a:t>マスター タイトルの書式設定</a:t>
             </a:r>
             <a:endParaRPr lang="en-US" dirty="0"/>
@@ -2186,7 +2188,7 @@
           <a:p>
             <a:fld id="{E3020441-CB21-445C-817D-199401EC5197}" type="datetimeFigureOut">
               <a:rPr kumimoji="1" lang="ja-JP" altLang="en-US" smtClean="0"/>
-              <a:t>2024/10/28</a:t>
+              <a:t>2024/12/9</a:t>
             </a:fld>
             <a:endParaRPr kumimoji="1" lang="ja-JP" altLang="en-US"/>
           </a:p>
@@ -2250,7 +2252,7 @@
           <a:lstStyle/>
           <a:p>
             <a:r>
-              <a:rPr lang="ja-JP" altLang="en-US" smtClean="0"/>
+              <a:rPr lang="ja-JP" altLang="en-US"/>
               <a:t>マスター タイトルの書式設定</a:t>
             </a:r>
             <a:endParaRPr lang="en-US"/>
@@ -2304,7 +2306,7 @@
           <a:p>
             <a:fld id="{E3020441-CB21-445C-817D-199401EC5197}" type="datetimeFigureOut">
               <a:rPr kumimoji="1" lang="ja-JP" altLang="en-US" smtClean="0"/>
-              <a:t>2024/10/28</a:t>
+              <a:t>2024/12/9</a:t>
             </a:fld>
             <a:endParaRPr kumimoji="1" lang="ja-JP" altLang="en-US"/>
           </a:p>
@@ -2409,7 +2411,7 @@
           </a:lstStyle>
           <a:p>
             <a:r>
-              <a:rPr lang="ja-JP" altLang="en-US" smtClean="0"/>
+              <a:rPr lang="ja-JP" altLang="en-US"/>
               <a:t>マスター タイトルの書式設定</a:t>
             </a:r>
             <a:endParaRPr lang="en-US" dirty="0"/>
@@ -2466,67 +2468,67 @@
           <a:p>
             <a:pPr lvl="0"/>
             <a:r>
-              <a:rPr lang="ja-JP" altLang="en-US" smtClean="0"/>
+              <a:rPr lang="ja-JP" altLang="en-US"/>
               <a:t>マスター テキストの書式設定</a:t>
             </a:r>
           </a:p>
           <a:p>
             <a:pPr lvl="1"/>
             <a:r>
-              <a:rPr lang="ja-JP" altLang="en-US" smtClean="0"/>
+              <a:rPr lang="ja-JP" altLang="en-US"/>
               <a:t>第 </a:t>
             </a:r>
             <a:r>
-              <a:rPr lang="en-US" altLang="ja-JP" smtClean="0"/>
+              <a:rPr lang="en-US" altLang="ja-JP"/>
               <a:t>2 </a:t>
             </a:r>
             <a:r>
-              <a:rPr lang="ja-JP" altLang="en-US" smtClean="0"/>
+              <a:rPr lang="ja-JP" altLang="en-US"/>
               <a:t>レベル</a:t>
             </a:r>
           </a:p>
           <a:p>
             <a:pPr lvl="2"/>
             <a:r>
-              <a:rPr lang="ja-JP" altLang="en-US" smtClean="0"/>
+              <a:rPr lang="ja-JP" altLang="en-US"/>
               <a:t>第 </a:t>
             </a:r>
             <a:r>
-              <a:rPr lang="en-US" altLang="ja-JP" smtClean="0"/>
+              <a:rPr lang="en-US" altLang="ja-JP"/>
               <a:t>3 </a:t>
             </a:r>
             <a:r>
-              <a:rPr lang="ja-JP" altLang="en-US" smtClean="0"/>
+              <a:rPr lang="ja-JP" altLang="en-US"/>
               <a:t>レベル</a:t>
             </a:r>
           </a:p>
           <a:p>
             <a:pPr lvl="3"/>
             <a:r>
-              <a:rPr lang="ja-JP" altLang="en-US" smtClean="0"/>
+              <a:rPr lang="ja-JP" altLang="en-US"/>
               <a:t>第 </a:t>
             </a:r>
             <a:r>
-              <a:rPr lang="en-US" altLang="ja-JP" smtClean="0"/>
+              <a:rPr lang="en-US" altLang="ja-JP"/>
               <a:t>4 </a:t>
             </a:r>
             <a:r>
-              <a:rPr lang="ja-JP" altLang="en-US" smtClean="0"/>
+              <a:rPr lang="ja-JP" altLang="en-US"/>
               <a:t>レベル</a:t>
             </a:r>
           </a:p>
           <a:p>
             <a:pPr lvl="4"/>
             <a:r>
-              <a:rPr lang="ja-JP" altLang="en-US" smtClean="0"/>
+              <a:rPr lang="ja-JP" altLang="en-US"/>
               <a:t>第 </a:t>
             </a:r>
             <a:r>
-              <a:rPr lang="en-US" altLang="ja-JP" smtClean="0"/>
+              <a:rPr lang="en-US" altLang="ja-JP"/>
               <a:t>5 </a:t>
             </a:r>
             <a:r>
-              <a:rPr lang="ja-JP" altLang="en-US" smtClean="0"/>
+              <a:rPr lang="ja-JP" altLang="en-US"/>
               <a:t>レベル</a:t>
             </a:r>
             <a:endParaRPr lang="en-US" dirty="0"/>
@@ -2597,7 +2599,7 @@
           <a:p>
             <a:pPr lvl="0"/>
             <a:r>
-              <a:rPr lang="ja-JP" altLang="en-US" smtClean="0"/>
+              <a:rPr lang="ja-JP" altLang="en-US"/>
               <a:t>マスター テキストの書式設定</a:t>
             </a:r>
           </a:p>
@@ -2620,7 +2622,7 @@
           <a:p>
             <a:fld id="{E3020441-CB21-445C-817D-199401EC5197}" type="datetimeFigureOut">
               <a:rPr kumimoji="1" lang="ja-JP" altLang="en-US" smtClean="0"/>
-              <a:t>2024/10/28</a:t>
+              <a:t>2024/12/9</a:t>
             </a:fld>
             <a:endParaRPr kumimoji="1" lang="ja-JP" altLang="en-US"/>
           </a:p>
@@ -2725,7 +2727,7 @@
           </a:lstStyle>
           <a:p>
             <a:r>
-              <a:rPr lang="ja-JP" altLang="en-US" smtClean="0"/>
+              <a:rPr lang="ja-JP" altLang="en-US"/>
               <a:t>マスター タイトルの書式設定</a:t>
             </a:r>
             <a:endParaRPr lang="en-US" dirty="0"/>
@@ -2790,7 +2792,7 @@
           </a:lstStyle>
           <a:p>
             <a:r>
-              <a:rPr lang="ja-JP" altLang="en-US" smtClean="0"/>
+              <a:rPr lang="ja-JP" altLang="en-US"/>
               <a:t>図を追加</a:t>
             </a:r>
             <a:endParaRPr lang="en-US" dirty="0"/>
@@ -2861,7 +2863,7 @@
           <a:p>
             <a:pPr lvl="0"/>
             <a:r>
-              <a:rPr lang="ja-JP" altLang="en-US" smtClean="0"/>
+              <a:rPr lang="ja-JP" altLang="en-US"/>
               <a:t>マスター テキストの書式設定</a:t>
             </a:r>
           </a:p>
@@ -2884,7 +2886,7 @@
           <a:p>
             <a:fld id="{E3020441-CB21-445C-817D-199401EC5197}" type="datetimeFigureOut">
               <a:rPr kumimoji="1" lang="ja-JP" altLang="en-US" smtClean="0"/>
-              <a:t>2024/10/28</a:t>
+              <a:t>2024/12/9</a:t>
             </a:fld>
             <a:endParaRPr kumimoji="1" lang="ja-JP" altLang="en-US"/>
           </a:p>
@@ -2993,7 +2995,7 @@
           <a:lstStyle/>
           <a:p>
             <a:r>
-              <a:rPr lang="ja-JP" altLang="en-US" smtClean="0"/>
+              <a:rPr lang="ja-JP" altLang="en-US"/>
               <a:t>マスター タイトルの書式設定</a:t>
             </a:r>
             <a:endParaRPr lang="en-US" dirty="0"/>
@@ -3027,67 +3029,67 @@
           <a:p>
             <a:pPr lvl="0"/>
             <a:r>
-              <a:rPr lang="ja-JP" altLang="en-US" smtClean="0"/>
+              <a:rPr lang="ja-JP" altLang="en-US"/>
               <a:t>マスター テキストの書式設定</a:t>
             </a:r>
           </a:p>
           <a:p>
             <a:pPr lvl="1"/>
             <a:r>
-              <a:rPr lang="ja-JP" altLang="en-US" smtClean="0"/>
+              <a:rPr lang="ja-JP" altLang="en-US"/>
               <a:t>第 </a:t>
             </a:r>
             <a:r>
-              <a:rPr lang="en-US" altLang="ja-JP" smtClean="0"/>
+              <a:rPr lang="en-US" altLang="ja-JP"/>
               <a:t>2 </a:t>
             </a:r>
             <a:r>
-              <a:rPr lang="ja-JP" altLang="en-US" smtClean="0"/>
+              <a:rPr lang="ja-JP" altLang="en-US"/>
               <a:t>レベル</a:t>
             </a:r>
           </a:p>
           <a:p>
             <a:pPr lvl="2"/>
             <a:r>
-              <a:rPr lang="ja-JP" altLang="en-US" smtClean="0"/>
+              <a:rPr lang="ja-JP" altLang="en-US"/>
               <a:t>第 </a:t>
             </a:r>
             <a:r>
-              <a:rPr lang="en-US" altLang="ja-JP" smtClean="0"/>
+              <a:rPr lang="en-US" altLang="ja-JP"/>
               <a:t>3 </a:t>
             </a:r>
             <a:r>
-              <a:rPr lang="ja-JP" altLang="en-US" smtClean="0"/>
+              <a:rPr lang="ja-JP" altLang="en-US"/>
               <a:t>レベル</a:t>
             </a:r>
           </a:p>
           <a:p>
             <a:pPr lvl="3"/>
             <a:r>
-              <a:rPr lang="ja-JP" altLang="en-US" smtClean="0"/>
+              <a:rPr lang="ja-JP" altLang="en-US"/>
               <a:t>第 </a:t>
             </a:r>
             <a:r>
-              <a:rPr lang="en-US" altLang="ja-JP" smtClean="0"/>
+              <a:rPr lang="en-US" altLang="ja-JP"/>
               <a:t>4 </a:t>
             </a:r>
             <a:r>
-              <a:rPr lang="ja-JP" altLang="en-US" smtClean="0"/>
+              <a:rPr lang="ja-JP" altLang="en-US"/>
               <a:t>レベル</a:t>
             </a:r>
           </a:p>
           <a:p>
             <a:pPr lvl="4"/>
             <a:r>
-              <a:rPr lang="ja-JP" altLang="en-US" smtClean="0"/>
+              <a:rPr lang="ja-JP" altLang="en-US"/>
               <a:t>第 </a:t>
             </a:r>
             <a:r>
-              <a:rPr lang="en-US" altLang="ja-JP" smtClean="0"/>
+              <a:rPr lang="en-US" altLang="ja-JP"/>
               <a:t>5 </a:t>
             </a:r>
             <a:r>
-              <a:rPr lang="ja-JP" altLang="en-US" smtClean="0"/>
+              <a:rPr lang="ja-JP" altLang="en-US"/>
               <a:t>レベル</a:t>
             </a:r>
             <a:endParaRPr lang="en-US" dirty="0"/>
@@ -3130,7 +3132,7 @@
           <a:p>
             <a:fld id="{E3020441-CB21-445C-817D-199401EC5197}" type="datetimeFigureOut">
               <a:rPr kumimoji="1" lang="ja-JP" altLang="en-US" smtClean="0"/>
-              <a:t>2024/10/28</a:t>
+              <a:t>2024/12/9</a:t>
             </a:fld>
             <a:endParaRPr kumimoji="1" lang="ja-JP" altLang="en-US"/>
           </a:p>
@@ -3672,18 +3674,13 @@
           <a:p>
             <a:pPr algn="ctr"/>
             <a:r>
-              <a:rPr kumimoji="1" lang="ja-JP" altLang="en-US" dirty="0" smtClean="0">
+              <a:rPr kumimoji="1" lang="ja-JP" altLang="en-US" dirty="0">
                 <a:solidFill>
                   <a:schemeClr val="tx1"/>
                 </a:solidFill>
               </a:rPr>
               <a:t>母集団</a:t>
             </a:r>
-            <a:endParaRPr kumimoji="1" lang="ja-JP" altLang="en-US" dirty="0">
-              <a:solidFill>
-                <a:schemeClr val="tx1"/>
-              </a:solidFill>
-            </a:endParaRPr>
           </a:p>
         </p:txBody>
       </p:sp>
@@ -3727,14 +3724,14 @@
           <a:p>
             <a:pPr algn="ctr"/>
             <a:r>
-              <a:rPr kumimoji="1" lang="ja-JP" altLang="en-US" dirty="0" smtClean="0">
+              <a:rPr kumimoji="1" lang="ja-JP" altLang="en-US" dirty="0">
                 <a:solidFill>
                   <a:schemeClr val="tx1"/>
                 </a:solidFill>
               </a:rPr>
               <a:t>サンプル集団</a:t>
             </a:r>
-            <a:endParaRPr kumimoji="1" lang="en-US" altLang="ja-JP" dirty="0" smtClean="0">
+            <a:endParaRPr kumimoji="1" lang="en-US" altLang="ja-JP" dirty="0">
               <a:solidFill>
                 <a:schemeClr val="tx1"/>
               </a:solidFill>
@@ -3743,7 +3740,7 @@
           <a:p>
             <a:pPr algn="ctr"/>
             <a:r>
-              <a:rPr kumimoji="1" lang="ja-JP" altLang="en-US" dirty="0" smtClean="0">
+              <a:rPr kumimoji="1" lang="ja-JP" altLang="en-US" dirty="0">
                 <a:solidFill>
                   <a:schemeClr val="tx1"/>
                 </a:solidFill>
@@ -3751,7 +3748,7 @@
               <a:t>（サンプル数＝</a:t>
             </a:r>
             <a:r>
-              <a:rPr kumimoji="1" lang="en-US" altLang="ja-JP" dirty="0" smtClean="0">
+              <a:rPr kumimoji="1" lang="en-US" altLang="ja-JP" dirty="0">
                 <a:solidFill>
                   <a:schemeClr val="tx1"/>
                 </a:solidFill>
@@ -3759,18 +3756,13 @@
               <a:t>N</a:t>
             </a:r>
             <a:r>
-              <a:rPr kumimoji="1" lang="ja-JP" altLang="en-US" dirty="0" smtClean="0">
+              <a:rPr kumimoji="1" lang="ja-JP" altLang="en-US" dirty="0">
                 <a:solidFill>
                   <a:schemeClr val="tx1"/>
                 </a:solidFill>
               </a:rPr>
               <a:t>）</a:t>
             </a:r>
-            <a:endParaRPr kumimoji="1" lang="ja-JP" altLang="en-US" dirty="0">
-              <a:solidFill>
-                <a:schemeClr val="tx1"/>
-              </a:solidFill>
-            </a:endParaRPr>
           </a:p>
         </p:txBody>
       </p:sp>
@@ -3989,10 +3981,9 @@
           <a:lstStyle/>
           <a:p>
             <a:r>
-              <a:rPr kumimoji="1" lang="ja-JP" altLang="en-US" dirty="0" smtClean="0"/>
+              <a:rPr kumimoji="1" lang="ja-JP" altLang="en-US" dirty="0"/>
               <a:t>標本平均</a:t>
             </a:r>
-            <a:endParaRPr kumimoji="1" lang="ja-JP" altLang="en-US" dirty="0"/>
           </a:p>
         </p:txBody>
       </p:sp>
@@ -4053,25 +4044,24 @@
           <a:lstStyle/>
           <a:p>
             <a:r>
-              <a:rPr kumimoji="1" lang="ja-JP" altLang="en-US" dirty="0" smtClean="0"/>
+              <a:rPr kumimoji="1" lang="ja-JP" altLang="en-US" dirty="0"/>
               <a:t>標本標準偏差</a:t>
             </a:r>
-            <a:endParaRPr kumimoji="1" lang="en-US" altLang="ja-JP" dirty="0" smtClean="0"/>
-          </a:p>
-          <a:p>
-            <a:r>
-              <a:rPr kumimoji="1" lang="ja-JP" altLang="en-US" dirty="0" smtClean="0"/>
+            <a:endParaRPr kumimoji="1" lang="en-US" altLang="ja-JP" dirty="0"/>
+          </a:p>
+          <a:p>
+            <a:r>
+              <a:rPr kumimoji="1" lang="ja-JP" altLang="en-US" dirty="0"/>
               <a:t>（</a:t>
             </a:r>
             <a:r>
-              <a:rPr kumimoji="1" lang="en-US" altLang="ja-JP" dirty="0" smtClean="0"/>
+              <a:rPr kumimoji="1" lang="en-US" altLang="ja-JP" dirty="0"/>
               <a:t>=</a:t>
             </a:r>
             <a:r>
-              <a:rPr kumimoji="1" lang="ja-JP" altLang="en-US" dirty="0" smtClean="0"/>
+              <a:rPr kumimoji="1" lang="ja-JP" altLang="en-US" dirty="0"/>
               <a:t>標本分散の平方根）</a:t>
             </a:r>
-            <a:endParaRPr kumimoji="1" lang="ja-JP" altLang="en-US" dirty="0"/>
           </a:p>
         </p:txBody>
       </p:sp>
@@ -4165,18 +4155,17 @@
           <a:lstStyle/>
           <a:p>
             <a:r>
-              <a:rPr kumimoji="1" lang="ja-JP" altLang="en-US" dirty="0" smtClean="0"/>
+              <a:rPr kumimoji="1" lang="ja-JP" altLang="en-US" dirty="0"/>
               <a:t>標準偏差の点推定値（</a:t>
             </a:r>
             <a:r>
-              <a:rPr kumimoji="1" lang="en-US" altLang="ja-JP" dirty="0" smtClean="0"/>
+              <a:rPr kumimoji="1" lang="en-US" altLang="ja-JP" dirty="0"/>
               <a:t>=</a:t>
             </a:r>
             <a:r>
-              <a:rPr kumimoji="1" lang="ja-JP" altLang="en-US" dirty="0" smtClean="0"/>
+              <a:rPr kumimoji="1" lang="ja-JP" altLang="en-US" dirty="0"/>
               <a:t>不偏分散の平方根）</a:t>
             </a:r>
-            <a:endParaRPr kumimoji="1" lang="ja-JP" altLang="en-US" dirty="0"/>
           </a:p>
         </p:txBody>
       </p:sp>
@@ -4203,10 +4192,9 @@
           <a:lstStyle/>
           <a:p>
             <a:r>
-              <a:rPr kumimoji="1" lang="ja-JP" altLang="en-US" dirty="0" smtClean="0"/>
+              <a:rPr kumimoji="1" lang="ja-JP" altLang="en-US" dirty="0"/>
               <a:t>平均の点推定値</a:t>
             </a:r>
-            <a:endParaRPr kumimoji="1" lang="ja-JP" altLang="en-US" dirty="0"/>
           </a:p>
         </p:txBody>
       </p:sp>
@@ -4570,10 +4558,9 @@
           <a:lstStyle/>
           <a:p>
             <a:r>
-              <a:rPr kumimoji="1" lang="ja-JP" altLang="en-US" dirty="0" smtClean="0"/>
+              <a:rPr kumimoji="1" lang="ja-JP" altLang="en-US" dirty="0"/>
               <a:t>標準偏差の信頼区間</a:t>
             </a:r>
-            <a:endParaRPr kumimoji="1" lang="ja-JP" altLang="en-US" dirty="0"/>
           </a:p>
         </p:txBody>
       </p:sp>
@@ -4646,10 +4633,9 @@
           <a:lstStyle/>
           <a:p>
             <a:r>
-              <a:rPr kumimoji="1" lang="ja-JP" altLang="en-US" dirty="0" smtClean="0"/>
+              <a:rPr kumimoji="1" lang="ja-JP" altLang="en-US" dirty="0"/>
               <a:t>平均の信頼区間</a:t>
             </a:r>
-            <a:endParaRPr kumimoji="1" lang="ja-JP" altLang="en-US" dirty="0"/>
           </a:p>
         </p:txBody>
       </p:sp>
@@ -4864,10 +4850,9 @@
           <a:lstStyle/>
           <a:p>
             <a:r>
-              <a:rPr kumimoji="1" lang="ja-JP" altLang="en-US" dirty="0" smtClean="0"/>
+              <a:rPr kumimoji="1" lang="ja-JP" altLang="en-US" dirty="0"/>
               <a:t>これらの値を用いて推定</a:t>
             </a:r>
-            <a:endParaRPr kumimoji="1" lang="ja-JP" altLang="en-US" dirty="0"/>
           </a:p>
         </p:txBody>
       </p:sp>
@@ -4915,7 +4900,7 @@
         </p:nvSpPr>
         <p:spPr>
           <a:xfrm>
-            <a:off x="6810375" y="1376173"/>
+            <a:off x="6934200" y="2916936"/>
             <a:ext cx="2476500" cy="1024128"/>
           </a:xfrm>
           <a:prstGeom prst="rect">
@@ -4972,6 +4957,135 @@
           <p:cNvPr id="5" name="正方形/長方形 4">
             <a:extLst>
               <a:ext uri="{FF2B5EF4-FFF2-40B4-BE49-F238E27FC236}">
+                <a16:creationId xmlns:a16="http://schemas.microsoft.com/office/drawing/2014/main" id="{AC2650BC-2D2B-5AF3-86DA-8F1504AF3245}"/>
+              </a:ext>
+            </a:extLst>
+          </p:cNvPr>
+          <p:cNvSpPr/>
+          <p:nvPr/>
+        </p:nvSpPr>
+        <p:spPr>
+          <a:xfrm>
+            <a:off x="2514600" y="1695449"/>
+            <a:ext cx="2371725" cy="1485900"/>
+          </a:xfrm>
+          <a:prstGeom prst="rect">
+            <a:avLst/>
+          </a:prstGeom>
+        </p:spPr>
+        <p:style>
+          <a:lnRef idx="2">
+            <a:schemeClr val="accent3">
+              <a:shade val="15000"/>
+            </a:schemeClr>
+          </a:lnRef>
+          <a:fillRef idx="1">
+            <a:schemeClr val="accent3"/>
+          </a:fillRef>
+          <a:effectRef idx="0">
+            <a:schemeClr val="accent3"/>
+          </a:effectRef>
+          <a:fontRef idx="minor">
+            <a:schemeClr val="lt1"/>
+          </a:fontRef>
+        </p:style>
+        <p:txBody>
+          <a:bodyPr rtlCol="0" anchor="ctr"/>
+          <a:lstStyle/>
+          <a:p>
+            <a:pPr algn="ctr"/>
+            <a:r>
+              <a:rPr kumimoji="1" lang="ja-JP" altLang="en-US" dirty="0"/>
+              <a:t>説明変数</a:t>
+            </a:r>
+            <a:r>
+              <a:rPr kumimoji="1" lang="en-US" altLang="ja-JP" dirty="0"/>
+              <a:t>1</a:t>
+            </a:r>
+            <a:r>
+              <a:rPr kumimoji="1" lang="ja-JP" altLang="en-US" dirty="0"/>
+              <a:t>：</a:t>
+            </a:r>
+            <a:br>
+              <a:rPr kumimoji="1" lang="en-US" altLang="ja-JP" dirty="0"/>
+            </a:br>
+            <a:r>
+              <a:rPr kumimoji="1" lang="ja-JP" altLang="en-US" dirty="0"/>
+              <a:t>小麦品種</a:t>
+            </a:r>
+            <a:endParaRPr kumimoji="1" lang="en-US" altLang="ja-JP" dirty="0"/>
+          </a:p>
+          <a:p>
+            <a:pPr algn="ctr"/>
+            <a:endParaRPr kumimoji="1" lang="en-US" altLang="ja-JP" sz="500" dirty="0"/>
+          </a:p>
+          <a:p>
+            <a:pPr algn="ctr"/>
+            <a:r>
+              <a:rPr kumimoji="1" lang="ja-JP" altLang="en-US" dirty="0"/>
+              <a:t>水準：</a:t>
+            </a:r>
+            <a:r>
+              <a:rPr kumimoji="1" lang="en-US" altLang="ja-JP" dirty="0"/>
+              <a:t>A</a:t>
+            </a:r>
+            <a:r>
+              <a:rPr lang="en-US" altLang="ja-JP" dirty="0"/>
+              <a:t>,B</a:t>
+            </a:r>
+          </a:p>
+        </p:txBody>
+      </p:sp>
+      <p:cxnSp>
+        <p:nvCxnSpPr>
+          <p:cNvPr id="6" name="直線矢印コネクタ 5">
+            <a:extLst>
+              <a:ext uri="{FF2B5EF4-FFF2-40B4-BE49-F238E27FC236}">
+                <a16:creationId xmlns:a16="http://schemas.microsoft.com/office/drawing/2014/main" id="{78716ED2-DF3B-D92E-7BD8-3AA09D91A477}"/>
+              </a:ext>
+            </a:extLst>
+          </p:cNvPr>
+          <p:cNvCxnSpPr>
+            <a:cxnSpLocks/>
+            <a:stCxn id="5" idx="3"/>
+            <a:endCxn id="4" idx="1"/>
+          </p:cNvCxnSpPr>
+          <p:nvPr/>
+        </p:nvCxnSpPr>
+        <p:spPr>
+          <a:xfrm>
+            <a:off x="4886325" y="2438399"/>
+            <a:ext cx="2047875" cy="990601"/>
+          </a:xfrm>
+          <a:prstGeom prst="straightConnector1">
+            <a:avLst/>
+          </a:prstGeom>
+          <a:ln>
+            <a:tailEnd type="triangle"/>
+          </a:ln>
+        </p:spPr>
+        <p:style>
+          <a:lnRef idx="2">
+            <a:schemeClr val="accent3">
+              <a:shade val="15000"/>
+            </a:schemeClr>
+          </a:lnRef>
+          <a:fillRef idx="1">
+            <a:schemeClr val="accent3"/>
+          </a:fillRef>
+          <a:effectRef idx="0">
+            <a:schemeClr val="accent3"/>
+          </a:effectRef>
+          <a:fontRef idx="minor">
+            <a:schemeClr val="lt1"/>
+          </a:fontRef>
+        </p:style>
+      </p:cxnSp>
+      <p:sp>
+        <p:nvSpPr>
+          <p:cNvPr id="9" name="正方形/長方形 8">
+            <a:extLst>
+              <a:ext uri="{FF2B5EF4-FFF2-40B4-BE49-F238E27FC236}">
                 <a16:creationId xmlns:a16="http://schemas.microsoft.com/office/drawing/2014/main" id="{CBC8A939-E168-8640-4151-6E3418F38040}"/>
               </a:ext>
             </a:extLst>
@@ -4981,7 +5095,7 @@
         </p:nvSpPr>
         <p:spPr>
           <a:xfrm>
-            <a:off x="2914650" y="1145287"/>
+            <a:off x="2514600" y="3724276"/>
             <a:ext cx="2371725" cy="1485900"/>
           </a:xfrm>
           <a:prstGeom prst="rect">
@@ -5010,67 +5124,79 @@
           <a:p>
             <a:pPr algn="ctr"/>
             <a:r>
-              <a:rPr lang="ja-JP" altLang="en-US" dirty="0"/>
+              <a:rPr kumimoji="1" lang="ja-JP" altLang="en-US" dirty="0"/>
               <a:t>説明変数</a:t>
             </a:r>
             <a:r>
-              <a:rPr lang="en-US" altLang="ja-JP" dirty="0"/>
-              <a:t>1</a:t>
-            </a:r>
-            <a:r>
-              <a:rPr lang="ja-JP" altLang="en-US" dirty="0"/>
+              <a:rPr kumimoji="1" lang="en-US" altLang="ja-JP" dirty="0"/>
+              <a:t>2</a:t>
+            </a:r>
+            <a:r>
+              <a:rPr kumimoji="1" lang="ja-JP" altLang="en-US" dirty="0"/>
               <a:t>：</a:t>
             </a:r>
-            <a:r>
-              <a:rPr lang="en-US" altLang="ja-JP" dirty="0"/>
-              <a:t/>
-            </a:r>
             <a:br>
-              <a:rPr lang="en-US" altLang="ja-JP" dirty="0"/>
+              <a:rPr kumimoji="1" lang="en-US" altLang="ja-JP" dirty="0"/>
             </a:br>
             <a:r>
-              <a:rPr lang="ja-JP" altLang="en-US" dirty="0"/>
-              <a:t>小麦品種</a:t>
+              <a:rPr kumimoji="1" lang="ja-JP" altLang="en-US" dirty="0"/>
+              <a:t>肥料</a:t>
+            </a:r>
+            <a:endParaRPr kumimoji="1" lang="en-US" altLang="ja-JP" dirty="0"/>
+          </a:p>
+          <a:p>
+            <a:pPr algn="ctr"/>
+            <a:endParaRPr kumimoji="1" lang="en-US" altLang="ja-JP" sz="900" dirty="0"/>
+          </a:p>
+          <a:p>
+            <a:pPr algn="ctr"/>
+            <a:r>
+              <a:rPr kumimoji="1" lang="ja-JP" altLang="en-US" dirty="0"/>
+              <a:t>水準：</a:t>
+            </a:r>
+            <a:r>
+              <a:rPr kumimoji="1" lang="en-US" altLang="ja-JP" dirty="0"/>
+              <a:t>X,</a:t>
+            </a:r>
+            <a:r>
+              <a:rPr kumimoji="1" lang="ja-JP" altLang="en-US" dirty="0"/>
+              <a:t> </a:t>
+            </a:r>
+            <a:r>
+              <a:rPr kumimoji="1" lang="en-US" altLang="ja-JP" dirty="0"/>
+              <a:t>Y</a:t>
             </a:r>
             <a:endParaRPr lang="en-US" altLang="ja-JP" dirty="0"/>
           </a:p>
-          <a:p>
-            <a:pPr algn="ctr"/>
-            <a:endParaRPr lang="en-US" altLang="ja-JP" sz="500" dirty="0"/>
-          </a:p>
-          <a:p>
-            <a:pPr algn="ctr"/>
-            <a:r>
-              <a:rPr lang="ja-JP" altLang="en-US" dirty="0"/>
-              <a:t>水準：</a:t>
-            </a:r>
-            <a:r>
-              <a:rPr lang="en-US" altLang="ja-JP" dirty="0"/>
-              <a:t>A,B</a:t>
-            </a:r>
-          </a:p>
-        </p:txBody>
-      </p:sp>
-      <p:sp>
-        <p:nvSpPr>
-          <p:cNvPr id="6" name="正方形/長方形 5">
+        </p:txBody>
+      </p:sp>
+      <p:cxnSp>
+        <p:nvCxnSpPr>
+          <p:cNvPr id="10" name="直線矢印コネクタ 9">
             <a:extLst>
               <a:ext uri="{FF2B5EF4-FFF2-40B4-BE49-F238E27FC236}">
-                <a16:creationId xmlns:a16="http://schemas.microsoft.com/office/drawing/2014/main" id="{D1E12261-89B1-F2A3-34A0-BBE7B31A48CA}"/>
+                <a16:creationId xmlns:a16="http://schemas.microsoft.com/office/drawing/2014/main" id="{3692A9EC-9D53-BBF8-6010-1B3560DD9FC6}"/>
               </a:ext>
             </a:extLst>
           </p:cNvPr>
-          <p:cNvSpPr/>
-          <p:nvPr/>
-        </p:nvSpPr>
-        <p:spPr>
-          <a:xfrm>
-            <a:off x="6810375" y="3659886"/>
-            <a:ext cx="2476500" cy="1024128"/>
-          </a:xfrm>
-          <a:prstGeom prst="rect">
-            <a:avLst/>
-          </a:prstGeom>
+          <p:cNvCxnSpPr>
+            <a:cxnSpLocks/>
+            <a:stCxn id="9" idx="3"/>
+            <a:endCxn id="4" idx="1"/>
+          </p:cNvCxnSpPr>
+          <p:nvPr/>
+        </p:nvCxnSpPr>
+        <p:spPr>
+          <a:xfrm flipV="1">
+            <a:off x="4886325" y="3429000"/>
+            <a:ext cx="2047875" cy="1038226"/>
+          </a:xfrm>
+          <a:prstGeom prst="straightConnector1">
+            <a:avLst/>
+          </a:prstGeom>
+          <a:ln>
+            <a:tailEnd type="triangle"/>
+          </a:ln>
         </p:spPr>
         <p:style>
           <a:lnRef idx="2">
@@ -5088,6 +5214,313 @@
             <a:schemeClr val="lt1"/>
           </a:fontRef>
         </p:style>
+      </p:cxnSp>
+      <p:sp>
+        <p:nvSpPr>
+          <p:cNvPr id="2" name="楕円 1"/>
+          <p:cNvSpPr/>
+          <p:nvPr/>
+        </p:nvSpPr>
+        <p:spPr>
+          <a:xfrm flipH="1" flipV="1">
+            <a:off x="5475544" y="3303844"/>
+            <a:ext cx="272794" cy="272794"/>
+          </a:xfrm>
+          <a:prstGeom prst="ellipse">
+            <a:avLst/>
+          </a:prstGeom>
+          <a:solidFill>
+            <a:schemeClr val="bg1"/>
+          </a:solidFill>
+          <a:ln>
+            <a:solidFill>
+              <a:srgbClr val="FF0000"/>
+            </a:solidFill>
+          </a:ln>
+        </p:spPr>
+        <p:style>
+          <a:lnRef idx="2">
+            <a:schemeClr val="accent1">
+              <a:shade val="50000"/>
+            </a:schemeClr>
+          </a:lnRef>
+          <a:fillRef idx="1">
+            <a:schemeClr val="accent1"/>
+          </a:fillRef>
+          <a:effectRef idx="0">
+            <a:schemeClr val="accent1"/>
+          </a:effectRef>
+          <a:fontRef idx="minor">
+            <a:schemeClr val="lt1"/>
+          </a:fontRef>
+        </p:style>
+        <p:txBody>
+          <a:bodyPr rtlCol="0" anchor="ctr"/>
+          <a:lstStyle/>
+          <a:p>
+            <a:pPr algn="ctr"/>
+            <a:endParaRPr kumimoji="1" lang="ja-JP" altLang="en-US"/>
+          </a:p>
+        </p:txBody>
+      </p:sp>
+      <p:cxnSp>
+        <p:nvCxnSpPr>
+          <p:cNvPr id="7" name="直線コネクタ 6"/>
+          <p:cNvCxnSpPr>
+            <a:stCxn id="5" idx="3"/>
+            <a:endCxn id="2" idx="5"/>
+          </p:cNvCxnSpPr>
+          <p:nvPr/>
+        </p:nvCxnSpPr>
+        <p:spPr>
+          <a:xfrm>
+            <a:off x="4886325" y="2438399"/>
+            <a:ext cx="629169" cy="905395"/>
+          </a:xfrm>
+          <a:prstGeom prst="line">
+            <a:avLst/>
+          </a:prstGeom>
+          <a:ln>
+            <a:solidFill>
+              <a:srgbClr val="FF0000"/>
+            </a:solidFill>
+          </a:ln>
+        </p:spPr>
+        <p:style>
+          <a:lnRef idx="2">
+            <a:schemeClr val="accent1"/>
+          </a:lnRef>
+          <a:fillRef idx="0">
+            <a:schemeClr val="accent1"/>
+          </a:fillRef>
+          <a:effectRef idx="1">
+            <a:schemeClr val="accent1"/>
+          </a:effectRef>
+          <a:fontRef idx="minor">
+            <a:schemeClr val="tx1"/>
+          </a:fontRef>
+        </p:style>
+      </p:cxnSp>
+      <p:cxnSp>
+        <p:nvCxnSpPr>
+          <p:cNvPr id="11" name="直線コネクタ 10"/>
+          <p:cNvCxnSpPr>
+            <a:stCxn id="9" idx="3"/>
+            <a:endCxn id="2" idx="7"/>
+          </p:cNvCxnSpPr>
+          <p:nvPr/>
+        </p:nvCxnSpPr>
+        <p:spPr>
+          <a:xfrm flipV="1">
+            <a:off x="4886325" y="3536688"/>
+            <a:ext cx="629169" cy="930538"/>
+          </a:xfrm>
+          <a:prstGeom prst="line">
+            <a:avLst/>
+          </a:prstGeom>
+          <a:ln>
+            <a:solidFill>
+              <a:srgbClr val="FF0000"/>
+            </a:solidFill>
+          </a:ln>
+        </p:spPr>
+        <p:style>
+          <a:lnRef idx="2">
+            <a:schemeClr val="accent1"/>
+          </a:lnRef>
+          <a:fillRef idx="0">
+            <a:schemeClr val="accent1"/>
+          </a:fillRef>
+          <a:effectRef idx="1">
+            <a:schemeClr val="accent1"/>
+          </a:effectRef>
+          <a:fontRef idx="minor">
+            <a:schemeClr val="tx1"/>
+          </a:fontRef>
+        </p:style>
+      </p:cxnSp>
+      <p:cxnSp>
+        <p:nvCxnSpPr>
+          <p:cNvPr id="13" name="直線コネクタ 12"/>
+          <p:cNvCxnSpPr>
+            <a:stCxn id="2" idx="2"/>
+            <a:endCxn id="4" idx="1"/>
+          </p:cNvCxnSpPr>
+          <p:nvPr/>
+        </p:nvCxnSpPr>
+        <p:spPr>
+          <a:xfrm flipV="1">
+            <a:off x="5748338" y="3429000"/>
+            <a:ext cx="1185862" cy="11241"/>
+          </a:xfrm>
+          <a:prstGeom prst="line">
+            <a:avLst/>
+          </a:prstGeom>
+          <a:ln>
+            <a:solidFill>
+              <a:srgbClr val="FF0000"/>
+            </a:solidFill>
+            <a:tailEnd type="triangle"/>
+          </a:ln>
+        </p:spPr>
+        <p:style>
+          <a:lnRef idx="2">
+            <a:schemeClr val="accent1"/>
+          </a:lnRef>
+          <a:fillRef idx="0">
+            <a:schemeClr val="accent1"/>
+          </a:fillRef>
+          <a:effectRef idx="1">
+            <a:schemeClr val="accent1"/>
+          </a:effectRef>
+          <a:fontRef idx="minor">
+            <a:schemeClr val="tx1"/>
+          </a:fontRef>
+        </p:style>
+      </p:cxnSp>
+      <p:cxnSp>
+        <p:nvCxnSpPr>
+          <p:cNvPr id="15" name="直線コネクタ 14"/>
+          <p:cNvCxnSpPr>
+            <a:stCxn id="2" idx="5"/>
+            <a:endCxn id="2" idx="1"/>
+          </p:cNvCxnSpPr>
+          <p:nvPr/>
+        </p:nvCxnSpPr>
+        <p:spPr>
+          <a:xfrm>
+            <a:off x="5515494" y="3343794"/>
+            <a:ext cx="192894" cy="192894"/>
+          </a:xfrm>
+          <a:prstGeom prst="line">
+            <a:avLst/>
+          </a:prstGeom>
+          <a:ln>
+            <a:solidFill>
+              <a:srgbClr val="FF0000"/>
+            </a:solidFill>
+          </a:ln>
+        </p:spPr>
+        <p:style>
+          <a:lnRef idx="2">
+            <a:schemeClr val="accent1"/>
+          </a:lnRef>
+          <a:fillRef idx="0">
+            <a:schemeClr val="accent1"/>
+          </a:fillRef>
+          <a:effectRef idx="1">
+            <a:schemeClr val="accent1"/>
+          </a:effectRef>
+          <a:fontRef idx="minor">
+            <a:schemeClr val="tx1"/>
+          </a:fontRef>
+        </p:style>
+      </p:cxnSp>
+      <p:cxnSp>
+        <p:nvCxnSpPr>
+          <p:cNvPr id="17" name="直線コネクタ 16"/>
+          <p:cNvCxnSpPr>
+            <a:stCxn id="2" idx="3"/>
+            <a:endCxn id="2" idx="7"/>
+          </p:cNvCxnSpPr>
+          <p:nvPr/>
+        </p:nvCxnSpPr>
+        <p:spPr>
+          <a:xfrm flipH="1">
+            <a:off x="5515494" y="3343794"/>
+            <a:ext cx="192894" cy="192894"/>
+          </a:xfrm>
+          <a:prstGeom prst="line">
+            <a:avLst/>
+          </a:prstGeom>
+          <a:ln>
+            <a:solidFill>
+              <a:srgbClr val="FF0000"/>
+            </a:solidFill>
+          </a:ln>
+        </p:spPr>
+        <p:style>
+          <a:lnRef idx="2">
+            <a:schemeClr val="accent1"/>
+          </a:lnRef>
+          <a:fillRef idx="0">
+            <a:schemeClr val="accent1"/>
+          </a:fillRef>
+          <a:effectRef idx="1">
+            <a:schemeClr val="accent1"/>
+          </a:effectRef>
+          <a:fontRef idx="minor">
+            <a:schemeClr val="tx1"/>
+          </a:fontRef>
+        </p:style>
+      </p:cxnSp>
+    </p:spTree>
+    <p:extLst>
+      <p:ext uri="{BB962C8B-B14F-4D97-AF65-F5344CB8AC3E}">
+        <p14:creationId xmlns:p14="http://schemas.microsoft.com/office/powerpoint/2010/main" val="3356814384"/>
+      </p:ext>
+    </p:extLst>
+  </p:cSld>
+  <p:clrMapOvr>
+    <a:masterClrMapping/>
+  </p:clrMapOvr>
+</p:sld>
+</file>
+
+<file path=ppt/slides/slide11.xml><?xml version="1.0" encoding="utf-8"?>
+<p:sld xmlns:a="http://schemas.openxmlformats.org/drawingml/2006/main" xmlns:r="http://schemas.openxmlformats.org/officeDocument/2006/relationships" xmlns:p="http://schemas.openxmlformats.org/presentationml/2006/main">
+  <p:cSld>
+    <p:spTree>
+      <p:nvGrpSpPr>
+        <p:cNvPr id="1" name=""/>
+        <p:cNvGrpSpPr/>
+        <p:nvPr/>
+      </p:nvGrpSpPr>
+      <p:grpSpPr>
+        <a:xfrm>
+          <a:off x="0" y="0"/>
+          <a:ext cx="0" cy="0"/>
+          <a:chOff x="0" y="0"/>
+          <a:chExt cx="0" cy="0"/>
+        </a:xfrm>
+      </p:grpSpPr>
+      <p:sp>
+        <p:nvSpPr>
+          <p:cNvPr id="4" name="正方形/長方形 3">
+            <a:extLst>
+              <a:ext uri="{FF2B5EF4-FFF2-40B4-BE49-F238E27FC236}">
+                <a16:creationId xmlns:a16="http://schemas.microsoft.com/office/drawing/2014/main" id="{D1E12261-89B1-F2A3-34A0-BBE7B31A48CA}"/>
+              </a:ext>
+            </a:extLst>
+          </p:cNvPr>
+          <p:cNvSpPr/>
+          <p:nvPr/>
+        </p:nvSpPr>
+        <p:spPr>
+          <a:xfrm>
+            <a:off x="6810375" y="1376173"/>
+            <a:ext cx="2476500" cy="1024128"/>
+          </a:xfrm>
+          <a:prstGeom prst="rect">
+            <a:avLst/>
+          </a:prstGeom>
+        </p:spPr>
+        <p:style>
+          <a:lnRef idx="2">
+            <a:schemeClr val="accent3">
+              <a:shade val="15000"/>
+            </a:schemeClr>
+          </a:lnRef>
+          <a:fillRef idx="1">
+            <a:schemeClr val="accent3"/>
+          </a:fillRef>
+          <a:effectRef idx="0">
+            <a:schemeClr val="accent3"/>
+          </a:effectRef>
+          <a:fontRef idx="minor">
+            <a:schemeClr val="lt1"/>
+          </a:fontRef>
+        </p:style>
         <p:txBody>
           <a:bodyPr rtlCol="0" anchor="ctr"/>
           <a:lstStyle/>
@@ -5119,7 +5552,7 @@
       </p:sp>
       <p:sp>
         <p:nvSpPr>
-          <p:cNvPr id="7" name="正方形/長方形 6">
+          <p:cNvPr id="5" name="正方形/長方形 4">
             <a:extLst>
               <a:ext uri="{FF2B5EF4-FFF2-40B4-BE49-F238E27FC236}">
                 <a16:creationId xmlns:a16="http://schemas.microsoft.com/office/drawing/2014/main" id="{CBC8A939-E168-8640-4151-6E3418F38040}"/>
@@ -5131,7 +5564,7 @@
         </p:nvSpPr>
         <p:spPr>
           <a:xfrm>
-            <a:off x="2914650" y="3429000"/>
+            <a:off x="2914650" y="1145287"/>
             <a:ext cx="2371725" cy="1485900"/>
           </a:xfrm>
           <a:prstGeom prst="rect">
@@ -5160,44 +5593,204 @@
           <a:p>
             <a:pPr algn="ctr"/>
             <a:r>
+              <a:rPr kumimoji="1" lang="ja-JP" altLang="en-US" dirty="0"/>
+              <a:t>説明変数</a:t>
+            </a:r>
+            <a:r>
+              <a:rPr kumimoji="1" lang="en-US" altLang="ja-JP" dirty="0"/>
+              <a:t>2</a:t>
+            </a:r>
+            <a:r>
+              <a:rPr kumimoji="1" lang="ja-JP" altLang="en-US" dirty="0"/>
+              <a:t>：</a:t>
+            </a:r>
+            <a:br>
+              <a:rPr kumimoji="1" lang="en-US" altLang="ja-JP" dirty="0"/>
+            </a:br>
+            <a:r>
+              <a:rPr kumimoji="1" lang="ja-JP" altLang="en-US" dirty="0"/>
+              <a:t>肥料</a:t>
+            </a:r>
+            <a:endParaRPr kumimoji="1" lang="en-US" altLang="ja-JP" dirty="0"/>
+          </a:p>
+          <a:p>
+            <a:pPr algn="ctr"/>
+            <a:endParaRPr kumimoji="1" lang="en-US" altLang="ja-JP" sz="900" dirty="0"/>
+          </a:p>
+          <a:p>
+            <a:pPr algn="ctr"/>
+            <a:r>
+              <a:rPr kumimoji="1" lang="ja-JP" altLang="en-US" dirty="0"/>
+              <a:t>水準：</a:t>
+            </a:r>
+            <a:r>
+              <a:rPr kumimoji="1" lang="en-US" altLang="ja-JP" dirty="0"/>
+              <a:t>X,</a:t>
+            </a:r>
+            <a:r>
+              <a:rPr kumimoji="1" lang="ja-JP" altLang="en-US" dirty="0"/>
+              <a:t> </a:t>
+            </a:r>
+            <a:r>
+              <a:rPr kumimoji="1" lang="en-US" altLang="ja-JP" dirty="0"/>
+              <a:t>Y</a:t>
+            </a:r>
+            <a:endParaRPr lang="en-US" altLang="ja-JP" dirty="0"/>
+          </a:p>
+        </p:txBody>
+      </p:sp>
+      <p:sp>
+        <p:nvSpPr>
+          <p:cNvPr id="6" name="正方形/長方形 5">
+            <a:extLst>
+              <a:ext uri="{FF2B5EF4-FFF2-40B4-BE49-F238E27FC236}">
+                <a16:creationId xmlns:a16="http://schemas.microsoft.com/office/drawing/2014/main" id="{D1E12261-89B1-F2A3-34A0-BBE7B31A48CA}"/>
+              </a:ext>
+            </a:extLst>
+          </p:cNvPr>
+          <p:cNvSpPr/>
+          <p:nvPr/>
+        </p:nvSpPr>
+        <p:spPr>
+          <a:xfrm>
+            <a:off x="6810375" y="3659886"/>
+            <a:ext cx="2476500" cy="1024128"/>
+          </a:xfrm>
+          <a:prstGeom prst="rect">
+            <a:avLst/>
+          </a:prstGeom>
+        </p:spPr>
+        <p:style>
+          <a:lnRef idx="2">
+            <a:schemeClr val="accent3">
+              <a:shade val="15000"/>
+            </a:schemeClr>
+          </a:lnRef>
+          <a:fillRef idx="1">
+            <a:schemeClr val="accent3"/>
+          </a:fillRef>
+          <a:effectRef idx="0">
+            <a:schemeClr val="accent3"/>
+          </a:effectRef>
+          <a:fontRef idx="minor">
+            <a:schemeClr val="lt1"/>
+          </a:fontRef>
+        </p:style>
+        <p:txBody>
+          <a:bodyPr rtlCol="0" anchor="ctr"/>
+          <a:lstStyle/>
+          <a:p>
+            <a:pPr algn="ctr"/>
+            <a:r>
+              <a:rPr kumimoji="1" lang="ja-JP" altLang="en-US" dirty="0"/>
+              <a:t>目的変数：</a:t>
+            </a:r>
+            <a:endParaRPr kumimoji="1" lang="en-US" altLang="ja-JP" dirty="0"/>
+          </a:p>
+          <a:p>
+            <a:pPr algn="ctr"/>
+            <a:r>
+              <a:rPr kumimoji="1" lang="ja-JP" altLang="en-US" dirty="0"/>
+              <a:t>収穫量</a:t>
+            </a:r>
+            <a:endParaRPr kumimoji="1" lang="en-US" altLang="ja-JP" dirty="0"/>
+          </a:p>
+          <a:p>
+            <a:pPr algn="ctr"/>
+            <a:r>
               <a:rPr lang="ja-JP" altLang="en-US" dirty="0"/>
+              <a:t>（連続変数）</a:t>
+            </a:r>
+            <a:endParaRPr kumimoji="1" lang="ja-JP" altLang="en-US" dirty="0"/>
+          </a:p>
+        </p:txBody>
+      </p:sp>
+      <p:sp>
+        <p:nvSpPr>
+          <p:cNvPr id="7" name="正方形/長方形 6">
+            <a:extLst>
+              <a:ext uri="{FF2B5EF4-FFF2-40B4-BE49-F238E27FC236}">
+                <a16:creationId xmlns:a16="http://schemas.microsoft.com/office/drawing/2014/main" id="{CBC8A939-E168-8640-4151-6E3418F38040}"/>
+              </a:ext>
+            </a:extLst>
+          </p:cNvPr>
+          <p:cNvSpPr/>
+          <p:nvPr/>
+        </p:nvSpPr>
+        <p:spPr>
+          <a:xfrm>
+            <a:off x="2914650" y="3429000"/>
+            <a:ext cx="2371725" cy="1485900"/>
+          </a:xfrm>
+          <a:prstGeom prst="rect">
+            <a:avLst/>
+          </a:prstGeom>
+        </p:spPr>
+        <p:style>
+          <a:lnRef idx="2">
+            <a:schemeClr val="accent3">
+              <a:shade val="50000"/>
+            </a:schemeClr>
+          </a:lnRef>
+          <a:fillRef idx="1">
+            <a:schemeClr val="accent3"/>
+          </a:fillRef>
+          <a:effectRef idx="0">
+            <a:schemeClr val="accent3"/>
+          </a:effectRef>
+          <a:fontRef idx="minor">
+            <a:schemeClr val="lt1"/>
+          </a:fontRef>
+        </p:style>
+        <p:txBody>
+          <a:bodyPr rtlCol="0" anchor="ctr"/>
+          <a:lstStyle/>
+          <a:p>
+            <a:pPr algn="ctr"/>
+            <a:r>
+              <a:rPr kumimoji="1" lang="ja-JP" altLang="en-US" dirty="0"/>
               <a:t>説明変数</a:t>
             </a:r>
             <a:r>
-              <a:rPr lang="en-US" altLang="ja-JP" dirty="0"/>
-              <a:t>1</a:t>
-            </a:r>
-            <a:r>
-              <a:rPr lang="ja-JP" altLang="en-US" dirty="0"/>
+              <a:rPr kumimoji="1" lang="en-US" altLang="ja-JP" dirty="0"/>
+              <a:t>2</a:t>
+            </a:r>
+            <a:r>
+              <a:rPr kumimoji="1" lang="ja-JP" altLang="en-US" dirty="0"/>
               <a:t>：</a:t>
             </a:r>
-            <a:r>
-              <a:rPr lang="en-US" altLang="ja-JP" dirty="0"/>
-              <a:t/>
-            </a:r>
             <a:br>
-              <a:rPr lang="en-US" altLang="ja-JP" dirty="0"/>
+              <a:rPr kumimoji="1" lang="en-US" altLang="ja-JP" dirty="0"/>
             </a:br>
             <a:r>
-              <a:rPr lang="ja-JP" altLang="en-US" dirty="0"/>
-              <a:t>小麦品種</a:t>
+              <a:rPr kumimoji="1" lang="ja-JP" altLang="en-US" dirty="0"/>
+              <a:t>肥料</a:t>
+            </a:r>
+            <a:endParaRPr kumimoji="1" lang="en-US" altLang="ja-JP" dirty="0"/>
+          </a:p>
+          <a:p>
+            <a:pPr algn="ctr"/>
+            <a:endParaRPr kumimoji="1" lang="en-US" altLang="ja-JP" sz="900" dirty="0"/>
+          </a:p>
+          <a:p>
+            <a:pPr algn="ctr"/>
+            <a:r>
+              <a:rPr kumimoji="1" lang="ja-JP" altLang="en-US" dirty="0"/>
+              <a:t>水準：</a:t>
+            </a:r>
+            <a:r>
+              <a:rPr kumimoji="1" lang="en-US" altLang="ja-JP" dirty="0"/>
+              <a:t>X,</a:t>
+            </a:r>
+            <a:r>
+              <a:rPr kumimoji="1" lang="ja-JP" altLang="en-US" dirty="0"/>
+              <a:t> </a:t>
+            </a:r>
+            <a:r>
+              <a:rPr kumimoji="1" lang="en-US" altLang="ja-JP" dirty="0"/>
+              <a:t>Y</a:t>
             </a:r>
             <a:endParaRPr lang="en-US" altLang="ja-JP" dirty="0"/>
-          </a:p>
-          <a:p>
-            <a:pPr algn="ctr"/>
-            <a:endParaRPr lang="en-US" altLang="ja-JP" sz="500" dirty="0"/>
-          </a:p>
-          <a:p>
-            <a:pPr algn="ctr"/>
-            <a:r>
-              <a:rPr lang="ja-JP" altLang="en-US" dirty="0"/>
-              <a:t>水準：</a:t>
-            </a:r>
-            <a:r>
-              <a:rPr lang="en-US" altLang="ja-JP" dirty="0"/>
-              <a:t>A,B</a:t>
-            </a:r>
           </a:p>
         </p:txBody>
       </p:sp>
@@ -5225,11 +5818,11 @@
           <a:p>
             <a:r>
               <a:rPr kumimoji="1" lang="ja-JP" altLang="en-US" dirty="0"/>
-              <a:t>肥料：</a:t>
+              <a:t>品種：</a:t>
             </a:r>
             <a:r>
               <a:rPr kumimoji="1" lang="en-US" altLang="ja-JP" dirty="0"/>
-              <a:t>Y</a:t>
+              <a:t>B</a:t>
             </a:r>
             <a:endParaRPr kumimoji="1" lang="ja-JP" altLang="en-US" dirty="0"/>
           </a:p>
@@ -5259,11 +5852,11 @@
           <a:p>
             <a:r>
               <a:rPr kumimoji="1" lang="ja-JP" altLang="en-US" dirty="0"/>
-              <a:t>肥料：</a:t>
+              <a:t>品種：</a:t>
             </a:r>
             <a:r>
               <a:rPr kumimoji="1" lang="en-US" altLang="ja-JP" dirty="0"/>
-              <a:t>X</a:t>
+              <a:t>A</a:t>
             </a:r>
             <a:endParaRPr kumimoji="1" lang="ja-JP" altLang="en-US" dirty="0"/>
           </a:p>
@@ -5362,7 +5955,7 @@
     </p:spTree>
     <p:extLst>
       <p:ext uri="{BB962C8B-B14F-4D97-AF65-F5344CB8AC3E}">
-        <p14:creationId xmlns:p14="http://schemas.microsoft.com/office/powerpoint/2010/main" val="1855490424"/>
+        <p14:creationId xmlns:p14="http://schemas.microsoft.com/office/powerpoint/2010/main" val="769999472"/>
       </p:ext>
     </p:extLst>
   </p:cSld>
@@ -5372,7 +5965,7 @@
 </p:sld>
 </file>
 
-<file path=ppt/slides/slide11.xml><?xml version="1.0" encoding="utf-8"?>
+<file path=ppt/slides/slide12.xml><?xml version="1.0" encoding="utf-8"?>
 <p:sld xmlns:a="http://schemas.openxmlformats.org/drawingml/2006/main" xmlns:r="http://schemas.openxmlformats.org/officeDocument/2006/relationships" xmlns:p="http://schemas.openxmlformats.org/presentationml/2006/main">
   <p:cSld>
     <p:spTree>
@@ -5391,45 +5984,6 @@
       </p:grpSpPr>
       <p:sp>
         <p:nvSpPr>
-          <p:cNvPr id="19" name="楕円 18"/>
-          <p:cNvSpPr/>
-          <p:nvPr/>
-        </p:nvSpPr>
-        <p:spPr>
-          <a:xfrm flipH="1" flipV="1">
-            <a:off x="5475544" y="3303844"/>
-            <a:ext cx="272794" cy="272794"/>
-          </a:xfrm>
-          <a:prstGeom prst="ellipse">
-            <a:avLst/>
-          </a:prstGeom>
-          <a:ln/>
-        </p:spPr>
-        <p:style>
-          <a:lnRef idx="2">
-            <a:schemeClr val="dk1"/>
-          </a:lnRef>
-          <a:fillRef idx="1">
-            <a:schemeClr val="lt1"/>
-          </a:fillRef>
-          <a:effectRef idx="0">
-            <a:schemeClr val="dk1"/>
-          </a:effectRef>
-          <a:fontRef idx="minor">
-            <a:schemeClr val="dk1"/>
-          </a:fontRef>
-        </p:style>
-        <p:txBody>
-          <a:bodyPr rtlCol="0" anchor="ctr"/>
-          <a:lstStyle/>
-          <a:p>
-            <a:pPr algn="ctr"/>
-            <a:endParaRPr kumimoji="1" lang="ja-JP" altLang="en-US"/>
-          </a:p>
-        </p:txBody>
-      </p:sp>
-      <p:sp>
-        <p:nvSpPr>
           <p:cNvPr id="4" name="正方形/長方形 3">
             <a:extLst>
               <a:ext uri="{FF2B5EF4-FFF2-40B4-BE49-F238E27FC236}">
@@ -5442,8 +5996,8 @@
         </p:nvSpPr>
         <p:spPr>
           <a:xfrm>
-            <a:off x="6934200" y="2990850"/>
-            <a:ext cx="2476500" cy="876300"/>
+            <a:off x="6810375" y="1376173"/>
+            <a:ext cx="2476500" cy="1024128"/>
           </a:xfrm>
           <a:prstGeom prst="rect">
             <a:avLst/>
@@ -5480,8 +6034,17 @@
             <a:pPr algn="ctr"/>
             <a:r>
               <a:rPr kumimoji="1" lang="ja-JP" altLang="en-US" dirty="0"/>
-              <a:t>厚揚げ購入頻度</a:t>
-            </a:r>
+              <a:t>収穫量</a:t>
+            </a:r>
+            <a:endParaRPr kumimoji="1" lang="en-US" altLang="ja-JP" dirty="0"/>
+          </a:p>
+          <a:p>
+            <a:pPr algn="ctr"/>
+            <a:r>
+              <a:rPr lang="ja-JP" altLang="en-US" dirty="0"/>
+              <a:t>（連続変数）</a:t>
+            </a:r>
+            <a:endParaRPr kumimoji="1" lang="ja-JP" altLang="en-US" dirty="0"/>
           </a:p>
         </p:txBody>
       </p:sp>
@@ -5490,7 +6053,7 @@
           <p:cNvPr id="5" name="正方形/長方形 4">
             <a:extLst>
               <a:ext uri="{FF2B5EF4-FFF2-40B4-BE49-F238E27FC236}">
-                <a16:creationId xmlns:a16="http://schemas.microsoft.com/office/drawing/2014/main" id="{AC2650BC-2D2B-5AF3-86DA-8F1504AF3245}"/>
+                <a16:creationId xmlns:a16="http://schemas.microsoft.com/office/drawing/2014/main" id="{CBC8A939-E168-8640-4151-6E3418F38040}"/>
               </a:ext>
             </a:extLst>
           </p:cNvPr>
@@ -5499,8 +6062,88 @@
         </p:nvSpPr>
         <p:spPr>
           <a:xfrm>
-            <a:off x="2514600" y="1695449"/>
+            <a:off x="2914650" y="1145287"/>
             <a:ext cx="2371725" cy="1485900"/>
+          </a:xfrm>
+          <a:prstGeom prst="rect">
+            <a:avLst/>
+          </a:prstGeom>
+        </p:spPr>
+        <p:style>
+          <a:lnRef idx="2">
+            <a:schemeClr val="accent3">
+              <a:shade val="50000"/>
+            </a:schemeClr>
+          </a:lnRef>
+          <a:fillRef idx="1">
+            <a:schemeClr val="accent3"/>
+          </a:fillRef>
+          <a:effectRef idx="0">
+            <a:schemeClr val="accent3"/>
+          </a:effectRef>
+          <a:fontRef idx="minor">
+            <a:schemeClr val="lt1"/>
+          </a:fontRef>
+        </p:style>
+        <p:txBody>
+          <a:bodyPr rtlCol="0" anchor="ctr"/>
+          <a:lstStyle/>
+          <a:p>
+            <a:pPr algn="ctr"/>
+            <a:r>
+              <a:rPr lang="ja-JP" altLang="en-US" dirty="0"/>
+              <a:t>説明変数</a:t>
+            </a:r>
+            <a:r>
+              <a:rPr lang="en-US" altLang="ja-JP" dirty="0"/>
+              <a:t>1</a:t>
+            </a:r>
+            <a:r>
+              <a:rPr lang="ja-JP" altLang="en-US" dirty="0"/>
+              <a:t>：</a:t>
+            </a:r>
+            <a:br>
+              <a:rPr lang="en-US" altLang="ja-JP" dirty="0"/>
+            </a:br>
+            <a:r>
+              <a:rPr lang="ja-JP" altLang="en-US" dirty="0"/>
+              <a:t>小麦品種</a:t>
+            </a:r>
+            <a:endParaRPr lang="en-US" altLang="ja-JP" dirty="0"/>
+          </a:p>
+          <a:p>
+            <a:pPr algn="ctr"/>
+            <a:endParaRPr lang="en-US" altLang="ja-JP" sz="500" dirty="0"/>
+          </a:p>
+          <a:p>
+            <a:pPr algn="ctr"/>
+            <a:r>
+              <a:rPr lang="ja-JP" altLang="en-US" dirty="0"/>
+              <a:t>水準：</a:t>
+            </a:r>
+            <a:r>
+              <a:rPr lang="en-US" altLang="ja-JP" dirty="0"/>
+              <a:t>A,B</a:t>
+            </a:r>
+          </a:p>
+        </p:txBody>
+      </p:sp>
+      <p:sp>
+        <p:nvSpPr>
+          <p:cNvPr id="6" name="正方形/長方形 5">
+            <a:extLst>
+              <a:ext uri="{FF2B5EF4-FFF2-40B4-BE49-F238E27FC236}">
+                <a16:creationId xmlns:a16="http://schemas.microsoft.com/office/drawing/2014/main" id="{D1E12261-89B1-F2A3-34A0-BBE7B31A48CA}"/>
+              </a:ext>
+            </a:extLst>
+          </p:cNvPr>
+          <p:cNvSpPr/>
+          <p:nvPr/>
+        </p:nvSpPr>
+        <p:spPr>
+          <a:xfrm>
+            <a:off x="6810375" y="3659886"/>
+            <a:ext cx="2476500" cy="1024128"/>
           </a:xfrm>
           <a:prstGeom prst="rect">
             <a:avLst/>
@@ -5529,93 +6172,28 @@
             <a:pPr algn="ctr"/>
             <a:r>
               <a:rPr kumimoji="1" lang="ja-JP" altLang="en-US" dirty="0"/>
-              <a:t>説明変数</a:t>
-            </a:r>
-            <a:r>
-              <a:rPr kumimoji="1" lang="en-US" altLang="ja-JP" dirty="0"/>
-              <a:t>1</a:t>
-            </a:r>
+              <a:t>目的変数：</a:t>
+            </a:r>
+            <a:endParaRPr kumimoji="1" lang="en-US" altLang="ja-JP" dirty="0"/>
+          </a:p>
+          <a:p>
+            <a:pPr algn="ctr"/>
             <a:r>
               <a:rPr kumimoji="1" lang="ja-JP" altLang="en-US" dirty="0"/>
-              <a:t>：</a:t>
-            </a:r>
-            <a:r>
-              <a:rPr kumimoji="1" lang="en-US" altLang="ja-JP" dirty="0"/>
-              <a:t/>
-            </a:r>
-            <a:br>
-              <a:rPr kumimoji="1" lang="en-US" altLang="ja-JP" dirty="0"/>
-            </a:br>
-            <a:r>
-              <a:rPr kumimoji="1" lang="ja-JP" altLang="en-US" dirty="0"/>
-              <a:t>パンの種類</a:t>
+              <a:t>収穫量</a:t>
             </a:r>
             <a:endParaRPr kumimoji="1" lang="en-US" altLang="ja-JP" dirty="0"/>
           </a:p>
           <a:p>
             <a:pPr algn="ctr"/>
-            <a:endParaRPr kumimoji="1" lang="en-US" altLang="ja-JP" dirty="0"/>
-          </a:p>
-          <a:p>
-            <a:pPr algn="ctr"/>
-            <a:r>
-              <a:rPr kumimoji="1" lang="ja-JP" altLang="en-US" dirty="0"/>
-              <a:t>水準：</a:t>
-            </a:r>
-            <a:r>
-              <a:rPr kumimoji="1" lang="en-US" altLang="ja-JP" dirty="0"/>
-              <a:t>A</a:t>
-            </a:r>
-            <a:r>
-              <a:rPr lang="en-US" altLang="ja-JP" dirty="0"/>
-              <a:t>,B,C</a:t>
-            </a:r>
-          </a:p>
-        </p:txBody>
-      </p:sp>
-      <p:cxnSp>
-        <p:nvCxnSpPr>
-          <p:cNvPr id="6" name="直線矢印コネクタ 5">
-            <a:extLst>
-              <a:ext uri="{FF2B5EF4-FFF2-40B4-BE49-F238E27FC236}">
-                <a16:creationId xmlns:a16="http://schemas.microsoft.com/office/drawing/2014/main" id="{78716ED2-DF3B-D92E-7BD8-3AA09D91A477}"/>
-              </a:ext>
-            </a:extLst>
-          </p:cNvPr>
-          <p:cNvCxnSpPr>
-            <a:cxnSpLocks/>
-            <a:stCxn id="5" idx="3"/>
-            <a:endCxn id="4" idx="1"/>
-          </p:cNvCxnSpPr>
-          <p:nvPr/>
-        </p:nvCxnSpPr>
-        <p:spPr>
-          <a:xfrm>
-            <a:off x="4886325" y="2438399"/>
-            <a:ext cx="2047875" cy="990601"/>
-          </a:xfrm>
-          <a:prstGeom prst="straightConnector1">
-            <a:avLst/>
-          </a:prstGeom>
-          <a:ln>
-            <a:tailEnd type="triangle"/>
-          </a:ln>
-        </p:spPr>
-        <p:style>
-          <a:lnRef idx="2">
-            <a:schemeClr val="dk1"/>
-          </a:lnRef>
-          <a:fillRef idx="1">
-            <a:schemeClr val="lt1"/>
-          </a:fillRef>
-          <a:effectRef idx="0">
-            <a:schemeClr val="dk1"/>
-          </a:effectRef>
-          <a:fontRef idx="minor">
-            <a:schemeClr val="dk1"/>
-          </a:fontRef>
-        </p:style>
-      </p:cxnSp>
+            <a:r>
+              <a:rPr lang="ja-JP" altLang="en-US" dirty="0"/>
+              <a:t>（連続変数）</a:t>
+            </a:r>
+            <a:endParaRPr kumimoji="1" lang="ja-JP" altLang="en-US" dirty="0"/>
+          </a:p>
+        </p:txBody>
+      </p:sp>
       <p:sp>
         <p:nvSpPr>
           <p:cNvPr id="7" name="正方形/長方形 6">
@@ -5630,7 +6208,7 @@
         </p:nvSpPr>
         <p:spPr>
           <a:xfrm>
-            <a:off x="2514600" y="3724276"/>
+            <a:off x="2914650" y="3429000"/>
             <a:ext cx="2371725" cy="1485900"/>
           </a:xfrm>
           <a:prstGeom prst="rect">
@@ -5659,20 +6237,507 @@
           <a:p>
             <a:pPr algn="ctr"/>
             <a:r>
+              <a:rPr lang="ja-JP" altLang="en-US" dirty="0"/>
+              <a:t>説明変数</a:t>
+            </a:r>
+            <a:r>
+              <a:rPr lang="en-US" altLang="ja-JP" dirty="0"/>
+              <a:t>1</a:t>
+            </a:r>
+            <a:r>
+              <a:rPr lang="ja-JP" altLang="en-US" dirty="0"/>
+              <a:t>：</a:t>
+            </a:r>
+            <a:br>
+              <a:rPr lang="en-US" altLang="ja-JP" dirty="0"/>
+            </a:br>
+            <a:r>
+              <a:rPr lang="ja-JP" altLang="en-US" dirty="0"/>
+              <a:t>小麦品種</a:t>
+            </a:r>
+            <a:endParaRPr lang="en-US" altLang="ja-JP" dirty="0"/>
+          </a:p>
+          <a:p>
+            <a:pPr algn="ctr"/>
+            <a:endParaRPr lang="en-US" altLang="ja-JP" sz="500" dirty="0"/>
+          </a:p>
+          <a:p>
+            <a:pPr algn="ctr"/>
+            <a:r>
+              <a:rPr lang="ja-JP" altLang="en-US" dirty="0"/>
+              <a:t>水準：</a:t>
+            </a:r>
+            <a:r>
+              <a:rPr lang="en-US" altLang="ja-JP" dirty="0"/>
+              <a:t>A,B</a:t>
+            </a:r>
+          </a:p>
+        </p:txBody>
+      </p:sp>
+      <p:sp>
+        <p:nvSpPr>
+          <p:cNvPr id="8" name="テキスト ボックス 7"/>
+          <p:cNvSpPr txBox="1"/>
+          <p:nvPr/>
+        </p:nvSpPr>
+        <p:spPr>
+          <a:xfrm>
+            <a:off x="2362200" y="3048000"/>
+            <a:ext cx="2457450" cy="381000"/>
+          </a:xfrm>
+          <a:prstGeom prst="rect">
+            <a:avLst/>
+          </a:prstGeom>
+          <a:noFill/>
+        </p:spPr>
+        <p:txBody>
+          <a:bodyPr wrap="square" rtlCol="0">
+            <a:spAutoFit/>
+          </a:bodyPr>
+          <a:lstStyle/>
+          <a:p>
+            <a:r>
+              <a:rPr kumimoji="1" lang="ja-JP" altLang="en-US" dirty="0"/>
+              <a:t>肥料：</a:t>
+            </a:r>
+            <a:r>
+              <a:rPr kumimoji="1" lang="en-US" altLang="ja-JP" dirty="0"/>
+              <a:t>Y</a:t>
+            </a:r>
+            <a:endParaRPr kumimoji="1" lang="ja-JP" altLang="en-US" dirty="0"/>
+          </a:p>
+        </p:txBody>
+      </p:sp>
+      <p:sp>
+        <p:nvSpPr>
+          <p:cNvPr id="9" name="テキスト ボックス 8"/>
+          <p:cNvSpPr txBox="1"/>
+          <p:nvPr/>
+        </p:nvSpPr>
+        <p:spPr>
+          <a:xfrm>
+            <a:off x="2362200" y="764287"/>
+            <a:ext cx="2457450" cy="381000"/>
+          </a:xfrm>
+          <a:prstGeom prst="rect">
+            <a:avLst/>
+          </a:prstGeom>
+          <a:noFill/>
+        </p:spPr>
+        <p:txBody>
+          <a:bodyPr wrap="square" rtlCol="0">
+            <a:spAutoFit/>
+          </a:bodyPr>
+          <a:lstStyle/>
+          <a:p>
+            <a:r>
+              <a:rPr kumimoji="1" lang="ja-JP" altLang="en-US" dirty="0"/>
+              <a:t>肥料：</a:t>
+            </a:r>
+            <a:r>
+              <a:rPr kumimoji="1" lang="en-US" altLang="ja-JP" dirty="0"/>
+              <a:t>X</a:t>
+            </a:r>
+            <a:endParaRPr kumimoji="1" lang="ja-JP" altLang="en-US" dirty="0"/>
+          </a:p>
+        </p:txBody>
+      </p:sp>
+      <p:cxnSp>
+        <p:nvCxnSpPr>
+          <p:cNvPr id="10" name="直線矢印コネクタ 9">
+            <a:extLst>
+              <a:ext uri="{FF2B5EF4-FFF2-40B4-BE49-F238E27FC236}">
+                <a16:creationId xmlns:a16="http://schemas.microsoft.com/office/drawing/2014/main" id="{78716ED2-DF3B-D92E-7BD8-3AA09D91A477}"/>
+              </a:ext>
+            </a:extLst>
+          </p:cNvPr>
+          <p:cNvCxnSpPr>
+            <a:cxnSpLocks/>
+            <a:stCxn id="5" idx="3"/>
+            <a:endCxn id="4" idx="1"/>
+          </p:cNvCxnSpPr>
+          <p:nvPr/>
+        </p:nvCxnSpPr>
+        <p:spPr>
+          <a:xfrm>
+            <a:off x="5286375" y="1888237"/>
+            <a:ext cx="1524000" cy="0"/>
+          </a:xfrm>
+          <a:prstGeom prst="straightConnector1">
+            <a:avLst/>
+          </a:prstGeom>
+          <a:ln>
+            <a:tailEnd type="triangle"/>
+          </a:ln>
+        </p:spPr>
+        <p:style>
+          <a:lnRef idx="2">
+            <a:schemeClr val="accent3">
+              <a:shade val="15000"/>
+            </a:schemeClr>
+          </a:lnRef>
+          <a:fillRef idx="1">
+            <a:schemeClr val="accent3"/>
+          </a:fillRef>
+          <a:effectRef idx="0">
+            <a:schemeClr val="accent3"/>
+          </a:effectRef>
+          <a:fontRef idx="minor">
+            <a:schemeClr val="lt1"/>
+          </a:fontRef>
+        </p:style>
+      </p:cxnSp>
+      <p:cxnSp>
+        <p:nvCxnSpPr>
+          <p:cNvPr id="13" name="直線矢印コネクタ 12">
+            <a:extLst>
+              <a:ext uri="{FF2B5EF4-FFF2-40B4-BE49-F238E27FC236}">
+                <a16:creationId xmlns:a16="http://schemas.microsoft.com/office/drawing/2014/main" id="{78716ED2-DF3B-D92E-7BD8-3AA09D91A477}"/>
+              </a:ext>
+            </a:extLst>
+          </p:cNvPr>
+          <p:cNvCxnSpPr>
+            <a:cxnSpLocks/>
+            <a:stCxn id="7" idx="3"/>
+            <a:endCxn id="6" idx="1"/>
+          </p:cNvCxnSpPr>
+          <p:nvPr/>
+        </p:nvCxnSpPr>
+        <p:spPr>
+          <a:xfrm>
+            <a:off x="5286375" y="4171950"/>
+            <a:ext cx="1524000" cy="0"/>
+          </a:xfrm>
+          <a:prstGeom prst="straightConnector1">
+            <a:avLst/>
+          </a:prstGeom>
+          <a:ln>
+            <a:tailEnd type="triangle"/>
+          </a:ln>
+        </p:spPr>
+        <p:style>
+          <a:lnRef idx="2">
+            <a:schemeClr val="accent3">
+              <a:shade val="15000"/>
+            </a:schemeClr>
+          </a:lnRef>
+          <a:fillRef idx="1">
+            <a:schemeClr val="accent3"/>
+          </a:fillRef>
+          <a:effectRef idx="0">
+            <a:schemeClr val="accent3"/>
+          </a:effectRef>
+          <a:fontRef idx="minor">
+            <a:schemeClr val="lt1"/>
+          </a:fontRef>
+        </p:style>
+      </p:cxnSp>
+    </p:spTree>
+    <p:extLst>
+      <p:ext uri="{BB962C8B-B14F-4D97-AF65-F5344CB8AC3E}">
+        <p14:creationId xmlns:p14="http://schemas.microsoft.com/office/powerpoint/2010/main" val="1855490424"/>
+      </p:ext>
+    </p:extLst>
+  </p:cSld>
+  <p:clrMapOvr>
+    <a:masterClrMapping/>
+  </p:clrMapOvr>
+</p:sld>
+</file>
+
+<file path=ppt/slides/slide13.xml><?xml version="1.0" encoding="utf-8"?>
+<p:sld xmlns:a="http://schemas.openxmlformats.org/drawingml/2006/main" xmlns:r="http://schemas.openxmlformats.org/officeDocument/2006/relationships" xmlns:p="http://schemas.openxmlformats.org/presentationml/2006/main">
+  <p:cSld>
+    <p:spTree>
+      <p:nvGrpSpPr>
+        <p:cNvPr id="1" name=""/>
+        <p:cNvGrpSpPr/>
+        <p:nvPr/>
+      </p:nvGrpSpPr>
+      <p:grpSpPr>
+        <a:xfrm>
+          <a:off x="0" y="0"/>
+          <a:ext cx="0" cy="0"/>
+          <a:chOff x="0" y="0"/>
+          <a:chExt cx="0" cy="0"/>
+        </a:xfrm>
+      </p:grpSpPr>
+      <p:sp>
+        <p:nvSpPr>
+          <p:cNvPr id="19" name="楕円 18"/>
+          <p:cNvSpPr/>
+          <p:nvPr/>
+        </p:nvSpPr>
+        <p:spPr>
+          <a:xfrm flipH="1" flipV="1">
+            <a:off x="5475544" y="3303844"/>
+            <a:ext cx="272794" cy="272794"/>
+          </a:xfrm>
+          <a:prstGeom prst="ellipse">
+            <a:avLst/>
+          </a:prstGeom>
+          <a:ln/>
+        </p:spPr>
+        <p:style>
+          <a:lnRef idx="2">
+            <a:schemeClr val="dk1"/>
+          </a:lnRef>
+          <a:fillRef idx="1">
+            <a:schemeClr val="lt1"/>
+          </a:fillRef>
+          <a:effectRef idx="0">
+            <a:schemeClr val="dk1"/>
+          </a:effectRef>
+          <a:fontRef idx="minor">
+            <a:schemeClr val="dk1"/>
+          </a:fontRef>
+        </p:style>
+        <p:txBody>
+          <a:bodyPr rtlCol="0" anchor="ctr"/>
+          <a:lstStyle/>
+          <a:p>
+            <a:pPr algn="ctr"/>
+            <a:endParaRPr kumimoji="1" lang="ja-JP" altLang="en-US"/>
+          </a:p>
+        </p:txBody>
+      </p:sp>
+      <p:sp>
+        <p:nvSpPr>
+          <p:cNvPr id="4" name="正方形/長方形 3">
+            <a:extLst>
+              <a:ext uri="{FF2B5EF4-FFF2-40B4-BE49-F238E27FC236}">
+                <a16:creationId xmlns:a16="http://schemas.microsoft.com/office/drawing/2014/main" id="{D1E12261-89B1-F2A3-34A0-BBE7B31A48CA}"/>
+              </a:ext>
+            </a:extLst>
+          </p:cNvPr>
+          <p:cNvSpPr/>
+          <p:nvPr/>
+        </p:nvSpPr>
+        <p:spPr>
+          <a:xfrm>
+            <a:off x="6934200" y="2990850"/>
+            <a:ext cx="2476500" cy="876300"/>
+          </a:xfrm>
+          <a:prstGeom prst="rect">
+            <a:avLst/>
+          </a:prstGeom>
+        </p:spPr>
+        <p:style>
+          <a:lnRef idx="2">
+            <a:schemeClr val="accent3">
+              <a:shade val="15000"/>
+            </a:schemeClr>
+          </a:lnRef>
+          <a:fillRef idx="1">
+            <a:schemeClr val="accent3"/>
+          </a:fillRef>
+          <a:effectRef idx="0">
+            <a:schemeClr val="accent3"/>
+          </a:effectRef>
+          <a:fontRef idx="minor">
+            <a:schemeClr val="lt1"/>
+          </a:fontRef>
+        </p:style>
+        <p:txBody>
+          <a:bodyPr rtlCol="0" anchor="ctr"/>
+          <a:lstStyle/>
+          <a:p>
+            <a:pPr algn="ctr"/>
+            <a:r>
+              <a:rPr kumimoji="1" lang="ja-JP" altLang="en-US" dirty="0"/>
+              <a:t>目的変数：</a:t>
+            </a:r>
+            <a:endParaRPr kumimoji="1" lang="en-US" altLang="ja-JP" dirty="0"/>
+          </a:p>
+          <a:p>
+            <a:pPr algn="ctr"/>
+            <a:r>
+              <a:rPr kumimoji="1" lang="ja-JP" altLang="en-US" dirty="0"/>
+              <a:t>厚揚げ購入頻度</a:t>
+            </a:r>
+          </a:p>
+        </p:txBody>
+      </p:sp>
+      <p:sp>
+        <p:nvSpPr>
+          <p:cNvPr id="5" name="正方形/長方形 4">
+            <a:extLst>
+              <a:ext uri="{FF2B5EF4-FFF2-40B4-BE49-F238E27FC236}">
+                <a16:creationId xmlns:a16="http://schemas.microsoft.com/office/drawing/2014/main" id="{AC2650BC-2D2B-5AF3-86DA-8F1504AF3245}"/>
+              </a:ext>
+            </a:extLst>
+          </p:cNvPr>
+          <p:cNvSpPr/>
+          <p:nvPr/>
+        </p:nvSpPr>
+        <p:spPr>
+          <a:xfrm>
+            <a:off x="2514600" y="1695449"/>
+            <a:ext cx="2371725" cy="1485900"/>
+          </a:xfrm>
+          <a:prstGeom prst="rect">
+            <a:avLst/>
+          </a:prstGeom>
+        </p:spPr>
+        <p:style>
+          <a:lnRef idx="2">
+            <a:schemeClr val="accent3">
+              <a:shade val="15000"/>
+            </a:schemeClr>
+          </a:lnRef>
+          <a:fillRef idx="1">
+            <a:schemeClr val="accent3"/>
+          </a:fillRef>
+          <a:effectRef idx="0">
+            <a:schemeClr val="accent3"/>
+          </a:effectRef>
+          <a:fontRef idx="minor">
+            <a:schemeClr val="lt1"/>
+          </a:fontRef>
+        </p:style>
+        <p:txBody>
+          <a:bodyPr rtlCol="0" anchor="ctr"/>
+          <a:lstStyle/>
+          <a:p>
+            <a:pPr algn="ctr"/>
+            <a:r>
               <a:rPr kumimoji="1" lang="ja-JP" altLang="en-US" dirty="0"/>
               <a:t>説明変数</a:t>
             </a:r>
             <a:r>
               <a:rPr kumimoji="1" lang="en-US" altLang="ja-JP" dirty="0"/>
-              <a:t>2</a:t>
+              <a:t>1</a:t>
             </a:r>
             <a:r>
               <a:rPr kumimoji="1" lang="ja-JP" altLang="en-US" dirty="0"/>
               <a:t>：</a:t>
             </a:r>
-            <a:r>
+            <a:br>
               <a:rPr kumimoji="1" lang="en-US" altLang="ja-JP" dirty="0"/>
-              <a:t/>
+            </a:br>
+            <a:r>
+              <a:rPr kumimoji="1" lang="ja-JP" altLang="en-US" dirty="0"/>
+              <a:t>パンの種類</a:t>
+            </a:r>
+            <a:endParaRPr kumimoji="1" lang="en-US" altLang="ja-JP" dirty="0"/>
+          </a:p>
+          <a:p>
+            <a:pPr algn="ctr"/>
+            <a:endParaRPr kumimoji="1" lang="en-US" altLang="ja-JP" dirty="0"/>
+          </a:p>
+          <a:p>
+            <a:pPr algn="ctr"/>
+            <a:r>
+              <a:rPr kumimoji="1" lang="ja-JP" altLang="en-US" dirty="0"/>
+              <a:t>水準：</a:t>
+            </a:r>
+            <a:r>
+              <a:rPr kumimoji="1" lang="en-US" altLang="ja-JP" dirty="0"/>
+              <a:t>A</a:t>
+            </a:r>
+            <a:r>
+              <a:rPr lang="en-US" altLang="ja-JP" dirty="0"/>
+              <a:t>,B,C</a:t>
+            </a:r>
+          </a:p>
+        </p:txBody>
+      </p:sp>
+      <p:cxnSp>
+        <p:nvCxnSpPr>
+          <p:cNvPr id="6" name="直線矢印コネクタ 5">
+            <a:extLst>
+              <a:ext uri="{FF2B5EF4-FFF2-40B4-BE49-F238E27FC236}">
+                <a16:creationId xmlns:a16="http://schemas.microsoft.com/office/drawing/2014/main" id="{78716ED2-DF3B-D92E-7BD8-3AA09D91A477}"/>
+              </a:ext>
+            </a:extLst>
+          </p:cNvPr>
+          <p:cNvCxnSpPr>
+            <a:cxnSpLocks/>
+            <a:stCxn id="5" idx="3"/>
+            <a:endCxn id="4" idx="1"/>
+          </p:cNvCxnSpPr>
+          <p:nvPr/>
+        </p:nvCxnSpPr>
+        <p:spPr>
+          <a:xfrm>
+            <a:off x="4886325" y="2438399"/>
+            <a:ext cx="2047875" cy="990601"/>
+          </a:xfrm>
+          <a:prstGeom prst="straightConnector1">
+            <a:avLst/>
+          </a:prstGeom>
+          <a:ln>
+            <a:tailEnd type="triangle"/>
+          </a:ln>
+        </p:spPr>
+        <p:style>
+          <a:lnRef idx="2">
+            <a:schemeClr val="dk1"/>
+          </a:lnRef>
+          <a:fillRef idx="1">
+            <a:schemeClr val="lt1"/>
+          </a:fillRef>
+          <a:effectRef idx="0">
+            <a:schemeClr val="dk1"/>
+          </a:effectRef>
+          <a:fontRef idx="minor">
+            <a:schemeClr val="dk1"/>
+          </a:fontRef>
+        </p:style>
+      </p:cxnSp>
+      <p:sp>
+        <p:nvSpPr>
+          <p:cNvPr id="7" name="正方形/長方形 6">
+            <a:extLst>
+              <a:ext uri="{FF2B5EF4-FFF2-40B4-BE49-F238E27FC236}">
+                <a16:creationId xmlns:a16="http://schemas.microsoft.com/office/drawing/2014/main" id="{CBC8A939-E168-8640-4151-6E3418F38040}"/>
+              </a:ext>
+            </a:extLst>
+          </p:cNvPr>
+          <p:cNvSpPr/>
+          <p:nvPr/>
+        </p:nvSpPr>
+        <p:spPr>
+          <a:xfrm>
+            <a:off x="2514600" y="3724276"/>
+            <a:ext cx="2371725" cy="1485900"/>
+          </a:xfrm>
+          <a:prstGeom prst="rect">
+            <a:avLst/>
+          </a:prstGeom>
+        </p:spPr>
+        <p:style>
+          <a:lnRef idx="2">
+            <a:schemeClr val="accent3">
+              <a:shade val="50000"/>
+            </a:schemeClr>
+          </a:lnRef>
+          <a:fillRef idx="1">
+            <a:schemeClr val="accent3"/>
+          </a:fillRef>
+          <a:effectRef idx="0">
+            <a:schemeClr val="accent3"/>
+          </a:effectRef>
+          <a:fontRef idx="minor">
+            <a:schemeClr val="lt1"/>
+          </a:fontRef>
+        </p:style>
+        <p:txBody>
+          <a:bodyPr rtlCol="0" anchor="ctr"/>
+          <a:lstStyle/>
+          <a:p>
+            <a:pPr algn="ctr"/>
+            <a:r>
+              <a:rPr kumimoji="1" lang="ja-JP" altLang="en-US" dirty="0"/>
+              <a:t>説明変数</a:t>
+            </a:r>
+            <a:r>
+              <a:rPr kumimoji="1" lang="en-US" altLang="ja-JP" dirty="0"/>
+              <a:t>2</a:t>
+            </a:r>
+            <a:r>
+              <a:rPr kumimoji="1" lang="ja-JP" altLang="en-US" dirty="0"/>
+              <a:t>：</a:t>
             </a:r>
             <a:br>
               <a:rPr kumimoji="1" lang="en-US" altLang="ja-JP" dirty="0"/>
@@ -5802,10 +6867,6 @@
             <a:r>
               <a:rPr kumimoji="1" lang="ja-JP" altLang="en-US" dirty="0"/>
               <a:t>：</a:t>
-            </a:r>
-            <a:r>
-              <a:rPr kumimoji="1" lang="en-US" altLang="ja-JP" dirty="0"/>
-              <a:t/>
             </a:r>
             <a:br>
               <a:rPr kumimoji="1" lang="en-US" altLang="ja-JP" dirty="0"/>
@@ -6063,7 +7124,7 @@
 </p:sld>
 </file>
 
-<file path=ppt/slides/slide12.xml><?xml version="1.0" encoding="utf-8"?>
+<file path=ppt/slides/slide14.xml><?xml version="1.0" encoding="utf-8"?>
 <p:sld xmlns:a="http://schemas.openxmlformats.org/drawingml/2006/main" xmlns:r="http://schemas.openxmlformats.org/officeDocument/2006/relationships" xmlns:p="http://schemas.openxmlformats.org/presentationml/2006/main">
   <p:cSld>
     <p:spTree>
@@ -6143,199 +7204,6 @@
     <p:extLst>
       <p:ext uri="{BB962C8B-B14F-4D97-AF65-F5344CB8AC3E}">
         <p14:creationId xmlns:p14="http://schemas.microsoft.com/office/powerpoint/2010/main" val="3106651656"/>
-      </p:ext>
-    </p:extLst>
-  </p:cSld>
-  <p:clrMapOvr>
-    <a:masterClrMapping/>
-  </p:clrMapOvr>
-</p:sld>
-</file>
-
-<file path=ppt/slides/slide13.xml><?xml version="1.0" encoding="utf-8"?>
-<p:sld xmlns:a="http://schemas.openxmlformats.org/drawingml/2006/main" xmlns:r="http://schemas.openxmlformats.org/officeDocument/2006/relationships" xmlns:p="http://schemas.openxmlformats.org/presentationml/2006/main">
-  <p:cSld>
-    <p:spTree>
-      <p:nvGrpSpPr>
-        <p:cNvPr id="1" name=""/>
-        <p:cNvGrpSpPr/>
-        <p:nvPr/>
-      </p:nvGrpSpPr>
-      <p:grpSpPr>
-        <a:xfrm>
-          <a:off x="0" y="0"/>
-          <a:ext cx="0" cy="0"/>
-          <a:chOff x="0" y="0"/>
-          <a:chExt cx="0" cy="0"/>
-        </a:xfrm>
-      </p:grpSpPr>
-      <p:sp>
-        <p:nvSpPr>
-          <p:cNvPr id="2" name="タイトル 1">
-            <a:extLst>
-              <a:ext uri="{FF2B5EF4-FFF2-40B4-BE49-F238E27FC236}">
-                <a16:creationId xmlns:a16="http://schemas.microsoft.com/office/drawing/2014/main" id="{E90A3F46-1EED-5E3A-163E-0B3B7CB9F129}"/>
-              </a:ext>
-            </a:extLst>
-          </p:cNvPr>
-          <p:cNvSpPr>
-            <a:spLocks noGrp="1"/>
-          </p:cNvSpPr>
-          <p:nvPr>
-            <p:ph type="title"/>
-          </p:nvPr>
-        </p:nvSpPr>
-        <p:spPr/>
-        <p:txBody>
-          <a:bodyPr/>
-          <a:lstStyle/>
-          <a:p>
-            <a:r>
-              <a:rPr kumimoji="1" lang="ja-JP" altLang="en-US" dirty="0"/>
-              <a:t>相関</a:t>
-            </a:r>
-            <a:r>
-              <a:rPr kumimoji="1" lang="en-US" altLang="ja-JP" dirty="0"/>
-              <a:t>0.200</a:t>
-            </a:r>
-            <a:br>
-              <a:rPr kumimoji="1" lang="en-US" altLang="ja-JP" dirty="0"/>
-            </a:br>
-            <a:endParaRPr kumimoji="1" lang="ja-JP" altLang="en-US" dirty="0"/>
-          </a:p>
-        </p:txBody>
-      </p:sp>
-      <p:pic>
-        <p:nvPicPr>
-          <p:cNvPr id="4" name="コンテンツ プレースホルダー 3">
-            <a:extLst>
-              <a:ext uri="{FF2B5EF4-FFF2-40B4-BE49-F238E27FC236}">
-                <a16:creationId xmlns:a16="http://schemas.microsoft.com/office/drawing/2014/main" id="{3904CA60-7C01-0FD0-E53C-5A529A43F63D}"/>
-              </a:ext>
-            </a:extLst>
-          </p:cNvPr>
-          <p:cNvPicPr>
-            <a:picLocks noGrp="1" noChangeAspect="1"/>
-          </p:cNvPicPr>
-          <p:nvPr>
-            <p:ph idx="1"/>
-          </p:nvPr>
-        </p:nvPicPr>
-        <p:blipFill>
-          <a:blip r:embed="rId2"/>
-          <a:stretch>
-            <a:fillRect/>
-          </a:stretch>
-        </p:blipFill>
-        <p:spPr>
-          <a:xfrm>
-            <a:off x="3657642" y="2132835"/>
-            <a:ext cx="4889416" cy="3743268"/>
-          </a:xfrm>
-          <a:prstGeom prst="rect">
-            <a:avLst/>
-          </a:prstGeom>
-        </p:spPr>
-      </p:pic>
-    </p:spTree>
-    <p:extLst>
-      <p:ext uri="{BB962C8B-B14F-4D97-AF65-F5344CB8AC3E}">
-        <p14:creationId xmlns:p14="http://schemas.microsoft.com/office/powerpoint/2010/main" val="1624990458"/>
-      </p:ext>
-    </p:extLst>
-  </p:cSld>
-  <p:clrMapOvr>
-    <a:masterClrMapping/>
-  </p:clrMapOvr>
-</p:sld>
-</file>
-
-<file path=ppt/slides/slide14.xml><?xml version="1.0" encoding="utf-8"?>
-<p:sld xmlns:a="http://schemas.openxmlformats.org/drawingml/2006/main" xmlns:r="http://schemas.openxmlformats.org/officeDocument/2006/relationships" xmlns:p="http://schemas.openxmlformats.org/presentationml/2006/main">
-  <p:cSld>
-    <p:spTree>
-      <p:nvGrpSpPr>
-        <p:cNvPr id="1" name=""/>
-        <p:cNvGrpSpPr/>
-        <p:nvPr/>
-      </p:nvGrpSpPr>
-      <p:grpSpPr>
-        <a:xfrm>
-          <a:off x="0" y="0"/>
-          <a:ext cx="0" cy="0"/>
-          <a:chOff x="0" y="0"/>
-          <a:chExt cx="0" cy="0"/>
-        </a:xfrm>
-      </p:grpSpPr>
-      <p:sp>
-        <p:nvSpPr>
-          <p:cNvPr id="2" name="タイトル 1">
-            <a:extLst>
-              <a:ext uri="{FF2B5EF4-FFF2-40B4-BE49-F238E27FC236}">
-                <a16:creationId xmlns:a16="http://schemas.microsoft.com/office/drawing/2014/main" id="{424D4A5E-223E-8982-C14E-80509BE1BD07}"/>
-              </a:ext>
-            </a:extLst>
-          </p:cNvPr>
-          <p:cNvSpPr>
-            <a:spLocks noGrp="1"/>
-          </p:cNvSpPr>
-          <p:nvPr>
-            <p:ph type="title"/>
-          </p:nvPr>
-        </p:nvSpPr>
-        <p:spPr/>
-        <p:txBody>
-          <a:bodyPr/>
-          <a:lstStyle/>
-          <a:p>
-            <a:r>
-              <a:rPr kumimoji="1" lang="ja-JP" altLang="en-US" dirty="0"/>
-              <a:t>相関</a:t>
-            </a:r>
-            <a:r>
-              <a:rPr kumimoji="1" lang="en-US" altLang="ja-JP" dirty="0"/>
-              <a:t>0.441</a:t>
-            </a:r>
-            <a:endParaRPr kumimoji="1" lang="ja-JP" altLang="en-US" dirty="0"/>
-          </a:p>
-        </p:txBody>
-      </p:sp>
-      <p:pic>
-        <p:nvPicPr>
-          <p:cNvPr id="5" name="コンテンツ プレースホルダー 4">
-            <a:extLst>
-              <a:ext uri="{FF2B5EF4-FFF2-40B4-BE49-F238E27FC236}">
-                <a16:creationId xmlns:a16="http://schemas.microsoft.com/office/drawing/2014/main" id="{F75D3519-7909-7EAE-2E9B-73460C4447BC}"/>
-              </a:ext>
-            </a:extLst>
-          </p:cNvPr>
-          <p:cNvPicPr>
-            <a:picLocks noGrp="1" noChangeAspect="1"/>
-          </p:cNvPicPr>
-          <p:nvPr>
-            <p:ph idx="1"/>
-          </p:nvPr>
-        </p:nvPicPr>
-        <p:blipFill>
-          <a:blip r:embed="rId2"/>
-          <a:stretch>
-            <a:fillRect/>
-          </a:stretch>
-        </p:blipFill>
-        <p:spPr>
-          <a:xfrm>
-            <a:off x="3657642" y="2132835"/>
-            <a:ext cx="4889416" cy="3743268"/>
-          </a:xfrm>
-          <a:prstGeom prst="rect">
-            <a:avLst/>
-          </a:prstGeom>
-        </p:spPr>
-      </p:pic>
-    </p:spTree>
-    <p:extLst>
-      <p:ext uri="{BB962C8B-B14F-4D97-AF65-F5344CB8AC3E}">
-        <p14:creationId xmlns:p14="http://schemas.microsoft.com/office/powerpoint/2010/main" val="678897031"/>
       </p:ext>
     </p:extLst>
   </p:cSld>
@@ -6367,7 +7235,7 @@
           <p:cNvPr id="2" name="タイトル 1">
             <a:extLst>
               <a:ext uri="{FF2B5EF4-FFF2-40B4-BE49-F238E27FC236}">
-                <a16:creationId xmlns:a16="http://schemas.microsoft.com/office/drawing/2014/main" id="{078590EC-3551-7798-D26C-ACB846F74B4F}"/>
+                <a16:creationId xmlns:a16="http://schemas.microsoft.com/office/drawing/2014/main" id="{E90A3F46-1EED-5E3A-163E-0B3B7CB9F129}"/>
               </a:ext>
             </a:extLst>
           </p:cNvPr>
@@ -6389,8 +7257,11 @@
             </a:r>
             <a:r>
               <a:rPr kumimoji="1" lang="en-US" altLang="ja-JP" dirty="0"/>
-              <a:t>0.542</a:t>
-            </a:r>
+              <a:t>0.200</a:t>
+            </a:r>
+            <a:br>
+              <a:rPr kumimoji="1" lang="en-US" altLang="ja-JP" dirty="0"/>
+            </a:br>
             <a:endParaRPr kumimoji="1" lang="ja-JP" altLang="en-US" dirty="0"/>
           </a:p>
         </p:txBody>
@@ -6400,7 +7271,7 @@
           <p:cNvPr id="4" name="コンテンツ プレースホルダー 3">
             <a:extLst>
               <a:ext uri="{FF2B5EF4-FFF2-40B4-BE49-F238E27FC236}">
-                <a16:creationId xmlns:a16="http://schemas.microsoft.com/office/drawing/2014/main" id="{8F9D458B-836E-CC07-37D7-241DBA03244B}"/>
+                <a16:creationId xmlns:a16="http://schemas.microsoft.com/office/drawing/2014/main" id="{3904CA60-7C01-0FD0-E53C-5A529A43F63D}"/>
               </a:ext>
             </a:extLst>
           </p:cNvPr>
@@ -6430,7 +7301,7 @@
     </p:spTree>
     <p:extLst>
       <p:ext uri="{BB962C8B-B14F-4D97-AF65-F5344CB8AC3E}">
-        <p14:creationId xmlns:p14="http://schemas.microsoft.com/office/powerpoint/2010/main" val="3981072813"/>
+        <p14:creationId xmlns:p14="http://schemas.microsoft.com/office/powerpoint/2010/main" val="1624990458"/>
       </p:ext>
     </p:extLst>
   </p:cSld>
@@ -6462,7 +7333,7 @@
           <p:cNvPr id="2" name="タイトル 1">
             <a:extLst>
               <a:ext uri="{FF2B5EF4-FFF2-40B4-BE49-F238E27FC236}">
-                <a16:creationId xmlns:a16="http://schemas.microsoft.com/office/drawing/2014/main" id="{408B8A56-D7B0-32F3-915D-088686A1CFE1}"/>
+                <a16:creationId xmlns:a16="http://schemas.microsoft.com/office/drawing/2014/main" id="{424D4A5E-223E-8982-C14E-80509BE1BD07}"/>
               </a:ext>
             </a:extLst>
           </p:cNvPr>
@@ -6484,11 +7355,8 @@
             </a:r>
             <a:r>
               <a:rPr kumimoji="1" lang="en-US" altLang="ja-JP" dirty="0"/>
-              <a:t>0.712</a:t>
-            </a:r>
-            <a:br>
-              <a:rPr kumimoji="1" lang="en-US" altLang="ja-JP" dirty="0"/>
-            </a:br>
+              <a:t>0.441</a:t>
+            </a:r>
             <a:endParaRPr kumimoji="1" lang="ja-JP" altLang="en-US" dirty="0"/>
           </a:p>
         </p:txBody>
@@ -6498,7 +7366,7 @@
           <p:cNvPr id="5" name="コンテンツ プレースホルダー 4">
             <a:extLst>
               <a:ext uri="{FF2B5EF4-FFF2-40B4-BE49-F238E27FC236}">
-                <a16:creationId xmlns:a16="http://schemas.microsoft.com/office/drawing/2014/main" id="{424F2261-F694-769C-97BE-344F1E103D80}"/>
+                <a16:creationId xmlns:a16="http://schemas.microsoft.com/office/drawing/2014/main" id="{F75D3519-7909-7EAE-2E9B-73460C4447BC}"/>
               </a:ext>
             </a:extLst>
           </p:cNvPr>
@@ -6528,7 +7396,7 @@
     </p:spTree>
     <p:extLst>
       <p:ext uri="{BB962C8B-B14F-4D97-AF65-F5344CB8AC3E}">
-        <p14:creationId xmlns:p14="http://schemas.microsoft.com/office/powerpoint/2010/main" val="1599585600"/>
+        <p14:creationId xmlns:p14="http://schemas.microsoft.com/office/powerpoint/2010/main" val="678897031"/>
       </p:ext>
     </p:extLst>
   </p:cSld>
@@ -6560,7 +7428,7 @@
           <p:cNvPr id="2" name="タイトル 1">
             <a:extLst>
               <a:ext uri="{FF2B5EF4-FFF2-40B4-BE49-F238E27FC236}">
-                <a16:creationId xmlns:a16="http://schemas.microsoft.com/office/drawing/2014/main" id="{B5825973-7C3A-7DEF-97B0-8EB6A8D4B61D}"/>
+                <a16:creationId xmlns:a16="http://schemas.microsoft.com/office/drawing/2014/main" id="{078590EC-3551-7798-D26C-ACB846F74B4F}"/>
               </a:ext>
             </a:extLst>
           </p:cNvPr>
@@ -6577,26 +7445,12 @@
           <a:lstStyle/>
           <a:p>
             <a:r>
-              <a:rPr lang="ja-JP" altLang="en-US" sz="1800" b="0" i="0" u="none" strike="noStrike" dirty="0">
-                <a:solidFill>
-                  <a:srgbClr val="000000"/>
-                </a:solidFill>
-                <a:effectLst/>
-                <a:latin typeface="游ゴシック" panose="020B0400000000000000" pitchFamily="50" charset="-128"/>
-                <a:ea typeface="游ゴシック" panose="020B0400000000000000" pitchFamily="50" charset="-128"/>
-              </a:rPr>
+              <a:rPr kumimoji="1" lang="ja-JP" altLang="en-US" dirty="0"/>
               <a:t>相関</a:t>
             </a:r>
             <a:r>
-              <a:rPr lang="en-US" altLang="ja-JP" sz="1800" b="0" i="0" u="none" strike="noStrike" dirty="0">
-                <a:solidFill>
-                  <a:srgbClr val="000000"/>
-                </a:solidFill>
-                <a:effectLst/>
-                <a:latin typeface="游ゴシック" panose="020B0400000000000000" pitchFamily="50" charset="-128"/>
-                <a:ea typeface="游ゴシック" panose="020B0400000000000000" pitchFamily="50" charset="-128"/>
-              </a:rPr>
-              <a:t>0.905</a:t>
+              <a:rPr kumimoji="1" lang="en-US" altLang="ja-JP" dirty="0"/>
+              <a:t>0.542</a:t>
             </a:r>
             <a:endParaRPr kumimoji="1" lang="ja-JP" altLang="en-US" dirty="0"/>
           </a:p>
@@ -6607,7 +7461,7 @@
           <p:cNvPr id="4" name="コンテンツ プレースホルダー 3">
             <a:extLst>
               <a:ext uri="{FF2B5EF4-FFF2-40B4-BE49-F238E27FC236}">
-                <a16:creationId xmlns:a16="http://schemas.microsoft.com/office/drawing/2014/main" id="{341D7BD3-E56B-8269-F527-303B94AF8C6B}"/>
+                <a16:creationId xmlns:a16="http://schemas.microsoft.com/office/drawing/2014/main" id="{8F9D458B-836E-CC07-37D7-241DBA03244B}"/>
               </a:ext>
             </a:extLst>
           </p:cNvPr>
@@ -6637,7 +7491,7 @@
     </p:spTree>
     <p:extLst>
       <p:ext uri="{BB962C8B-B14F-4D97-AF65-F5344CB8AC3E}">
-        <p14:creationId xmlns:p14="http://schemas.microsoft.com/office/powerpoint/2010/main" val="3867585930"/>
+        <p14:creationId xmlns:p14="http://schemas.microsoft.com/office/powerpoint/2010/main" val="3981072813"/>
       </p:ext>
     </p:extLst>
   </p:cSld>
@@ -6666,6 +7520,313 @@
       </p:grpSpPr>
       <p:sp>
         <p:nvSpPr>
+          <p:cNvPr id="2" name="タイトル 1">
+            <a:extLst>
+              <a:ext uri="{FF2B5EF4-FFF2-40B4-BE49-F238E27FC236}">
+                <a16:creationId xmlns:a16="http://schemas.microsoft.com/office/drawing/2014/main" id="{408B8A56-D7B0-32F3-915D-088686A1CFE1}"/>
+              </a:ext>
+            </a:extLst>
+          </p:cNvPr>
+          <p:cNvSpPr>
+            <a:spLocks noGrp="1"/>
+          </p:cNvSpPr>
+          <p:nvPr>
+            <p:ph type="title"/>
+          </p:nvPr>
+        </p:nvSpPr>
+        <p:spPr/>
+        <p:txBody>
+          <a:bodyPr/>
+          <a:lstStyle/>
+          <a:p>
+            <a:r>
+              <a:rPr kumimoji="1" lang="ja-JP" altLang="en-US" dirty="0"/>
+              <a:t>相関</a:t>
+            </a:r>
+            <a:r>
+              <a:rPr kumimoji="1" lang="en-US" altLang="ja-JP" dirty="0"/>
+              <a:t>0.712</a:t>
+            </a:r>
+            <a:br>
+              <a:rPr kumimoji="1" lang="en-US" altLang="ja-JP" dirty="0"/>
+            </a:br>
+            <a:endParaRPr kumimoji="1" lang="ja-JP" altLang="en-US" dirty="0"/>
+          </a:p>
+        </p:txBody>
+      </p:sp>
+      <p:pic>
+        <p:nvPicPr>
+          <p:cNvPr id="5" name="コンテンツ プレースホルダー 4">
+            <a:extLst>
+              <a:ext uri="{FF2B5EF4-FFF2-40B4-BE49-F238E27FC236}">
+                <a16:creationId xmlns:a16="http://schemas.microsoft.com/office/drawing/2014/main" id="{424F2261-F694-769C-97BE-344F1E103D80}"/>
+              </a:ext>
+            </a:extLst>
+          </p:cNvPr>
+          <p:cNvPicPr>
+            <a:picLocks noGrp="1" noChangeAspect="1"/>
+          </p:cNvPicPr>
+          <p:nvPr>
+            <p:ph idx="1"/>
+          </p:nvPr>
+        </p:nvPicPr>
+        <p:blipFill>
+          <a:blip r:embed="rId2"/>
+          <a:stretch>
+            <a:fillRect/>
+          </a:stretch>
+        </p:blipFill>
+        <p:spPr>
+          <a:xfrm>
+            <a:off x="3657642" y="2132835"/>
+            <a:ext cx="4889416" cy="3743268"/>
+          </a:xfrm>
+          <a:prstGeom prst="rect">
+            <a:avLst/>
+          </a:prstGeom>
+        </p:spPr>
+      </p:pic>
+    </p:spTree>
+    <p:extLst>
+      <p:ext uri="{BB962C8B-B14F-4D97-AF65-F5344CB8AC3E}">
+        <p14:creationId xmlns:p14="http://schemas.microsoft.com/office/powerpoint/2010/main" val="1599585600"/>
+      </p:ext>
+    </p:extLst>
+  </p:cSld>
+  <p:clrMapOvr>
+    <a:masterClrMapping/>
+  </p:clrMapOvr>
+</p:sld>
+</file>
+
+<file path=ppt/slides/slide19.xml><?xml version="1.0" encoding="utf-8"?>
+<p:sld xmlns:a="http://schemas.openxmlformats.org/drawingml/2006/main" xmlns:r="http://schemas.openxmlformats.org/officeDocument/2006/relationships" xmlns:p="http://schemas.openxmlformats.org/presentationml/2006/main">
+  <p:cSld>
+    <p:spTree>
+      <p:nvGrpSpPr>
+        <p:cNvPr id="1" name=""/>
+        <p:cNvGrpSpPr/>
+        <p:nvPr/>
+      </p:nvGrpSpPr>
+      <p:grpSpPr>
+        <a:xfrm>
+          <a:off x="0" y="0"/>
+          <a:ext cx="0" cy="0"/>
+          <a:chOff x="0" y="0"/>
+          <a:chExt cx="0" cy="0"/>
+        </a:xfrm>
+      </p:grpSpPr>
+      <p:sp>
+        <p:nvSpPr>
+          <p:cNvPr id="2" name="タイトル 1">
+            <a:extLst>
+              <a:ext uri="{FF2B5EF4-FFF2-40B4-BE49-F238E27FC236}">
+                <a16:creationId xmlns:a16="http://schemas.microsoft.com/office/drawing/2014/main" id="{B5825973-7C3A-7DEF-97B0-8EB6A8D4B61D}"/>
+              </a:ext>
+            </a:extLst>
+          </p:cNvPr>
+          <p:cNvSpPr>
+            <a:spLocks noGrp="1"/>
+          </p:cNvSpPr>
+          <p:nvPr>
+            <p:ph type="title"/>
+          </p:nvPr>
+        </p:nvSpPr>
+        <p:spPr/>
+        <p:txBody>
+          <a:bodyPr/>
+          <a:lstStyle/>
+          <a:p>
+            <a:r>
+              <a:rPr lang="ja-JP" altLang="en-US" sz="1800" b="0" i="0" u="none" strike="noStrike" dirty="0">
+                <a:solidFill>
+                  <a:srgbClr val="000000"/>
+                </a:solidFill>
+                <a:effectLst/>
+                <a:latin typeface="游ゴシック" panose="020B0400000000000000" pitchFamily="50" charset="-128"/>
+                <a:ea typeface="游ゴシック" panose="020B0400000000000000" pitchFamily="50" charset="-128"/>
+              </a:rPr>
+              <a:t>相関</a:t>
+            </a:r>
+            <a:r>
+              <a:rPr lang="en-US" altLang="ja-JP" sz="1800" b="0" i="0" u="none" strike="noStrike" dirty="0">
+                <a:solidFill>
+                  <a:srgbClr val="000000"/>
+                </a:solidFill>
+                <a:effectLst/>
+                <a:latin typeface="游ゴシック" panose="020B0400000000000000" pitchFamily="50" charset="-128"/>
+                <a:ea typeface="游ゴシック" panose="020B0400000000000000" pitchFamily="50" charset="-128"/>
+              </a:rPr>
+              <a:t>0.905</a:t>
+            </a:r>
+            <a:endParaRPr kumimoji="1" lang="ja-JP" altLang="en-US" dirty="0"/>
+          </a:p>
+        </p:txBody>
+      </p:sp>
+      <p:pic>
+        <p:nvPicPr>
+          <p:cNvPr id="4" name="コンテンツ プレースホルダー 3">
+            <a:extLst>
+              <a:ext uri="{FF2B5EF4-FFF2-40B4-BE49-F238E27FC236}">
+                <a16:creationId xmlns:a16="http://schemas.microsoft.com/office/drawing/2014/main" id="{341D7BD3-E56B-8269-F527-303B94AF8C6B}"/>
+              </a:ext>
+            </a:extLst>
+          </p:cNvPr>
+          <p:cNvPicPr>
+            <a:picLocks noGrp="1" noChangeAspect="1"/>
+          </p:cNvPicPr>
+          <p:nvPr>
+            <p:ph idx="1"/>
+          </p:nvPr>
+        </p:nvPicPr>
+        <p:blipFill>
+          <a:blip r:embed="rId2"/>
+          <a:stretch>
+            <a:fillRect/>
+          </a:stretch>
+        </p:blipFill>
+        <p:spPr>
+          <a:xfrm>
+            <a:off x="3657642" y="2132835"/>
+            <a:ext cx="4889416" cy="3743268"/>
+          </a:xfrm>
+          <a:prstGeom prst="rect">
+            <a:avLst/>
+          </a:prstGeom>
+        </p:spPr>
+      </p:pic>
+    </p:spTree>
+    <p:extLst>
+      <p:ext uri="{BB962C8B-B14F-4D97-AF65-F5344CB8AC3E}">
+        <p14:creationId xmlns:p14="http://schemas.microsoft.com/office/powerpoint/2010/main" val="3867585930"/>
+      </p:ext>
+    </p:extLst>
+  </p:cSld>
+  <p:clrMapOvr>
+    <a:masterClrMapping/>
+  </p:clrMapOvr>
+</p:sld>
+</file>
+
+<file path=ppt/slides/slide2.xml><?xml version="1.0" encoding="utf-8"?>
+<p:sld xmlns:a="http://schemas.openxmlformats.org/drawingml/2006/main" xmlns:r="http://schemas.openxmlformats.org/officeDocument/2006/relationships" xmlns:p="http://schemas.openxmlformats.org/presentationml/2006/main">
+  <p:cSld>
+    <p:spTree>
+      <p:nvGrpSpPr>
+        <p:cNvPr id="1" name=""/>
+        <p:cNvGrpSpPr/>
+        <p:nvPr/>
+      </p:nvGrpSpPr>
+      <p:grpSpPr>
+        <a:xfrm>
+          <a:off x="0" y="0"/>
+          <a:ext cx="0" cy="0"/>
+          <a:chOff x="0" y="0"/>
+          <a:chExt cx="0" cy="0"/>
+        </a:xfrm>
+      </p:grpSpPr>
+      <p:pic>
+        <p:nvPicPr>
+          <p:cNvPr id="4" name="図 3"/>
+          <p:cNvPicPr>
+            <a:picLocks noChangeAspect="1"/>
+          </p:cNvPicPr>
+          <p:nvPr/>
+        </p:nvPicPr>
+        <p:blipFill>
+          <a:blip r:embed="rId2"/>
+          <a:stretch>
+            <a:fillRect/>
+          </a:stretch>
+        </p:blipFill>
+        <p:spPr>
+          <a:xfrm>
+            <a:off x="1737704" y="3047947"/>
+            <a:ext cx="8716591" cy="762106"/>
+          </a:xfrm>
+          <a:prstGeom prst="rect">
+            <a:avLst/>
+          </a:prstGeom>
+        </p:spPr>
+      </p:pic>
+      <p:sp>
+        <p:nvSpPr>
+          <p:cNvPr id="5" name="楕円 4"/>
+          <p:cNvSpPr/>
+          <p:nvPr/>
+        </p:nvSpPr>
+        <p:spPr>
+          <a:xfrm>
+            <a:off x="8330184" y="3195828"/>
+            <a:ext cx="393192" cy="374904"/>
+          </a:xfrm>
+          <a:prstGeom prst="ellipse">
+            <a:avLst/>
+          </a:prstGeom>
+          <a:noFill/>
+          <a:ln w="57150">
+            <a:solidFill>
+              <a:srgbClr val="FF6600"/>
+            </a:solidFill>
+          </a:ln>
+        </p:spPr>
+        <p:style>
+          <a:lnRef idx="2">
+            <a:schemeClr val="accent1">
+              <a:shade val="50000"/>
+            </a:schemeClr>
+          </a:lnRef>
+          <a:fillRef idx="1">
+            <a:schemeClr val="accent1"/>
+          </a:fillRef>
+          <a:effectRef idx="0">
+            <a:schemeClr val="accent1"/>
+          </a:effectRef>
+          <a:fontRef idx="minor">
+            <a:schemeClr val="lt1"/>
+          </a:fontRef>
+        </p:style>
+        <p:txBody>
+          <a:bodyPr rtlCol="0" anchor="ctr"/>
+          <a:lstStyle/>
+          <a:p>
+            <a:pPr algn="ctr"/>
+            <a:endParaRPr kumimoji="1" lang="ja-JP" altLang="en-US"/>
+          </a:p>
+        </p:txBody>
+      </p:sp>
+    </p:spTree>
+    <p:extLst>
+      <p:ext uri="{BB962C8B-B14F-4D97-AF65-F5344CB8AC3E}">
+        <p14:creationId xmlns:p14="http://schemas.microsoft.com/office/powerpoint/2010/main" val="1531462404"/>
+      </p:ext>
+    </p:extLst>
+  </p:cSld>
+  <p:clrMapOvr>
+    <a:masterClrMapping/>
+  </p:clrMapOvr>
+</p:sld>
+</file>
+
+<file path=ppt/slides/slide20.xml><?xml version="1.0" encoding="utf-8"?>
+<p:sld xmlns:a="http://schemas.openxmlformats.org/drawingml/2006/main" xmlns:r="http://schemas.openxmlformats.org/officeDocument/2006/relationships" xmlns:p="http://schemas.openxmlformats.org/presentationml/2006/main">
+  <p:cSld>
+    <p:spTree>
+      <p:nvGrpSpPr>
+        <p:cNvPr id="1" name=""/>
+        <p:cNvGrpSpPr/>
+        <p:nvPr/>
+      </p:nvGrpSpPr>
+      <p:grpSpPr>
+        <a:xfrm>
+          <a:off x="0" y="0"/>
+          <a:ext cx="0" cy="0"/>
+          <a:chOff x="0" y="0"/>
+          <a:chExt cx="0" cy="0"/>
+        </a:xfrm>
+      </p:grpSpPr>
+      <p:sp>
+        <p:nvSpPr>
           <p:cNvPr id="2" name="タイトル 1"/>
           <p:cNvSpPr>
             <a:spLocks noGrp="1"/>
@@ -6909,11 +8070,11 @@
           <a:lstStyle/>
           <a:p>
             <a:r>
-              <a:rPr lang="ja-JP" altLang="en-US" dirty="0" smtClean="0"/>
+              <a:rPr lang="ja-JP" altLang="en-US" dirty="0"/>
               <a:t>相関：</a:t>
             </a:r>
             <a:r>
-              <a:rPr lang="en-US" altLang="ja-JP" dirty="0" smtClean="0"/>
+              <a:rPr lang="en-US" altLang="ja-JP" dirty="0"/>
               <a:t>0.023</a:t>
             </a:r>
             <a:endParaRPr kumimoji="1" lang="ja-JP" altLang="en-US" dirty="0"/>
@@ -6943,11 +8104,11 @@
           <a:lstStyle/>
           <a:p>
             <a:r>
-              <a:rPr lang="ja-JP" altLang="en-US" dirty="0" smtClean="0"/>
+              <a:rPr lang="ja-JP" altLang="en-US" dirty="0"/>
               <a:t>相関：</a:t>
             </a:r>
             <a:r>
-              <a:rPr lang="en-US" altLang="ja-JP" dirty="0" smtClean="0"/>
+              <a:rPr lang="en-US" altLang="ja-JP" dirty="0"/>
               <a:t>0.464</a:t>
             </a:r>
             <a:endParaRPr kumimoji="1" lang="ja-JP" altLang="en-US" dirty="0"/>
@@ -6977,11 +8138,11 @@
           <a:lstStyle/>
           <a:p>
             <a:r>
-              <a:rPr lang="ja-JP" altLang="en-US" dirty="0" smtClean="0"/>
+              <a:rPr lang="ja-JP" altLang="en-US" dirty="0"/>
               <a:t>相関：</a:t>
             </a:r>
             <a:r>
-              <a:rPr lang="en-US" altLang="ja-JP" dirty="0" smtClean="0"/>
+              <a:rPr lang="en-US" altLang="ja-JP" dirty="0"/>
               <a:t>-0.416</a:t>
             </a:r>
             <a:endParaRPr kumimoji="1" lang="ja-JP" altLang="en-US" dirty="0"/>
@@ -7001,7 +8162,7 @@
 </p:sld>
 </file>
 
-<file path=ppt/slides/slide19.xml><?xml version="1.0" encoding="utf-8"?>
+<file path=ppt/slides/slide21.xml><?xml version="1.0" encoding="utf-8"?>
 <p:sld xmlns:a="http://schemas.openxmlformats.org/drawingml/2006/main" xmlns:r="http://schemas.openxmlformats.org/officeDocument/2006/relationships" xmlns:p="http://schemas.openxmlformats.org/presentationml/2006/main">
   <p:cSld>
     <p:spTree>
@@ -7166,37 +8327,29 @@
           <a:lstStyle/>
           <a:p>
             <a:r>
-              <a:rPr kumimoji="1" lang="ja-JP" altLang="en-US" dirty="0" smtClean="0"/>
+              <a:rPr kumimoji="1" lang="ja-JP" altLang="en-US" dirty="0"/>
               <a:t>これらの正規分布は</a:t>
             </a:r>
-            <a:r>
-              <a:rPr kumimoji="1" lang="en-US" altLang="ja-JP" dirty="0" smtClean="0"/>
-              <a:t/>
-            </a:r>
             <a:br>
-              <a:rPr kumimoji="1" lang="en-US" altLang="ja-JP" dirty="0" smtClean="0"/>
+              <a:rPr kumimoji="1" lang="en-US" altLang="ja-JP" dirty="0"/>
             </a:br>
             <a:r>
-              <a:rPr kumimoji="1" lang="ja-JP" altLang="en-US" dirty="0" smtClean="0"/>
+              <a:rPr kumimoji="1" lang="ja-JP" altLang="en-US" dirty="0"/>
               <a:t>平均値</a:t>
             </a:r>
             <a:r>
-              <a:rPr kumimoji="1" lang="en-US" altLang="ja-JP" dirty="0" smtClean="0"/>
+              <a:rPr kumimoji="1" lang="en-US" altLang="ja-JP" dirty="0"/>
               <a:t>=</a:t>
             </a:r>
             <a:r>
-              <a:rPr kumimoji="1" lang="ja-JP" altLang="en-US" dirty="0" smtClean="0"/>
+              <a:rPr kumimoji="1" lang="ja-JP" altLang="en-US" dirty="0"/>
               <a:t>予測値，</a:t>
             </a:r>
-            <a:r>
-              <a:rPr kumimoji="1" lang="en-US" altLang="ja-JP" dirty="0" smtClean="0"/>
-              <a:t/>
-            </a:r>
             <a:br>
-              <a:rPr kumimoji="1" lang="en-US" altLang="ja-JP" dirty="0" smtClean="0"/>
+              <a:rPr kumimoji="1" lang="en-US" altLang="ja-JP" dirty="0"/>
             </a:br>
             <a:r>
-              <a:rPr kumimoji="1" lang="ja-JP" altLang="en-US" dirty="0" smtClean="0"/>
+              <a:rPr kumimoji="1" lang="ja-JP" altLang="en-US" dirty="0"/>
               <a:t>標準偏差</a:t>
             </a:r>
             <a:r>
@@ -7204,7 +8357,7 @@
               <a:t>(</a:t>
             </a:r>
             <a:r>
-              <a:rPr kumimoji="1" lang="en-US" altLang="ja-JP" dirty="0" smtClean="0"/>
+              <a:rPr kumimoji="1" lang="en-US" altLang="ja-JP" dirty="0"/>
               <a:t>σ</a:t>
             </a:r>
             <a:r>
@@ -7212,21 +8365,20 @@
               <a:t>)</a:t>
             </a:r>
             <a:r>
-              <a:rPr kumimoji="1" lang="en-US" altLang="ja-JP" dirty="0" smtClean="0"/>
+              <a:rPr kumimoji="1" lang="en-US" altLang="ja-JP" dirty="0"/>
               <a:t>=</a:t>
             </a:r>
             <a:r>
-              <a:rPr kumimoji="1" lang="ja-JP" altLang="en-US" dirty="0" smtClean="0"/>
+              <a:rPr kumimoji="1" lang="ja-JP" altLang="en-US" dirty="0"/>
               <a:t>残差の平均平方</a:t>
             </a:r>
-            <a:endParaRPr kumimoji="1" lang="en-US" altLang="ja-JP" dirty="0" smtClean="0"/>
-          </a:p>
-          <a:p>
-            <a:r>
-              <a:rPr kumimoji="1" lang="ja-JP" altLang="en-US" dirty="0" smtClean="0"/>
+            <a:endParaRPr kumimoji="1" lang="en-US" altLang="ja-JP" dirty="0"/>
+          </a:p>
+          <a:p>
+            <a:r>
+              <a:rPr kumimoji="1" lang="ja-JP" altLang="en-US" dirty="0"/>
               <a:t>になっている</a:t>
             </a:r>
-            <a:endParaRPr kumimoji="1" lang="ja-JP" altLang="en-US" dirty="0"/>
           </a:p>
         </p:txBody>
       </p:sp>
@@ -7234,106 +8386,6 @@
     <p:extLst>
       <p:ext uri="{BB962C8B-B14F-4D97-AF65-F5344CB8AC3E}">
         <p14:creationId xmlns:p14="http://schemas.microsoft.com/office/powerpoint/2010/main" val="4080195313"/>
-      </p:ext>
-    </p:extLst>
-  </p:cSld>
-  <p:clrMapOvr>
-    <a:masterClrMapping/>
-  </p:clrMapOvr>
-</p:sld>
-</file>
-
-<file path=ppt/slides/slide2.xml><?xml version="1.0" encoding="utf-8"?>
-<p:sld xmlns:a="http://schemas.openxmlformats.org/drawingml/2006/main" xmlns:r="http://schemas.openxmlformats.org/officeDocument/2006/relationships" xmlns:p="http://schemas.openxmlformats.org/presentationml/2006/main">
-  <p:cSld>
-    <p:spTree>
-      <p:nvGrpSpPr>
-        <p:cNvPr id="1" name=""/>
-        <p:cNvGrpSpPr/>
-        <p:nvPr/>
-      </p:nvGrpSpPr>
-      <p:grpSpPr>
-        <a:xfrm>
-          <a:off x="0" y="0"/>
-          <a:ext cx="0" cy="0"/>
-          <a:chOff x="0" y="0"/>
-          <a:chExt cx="0" cy="0"/>
-        </a:xfrm>
-      </p:grpSpPr>
-      <p:pic>
-        <p:nvPicPr>
-          <p:cNvPr id="4" name="図 3"/>
-          <p:cNvPicPr>
-            <a:picLocks noChangeAspect="1"/>
-          </p:cNvPicPr>
-          <p:nvPr/>
-        </p:nvPicPr>
-        <p:blipFill>
-          <a:blip r:embed="rId2"/>
-          <a:stretch>
-            <a:fillRect/>
-          </a:stretch>
-        </p:blipFill>
-        <p:spPr>
-          <a:xfrm>
-            <a:off x="1737704" y="3047947"/>
-            <a:ext cx="8716591" cy="762106"/>
-          </a:xfrm>
-          <a:prstGeom prst="rect">
-            <a:avLst/>
-          </a:prstGeom>
-        </p:spPr>
-      </p:pic>
-      <p:sp>
-        <p:nvSpPr>
-          <p:cNvPr id="5" name="楕円 4"/>
-          <p:cNvSpPr/>
-          <p:nvPr/>
-        </p:nvSpPr>
-        <p:spPr>
-          <a:xfrm>
-            <a:off x="8330184" y="3195828"/>
-            <a:ext cx="393192" cy="374904"/>
-          </a:xfrm>
-          <a:prstGeom prst="ellipse">
-            <a:avLst/>
-          </a:prstGeom>
-          <a:noFill/>
-          <a:ln w="57150">
-            <a:solidFill>
-              <a:srgbClr val="FF6600"/>
-            </a:solidFill>
-          </a:ln>
-        </p:spPr>
-        <p:style>
-          <a:lnRef idx="2">
-            <a:schemeClr val="accent1">
-              <a:shade val="50000"/>
-            </a:schemeClr>
-          </a:lnRef>
-          <a:fillRef idx="1">
-            <a:schemeClr val="accent1"/>
-          </a:fillRef>
-          <a:effectRef idx="0">
-            <a:schemeClr val="accent1"/>
-          </a:effectRef>
-          <a:fontRef idx="minor">
-            <a:schemeClr val="lt1"/>
-          </a:fontRef>
-        </p:style>
-        <p:txBody>
-          <a:bodyPr rtlCol="0" anchor="ctr"/>
-          <a:lstStyle/>
-          <a:p>
-            <a:pPr algn="ctr"/>
-            <a:endParaRPr kumimoji="1" lang="ja-JP" altLang="en-US"/>
-          </a:p>
-        </p:txBody>
-      </p:sp>
-    </p:spTree>
-    <p:extLst>
-      <p:ext uri="{BB962C8B-B14F-4D97-AF65-F5344CB8AC3E}">
-        <p14:creationId xmlns:p14="http://schemas.microsoft.com/office/powerpoint/2010/main" val="1531462404"/>
       </p:ext>
     </p:extLst>
   </p:cSld>
@@ -7493,6 +8545,1393 @@
       </p:grpSpPr>
       <p:sp>
         <p:nvSpPr>
+          <p:cNvPr id="4" name="楕円 3">
+            <a:extLst>
+              <a:ext uri="{FF2B5EF4-FFF2-40B4-BE49-F238E27FC236}">
+                <a16:creationId xmlns:a16="http://schemas.microsoft.com/office/drawing/2014/main" id="{1535A2B5-B584-DD55-E6A5-693C3BDFEDB7}"/>
+              </a:ext>
+            </a:extLst>
+          </p:cNvPr>
+          <p:cNvSpPr/>
+          <p:nvPr/>
+        </p:nvSpPr>
+        <p:spPr>
+          <a:xfrm>
+            <a:off x="4502461" y="2982778"/>
+            <a:ext cx="914400" cy="914400"/>
+          </a:xfrm>
+          <a:prstGeom prst="ellipse">
+            <a:avLst/>
+          </a:prstGeom>
+        </p:spPr>
+        <p:style>
+          <a:lnRef idx="2">
+            <a:schemeClr val="dk1"/>
+          </a:lnRef>
+          <a:fillRef idx="1">
+            <a:schemeClr val="lt1"/>
+          </a:fillRef>
+          <a:effectRef idx="0">
+            <a:schemeClr val="dk1"/>
+          </a:effectRef>
+          <a:fontRef idx="minor">
+            <a:schemeClr val="dk1"/>
+          </a:fontRef>
+        </p:style>
+        <p:txBody>
+          <a:bodyPr rtlCol="0" anchor="ctr"/>
+          <a:lstStyle/>
+          <a:p>
+            <a:pPr algn="ctr"/>
+            <a:r>
+              <a:rPr kumimoji="1" lang="en-US" altLang="ja-JP" sz="4400" dirty="0"/>
+              <a:t>J</a:t>
+            </a:r>
+            <a:endParaRPr kumimoji="1" lang="ja-JP" altLang="en-US" sz="4400" dirty="0"/>
+          </a:p>
+        </p:txBody>
+      </p:sp>
+      <p:sp>
+        <p:nvSpPr>
+          <p:cNvPr id="5" name="楕円 4">
+            <a:extLst>
+              <a:ext uri="{FF2B5EF4-FFF2-40B4-BE49-F238E27FC236}">
+                <a16:creationId xmlns:a16="http://schemas.microsoft.com/office/drawing/2014/main" id="{22E5AA51-EB2A-B3EF-F7D6-FAC83DC1805A}"/>
+              </a:ext>
+            </a:extLst>
+          </p:cNvPr>
+          <p:cNvSpPr/>
+          <p:nvPr/>
+        </p:nvSpPr>
+        <p:spPr>
+          <a:xfrm>
+            <a:off x="7275287" y="4398145"/>
+            <a:ext cx="914400" cy="914400"/>
+          </a:xfrm>
+          <a:prstGeom prst="ellipse">
+            <a:avLst/>
+          </a:prstGeom>
+        </p:spPr>
+        <p:style>
+          <a:lnRef idx="2">
+            <a:schemeClr val="dk1"/>
+          </a:lnRef>
+          <a:fillRef idx="1">
+            <a:schemeClr val="lt1"/>
+          </a:fillRef>
+          <a:effectRef idx="0">
+            <a:schemeClr val="dk1"/>
+          </a:effectRef>
+          <a:fontRef idx="minor">
+            <a:schemeClr val="dk1"/>
+          </a:fontRef>
+        </p:style>
+        <p:txBody>
+          <a:bodyPr rtlCol="0" anchor="ctr"/>
+          <a:lstStyle/>
+          <a:p>
+            <a:pPr algn="ctr"/>
+            <a:r>
+              <a:rPr kumimoji="1" lang="en-US" altLang="ja-JP" sz="4400" dirty="0"/>
+              <a:t>H</a:t>
+            </a:r>
+            <a:endParaRPr kumimoji="1" lang="ja-JP" altLang="en-US" sz="4400" dirty="0"/>
+          </a:p>
+        </p:txBody>
+      </p:sp>
+      <p:sp>
+        <p:nvSpPr>
+          <p:cNvPr id="6" name="楕円 5">
+            <a:extLst>
+              <a:ext uri="{FF2B5EF4-FFF2-40B4-BE49-F238E27FC236}">
+                <a16:creationId xmlns:a16="http://schemas.microsoft.com/office/drawing/2014/main" id="{BABBEC09-839D-26EA-71E6-442B850840EF}"/>
+              </a:ext>
+            </a:extLst>
+          </p:cNvPr>
+          <p:cNvSpPr/>
+          <p:nvPr/>
+        </p:nvSpPr>
+        <p:spPr>
+          <a:xfrm>
+            <a:off x="7275287" y="1621656"/>
+            <a:ext cx="914400" cy="914400"/>
+          </a:xfrm>
+          <a:prstGeom prst="ellipse">
+            <a:avLst/>
+          </a:prstGeom>
+        </p:spPr>
+        <p:style>
+          <a:lnRef idx="2">
+            <a:schemeClr val="dk1"/>
+          </a:lnRef>
+          <a:fillRef idx="1">
+            <a:schemeClr val="lt1"/>
+          </a:fillRef>
+          <a:effectRef idx="0">
+            <a:schemeClr val="dk1"/>
+          </a:effectRef>
+          <a:fontRef idx="minor">
+            <a:schemeClr val="dk1"/>
+          </a:fontRef>
+        </p:style>
+        <p:txBody>
+          <a:bodyPr rtlCol="0" anchor="ctr"/>
+          <a:lstStyle/>
+          <a:p>
+            <a:pPr algn="ctr"/>
+            <a:r>
+              <a:rPr kumimoji="1" lang="en-US" altLang="ja-JP" sz="4400" dirty="0"/>
+              <a:t>K</a:t>
+            </a:r>
+            <a:endParaRPr kumimoji="1" lang="ja-JP" altLang="en-US" sz="4400" dirty="0"/>
+          </a:p>
+        </p:txBody>
+      </p:sp>
+      <p:cxnSp>
+        <p:nvCxnSpPr>
+          <p:cNvPr id="8" name="直線矢印コネクタ 7">
+            <a:extLst>
+              <a:ext uri="{FF2B5EF4-FFF2-40B4-BE49-F238E27FC236}">
+                <a16:creationId xmlns:a16="http://schemas.microsoft.com/office/drawing/2014/main" id="{283F0B4A-040D-8B71-AD0E-F9D0ABC67445}"/>
+              </a:ext>
+            </a:extLst>
+          </p:cNvPr>
+          <p:cNvCxnSpPr>
+            <a:stCxn id="4" idx="5"/>
+            <a:endCxn id="5" idx="2"/>
+          </p:cNvCxnSpPr>
+          <p:nvPr/>
+        </p:nvCxnSpPr>
+        <p:spPr>
+          <a:xfrm>
+            <a:off x="5282950" y="3763267"/>
+            <a:ext cx="1992337" cy="1092078"/>
+          </a:xfrm>
+          <a:prstGeom prst="straightConnector1">
+            <a:avLst/>
+          </a:prstGeom>
+          <a:ln>
+            <a:headEnd type="arrow" w="lg" len="lg"/>
+            <a:tailEnd type="arrow" w="lg" len="lg"/>
+          </a:ln>
+        </p:spPr>
+        <p:style>
+          <a:lnRef idx="1">
+            <a:schemeClr val="dk1"/>
+          </a:lnRef>
+          <a:fillRef idx="0">
+            <a:schemeClr val="dk1"/>
+          </a:fillRef>
+          <a:effectRef idx="0">
+            <a:schemeClr val="dk1"/>
+          </a:effectRef>
+          <a:fontRef idx="minor">
+            <a:schemeClr val="tx1"/>
+          </a:fontRef>
+        </p:style>
+      </p:cxnSp>
+      <p:cxnSp>
+        <p:nvCxnSpPr>
+          <p:cNvPr id="9" name="直線矢印コネクタ 8">
+            <a:extLst>
+              <a:ext uri="{FF2B5EF4-FFF2-40B4-BE49-F238E27FC236}">
+                <a16:creationId xmlns:a16="http://schemas.microsoft.com/office/drawing/2014/main" id="{AD61ED5E-22AA-4D46-66AA-534A08F057B0}"/>
+              </a:ext>
+            </a:extLst>
+          </p:cNvPr>
+          <p:cNvCxnSpPr>
+            <a:cxnSpLocks/>
+            <a:stCxn id="4" idx="7"/>
+            <a:endCxn id="6" idx="2"/>
+          </p:cNvCxnSpPr>
+          <p:nvPr/>
+        </p:nvCxnSpPr>
+        <p:spPr>
+          <a:xfrm flipV="1">
+            <a:off x="5282950" y="2078856"/>
+            <a:ext cx="1992337" cy="1037833"/>
+          </a:xfrm>
+          <a:prstGeom prst="straightConnector1">
+            <a:avLst/>
+          </a:prstGeom>
+          <a:ln>
+            <a:headEnd type="arrow" w="lg" len="lg"/>
+            <a:tailEnd type="arrow" w="lg" len="lg"/>
+          </a:ln>
+        </p:spPr>
+        <p:style>
+          <a:lnRef idx="1">
+            <a:schemeClr val="dk1"/>
+          </a:lnRef>
+          <a:fillRef idx="0">
+            <a:schemeClr val="dk1"/>
+          </a:fillRef>
+          <a:effectRef idx="0">
+            <a:schemeClr val="dk1"/>
+          </a:effectRef>
+          <a:fontRef idx="minor">
+            <a:schemeClr val="tx1"/>
+          </a:fontRef>
+        </p:style>
+      </p:cxnSp>
+      <p:sp>
+        <p:nvSpPr>
+          <p:cNvPr id="12" name="テキスト ボックス 11">
+            <a:extLst>
+              <a:ext uri="{FF2B5EF4-FFF2-40B4-BE49-F238E27FC236}">
+                <a16:creationId xmlns:a16="http://schemas.microsoft.com/office/drawing/2014/main" id="{F58163E4-C918-53AB-6F17-DFE46EEAEB71}"/>
+              </a:ext>
+            </a:extLst>
+          </p:cNvPr>
+          <p:cNvSpPr txBox="1"/>
+          <p:nvPr/>
+        </p:nvSpPr>
+        <p:spPr>
+          <a:xfrm>
+            <a:off x="5373096" y="1848024"/>
+            <a:ext cx="1518833" cy="461665"/>
+          </a:xfrm>
+          <a:prstGeom prst="rect">
+            <a:avLst/>
+          </a:prstGeom>
+          <a:noFill/>
+          <a:ln>
+            <a:solidFill>
+              <a:schemeClr val="tx1"/>
+            </a:solidFill>
+            <a:prstDash val="dash"/>
+          </a:ln>
+        </p:spPr>
+        <p:txBody>
+          <a:bodyPr wrap="square" rtlCol="0">
+            <a:spAutoFit/>
+          </a:bodyPr>
+          <a:lstStyle/>
+          <a:p>
+            <a:r>
+              <a:rPr kumimoji="1" lang="ja-JP" altLang="en-US" sz="2400" b="1" dirty="0"/>
+              <a:t>相関　</a:t>
+            </a:r>
+            <a:r>
+              <a:rPr kumimoji="1" lang="en-US" altLang="ja-JP" sz="2400" b="1" dirty="0" err="1"/>
+              <a:t>r.jk</a:t>
+            </a:r>
+            <a:endParaRPr kumimoji="1" lang="ja-JP" altLang="en-US" sz="2400" b="1" dirty="0"/>
+          </a:p>
+        </p:txBody>
+      </p:sp>
+      <p:sp>
+        <p:nvSpPr>
+          <p:cNvPr id="13" name="テキスト ボックス 12">
+            <a:extLst>
+              <a:ext uri="{FF2B5EF4-FFF2-40B4-BE49-F238E27FC236}">
+                <a16:creationId xmlns:a16="http://schemas.microsoft.com/office/drawing/2014/main" id="{FBC2EA36-6AEC-DB31-5332-B68AF722CB54}"/>
+              </a:ext>
+            </a:extLst>
+          </p:cNvPr>
+          <p:cNvSpPr txBox="1"/>
+          <p:nvPr/>
+        </p:nvSpPr>
+        <p:spPr>
+          <a:xfrm>
+            <a:off x="5373096" y="4602351"/>
+            <a:ext cx="1518833" cy="461665"/>
+          </a:xfrm>
+          <a:prstGeom prst="rect">
+            <a:avLst/>
+          </a:prstGeom>
+          <a:noFill/>
+          <a:ln>
+            <a:solidFill>
+              <a:schemeClr val="tx1"/>
+            </a:solidFill>
+            <a:prstDash val="dash"/>
+          </a:ln>
+        </p:spPr>
+        <p:txBody>
+          <a:bodyPr wrap="square" rtlCol="0">
+            <a:spAutoFit/>
+          </a:bodyPr>
+          <a:lstStyle/>
+          <a:p>
+            <a:r>
+              <a:rPr kumimoji="1" lang="ja-JP" altLang="en-US" sz="2400" b="1" dirty="0"/>
+              <a:t>相関　</a:t>
+            </a:r>
+            <a:r>
+              <a:rPr kumimoji="1" lang="en-US" altLang="ja-JP" sz="2400" b="1" dirty="0" err="1"/>
+              <a:t>r.jh</a:t>
+            </a:r>
+            <a:endParaRPr kumimoji="1" lang="ja-JP" altLang="en-US" sz="2400" b="1" dirty="0"/>
+          </a:p>
+        </p:txBody>
+      </p:sp>
+      <p:cxnSp>
+        <p:nvCxnSpPr>
+          <p:cNvPr id="14" name="直線矢印コネクタ 13">
+            <a:extLst>
+              <a:ext uri="{FF2B5EF4-FFF2-40B4-BE49-F238E27FC236}">
+                <a16:creationId xmlns:a16="http://schemas.microsoft.com/office/drawing/2014/main" id="{5D54E642-0D80-DFF2-117D-5BDDCD4BC700}"/>
+              </a:ext>
+            </a:extLst>
+          </p:cNvPr>
+          <p:cNvCxnSpPr>
+            <a:cxnSpLocks/>
+            <a:stCxn id="6" idx="4"/>
+            <a:endCxn id="5" idx="0"/>
+          </p:cNvCxnSpPr>
+          <p:nvPr/>
+        </p:nvCxnSpPr>
+        <p:spPr>
+          <a:xfrm>
+            <a:off x="7732487" y="2536056"/>
+            <a:ext cx="0" cy="1862089"/>
+          </a:xfrm>
+          <a:prstGeom prst="straightConnector1">
+            <a:avLst/>
+          </a:prstGeom>
+          <a:ln>
+            <a:headEnd type="arrow" w="lg" len="lg"/>
+            <a:tailEnd type="arrow" w="lg" len="lg"/>
+          </a:ln>
+        </p:spPr>
+        <p:style>
+          <a:lnRef idx="1">
+            <a:schemeClr val="dk1"/>
+          </a:lnRef>
+          <a:fillRef idx="0">
+            <a:schemeClr val="dk1"/>
+          </a:fillRef>
+          <a:effectRef idx="0">
+            <a:schemeClr val="dk1"/>
+          </a:effectRef>
+          <a:fontRef idx="minor">
+            <a:schemeClr val="tx1"/>
+          </a:fontRef>
+        </p:style>
+      </p:cxnSp>
+      <p:sp>
+        <p:nvSpPr>
+          <p:cNvPr id="23" name="テキスト ボックス 22">
+            <a:extLst>
+              <a:ext uri="{FF2B5EF4-FFF2-40B4-BE49-F238E27FC236}">
+                <a16:creationId xmlns:a16="http://schemas.microsoft.com/office/drawing/2014/main" id="{B491E715-D93E-CE95-146C-0EFF2F413950}"/>
+              </a:ext>
+            </a:extLst>
+          </p:cNvPr>
+          <p:cNvSpPr txBox="1"/>
+          <p:nvPr/>
+        </p:nvSpPr>
+        <p:spPr>
+          <a:xfrm>
+            <a:off x="7739374" y="3236267"/>
+            <a:ext cx="1518833" cy="461665"/>
+          </a:xfrm>
+          <a:prstGeom prst="rect">
+            <a:avLst/>
+          </a:prstGeom>
+          <a:noFill/>
+        </p:spPr>
+        <p:txBody>
+          <a:bodyPr wrap="square" rtlCol="0">
+            <a:spAutoFit/>
+          </a:bodyPr>
+          <a:lstStyle/>
+          <a:p>
+            <a:r>
+              <a:rPr kumimoji="1" lang="ja-JP" altLang="en-US" sz="2400" b="1" dirty="0"/>
+              <a:t>相関　</a:t>
+            </a:r>
+            <a:r>
+              <a:rPr kumimoji="1" lang="en-US" altLang="ja-JP" sz="2400" b="1" dirty="0"/>
+              <a:t>r.kh</a:t>
+            </a:r>
+            <a:endParaRPr kumimoji="1" lang="ja-JP" altLang="en-US" sz="2400" b="1" dirty="0"/>
+          </a:p>
+        </p:txBody>
+      </p:sp>
+      <p:cxnSp>
+        <p:nvCxnSpPr>
+          <p:cNvPr id="25" name="コネクタ: 曲線 24">
+            <a:extLst>
+              <a:ext uri="{FF2B5EF4-FFF2-40B4-BE49-F238E27FC236}">
+                <a16:creationId xmlns:a16="http://schemas.microsoft.com/office/drawing/2014/main" id="{C6CE4296-81F7-73A5-6F13-8CB5199AFEB3}"/>
+              </a:ext>
+            </a:extLst>
+          </p:cNvPr>
+          <p:cNvCxnSpPr>
+            <a:stCxn id="12" idx="1"/>
+            <a:endCxn id="13" idx="1"/>
+          </p:cNvCxnSpPr>
+          <p:nvPr/>
+        </p:nvCxnSpPr>
+        <p:spPr>
+          <a:xfrm rot="10800000" flipV="1">
+            <a:off x="5373096" y="2078856"/>
+            <a:ext cx="12700" cy="2754327"/>
+          </a:xfrm>
+          <a:prstGeom prst="curvedConnector3">
+            <a:avLst>
+              <a:gd name="adj1" fmla="val 13571425"/>
+            </a:avLst>
+          </a:prstGeom>
+          <a:ln>
+            <a:headEnd type="triangle"/>
+            <a:tailEnd type="triangle"/>
+          </a:ln>
+        </p:spPr>
+        <p:style>
+          <a:lnRef idx="1">
+            <a:schemeClr val="accent1"/>
+          </a:lnRef>
+          <a:fillRef idx="0">
+            <a:schemeClr val="accent1"/>
+          </a:fillRef>
+          <a:effectRef idx="0">
+            <a:schemeClr val="accent1"/>
+          </a:effectRef>
+          <a:fontRef idx="minor">
+            <a:schemeClr val="tx1"/>
+          </a:fontRef>
+        </p:style>
+      </p:cxnSp>
+      <p:sp>
+        <p:nvSpPr>
+          <p:cNvPr id="27" name="テキスト ボックス 26">
+            <a:extLst>
+              <a:ext uri="{FF2B5EF4-FFF2-40B4-BE49-F238E27FC236}">
+                <a16:creationId xmlns:a16="http://schemas.microsoft.com/office/drawing/2014/main" id="{4C0D8B80-2302-DCEE-3BCD-708ECE13F5C5}"/>
+              </a:ext>
+            </a:extLst>
+          </p:cNvPr>
+          <p:cNvSpPr txBox="1"/>
+          <p:nvPr/>
+        </p:nvSpPr>
+        <p:spPr>
+          <a:xfrm>
+            <a:off x="1781032" y="3143934"/>
+            <a:ext cx="1702572" cy="830997"/>
+          </a:xfrm>
+          <a:prstGeom prst="rect">
+            <a:avLst/>
+          </a:prstGeom>
+          <a:noFill/>
+        </p:spPr>
+        <p:txBody>
+          <a:bodyPr wrap="square" rtlCol="0">
+            <a:spAutoFit/>
+          </a:bodyPr>
+          <a:lstStyle/>
+          <a:p>
+            <a:r>
+              <a:rPr kumimoji="1" lang="ja-JP" altLang="en-US" sz="2400" b="1" dirty="0"/>
+              <a:t>ここの差を検定したい</a:t>
+            </a:r>
+          </a:p>
+        </p:txBody>
+      </p:sp>
+    </p:spTree>
+    <p:extLst>
+      <p:ext uri="{BB962C8B-B14F-4D97-AF65-F5344CB8AC3E}">
+        <p14:creationId xmlns:p14="http://schemas.microsoft.com/office/powerpoint/2010/main" val="2919842970"/>
+      </p:ext>
+    </p:extLst>
+  </p:cSld>
+  <p:clrMapOvr>
+    <a:masterClrMapping/>
+  </p:clrMapOvr>
+</p:sld>
+</file>
+
+<file path=ppt/slides/slide5.xml><?xml version="1.0" encoding="utf-8"?>
+<p:sld xmlns:a="http://schemas.openxmlformats.org/drawingml/2006/main" xmlns:r="http://schemas.openxmlformats.org/officeDocument/2006/relationships" xmlns:p="http://schemas.openxmlformats.org/presentationml/2006/main">
+  <p:cSld>
+    <p:spTree>
+      <p:nvGrpSpPr>
+        <p:cNvPr id="1" name=""/>
+        <p:cNvGrpSpPr/>
+        <p:nvPr/>
+      </p:nvGrpSpPr>
+      <p:grpSpPr>
+        <a:xfrm>
+          <a:off x="0" y="0"/>
+          <a:ext cx="0" cy="0"/>
+          <a:chOff x="0" y="0"/>
+          <a:chExt cx="0" cy="0"/>
+        </a:xfrm>
+      </p:grpSpPr>
+      <p:sp>
+        <p:nvSpPr>
+          <p:cNvPr id="4" name="楕円 3">
+            <a:extLst>
+              <a:ext uri="{FF2B5EF4-FFF2-40B4-BE49-F238E27FC236}">
+                <a16:creationId xmlns:a16="http://schemas.microsoft.com/office/drawing/2014/main" id="{86D75F2E-ADF5-E350-E810-A65E0AD473D4}"/>
+              </a:ext>
+            </a:extLst>
+          </p:cNvPr>
+          <p:cNvSpPr/>
+          <p:nvPr/>
+        </p:nvSpPr>
+        <p:spPr>
+          <a:xfrm>
+            <a:off x="4459514" y="1697541"/>
+            <a:ext cx="914400" cy="914400"/>
+          </a:xfrm>
+          <a:prstGeom prst="ellipse">
+            <a:avLst/>
+          </a:prstGeom>
+        </p:spPr>
+        <p:style>
+          <a:lnRef idx="2">
+            <a:schemeClr val="dk1"/>
+          </a:lnRef>
+          <a:fillRef idx="1">
+            <a:schemeClr val="lt1"/>
+          </a:fillRef>
+          <a:effectRef idx="0">
+            <a:schemeClr val="dk1"/>
+          </a:effectRef>
+          <a:fontRef idx="minor">
+            <a:schemeClr val="dk1"/>
+          </a:fontRef>
+        </p:style>
+        <p:txBody>
+          <a:bodyPr rtlCol="0" anchor="ctr"/>
+          <a:lstStyle/>
+          <a:p>
+            <a:pPr algn="ctr"/>
+            <a:r>
+              <a:rPr kumimoji="1" lang="en-US" altLang="ja-JP" sz="4400" dirty="0"/>
+              <a:t>J</a:t>
+            </a:r>
+            <a:endParaRPr kumimoji="1" lang="ja-JP" altLang="en-US" sz="4400" dirty="0"/>
+          </a:p>
+        </p:txBody>
+      </p:sp>
+      <p:sp>
+        <p:nvSpPr>
+          <p:cNvPr id="5" name="楕円 4">
+            <a:extLst>
+              <a:ext uri="{FF2B5EF4-FFF2-40B4-BE49-F238E27FC236}">
+                <a16:creationId xmlns:a16="http://schemas.microsoft.com/office/drawing/2014/main" id="{1412A989-42D9-313A-3BF0-9E7B5B9E7657}"/>
+              </a:ext>
+            </a:extLst>
+          </p:cNvPr>
+          <p:cNvSpPr/>
+          <p:nvPr/>
+        </p:nvSpPr>
+        <p:spPr>
+          <a:xfrm>
+            <a:off x="7275287" y="4398145"/>
+            <a:ext cx="914400" cy="914400"/>
+          </a:xfrm>
+          <a:prstGeom prst="ellipse">
+            <a:avLst/>
+          </a:prstGeom>
+        </p:spPr>
+        <p:style>
+          <a:lnRef idx="2">
+            <a:schemeClr val="dk1"/>
+          </a:lnRef>
+          <a:fillRef idx="1">
+            <a:schemeClr val="lt1"/>
+          </a:fillRef>
+          <a:effectRef idx="0">
+            <a:schemeClr val="dk1"/>
+          </a:effectRef>
+          <a:fontRef idx="minor">
+            <a:schemeClr val="dk1"/>
+          </a:fontRef>
+        </p:style>
+        <p:txBody>
+          <a:bodyPr rtlCol="0" anchor="ctr"/>
+          <a:lstStyle/>
+          <a:p>
+            <a:pPr algn="ctr"/>
+            <a:r>
+              <a:rPr kumimoji="1" lang="en-US" altLang="ja-JP" sz="4400" dirty="0"/>
+              <a:t>M</a:t>
+            </a:r>
+          </a:p>
+        </p:txBody>
+      </p:sp>
+      <p:sp>
+        <p:nvSpPr>
+          <p:cNvPr id="6" name="楕円 5">
+            <a:extLst>
+              <a:ext uri="{FF2B5EF4-FFF2-40B4-BE49-F238E27FC236}">
+                <a16:creationId xmlns:a16="http://schemas.microsoft.com/office/drawing/2014/main" id="{6D9877E7-3553-2506-43EF-9234182CBD8F}"/>
+              </a:ext>
+            </a:extLst>
+          </p:cNvPr>
+          <p:cNvSpPr/>
+          <p:nvPr/>
+        </p:nvSpPr>
+        <p:spPr>
+          <a:xfrm>
+            <a:off x="7275287" y="1697541"/>
+            <a:ext cx="914400" cy="914400"/>
+          </a:xfrm>
+          <a:prstGeom prst="ellipse">
+            <a:avLst/>
+          </a:prstGeom>
+        </p:spPr>
+        <p:style>
+          <a:lnRef idx="2">
+            <a:schemeClr val="dk1"/>
+          </a:lnRef>
+          <a:fillRef idx="1">
+            <a:schemeClr val="lt1"/>
+          </a:fillRef>
+          <a:effectRef idx="0">
+            <a:schemeClr val="dk1"/>
+          </a:effectRef>
+          <a:fontRef idx="minor">
+            <a:schemeClr val="dk1"/>
+          </a:fontRef>
+        </p:style>
+        <p:txBody>
+          <a:bodyPr rtlCol="0" anchor="ctr"/>
+          <a:lstStyle/>
+          <a:p>
+            <a:pPr algn="ctr"/>
+            <a:r>
+              <a:rPr kumimoji="1" lang="en-US" altLang="ja-JP" sz="4400" dirty="0"/>
+              <a:t>K</a:t>
+            </a:r>
+            <a:endParaRPr kumimoji="1" lang="ja-JP" altLang="en-US" sz="4400" dirty="0"/>
+          </a:p>
+        </p:txBody>
+      </p:sp>
+      <p:sp>
+        <p:nvSpPr>
+          <p:cNvPr id="7" name="楕円 6">
+            <a:extLst>
+              <a:ext uri="{FF2B5EF4-FFF2-40B4-BE49-F238E27FC236}">
+                <a16:creationId xmlns:a16="http://schemas.microsoft.com/office/drawing/2014/main" id="{3C8692B4-D492-F837-1C3F-712EC349460B}"/>
+              </a:ext>
+            </a:extLst>
+          </p:cNvPr>
+          <p:cNvSpPr/>
+          <p:nvPr/>
+        </p:nvSpPr>
+        <p:spPr>
+          <a:xfrm>
+            <a:off x="4459514" y="4398145"/>
+            <a:ext cx="914400" cy="914400"/>
+          </a:xfrm>
+          <a:prstGeom prst="ellipse">
+            <a:avLst/>
+          </a:prstGeom>
+        </p:spPr>
+        <p:style>
+          <a:lnRef idx="2">
+            <a:schemeClr val="dk1"/>
+          </a:lnRef>
+          <a:fillRef idx="1">
+            <a:schemeClr val="lt1"/>
+          </a:fillRef>
+          <a:effectRef idx="0">
+            <a:schemeClr val="dk1"/>
+          </a:effectRef>
+          <a:fontRef idx="minor">
+            <a:schemeClr val="dk1"/>
+          </a:fontRef>
+        </p:style>
+        <p:txBody>
+          <a:bodyPr rtlCol="0" anchor="ctr"/>
+          <a:lstStyle/>
+          <a:p>
+            <a:pPr algn="ctr"/>
+            <a:r>
+              <a:rPr kumimoji="1" lang="en-US" altLang="ja-JP" sz="4400" dirty="0"/>
+              <a:t>H</a:t>
+            </a:r>
+            <a:endParaRPr kumimoji="1" lang="ja-JP" altLang="en-US" sz="4400" dirty="0"/>
+          </a:p>
+        </p:txBody>
+      </p:sp>
+      <p:cxnSp>
+        <p:nvCxnSpPr>
+          <p:cNvPr id="8" name="直線矢印コネクタ 7">
+            <a:extLst>
+              <a:ext uri="{FF2B5EF4-FFF2-40B4-BE49-F238E27FC236}">
+                <a16:creationId xmlns:a16="http://schemas.microsoft.com/office/drawing/2014/main" id="{F5EE8731-C318-56C7-5807-41905A3A478B}"/>
+              </a:ext>
+            </a:extLst>
+          </p:cNvPr>
+          <p:cNvCxnSpPr>
+            <a:cxnSpLocks/>
+            <a:stCxn id="4" idx="4"/>
+            <a:endCxn id="7" idx="0"/>
+          </p:cNvCxnSpPr>
+          <p:nvPr/>
+        </p:nvCxnSpPr>
+        <p:spPr>
+          <a:xfrm>
+            <a:off x="4916714" y="2611941"/>
+            <a:ext cx="0" cy="1786204"/>
+          </a:xfrm>
+          <a:prstGeom prst="straightConnector1">
+            <a:avLst/>
+          </a:prstGeom>
+          <a:ln>
+            <a:solidFill>
+              <a:srgbClr val="FF0000"/>
+            </a:solidFill>
+            <a:headEnd type="arrow" w="lg" len="lg"/>
+            <a:tailEnd type="arrow" w="lg" len="lg"/>
+          </a:ln>
+        </p:spPr>
+        <p:style>
+          <a:lnRef idx="1">
+            <a:schemeClr val="dk1"/>
+          </a:lnRef>
+          <a:fillRef idx="0">
+            <a:schemeClr val="dk1"/>
+          </a:fillRef>
+          <a:effectRef idx="0">
+            <a:schemeClr val="dk1"/>
+          </a:effectRef>
+          <a:fontRef idx="minor">
+            <a:schemeClr val="tx1"/>
+          </a:fontRef>
+        </p:style>
+      </p:cxnSp>
+      <p:cxnSp>
+        <p:nvCxnSpPr>
+          <p:cNvPr id="12" name="直線矢印コネクタ 11">
+            <a:extLst>
+              <a:ext uri="{FF2B5EF4-FFF2-40B4-BE49-F238E27FC236}">
+                <a16:creationId xmlns:a16="http://schemas.microsoft.com/office/drawing/2014/main" id="{1A08DB89-CD06-3611-4BF8-021F671E8BFB}"/>
+              </a:ext>
+            </a:extLst>
+          </p:cNvPr>
+          <p:cNvCxnSpPr>
+            <a:cxnSpLocks/>
+            <a:stCxn id="6" idx="4"/>
+            <a:endCxn id="5" idx="0"/>
+          </p:cNvCxnSpPr>
+          <p:nvPr/>
+        </p:nvCxnSpPr>
+        <p:spPr>
+          <a:xfrm>
+            <a:off x="7732487" y="2611941"/>
+            <a:ext cx="0" cy="1786204"/>
+          </a:xfrm>
+          <a:prstGeom prst="straightConnector1">
+            <a:avLst/>
+          </a:prstGeom>
+          <a:ln>
+            <a:solidFill>
+              <a:srgbClr val="FF0000"/>
+            </a:solidFill>
+            <a:headEnd type="arrow" w="lg" len="lg"/>
+            <a:tailEnd type="arrow" w="lg" len="lg"/>
+          </a:ln>
+        </p:spPr>
+        <p:style>
+          <a:lnRef idx="1">
+            <a:schemeClr val="dk1"/>
+          </a:lnRef>
+          <a:fillRef idx="0">
+            <a:schemeClr val="dk1"/>
+          </a:fillRef>
+          <a:effectRef idx="0">
+            <a:schemeClr val="dk1"/>
+          </a:effectRef>
+          <a:fontRef idx="minor">
+            <a:schemeClr val="tx1"/>
+          </a:fontRef>
+        </p:style>
+      </p:cxnSp>
+      <p:cxnSp>
+        <p:nvCxnSpPr>
+          <p:cNvPr id="15" name="直線矢印コネクタ 14">
+            <a:extLst>
+              <a:ext uri="{FF2B5EF4-FFF2-40B4-BE49-F238E27FC236}">
+                <a16:creationId xmlns:a16="http://schemas.microsoft.com/office/drawing/2014/main" id="{5AA8699C-FDF3-CE26-0246-2D1D27D5B2BE}"/>
+              </a:ext>
+            </a:extLst>
+          </p:cNvPr>
+          <p:cNvCxnSpPr>
+            <a:cxnSpLocks/>
+            <a:stCxn id="4" idx="6"/>
+            <a:endCxn id="6" idx="2"/>
+          </p:cNvCxnSpPr>
+          <p:nvPr/>
+        </p:nvCxnSpPr>
+        <p:spPr>
+          <a:xfrm>
+            <a:off x="5373914" y="2154741"/>
+            <a:ext cx="1901373" cy="0"/>
+          </a:xfrm>
+          <a:prstGeom prst="straightConnector1">
+            <a:avLst/>
+          </a:prstGeom>
+          <a:ln>
+            <a:headEnd type="arrow" w="lg" len="lg"/>
+            <a:tailEnd type="arrow" w="lg" len="lg"/>
+          </a:ln>
+        </p:spPr>
+        <p:style>
+          <a:lnRef idx="1">
+            <a:schemeClr val="dk1"/>
+          </a:lnRef>
+          <a:fillRef idx="0">
+            <a:schemeClr val="dk1"/>
+          </a:fillRef>
+          <a:effectRef idx="0">
+            <a:schemeClr val="dk1"/>
+          </a:effectRef>
+          <a:fontRef idx="minor">
+            <a:schemeClr val="tx1"/>
+          </a:fontRef>
+        </p:style>
+      </p:cxnSp>
+      <p:cxnSp>
+        <p:nvCxnSpPr>
+          <p:cNvPr id="18" name="直線矢印コネクタ 17">
+            <a:extLst>
+              <a:ext uri="{FF2B5EF4-FFF2-40B4-BE49-F238E27FC236}">
+                <a16:creationId xmlns:a16="http://schemas.microsoft.com/office/drawing/2014/main" id="{FF65AB61-A288-1F5D-1386-DD40B920664B}"/>
+              </a:ext>
+            </a:extLst>
+          </p:cNvPr>
+          <p:cNvCxnSpPr>
+            <a:cxnSpLocks/>
+            <a:stCxn id="4" idx="5"/>
+            <a:endCxn id="5" idx="1"/>
+          </p:cNvCxnSpPr>
+          <p:nvPr/>
+        </p:nvCxnSpPr>
+        <p:spPr>
+          <a:xfrm>
+            <a:off x="5240003" y="2478030"/>
+            <a:ext cx="2169195" cy="2054026"/>
+          </a:xfrm>
+          <a:prstGeom prst="straightConnector1">
+            <a:avLst/>
+          </a:prstGeom>
+          <a:ln>
+            <a:solidFill>
+              <a:srgbClr val="FF0000"/>
+            </a:solidFill>
+            <a:headEnd type="arrow" w="lg" len="lg"/>
+            <a:tailEnd type="arrow" w="lg" len="lg"/>
+          </a:ln>
+        </p:spPr>
+        <p:style>
+          <a:lnRef idx="1">
+            <a:schemeClr val="dk1"/>
+          </a:lnRef>
+          <a:fillRef idx="0">
+            <a:schemeClr val="dk1"/>
+          </a:fillRef>
+          <a:effectRef idx="0">
+            <a:schemeClr val="dk1"/>
+          </a:effectRef>
+          <a:fontRef idx="minor">
+            <a:schemeClr val="tx1"/>
+          </a:fontRef>
+        </p:style>
+      </p:cxnSp>
+      <p:cxnSp>
+        <p:nvCxnSpPr>
+          <p:cNvPr id="22" name="直線矢印コネクタ 21">
+            <a:extLst>
+              <a:ext uri="{FF2B5EF4-FFF2-40B4-BE49-F238E27FC236}">
+                <a16:creationId xmlns:a16="http://schemas.microsoft.com/office/drawing/2014/main" id="{82408E8F-1685-9EBF-F012-9EE1311ECC31}"/>
+              </a:ext>
+            </a:extLst>
+          </p:cNvPr>
+          <p:cNvCxnSpPr>
+            <a:cxnSpLocks/>
+            <a:stCxn id="7" idx="7"/>
+            <a:endCxn id="6" idx="3"/>
+          </p:cNvCxnSpPr>
+          <p:nvPr/>
+        </p:nvCxnSpPr>
+        <p:spPr>
+          <a:xfrm flipV="1">
+            <a:off x="5240003" y="2478030"/>
+            <a:ext cx="2169195" cy="2054026"/>
+          </a:xfrm>
+          <a:prstGeom prst="straightConnector1">
+            <a:avLst/>
+          </a:prstGeom>
+          <a:ln>
+            <a:solidFill>
+              <a:srgbClr val="FF0000"/>
+            </a:solidFill>
+            <a:headEnd type="arrow" w="lg" len="lg"/>
+            <a:tailEnd type="arrow" w="lg" len="lg"/>
+          </a:ln>
+        </p:spPr>
+        <p:style>
+          <a:lnRef idx="1">
+            <a:schemeClr val="dk1"/>
+          </a:lnRef>
+          <a:fillRef idx="0">
+            <a:schemeClr val="dk1"/>
+          </a:fillRef>
+          <a:effectRef idx="0">
+            <a:schemeClr val="dk1"/>
+          </a:effectRef>
+          <a:fontRef idx="minor">
+            <a:schemeClr val="tx1"/>
+          </a:fontRef>
+        </p:style>
+      </p:cxnSp>
+      <p:cxnSp>
+        <p:nvCxnSpPr>
+          <p:cNvPr id="25" name="直線矢印コネクタ 24">
+            <a:extLst>
+              <a:ext uri="{FF2B5EF4-FFF2-40B4-BE49-F238E27FC236}">
+                <a16:creationId xmlns:a16="http://schemas.microsoft.com/office/drawing/2014/main" id="{A6804355-D7E9-7166-E7C3-22ADE7503BAA}"/>
+              </a:ext>
+            </a:extLst>
+          </p:cNvPr>
+          <p:cNvCxnSpPr>
+            <a:cxnSpLocks/>
+            <a:stCxn id="7" idx="6"/>
+            <a:endCxn id="5" idx="2"/>
+          </p:cNvCxnSpPr>
+          <p:nvPr/>
+        </p:nvCxnSpPr>
+        <p:spPr>
+          <a:xfrm>
+            <a:off x="5373914" y="4855345"/>
+            <a:ext cx="1901373" cy="0"/>
+          </a:xfrm>
+          <a:prstGeom prst="straightConnector1">
+            <a:avLst/>
+          </a:prstGeom>
+          <a:ln>
+            <a:headEnd type="arrow" w="lg" len="lg"/>
+            <a:tailEnd type="arrow" w="lg" len="lg"/>
+          </a:ln>
+        </p:spPr>
+        <p:style>
+          <a:lnRef idx="1">
+            <a:schemeClr val="dk1"/>
+          </a:lnRef>
+          <a:fillRef idx="0">
+            <a:schemeClr val="dk1"/>
+          </a:fillRef>
+          <a:effectRef idx="0">
+            <a:schemeClr val="dk1"/>
+          </a:effectRef>
+          <a:fontRef idx="minor">
+            <a:schemeClr val="tx1"/>
+          </a:fontRef>
+        </p:style>
+      </p:cxnSp>
+      <p:sp>
+        <p:nvSpPr>
+          <p:cNvPr id="28" name="テキスト ボックス 27">
+            <a:extLst>
+              <a:ext uri="{FF2B5EF4-FFF2-40B4-BE49-F238E27FC236}">
+                <a16:creationId xmlns:a16="http://schemas.microsoft.com/office/drawing/2014/main" id="{FA4B22A0-173F-4628-04B8-F2F203AEB1A3}"/>
+              </a:ext>
+            </a:extLst>
+          </p:cNvPr>
+          <p:cNvSpPr txBox="1"/>
+          <p:nvPr/>
+        </p:nvSpPr>
+        <p:spPr>
+          <a:xfrm>
+            <a:off x="6074456" y="1600619"/>
+            <a:ext cx="914401" cy="461665"/>
+          </a:xfrm>
+          <a:prstGeom prst="rect">
+            <a:avLst/>
+          </a:prstGeom>
+          <a:noFill/>
+          <a:ln>
+            <a:solidFill>
+              <a:schemeClr val="tx1"/>
+            </a:solidFill>
+            <a:prstDash val="dash"/>
+          </a:ln>
+        </p:spPr>
+        <p:txBody>
+          <a:bodyPr wrap="square" rtlCol="0">
+            <a:spAutoFit/>
+          </a:bodyPr>
+          <a:lstStyle/>
+          <a:p>
+            <a:r>
+              <a:rPr kumimoji="1" lang="en-US" altLang="ja-JP" sz="2400" b="1" dirty="0" err="1"/>
+              <a:t>r.jk</a:t>
+            </a:r>
+            <a:endParaRPr kumimoji="1" lang="ja-JP" altLang="en-US" sz="2400" b="1" dirty="0"/>
+          </a:p>
+        </p:txBody>
+      </p:sp>
+      <p:sp>
+        <p:nvSpPr>
+          <p:cNvPr id="29" name="テキスト ボックス 28">
+            <a:extLst>
+              <a:ext uri="{FF2B5EF4-FFF2-40B4-BE49-F238E27FC236}">
+                <a16:creationId xmlns:a16="http://schemas.microsoft.com/office/drawing/2014/main" id="{9AEDC8D2-EECF-AA83-2F31-5669FCF8E3B9}"/>
+              </a:ext>
+            </a:extLst>
+          </p:cNvPr>
+          <p:cNvSpPr txBox="1"/>
+          <p:nvPr/>
+        </p:nvSpPr>
+        <p:spPr>
+          <a:xfrm>
+            <a:off x="5434997" y="2750061"/>
+            <a:ext cx="805543" cy="461665"/>
+          </a:xfrm>
+          <a:prstGeom prst="rect">
+            <a:avLst/>
+          </a:prstGeom>
+          <a:solidFill>
+            <a:schemeClr val="bg1"/>
+          </a:solidFill>
+          <a:ln>
+            <a:solidFill>
+              <a:schemeClr val="bg1"/>
+            </a:solidFill>
+            <a:prstDash val="dash"/>
+          </a:ln>
+        </p:spPr>
+        <p:txBody>
+          <a:bodyPr wrap="square" rtlCol="0">
+            <a:spAutoFit/>
+          </a:bodyPr>
+          <a:lstStyle/>
+          <a:p>
+            <a:r>
+              <a:rPr kumimoji="1" lang="en-US" altLang="ja-JP" sz="2400" b="1" dirty="0">
+                <a:solidFill>
+                  <a:srgbClr val="FF0000"/>
+                </a:solidFill>
+              </a:rPr>
+              <a:t>r.jm</a:t>
+            </a:r>
+            <a:endParaRPr kumimoji="1" lang="ja-JP" altLang="en-US" sz="2400" b="1" dirty="0">
+              <a:solidFill>
+                <a:srgbClr val="FF0000"/>
+              </a:solidFill>
+            </a:endParaRPr>
+          </a:p>
+        </p:txBody>
+      </p:sp>
+      <p:sp>
+        <p:nvSpPr>
+          <p:cNvPr id="30" name="テキスト ボックス 29">
+            <a:extLst>
+              <a:ext uri="{FF2B5EF4-FFF2-40B4-BE49-F238E27FC236}">
+                <a16:creationId xmlns:a16="http://schemas.microsoft.com/office/drawing/2014/main" id="{3740A2B1-B926-1B80-3BD9-3DC5337DC8B1}"/>
+              </a:ext>
+            </a:extLst>
+          </p:cNvPr>
+          <p:cNvSpPr txBox="1"/>
+          <p:nvPr/>
+        </p:nvSpPr>
+        <p:spPr>
+          <a:xfrm>
+            <a:off x="4587551" y="3179393"/>
+            <a:ext cx="847446" cy="461665"/>
+          </a:xfrm>
+          <a:prstGeom prst="rect">
+            <a:avLst/>
+          </a:prstGeom>
+          <a:solidFill>
+            <a:schemeClr val="bg1"/>
+          </a:solidFill>
+          <a:ln>
+            <a:solidFill>
+              <a:schemeClr val="bg1"/>
+            </a:solidFill>
+            <a:prstDash val="dash"/>
+          </a:ln>
+        </p:spPr>
+        <p:txBody>
+          <a:bodyPr wrap="square" rtlCol="0">
+            <a:spAutoFit/>
+          </a:bodyPr>
+          <a:lstStyle/>
+          <a:p>
+            <a:r>
+              <a:rPr kumimoji="1" lang="en-US" altLang="ja-JP" sz="2400" b="1" dirty="0" err="1">
+                <a:solidFill>
+                  <a:srgbClr val="FF0000"/>
+                </a:solidFill>
+              </a:rPr>
+              <a:t>r.jh</a:t>
+            </a:r>
+            <a:endParaRPr kumimoji="1" lang="ja-JP" altLang="en-US" sz="2400" b="1" dirty="0">
+              <a:solidFill>
+                <a:srgbClr val="FF0000"/>
+              </a:solidFill>
+            </a:endParaRPr>
+          </a:p>
+        </p:txBody>
+      </p:sp>
+      <p:sp>
+        <p:nvSpPr>
+          <p:cNvPr id="31" name="テキスト ボックス 30">
+            <a:extLst>
+              <a:ext uri="{FF2B5EF4-FFF2-40B4-BE49-F238E27FC236}">
+                <a16:creationId xmlns:a16="http://schemas.microsoft.com/office/drawing/2014/main" id="{201D5C00-0A75-F332-E188-5027320C78DE}"/>
+              </a:ext>
+            </a:extLst>
+          </p:cNvPr>
+          <p:cNvSpPr txBox="1"/>
+          <p:nvPr/>
+        </p:nvSpPr>
+        <p:spPr>
+          <a:xfrm>
+            <a:off x="6074456" y="5026548"/>
+            <a:ext cx="914401" cy="461665"/>
+          </a:xfrm>
+          <a:prstGeom prst="rect">
+            <a:avLst/>
+          </a:prstGeom>
+          <a:noFill/>
+          <a:ln>
+            <a:solidFill>
+              <a:schemeClr val="tx1"/>
+            </a:solidFill>
+            <a:prstDash val="dash"/>
+          </a:ln>
+        </p:spPr>
+        <p:txBody>
+          <a:bodyPr wrap="square" rtlCol="0">
+            <a:spAutoFit/>
+          </a:bodyPr>
+          <a:lstStyle/>
+          <a:p>
+            <a:r>
+              <a:rPr kumimoji="1" lang="en-US" altLang="ja-JP" sz="2400" b="1" dirty="0"/>
+              <a:t>r.hm</a:t>
+            </a:r>
+            <a:endParaRPr kumimoji="1" lang="ja-JP" altLang="en-US" sz="2400" b="1" dirty="0"/>
+          </a:p>
+        </p:txBody>
+      </p:sp>
+      <p:sp>
+        <p:nvSpPr>
+          <p:cNvPr id="32" name="テキスト ボックス 31">
+            <a:extLst>
+              <a:ext uri="{FF2B5EF4-FFF2-40B4-BE49-F238E27FC236}">
+                <a16:creationId xmlns:a16="http://schemas.microsoft.com/office/drawing/2014/main" id="{AEBCC31D-1335-D64F-5AE8-CA506282E42A}"/>
+              </a:ext>
+            </a:extLst>
+          </p:cNvPr>
+          <p:cNvSpPr txBox="1"/>
+          <p:nvPr/>
+        </p:nvSpPr>
+        <p:spPr>
+          <a:xfrm>
+            <a:off x="6563828" y="2750060"/>
+            <a:ext cx="805543" cy="461665"/>
+          </a:xfrm>
+          <a:prstGeom prst="rect">
+            <a:avLst/>
+          </a:prstGeom>
+          <a:solidFill>
+            <a:schemeClr val="bg1"/>
+          </a:solidFill>
+          <a:ln>
+            <a:solidFill>
+              <a:schemeClr val="bg1"/>
+            </a:solidFill>
+            <a:prstDash val="dash"/>
+          </a:ln>
+        </p:spPr>
+        <p:txBody>
+          <a:bodyPr wrap="square" rtlCol="0">
+            <a:spAutoFit/>
+          </a:bodyPr>
+          <a:lstStyle/>
+          <a:p>
+            <a:r>
+              <a:rPr kumimoji="1" lang="en-US" altLang="ja-JP" sz="2400" b="1" dirty="0">
+                <a:solidFill>
+                  <a:srgbClr val="FF0000"/>
+                </a:solidFill>
+              </a:rPr>
+              <a:t>r.kh</a:t>
+            </a:r>
+            <a:endParaRPr kumimoji="1" lang="ja-JP" altLang="en-US" sz="2400" b="1" dirty="0">
+              <a:solidFill>
+                <a:srgbClr val="FF0000"/>
+              </a:solidFill>
+            </a:endParaRPr>
+          </a:p>
+        </p:txBody>
+      </p:sp>
+      <p:sp>
+        <p:nvSpPr>
+          <p:cNvPr id="33" name="テキスト ボックス 32">
+            <a:extLst>
+              <a:ext uri="{FF2B5EF4-FFF2-40B4-BE49-F238E27FC236}">
+                <a16:creationId xmlns:a16="http://schemas.microsoft.com/office/drawing/2014/main" id="{45AAA4ED-0946-17B0-6C73-BC18594E1901}"/>
+              </a:ext>
+            </a:extLst>
+          </p:cNvPr>
+          <p:cNvSpPr txBox="1"/>
+          <p:nvPr/>
+        </p:nvSpPr>
+        <p:spPr>
+          <a:xfrm>
+            <a:off x="7384144" y="3336696"/>
+            <a:ext cx="805543" cy="461665"/>
+          </a:xfrm>
+          <a:prstGeom prst="rect">
+            <a:avLst/>
+          </a:prstGeom>
+          <a:solidFill>
+            <a:schemeClr val="bg1"/>
+          </a:solidFill>
+          <a:ln>
+            <a:noFill/>
+            <a:prstDash val="dash"/>
+          </a:ln>
+        </p:spPr>
+        <p:txBody>
+          <a:bodyPr wrap="square" rtlCol="0">
+            <a:spAutoFit/>
+          </a:bodyPr>
+          <a:lstStyle/>
+          <a:p>
+            <a:r>
+              <a:rPr kumimoji="1" lang="en-US" altLang="ja-JP" sz="2400" b="1" dirty="0">
+                <a:solidFill>
+                  <a:srgbClr val="FF0000"/>
+                </a:solidFill>
+              </a:rPr>
+              <a:t>r.km</a:t>
+            </a:r>
+            <a:endParaRPr kumimoji="1" lang="ja-JP" altLang="en-US" sz="2400" b="1" dirty="0">
+              <a:solidFill>
+                <a:srgbClr val="FF0000"/>
+              </a:solidFill>
+            </a:endParaRPr>
+          </a:p>
+        </p:txBody>
+      </p:sp>
+      <p:cxnSp>
+        <p:nvCxnSpPr>
+          <p:cNvPr id="34" name="コネクタ: 曲線 33">
+            <a:extLst>
+              <a:ext uri="{FF2B5EF4-FFF2-40B4-BE49-F238E27FC236}">
+                <a16:creationId xmlns:a16="http://schemas.microsoft.com/office/drawing/2014/main" id="{BBBF10A3-3867-B0AB-3509-B85ABEAB1D35}"/>
+              </a:ext>
+            </a:extLst>
+          </p:cNvPr>
+          <p:cNvCxnSpPr>
+            <a:cxnSpLocks/>
+            <a:stCxn id="28" idx="0"/>
+            <a:endCxn id="31" idx="2"/>
+          </p:cNvCxnSpPr>
+          <p:nvPr/>
+        </p:nvCxnSpPr>
+        <p:spPr>
+          <a:xfrm rot="16200000" flipH="1">
+            <a:off x="4587860" y="3544416"/>
+            <a:ext cx="3887594" cy="12700"/>
+          </a:xfrm>
+          <a:prstGeom prst="curvedConnector5">
+            <a:avLst>
+              <a:gd name="adj1" fmla="val -5880"/>
+              <a:gd name="adj2" fmla="val -25342850"/>
+              <a:gd name="adj3" fmla="val 105880"/>
+            </a:avLst>
+          </a:prstGeom>
+          <a:ln>
+            <a:headEnd type="triangle"/>
+            <a:tailEnd type="triangle"/>
+          </a:ln>
+        </p:spPr>
+        <p:style>
+          <a:lnRef idx="1">
+            <a:schemeClr val="accent1"/>
+          </a:lnRef>
+          <a:fillRef idx="0">
+            <a:schemeClr val="accent1"/>
+          </a:fillRef>
+          <a:effectRef idx="0">
+            <a:schemeClr val="accent1"/>
+          </a:effectRef>
+          <a:fontRef idx="minor">
+            <a:schemeClr val="tx1"/>
+          </a:fontRef>
+        </p:style>
+      </p:cxnSp>
+      <p:sp>
+        <p:nvSpPr>
+          <p:cNvPr id="35" name="テキスト ボックス 34">
+            <a:extLst>
+              <a:ext uri="{FF2B5EF4-FFF2-40B4-BE49-F238E27FC236}">
+                <a16:creationId xmlns:a16="http://schemas.microsoft.com/office/drawing/2014/main" id="{42E0E8FA-E008-FF14-3863-AB60B119D7BD}"/>
+              </a:ext>
+            </a:extLst>
+          </p:cNvPr>
+          <p:cNvSpPr txBox="1"/>
+          <p:nvPr/>
+        </p:nvSpPr>
+        <p:spPr>
+          <a:xfrm>
+            <a:off x="1488538" y="3152029"/>
+            <a:ext cx="1702572" cy="830997"/>
+          </a:xfrm>
+          <a:prstGeom prst="rect">
+            <a:avLst/>
+          </a:prstGeom>
+          <a:noFill/>
+        </p:spPr>
+        <p:txBody>
+          <a:bodyPr wrap="square" rtlCol="0">
+            <a:spAutoFit/>
+          </a:bodyPr>
+          <a:lstStyle/>
+          <a:p>
+            <a:r>
+              <a:rPr kumimoji="1" lang="ja-JP" altLang="en-US" sz="2400" b="1" dirty="0"/>
+              <a:t>ここの差を検定したい</a:t>
+            </a:r>
+          </a:p>
+        </p:txBody>
+      </p:sp>
+    </p:spTree>
+    <p:extLst>
+      <p:ext uri="{BB962C8B-B14F-4D97-AF65-F5344CB8AC3E}">
+        <p14:creationId xmlns:p14="http://schemas.microsoft.com/office/powerpoint/2010/main" val="4105149658"/>
+      </p:ext>
+    </p:extLst>
+  </p:cSld>
+  <p:clrMapOvr>
+    <a:masterClrMapping/>
+  </p:clrMapOvr>
+</p:sld>
+</file>
+
+<file path=ppt/slides/slide6.xml><?xml version="1.0" encoding="utf-8"?>
+<p:sld xmlns:a="http://schemas.openxmlformats.org/drawingml/2006/main" xmlns:r="http://schemas.openxmlformats.org/officeDocument/2006/relationships" xmlns:p="http://schemas.openxmlformats.org/presentationml/2006/main">
+  <p:cSld>
+    <p:spTree>
+      <p:nvGrpSpPr>
+        <p:cNvPr id="1" name=""/>
+        <p:cNvGrpSpPr/>
+        <p:nvPr/>
+      </p:nvGrpSpPr>
+      <p:grpSpPr>
+        <a:xfrm>
+          <a:off x="0" y="0"/>
+          <a:ext cx="0" cy="0"/>
+          <a:chOff x="0" y="0"/>
+          <a:chExt cx="0" cy="0"/>
+        </a:xfrm>
+      </p:grpSpPr>
+      <p:sp>
+        <p:nvSpPr>
           <p:cNvPr id="4" name="正方形/長方形 3">
             <a:extLst>
               <a:ext uri="{FF2B5EF4-FFF2-40B4-BE49-F238E27FC236}">
@@ -7783,7 +10222,7 @@
 </p:sld>
 </file>
 
-<file path=ppt/slides/slide5.xml><?xml version="1.0" encoding="utf-8"?>
+<file path=ppt/slides/slide7.xml><?xml version="1.0" encoding="utf-8"?>
 <p:sld xmlns:a="http://schemas.openxmlformats.org/drawingml/2006/main" xmlns:r="http://schemas.openxmlformats.org/officeDocument/2006/relationships" xmlns:p="http://schemas.openxmlformats.org/presentationml/2006/main">
   <p:cSld>
     <p:spTree>
@@ -7915,10 +10354,6 @@
               <a:rPr kumimoji="1" lang="ja-JP" altLang="en-US" dirty="0"/>
               <a:t>水準：</a:t>
             </a:r>
-            <a:r>
-              <a:rPr kumimoji="1" lang="en-US" altLang="ja-JP" dirty="0"/>
-              <a:t/>
-            </a:r>
             <a:br>
               <a:rPr kumimoji="1" lang="en-US" altLang="ja-JP" dirty="0"/>
             </a:br>
@@ -7933,10 +10368,6 @@
             <a:r>
               <a:rPr kumimoji="1" lang="ja-JP" altLang="en-US" dirty="0"/>
               <a:t>石川</a:t>
-            </a:r>
-            <a:r>
-              <a:rPr kumimoji="1" lang="en-US" altLang="ja-JP" dirty="0"/>
-              <a:t/>
             </a:r>
             <a:br>
               <a:rPr kumimoji="1" lang="en-US" altLang="ja-JP" dirty="0"/>
@@ -8006,7 +10437,7 @@
 </p:sld>
 </file>
 
-<file path=ppt/slides/slide6.xml><?xml version="1.0" encoding="utf-8"?>
+<file path=ppt/slides/slide8.xml><?xml version="1.0" encoding="utf-8"?>
 <p:sld xmlns:a="http://schemas.openxmlformats.org/drawingml/2006/main" xmlns:r="http://schemas.openxmlformats.org/officeDocument/2006/relationships" xmlns:p="http://schemas.openxmlformats.org/presentationml/2006/main">
   <p:cSld>
     <p:spTree>
@@ -8133,10 +10564,6 @@
             <a:r>
               <a:rPr kumimoji="1" lang="ja-JP" altLang="en-US" dirty="0"/>
               <a:t>：</a:t>
-            </a:r>
-            <a:r>
-              <a:rPr kumimoji="1" lang="en-US" altLang="ja-JP" dirty="0"/>
-              <a:t/>
             </a:r>
             <a:br>
               <a:rPr kumimoji="1" lang="en-US" altLang="ja-JP" dirty="0"/>
@@ -8266,10 +10693,6 @@
             <a:r>
               <a:rPr kumimoji="1" lang="ja-JP" altLang="en-US" dirty="0"/>
               <a:t>：</a:t>
-            </a:r>
-            <a:r>
-              <a:rPr kumimoji="1" lang="en-US" altLang="ja-JP" dirty="0"/>
-              <a:t/>
             </a:r>
             <a:br>
               <a:rPr kumimoji="1" lang="en-US" altLang="ja-JP" dirty="0"/>
@@ -8367,7 +10790,7 @@
 </p:sld>
 </file>
 
-<file path=ppt/slides/slide7.xml><?xml version="1.0" encoding="utf-8"?>
+<file path=ppt/slides/slide9.xml><?xml version="1.0" encoding="utf-8"?>
 <p:sld xmlns:a="http://schemas.openxmlformats.org/drawingml/2006/main" xmlns:r="http://schemas.openxmlformats.org/officeDocument/2006/relationships" xmlns:p="http://schemas.openxmlformats.org/presentationml/2006/main">
   <p:cSld>
     <p:spTree>
@@ -8503,10 +10926,6 @@
             <a:r>
               <a:rPr kumimoji="1" lang="ja-JP" altLang="en-US" dirty="0"/>
               <a:t>：</a:t>
-            </a:r>
-            <a:r>
-              <a:rPr kumimoji="1" lang="en-US" altLang="ja-JP" dirty="0"/>
-              <a:t/>
             </a:r>
             <a:br>
               <a:rPr kumimoji="1" lang="en-US" altLang="ja-JP" dirty="0"/>
@@ -8636,10 +11055,6 @@
             <a:r>
               <a:rPr kumimoji="1" lang="ja-JP" altLang="en-US" dirty="0"/>
               <a:t>：</a:t>
-            </a:r>
-            <a:r>
-              <a:rPr kumimoji="1" lang="en-US" altLang="ja-JP" dirty="0"/>
-              <a:t/>
             </a:r>
             <a:br>
               <a:rPr kumimoji="1" lang="en-US" altLang="ja-JP" dirty="0"/>
@@ -8725,1118 +11140,6 @@
     <p:extLst>
       <p:ext uri="{BB962C8B-B14F-4D97-AF65-F5344CB8AC3E}">
         <p14:creationId xmlns:p14="http://schemas.microsoft.com/office/powerpoint/2010/main" val="2192949783"/>
-      </p:ext>
-    </p:extLst>
-  </p:cSld>
-  <p:clrMapOvr>
-    <a:masterClrMapping/>
-  </p:clrMapOvr>
-</p:sld>
-</file>
-
-<file path=ppt/slides/slide8.xml><?xml version="1.0" encoding="utf-8"?>
-<p:sld xmlns:a="http://schemas.openxmlformats.org/drawingml/2006/main" xmlns:r="http://schemas.openxmlformats.org/officeDocument/2006/relationships" xmlns:p="http://schemas.openxmlformats.org/presentationml/2006/main">
-  <p:cSld>
-    <p:spTree>
-      <p:nvGrpSpPr>
-        <p:cNvPr id="1" name=""/>
-        <p:cNvGrpSpPr/>
-        <p:nvPr/>
-      </p:nvGrpSpPr>
-      <p:grpSpPr>
-        <a:xfrm>
-          <a:off x="0" y="0"/>
-          <a:ext cx="0" cy="0"/>
-          <a:chOff x="0" y="0"/>
-          <a:chExt cx="0" cy="0"/>
-        </a:xfrm>
-      </p:grpSpPr>
-      <p:sp>
-        <p:nvSpPr>
-          <p:cNvPr id="4" name="正方形/長方形 3">
-            <a:extLst>
-              <a:ext uri="{FF2B5EF4-FFF2-40B4-BE49-F238E27FC236}">
-                <a16:creationId xmlns:a16="http://schemas.microsoft.com/office/drawing/2014/main" id="{D1E12261-89B1-F2A3-34A0-BBE7B31A48CA}"/>
-              </a:ext>
-            </a:extLst>
-          </p:cNvPr>
-          <p:cNvSpPr/>
-          <p:nvPr/>
-        </p:nvSpPr>
-        <p:spPr>
-          <a:xfrm>
-            <a:off x="6934200" y="2916936"/>
-            <a:ext cx="2476500" cy="1024128"/>
-          </a:xfrm>
-          <a:prstGeom prst="rect">
-            <a:avLst/>
-          </a:prstGeom>
-        </p:spPr>
-        <p:style>
-          <a:lnRef idx="2">
-            <a:schemeClr val="accent3">
-              <a:shade val="15000"/>
-            </a:schemeClr>
-          </a:lnRef>
-          <a:fillRef idx="1">
-            <a:schemeClr val="accent3"/>
-          </a:fillRef>
-          <a:effectRef idx="0">
-            <a:schemeClr val="accent3"/>
-          </a:effectRef>
-          <a:fontRef idx="minor">
-            <a:schemeClr val="lt1"/>
-          </a:fontRef>
-        </p:style>
-        <p:txBody>
-          <a:bodyPr rtlCol="0" anchor="ctr"/>
-          <a:lstStyle/>
-          <a:p>
-            <a:pPr algn="ctr"/>
-            <a:r>
-              <a:rPr kumimoji="1" lang="ja-JP" altLang="en-US" dirty="0"/>
-              <a:t>目的変数：</a:t>
-            </a:r>
-            <a:endParaRPr kumimoji="1" lang="en-US" altLang="ja-JP" dirty="0"/>
-          </a:p>
-          <a:p>
-            <a:pPr algn="ctr"/>
-            <a:r>
-              <a:rPr kumimoji="1" lang="ja-JP" altLang="en-US" dirty="0"/>
-              <a:t>収穫量</a:t>
-            </a:r>
-            <a:endParaRPr kumimoji="1" lang="en-US" altLang="ja-JP" dirty="0"/>
-          </a:p>
-          <a:p>
-            <a:pPr algn="ctr"/>
-            <a:r>
-              <a:rPr lang="ja-JP" altLang="en-US" dirty="0"/>
-              <a:t>（連続変数）</a:t>
-            </a:r>
-            <a:endParaRPr kumimoji="1" lang="ja-JP" altLang="en-US" dirty="0"/>
-          </a:p>
-        </p:txBody>
-      </p:sp>
-      <p:sp>
-        <p:nvSpPr>
-          <p:cNvPr id="5" name="正方形/長方形 4">
-            <a:extLst>
-              <a:ext uri="{FF2B5EF4-FFF2-40B4-BE49-F238E27FC236}">
-                <a16:creationId xmlns:a16="http://schemas.microsoft.com/office/drawing/2014/main" id="{AC2650BC-2D2B-5AF3-86DA-8F1504AF3245}"/>
-              </a:ext>
-            </a:extLst>
-          </p:cNvPr>
-          <p:cNvSpPr/>
-          <p:nvPr/>
-        </p:nvSpPr>
-        <p:spPr>
-          <a:xfrm>
-            <a:off x="2514600" y="1695449"/>
-            <a:ext cx="2371725" cy="1485900"/>
-          </a:xfrm>
-          <a:prstGeom prst="rect">
-            <a:avLst/>
-          </a:prstGeom>
-        </p:spPr>
-        <p:style>
-          <a:lnRef idx="2">
-            <a:schemeClr val="accent3">
-              <a:shade val="15000"/>
-            </a:schemeClr>
-          </a:lnRef>
-          <a:fillRef idx="1">
-            <a:schemeClr val="accent3"/>
-          </a:fillRef>
-          <a:effectRef idx="0">
-            <a:schemeClr val="accent3"/>
-          </a:effectRef>
-          <a:fontRef idx="minor">
-            <a:schemeClr val="lt1"/>
-          </a:fontRef>
-        </p:style>
-        <p:txBody>
-          <a:bodyPr rtlCol="0" anchor="ctr"/>
-          <a:lstStyle/>
-          <a:p>
-            <a:pPr algn="ctr"/>
-            <a:r>
-              <a:rPr kumimoji="1" lang="ja-JP" altLang="en-US" dirty="0"/>
-              <a:t>説明変数</a:t>
-            </a:r>
-            <a:r>
-              <a:rPr kumimoji="1" lang="en-US" altLang="ja-JP" dirty="0"/>
-              <a:t>1</a:t>
-            </a:r>
-            <a:r>
-              <a:rPr kumimoji="1" lang="ja-JP" altLang="en-US" dirty="0"/>
-              <a:t>：</a:t>
-            </a:r>
-            <a:r>
-              <a:rPr kumimoji="1" lang="en-US" altLang="ja-JP" dirty="0"/>
-              <a:t/>
-            </a:r>
-            <a:br>
-              <a:rPr kumimoji="1" lang="en-US" altLang="ja-JP" dirty="0"/>
-            </a:br>
-            <a:r>
-              <a:rPr kumimoji="1" lang="ja-JP" altLang="en-US" dirty="0"/>
-              <a:t>小麦品種</a:t>
-            </a:r>
-            <a:endParaRPr kumimoji="1" lang="en-US" altLang="ja-JP" dirty="0"/>
-          </a:p>
-          <a:p>
-            <a:pPr algn="ctr"/>
-            <a:endParaRPr kumimoji="1" lang="en-US" altLang="ja-JP" sz="500" dirty="0"/>
-          </a:p>
-          <a:p>
-            <a:pPr algn="ctr"/>
-            <a:r>
-              <a:rPr kumimoji="1" lang="ja-JP" altLang="en-US" dirty="0"/>
-              <a:t>水準：</a:t>
-            </a:r>
-            <a:r>
-              <a:rPr kumimoji="1" lang="en-US" altLang="ja-JP" dirty="0"/>
-              <a:t>A</a:t>
-            </a:r>
-            <a:r>
-              <a:rPr lang="en-US" altLang="ja-JP" dirty="0"/>
-              <a:t>,B</a:t>
-            </a:r>
-          </a:p>
-        </p:txBody>
-      </p:sp>
-      <p:cxnSp>
-        <p:nvCxnSpPr>
-          <p:cNvPr id="6" name="直線矢印コネクタ 5">
-            <a:extLst>
-              <a:ext uri="{FF2B5EF4-FFF2-40B4-BE49-F238E27FC236}">
-                <a16:creationId xmlns:a16="http://schemas.microsoft.com/office/drawing/2014/main" id="{78716ED2-DF3B-D92E-7BD8-3AA09D91A477}"/>
-              </a:ext>
-            </a:extLst>
-          </p:cNvPr>
-          <p:cNvCxnSpPr>
-            <a:cxnSpLocks/>
-            <a:stCxn id="5" idx="3"/>
-            <a:endCxn id="4" idx="1"/>
-          </p:cNvCxnSpPr>
-          <p:nvPr/>
-        </p:nvCxnSpPr>
-        <p:spPr>
-          <a:xfrm>
-            <a:off x="4886325" y="2438399"/>
-            <a:ext cx="2047875" cy="990601"/>
-          </a:xfrm>
-          <a:prstGeom prst="straightConnector1">
-            <a:avLst/>
-          </a:prstGeom>
-          <a:ln>
-            <a:tailEnd type="triangle"/>
-          </a:ln>
-        </p:spPr>
-        <p:style>
-          <a:lnRef idx="2">
-            <a:schemeClr val="accent3">
-              <a:shade val="15000"/>
-            </a:schemeClr>
-          </a:lnRef>
-          <a:fillRef idx="1">
-            <a:schemeClr val="accent3"/>
-          </a:fillRef>
-          <a:effectRef idx="0">
-            <a:schemeClr val="accent3"/>
-          </a:effectRef>
-          <a:fontRef idx="minor">
-            <a:schemeClr val="lt1"/>
-          </a:fontRef>
-        </p:style>
-      </p:cxnSp>
-      <p:sp>
-        <p:nvSpPr>
-          <p:cNvPr id="9" name="正方形/長方形 8">
-            <a:extLst>
-              <a:ext uri="{FF2B5EF4-FFF2-40B4-BE49-F238E27FC236}">
-                <a16:creationId xmlns:a16="http://schemas.microsoft.com/office/drawing/2014/main" id="{CBC8A939-E168-8640-4151-6E3418F38040}"/>
-              </a:ext>
-            </a:extLst>
-          </p:cNvPr>
-          <p:cNvSpPr/>
-          <p:nvPr/>
-        </p:nvSpPr>
-        <p:spPr>
-          <a:xfrm>
-            <a:off x="2514600" y="3724276"/>
-            <a:ext cx="2371725" cy="1485900"/>
-          </a:xfrm>
-          <a:prstGeom prst="rect">
-            <a:avLst/>
-          </a:prstGeom>
-        </p:spPr>
-        <p:style>
-          <a:lnRef idx="2">
-            <a:schemeClr val="accent3">
-              <a:shade val="50000"/>
-            </a:schemeClr>
-          </a:lnRef>
-          <a:fillRef idx="1">
-            <a:schemeClr val="accent3"/>
-          </a:fillRef>
-          <a:effectRef idx="0">
-            <a:schemeClr val="accent3"/>
-          </a:effectRef>
-          <a:fontRef idx="minor">
-            <a:schemeClr val="lt1"/>
-          </a:fontRef>
-        </p:style>
-        <p:txBody>
-          <a:bodyPr rtlCol="0" anchor="ctr"/>
-          <a:lstStyle/>
-          <a:p>
-            <a:pPr algn="ctr"/>
-            <a:r>
-              <a:rPr kumimoji="1" lang="ja-JP" altLang="en-US" dirty="0"/>
-              <a:t>説明変数</a:t>
-            </a:r>
-            <a:r>
-              <a:rPr kumimoji="1" lang="en-US" altLang="ja-JP" dirty="0"/>
-              <a:t>2</a:t>
-            </a:r>
-            <a:r>
-              <a:rPr kumimoji="1" lang="ja-JP" altLang="en-US" dirty="0"/>
-              <a:t>：</a:t>
-            </a:r>
-            <a:r>
-              <a:rPr kumimoji="1" lang="en-US" altLang="ja-JP" dirty="0"/>
-              <a:t/>
-            </a:r>
-            <a:br>
-              <a:rPr kumimoji="1" lang="en-US" altLang="ja-JP" dirty="0"/>
-            </a:br>
-            <a:r>
-              <a:rPr kumimoji="1" lang="ja-JP" altLang="en-US" dirty="0"/>
-              <a:t>肥料</a:t>
-            </a:r>
-            <a:endParaRPr kumimoji="1" lang="en-US" altLang="ja-JP" dirty="0"/>
-          </a:p>
-          <a:p>
-            <a:pPr algn="ctr"/>
-            <a:endParaRPr kumimoji="1" lang="en-US" altLang="ja-JP" sz="900" dirty="0"/>
-          </a:p>
-          <a:p>
-            <a:pPr algn="ctr"/>
-            <a:r>
-              <a:rPr kumimoji="1" lang="ja-JP" altLang="en-US" dirty="0"/>
-              <a:t>水準：</a:t>
-            </a:r>
-            <a:r>
-              <a:rPr kumimoji="1" lang="en-US" altLang="ja-JP" dirty="0"/>
-              <a:t>X,</a:t>
-            </a:r>
-            <a:r>
-              <a:rPr kumimoji="1" lang="ja-JP" altLang="en-US" dirty="0"/>
-              <a:t> </a:t>
-            </a:r>
-            <a:r>
-              <a:rPr kumimoji="1" lang="en-US" altLang="ja-JP" dirty="0"/>
-              <a:t>Y</a:t>
-            </a:r>
-            <a:endParaRPr lang="en-US" altLang="ja-JP" dirty="0"/>
-          </a:p>
-        </p:txBody>
-      </p:sp>
-      <p:cxnSp>
-        <p:nvCxnSpPr>
-          <p:cNvPr id="10" name="直線矢印コネクタ 9">
-            <a:extLst>
-              <a:ext uri="{FF2B5EF4-FFF2-40B4-BE49-F238E27FC236}">
-                <a16:creationId xmlns:a16="http://schemas.microsoft.com/office/drawing/2014/main" id="{3692A9EC-9D53-BBF8-6010-1B3560DD9FC6}"/>
-              </a:ext>
-            </a:extLst>
-          </p:cNvPr>
-          <p:cNvCxnSpPr>
-            <a:cxnSpLocks/>
-            <a:stCxn id="9" idx="3"/>
-            <a:endCxn id="4" idx="1"/>
-          </p:cNvCxnSpPr>
-          <p:nvPr/>
-        </p:nvCxnSpPr>
-        <p:spPr>
-          <a:xfrm flipV="1">
-            <a:off x="4886325" y="3429000"/>
-            <a:ext cx="2047875" cy="1038226"/>
-          </a:xfrm>
-          <a:prstGeom prst="straightConnector1">
-            <a:avLst/>
-          </a:prstGeom>
-          <a:ln>
-            <a:tailEnd type="triangle"/>
-          </a:ln>
-        </p:spPr>
-        <p:style>
-          <a:lnRef idx="2">
-            <a:schemeClr val="accent3">
-              <a:shade val="15000"/>
-            </a:schemeClr>
-          </a:lnRef>
-          <a:fillRef idx="1">
-            <a:schemeClr val="accent3"/>
-          </a:fillRef>
-          <a:effectRef idx="0">
-            <a:schemeClr val="accent3"/>
-          </a:effectRef>
-          <a:fontRef idx="minor">
-            <a:schemeClr val="lt1"/>
-          </a:fontRef>
-        </p:style>
-      </p:cxnSp>
-      <p:sp>
-        <p:nvSpPr>
-          <p:cNvPr id="2" name="楕円 1"/>
-          <p:cNvSpPr/>
-          <p:nvPr/>
-        </p:nvSpPr>
-        <p:spPr>
-          <a:xfrm flipH="1" flipV="1">
-            <a:off x="5475544" y="3303844"/>
-            <a:ext cx="272794" cy="272794"/>
-          </a:xfrm>
-          <a:prstGeom prst="ellipse">
-            <a:avLst/>
-          </a:prstGeom>
-          <a:solidFill>
-            <a:schemeClr val="bg1"/>
-          </a:solidFill>
-          <a:ln>
-            <a:solidFill>
-              <a:srgbClr val="FF0000"/>
-            </a:solidFill>
-          </a:ln>
-        </p:spPr>
-        <p:style>
-          <a:lnRef idx="2">
-            <a:schemeClr val="accent1">
-              <a:shade val="50000"/>
-            </a:schemeClr>
-          </a:lnRef>
-          <a:fillRef idx="1">
-            <a:schemeClr val="accent1"/>
-          </a:fillRef>
-          <a:effectRef idx="0">
-            <a:schemeClr val="accent1"/>
-          </a:effectRef>
-          <a:fontRef idx="minor">
-            <a:schemeClr val="lt1"/>
-          </a:fontRef>
-        </p:style>
-        <p:txBody>
-          <a:bodyPr rtlCol="0" anchor="ctr"/>
-          <a:lstStyle/>
-          <a:p>
-            <a:pPr algn="ctr"/>
-            <a:endParaRPr kumimoji="1" lang="ja-JP" altLang="en-US"/>
-          </a:p>
-        </p:txBody>
-      </p:sp>
-      <p:cxnSp>
-        <p:nvCxnSpPr>
-          <p:cNvPr id="7" name="直線コネクタ 6"/>
-          <p:cNvCxnSpPr>
-            <a:stCxn id="5" idx="3"/>
-            <a:endCxn id="2" idx="5"/>
-          </p:cNvCxnSpPr>
-          <p:nvPr/>
-        </p:nvCxnSpPr>
-        <p:spPr>
-          <a:xfrm>
-            <a:off x="4886325" y="2438399"/>
-            <a:ext cx="629169" cy="905395"/>
-          </a:xfrm>
-          <a:prstGeom prst="line">
-            <a:avLst/>
-          </a:prstGeom>
-          <a:ln>
-            <a:solidFill>
-              <a:srgbClr val="FF0000"/>
-            </a:solidFill>
-          </a:ln>
-        </p:spPr>
-        <p:style>
-          <a:lnRef idx="2">
-            <a:schemeClr val="accent1"/>
-          </a:lnRef>
-          <a:fillRef idx="0">
-            <a:schemeClr val="accent1"/>
-          </a:fillRef>
-          <a:effectRef idx="1">
-            <a:schemeClr val="accent1"/>
-          </a:effectRef>
-          <a:fontRef idx="minor">
-            <a:schemeClr val="tx1"/>
-          </a:fontRef>
-        </p:style>
-      </p:cxnSp>
-      <p:cxnSp>
-        <p:nvCxnSpPr>
-          <p:cNvPr id="11" name="直線コネクタ 10"/>
-          <p:cNvCxnSpPr>
-            <a:stCxn id="9" idx="3"/>
-            <a:endCxn id="2" idx="7"/>
-          </p:cNvCxnSpPr>
-          <p:nvPr/>
-        </p:nvCxnSpPr>
-        <p:spPr>
-          <a:xfrm flipV="1">
-            <a:off x="4886325" y="3536688"/>
-            <a:ext cx="629169" cy="930538"/>
-          </a:xfrm>
-          <a:prstGeom prst="line">
-            <a:avLst/>
-          </a:prstGeom>
-          <a:ln>
-            <a:solidFill>
-              <a:srgbClr val="FF0000"/>
-            </a:solidFill>
-          </a:ln>
-        </p:spPr>
-        <p:style>
-          <a:lnRef idx="2">
-            <a:schemeClr val="accent1"/>
-          </a:lnRef>
-          <a:fillRef idx="0">
-            <a:schemeClr val="accent1"/>
-          </a:fillRef>
-          <a:effectRef idx="1">
-            <a:schemeClr val="accent1"/>
-          </a:effectRef>
-          <a:fontRef idx="minor">
-            <a:schemeClr val="tx1"/>
-          </a:fontRef>
-        </p:style>
-      </p:cxnSp>
-      <p:cxnSp>
-        <p:nvCxnSpPr>
-          <p:cNvPr id="13" name="直線コネクタ 12"/>
-          <p:cNvCxnSpPr>
-            <a:stCxn id="2" idx="2"/>
-            <a:endCxn id="4" idx="1"/>
-          </p:cNvCxnSpPr>
-          <p:nvPr/>
-        </p:nvCxnSpPr>
-        <p:spPr>
-          <a:xfrm flipV="1">
-            <a:off x="5748338" y="3429000"/>
-            <a:ext cx="1185862" cy="11241"/>
-          </a:xfrm>
-          <a:prstGeom prst="line">
-            <a:avLst/>
-          </a:prstGeom>
-          <a:ln>
-            <a:solidFill>
-              <a:srgbClr val="FF0000"/>
-            </a:solidFill>
-            <a:tailEnd type="triangle"/>
-          </a:ln>
-        </p:spPr>
-        <p:style>
-          <a:lnRef idx="2">
-            <a:schemeClr val="accent1"/>
-          </a:lnRef>
-          <a:fillRef idx="0">
-            <a:schemeClr val="accent1"/>
-          </a:fillRef>
-          <a:effectRef idx="1">
-            <a:schemeClr val="accent1"/>
-          </a:effectRef>
-          <a:fontRef idx="minor">
-            <a:schemeClr val="tx1"/>
-          </a:fontRef>
-        </p:style>
-      </p:cxnSp>
-      <p:cxnSp>
-        <p:nvCxnSpPr>
-          <p:cNvPr id="15" name="直線コネクタ 14"/>
-          <p:cNvCxnSpPr>
-            <a:stCxn id="2" idx="5"/>
-            <a:endCxn id="2" idx="1"/>
-          </p:cNvCxnSpPr>
-          <p:nvPr/>
-        </p:nvCxnSpPr>
-        <p:spPr>
-          <a:xfrm>
-            <a:off x="5515494" y="3343794"/>
-            <a:ext cx="192894" cy="192894"/>
-          </a:xfrm>
-          <a:prstGeom prst="line">
-            <a:avLst/>
-          </a:prstGeom>
-          <a:ln>
-            <a:solidFill>
-              <a:srgbClr val="FF0000"/>
-            </a:solidFill>
-          </a:ln>
-        </p:spPr>
-        <p:style>
-          <a:lnRef idx="2">
-            <a:schemeClr val="accent1"/>
-          </a:lnRef>
-          <a:fillRef idx="0">
-            <a:schemeClr val="accent1"/>
-          </a:fillRef>
-          <a:effectRef idx="1">
-            <a:schemeClr val="accent1"/>
-          </a:effectRef>
-          <a:fontRef idx="minor">
-            <a:schemeClr val="tx1"/>
-          </a:fontRef>
-        </p:style>
-      </p:cxnSp>
-      <p:cxnSp>
-        <p:nvCxnSpPr>
-          <p:cNvPr id="17" name="直線コネクタ 16"/>
-          <p:cNvCxnSpPr>
-            <a:stCxn id="2" idx="3"/>
-            <a:endCxn id="2" idx="7"/>
-          </p:cNvCxnSpPr>
-          <p:nvPr/>
-        </p:nvCxnSpPr>
-        <p:spPr>
-          <a:xfrm flipH="1">
-            <a:off x="5515494" y="3343794"/>
-            <a:ext cx="192894" cy="192894"/>
-          </a:xfrm>
-          <a:prstGeom prst="line">
-            <a:avLst/>
-          </a:prstGeom>
-          <a:ln>
-            <a:solidFill>
-              <a:srgbClr val="FF0000"/>
-            </a:solidFill>
-          </a:ln>
-        </p:spPr>
-        <p:style>
-          <a:lnRef idx="2">
-            <a:schemeClr val="accent1"/>
-          </a:lnRef>
-          <a:fillRef idx="0">
-            <a:schemeClr val="accent1"/>
-          </a:fillRef>
-          <a:effectRef idx="1">
-            <a:schemeClr val="accent1"/>
-          </a:effectRef>
-          <a:fontRef idx="minor">
-            <a:schemeClr val="tx1"/>
-          </a:fontRef>
-        </p:style>
-      </p:cxnSp>
-    </p:spTree>
-    <p:extLst>
-      <p:ext uri="{BB962C8B-B14F-4D97-AF65-F5344CB8AC3E}">
-        <p14:creationId xmlns:p14="http://schemas.microsoft.com/office/powerpoint/2010/main" val="3356814384"/>
-      </p:ext>
-    </p:extLst>
-  </p:cSld>
-  <p:clrMapOvr>
-    <a:masterClrMapping/>
-  </p:clrMapOvr>
-</p:sld>
-</file>
-
-<file path=ppt/slides/slide9.xml><?xml version="1.0" encoding="utf-8"?>
-<p:sld xmlns:a="http://schemas.openxmlformats.org/drawingml/2006/main" xmlns:r="http://schemas.openxmlformats.org/officeDocument/2006/relationships" xmlns:p="http://schemas.openxmlformats.org/presentationml/2006/main">
-  <p:cSld>
-    <p:spTree>
-      <p:nvGrpSpPr>
-        <p:cNvPr id="1" name=""/>
-        <p:cNvGrpSpPr/>
-        <p:nvPr/>
-      </p:nvGrpSpPr>
-      <p:grpSpPr>
-        <a:xfrm>
-          <a:off x="0" y="0"/>
-          <a:ext cx="0" cy="0"/>
-          <a:chOff x="0" y="0"/>
-          <a:chExt cx="0" cy="0"/>
-        </a:xfrm>
-      </p:grpSpPr>
-      <p:sp>
-        <p:nvSpPr>
-          <p:cNvPr id="4" name="正方形/長方形 3">
-            <a:extLst>
-              <a:ext uri="{FF2B5EF4-FFF2-40B4-BE49-F238E27FC236}">
-                <a16:creationId xmlns:a16="http://schemas.microsoft.com/office/drawing/2014/main" id="{D1E12261-89B1-F2A3-34A0-BBE7B31A48CA}"/>
-              </a:ext>
-            </a:extLst>
-          </p:cNvPr>
-          <p:cNvSpPr/>
-          <p:nvPr/>
-        </p:nvSpPr>
-        <p:spPr>
-          <a:xfrm>
-            <a:off x="6810375" y="1376173"/>
-            <a:ext cx="2476500" cy="1024128"/>
-          </a:xfrm>
-          <a:prstGeom prst="rect">
-            <a:avLst/>
-          </a:prstGeom>
-        </p:spPr>
-        <p:style>
-          <a:lnRef idx="2">
-            <a:schemeClr val="accent3">
-              <a:shade val="15000"/>
-            </a:schemeClr>
-          </a:lnRef>
-          <a:fillRef idx="1">
-            <a:schemeClr val="accent3"/>
-          </a:fillRef>
-          <a:effectRef idx="0">
-            <a:schemeClr val="accent3"/>
-          </a:effectRef>
-          <a:fontRef idx="minor">
-            <a:schemeClr val="lt1"/>
-          </a:fontRef>
-        </p:style>
-        <p:txBody>
-          <a:bodyPr rtlCol="0" anchor="ctr"/>
-          <a:lstStyle/>
-          <a:p>
-            <a:pPr algn="ctr"/>
-            <a:r>
-              <a:rPr kumimoji="1" lang="ja-JP" altLang="en-US" dirty="0"/>
-              <a:t>目的変数：</a:t>
-            </a:r>
-            <a:endParaRPr kumimoji="1" lang="en-US" altLang="ja-JP" dirty="0"/>
-          </a:p>
-          <a:p>
-            <a:pPr algn="ctr"/>
-            <a:r>
-              <a:rPr kumimoji="1" lang="ja-JP" altLang="en-US" dirty="0"/>
-              <a:t>収穫量</a:t>
-            </a:r>
-            <a:endParaRPr kumimoji="1" lang="en-US" altLang="ja-JP" dirty="0"/>
-          </a:p>
-          <a:p>
-            <a:pPr algn="ctr"/>
-            <a:r>
-              <a:rPr lang="ja-JP" altLang="en-US" dirty="0"/>
-              <a:t>（連続変数）</a:t>
-            </a:r>
-            <a:endParaRPr kumimoji="1" lang="ja-JP" altLang="en-US" dirty="0"/>
-          </a:p>
-        </p:txBody>
-      </p:sp>
-      <p:sp>
-        <p:nvSpPr>
-          <p:cNvPr id="5" name="正方形/長方形 4">
-            <a:extLst>
-              <a:ext uri="{FF2B5EF4-FFF2-40B4-BE49-F238E27FC236}">
-                <a16:creationId xmlns:a16="http://schemas.microsoft.com/office/drawing/2014/main" id="{CBC8A939-E168-8640-4151-6E3418F38040}"/>
-              </a:ext>
-            </a:extLst>
-          </p:cNvPr>
-          <p:cNvSpPr/>
-          <p:nvPr/>
-        </p:nvSpPr>
-        <p:spPr>
-          <a:xfrm>
-            <a:off x="2914650" y="1145287"/>
-            <a:ext cx="2371725" cy="1485900"/>
-          </a:xfrm>
-          <a:prstGeom prst="rect">
-            <a:avLst/>
-          </a:prstGeom>
-        </p:spPr>
-        <p:style>
-          <a:lnRef idx="2">
-            <a:schemeClr val="accent3">
-              <a:shade val="50000"/>
-            </a:schemeClr>
-          </a:lnRef>
-          <a:fillRef idx="1">
-            <a:schemeClr val="accent3"/>
-          </a:fillRef>
-          <a:effectRef idx="0">
-            <a:schemeClr val="accent3"/>
-          </a:effectRef>
-          <a:fontRef idx="minor">
-            <a:schemeClr val="lt1"/>
-          </a:fontRef>
-        </p:style>
-        <p:txBody>
-          <a:bodyPr rtlCol="0" anchor="ctr"/>
-          <a:lstStyle/>
-          <a:p>
-            <a:pPr algn="ctr"/>
-            <a:r>
-              <a:rPr kumimoji="1" lang="ja-JP" altLang="en-US" dirty="0"/>
-              <a:t>説明変数</a:t>
-            </a:r>
-            <a:r>
-              <a:rPr kumimoji="1" lang="en-US" altLang="ja-JP" dirty="0"/>
-              <a:t>2</a:t>
-            </a:r>
-            <a:r>
-              <a:rPr kumimoji="1" lang="ja-JP" altLang="en-US" dirty="0"/>
-              <a:t>：</a:t>
-            </a:r>
-            <a:r>
-              <a:rPr kumimoji="1" lang="en-US" altLang="ja-JP" dirty="0"/>
-              <a:t/>
-            </a:r>
-            <a:br>
-              <a:rPr kumimoji="1" lang="en-US" altLang="ja-JP" dirty="0"/>
-            </a:br>
-            <a:r>
-              <a:rPr kumimoji="1" lang="ja-JP" altLang="en-US" dirty="0"/>
-              <a:t>肥料</a:t>
-            </a:r>
-            <a:endParaRPr kumimoji="1" lang="en-US" altLang="ja-JP" dirty="0"/>
-          </a:p>
-          <a:p>
-            <a:pPr algn="ctr"/>
-            <a:endParaRPr kumimoji="1" lang="en-US" altLang="ja-JP" sz="900" dirty="0"/>
-          </a:p>
-          <a:p>
-            <a:pPr algn="ctr"/>
-            <a:r>
-              <a:rPr kumimoji="1" lang="ja-JP" altLang="en-US" dirty="0"/>
-              <a:t>水準：</a:t>
-            </a:r>
-            <a:r>
-              <a:rPr kumimoji="1" lang="en-US" altLang="ja-JP" dirty="0"/>
-              <a:t>X,</a:t>
-            </a:r>
-            <a:r>
-              <a:rPr kumimoji="1" lang="ja-JP" altLang="en-US" dirty="0"/>
-              <a:t> </a:t>
-            </a:r>
-            <a:r>
-              <a:rPr kumimoji="1" lang="en-US" altLang="ja-JP" dirty="0"/>
-              <a:t>Y</a:t>
-            </a:r>
-            <a:endParaRPr lang="en-US" altLang="ja-JP" dirty="0"/>
-          </a:p>
-        </p:txBody>
-      </p:sp>
-      <p:sp>
-        <p:nvSpPr>
-          <p:cNvPr id="6" name="正方形/長方形 5">
-            <a:extLst>
-              <a:ext uri="{FF2B5EF4-FFF2-40B4-BE49-F238E27FC236}">
-                <a16:creationId xmlns:a16="http://schemas.microsoft.com/office/drawing/2014/main" id="{D1E12261-89B1-F2A3-34A0-BBE7B31A48CA}"/>
-              </a:ext>
-            </a:extLst>
-          </p:cNvPr>
-          <p:cNvSpPr/>
-          <p:nvPr/>
-        </p:nvSpPr>
-        <p:spPr>
-          <a:xfrm>
-            <a:off x="6810375" y="3659886"/>
-            <a:ext cx="2476500" cy="1024128"/>
-          </a:xfrm>
-          <a:prstGeom prst="rect">
-            <a:avLst/>
-          </a:prstGeom>
-        </p:spPr>
-        <p:style>
-          <a:lnRef idx="2">
-            <a:schemeClr val="accent3">
-              <a:shade val="15000"/>
-            </a:schemeClr>
-          </a:lnRef>
-          <a:fillRef idx="1">
-            <a:schemeClr val="accent3"/>
-          </a:fillRef>
-          <a:effectRef idx="0">
-            <a:schemeClr val="accent3"/>
-          </a:effectRef>
-          <a:fontRef idx="minor">
-            <a:schemeClr val="lt1"/>
-          </a:fontRef>
-        </p:style>
-        <p:txBody>
-          <a:bodyPr rtlCol="0" anchor="ctr"/>
-          <a:lstStyle/>
-          <a:p>
-            <a:pPr algn="ctr"/>
-            <a:r>
-              <a:rPr kumimoji="1" lang="ja-JP" altLang="en-US" dirty="0"/>
-              <a:t>目的変数：</a:t>
-            </a:r>
-            <a:endParaRPr kumimoji="1" lang="en-US" altLang="ja-JP" dirty="0"/>
-          </a:p>
-          <a:p>
-            <a:pPr algn="ctr"/>
-            <a:r>
-              <a:rPr kumimoji="1" lang="ja-JP" altLang="en-US" dirty="0"/>
-              <a:t>収穫量</a:t>
-            </a:r>
-            <a:endParaRPr kumimoji="1" lang="en-US" altLang="ja-JP" dirty="0"/>
-          </a:p>
-          <a:p>
-            <a:pPr algn="ctr"/>
-            <a:r>
-              <a:rPr lang="ja-JP" altLang="en-US" dirty="0"/>
-              <a:t>（連続変数）</a:t>
-            </a:r>
-            <a:endParaRPr kumimoji="1" lang="ja-JP" altLang="en-US" dirty="0"/>
-          </a:p>
-        </p:txBody>
-      </p:sp>
-      <p:sp>
-        <p:nvSpPr>
-          <p:cNvPr id="7" name="正方形/長方形 6">
-            <a:extLst>
-              <a:ext uri="{FF2B5EF4-FFF2-40B4-BE49-F238E27FC236}">
-                <a16:creationId xmlns:a16="http://schemas.microsoft.com/office/drawing/2014/main" id="{CBC8A939-E168-8640-4151-6E3418F38040}"/>
-              </a:ext>
-            </a:extLst>
-          </p:cNvPr>
-          <p:cNvSpPr/>
-          <p:nvPr/>
-        </p:nvSpPr>
-        <p:spPr>
-          <a:xfrm>
-            <a:off x="2914650" y="3429000"/>
-            <a:ext cx="2371725" cy="1485900"/>
-          </a:xfrm>
-          <a:prstGeom prst="rect">
-            <a:avLst/>
-          </a:prstGeom>
-        </p:spPr>
-        <p:style>
-          <a:lnRef idx="2">
-            <a:schemeClr val="accent3">
-              <a:shade val="50000"/>
-            </a:schemeClr>
-          </a:lnRef>
-          <a:fillRef idx="1">
-            <a:schemeClr val="accent3"/>
-          </a:fillRef>
-          <a:effectRef idx="0">
-            <a:schemeClr val="accent3"/>
-          </a:effectRef>
-          <a:fontRef idx="minor">
-            <a:schemeClr val="lt1"/>
-          </a:fontRef>
-        </p:style>
-        <p:txBody>
-          <a:bodyPr rtlCol="0" anchor="ctr"/>
-          <a:lstStyle/>
-          <a:p>
-            <a:pPr algn="ctr"/>
-            <a:r>
-              <a:rPr kumimoji="1" lang="ja-JP" altLang="en-US" dirty="0"/>
-              <a:t>説明変数</a:t>
-            </a:r>
-            <a:r>
-              <a:rPr kumimoji="1" lang="en-US" altLang="ja-JP" dirty="0"/>
-              <a:t>2</a:t>
-            </a:r>
-            <a:r>
-              <a:rPr kumimoji="1" lang="ja-JP" altLang="en-US" dirty="0"/>
-              <a:t>：</a:t>
-            </a:r>
-            <a:r>
-              <a:rPr kumimoji="1" lang="en-US" altLang="ja-JP" dirty="0"/>
-              <a:t/>
-            </a:r>
-            <a:br>
-              <a:rPr kumimoji="1" lang="en-US" altLang="ja-JP" dirty="0"/>
-            </a:br>
-            <a:r>
-              <a:rPr kumimoji="1" lang="ja-JP" altLang="en-US" dirty="0"/>
-              <a:t>肥料</a:t>
-            </a:r>
-            <a:endParaRPr kumimoji="1" lang="en-US" altLang="ja-JP" dirty="0"/>
-          </a:p>
-          <a:p>
-            <a:pPr algn="ctr"/>
-            <a:endParaRPr kumimoji="1" lang="en-US" altLang="ja-JP" sz="900" dirty="0"/>
-          </a:p>
-          <a:p>
-            <a:pPr algn="ctr"/>
-            <a:r>
-              <a:rPr kumimoji="1" lang="ja-JP" altLang="en-US" dirty="0"/>
-              <a:t>水準：</a:t>
-            </a:r>
-            <a:r>
-              <a:rPr kumimoji="1" lang="en-US" altLang="ja-JP" dirty="0"/>
-              <a:t>X,</a:t>
-            </a:r>
-            <a:r>
-              <a:rPr kumimoji="1" lang="ja-JP" altLang="en-US" dirty="0"/>
-              <a:t> </a:t>
-            </a:r>
-            <a:r>
-              <a:rPr kumimoji="1" lang="en-US" altLang="ja-JP" dirty="0"/>
-              <a:t>Y</a:t>
-            </a:r>
-            <a:endParaRPr lang="en-US" altLang="ja-JP" dirty="0"/>
-          </a:p>
-        </p:txBody>
-      </p:sp>
-      <p:sp>
-        <p:nvSpPr>
-          <p:cNvPr id="8" name="テキスト ボックス 7"/>
-          <p:cNvSpPr txBox="1"/>
-          <p:nvPr/>
-        </p:nvSpPr>
-        <p:spPr>
-          <a:xfrm>
-            <a:off x="2362200" y="3048000"/>
-            <a:ext cx="2457450" cy="381000"/>
-          </a:xfrm>
-          <a:prstGeom prst="rect">
-            <a:avLst/>
-          </a:prstGeom>
-          <a:noFill/>
-        </p:spPr>
-        <p:txBody>
-          <a:bodyPr wrap="square" rtlCol="0">
-            <a:spAutoFit/>
-          </a:bodyPr>
-          <a:lstStyle/>
-          <a:p>
-            <a:r>
-              <a:rPr kumimoji="1" lang="ja-JP" altLang="en-US" dirty="0"/>
-              <a:t>品種：</a:t>
-            </a:r>
-            <a:r>
-              <a:rPr kumimoji="1" lang="en-US" altLang="ja-JP" dirty="0"/>
-              <a:t>B</a:t>
-            </a:r>
-            <a:endParaRPr kumimoji="1" lang="ja-JP" altLang="en-US" dirty="0"/>
-          </a:p>
-        </p:txBody>
-      </p:sp>
-      <p:sp>
-        <p:nvSpPr>
-          <p:cNvPr id="9" name="テキスト ボックス 8"/>
-          <p:cNvSpPr txBox="1"/>
-          <p:nvPr/>
-        </p:nvSpPr>
-        <p:spPr>
-          <a:xfrm>
-            <a:off x="2362200" y="764287"/>
-            <a:ext cx="2457450" cy="381000"/>
-          </a:xfrm>
-          <a:prstGeom prst="rect">
-            <a:avLst/>
-          </a:prstGeom>
-          <a:noFill/>
-        </p:spPr>
-        <p:txBody>
-          <a:bodyPr wrap="square" rtlCol="0">
-            <a:spAutoFit/>
-          </a:bodyPr>
-          <a:lstStyle/>
-          <a:p>
-            <a:r>
-              <a:rPr kumimoji="1" lang="ja-JP" altLang="en-US" dirty="0"/>
-              <a:t>品種：</a:t>
-            </a:r>
-            <a:r>
-              <a:rPr kumimoji="1" lang="en-US" altLang="ja-JP" dirty="0"/>
-              <a:t>A</a:t>
-            </a:r>
-            <a:endParaRPr kumimoji="1" lang="ja-JP" altLang="en-US" dirty="0"/>
-          </a:p>
-        </p:txBody>
-      </p:sp>
-      <p:cxnSp>
-        <p:nvCxnSpPr>
-          <p:cNvPr id="10" name="直線矢印コネクタ 9">
-            <a:extLst>
-              <a:ext uri="{FF2B5EF4-FFF2-40B4-BE49-F238E27FC236}">
-                <a16:creationId xmlns:a16="http://schemas.microsoft.com/office/drawing/2014/main" id="{78716ED2-DF3B-D92E-7BD8-3AA09D91A477}"/>
-              </a:ext>
-            </a:extLst>
-          </p:cNvPr>
-          <p:cNvCxnSpPr>
-            <a:cxnSpLocks/>
-            <a:stCxn id="5" idx="3"/>
-            <a:endCxn id="4" idx="1"/>
-          </p:cNvCxnSpPr>
-          <p:nvPr/>
-        </p:nvCxnSpPr>
-        <p:spPr>
-          <a:xfrm>
-            <a:off x="5286375" y="1888237"/>
-            <a:ext cx="1524000" cy="0"/>
-          </a:xfrm>
-          <a:prstGeom prst="straightConnector1">
-            <a:avLst/>
-          </a:prstGeom>
-          <a:ln>
-            <a:tailEnd type="triangle"/>
-          </a:ln>
-        </p:spPr>
-        <p:style>
-          <a:lnRef idx="2">
-            <a:schemeClr val="accent3">
-              <a:shade val="15000"/>
-            </a:schemeClr>
-          </a:lnRef>
-          <a:fillRef idx="1">
-            <a:schemeClr val="accent3"/>
-          </a:fillRef>
-          <a:effectRef idx="0">
-            <a:schemeClr val="accent3"/>
-          </a:effectRef>
-          <a:fontRef idx="minor">
-            <a:schemeClr val="lt1"/>
-          </a:fontRef>
-        </p:style>
-      </p:cxnSp>
-      <p:cxnSp>
-        <p:nvCxnSpPr>
-          <p:cNvPr id="13" name="直線矢印コネクタ 12">
-            <a:extLst>
-              <a:ext uri="{FF2B5EF4-FFF2-40B4-BE49-F238E27FC236}">
-                <a16:creationId xmlns:a16="http://schemas.microsoft.com/office/drawing/2014/main" id="{78716ED2-DF3B-D92E-7BD8-3AA09D91A477}"/>
-              </a:ext>
-            </a:extLst>
-          </p:cNvPr>
-          <p:cNvCxnSpPr>
-            <a:cxnSpLocks/>
-            <a:stCxn id="7" idx="3"/>
-            <a:endCxn id="6" idx="1"/>
-          </p:cNvCxnSpPr>
-          <p:nvPr/>
-        </p:nvCxnSpPr>
-        <p:spPr>
-          <a:xfrm>
-            <a:off x="5286375" y="4171950"/>
-            <a:ext cx="1524000" cy="0"/>
-          </a:xfrm>
-          <a:prstGeom prst="straightConnector1">
-            <a:avLst/>
-          </a:prstGeom>
-          <a:ln>
-            <a:tailEnd type="triangle"/>
-          </a:ln>
-        </p:spPr>
-        <p:style>
-          <a:lnRef idx="2">
-            <a:schemeClr val="accent3">
-              <a:shade val="15000"/>
-            </a:schemeClr>
-          </a:lnRef>
-          <a:fillRef idx="1">
-            <a:schemeClr val="accent3"/>
-          </a:fillRef>
-          <a:effectRef idx="0">
-            <a:schemeClr val="accent3"/>
-          </a:effectRef>
-          <a:fontRef idx="minor">
-            <a:schemeClr val="lt1"/>
-          </a:fontRef>
-        </p:style>
-      </p:cxnSp>
-    </p:spTree>
-    <p:extLst>
-      <p:ext uri="{BB962C8B-B14F-4D97-AF65-F5344CB8AC3E}">
-        <p14:creationId xmlns:p14="http://schemas.microsoft.com/office/powerpoint/2010/main" val="769999472"/>
       </p:ext>
     </p:extLst>
   </p:cSld>
